--- a/滤波.pptx
+++ b/滤波.pptx
@@ -13,6 +13,12 @@
     <p:sldId id="275" r:id="rId8"/>
     <p:sldId id="278" r:id="rId9"/>
     <p:sldId id="276" r:id="rId10"/>
+    <p:sldId id="279" r:id="rId11"/>
+    <p:sldId id="280" r:id="rId12"/>
+    <p:sldId id="281" r:id="rId13"/>
+    <p:sldId id="282" r:id="rId14"/>
+    <p:sldId id="283" r:id="rId15"/>
+    <p:sldId id="284" r:id="rId16"/>
   </p:sldIdLst>
   <p:sldSz cx="12192000" cy="6858000"/>
   <p:notesSz cx="6858000" cy="9144000"/>
@@ -114,7 +120,7 @@
   <p:extLst>
     <p:ext uri="{EFAFB233-063F-42B5-8137-9DF3F51BA10A}">
       <p15:sldGuideLst xmlns:p15="http://schemas.microsoft.com/office/powerpoint/2012/main">
-        <p15:guide id="1" orient="horz" pos="2193" userDrawn="1">
+        <p15:guide id="1" orient="horz" pos="2213" userDrawn="1">
           <p15:clr>
             <a:srgbClr val="A4A3A4"/>
           </p15:clr>
@@ -3152,6 +3158,8032 @@
 </p:sld>
 </file>
 
+<file path=ppt/slides/slide10.xml><?xml version="1.0" encoding="utf-8"?>
+<p:sld xmlns:a="http://schemas.openxmlformats.org/drawingml/2006/main" xmlns:r="http://schemas.openxmlformats.org/officeDocument/2006/relationships" xmlns:p="http://schemas.openxmlformats.org/presentationml/2006/main">
+  <p:cSld>
+    <p:spTree>
+      <p:nvGrpSpPr>
+        <p:cNvPr id="1" name=""/>
+        <p:cNvGrpSpPr/>
+        <p:nvPr/>
+      </p:nvGrpSpPr>
+      <p:grpSpPr/>
+      <p:sp>
+        <p:nvSpPr>
+          <p:cNvPr id="4" name="文本框 3"/>
+          <p:cNvSpPr txBox="1"/>
+          <p:nvPr/>
+        </p:nvSpPr>
+        <p:spPr>
+          <a:xfrm>
+            <a:off x="735330" y="405130"/>
+            <a:ext cx="8323580" cy="368300"/>
+          </a:xfrm>
+          <a:prstGeom prst="rect">
+            <a:avLst/>
+          </a:prstGeom>
+          <a:noFill/>
+        </p:spPr>
+        <p:txBody>
+          <a:bodyPr wrap="square" rtlCol="0">
+            <a:spAutoFit/>
+          </a:bodyPr>
+          <a:p>
+            <a:r>
+              <a:rPr lang="zh-CN" altLang="en-US">
+                <a:sym typeface="+mn-ea"/>
+              </a:rPr>
+              <a:t>刚体旋转的定义：刚体绕着一条空间中的直线（</a:t>
+            </a:r>
+            <a:r>
+              <a:rPr lang="zh-CN" altLang="en-US">
+                <a:sym typeface="+mn-ea"/>
+              </a:rPr>
+              <a:t>旋转轴</a:t>
+            </a:r>
+            <a:r>
+              <a:rPr lang="zh-CN" altLang="en-US">
+                <a:sym typeface="+mn-ea"/>
+              </a:rPr>
+              <a:t>）</a:t>
+            </a:r>
+            <a:r>
+              <a:rPr lang="zh-CN" altLang="en-US">
+                <a:sym typeface="+mn-ea"/>
+              </a:rPr>
+              <a:t>顺时针</a:t>
+            </a:r>
+            <a:r>
+              <a:rPr lang="en-US" altLang="zh-CN">
+                <a:sym typeface="+mn-ea"/>
+              </a:rPr>
+              <a:t>/</a:t>
+            </a:r>
+            <a:r>
+              <a:rPr lang="zh-CN" altLang="en-US">
+                <a:sym typeface="+mn-ea"/>
+              </a:rPr>
+              <a:t>逆时针旋转。</a:t>
+            </a:r>
+            <a:endParaRPr lang="zh-CN" altLang="en-US"/>
+          </a:p>
+        </p:txBody>
+      </p:sp>
+      <p:sp>
+        <p:nvSpPr>
+          <p:cNvPr id="5" name="文本框 4"/>
+          <p:cNvSpPr txBox="1"/>
+          <p:nvPr/>
+        </p:nvSpPr>
+        <p:spPr>
+          <a:xfrm>
+            <a:off x="735330" y="1189990"/>
+            <a:ext cx="7346950" cy="1198880"/>
+          </a:xfrm>
+          <a:prstGeom prst="rect">
+            <a:avLst/>
+          </a:prstGeom>
+          <a:noFill/>
+        </p:spPr>
+        <p:txBody>
+          <a:bodyPr wrap="square" rtlCol="0">
+            <a:spAutoFit/>
+          </a:bodyPr>
+          <a:p>
+            <a:r>
+              <a:rPr lang="zh-CN" altLang="en-US"/>
+              <a:t>旋转轴：由旋转轴上任意一点和一个方向矢量</a:t>
+            </a:r>
+            <a:r>
+              <a:rPr lang="en-US" altLang="zh-CN"/>
+              <a:t>(</a:t>
+            </a:r>
+            <a:r>
+              <a:rPr lang="zh-CN" altLang="en-US"/>
+              <a:t>角速度矢量</a:t>
+            </a:r>
+            <a:r>
+              <a:rPr lang="en-US" altLang="zh-CN"/>
+              <a:t>)</a:t>
+            </a:r>
+            <a:r>
+              <a:rPr lang="zh-CN" altLang="en-US"/>
+              <a:t>确定。</a:t>
+            </a:r>
+            <a:endParaRPr lang="zh-CN" altLang="en-US"/>
+          </a:p>
+          <a:p>
+            <a:r>
+              <a:rPr lang="zh-CN" altLang="en-US"/>
+              <a:t>角速度</a:t>
+            </a:r>
+            <a:r>
+              <a:rPr lang="zh-CN" altLang="en-US"/>
+              <a:t>矢量：角速度的方向沿着旋转轴</a:t>
+            </a:r>
+            <a:r>
+              <a:rPr lang="en-US" altLang="zh-CN"/>
+              <a:t>(</a:t>
+            </a:r>
+            <a:r>
+              <a:rPr lang="zh-CN" altLang="en-US"/>
+              <a:t>右手系</a:t>
+            </a:r>
+            <a:r>
+              <a:rPr lang="en-US" altLang="zh-CN"/>
+              <a:t>)</a:t>
+            </a:r>
+            <a:r>
+              <a:rPr lang="zh-CN" altLang="en-US"/>
+              <a:t>；大小等于单位时间转过的</a:t>
+            </a:r>
+            <a:r>
+              <a:rPr lang="zh-CN" altLang="en-US"/>
+              <a:t>角度。</a:t>
+            </a:r>
+            <a:endParaRPr lang="zh-CN" altLang="en-US"/>
+          </a:p>
+          <a:p>
+            <a:r>
+              <a:rPr lang="zh-CN" altLang="en-US"/>
+              <a:t>质点线速度：刚体上某个质点的瞬时运动方向，与角速度方向垂直。</a:t>
+            </a:r>
+            <a:endParaRPr lang="zh-CN" altLang="en-US"/>
+          </a:p>
+        </p:txBody>
+      </p:sp>
+      <mc:AlternateContent xmlns:mc="http://schemas.openxmlformats.org/markup-compatibility/2006">
+        <mc:Choice xmlns:a14="http://schemas.microsoft.com/office/drawing/2010/main" Requires="a14">
+          <p:sp>
+            <p:nvSpPr>
+              <p:cNvPr id="7" name="文本框 6"/>
+              <p:cNvSpPr txBox="1"/>
+              <p:nvPr/>
+            </p:nvSpPr>
+            <p:spPr>
+              <a:xfrm>
+                <a:off x="3503930" y="3009900"/>
+                <a:ext cx="4064000" cy="645160"/>
+              </a:xfrm>
+              <a:prstGeom prst="rect">
+                <a:avLst/>
+              </a:prstGeom>
+              <a:noFill/>
+            </p:spPr>
+            <p:txBody>
+              <a:bodyPr wrap="square" rtlCol="0">
+                <a:spAutoFit/>
+              </a:bodyPr>
+              <a:p>
+                <a14:m>
+                  <m:oMathPara xmlns:m="http://schemas.openxmlformats.org/officeDocument/2006/math">
+                    <m:oMathParaPr>
+                      <m:jc m:val="centerGroup"/>
+                    </m:oMathParaPr>
+                    <m:oMath xmlns:m="http://schemas.openxmlformats.org/officeDocument/2006/math">
+                      <m:r>
+                        <a:rPr lang="en-US" altLang="zh-CN" i="1">
+                          <a:latin typeface="Cambria Math" panose="02040503050406030204" charset="0"/>
+                          <a:cs typeface="Cambria Math" panose="02040503050406030204" charset="0"/>
+                        </a:rPr>
+                        <m:t>𝑣</m:t>
+                      </m:r>
+                      <m:r>
+                        <a:rPr lang="en-US" altLang="zh-CN" i="1">
+                          <a:latin typeface="Cambria Math" panose="02040503050406030204" charset="0"/>
+                          <a:cs typeface="Cambria Math" panose="02040503050406030204" charset="0"/>
+                        </a:rPr>
+                        <m:t>=</m:t>
+                      </m:r>
+                      <m:r>
+                        <a:rPr lang="en-US" altLang="zh-CN" i="1">
+                          <a:latin typeface="Cambria Math" panose="02040503050406030204" charset="0"/>
+                          <a:cs typeface="Cambria Math" panose="02040503050406030204" charset="0"/>
+                        </a:rPr>
+                        <m:t>𝑤</m:t>
+                      </m:r>
+                      <m:r>
+                        <a:rPr lang="en-US" altLang="zh-CN" i="1">
+                          <a:latin typeface="Cambria Math" panose="02040503050406030204" charset="0"/>
+                          <a:cs typeface="Cambria Math" panose="02040503050406030204" charset="0"/>
+                        </a:rPr>
+                        <m:t>×</m:t>
+                      </m:r>
+                      <m:r>
+                        <a:rPr lang="en-US" altLang="zh-CN" i="1">
+                          <a:latin typeface="Cambria Math" panose="02040503050406030204" charset="0"/>
+                          <a:cs typeface="Cambria Math" panose="02040503050406030204" charset="0"/>
+                        </a:rPr>
+                        <m:t>𝑟</m:t>
+                      </m:r>
+                    </m:oMath>
+                    <m:oMath xmlns:m="http://schemas.openxmlformats.org/officeDocument/2006/math">
+                      <m:r>
+                        <a:rPr lang="en-US" altLang="zh-CN" i="1">
+                          <a:latin typeface="Cambria Math" panose="02040503050406030204" charset="0"/>
+                          <a:cs typeface="Cambria Math" panose="02040503050406030204" charset="0"/>
+                        </a:rPr>
+                        <m:t>=</m:t>
+                      </m:r>
+                      <m:d>
+                        <m:dPr>
+                          <m:begChr m:val="|"/>
+                          <m:endChr m:val="|"/>
+                          <m:ctrlPr>
+                            <a:rPr lang="en-US" altLang="zh-CN" i="1">
+                              <a:latin typeface="Cambria Math" panose="02040503050406030204" charset="0"/>
+                              <a:cs typeface="Cambria Math" panose="02040503050406030204" charset="0"/>
+                            </a:rPr>
+                          </m:ctrlPr>
+                        </m:dPr>
+                        <m:e>
+                          <m:r>
+                            <a:rPr lang="en-US" altLang="zh-CN" i="1">
+                              <a:latin typeface="Cambria Math" panose="02040503050406030204" charset="0"/>
+                              <a:cs typeface="Cambria Math" panose="02040503050406030204" charset="0"/>
+                            </a:rPr>
+                            <m:t>𝑤</m:t>
+                          </m:r>
+                        </m:e>
+                      </m:d>
+                      <m:d>
+                        <m:dPr>
+                          <m:begChr m:val="|"/>
+                          <m:endChr m:val="|"/>
+                          <m:ctrlPr>
+                            <a:rPr lang="en-US" altLang="zh-CN" i="1">
+                              <a:latin typeface="Cambria Math" panose="02040503050406030204" charset="0"/>
+                              <a:cs typeface="Cambria Math" panose="02040503050406030204" charset="0"/>
+                            </a:rPr>
+                          </m:ctrlPr>
+                        </m:dPr>
+                        <m:e>
+                          <m:r>
+                            <a:rPr lang="en-US" altLang="zh-CN" i="1">
+                              <a:latin typeface="Cambria Math" panose="02040503050406030204" charset="0"/>
+                              <a:cs typeface="Cambria Math" panose="02040503050406030204" charset="0"/>
+                            </a:rPr>
+                            <m:t>𝑟</m:t>
+                          </m:r>
+                        </m:e>
+                      </m:d>
+                      <m:r>
+                        <a:rPr lang="en-US" altLang="zh-CN" i="1">
+                          <a:latin typeface="Cambria Math" panose="02040503050406030204" charset="0"/>
+                          <a:cs typeface="Cambria Math" panose="02040503050406030204" charset="0"/>
+                        </a:rPr>
+                        <m:t>𝑠𝑖𝑛</m:t>
+                      </m:r>
+                      <m:d>
+                        <m:dPr>
+                          <m:ctrlPr>
+                            <a:rPr lang="en-US" altLang="zh-CN" i="1">
+                              <a:latin typeface="Cambria Math" panose="02040503050406030204" charset="0"/>
+                              <a:cs typeface="Cambria Math" panose="02040503050406030204" charset="0"/>
+                            </a:rPr>
+                          </m:ctrlPr>
+                        </m:dPr>
+                        <m:e>
+                          <m:d>
+                            <m:dPr>
+                              <m:begChr m:val="〈"/>
+                              <m:endChr m:val="〉"/>
+                              <m:ctrlPr>
+                                <a:rPr lang="en-US" altLang="zh-CN" i="1">
+                                  <a:latin typeface="Cambria Math" panose="02040503050406030204" charset="0"/>
+                                  <a:cs typeface="Cambria Math" panose="02040503050406030204" charset="0"/>
+                                </a:rPr>
+                              </m:ctrlPr>
+                            </m:dPr>
+                            <m:e>
+                              <m:r>
+                                <a:rPr lang="en-US" altLang="zh-CN" i="1">
+                                  <a:latin typeface="Cambria Math" panose="02040503050406030204" charset="0"/>
+                                  <a:cs typeface="Cambria Math" panose="02040503050406030204" charset="0"/>
+                                </a:rPr>
+                                <m:t>𝑤</m:t>
+                              </m:r>
+                              <m:r>
+                                <a:rPr lang="en-US" altLang="zh-CN" i="1">
+                                  <a:latin typeface="Cambria Math" panose="02040503050406030204" charset="0"/>
+                                  <a:cs typeface="Cambria Math" panose="02040503050406030204" charset="0"/>
+                                </a:rPr>
+                                <m:t>,</m:t>
+                              </m:r>
+                              <m:r>
+                                <a:rPr lang="en-US" altLang="zh-CN" i="1">
+                                  <a:latin typeface="Cambria Math" panose="02040503050406030204" charset="0"/>
+                                  <a:cs typeface="Cambria Math" panose="02040503050406030204" charset="0"/>
+                                </a:rPr>
+                                <m:t>𝑟</m:t>
+                              </m:r>
+                            </m:e>
+                          </m:d>
+                        </m:e>
+                      </m:d>
+                    </m:oMath>
+                  </m:oMathPara>
+                </a14:m>
+                <a:endParaRPr lang="zh-CN" altLang="en-US"/>
+              </a:p>
+            </p:txBody>
+          </p:sp>
+        </mc:Choice>
+        <mc:Fallback>
+          <p:sp>
+            <p:nvSpPr>
+              <p:cNvPr id="7" name="文本框 6"/>
+              <p:cNvSpPr txBox="1">
+                <a:spLocks noRot="1" noChangeAspect="1" noMove="1" noResize="1" noEditPoints="1" noAdjustHandles="1" noChangeArrowheads="1" noChangeShapeType="1" noTextEdit="1"/>
+              </p:cNvSpPr>
+              <p:nvPr/>
+            </p:nvSpPr>
+            <p:spPr>
+              <a:xfrm>
+                <a:off x="3503930" y="3009900"/>
+                <a:ext cx="4064000" cy="645160"/>
+              </a:xfrm>
+              <a:prstGeom prst="rect">
+                <a:avLst/>
+              </a:prstGeom>
+              <a:blipFill rotWithShape="1">
+                <a:blip r:embed="rId1"/>
+                <a:stretch>
+                  <a:fillRect/>
+                </a:stretch>
+              </a:blipFill>
+            </p:spPr>
+            <p:txBody>
+              <a:bodyPr/>
+              <a:lstStyle/>
+              <a:p>
+                <a:r>
+                  <a:rPr lang="zh-CN" altLang="en-US">
+                    <a:noFill/>
+                  </a:rPr>
+                  <a:t> </a:t>
+                </a:r>
+              </a:p>
+            </p:txBody>
+          </p:sp>
+        </mc:Fallback>
+      </mc:AlternateContent>
+      <mc:AlternateContent xmlns:mc="http://schemas.openxmlformats.org/markup-compatibility/2006">
+        <mc:Choice xmlns:a14="http://schemas.microsoft.com/office/drawing/2010/main" Requires="a14">
+          <p:sp>
+            <p:nvSpPr>
+              <p:cNvPr id="9" name="文本框 8"/>
+              <p:cNvSpPr txBox="1"/>
+              <p:nvPr/>
+            </p:nvSpPr>
+            <p:spPr>
+              <a:xfrm>
+                <a:off x="1007110" y="4126865"/>
+                <a:ext cx="8545195" cy="1263015"/>
+              </a:xfrm>
+              <a:prstGeom prst="rect">
+                <a:avLst/>
+              </a:prstGeom>
+              <a:noFill/>
+            </p:spPr>
+            <p:txBody>
+              <a:bodyPr wrap="square" rtlCol="0">
+                <a:spAutoFit/>
+              </a:bodyPr>
+              <a:p>
+                <a14:m>
+                  <m:oMath xmlns:m="http://schemas.openxmlformats.org/officeDocument/2006/math">
+                    <m:r>
+                      <a:rPr lang="en-US" altLang="zh-CN" i="1">
+                        <a:latin typeface="Cambria Math" panose="02040503050406030204" charset="0"/>
+                        <a:cs typeface="Cambria Math" panose="02040503050406030204" charset="0"/>
+                      </a:rPr>
+                      <m:t>𝑤</m:t>
+                    </m:r>
+                  </m:oMath>
+                </a14:m>
+                <a:r>
+                  <a:rPr lang="zh-CN" altLang="en-US">
+                    <a:latin typeface="Cambria Math" panose="02040503050406030204" charset="0"/>
+                    <a:cs typeface="Cambria Math" panose="02040503050406030204" charset="0"/>
+                  </a:rPr>
+                  <a:t>：表示角速度</a:t>
+                </a:r>
+                <a:r>
+                  <a:rPr lang="zh-CN" altLang="en-US">
+                    <a:latin typeface="Cambria Math" panose="02040503050406030204" charset="0"/>
+                    <a:cs typeface="Cambria Math" panose="02040503050406030204" charset="0"/>
+                  </a:rPr>
+                  <a:t>矢量；</a:t>
+                </a:r>
+                <a:endParaRPr lang="zh-CN" altLang="en-US">
+                  <a:latin typeface="Cambria Math" panose="02040503050406030204" charset="0"/>
+                  <a:cs typeface="Cambria Math" panose="02040503050406030204" charset="0"/>
+                </a:endParaRPr>
+              </a:p>
+              <a:p>
+                <a14:m>
+                  <m:oMath xmlns:m="http://schemas.openxmlformats.org/officeDocument/2006/math">
+                    <m:r>
+                      <a:rPr lang="en-US" altLang="zh-CN" i="1">
+                        <a:latin typeface="Cambria Math" panose="02040503050406030204" charset="0"/>
+                        <a:cs typeface="Cambria Math" panose="02040503050406030204" charset="0"/>
+                      </a:rPr>
+                      <m:t>𝑟</m:t>
+                    </m:r>
+                  </m:oMath>
+                </a14:m>
+                <a:r>
+                  <a:rPr lang="zh-CN" altLang="en-US">
+                    <a:latin typeface="Cambria Math" panose="02040503050406030204" charset="0"/>
+                    <a:cs typeface="Cambria Math" panose="02040503050406030204" charset="0"/>
+                  </a:rPr>
+                  <a:t>：表示旋转轴上任意一点指向质点的向量；当旋转轴不经过原点时</a:t>
+                </a:r>
+                <a14:m>
+                  <m:oMath xmlns:m="http://schemas.openxmlformats.org/officeDocument/2006/math">
+                    <m:r>
+                      <a:rPr lang="en-US" altLang="zh-CN" i="1">
+                        <a:latin typeface="Cambria Math" panose="02040503050406030204" charset="0"/>
+                        <a:cs typeface="Cambria Math" panose="02040503050406030204" charset="0"/>
+                      </a:rPr>
+                      <m:t>𝑟</m:t>
+                    </m:r>
+                    <m:r>
+                      <a:rPr lang="en-US" altLang="zh-CN" i="1">
+                        <a:latin typeface="Cambria Math" panose="02040503050406030204" charset="0"/>
+                        <a:cs typeface="Cambria Math" panose="02040503050406030204" charset="0"/>
+                      </a:rPr>
+                      <m:t>=</m:t>
+                    </m:r>
+                    <m:sSub>
+                      <m:sSubPr>
+                        <m:ctrlPr>
+                          <a:rPr lang="en-US" altLang="zh-CN" i="1">
+                            <a:latin typeface="Cambria Math" panose="02040503050406030204" charset="0"/>
+                            <a:cs typeface="Cambria Math" panose="02040503050406030204" charset="0"/>
+                          </a:rPr>
+                        </m:ctrlPr>
+                      </m:sSubPr>
+                      <m:e>
+                        <m:r>
+                          <a:rPr lang="en-US" altLang="zh-CN" i="1">
+                            <a:latin typeface="Cambria Math" panose="02040503050406030204" charset="0"/>
+                            <a:cs typeface="Cambria Math" panose="02040503050406030204" charset="0"/>
+                          </a:rPr>
+                          <m:t>𝑟</m:t>
+                        </m:r>
+                      </m:e>
+                      <m:sub>
+                        <m:r>
+                          <a:rPr lang="en-US" altLang="zh-CN" i="1">
+                            <a:latin typeface="Cambria Math" panose="02040503050406030204" charset="0"/>
+                            <a:cs typeface="Cambria Math" panose="02040503050406030204" charset="0"/>
+                          </a:rPr>
+                          <m:t>𝑝</m:t>
+                        </m:r>
+                      </m:sub>
+                    </m:sSub>
+                    <m:r>
+                      <a:rPr lang="en-US" altLang="zh-CN" i="1">
+                        <a:latin typeface="Cambria Math" panose="02040503050406030204" charset="0"/>
+                        <a:cs typeface="Cambria Math" panose="02040503050406030204" charset="0"/>
+                      </a:rPr>
+                      <m:t>−</m:t>
+                    </m:r>
+                    <m:sSub>
+                      <m:sSubPr>
+                        <m:ctrlPr>
+                          <a:rPr lang="en-US" altLang="zh-CN" i="1">
+                            <a:latin typeface="Cambria Math" panose="02040503050406030204" charset="0"/>
+                            <a:cs typeface="Cambria Math" panose="02040503050406030204" charset="0"/>
+                          </a:rPr>
+                        </m:ctrlPr>
+                      </m:sSubPr>
+                      <m:e>
+                        <m:r>
+                          <a:rPr lang="en-US" altLang="zh-CN" i="1">
+                            <a:latin typeface="Cambria Math" panose="02040503050406030204" charset="0"/>
+                            <a:cs typeface="Cambria Math" panose="02040503050406030204" charset="0"/>
+                          </a:rPr>
+                          <m:t>𝑟</m:t>
+                        </m:r>
+                      </m:e>
+                      <m:sub>
+                        <m:r>
+                          <a:rPr lang="en-US" altLang="zh-CN" i="1">
+                            <a:latin typeface="Cambria Math" panose="02040503050406030204" charset="0"/>
+                            <a:cs typeface="Cambria Math" panose="02040503050406030204" charset="0"/>
+                          </a:rPr>
+                          <m:t>𝑜</m:t>
+                        </m:r>
+                      </m:sub>
+                    </m:sSub>
+                  </m:oMath>
+                </a14:m>
+                <a:r>
+                  <a:rPr lang="zh-CN" altLang="en-US">
+                    <a:latin typeface="Cambria Math" panose="02040503050406030204" charset="0"/>
+                    <a:cs typeface="Cambria Math" panose="02040503050406030204" charset="0"/>
+                  </a:rPr>
+                  <a:t>，</a:t>
+                </a:r>
+                <a14:m>
+                  <m:oMath xmlns:m="http://schemas.openxmlformats.org/officeDocument/2006/math">
+                    <m:sSub>
+                      <m:sSubPr>
+                        <m:ctrlPr>
+                          <a:rPr lang="en-US" altLang="zh-CN" i="1">
+                            <a:latin typeface="Cambria Math" panose="02040503050406030204" charset="0"/>
+                            <a:cs typeface="Cambria Math" panose="02040503050406030204" charset="0"/>
+                          </a:rPr>
+                        </m:ctrlPr>
+                      </m:sSubPr>
+                      <m:e>
+                        <m:r>
+                          <a:rPr lang="en-US" altLang="zh-CN" i="1">
+                            <a:latin typeface="Cambria Math" panose="02040503050406030204" charset="0"/>
+                            <a:cs typeface="Cambria Math" panose="02040503050406030204" charset="0"/>
+                          </a:rPr>
+                          <m:t>𝑟</m:t>
+                        </m:r>
+                      </m:e>
+                      <m:sub>
+                        <m:r>
+                          <a:rPr lang="en-US" altLang="zh-CN" i="1">
+                            <a:latin typeface="Cambria Math" panose="02040503050406030204" charset="0"/>
+                            <a:cs typeface="Cambria Math" panose="02040503050406030204" charset="0"/>
+                          </a:rPr>
+                          <m:t>𝑝</m:t>
+                        </m:r>
+                      </m:sub>
+                    </m:sSub>
+                  </m:oMath>
+                </a14:m>
+                <a:r>
+                  <a:rPr lang="zh-CN" altLang="en-US">
+                    <a:latin typeface="Cambria Math" panose="02040503050406030204" charset="0"/>
+                    <a:cs typeface="Cambria Math" panose="02040503050406030204" charset="0"/>
+                  </a:rPr>
+                  <a:t>表示质点向量，</a:t>
+                </a:r>
+                <a14:m>
+                  <m:oMath xmlns:m="http://schemas.openxmlformats.org/officeDocument/2006/math">
+                    <m:sSub>
+                      <m:sSubPr>
+                        <m:ctrlPr>
+                          <a:rPr lang="en-US" altLang="zh-CN" i="1">
+                            <a:latin typeface="Cambria Math" panose="02040503050406030204" charset="0"/>
+                            <a:cs typeface="Cambria Math" panose="02040503050406030204" charset="0"/>
+                          </a:rPr>
+                        </m:ctrlPr>
+                      </m:sSubPr>
+                      <m:e>
+                        <m:r>
+                          <a:rPr lang="en-US" altLang="zh-CN" i="1">
+                            <a:latin typeface="Cambria Math" panose="02040503050406030204" charset="0"/>
+                            <a:cs typeface="Cambria Math" panose="02040503050406030204" charset="0"/>
+                          </a:rPr>
+                          <m:t>𝑟</m:t>
+                        </m:r>
+                      </m:e>
+                      <m:sub>
+                        <m:r>
+                          <a:rPr lang="en-US" altLang="zh-CN" i="1">
+                            <a:latin typeface="Cambria Math" panose="02040503050406030204" charset="0"/>
+                            <a:cs typeface="Cambria Math" panose="02040503050406030204" charset="0"/>
+                          </a:rPr>
+                          <m:t>𝑜</m:t>
+                        </m:r>
+                      </m:sub>
+                    </m:sSub>
+                  </m:oMath>
+                </a14:m>
+                <a:r>
+                  <a:rPr lang="zh-CN" altLang="en-US">
+                    <a:latin typeface="Cambria Math" panose="02040503050406030204" charset="0"/>
+                    <a:cs typeface="Cambria Math" panose="02040503050406030204" charset="0"/>
+                  </a:rPr>
+                  <a:t>表示旋转轴上一点；当旋转轴经过原点时</a:t>
+                </a:r>
+                <a14:m>
+                  <m:oMath xmlns:m="http://schemas.openxmlformats.org/officeDocument/2006/math">
+                    <m:r>
+                      <a:rPr lang="en-US" altLang="zh-CN" i="1">
+                        <a:latin typeface="Cambria Math" panose="02040503050406030204" charset="0"/>
+                        <a:cs typeface="Cambria Math" panose="02040503050406030204" charset="0"/>
+                      </a:rPr>
+                      <m:t>𝑟</m:t>
+                    </m:r>
+                    <m:r>
+                      <a:rPr lang="en-US" altLang="zh-CN" i="1">
+                        <a:latin typeface="Cambria Math" panose="02040503050406030204" charset="0"/>
+                        <a:cs typeface="Cambria Math" panose="02040503050406030204" charset="0"/>
+                      </a:rPr>
+                      <m:t>=</m:t>
+                    </m:r>
+                    <m:sSub>
+                      <m:sSubPr>
+                        <m:ctrlPr>
+                          <a:rPr lang="en-US" altLang="zh-CN" i="1">
+                            <a:latin typeface="Cambria Math" panose="02040503050406030204" charset="0"/>
+                            <a:cs typeface="Cambria Math" panose="02040503050406030204" charset="0"/>
+                          </a:rPr>
+                        </m:ctrlPr>
+                      </m:sSubPr>
+                      <m:e>
+                        <m:r>
+                          <a:rPr lang="en-US" altLang="zh-CN" i="1">
+                            <a:latin typeface="Cambria Math" panose="02040503050406030204" charset="0"/>
+                            <a:cs typeface="Cambria Math" panose="02040503050406030204" charset="0"/>
+                          </a:rPr>
+                          <m:t>𝑟</m:t>
+                        </m:r>
+                      </m:e>
+                      <m:sub>
+                        <m:r>
+                          <a:rPr lang="en-US" altLang="zh-CN" i="1">
+                            <a:latin typeface="Cambria Math" panose="02040503050406030204" charset="0"/>
+                            <a:cs typeface="Cambria Math" panose="02040503050406030204" charset="0"/>
+                          </a:rPr>
+                          <m:t>𝑝</m:t>
+                        </m:r>
+                      </m:sub>
+                    </m:sSub>
+                  </m:oMath>
+                </a14:m>
+                <a:r>
+                  <a:rPr lang="zh-CN" altLang="en-US">
+                    <a:latin typeface="Cambria Math" panose="02040503050406030204" charset="0"/>
+                    <a:cs typeface="Cambria Math" panose="02040503050406030204" charset="0"/>
+                  </a:rPr>
+                  <a:t>；</a:t>
+                </a:r>
+                <a:endParaRPr lang="zh-CN" altLang="en-US">
+                  <a:latin typeface="Cambria Math" panose="02040503050406030204" charset="0"/>
+                  <a:cs typeface="Cambria Math" panose="02040503050406030204" charset="0"/>
+                </a:endParaRPr>
+              </a:p>
+              <a:p>
+                <a14:m>
+                  <m:oMath xmlns:m="http://schemas.openxmlformats.org/officeDocument/2006/math">
+                    <m:d>
+                      <m:dPr>
+                        <m:begChr m:val="|"/>
+                        <m:endChr m:val="|"/>
+                        <m:ctrlPr>
+                          <a:rPr lang="en-US" altLang="zh-CN" i="1">
+                            <a:latin typeface="Cambria Math" panose="02040503050406030204" charset="0"/>
+                            <a:cs typeface="Cambria Math" panose="02040503050406030204" charset="0"/>
+                          </a:rPr>
+                        </m:ctrlPr>
+                      </m:dPr>
+                      <m:e>
+                        <m:r>
+                          <a:rPr lang="en-US" altLang="zh-CN" i="1">
+                            <a:latin typeface="Cambria Math" panose="02040503050406030204" charset="0"/>
+                            <a:cs typeface="Cambria Math" panose="02040503050406030204" charset="0"/>
+                          </a:rPr>
+                          <m:t>𝑟</m:t>
+                        </m:r>
+                      </m:e>
+                    </m:d>
+                    <m:r>
+                      <a:rPr lang="en-US" altLang="zh-CN" i="1">
+                        <a:latin typeface="Cambria Math" panose="02040503050406030204" charset="0"/>
+                        <a:cs typeface="Cambria Math" panose="02040503050406030204" charset="0"/>
+                      </a:rPr>
+                      <m:t>𝑠𝑖𝑛</m:t>
+                    </m:r>
+                    <m:d>
+                      <m:dPr>
+                        <m:ctrlPr>
+                          <a:rPr lang="en-US" altLang="zh-CN" i="1">
+                            <a:latin typeface="Cambria Math" panose="02040503050406030204" charset="0"/>
+                            <a:cs typeface="Cambria Math" panose="02040503050406030204" charset="0"/>
+                          </a:rPr>
+                        </m:ctrlPr>
+                      </m:dPr>
+                      <m:e>
+                        <m:d>
+                          <m:dPr>
+                            <m:begChr m:val="〈"/>
+                            <m:endChr m:val="〉"/>
+                            <m:ctrlPr>
+                              <a:rPr lang="en-US" altLang="zh-CN" i="1">
+                                <a:latin typeface="Cambria Math" panose="02040503050406030204" charset="0"/>
+                                <a:cs typeface="Cambria Math" panose="02040503050406030204" charset="0"/>
+                              </a:rPr>
+                            </m:ctrlPr>
+                          </m:dPr>
+                          <m:e>
+                            <m:r>
+                              <a:rPr lang="en-US" altLang="zh-CN" i="1">
+                                <a:latin typeface="Cambria Math" panose="02040503050406030204" charset="0"/>
+                                <a:cs typeface="Cambria Math" panose="02040503050406030204" charset="0"/>
+                              </a:rPr>
+                              <m:t>𝑤</m:t>
+                            </m:r>
+                            <m:r>
+                              <a:rPr lang="en-US" altLang="zh-CN" i="1">
+                                <a:latin typeface="Cambria Math" panose="02040503050406030204" charset="0"/>
+                                <a:cs typeface="Cambria Math" panose="02040503050406030204" charset="0"/>
+                              </a:rPr>
+                              <m:t>,</m:t>
+                            </m:r>
+                            <m:r>
+                              <a:rPr lang="en-US" altLang="zh-CN" i="1">
+                                <a:latin typeface="Cambria Math" panose="02040503050406030204" charset="0"/>
+                                <a:cs typeface="Cambria Math" panose="02040503050406030204" charset="0"/>
+                              </a:rPr>
+                              <m:t>𝑟</m:t>
+                            </m:r>
+                          </m:e>
+                        </m:d>
+                      </m:e>
+                    </m:d>
+                  </m:oMath>
+                </a14:m>
+                <a:r>
+                  <a:rPr lang="zh-CN" altLang="en-US">
+                    <a:latin typeface="Cambria Math" panose="02040503050406030204" charset="0"/>
+                    <a:cs typeface="Cambria Math" panose="02040503050406030204" charset="0"/>
+                  </a:rPr>
+                  <a:t>：表示质点到旋转轴的最短距离</a:t>
+                </a:r>
+                <a:r>
+                  <a:rPr lang="en-US" altLang="zh-CN">
+                    <a:latin typeface="Cambria Math" panose="02040503050406030204" charset="0"/>
+                    <a:cs typeface="Cambria Math" panose="02040503050406030204" charset="0"/>
+                  </a:rPr>
+                  <a:t>;</a:t>
+                </a:r>
+                <a:endParaRPr lang="en-US" altLang="zh-CN">
+                  <a:latin typeface="Cambria Math" panose="02040503050406030204" charset="0"/>
+                  <a:cs typeface="Cambria Math" panose="02040503050406030204" charset="0"/>
+                </a:endParaRPr>
+              </a:p>
+            </p:txBody>
+          </p:sp>
+        </mc:Choice>
+        <mc:Fallback>
+          <p:sp>
+            <p:nvSpPr>
+              <p:cNvPr id="9" name="文本框 8"/>
+              <p:cNvSpPr txBox="1">
+                <a:spLocks noRot="1" noChangeAspect="1" noMove="1" noResize="1" noEditPoints="1" noAdjustHandles="1" noChangeArrowheads="1" noChangeShapeType="1" noTextEdit="1"/>
+              </p:cNvSpPr>
+              <p:nvPr/>
+            </p:nvSpPr>
+            <p:spPr>
+              <a:xfrm>
+                <a:off x="1007110" y="4126865"/>
+                <a:ext cx="8545195" cy="1263015"/>
+              </a:xfrm>
+              <a:prstGeom prst="rect">
+                <a:avLst/>
+              </a:prstGeom>
+              <a:blipFill rotWithShape="1">
+                <a:blip r:embed="rId2"/>
+                <a:stretch>
+                  <a:fillRect/>
+                </a:stretch>
+              </a:blipFill>
+            </p:spPr>
+            <p:txBody>
+              <a:bodyPr/>
+              <a:lstStyle/>
+              <a:p>
+                <a:r>
+                  <a:rPr lang="zh-CN" altLang="en-US">
+                    <a:noFill/>
+                  </a:rPr>
+                  <a:t> </a:t>
+                </a:r>
+              </a:p>
+            </p:txBody>
+          </p:sp>
+        </mc:Fallback>
+      </mc:AlternateContent>
+    </p:spTree>
+  </p:cSld>
+  <p:clrMapOvr>
+    <a:masterClrMapping/>
+  </p:clrMapOvr>
+</p:sld>
+</file>
+
+<file path=ppt/slides/slide11.xml><?xml version="1.0" encoding="utf-8"?>
+<p:sld xmlns:a="http://schemas.openxmlformats.org/drawingml/2006/main" xmlns:r="http://schemas.openxmlformats.org/officeDocument/2006/relationships" xmlns:p="http://schemas.openxmlformats.org/presentationml/2006/main">
+  <p:cSld>
+    <p:spTree>
+      <p:nvGrpSpPr>
+        <p:cNvPr id="1" name=""/>
+        <p:cNvGrpSpPr/>
+        <p:nvPr/>
+      </p:nvGrpSpPr>
+      <p:grpSpPr/>
+      <p:sp>
+        <p:nvSpPr>
+          <p:cNvPr id="4" name="文本框 3"/>
+          <p:cNvSpPr txBox="1"/>
+          <p:nvPr/>
+        </p:nvSpPr>
+        <p:spPr>
+          <a:xfrm>
+            <a:off x="642620" y="1282700"/>
+            <a:ext cx="7940040" cy="645160"/>
+          </a:xfrm>
+          <a:prstGeom prst="rect">
+            <a:avLst/>
+          </a:prstGeom>
+          <a:noFill/>
+        </p:spPr>
+        <p:txBody>
+          <a:bodyPr wrap="square" rtlCol="0">
+            <a:spAutoFit/>
+          </a:bodyPr>
+          <a:p>
+            <a:r>
+              <a:rPr lang="zh-CN" altLang="en-US"/>
+              <a:t>刚体的姿态表示：用三次顺序旋转</a:t>
+            </a:r>
+            <a:r>
+              <a:rPr lang="zh-CN" altLang="en-US">
+                <a:sym typeface="+mn-ea"/>
+              </a:rPr>
+              <a:t>来定义姿态（</a:t>
+            </a:r>
+            <a:r>
+              <a:rPr lang="en-US" altLang="zh-CN">
+                <a:sym typeface="+mn-ea"/>
+              </a:rPr>
+              <a:t>yaw,pitch,roll</a:t>
+            </a:r>
+            <a:r>
+              <a:rPr lang="zh-CN" altLang="en-US">
+                <a:sym typeface="+mn-ea"/>
+              </a:rPr>
+              <a:t>）或者用一个四元数表示；</a:t>
+            </a:r>
+            <a:r>
+              <a:rPr lang="en-US" altLang="zh-CN"/>
+              <a:t>(</a:t>
+            </a:r>
+            <a:r>
+              <a:rPr lang="zh-CN" altLang="en-US"/>
+              <a:t>姿态表示体坐标系和世界坐标系的旋转关系不包含位置关系</a:t>
+            </a:r>
+            <a:r>
+              <a:rPr lang="en-US" altLang="zh-CN"/>
+              <a:t>)</a:t>
+            </a:r>
+            <a:endParaRPr lang="zh-CN" altLang="en-US"/>
+          </a:p>
+        </p:txBody>
+      </p:sp>
+      <p:sp>
+        <p:nvSpPr>
+          <p:cNvPr id="6" name="文本框 5"/>
+          <p:cNvSpPr txBox="1"/>
+          <p:nvPr/>
+        </p:nvSpPr>
+        <p:spPr>
+          <a:xfrm>
+            <a:off x="642620" y="3490595"/>
+            <a:ext cx="8552180" cy="645160"/>
+          </a:xfrm>
+          <a:prstGeom prst="rect">
+            <a:avLst/>
+          </a:prstGeom>
+          <a:noFill/>
+        </p:spPr>
+        <p:txBody>
+          <a:bodyPr wrap="square" rtlCol="0">
+            <a:spAutoFit/>
+          </a:bodyPr>
+          <a:p>
+            <a:r>
+              <a:rPr lang="zh-CN" altLang="en-US"/>
+              <a:t>传感器直接测到的是体坐标系下刚体在三个轴方向的速度，加速度以及</a:t>
+            </a:r>
+            <a:r>
+              <a:rPr lang="zh-CN" altLang="en-US"/>
+              <a:t>绕轴角速度，该</a:t>
+            </a:r>
+            <a:r>
+              <a:rPr lang="zh-CN" altLang="en-US"/>
+              <a:t>怎么转换到世界</a:t>
+            </a:r>
+            <a:r>
+              <a:rPr lang="zh-CN" altLang="en-US"/>
+              <a:t>坐标系？</a:t>
+            </a:r>
+            <a:endParaRPr lang="zh-CN" altLang="en-US"/>
+          </a:p>
+        </p:txBody>
+      </p:sp>
+      <p:sp>
+        <p:nvSpPr>
+          <p:cNvPr id="7" name="文本框 6"/>
+          <p:cNvSpPr txBox="1"/>
+          <p:nvPr/>
+        </p:nvSpPr>
+        <p:spPr>
+          <a:xfrm>
+            <a:off x="642620" y="4323715"/>
+            <a:ext cx="8101330" cy="922020"/>
+          </a:xfrm>
+          <a:prstGeom prst="rect">
+            <a:avLst/>
+          </a:prstGeom>
+          <a:noFill/>
+        </p:spPr>
+        <p:txBody>
+          <a:bodyPr wrap="square" rtlCol="0">
+            <a:spAutoFit/>
+          </a:bodyPr>
+          <a:p>
+            <a:r>
+              <a:rPr lang="zh-CN" altLang="en-US">
+                <a:sym typeface="+mn-ea"/>
+              </a:rPr>
+              <a:t>根据当前姿态将体坐标系下的数据按照</a:t>
+            </a:r>
+            <a:r>
+              <a:rPr lang="en-US" altLang="zh-CN">
+                <a:sym typeface="+mn-ea"/>
+              </a:rPr>
+              <a:t>roll</a:t>
+            </a:r>
+            <a:r>
+              <a:rPr lang="zh-CN" altLang="en-US">
+                <a:sym typeface="+mn-ea"/>
+              </a:rPr>
+              <a:t>，</a:t>
+            </a:r>
+            <a:r>
+              <a:rPr lang="en-US" altLang="zh-CN">
+                <a:sym typeface="+mn-ea"/>
+              </a:rPr>
+              <a:t>pitch</a:t>
+            </a:r>
+            <a:r>
+              <a:rPr lang="zh-CN" altLang="en-US">
+                <a:sym typeface="+mn-ea"/>
+              </a:rPr>
+              <a:t>，</a:t>
+            </a:r>
+            <a:r>
+              <a:rPr lang="en-US" altLang="zh-CN">
+                <a:sym typeface="+mn-ea"/>
+              </a:rPr>
+              <a:t>yaw</a:t>
+            </a:r>
+            <a:r>
+              <a:rPr lang="zh-CN" altLang="en-US">
+                <a:sym typeface="+mn-ea"/>
+              </a:rPr>
+              <a:t>的顺序逆向旋转，使得体坐标系与世界坐标系重合，此时测量值随着坐标系旋转转换为世界坐标系下的测量值。</a:t>
+            </a:r>
+            <a:endParaRPr lang="zh-CN" altLang="en-US"/>
+          </a:p>
+        </p:txBody>
+      </p:sp>
+    </p:spTree>
+  </p:cSld>
+  <p:clrMapOvr>
+    <a:masterClrMapping/>
+  </p:clrMapOvr>
+</p:sld>
+</file>
+
+<file path=ppt/slides/slide12.xml><?xml version="1.0" encoding="utf-8"?>
+<p:sld xmlns:a="http://schemas.openxmlformats.org/drawingml/2006/main" xmlns:r="http://schemas.openxmlformats.org/officeDocument/2006/relationships" xmlns:p="http://schemas.openxmlformats.org/presentationml/2006/main">
+  <p:cSld>
+    <p:spTree>
+      <p:nvGrpSpPr>
+        <p:cNvPr id="1" name=""/>
+        <p:cNvGrpSpPr/>
+        <p:nvPr/>
+      </p:nvGrpSpPr>
+      <p:grpSpPr/>
+      <p:sp>
+        <p:nvSpPr>
+          <p:cNvPr id="4" name="文本框 3"/>
+          <p:cNvSpPr txBox="1"/>
+          <p:nvPr/>
+        </p:nvSpPr>
+        <p:spPr>
+          <a:xfrm>
+            <a:off x="327025" y="324485"/>
+            <a:ext cx="4064000" cy="368300"/>
+          </a:xfrm>
+          <a:prstGeom prst="rect">
+            <a:avLst/>
+          </a:prstGeom>
+          <a:noFill/>
+        </p:spPr>
+        <p:txBody>
+          <a:bodyPr wrap="square" rtlCol="0">
+            <a:spAutoFit/>
+          </a:bodyPr>
+          <a:p>
+            <a:r>
+              <a:rPr lang="zh-CN" altLang="en-US"/>
+              <a:t>沿轴</a:t>
+            </a:r>
+            <a:r>
+              <a:rPr lang="zh-CN" altLang="en-US"/>
+              <a:t>向量坐标系转换</a:t>
+            </a:r>
+            <a:endParaRPr lang="zh-CN" altLang="en-US"/>
+          </a:p>
+        </p:txBody>
+      </p:sp>
+      <mc:AlternateContent xmlns:mc="http://schemas.openxmlformats.org/markup-compatibility/2006">
+        <mc:Choice xmlns:a14="http://schemas.microsoft.com/office/drawing/2010/main" Requires="a14">
+          <p:sp>
+            <p:nvSpPr>
+              <p:cNvPr id="5" name="文本框 4"/>
+              <p:cNvSpPr txBox="1"/>
+              <p:nvPr/>
+            </p:nvSpPr>
+            <p:spPr>
+              <a:xfrm>
+                <a:off x="462915" y="960755"/>
+                <a:ext cx="4064000" cy="906145"/>
+              </a:xfrm>
+              <a:prstGeom prst="rect">
+                <a:avLst/>
+              </a:prstGeom>
+              <a:noFill/>
+            </p:spPr>
+            <p:txBody>
+              <a:bodyPr wrap="square" rtlCol="0">
+                <a:spAutoFit/>
+              </a:bodyPr>
+              <a:p>
+                <a:r>
+                  <a:rPr lang="en-US" altLang="zh-CN"/>
+                  <a:t>IMU</a:t>
+                </a:r>
+                <a:r>
+                  <a:rPr lang="zh-CN" altLang="en-US"/>
+                  <a:t>加速度转世界</a:t>
+                </a:r>
+                <a:r>
+                  <a:rPr lang="zh-CN" altLang="en-US"/>
+                  <a:t>坐标系：</a:t>
+                </a:r>
+                <a:endParaRPr lang="zh-CN" altLang="en-US"/>
+              </a:p>
+              <a:p>
+                <a14:m>
+                  <m:oMathPara xmlns:m="http://schemas.openxmlformats.org/officeDocument/2006/math">
+                    <m:oMathParaPr>
+                      <m:jc m:val="centerGroup"/>
+                    </m:oMathParaPr>
+                    <m:oMath xmlns:m="http://schemas.openxmlformats.org/officeDocument/2006/math">
+                      <m:sSub>
+                        <m:sSubPr>
+                          <m:ctrlPr>
+                            <a:rPr lang="zh-CN" altLang="en-US" i="1">
+                              <a:latin typeface="Cambria Math" panose="02040503050406030204" charset="0"/>
+                              <a:cs typeface="Cambria Math" panose="02040503050406030204" charset="0"/>
+                            </a:rPr>
+                          </m:ctrlPr>
+                        </m:sSubPr>
+                        <m:e>
+                          <m:r>
+                            <a:rPr lang="en-US" altLang="zh-CN" i="1">
+                              <a:latin typeface="Cambria Math" panose="02040503050406030204" charset="0"/>
+                              <a:cs typeface="Cambria Math" panose="02040503050406030204" charset="0"/>
+                            </a:rPr>
+                            <m:t>𝑎</m:t>
+                          </m:r>
+                        </m:e>
+                        <m:sub>
+                          <m:r>
+                            <a:rPr lang="en-US" altLang="zh-CN" i="1">
+                              <a:latin typeface="Cambria Math" panose="02040503050406030204" charset="0"/>
+                              <a:cs typeface="Cambria Math" panose="02040503050406030204" charset="0"/>
+                            </a:rPr>
+                            <m:t>𝑖</m:t>
+                          </m:r>
+                        </m:sub>
+                      </m:sSub>
+                      <m:r>
+                        <a:rPr lang="en-US" altLang="zh-CN" i="1">
+                          <a:latin typeface="Cambria Math" panose="02040503050406030204" charset="0"/>
+                          <a:cs typeface="Cambria Math" panose="02040503050406030204" charset="0"/>
+                        </a:rPr>
+                        <m:t>=</m:t>
+                      </m:r>
+                      <m:sSup>
+                        <m:sSupPr>
+                          <m:ctrlPr>
+                            <a:rPr lang="en-US" altLang="zh-CN" i="1">
+                              <a:latin typeface="Cambria Math" panose="02040503050406030204" charset="0"/>
+                              <a:cs typeface="Cambria Math" panose="02040503050406030204" charset="0"/>
+                            </a:rPr>
+                          </m:ctrlPr>
+                        </m:sSupPr>
+                        <m:e>
+                          <m:d>
+                            <m:dPr>
+                              <m:begChr m:val="["/>
+                              <m:endChr m:val="]"/>
+                              <m:ctrlPr>
+                                <a:rPr lang="en-US" altLang="zh-CN" i="1">
+                                  <a:latin typeface="Cambria Math" panose="02040503050406030204" charset="0"/>
+                                  <a:cs typeface="Cambria Math" panose="02040503050406030204" charset="0"/>
+                                </a:rPr>
+                              </m:ctrlPr>
+                            </m:dPr>
+                            <m:e>
+                              <m:m>
+                                <m:mPr>
+                                  <m:mcs>
+                                    <m:mc>
+                                      <m:mcPr>
+                                        <m:count m:val="3"/>
+                                        <m:mcJc m:val="center"/>
+                                      </m:mcPr>
+                                    </m:mc>
+                                  </m:mcs>
+                                  <m:ctrlPr>
+                                    <a:rPr lang="en-US" altLang="zh-CN" i="1">
+                                      <a:latin typeface="Cambria Math" panose="02040503050406030204" charset="0"/>
+                                      <a:cs typeface="Cambria Math" panose="02040503050406030204" charset="0"/>
+                                    </a:rPr>
+                                  </m:ctrlPr>
+                                </m:mPr>
+                                <m:mr>
+                                  <m:e>
+                                    <m:sSub>
+                                      <m:sSubPr>
+                                        <m:ctrlPr>
+                                          <a:rPr lang="en-US" altLang="zh-CN" i="1">
+                                            <a:latin typeface="Cambria Math" panose="02040503050406030204" charset="0"/>
+                                            <a:cs typeface="Cambria Math" panose="02040503050406030204" charset="0"/>
+                                          </a:rPr>
+                                        </m:ctrlPr>
+                                      </m:sSubPr>
+                                      <m:e>
+                                        <m:r>
+                                          <a:rPr lang="en-US" altLang="zh-CN" i="1">
+                                            <a:latin typeface="Cambria Math" panose="02040503050406030204" charset="0"/>
+                                            <a:cs typeface="Cambria Math" panose="02040503050406030204" charset="0"/>
+                                          </a:rPr>
+                                          <m:t>𝑎</m:t>
+                                        </m:r>
+                                      </m:e>
+                                      <m:sub>
+                                        <m:r>
+                                          <a:rPr lang="en-US" altLang="zh-CN" i="1">
+                                            <a:latin typeface="Cambria Math" panose="02040503050406030204" charset="0"/>
+                                            <a:cs typeface="Cambria Math" panose="02040503050406030204" charset="0"/>
+                                          </a:rPr>
+                                          <m:t>𝑥</m:t>
+                                        </m:r>
+                                      </m:sub>
+                                    </m:sSub>
+                                  </m:e>
+                                  <m:e>
+                                    <m:sSub>
+                                      <m:sSubPr>
+                                        <m:ctrlPr>
+                                          <a:rPr lang="en-US" altLang="zh-CN" i="1">
+                                            <a:latin typeface="Cambria Math" panose="02040503050406030204" charset="0"/>
+                                            <a:cs typeface="Cambria Math" panose="02040503050406030204" charset="0"/>
+                                          </a:rPr>
+                                        </m:ctrlPr>
+                                      </m:sSubPr>
+                                      <m:e>
+                                        <m:r>
+                                          <a:rPr lang="en-US" altLang="zh-CN" i="1">
+                                            <a:latin typeface="Cambria Math" panose="02040503050406030204" charset="0"/>
+                                            <a:cs typeface="Cambria Math" panose="02040503050406030204" charset="0"/>
+                                          </a:rPr>
+                                          <m:t>𝑎</m:t>
+                                        </m:r>
+                                      </m:e>
+                                      <m:sub>
+                                        <m:r>
+                                          <a:rPr lang="en-US" altLang="zh-CN" i="1">
+                                            <a:latin typeface="Cambria Math" panose="02040503050406030204" charset="0"/>
+                                            <a:cs typeface="Cambria Math" panose="02040503050406030204" charset="0"/>
+                                          </a:rPr>
+                                          <m:t>𝑦</m:t>
+                                        </m:r>
+                                      </m:sub>
+                                    </m:sSub>
+                                  </m:e>
+                                  <m:e>
+                                    <m:sSub>
+                                      <m:sSubPr>
+                                        <m:ctrlPr>
+                                          <a:rPr lang="en-US" altLang="zh-CN" i="1">
+                                            <a:latin typeface="Cambria Math" panose="02040503050406030204" charset="0"/>
+                                            <a:cs typeface="Cambria Math" panose="02040503050406030204" charset="0"/>
+                                          </a:rPr>
+                                        </m:ctrlPr>
+                                      </m:sSubPr>
+                                      <m:e>
+                                        <m:r>
+                                          <a:rPr lang="en-US" altLang="zh-CN" i="1">
+                                            <a:latin typeface="Cambria Math" panose="02040503050406030204" charset="0"/>
+                                            <a:cs typeface="Cambria Math" panose="02040503050406030204" charset="0"/>
+                                          </a:rPr>
+                                          <m:t>𝑎</m:t>
+                                        </m:r>
+                                      </m:e>
+                                      <m:sub>
+                                        <m:r>
+                                          <a:rPr lang="en-US" altLang="zh-CN" i="1">
+                                            <a:latin typeface="Cambria Math" panose="02040503050406030204" charset="0"/>
+                                            <a:cs typeface="Cambria Math" panose="02040503050406030204" charset="0"/>
+                                          </a:rPr>
+                                          <m:t>𝑧</m:t>
+                                        </m:r>
+                                      </m:sub>
+                                    </m:sSub>
+                                  </m:e>
+                                </m:mr>
+                              </m:m>
+                            </m:e>
+                          </m:d>
+                        </m:e>
+                        <m:sup>
+                          <m:r>
+                            <a:rPr lang="en-US" altLang="zh-CN" i="1">
+                              <a:latin typeface="Cambria Math" panose="02040503050406030204" charset="0"/>
+                              <a:cs typeface="Cambria Math" panose="02040503050406030204" charset="0"/>
+                            </a:rPr>
+                            <m:t>𝑇</m:t>
+                          </m:r>
+                        </m:sup>
+                      </m:sSup>
+                    </m:oMath>
+                    <m:oMath xmlns:m="http://schemas.openxmlformats.org/officeDocument/2006/math">
+                      <m:r>
+                        <a:rPr lang="en-US" altLang="zh-CN" i="1">
+                          <a:latin typeface="Cambria Math" panose="02040503050406030204" charset="0"/>
+                          <a:cs typeface="Cambria Math" panose="02040503050406030204" charset="0"/>
+                        </a:rPr>
+                        <m:t>𝑅𝑃𝑌</m:t>
+                      </m:r>
+                      <m:r>
+                        <a:rPr lang="en-US" altLang="zh-CN" i="1">
+                          <a:latin typeface="Cambria Math" panose="02040503050406030204" charset="0"/>
+                          <a:cs typeface="Cambria Math" panose="02040503050406030204" charset="0"/>
+                        </a:rPr>
+                        <m:t>(</m:t>
+                      </m:r>
+                      <m:sSub>
+                        <m:sSubPr>
+                          <m:ctrlPr>
+                            <a:rPr lang="en-US" altLang="zh-CN" i="1">
+                              <a:latin typeface="Cambria Math" panose="02040503050406030204" charset="0"/>
+                              <a:cs typeface="Cambria Math" panose="02040503050406030204" charset="0"/>
+                            </a:rPr>
+                          </m:ctrlPr>
+                        </m:sSubPr>
+                        <m:e>
+                          <m:r>
+                            <a:rPr lang="en-US" altLang="zh-CN" i="1">
+                              <a:latin typeface="Cambria Math" panose="02040503050406030204" charset="0"/>
+                              <a:cs typeface="Cambria Math" panose="02040503050406030204" charset="0"/>
+                            </a:rPr>
+                            <m:t>𝜃</m:t>
+                          </m:r>
+                        </m:e>
+                        <m:sub>
+                          <m:r>
+                            <a:rPr lang="en-US" altLang="zh-CN" i="1">
+                              <a:latin typeface="Cambria Math" panose="02040503050406030204" charset="0"/>
+                              <a:cs typeface="Cambria Math" panose="02040503050406030204" charset="0"/>
+                            </a:rPr>
+                            <m:t>𝑥</m:t>
+                          </m:r>
+                        </m:sub>
+                      </m:sSub>
+                      <m:r>
+                        <a:rPr lang="en-US" altLang="zh-CN" i="1">
+                          <a:latin typeface="Cambria Math" panose="02040503050406030204" charset="0"/>
+                          <a:cs typeface="Cambria Math" panose="02040503050406030204" charset="0"/>
+                        </a:rPr>
+                        <m:t>,</m:t>
+                      </m:r>
+                      <m:sSub>
+                        <m:sSubPr>
+                          <m:ctrlPr>
+                            <a:rPr lang="en-US" altLang="zh-CN" i="1">
+                              <a:latin typeface="Cambria Math" panose="02040503050406030204" charset="0"/>
+                              <a:cs typeface="Cambria Math" panose="02040503050406030204" charset="0"/>
+                            </a:rPr>
+                          </m:ctrlPr>
+                        </m:sSubPr>
+                        <m:e>
+                          <m:r>
+                            <a:rPr lang="en-US" altLang="zh-CN" i="1">
+                              <a:latin typeface="Cambria Math" panose="02040503050406030204" charset="0"/>
+                              <a:cs typeface="Cambria Math" panose="02040503050406030204" charset="0"/>
+                            </a:rPr>
+                            <m:t>𝜃</m:t>
+                          </m:r>
+                        </m:e>
+                        <m:sub>
+                          <m:r>
+                            <a:rPr lang="en-US" altLang="zh-CN" i="1">
+                              <a:latin typeface="Cambria Math" panose="02040503050406030204" charset="0"/>
+                              <a:cs typeface="Cambria Math" panose="02040503050406030204" charset="0"/>
+                            </a:rPr>
+                            <m:t>𝑦</m:t>
+                          </m:r>
+                        </m:sub>
+                      </m:sSub>
+                      <m:r>
+                        <a:rPr lang="en-US" altLang="zh-CN" i="1">
+                          <a:latin typeface="Cambria Math" panose="02040503050406030204" charset="0"/>
+                          <a:cs typeface="Cambria Math" panose="02040503050406030204" charset="0"/>
+                        </a:rPr>
+                        <m:t>,</m:t>
+                      </m:r>
+                      <m:sSub>
+                        <m:sSubPr>
+                          <m:ctrlPr>
+                            <a:rPr lang="en-US" altLang="zh-CN" i="1">
+                              <a:latin typeface="Cambria Math" panose="02040503050406030204" charset="0"/>
+                              <a:cs typeface="Cambria Math" panose="02040503050406030204" charset="0"/>
+                            </a:rPr>
+                          </m:ctrlPr>
+                        </m:sSubPr>
+                        <m:e>
+                          <m:r>
+                            <a:rPr lang="en-US" altLang="zh-CN" i="1">
+                              <a:latin typeface="Cambria Math" panose="02040503050406030204" charset="0"/>
+                              <a:cs typeface="Cambria Math" panose="02040503050406030204" charset="0"/>
+                            </a:rPr>
+                            <m:t>𝜃</m:t>
+                          </m:r>
+                        </m:e>
+                        <m:sub>
+                          <m:r>
+                            <a:rPr lang="en-US" altLang="zh-CN" i="1">
+                              <a:latin typeface="Cambria Math" panose="02040503050406030204" charset="0"/>
+                              <a:cs typeface="Cambria Math" panose="02040503050406030204" charset="0"/>
+                            </a:rPr>
+                            <m:t>𝑧</m:t>
+                          </m:r>
+                        </m:sub>
+                      </m:sSub>
+                      <m:r>
+                        <a:rPr lang="en-US" altLang="zh-CN" i="1">
+                          <a:latin typeface="Cambria Math" panose="02040503050406030204" charset="0"/>
+                          <a:cs typeface="Cambria Math" panose="02040503050406030204" charset="0"/>
+                        </a:rPr>
+                        <m:t>)</m:t>
+                      </m:r>
+                    </m:oMath>
+                  </m:oMathPara>
+                </a14:m>
+                <a:endParaRPr lang="zh-CN" altLang="en-US"/>
+              </a:p>
+            </p:txBody>
+          </p:sp>
+        </mc:Choice>
+        <mc:Fallback>
+          <p:sp>
+            <p:nvSpPr>
+              <p:cNvPr id="5" name="文本框 4"/>
+              <p:cNvSpPr txBox="1">
+                <a:spLocks noRot="1" noChangeAspect="1" noMove="1" noResize="1" noEditPoints="1" noAdjustHandles="1" noChangeArrowheads="1" noChangeShapeType="1" noTextEdit="1"/>
+              </p:cNvSpPr>
+              <p:nvPr/>
+            </p:nvSpPr>
+            <p:spPr>
+              <a:xfrm>
+                <a:off x="462915" y="960755"/>
+                <a:ext cx="4064000" cy="906145"/>
+              </a:xfrm>
+              <a:prstGeom prst="rect">
+                <a:avLst/>
+              </a:prstGeom>
+              <a:blipFill rotWithShape="1">
+                <a:blip r:embed="rId1"/>
+                <a:stretch>
+                  <a:fillRect/>
+                </a:stretch>
+              </a:blipFill>
+            </p:spPr>
+            <p:txBody>
+              <a:bodyPr/>
+              <a:lstStyle/>
+              <a:p>
+                <a:r>
+                  <a:rPr lang="zh-CN" altLang="en-US">
+                    <a:noFill/>
+                  </a:rPr>
+                  <a:t> </a:t>
+                </a:r>
+              </a:p>
+            </p:txBody>
+          </p:sp>
+        </mc:Fallback>
+      </mc:AlternateContent>
+      <mc:AlternateContent xmlns:mc="http://schemas.openxmlformats.org/markup-compatibility/2006">
+        <mc:Choice xmlns:a14="http://schemas.microsoft.com/office/drawing/2010/main" Requires="a14">
+          <p:sp>
+            <p:nvSpPr>
+              <p:cNvPr id="6" name="文本框 5"/>
+              <p:cNvSpPr txBox="1"/>
+              <p:nvPr/>
+            </p:nvSpPr>
+            <p:spPr>
+              <a:xfrm>
+                <a:off x="580390" y="2141855"/>
+                <a:ext cx="10758170" cy="2458720"/>
+              </a:xfrm>
+              <a:prstGeom prst="rect">
+                <a:avLst/>
+              </a:prstGeom>
+              <a:noFill/>
+            </p:spPr>
+            <p:txBody>
+              <a:bodyPr wrap="square" rtlCol="0">
+                <a:spAutoFit/>
+              </a:bodyPr>
+              <a:p>
+                <a14:m>
+                  <m:oMathPara xmlns:m="http://schemas.openxmlformats.org/officeDocument/2006/math">
+                    <m:oMathParaPr>
+                      <m:jc m:val="centerGroup"/>
+                    </m:oMathParaPr>
+                    <m:oMath xmlns:m="http://schemas.openxmlformats.org/officeDocument/2006/math">
+                      <m:sSub>
+                        <m:sSubPr>
+                          <m:ctrlPr>
+                            <a:rPr lang="en-US" altLang="zh-CN" i="1">
+                              <a:latin typeface="Cambria Math" panose="02040503050406030204" charset="0"/>
+                              <a:cs typeface="Cambria Math" panose="02040503050406030204" charset="0"/>
+                            </a:rPr>
+                          </m:ctrlPr>
+                        </m:sSubPr>
+                        <m:e>
+                          <m:r>
+                            <a:rPr lang="en-US" altLang="zh-CN" i="1">
+                              <a:latin typeface="Cambria Math" panose="02040503050406030204" charset="0"/>
+                              <a:cs typeface="Cambria Math" panose="02040503050406030204" charset="0"/>
+                            </a:rPr>
+                            <m:t>𝑎</m:t>
+                          </m:r>
+                        </m:e>
+                        <m:sub>
+                          <m:r>
+                            <a:rPr lang="en-US" altLang="zh-CN" i="1">
+                              <a:latin typeface="Cambria Math" panose="02040503050406030204" charset="0"/>
+                              <a:cs typeface="Cambria Math" panose="02040503050406030204" charset="0"/>
+                            </a:rPr>
+                            <m:t>𝑏</m:t>
+                          </m:r>
+                        </m:sub>
+                      </m:sSub>
+                      <m:r>
+                        <a:rPr lang="en-US" altLang="zh-CN" i="1">
+                          <a:latin typeface="Cambria Math" panose="02040503050406030204" charset="0"/>
+                          <a:cs typeface="Cambria Math" panose="02040503050406030204" charset="0"/>
+                        </a:rPr>
+                        <m:t>=</m:t>
+                      </m:r>
+                      <m:sSub>
+                        <m:sSubPr>
+                          <m:ctrlPr>
+                            <a:rPr lang="en-US" altLang="zh-CN" i="1">
+                              <a:latin typeface="Cambria Math" panose="02040503050406030204" charset="0"/>
+                              <a:cs typeface="Cambria Math" panose="02040503050406030204" charset="0"/>
+                            </a:rPr>
+                          </m:ctrlPr>
+                        </m:sSubPr>
+                        <m:e>
+                          <m:r>
+                            <a:rPr lang="en-US" altLang="zh-CN" i="1">
+                              <a:latin typeface="Cambria Math" panose="02040503050406030204" charset="0"/>
+                              <a:cs typeface="Cambria Math" panose="02040503050406030204" charset="0"/>
+                            </a:rPr>
+                            <m:t>𝑅</m:t>
+                          </m:r>
+                        </m:e>
+                        <m:sub>
+                          <m:r>
+                            <a:rPr lang="en-US" altLang="zh-CN" i="1">
+                              <a:latin typeface="Cambria Math" panose="02040503050406030204" charset="0"/>
+                              <a:cs typeface="Cambria Math" panose="02040503050406030204" charset="0"/>
+                            </a:rPr>
+                            <m:t>𝑧</m:t>
+                          </m:r>
+                        </m:sub>
+                      </m:sSub>
+                      <m:d>
+                        <m:dPr>
+                          <m:ctrlPr>
+                            <a:rPr lang="en-US" altLang="zh-CN" i="1">
+                              <a:latin typeface="Cambria Math" panose="02040503050406030204" charset="0"/>
+                              <a:cs typeface="Cambria Math" panose="02040503050406030204" charset="0"/>
+                            </a:rPr>
+                          </m:ctrlPr>
+                        </m:dPr>
+                        <m:e>
+                          <m:r>
+                            <a:rPr lang="en-US" altLang="zh-CN" i="1">
+                              <a:latin typeface="Cambria Math" panose="02040503050406030204" charset="0"/>
+                              <a:cs typeface="Cambria Math" panose="02040503050406030204" charset="0"/>
+                            </a:rPr>
+                            <m:t>−</m:t>
+                          </m:r>
+                          <m:sSub>
+                            <m:sSubPr>
+                              <m:ctrlPr>
+                                <a:rPr lang="en-US" altLang="zh-CN" i="1">
+                                  <a:latin typeface="Cambria Math" panose="02040503050406030204" charset="0"/>
+                                  <a:cs typeface="Cambria Math" panose="02040503050406030204" charset="0"/>
+                                </a:rPr>
+                              </m:ctrlPr>
+                            </m:sSubPr>
+                            <m:e>
+                              <m:r>
+                                <a:rPr lang="en-US" altLang="zh-CN" i="1">
+                                  <a:latin typeface="Cambria Math" panose="02040503050406030204" charset="0"/>
+                                  <a:cs typeface="Cambria Math" panose="02040503050406030204" charset="0"/>
+                                </a:rPr>
+                                <m:t>𝜃</m:t>
+                              </m:r>
+                            </m:e>
+                            <m:sub>
+                              <m:r>
+                                <a:rPr lang="en-US" altLang="zh-CN" i="1">
+                                  <a:latin typeface="Cambria Math" panose="02040503050406030204" charset="0"/>
+                                  <a:cs typeface="Cambria Math" panose="02040503050406030204" charset="0"/>
+                                </a:rPr>
+                                <m:t>𝑧</m:t>
+                              </m:r>
+                            </m:sub>
+                          </m:sSub>
+                        </m:e>
+                      </m:d>
+                      <m:sSub>
+                        <m:sSubPr>
+                          <m:ctrlPr>
+                            <a:rPr lang="en-US" altLang="zh-CN" i="1">
+                              <a:latin typeface="Cambria Math" panose="02040503050406030204" charset="0"/>
+                              <a:cs typeface="Cambria Math" panose="02040503050406030204" charset="0"/>
+                            </a:rPr>
+                          </m:ctrlPr>
+                        </m:sSubPr>
+                        <m:e>
+                          <m:r>
+                            <a:rPr lang="en-US" altLang="zh-CN" i="1">
+                              <a:latin typeface="Cambria Math" panose="02040503050406030204" charset="0"/>
+                              <a:cs typeface="Cambria Math" panose="02040503050406030204" charset="0"/>
+                            </a:rPr>
+                            <m:t>𝑅</m:t>
+                          </m:r>
+                        </m:e>
+                        <m:sub>
+                          <m:r>
+                            <a:rPr lang="en-US" altLang="zh-CN" i="1">
+                              <a:latin typeface="Cambria Math" panose="02040503050406030204" charset="0"/>
+                              <a:cs typeface="Cambria Math" panose="02040503050406030204" charset="0"/>
+                            </a:rPr>
+                            <m:t>𝑌</m:t>
+                          </m:r>
+                        </m:sub>
+                      </m:sSub>
+                      <m:d>
+                        <m:dPr>
+                          <m:ctrlPr>
+                            <a:rPr lang="en-US" altLang="zh-CN" i="1">
+                              <a:latin typeface="Cambria Math" panose="02040503050406030204" charset="0"/>
+                              <a:cs typeface="Cambria Math" panose="02040503050406030204" charset="0"/>
+                            </a:rPr>
+                          </m:ctrlPr>
+                        </m:dPr>
+                        <m:e>
+                          <m:r>
+                            <a:rPr lang="en-US" altLang="zh-CN" i="1">
+                              <a:latin typeface="Cambria Math" panose="02040503050406030204" charset="0"/>
+                              <a:cs typeface="Cambria Math" panose="02040503050406030204" charset="0"/>
+                            </a:rPr>
+                            <m:t>−</m:t>
+                          </m:r>
+                          <m:sSub>
+                            <m:sSubPr>
+                              <m:ctrlPr>
+                                <a:rPr lang="en-US" altLang="zh-CN" i="1">
+                                  <a:latin typeface="Cambria Math" panose="02040503050406030204" charset="0"/>
+                                  <a:cs typeface="Cambria Math" panose="02040503050406030204" charset="0"/>
+                                </a:rPr>
+                              </m:ctrlPr>
+                            </m:sSubPr>
+                            <m:e>
+                              <m:r>
+                                <a:rPr lang="en-US" altLang="zh-CN" i="1">
+                                  <a:latin typeface="Cambria Math" panose="02040503050406030204" charset="0"/>
+                                  <a:cs typeface="Cambria Math" panose="02040503050406030204" charset="0"/>
+                                </a:rPr>
+                                <m:t>𝜃</m:t>
+                              </m:r>
+                            </m:e>
+                            <m:sub>
+                              <m:r>
+                                <a:rPr lang="en-US" altLang="zh-CN" i="1">
+                                  <a:latin typeface="Cambria Math" panose="02040503050406030204" charset="0"/>
+                                  <a:cs typeface="Cambria Math" panose="02040503050406030204" charset="0"/>
+                                </a:rPr>
+                                <m:t>𝑦</m:t>
+                              </m:r>
+                            </m:sub>
+                          </m:sSub>
+                        </m:e>
+                      </m:d>
+                      <m:sSub>
+                        <m:sSubPr>
+                          <m:ctrlPr>
+                            <a:rPr lang="en-US" altLang="zh-CN" i="1">
+                              <a:latin typeface="Cambria Math" panose="02040503050406030204" charset="0"/>
+                              <a:cs typeface="Cambria Math" panose="02040503050406030204" charset="0"/>
+                            </a:rPr>
+                          </m:ctrlPr>
+                        </m:sSubPr>
+                        <m:e>
+                          <m:r>
+                            <a:rPr lang="en-US" altLang="zh-CN" i="1">
+                              <a:latin typeface="Cambria Math" panose="02040503050406030204" charset="0"/>
+                              <a:cs typeface="Cambria Math" panose="02040503050406030204" charset="0"/>
+                            </a:rPr>
+                            <m:t>𝑅</m:t>
+                          </m:r>
+                        </m:e>
+                        <m:sub>
+                          <m:r>
+                            <a:rPr lang="en-US" altLang="zh-CN" i="1">
+                              <a:latin typeface="Cambria Math" panose="02040503050406030204" charset="0"/>
+                              <a:cs typeface="Cambria Math" panose="02040503050406030204" charset="0"/>
+                            </a:rPr>
+                            <m:t>𝑋</m:t>
+                          </m:r>
+                        </m:sub>
+                      </m:sSub>
+                      <m:d>
+                        <m:dPr>
+                          <m:ctrlPr>
+                            <a:rPr lang="en-US" altLang="zh-CN" i="1">
+                              <a:latin typeface="Cambria Math" panose="02040503050406030204" charset="0"/>
+                              <a:cs typeface="Cambria Math" panose="02040503050406030204" charset="0"/>
+                            </a:rPr>
+                          </m:ctrlPr>
+                        </m:dPr>
+                        <m:e>
+                          <m:r>
+                            <a:rPr lang="en-US" altLang="zh-CN" i="1">
+                              <a:latin typeface="Cambria Math" panose="02040503050406030204" charset="0"/>
+                              <a:cs typeface="Cambria Math" panose="02040503050406030204" charset="0"/>
+                            </a:rPr>
+                            <m:t>−</m:t>
+                          </m:r>
+                          <m:sSub>
+                            <m:sSubPr>
+                              <m:ctrlPr>
+                                <a:rPr lang="en-US" altLang="zh-CN" i="1">
+                                  <a:latin typeface="Cambria Math" panose="02040503050406030204" charset="0"/>
+                                  <a:cs typeface="Cambria Math" panose="02040503050406030204" charset="0"/>
+                                </a:rPr>
+                              </m:ctrlPr>
+                            </m:sSubPr>
+                            <m:e>
+                              <m:r>
+                                <a:rPr lang="en-US" altLang="zh-CN" i="1">
+                                  <a:latin typeface="Cambria Math" panose="02040503050406030204" charset="0"/>
+                                  <a:cs typeface="Cambria Math" panose="02040503050406030204" charset="0"/>
+                                </a:rPr>
+                                <m:t>𝜃</m:t>
+                              </m:r>
+                            </m:e>
+                            <m:sub>
+                              <m:r>
+                                <a:rPr lang="en-US" altLang="zh-CN" i="1">
+                                  <a:latin typeface="Cambria Math" panose="02040503050406030204" charset="0"/>
+                                  <a:cs typeface="Cambria Math" panose="02040503050406030204" charset="0"/>
+                                </a:rPr>
+                                <m:t>𝑥</m:t>
+                              </m:r>
+                            </m:sub>
+                          </m:sSub>
+                        </m:e>
+                      </m:d>
+                      <m:sSub>
+                        <m:sSubPr>
+                          <m:ctrlPr>
+                            <a:rPr lang="zh-CN" altLang="en-US" i="1">
+                              <a:latin typeface="Cambria Math" panose="02040503050406030204" charset="0"/>
+                              <a:cs typeface="Cambria Math" panose="02040503050406030204" charset="0"/>
+                            </a:rPr>
+                          </m:ctrlPr>
+                        </m:sSubPr>
+                        <m:e>
+                          <m:r>
+                            <a:rPr lang="en-US" altLang="zh-CN" i="1">
+                              <a:latin typeface="Cambria Math" panose="02040503050406030204" charset="0"/>
+                              <a:cs typeface="Cambria Math" panose="02040503050406030204" charset="0"/>
+                            </a:rPr>
+                            <m:t>𝑎</m:t>
+                          </m:r>
+                        </m:e>
+                        <m:sub>
+                          <m:r>
+                            <a:rPr lang="en-US" altLang="zh-CN" i="1">
+                              <a:latin typeface="Cambria Math" panose="02040503050406030204" charset="0"/>
+                              <a:cs typeface="Cambria Math" panose="02040503050406030204" charset="0"/>
+                            </a:rPr>
+                            <m:t>𝑖</m:t>
+                          </m:r>
+                        </m:sub>
+                      </m:sSub>
+                    </m:oMath>
+                    <m:oMath xmlns:m="http://schemas.openxmlformats.org/officeDocument/2006/math">
+                      <m:r>
+                        <a:rPr lang="en-US" altLang="zh-CN" i="1">
+                          <a:latin typeface="Cambria Math" panose="02040503050406030204" charset="0"/>
+                          <a:cs typeface="Cambria Math" panose="02040503050406030204" charset="0"/>
+                        </a:rPr>
+                        <m:t>=</m:t>
+                      </m:r>
+                      <m:d>
+                        <m:dPr>
+                          <m:begChr m:val="["/>
+                          <m:endChr m:val="]"/>
+                          <m:ctrlPr>
+                            <a:rPr lang="en-US" altLang="zh-CN" i="1">
+                              <a:latin typeface="Cambria Math" panose="02040503050406030204" charset="0"/>
+                              <a:cs typeface="Cambria Math" panose="02040503050406030204" charset="0"/>
+                            </a:rPr>
+                          </m:ctrlPr>
+                        </m:dPr>
+                        <m:e>
+                          <m:m>
+                            <m:mPr>
+                              <m:mcs>
+                                <m:mc>
+                                  <m:mcPr>
+                                    <m:count m:val="3"/>
+                                    <m:mcJc m:val="center"/>
+                                  </m:mcPr>
+                                </m:mc>
+                              </m:mcs>
+                              <m:ctrlPr>
+                                <a:rPr lang="en-US" altLang="zh-CN" i="1">
+                                  <a:latin typeface="Cambria Math" panose="02040503050406030204" charset="0"/>
+                                  <a:cs typeface="Cambria Math" panose="02040503050406030204" charset="0"/>
+                                </a:rPr>
+                              </m:ctrlPr>
+                            </m:mPr>
+                            <m:mr>
+                              <m:e>
+                                <m:r>
+                                  <a:rPr lang="en-US" altLang="zh-CN" i="1">
+                                    <a:latin typeface="Cambria Math" panose="02040503050406030204" charset="0"/>
+                                    <a:cs typeface="Cambria Math" panose="02040503050406030204" charset="0"/>
+                                  </a:rPr>
+                                  <m:t>𝑐𝑜𝑠</m:t>
+                                </m:r>
+                                <m:r>
+                                  <a:rPr lang="en-US" altLang="zh-CN" i="1">
+                                    <a:latin typeface="Cambria Math" panose="02040503050406030204" charset="0"/>
+                                    <a:cs typeface="Cambria Math" panose="02040503050406030204" charset="0"/>
+                                  </a:rPr>
+                                  <m:t>(</m:t>
+                                </m:r>
+                                <m:sSub>
+                                  <m:sSubPr>
+                                    <m:ctrlPr>
+                                      <a:rPr lang="en-US" altLang="zh-CN" i="1">
+                                        <a:latin typeface="Cambria Math" panose="02040503050406030204" charset="0"/>
+                                        <a:cs typeface="Cambria Math" panose="02040503050406030204" charset="0"/>
+                                      </a:rPr>
+                                    </m:ctrlPr>
+                                  </m:sSubPr>
+                                  <m:e>
+                                    <m:r>
+                                      <a:rPr lang="en-US" altLang="zh-CN" i="1">
+                                        <a:latin typeface="Cambria Math" panose="02040503050406030204" charset="0"/>
+                                        <a:cs typeface="Cambria Math" panose="02040503050406030204" charset="0"/>
+                                      </a:rPr>
+                                      <m:t>𝜃</m:t>
+                                    </m:r>
+                                  </m:e>
+                                  <m:sub>
+                                    <m:r>
+                                      <a:rPr lang="en-US" altLang="zh-CN" i="1">
+                                        <a:latin typeface="Cambria Math" panose="02040503050406030204" charset="0"/>
+                                        <a:cs typeface="Cambria Math" panose="02040503050406030204" charset="0"/>
+                                      </a:rPr>
+                                      <m:t>𝑧</m:t>
+                                    </m:r>
+                                  </m:sub>
+                                </m:sSub>
+                                <m:r>
+                                  <a:rPr lang="en-US" altLang="zh-CN" i="1">
+                                    <a:latin typeface="Cambria Math" panose="02040503050406030204" charset="0"/>
+                                    <a:cs typeface="Cambria Math" panose="02040503050406030204" charset="0"/>
+                                  </a:rPr>
+                                  <m:t>)</m:t>
+                                </m:r>
+                              </m:e>
+                              <m:e>
+                                <m:r>
+                                  <a:rPr lang="en-US" altLang="zh-CN" i="1">
+                                    <a:latin typeface="Cambria Math" panose="02040503050406030204" charset="0"/>
+                                    <a:cs typeface="Cambria Math" panose="02040503050406030204" charset="0"/>
+                                  </a:rPr>
+                                  <m:t>−𝑠𝑖𝑛</m:t>
+                                </m:r>
+                                <m:r>
+                                  <a:rPr lang="en-US" altLang="zh-CN" i="1">
+                                    <a:latin typeface="Cambria Math" panose="02040503050406030204" charset="0"/>
+                                    <a:cs typeface="Cambria Math" panose="02040503050406030204" charset="0"/>
+                                  </a:rPr>
+                                  <m:t>(</m:t>
+                                </m:r>
+                                <m:sSub>
+                                  <m:sSubPr>
+                                    <m:ctrlPr>
+                                      <a:rPr lang="en-US" altLang="zh-CN" i="1">
+                                        <a:latin typeface="Cambria Math" panose="02040503050406030204" charset="0"/>
+                                        <a:cs typeface="Cambria Math" panose="02040503050406030204" charset="0"/>
+                                      </a:rPr>
+                                    </m:ctrlPr>
+                                  </m:sSubPr>
+                                  <m:e>
+                                    <m:r>
+                                      <a:rPr lang="en-US" altLang="zh-CN" i="1">
+                                        <a:latin typeface="Cambria Math" panose="02040503050406030204" charset="0"/>
+                                        <a:cs typeface="Cambria Math" panose="02040503050406030204" charset="0"/>
+                                      </a:rPr>
+                                      <m:t>𝜃</m:t>
+                                    </m:r>
+                                  </m:e>
+                                  <m:sub>
+                                    <m:r>
+                                      <a:rPr lang="en-US" altLang="zh-CN" i="1">
+                                        <a:latin typeface="Cambria Math" panose="02040503050406030204" charset="0"/>
+                                        <a:cs typeface="Cambria Math" panose="02040503050406030204" charset="0"/>
+                                      </a:rPr>
+                                      <m:t>𝑧</m:t>
+                                    </m:r>
+                                  </m:sub>
+                                </m:sSub>
+                                <m:r>
+                                  <a:rPr lang="en-US" altLang="zh-CN" i="1">
+                                    <a:latin typeface="Cambria Math" panose="02040503050406030204" charset="0"/>
+                                    <a:cs typeface="Cambria Math" panose="02040503050406030204" charset="0"/>
+                                  </a:rPr>
+                                  <m:t>)</m:t>
+                                </m:r>
+                              </m:e>
+                              <m:e>
+                                <m:r>
+                                  <a:rPr lang="en-US" altLang="zh-CN" i="1">
+                                    <a:latin typeface="Cambria Math" panose="02040503050406030204" charset="0"/>
+                                    <a:cs typeface="Cambria Math" panose="02040503050406030204" charset="0"/>
+                                  </a:rPr>
+                                  <m:t>0</m:t>
+                                </m:r>
+                              </m:e>
+                            </m:mr>
+                            <m:mr>
+                              <m:e>
+                                <m:r>
+                                  <a:rPr lang="en-US" altLang="zh-CN" i="1">
+                                    <a:latin typeface="Cambria Math" panose="02040503050406030204" charset="0"/>
+                                    <a:cs typeface="Cambria Math" panose="02040503050406030204" charset="0"/>
+                                  </a:rPr>
+                                  <m:t>𝑠𝑖𝑛</m:t>
+                                </m:r>
+                                <m:r>
+                                  <a:rPr lang="en-US" altLang="zh-CN" i="1">
+                                    <a:latin typeface="Cambria Math" panose="02040503050406030204" charset="0"/>
+                                    <a:cs typeface="Cambria Math" panose="02040503050406030204" charset="0"/>
+                                  </a:rPr>
+                                  <m:t>(</m:t>
+                                </m:r>
+                                <m:sSub>
+                                  <m:sSubPr>
+                                    <m:ctrlPr>
+                                      <a:rPr lang="en-US" altLang="zh-CN" i="1">
+                                        <a:latin typeface="Cambria Math" panose="02040503050406030204" charset="0"/>
+                                        <a:cs typeface="Cambria Math" panose="02040503050406030204" charset="0"/>
+                                      </a:rPr>
+                                    </m:ctrlPr>
+                                  </m:sSubPr>
+                                  <m:e>
+                                    <m:r>
+                                      <a:rPr lang="en-US" altLang="zh-CN" i="1">
+                                        <a:latin typeface="Cambria Math" panose="02040503050406030204" charset="0"/>
+                                        <a:cs typeface="Cambria Math" panose="02040503050406030204" charset="0"/>
+                                      </a:rPr>
+                                      <m:t>𝜃</m:t>
+                                    </m:r>
+                                  </m:e>
+                                  <m:sub>
+                                    <m:r>
+                                      <a:rPr lang="en-US" altLang="zh-CN" i="1">
+                                        <a:latin typeface="Cambria Math" panose="02040503050406030204" charset="0"/>
+                                        <a:cs typeface="Cambria Math" panose="02040503050406030204" charset="0"/>
+                                      </a:rPr>
+                                      <m:t>𝑧</m:t>
+                                    </m:r>
+                                  </m:sub>
+                                </m:sSub>
+                                <m:r>
+                                  <a:rPr lang="en-US" altLang="zh-CN" i="1">
+                                    <a:latin typeface="Cambria Math" panose="02040503050406030204" charset="0"/>
+                                    <a:cs typeface="Cambria Math" panose="02040503050406030204" charset="0"/>
+                                  </a:rPr>
+                                  <m:t>)</m:t>
+                                </m:r>
+                              </m:e>
+                              <m:e>
+                                <m:r>
+                                  <a:rPr lang="en-US" altLang="zh-CN" i="1">
+                                    <a:latin typeface="Cambria Math" panose="02040503050406030204" charset="0"/>
+                                    <a:cs typeface="Cambria Math" panose="02040503050406030204" charset="0"/>
+                                  </a:rPr>
+                                  <m:t>𝑐𝑜𝑠</m:t>
+                                </m:r>
+                                <m:r>
+                                  <a:rPr lang="en-US" altLang="zh-CN" i="1">
+                                    <a:latin typeface="Cambria Math" panose="02040503050406030204" charset="0"/>
+                                    <a:cs typeface="Cambria Math" panose="02040503050406030204" charset="0"/>
+                                  </a:rPr>
+                                  <m:t>(</m:t>
+                                </m:r>
+                                <m:sSub>
+                                  <m:sSubPr>
+                                    <m:ctrlPr>
+                                      <a:rPr lang="en-US" altLang="zh-CN" i="1">
+                                        <a:latin typeface="Cambria Math" panose="02040503050406030204" charset="0"/>
+                                        <a:cs typeface="Cambria Math" panose="02040503050406030204" charset="0"/>
+                                      </a:rPr>
+                                    </m:ctrlPr>
+                                  </m:sSubPr>
+                                  <m:e>
+                                    <m:r>
+                                      <a:rPr lang="en-US" altLang="zh-CN" i="1">
+                                        <a:latin typeface="Cambria Math" panose="02040503050406030204" charset="0"/>
+                                        <a:cs typeface="Cambria Math" panose="02040503050406030204" charset="0"/>
+                                      </a:rPr>
+                                      <m:t>𝜃</m:t>
+                                    </m:r>
+                                  </m:e>
+                                  <m:sub>
+                                    <m:r>
+                                      <a:rPr lang="en-US" altLang="zh-CN" i="1">
+                                        <a:latin typeface="Cambria Math" panose="02040503050406030204" charset="0"/>
+                                        <a:cs typeface="Cambria Math" panose="02040503050406030204" charset="0"/>
+                                      </a:rPr>
+                                      <m:t>𝑧</m:t>
+                                    </m:r>
+                                  </m:sub>
+                                </m:sSub>
+                                <m:r>
+                                  <a:rPr lang="en-US" altLang="zh-CN" i="1">
+                                    <a:latin typeface="Cambria Math" panose="02040503050406030204" charset="0"/>
+                                    <a:cs typeface="Cambria Math" panose="02040503050406030204" charset="0"/>
+                                  </a:rPr>
+                                  <m:t>)</m:t>
+                                </m:r>
+                              </m:e>
+                              <m:e>
+                                <m:r>
+                                  <a:rPr lang="en-US" altLang="zh-CN" i="1">
+                                    <a:latin typeface="Cambria Math" panose="02040503050406030204" charset="0"/>
+                                    <a:cs typeface="Cambria Math" panose="02040503050406030204" charset="0"/>
+                                  </a:rPr>
+                                  <m:t>0</m:t>
+                                </m:r>
+                              </m:e>
+                            </m:mr>
+                            <m:mr>
+                              <m:e>
+                                <m:r>
+                                  <a:rPr lang="en-US" altLang="zh-CN" i="1">
+                                    <a:latin typeface="Cambria Math" panose="02040503050406030204" charset="0"/>
+                                    <a:cs typeface="Cambria Math" panose="02040503050406030204" charset="0"/>
+                                  </a:rPr>
+                                  <m:t>0</m:t>
+                                </m:r>
+                              </m:e>
+                              <m:e>
+                                <m:r>
+                                  <a:rPr lang="en-US" altLang="zh-CN" i="1">
+                                    <a:latin typeface="Cambria Math" panose="02040503050406030204" charset="0"/>
+                                    <a:cs typeface="Cambria Math" panose="02040503050406030204" charset="0"/>
+                                  </a:rPr>
+                                  <m:t>0</m:t>
+                                </m:r>
+                              </m:e>
+                              <m:e>
+                                <m:r>
+                                  <a:rPr lang="en-US" altLang="zh-CN" i="1">
+                                    <a:latin typeface="Cambria Math" panose="02040503050406030204" charset="0"/>
+                                    <a:cs typeface="Cambria Math" panose="02040503050406030204" charset="0"/>
+                                  </a:rPr>
+                                  <m:t>1</m:t>
+                                </m:r>
+                              </m:e>
+                            </m:mr>
+                          </m:m>
+                        </m:e>
+                      </m:d>
+                      <m:d>
+                        <m:dPr>
+                          <m:begChr m:val="["/>
+                          <m:endChr m:val="]"/>
+                          <m:ctrlPr>
+                            <a:rPr lang="en-US" altLang="zh-CN" i="1">
+                              <a:latin typeface="Cambria Math" panose="02040503050406030204" charset="0"/>
+                              <a:cs typeface="Cambria Math" panose="02040503050406030204" charset="0"/>
+                            </a:rPr>
+                          </m:ctrlPr>
+                        </m:dPr>
+                        <m:e>
+                          <m:m>
+                            <m:mPr>
+                              <m:mcs>
+                                <m:mc>
+                                  <m:mcPr>
+                                    <m:count m:val="3"/>
+                                    <m:mcJc m:val="center"/>
+                                  </m:mcPr>
+                                </m:mc>
+                              </m:mcs>
+                              <m:ctrlPr>
+                                <a:rPr lang="en-US" altLang="zh-CN" i="1">
+                                  <a:latin typeface="Cambria Math" panose="02040503050406030204" charset="0"/>
+                                  <a:cs typeface="Cambria Math" panose="02040503050406030204" charset="0"/>
+                                </a:rPr>
+                              </m:ctrlPr>
+                            </m:mPr>
+                            <m:mr>
+                              <m:e>
+                                <m:r>
+                                  <a:rPr lang="en-US" altLang="zh-CN" i="1">
+                                    <a:latin typeface="Cambria Math" panose="02040503050406030204" charset="0"/>
+                                    <a:cs typeface="Cambria Math" panose="02040503050406030204" charset="0"/>
+                                  </a:rPr>
+                                  <m:t>𝑐𝑜𝑠</m:t>
+                                </m:r>
+                                <m:r>
+                                  <a:rPr lang="en-US" altLang="zh-CN" i="1">
+                                    <a:latin typeface="Cambria Math" panose="02040503050406030204" charset="0"/>
+                                    <a:cs typeface="Cambria Math" panose="02040503050406030204" charset="0"/>
+                                  </a:rPr>
+                                  <m:t>(</m:t>
+                                </m:r>
+                                <m:sSub>
+                                  <m:sSubPr>
+                                    <m:ctrlPr>
+                                      <a:rPr lang="en-US" altLang="zh-CN" i="1">
+                                        <a:latin typeface="Cambria Math" panose="02040503050406030204" charset="0"/>
+                                        <a:cs typeface="Cambria Math" panose="02040503050406030204" charset="0"/>
+                                      </a:rPr>
+                                    </m:ctrlPr>
+                                  </m:sSubPr>
+                                  <m:e>
+                                    <m:r>
+                                      <a:rPr lang="en-US" altLang="zh-CN" i="1">
+                                        <a:latin typeface="Cambria Math" panose="02040503050406030204" charset="0"/>
+                                        <a:cs typeface="Cambria Math" panose="02040503050406030204" charset="0"/>
+                                      </a:rPr>
+                                      <m:t>𝜃</m:t>
+                                    </m:r>
+                                  </m:e>
+                                  <m:sub>
+                                    <m:r>
+                                      <a:rPr lang="en-US" altLang="zh-CN" i="1">
+                                        <a:latin typeface="Cambria Math" panose="02040503050406030204" charset="0"/>
+                                        <a:cs typeface="Cambria Math" panose="02040503050406030204" charset="0"/>
+                                      </a:rPr>
+                                      <m:t>𝑦</m:t>
+                                    </m:r>
+                                  </m:sub>
+                                </m:sSub>
+                                <m:r>
+                                  <a:rPr lang="en-US" altLang="zh-CN" i="1">
+                                    <a:latin typeface="Cambria Math" panose="02040503050406030204" charset="0"/>
+                                    <a:cs typeface="Cambria Math" panose="02040503050406030204" charset="0"/>
+                                  </a:rPr>
+                                  <m:t>)</m:t>
+                                </m:r>
+                              </m:e>
+                              <m:e>
+                                <m:r>
+                                  <a:rPr lang="en-US" i="1">
+                                    <a:latin typeface="Cambria Math" panose="02040503050406030204" charset="0"/>
+                                  </a:rPr>
+                                  <m:t>0</m:t>
+                                </m:r>
+                              </m:e>
+                              <m:e>
+                                <m:r>
+                                  <a:rPr lang="en-US" i="1">
+                                    <a:latin typeface="Cambria Math" panose="02040503050406030204" charset="0"/>
+                                  </a:rPr>
+                                  <m:t>𝑠𝑖𝑛</m:t>
+                                </m:r>
+                                <m:r>
+                                  <a:rPr lang="en-US" i="1">
+                                    <a:latin typeface="Cambria Math" panose="02040503050406030204" charset="0"/>
+                                  </a:rPr>
+                                  <m:t>(</m:t>
+                                </m:r>
+                                <m:sSub>
+                                  <m:sSubPr>
+                                    <m:ctrlPr>
+                                      <a:rPr lang="en-US" altLang="zh-CN" i="1">
+                                        <a:latin typeface="Cambria Math" panose="02040503050406030204" charset="0"/>
+                                        <a:cs typeface="Cambria Math" panose="02040503050406030204" charset="0"/>
+                                      </a:rPr>
+                                    </m:ctrlPr>
+                                  </m:sSubPr>
+                                  <m:e>
+                                    <m:r>
+                                      <a:rPr lang="en-US" altLang="zh-CN" i="1">
+                                        <a:latin typeface="Cambria Math" panose="02040503050406030204" charset="0"/>
+                                        <a:cs typeface="Cambria Math" panose="02040503050406030204" charset="0"/>
+                                      </a:rPr>
+                                      <m:t>𝜃</m:t>
+                                    </m:r>
+                                  </m:e>
+                                  <m:sub>
+                                    <m:r>
+                                      <a:rPr lang="en-US" altLang="zh-CN" i="1">
+                                        <a:latin typeface="Cambria Math" panose="02040503050406030204" charset="0"/>
+                                        <a:cs typeface="Cambria Math" panose="02040503050406030204" charset="0"/>
+                                      </a:rPr>
+                                      <m:t>𝑦</m:t>
+                                    </m:r>
+                                  </m:sub>
+                                </m:sSub>
+                                <m:r>
+                                  <a:rPr lang="en-US" i="1">
+                                    <a:latin typeface="Cambria Math" panose="02040503050406030204" charset="0"/>
+                                  </a:rPr>
+                                  <m:t>)</m:t>
+                                </m:r>
+                              </m:e>
+                            </m:mr>
+                            <m:mr>
+                              <m:e>
+                                <m:r>
+                                  <a:rPr lang="en-US" i="1">
+                                    <a:latin typeface="Cambria Math" panose="02040503050406030204" charset="0"/>
+                                  </a:rPr>
+                                  <m:t>0</m:t>
+                                </m:r>
+                              </m:e>
+                              <m:e>
+                                <m:r>
+                                  <a:rPr lang="en-US" i="1">
+                                    <a:latin typeface="Cambria Math" panose="02040503050406030204" charset="0"/>
+                                  </a:rPr>
+                                  <m:t>1</m:t>
+                                </m:r>
+                              </m:e>
+                              <m:e>
+                                <m:r>
+                                  <a:rPr lang="en-US" i="1">
+                                    <a:latin typeface="Cambria Math" panose="02040503050406030204" charset="0"/>
+                                  </a:rPr>
+                                  <m:t>0</m:t>
+                                </m:r>
+                              </m:e>
+                            </m:mr>
+                            <m:mr>
+                              <m:e>
+                                <m:r>
+                                  <a:rPr lang="en-US" i="1">
+                                    <a:latin typeface="Cambria Math" panose="02040503050406030204" charset="0"/>
+                                  </a:rPr>
+                                  <m:t>−𝑠𝑖𝑛</m:t>
+                                </m:r>
+                                <m:r>
+                                  <a:rPr lang="en-US" i="1">
+                                    <a:latin typeface="Cambria Math" panose="02040503050406030204" charset="0"/>
+                                  </a:rPr>
+                                  <m:t>(</m:t>
+                                </m:r>
+                                <m:sSub>
+                                  <m:sSubPr>
+                                    <m:ctrlPr>
+                                      <a:rPr lang="en-US" altLang="zh-CN" i="1">
+                                        <a:latin typeface="Cambria Math" panose="02040503050406030204" charset="0"/>
+                                        <a:cs typeface="Cambria Math" panose="02040503050406030204" charset="0"/>
+                                      </a:rPr>
+                                    </m:ctrlPr>
+                                  </m:sSubPr>
+                                  <m:e>
+                                    <m:r>
+                                      <a:rPr lang="en-US" altLang="zh-CN" i="1">
+                                        <a:latin typeface="Cambria Math" panose="02040503050406030204" charset="0"/>
+                                        <a:cs typeface="Cambria Math" panose="02040503050406030204" charset="0"/>
+                                      </a:rPr>
+                                      <m:t>𝜃</m:t>
+                                    </m:r>
+                                  </m:e>
+                                  <m:sub>
+                                    <m:r>
+                                      <a:rPr lang="en-US" altLang="zh-CN" i="1">
+                                        <a:latin typeface="Cambria Math" panose="02040503050406030204" charset="0"/>
+                                        <a:cs typeface="Cambria Math" panose="02040503050406030204" charset="0"/>
+                                      </a:rPr>
+                                      <m:t>𝑦</m:t>
+                                    </m:r>
+                                  </m:sub>
+                                </m:sSub>
+                                <m:r>
+                                  <a:rPr lang="en-US" i="1">
+                                    <a:latin typeface="Cambria Math" panose="02040503050406030204" charset="0"/>
+                                  </a:rPr>
+                                  <m:t>)</m:t>
+                                </m:r>
+                              </m:e>
+                              <m:e>
+                                <m:r>
+                                  <a:rPr lang="en-US" i="1">
+                                    <a:latin typeface="Cambria Math" panose="02040503050406030204" charset="0"/>
+                                  </a:rPr>
+                                  <m:t>0</m:t>
+                                </m:r>
+                              </m:e>
+                              <m:e>
+                                <m:r>
+                                  <a:rPr lang="en-US" altLang="zh-CN" i="1">
+                                    <a:latin typeface="Cambria Math" panose="02040503050406030204" charset="0"/>
+                                    <a:cs typeface="Cambria Math" panose="02040503050406030204" charset="0"/>
+                                  </a:rPr>
+                                  <m:t>𝑐𝑜𝑠</m:t>
+                                </m:r>
+                                <m:r>
+                                  <a:rPr lang="en-US" altLang="zh-CN" i="1">
+                                    <a:latin typeface="Cambria Math" panose="02040503050406030204" charset="0"/>
+                                    <a:cs typeface="Cambria Math" panose="02040503050406030204" charset="0"/>
+                                  </a:rPr>
+                                  <m:t>(</m:t>
+                                </m:r>
+                                <m:sSub>
+                                  <m:sSubPr>
+                                    <m:ctrlPr>
+                                      <a:rPr lang="en-US" altLang="zh-CN" i="1">
+                                        <a:latin typeface="Cambria Math" panose="02040503050406030204" charset="0"/>
+                                        <a:cs typeface="Cambria Math" panose="02040503050406030204" charset="0"/>
+                                      </a:rPr>
+                                    </m:ctrlPr>
+                                  </m:sSubPr>
+                                  <m:e>
+                                    <m:r>
+                                      <a:rPr lang="en-US" altLang="zh-CN" i="1">
+                                        <a:latin typeface="Cambria Math" panose="02040503050406030204" charset="0"/>
+                                        <a:cs typeface="Cambria Math" panose="02040503050406030204" charset="0"/>
+                                      </a:rPr>
+                                      <m:t>𝜃</m:t>
+                                    </m:r>
+                                  </m:e>
+                                  <m:sub>
+                                    <m:r>
+                                      <a:rPr lang="en-US" altLang="zh-CN" i="1">
+                                        <a:latin typeface="Cambria Math" panose="02040503050406030204" charset="0"/>
+                                        <a:cs typeface="Cambria Math" panose="02040503050406030204" charset="0"/>
+                                      </a:rPr>
+                                      <m:t>𝑦</m:t>
+                                    </m:r>
+                                  </m:sub>
+                                </m:sSub>
+                                <m:r>
+                                  <a:rPr lang="en-US" altLang="zh-CN" i="1">
+                                    <a:latin typeface="Cambria Math" panose="02040503050406030204" charset="0"/>
+                                    <a:cs typeface="Cambria Math" panose="02040503050406030204" charset="0"/>
+                                  </a:rPr>
+                                  <m:t>)</m:t>
+                                </m:r>
+                              </m:e>
+                            </m:mr>
+                          </m:m>
+                        </m:e>
+                      </m:d>
+                      <m:d>
+                        <m:dPr>
+                          <m:begChr m:val="["/>
+                          <m:endChr m:val="]"/>
+                          <m:ctrlPr>
+                            <a:rPr lang="en-US" altLang="zh-CN" i="1">
+                              <a:latin typeface="Cambria Math" panose="02040503050406030204" charset="0"/>
+                              <a:cs typeface="Cambria Math" panose="02040503050406030204" charset="0"/>
+                            </a:rPr>
+                          </m:ctrlPr>
+                        </m:dPr>
+                        <m:e>
+                          <m:m>
+                            <m:mPr>
+                              <m:mcs>
+                                <m:mc>
+                                  <m:mcPr>
+                                    <m:count m:val="3"/>
+                                    <m:mcJc m:val="center"/>
+                                  </m:mcPr>
+                                </m:mc>
+                              </m:mcs>
+                              <m:ctrlPr>
+                                <a:rPr lang="en-US" altLang="zh-CN" i="1">
+                                  <a:latin typeface="Cambria Math" panose="02040503050406030204" charset="0"/>
+                                  <a:cs typeface="Cambria Math" panose="02040503050406030204" charset="0"/>
+                                </a:rPr>
+                              </m:ctrlPr>
+                            </m:mPr>
+                            <m:mr>
+                              <m:e>
+                                <m:r>
+                                  <a:rPr lang="en-US" altLang="zh-CN" i="1">
+                                    <a:latin typeface="Cambria Math" panose="02040503050406030204" charset="0"/>
+                                    <a:cs typeface="Cambria Math" panose="02040503050406030204" charset="0"/>
+                                  </a:rPr>
+                                  <m:t>1</m:t>
+                                </m:r>
+                              </m:e>
+                              <m:e>
+                                <m:r>
+                                  <a:rPr lang="en-US" i="1">
+                                    <a:latin typeface="Cambria Math" panose="02040503050406030204" charset="0"/>
+                                  </a:rPr>
+                                  <m:t>0</m:t>
+                                </m:r>
+                              </m:e>
+                              <m:e>
+                                <m:r>
+                                  <a:rPr lang="en-US" i="1">
+                                    <a:latin typeface="Cambria Math" panose="02040503050406030204" charset="0"/>
+                                  </a:rPr>
+                                  <m:t>0</m:t>
+                                </m:r>
+                              </m:e>
+                            </m:mr>
+                            <m:mr>
+                              <m:e>
+                                <m:r>
+                                  <a:rPr lang="en-US" i="1">
+                                    <a:latin typeface="Cambria Math" panose="02040503050406030204" charset="0"/>
+                                  </a:rPr>
+                                  <m:t>0</m:t>
+                                </m:r>
+                              </m:e>
+                              <m:e>
+                                <m:r>
+                                  <a:rPr lang="en-US" i="1">
+                                    <a:latin typeface="Cambria Math" panose="02040503050406030204" charset="0"/>
+                                  </a:rPr>
+                                  <m:t>𝑐𝑜𝑠</m:t>
+                                </m:r>
+                                <m:r>
+                                  <a:rPr lang="en-US" i="1">
+                                    <a:latin typeface="Cambria Math" panose="02040503050406030204" charset="0"/>
+                                  </a:rPr>
+                                  <m:t>(</m:t>
+                                </m:r>
+                                <m:sSub>
+                                  <m:sSubPr>
+                                    <m:ctrlPr>
+                                      <a:rPr lang="en-US" altLang="zh-CN" i="1">
+                                        <a:latin typeface="Cambria Math" panose="02040503050406030204" charset="0"/>
+                                        <a:cs typeface="Cambria Math" panose="02040503050406030204" charset="0"/>
+                                      </a:rPr>
+                                    </m:ctrlPr>
+                                  </m:sSubPr>
+                                  <m:e>
+                                    <m:r>
+                                      <a:rPr lang="en-US" altLang="zh-CN" i="1">
+                                        <a:latin typeface="Cambria Math" panose="02040503050406030204" charset="0"/>
+                                        <a:cs typeface="Cambria Math" panose="02040503050406030204" charset="0"/>
+                                      </a:rPr>
+                                      <m:t>𝜃</m:t>
+                                    </m:r>
+                                  </m:e>
+                                  <m:sub>
+                                    <m:r>
+                                      <a:rPr lang="en-US" altLang="zh-CN" i="1">
+                                        <a:latin typeface="Cambria Math" panose="02040503050406030204" charset="0"/>
+                                        <a:cs typeface="Cambria Math" panose="02040503050406030204" charset="0"/>
+                                      </a:rPr>
+                                      <m:t>𝑥</m:t>
+                                    </m:r>
+                                  </m:sub>
+                                </m:sSub>
+                                <m:r>
+                                  <a:rPr lang="en-US" i="1">
+                                    <a:latin typeface="Cambria Math" panose="02040503050406030204" charset="0"/>
+                                  </a:rPr>
+                                  <m:t>)</m:t>
+                                </m:r>
+                              </m:e>
+                              <m:e>
+                                <m:r>
+                                  <a:rPr lang="en-US" i="1">
+                                    <a:latin typeface="Cambria Math" panose="02040503050406030204" charset="0"/>
+                                  </a:rPr>
+                                  <m:t>−𝑠𝑖𝑛</m:t>
+                                </m:r>
+                                <m:r>
+                                  <a:rPr lang="en-US" i="1">
+                                    <a:latin typeface="Cambria Math" panose="02040503050406030204" charset="0"/>
+                                  </a:rPr>
+                                  <m:t>(</m:t>
+                                </m:r>
+                                <m:sSub>
+                                  <m:sSubPr>
+                                    <m:ctrlPr>
+                                      <a:rPr lang="en-US" altLang="zh-CN" i="1">
+                                        <a:latin typeface="Cambria Math" panose="02040503050406030204" charset="0"/>
+                                        <a:cs typeface="Cambria Math" panose="02040503050406030204" charset="0"/>
+                                      </a:rPr>
+                                    </m:ctrlPr>
+                                  </m:sSubPr>
+                                  <m:e>
+                                    <m:r>
+                                      <a:rPr lang="en-US" altLang="zh-CN" i="1">
+                                        <a:latin typeface="Cambria Math" panose="02040503050406030204" charset="0"/>
+                                        <a:cs typeface="Cambria Math" panose="02040503050406030204" charset="0"/>
+                                      </a:rPr>
+                                      <m:t>𝜃</m:t>
+                                    </m:r>
+                                  </m:e>
+                                  <m:sub>
+                                    <m:r>
+                                      <a:rPr lang="en-US" altLang="zh-CN" i="1">
+                                        <a:latin typeface="Cambria Math" panose="02040503050406030204" charset="0"/>
+                                        <a:cs typeface="Cambria Math" panose="02040503050406030204" charset="0"/>
+                                      </a:rPr>
+                                      <m:t>𝑥</m:t>
+                                    </m:r>
+                                  </m:sub>
+                                </m:sSub>
+                                <m:r>
+                                  <a:rPr lang="en-US" i="1">
+                                    <a:latin typeface="Cambria Math" panose="02040503050406030204" charset="0"/>
+                                  </a:rPr>
+                                  <m:t>)</m:t>
+                                </m:r>
+                              </m:e>
+                            </m:mr>
+                            <m:mr>
+                              <m:e>
+                                <m:r>
+                                  <a:rPr lang="en-US" i="1">
+                                    <a:latin typeface="Cambria Math" panose="02040503050406030204" charset="0"/>
+                                  </a:rPr>
+                                  <m:t>0</m:t>
+                                </m:r>
+                              </m:e>
+                              <m:e>
+                                <m:r>
+                                  <a:rPr lang="en-US" i="1">
+                                    <a:latin typeface="Cambria Math" panose="02040503050406030204" charset="0"/>
+                                  </a:rPr>
+                                  <m:t>𝑠𝑖𝑛</m:t>
+                                </m:r>
+                                <m:r>
+                                  <a:rPr lang="en-US" i="1">
+                                    <a:latin typeface="Cambria Math" panose="02040503050406030204" charset="0"/>
+                                  </a:rPr>
+                                  <m:t>(</m:t>
+                                </m:r>
+                                <m:sSub>
+                                  <m:sSubPr>
+                                    <m:ctrlPr>
+                                      <a:rPr lang="en-US" altLang="zh-CN" i="1">
+                                        <a:latin typeface="Cambria Math" panose="02040503050406030204" charset="0"/>
+                                        <a:cs typeface="Cambria Math" panose="02040503050406030204" charset="0"/>
+                                      </a:rPr>
+                                    </m:ctrlPr>
+                                  </m:sSubPr>
+                                  <m:e>
+                                    <m:r>
+                                      <a:rPr lang="en-US" altLang="zh-CN" i="1">
+                                        <a:latin typeface="Cambria Math" panose="02040503050406030204" charset="0"/>
+                                        <a:cs typeface="Cambria Math" panose="02040503050406030204" charset="0"/>
+                                      </a:rPr>
+                                      <m:t>𝜃</m:t>
+                                    </m:r>
+                                  </m:e>
+                                  <m:sub>
+                                    <m:r>
+                                      <a:rPr lang="en-US" altLang="zh-CN" i="1">
+                                        <a:latin typeface="Cambria Math" panose="02040503050406030204" charset="0"/>
+                                        <a:cs typeface="Cambria Math" panose="02040503050406030204" charset="0"/>
+                                      </a:rPr>
+                                      <m:t>𝑥</m:t>
+                                    </m:r>
+                                  </m:sub>
+                                </m:sSub>
+                                <m:r>
+                                  <a:rPr lang="en-US" i="1">
+                                    <a:latin typeface="Cambria Math" panose="02040503050406030204" charset="0"/>
+                                  </a:rPr>
+                                  <m:t>)</m:t>
+                                </m:r>
+                              </m:e>
+                              <m:e>
+                                <m:r>
+                                  <a:rPr lang="en-US" i="1">
+                                    <a:latin typeface="Cambria Math" panose="02040503050406030204" charset="0"/>
+                                  </a:rPr>
+                                  <m:t>𝑐𝑜𝑠</m:t>
+                                </m:r>
+                                <m:r>
+                                  <a:rPr lang="en-US" i="1">
+                                    <a:latin typeface="Cambria Math" panose="02040503050406030204" charset="0"/>
+                                  </a:rPr>
+                                  <m:t>(</m:t>
+                                </m:r>
+                                <m:sSub>
+                                  <m:sSubPr>
+                                    <m:ctrlPr>
+                                      <a:rPr lang="en-US" altLang="zh-CN" i="1">
+                                        <a:latin typeface="Cambria Math" panose="02040503050406030204" charset="0"/>
+                                        <a:cs typeface="Cambria Math" panose="02040503050406030204" charset="0"/>
+                                      </a:rPr>
+                                    </m:ctrlPr>
+                                  </m:sSubPr>
+                                  <m:e>
+                                    <m:r>
+                                      <a:rPr lang="en-US" altLang="zh-CN" i="1">
+                                        <a:latin typeface="Cambria Math" panose="02040503050406030204" charset="0"/>
+                                        <a:cs typeface="Cambria Math" panose="02040503050406030204" charset="0"/>
+                                      </a:rPr>
+                                      <m:t>𝜃</m:t>
+                                    </m:r>
+                                  </m:e>
+                                  <m:sub>
+                                    <m:r>
+                                      <a:rPr lang="en-US" altLang="zh-CN" i="1">
+                                        <a:latin typeface="Cambria Math" panose="02040503050406030204" charset="0"/>
+                                        <a:cs typeface="Cambria Math" panose="02040503050406030204" charset="0"/>
+                                      </a:rPr>
+                                      <m:t>𝑥</m:t>
+                                    </m:r>
+                                  </m:sub>
+                                </m:sSub>
+                                <m:r>
+                                  <a:rPr lang="en-US" i="1">
+                                    <a:latin typeface="Cambria Math" panose="02040503050406030204" charset="0"/>
+                                  </a:rPr>
+                                  <m:t>)</m:t>
+                                </m:r>
+                              </m:e>
+                            </m:mr>
+                          </m:m>
+                        </m:e>
+                      </m:d>
+                      <m:sSub>
+                        <m:sSubPr>
+                          <m:ctrlPr>
+                            <a:rPr lang="zh-CN" altLang="en-US" i="1">
+                              <a:latin typeface="Cambria Math" panose="02040503050406030204" charset="0"/>
+                              <a:cs typeface="Cambria Math" panose="02040503050406030204" charset="0"/>
+                            </a:rPr>
+                          </m:ctrlPr>
+                        </m:sSubPr>
+                        <m:e>
+                          <m:r>
+                            <a:rPr lang="en-US" altLang="zh-CN" i="1">
+                              <a:latin typeface="Cambria Math" panose="02040503050406030204" charset="0"/>
+                              <a:cs typeface="Cambria Math" panose="02040503050406030204" charset="0"/>
+                            </a:rPr>
+                            <m:t>𝑎</m:t>
+                          </m:r>
+                        </m:e>
+                        <m:sub>
+                          <m:r>
+                            <a:rPr lang="en-US" altLang="zh-CN" i="1">
+                              <a:latin typeface="Cambria Math" panose="02040503050406030204" charset="0"/>
+                              <a:cs typeface="Cambria Math" panose="02040503050406030204" charset="0"/>
+                            </a:rPr>
+                            <m:t>𝑖</m:t>
+                          </m:r>
+                        </m:sub>
+                      </m:sSub>
+                    </m:oMath>
+                    <m:oMath xmlns:m="http://schemas.openxmlformats.org/officeDocument/2006/math">
+                      <m:r>
+                        <a:rPr lang="en-US" altLang="zh-CN" i="1">
+                          <a:latin typeface="Cambria Math" panose="02040503050406030204" charset="0"/>
+                          <a:cs typeface="Cambria Math" panose="02040503050406030204" charset="0"/>
+                        </a:rPr>
+                        <m:t>=</m:t>
+                      </m:r>
+                      <m:d>
+                        <m:dPr>
+                          <m:begChr m:val="["/>
+                          <m:endChr m:val="]"/>
+                          <m:ctrlPr>
+                            <a:rPr lang="en-US" altLang="zh-CN" i="1">
+                              <a:latin typeface="Cambria Math" panose="02040503050406030204" charset="0"/>
+                              <a:cs typeface="Cambria Math" panose="02040503050406030204" charset="0"/>
+                            </a:rPr>
+                          </m:ctrlPr>
+                        </m:dPr>
+                        <m:e>
+                          <m:m>
+                            <m:mPr>
+                              <m:mcs>
+                                <m:mc>
+                                  <m:mcPr>
+                                    <m:count m:val="3"/>
+                                    <m:mcJc m:val="center"/>
+                                  </m:mcPr>
+                                </m:mc>
+                              </m:mcs>
+                              <m:ctrlPr>
+                                <a:rPr lang="en-US" altLang="zh-CN" i="1">
+                                  <a:latin typeface="Cambria Math" panose="02040503050406030204" charset="0"/>
+                                  <a:cs typeface="Cambria Math" panose="02040503050406030204" charset="0"/>
+                                </a:rPr>
+                              </m:ctrlPr>
+                            </m:mPr>
+                            <m:mr>
+                              <m:e>
+                                <m:r>
+                                  <a:rPr lang="en-US" altLang="zh-CN" i="1">
+                                    <a:latin typeface="Cambria Math" panose="02040503050406030204" charset="0"/>
+                                    <a:cs typeface="Cambria Math" panose="02040503050406030204" charset="0"/>
+                                  </a:rPr>
+                                  <m:t>𝑐𝑜𝑠</m:t>
+                                </m:r>
+                                <m:r>
+                                  <a:rPr lang="en-US" altLang="zh-CN" i="1">
+                                    <a:latin typeface="Cambria Math" panose="02040503050406030204" charset="0"/>
+                                    <a:cs typeface="Cambria Math" panose="02040503050406030204" charset="0"/>
+                                  </a:rPr>
+                                  <m:t>(</m:t>
+                                </m:r>
+                                <m:sSub>
+                                  <m:sSubPr>
+                                    <m:ctrlPr>
+                                      <a:rPr lang="en-US" altLang="zh-CN" i="1">
+                                        <a:latin typeface="Cambria Math" panose="02040503050406030204" charset="0"/>
+                                        <a:cs typeface="Cambria Math" panose="02040503050406030204" charset="0"/>
+                                      </a:rPr>
+                                    </m:ctrlPr>
+                                  </m:sSubPr>
+                                  <m:e>
+                                    <m:r>
+                                      <a:rPr lang="en-US" altLang="zh-CN" i="1">
+                                        <a:latin typeface="Cambria Math" panose="02040503050406030204" charset="0"/>
+                                        <a:cs typeface="Cambria Math" panose="02040503050406030204" charset="0"/>
+                                      </a:rPr>
+                                      <m:t>𝜃</m:t>
+                                    </m:r>
+                                  </m:e>
+                                  <m:sub>
+                                    <m:r>
+                                      <a:rPr lang="en-US" altLang="zh-CN" i="1">
+                                        <a:latin typeface="Cambria Math" panose="02040503050406030204" charset="0"/>
+                                        <a:cs typeface="Cambria Math" panose="02040503050406030204" charset="0"/>
+                                      </a:rPr>
+                                      <m:t>𝑧</m:t>
+                                    </m:r>
+                                  </m:sub>
+                                </m:sSub>
+                                <m:r>
+                                  <a:rPr lang="en-US" altLang="zh-CN" i="1">
+                                    <a:latin typeface="Cambria Math" panose="02040503050406030204" charset="0"/>
+                                    <a:cs typeface="Cambria Math" panose="02040503050406030204" charset="0"/>
+                                  </a:rPr>
+                                  <m:t>)</m:t>
+                                </m:r>
+                                <m:r>
+                                  <a:rPr lang="en-US" altLang="zh-CN" i="1">
+                                    <a:latin typeface="Cambria Math" panose="02040503050406030204" charset="0"/>
+                                    <a:cs typeface="Cambria Math" panose="02040503050406030204" charset="0"/>
+                                  </a:rPr>
+                                  <m:t>𝑐𝑜𝑠</m:t>
+                                </m:r>
+                                <m:r>
+                                  <a:rPr lang="en-US" altLang="zh-CN" i="1">
+                                    <a:latin typeface="Cambria Math" panose="02040503050406030204" charset="0"/>
+                                    <a:cs typeface="Cambria Math" panose="02040503050406030204" charset="0"/>
+                                  </a:rPr>
+                                  <m:t>(</m:t>
+                                </m:r>
+                                <m:sSub>
+                                  <m:sSubPr>
+                                    <m:ctrlPr>
+                                      <a:rPr lang="en-US" altLang="zh-CN" i="1">
+                                        <a:latin typeface="Cambria Math" panose="02040503050406030204" charset="0"/>
+                                        <a:cs typeface="Cambria Math" panose="02040503050406030204" charset="0"/>
+                                      </a:rPr>
+                                    </m:ctrlPr>
+                                  </m:sSubPr>
+                                  <m:e>
+                                    <m:r>
+                                      <a:rPr lang="en-US" altLang="zh-CN" i="1">
+                                        <a:latin typeface="Cambria Math" panose="02040503050406030204" charset="0"/>
+                                        <a:cs typeface="Cambria Math" panose="02040503050406030204" charset="0"/>
+                                      </a:rPr>
+                                      <m:t>𝜃</m:t>
+                                    </m:r>
+                                  </m:e>
+                                  <m:sub>
+                                    <m:r>
+                                      <a:rPr lang="en-US" altLang="zh-CN" i="1">
+                                        <a:latin typeface="Cambria Math" panose="02040503050406030204" charset="0"/>
+                                        <a:cs typeface="Cambria Math" panose="02040503050406030204" charset="0"/>
+                                      </a:rPr>
+                                      <m:t>𝑦</m:t>
+                                    </m:r>
+                                  </m:sub>
+                                </m:sSub>
+                                <m:r>
+                                  <a:rPr lang="en-US" altLang="zh-CN" i="1">
+                                    <a:latin typeface="Cambria Math" panose="02040503050406030204" charset="0"/>
+                                    <a:cs typeface="Cambria Math" panose="02040503050406030204" charset="0"/>
+                                  </a:rPr>
+                                  <m:t>)</m:t>
+                                </m:r>
+                              </m:e>
+                              <m:e>
+                                <m:r>
+                                  <a:rPr lang="en-US" altLang="zh-CN" i="1">
+                                    <a:latin typeface="Cambria Math" panose="02040503050406030204" charset="0"/>
+                                    <a:cs typeface="Cambria Math" panose="02040503050406030204" charset="0"/>
+                                  </a:rPr>
+                                  <m:t>𝑐𝑜𝑠</m:t>
+                                </m:r>
+                                <m:r>
+                                  <a:rPr lang="en-US" altLang="zh-CN" i="1">
+                                    <a:latin typeface="Cambria Math" panose="02040503050406030204" charset="0"/>
+                                    <a:cs typeface="Cambria Math" panose="02040503050406030204" charset="0"/>
+                                  </a:rPr>
+                                  <m:t>(</m:t>
+                                </m:r>
+                                <m:sSub>
+                                  <m:sSubPr>
+                                    <m:ctrlPr>
+                                      <a:rPr lang="en-US" altLang="zh-CN" i="1">
+                                        <a:latin typeface="Cambria Math" panose="02040503050406030204" charset="0"/>
+                                        <a:cs typeface="Cambria Math" panose="02040503050406030204" charset="0"/>
+                                      </a:rPr>
+                                    </m:ctrlPr>
+                                  </m:sSubPr>
+                                  <m:e>
+                                    <m:r>
+                                      <a:rPr lang="en-US" altLang="zh-CN" i="1">
+                                        <a:latin typeface="Cambria Math" panose="02040503050406030204" charset="0"/>
+                                        <a:cs typeface="Cambria Math" panose="02040503050406030204" charset="0"/>
+                                      </a:rPr>
+                                      <m:t>𝜃</m:t>
+                                    </m:r>
+                                  </m:e>
+                                  <m:sub>
+                                    <m:r>
+                                      <a:rPr lang="en-US" altLang="zh-CN" i="1">
+                                        <a:latin typeface="Cambria Math" panose="02040503050406030204" charset="0"/>
+                                        <a:cs typeface="Cambria Math" panose="02040503050406030204" charset="0"/>
+                                      </a:rPr>
+                                      <m:t>𝑧</m:t>
+                                    </m:r>
+                                  </m:sub>
+                                </m:sSub>
+                                <m:r>
+                                  <a:rPr lang="en-US" altLang="zh-CN" i="1">
+                                    <a:latin typeface="Cambria Math" panose="02040503050406030204" charset="0"/>
+                                    <a:cs typeface="Cambria Math" panose="02040503050406030204" charset="0"/>
+                                  </a:rPr>
+                                  <m:t>)</m:t>
+                                </m:r>
+                                <m:r>
+                                  <a:rPr lang="en-US" i="1">
+                                    <a:latin typeface="Cambria Math" panose="02040503050406030204" charset="0"/>
+                                  </a:rPr>
+                                  <m:t>𝑠𝑖𝑛</m:t>
+                                </m:r>
+                                <m:r>
+                                  <a:rPr lang="en-US" i="1">
+                                    <a:latin typeface="Cambria Math" panose="02040503050406030204" charset="0"/>
+                                  </a:rPr>
+                                  <m:t>(</m:t>
+                                </m:r>
+                                <m:sSub>
+                                  <m:sSubPr>
+                                    <m:ctrlPr>
+                                      <a:rPr lang="en-US" altLang="zh-CN" i="1">
+                                        <a:latin typeface="Cambria Math" panose="02040503050406030204" charset="0"/>
+                                        <a:cs typeface="Cambria Math" panose="02040503050406030204" charset="0"/>
+                                      </a:rPr>
+                                    </m:ctrlPr>
+                                  </m:sSubPr>
+                                  <m:e>
+                                    <m:r>
+                                      <a:rPr lang="en-US" altLang="zh-CN" i="1">
+                                        <a:latin typeface="Cambria Math" panose="02040503050406030204" charset="0"/>
+                                        <a:cs typeface="Cambria Math" panose="02040503050406030204" charset="0"/>
+                                      </a:rPr>
+                                      <m:t>𝜃</m:t>
+                                    </m:r>
+                                  </m:e>
+                                  <m:sub>
+                                    <m:r>
+                                      <a:rPr lang="en-US" altLang="zh-CN" i="1">
+                                        <a:latin typeface="Cambria Math" panose="02040503050406030204" charset="0"/>
+                                        <a:cs typeface="Cambria Math" panose="02040503050406030204" charset="0"/>
+                                      </a:rPr>
+                                      <m:t>𝑦</m:t>
+                                    </m:r>
+                                  </m:sub>
+                                </m:sSub>
+                                <m:r>
+                                  <a:rPr lang="en-US" i="1">
+                                    <a:latin typeface="Cambria Math" panose="02040503050406030204" charset="0"/>
+                                  </a:rPr>
+                                  <m:t>)</m:t>
+                                </m:r>
+                                <m:r>
+                                  <a:rPr lang="en-US" i="1">
+                                    <a:latin typeface="Cambria Math" panose="02040503050406030204" charset="0"/>
+                                  </a:rPr>
+                                  <m:t>𝑠𝑖𝑛</m:t>
+                                </m:r>
+                                <m:r>
+                                  <a:rPr lang="en-US" i="1">
+                                    <a:latin typeface="Cambria Math" panose="02040503050406030204" charset="0"/>
+                                  </a:rPr>
+                                  <m:t>(</m:t>
+                                </m:r>
+                                <m:sSub>
+                                  <m:sSubPr>
+                                    <m:ctrlPr>
+                                      <a:rPr lang="en-US" altLang="zh-CN" i="1">
+                                        <a:latin typeface="Cambria Math" panose="02040503050406030204" charset="0"/>
+                                        <a:cs typeface="Cambria Math" panose="02040503050406030204" charset="0"/>
+                                      </a:rPr>
+                                    </m:ctrlPr>
+                                  </m:sSubPr>
+                                  <m:e>
+                                    <m:r>
+                                      <a:rPr lang="en-US" altLang="zh-CN" i="1">
+                                        <a:latin typeface="Cambria Math" panose="02040503050406030204" charset="0"/>
+                                        <a:cs typeface="Cambria Math" panose="02040503050406030204" charset="0"/>
+                                      </a:rPr>
+                                      <m:t>𝜃</m:t>
+                                    </m:r>
+                                  </m:e>
+                                  <m:sub>
+                                    <m:r>
+                                      <a:rPr lang="en-US" altLang="zh-CN" i="1">
+                                        <a:latin typeface="Cambria Math" panose="02040503050406030204" charset="0"/>
+                                        <a:cs typeface="Cambria Math" panose="02040503050406030204" charset="0"/>
+                                      </a:rPr>
+                                      <m:t>𝑥</m:t>
+                                    </m:r>
+                                  </m:sub>
+                                </m:sSub>
+                                <m:r>
+                                  <a:rPr lang="en-US" i="1">
+                                    <a:latin typeface="Cambria Math" panose="02040503050406030204" charset="0"/>
+                                  </a:rPr>
+                                  <m:t>)</m:t>
+                                </m:r>
+                                <m:r>
+                                  <a:rPr lang="en-US" i="1">
+                                    <a:latin typeface="Cambria Math" panose="02040503050406030204" charset="0"/>
+                                  </a:rPr>
+                                  <m:t>−</m:t>
+                                </m:r>
+                                <m:r>
+                                  <a:rPr lang="en-US" altLang="zh-CN" i="1">
+                                    <a:latin typeface="Cambria Math" panose="02040503050406030204" charset="0"/>
+                                    <a:cs typeface="Cambria Math" panose="02040503050406030204" charset="0"/>
+                                  </a:rPr>
+                                  <m:t>𝑠𝑖𝑛</m:t>
+                                </m:r>
+                                <m:r>
+                                  <a:rPr lang="en-US" altLang="zh-CN" i="1">
+                                    <a:latin typeface="Cambria Math" panose="02040503050406030204" charset="0"/>
+                                    <a:cs typeface="Cambria Math" panose="02040503050406030204" charset="0"/>
+                                  </a:rPr>
+                                  <m:t>(</m:t>
+                                </m:r>
+                                <m:sSub>
+                                  <m:sSubPr>
+                                    <m:ctrlPr>
+                                      <a:rPr lang="en-US" altLang="zh-CN" i="1">
+                                        <a:latin typeface="Cambria Math" panose="02040503050406030204" charset="0"/>
+                                        <a:cs typeface="Cambria Math" panose="02040503050406030204" charset="0"/>
+                                      </a:rPr>
+                                    </m:ctrlPr>
+                                  </m:sSubPr>
+                                  <m:e>
+                                    <m:r>
+                                      <a:rPr lang="en-US" altLang="zh-CN" i="1">
+                                        <a:latin typeface="Cambria Math" panose="02040503050406030204" charset="0"/>
+                                        <a:cs typeface="Cambria Math" panose="02040503050406030204" charset="0"/>
+                                      </a:rPr>
+                                      <m:t>𝜃</m:t>
+                                    </m:r>
+                                  </m:e>
+                                  <m:sub>
+                                    <m:r>
+                                      <a:rPr lang="en-US" altLang="zh-CN" i="1">
+                                        <a:latin typeface="Cambria Math" panose="02040503050406030204" charset="0"/>
+                                        <a:cs typeface="Cambria Math" panose="02040503050406030204" charset="0"/>
+                                      </a:rPr>
+                                      <m:t>𝑧</m:t>
+                                    </m:r>
+                                  </m:sub>
+                                </m:sSub>
+                                <m:r>
+                                  <a:rPr lang="en-US" altLang="zh-CN" i="1">
+                                    <a:latin typeface="Cambria Math" panose="02040503050406030204" charset="0"/>
+                                    <a:cs typeface="Cambria Math" panose="02040503050406030204" charset="0"/>
+                                  </a:rPr>
+                                  <m:t>)</m:t>
+                                </m:r>
+                                <m:r>
+                                  <a:rPr lang="en-US" i="1">
+                                    <a:latin typeface="Cambria Math" panose="02040503050406030204" charset="0"/>
+                                  </a:rPr>
+                                  <m:t>𝑐𝑜𝑠</m:t>
+                                </m:r>
+                                <m:r>
+                                  <a:rPr lang="en-US" i="1">
+                                    <a:latin typeface="Cambria Math" panose="02040503050406030204" charset="0"/>
+                                  </a:rPr>
+                                  <m:t>(</m:t>
+                                </m:r>
+                                <m:sSub>
+                                  <m:sSubPr>
+                                    <m:ctrlPr>
+                                      <a:rPr lang="en-US" altLang="zh-CN" i="1">
+                                        <a:latin typeface="Cambria Math" panose="02040503050406030204" charset="0"/>
+                                        <a:cs typeface="Cambria Math" panose="02040503050406030204" charset="0"/>
+                                      </a:rPr>
+                                    </m:ctrlPr>
+                                  </m:sSubPr>
+                                  <m:e>
+                                    <m:r>
+                                      <a:rPr lang="en-US" altLang="zh-CN" i="1">
+                                        <a:latin typeface="Cambria Math" panose="02040503050406030204" charset="0"/>
+                                        <a:cs typeface="Cambria Math" panose="02040503050406030204" charset="0"/>
+                                      </a:rPr>
+                                      <m:t>𝜃</m:t>
+                                    </m:r>
+                                  </m:e>
+                                  <m:sub>
+                                    <m:r>
+                                      <a:rPr lang="en-US" altLang="zh-CN" i="1">
+                                        <a:latin typeface="Cambria Math" panose="02040503050406030204" charset="0"/>
+                                        <a:cs typeface="Cambria Math" panose="02040503050406030204" charset="0"/>
+                                      </a:rPr>
+                                      <m:t>𝑥</m:t>
+                                    </m:r>
+                                  </m:sub>
+                                </m:sSub>
+                                <m:r>
+                                  <a:rPr lang="en-US" i="1">
+                                    <a:latin typeface="Cambria Math" panose="02040503050406030204" charset="0"/>
+                                  </a:rPr>
+                                  <m:t>)</m:t>
+                                </m:r>
+                              </m:e>
+                              <m:e>
+                                <m:r>
+                                  <a:rPr lang="en-US" altLang="zh-CN" i="1">
+                                    <a:latin typeface="Cambria Math" panose="02040503050406030204" charset="0"/>
+                                    <a:cs typeface="Cambria Math" panose="02040503050406030204" charset="0"/>
+                                  </a:rPr>
+                                  <m:t>𝑐𝑜𝑠</m:t>
+                                </m:r>
+                                <m:r>
+                                  <a:rPr lang="en-US" altLang="zh-CN" i="1">
+                                    <a:latin typeface="Cambria Math" panose="02040503050406030204" charset="0"/>
+                                    <a:cs typeface="Cambria Math" panose="02040503050406030204" charset="0"/>
+                                  </a:rPr>
+                                  <m:t>(</m:t>
+                                </m:r>
+                                <m:sSub>
+                                  <m:sSubPr>
+                                    <m:ctrlPr>
+                                      <a:rPr lang="en-US" altLang="zh-CN" i="1">
+                                        <a:latin typeface="Cambria Math" panose="02040503050406030204" charset="0"/>
+                                        <a:cs typeface="Cambria Math" panose="02040503050406030204" charset="0"/>
+                                      </a:rPr>
+                                    </m:ctrlPr>
+                                  </m:sSubPr>
+                                  <m:e>
+                                    <m:r>
+                                      <a:rPr lang="en-US" altLang="zh-CN" i="1">
+                                        <a:latin typeface="Cambria Math" panose="02040503050406030204" charset="0"/>
+                                        <a:cs typeface="Cambria Math" panose="02040503050406030204" charset="0"/>
+                                      </a:rPr>
+                                      <m:t>𝜃</m:t>
+                                    </m:r>
+                                  </m:e>
+                                  <m:sub>
+                                    <m:r>
+                                      <a:rPr lang="en-US" altLang="zh-CN" i="1">
+                                        <a:latin typeface="Cambria Math" panose="02040503050406030204" charset="0"/>
+                                        <a:cs typeface="Cambria Math" panose="02040503050406030204" charset="0"/>
+                                      </a:rPr>
+                                      <m:t>𝑧</m:t>
+                                    </m:r>
+                                  </m:sub>
+                                </m:sSub>
+                                <m:r>
+                                  <a:rPr lang="en-US" altLang="zh-CN" i="1">
+                                    <a:latin typeface="Cambria Math" panose="02040503050406030204" charset="0"/>
+                                    <a:cs typeface="Cambria Math" panose="02040503050406030204" charset="0"/>
+                                  </a:rPr>
+                                  <m:t>)</m:t>
+                                </m:r>
+                                <m:r>
+                                  <a:rPr lang="en-US" i="1">
+                                    <a:latin typeface="Cambria Math" panose="02040503050406030204" charset="0"/>
+                                  </a:rPr>
+                                  <m:t>𝑠𝑖𝑛</m:t>
+                                </m:r>
+                                <m:r>
+                                  <a:rPr lang="en-US" i="1">
+                                    <a:latin typeface="Cambria Math" panose="02040503050406030204" charset="0"/>
+                                  </a:rPr>
+                                  <m:t>(</m:t>
+                                </m:r>
+                                <m:sSub>
+                                  <m:sSubPr>
+                                    <m:ctrlPr>
+                                      <a:rPr lang="en-US" altLang="zh-CN" i="1">
+                                        <a:latin typeface="Cambria Math" panose="02040503050406030204" charset="0"/>
+                                        <a:cs typeface="Cambria Math" panose="02040503050406030204" charset="0"/>
+                                      </a:rPr>
+                                    </m:ctrlPr>
+                                  </m:sSubPr>
+                                  <m:e>
+                                    <m:r>
+                                      <a:rPr lang="en-US" altLang="zh-CN" i="1">
+                                        <a:latin typeface="Cambria Math" panose="02040503050406030204" charset="0"/>
+                                        <a:cs typeface="Cambria Math" panose="02040503050406030204" charset="0"/>
+                                      </a:rPr>
+                                      <m:t>𝜃</m:t>
+                                    </m:r>
+                                  </m:e>
+                                  <m:sub>
+                                    <m:r>
+                                      <a:rPr lang="en-US" altLang="zh-CN" i="1">
+                                        <a:latin typeface="Cambria Math" panose="02040503050406030204" charset="0"/>
+                                        <a:cs typeface="Cambria Math" panose="02040503050406030204" charset="0"/>
+                                      </a:rPr>
+                                      <m:t>𝑦</m:t>
+                                    </m:r>
+                                  </m:sub>
+                                </m:sSub>
+                                <m:r>
+                                  <a:rPr lang="en-US" i="1">
+                                    <a:latin typeface="Cambria Math" panose="02040503050406030204" charset="0"/>
+                                  </a:rPr>
+                                  <m:t>)</m:t>
+                                </m:r>
+                                <m:r>
+                                  <a:rPr lang="en-US" i="1">
+                                    <a:latin typeface="Cambria Math" panose="02040503050406030204" charset="0"/>
+                                  </a:rPr>
+                                  <m:t>𝑐𝑜𝑠</m:t>
+                                </m:r>
+                                <m:r>
+                                  <a:rPr lang="en-US" i="1">
+                                    <a:latin typeface="Cambria Math" panose="02040503050406030204" charset="0"/>
+                                  </a:rPr>
+                                  <m:t>(</m:t>
+                                </m:r>
+                                <m:sSub>
+                                  <m:sSubPr>
+                                    <m:ctrlPr>
+                                      <a:rPr lang="en-US" altLang="zh-CN" i="1">
+                                        <a:latin typeface="Cambria Math" panose="02040503050406030204" charset="0"/>
+                                        <a:cs typeface="Cambria Math" panose="02040503050406030204" charset="0"/>
+                                      </a:rPr>
+                                    </m:ctrlPr>
+                                  </m:sSubPr>
+                                  <m:e>
+                                    <m:r>
+                                      <a:rPr lang="en-US" altLang="zh-CN" i="1">
+                                        <a:latin typeface="Cambria Math" panose="02040503050406030204" charset="0"/>
+                                        <a:cs typeface="Cambria Math" panose="02040503050406030204" charset="0"/>
+                                      </a:rPr>
+                                      <m:t>𝜃</m:t>
+                                    </m:r>
+                                  </m:e>
+                                  <m:sub>
+                                    <m:r>
+                                      <a:rPr lang="en-US" altLang="zh-CN" i="1">
+                                        <a:latin typeface="Cambria Math" panose="02040503050406030204" charset="0"/>
+                                        <a:cs typeface="Cambria Math" panose="02040503050406030204" charset="0"/>
+                                      </a:rPr>
+                                      <m:t>𝑥</m:t>
+                                    </m:r>
+                                  </m:sub>
+                                </m:sSub>
+                                <m:r>
+                                  <a:rPr lang="en-US" i="1">
+                                    <a:latin typeface="Cambria Math" panose="02040503050406030204" charset="0"/>
+                                  </a:rPr>
+                                  <m:t>)+</m:t>
+                                </m:r>
+                                <m:r>
+                                  <a:rPr lang="en-US" altLang="zh-CN" i="1">
+                                    <a:latin typeface="Cambria Math" panose="02040503050406030204" charset="0"/>
+                                    <a:cs typeface="Cambria Math" panose="02040503050406030204" charset="0"/>
+                                  </a:rPr>
+                                  <m:t>𝑠𝑖𝑛</m:t>
+                                </m:r>
+                                <m:r>
+                                  <a:rPr lang="en-US" altLang="zh-CN" i="1">
+                                    <a:latin typeface="Cambria Math" panose="02040503050406030204" charset="0"/>
+                                    <a:cs typeface="Cambria Math" panose="02040503050406030204" charset="0"/>
+                                  </a:rPr>
+                                  <m:t>(</m:t>
+                                </m:r>
+                                <m:sSub>
+                                  <m:sSubPr>
+                                    <m:ctrlPr>
+                                      <a:rPr lang="en-US" altLang="zh-CN" i="1">
+                                        <a:latin typeface="Cambria Math" panose="02040503050406030204" charset="0"/>
+                                        <a:cs typeface="Cambria Math" panose="02040503050406030204" charset="0"/>
+                                      </a:rPr>
+                                    </m:ctrlPr>
+                                  </m:sSubPr>
+                                  <m:e>
+                                    <m:r>
+                                      <a:rPr lang="en-US" altLang="zh-CN" i="1">
+                                        <a:latin typeface="Cambria Math" panose="02040503050406030204" charset="0"/>
+                                        <a:cs typeface="Cambria Math" panose="02040503050406030204" charset="0"/>
+                                      </a:rPr>
+                                      <m:t>𝜃</m:t>
+                                    </m:r>
+                                  </m:e>
+                                  <m:sub>
+                                    <m:r>
+                                      <a:rPr lang="en-US" altLang="zh-CN" i="1">
+                                        <a:latin typeface="Cambria Math" panose="02040503050406030204" charset="0"/>
+                                        <a:cs typeface="Cambria Math" panose="02040503050406030204" charset="0"/>
+                                      </a:rPr>
+                                      <m:t>𝑧</m:t>
+                                    </m:r>
+                                  </m:sub>
+                                </m:sSub>
+                                <m:r>
+                                  <a:rPr lang="en-US" altLang="zh-CN" i="1">
+                                    <a:latin typeface="Cambria Math" panose="02040503050406030204" charset="0"/>
+                                    <a:cs typeface="Cambria Math" panose="02040503050406030204" charset="0"/>
+                                  </a:rPr>
+                                  <m:t>)</m:t>
+                                </m:r>
+                                <m:r>
+                                  <a:rPr lang="en-US" i="1">
+                                    <a:latin typeface="Cambria Math" panose="02040503050406030204" charset="0"/>
+                                  </a:rPr>
+                                  <m:t>𝑠𝑖𝑛</m:t>
+                                </m:r>
+                                <m:r>
+                                  <a:rPr lang="en-US" i="1">
+                                    <a:latin typeface="Cambria Math" panose="02040503050406030204" charset="0"/>
+                                  </a:rPr>
+                                  <m:t>(</m:t>
+                                </m:r>
+                                <m:sSub>
+                                  <m:sSubPr>
+                                    <m:ctrlPr>
+                                      <a:rPr lang="en-US" altLang="zh-CN" i="1">
+                                        <a:latin typeface="Cambria Math" panose="02040503050406030204" charset="0"/>
+                                        <a:cs typeface="Cambria Math" panose="02040503050406030204" charset="0"/>
+                                      </a:rPr>
+                                    </m:ctrlPr>
+                                  </m:sSubPr>
+                                  <m:e>
+                                    <m:r>
+                                      <a:rPr lang="en-US" altLang="zh-CN" i="1">
+                                        <a:latin typeface="Cambria Math" panose="02040503050406030204" charset="0"/>
+                                        <a:cs typeface="Cambria Math" panose="02040503050406030204" charset="0"/>
+                                      </a:rPr>
+                                      <m:t>𝜃</m:t>
+                                    </m:r>
+                                  </m:e>
+                                  <m:sub>
+                                    <m:r>
+                                      <a:rPr lang="en-US" altLang="zh-CN" i="1">
+                                        <a:latin typeface="Cambria Math" panose="02040503050406030204" charset="0"/>
+                                        <a:cs typeface="Cambria Math" panose="02040503050406030204" charset="0"/>
+                                      </a:rPr>
+                                      <m:t>𝑥</m:t>
+                                    </m:r>
+                                  </m:sub>
+                                </m:sSub>
+                                <m:r>
+                                  <a:rPr lang="en-US" i="1">
+                                    <a:latin typeface="Cambria Math" panose="02040503050406030204" charset="0"/>
+                                  </a:rPr>
+                                  <m:t>)</m:t>
+                                </m:r>
+                              </m:e>
+                            </m:mr>
+                            <m:mr>
+                              <m:e>
+                                <m:r>
+                                  <a:rPr lang="en-US" altLang="zh-CN" i="1">
+                                    <a:latin typeface="Cambria Math" panose="02040503050406030204" charset="0"/>
+                                    <a:cs typeface="Cambria Math" panose="02040503050406030204" charset="0"/>
+                                  </a:rPr>
+                                  <m:t>𝑠𝑖𝑛</m:t>
+                                </m:r>
+                                <m:r>
+                                  <a:rPr lang="en-US" altLang="zh-CN" i="1">
+                                    <a:latin typeface="Cambria Math" panose="02040503050406030204" charset="0"/>
+                                    <a:cs typeface="Cambria Math" panose="02040503050406030204" charset="0"/>
+                                  </a:rPr>
+                                  <m:t>(</m:t>
+                                </m:r>
+                                <m:sSub>
+                                  <m:sSubPr>
+                                    <m:ctrlPr>
+                                      <a:rPr lang="en-US" altLang="zh-CN" i="1">
+                                        <a:latin typeface="Cambria Math" panose="02040503050406030204" charset="0"/>
+                                        <a:cs typeface="Cambria Math" panose="02040503050406030204" charset="0"/>
+                                      </a:rPr>
+                                    </m:ctrlPr>
+                                  </m:sSubPr>
+                                  <m:e>
+                                    <m:r>
+                                      <a:rPr lang="en-US" altLang="zh-CN" i="1">
+                                        <a:latin typeface="Cambria Math" panose="02040503050406030204" charset="0"/>
+                                        <a:cs typeface="Cambria Math" panose="02040503050406030204" charset="0"/>
+                                      </a:rPr>
+                                      <m:t>𝜃</m:t>
+                                    </m:r>
+                                  </m:e>
+                                  <m:sub>
+                                    <m:r>
+                                      <a:rPr lang="en-US" altLang="zh-CN" i="1">
+                                        <a:latin typeface="Cambria Math" panose="02040503050406030204" charset="0"/>
+                                        <a:cs typeface="Cambria Math" panose="02040503050406030204" charset="0"/>
+                                      </a:rPr>
+                                      <m:t>𝑧</m:t>
+                                    </m:r>
+                                  </m:sub>
+                                </m:sSub>
+                                <m:r>
+                                  <a:rPr lang="en-US" altLang="zh-CN" i="1">
+                                    <a:latin typeface="Cambria Math" panose="02040503050406030204" charset="0"/>
+                                    <a:cs typeface="Cambria Math" panose="02040503050406030204" charset="0"/>
+                                  </a:rPr>
+                                  <m:t>)</m:t>
+                                </m:r>
+                                <m:r>
+                                  <a:rPr lang="en-US" altLang="zh-CN" i="1">
+                                    <a:latin typeface="Cambria Math" panose="02040503050406030204" charset="0"/>
+                                    <a:cs typeface="Cambria Math" panose="02040503050406030204" charset="0"/>
+                                  </a:rPr>
+                                  <m:t>𝑐𝑜𝑠</m:t>
+                                </m:r>
+                                <m:r>
+                                  <a:rPr lang="en-US" altLang="zh-CN" i="1">
+                                    <a:latin typeface="Cambria Math" panose="02040503050406030204" charset="0"/>
+                                    <a:cs typeface="Cambria Math" panose="02040503050406030204" charset="0"/>
+                                  </a:rPr>
+                                  <m:t>(</m:t>
+                                </m:r>
+                                <m:sSub>
+                                  <m:sSubPr>
+                                    <m:ctrlPr>
+                                      <a:rPr lang="en-US" altLang="zh-CN" i="1">
+                                        <a:latin typeface="Cambria Math" panose="02040503050406030204" charset="0"/>
+                                        <a:cs typeface="Cambria Math" panose="02040503050406030204" charset="0"/>
+                                      </a:rPr>
+                                    </m:ctrlPr>
+                                  </m:sSubPr>
+                                  <m:e>
+                                    <m:r>
+                                      <a:rPr lang="en-US" altLang="zh-CN" i="1">
+                                        <a:latin typeface="Cambria Math" panose="02040503050406030204" charset="0"/>
+                                        <a:cs typeface="Cambria Math" panose="02040503050406030204" charset="0"/>
+                                      </a:rPr>
+                                      <m:t>𝜃</m:t>
+                                    </m:r>
+                                  </m:e>
+                                  <m:sub>
+                                    <m:r>
+                                      <a:rPr lang="en-US" altLang="zh-CN" i="1">
+                                        <a:latin typeface="Cambria Math" panose="02040503050406030204" charset="0"/>
+                                        <a:cs typeface="Cambria Math" panose="02040503050406030204" charset="0"/>
+                                      </a:rPr>
+                                      <m:t>𝑦</m:t>
+                                    </m:r>
+                                  </m:sub>
+                                </m:sSub>
+                                <m:r>
+                                  <a:rPr lang="en-US" altLang="zh-CN" i="1">
+                                    <a:latin typeface="Cambria Math" panose="02040503050406030204" charset="0"/>
+                                    <a:cs typeface="Cambria Math" panose="02040503050406030204" charset="0"/>
+                                  </a:rPr>
+                                  <m:t>)</m:t>
+                                </m:r>
+                              </m:e>
+                              <m:e>
+                                <m:r>
+                                  <a:rPr lang="en-US" altLang="zh-CN" i="1">
+                                    <a:latin typeface="Cambria Math" panose="02040503050406030204" charset="0"/>
+                                    <a:cs typeface="Cambria Math" panose="02040503050406030204" charset="0"/>
+                                  </a:rPr>
+                                  <m:t>𝑠𝑖𝑛</m:t>
+                                </m:r>
+                                <m:r>
+                                  <a:rPr lang="en-US" altLang="zh-CN" i="1">
+                                    <a:latin typeface="Cambria Math" panose="02040503050406030204" charset="0"/>
+                                    <a:cs typeface="Cambria Math" panose="02040503050406030204" charset="0"/>
+                                  </a:rPr>
+                                  <m:t>(</m:t>
+                                </m:r>
+                                <m:sSub>
+                                  <m:sSubPr>
+                                    <m:ctrlPr>
+                                      <a:rPr lang="en-US" altLang="zh-CN" i="1">
+                                        <a:latin typeface="Cambria Math" panose="02040503050406030204" charset="0"/>
+                                        <a:cs typeface="Cambria Math" panose="02040503050406030204" charset="0"/>
+                                      </a:rPr>
+                                    </m:ctrlPr>
+                                  </m:sSubPr>
+                                  <m:e>
+                                    <m:r>
+                                      <a:rPr lang="en-US" altLang="zh-CN" i="1">
+                                        <a:latin typeface="Cambria Math" panose="02040503050406030204" charset="0"/>
+                                        <a:cs typeface="Cambria Math" panose="02040503050406030204" charset="0"/>
+                                      </a:rPr>
+                                      <m:t>𝜃</m:t>
+                                    </m:r>
+                                  </m:e>
+                                  <m:sub>
+                                    <m:r>
+                                      <a:rPr lang="en-US" altLang="zh-CN" i="1">
+                                        <a:latin typeface="Cambria Math" panose="02040503050406030204" charset="0"/>
+                                        <a:cs typeface="Cambria Math" panose="02040503050406030204" charset="0"/>
+                                      </a:rPr>
+                                      <m:t>𝑧</m:t>
+                                    </m:r>
+                                  </m:sub>
+                                </m:sSub>
+                                <m:r>
+                                  <a:rPr lang="en-US" altLang="zh-CN" i="1">
+                                    <a:latin typeface="Cambria Math" panose="02040503050406030204" charset="0"/>
+                                    <a:cs typeface="Cambria Math" panose="02040503050406030204" charset="0"/>
+                                  </a:rPr>
+                                  <m:t>)</m:t>
+                                </m:r>
+                                <m:r>
+                                  <a:rPr lang="en-US" i="1">
+                                    <a:latin typeface="Cambria Math" panose="02040503050406030204" charset="0"/>
+                                  </a:rPr>
+                                  <m:t>𝑠𝑖𝑛</m:t>
+                                </m:r>
+                                <m:r>
+                                  <a:rPr lang="en-US" i="1">
+                                    <a:latin typeface="Cambria Math" panose="02040503050406030204" charset="0"/>
+                                  </a:rPr>
+                                  <m:t>(</m:t>
+                                </m:r>
+                                <m:sSub>
+                                  <m:sSubPr>
+                                    <m:ctrlPr>
+                                      <a:rPr lang="en-US" altLang="zh-CN" i="1">
+                                        <a:latin typeface="Cambria Math" panose="02040503050406030204" charset="0"/>
+                                        <a:cs typeface="Cambria Math" panose="02040503050406030204" charset="0"/>
+                                      </a:rPr>
+                                    </m:ctrlPr>
+                                  </m:sSubPr>
+                                  <m:e>
+                                    <m:r>
+                                      <a:rPr lang="en-US" altLang="zh-CN" i="1">
+                                        <a:latin typeface="Cambria Math" panose="02040503050406030204" charset="0"/>
+                                        <a:cs typeface="Cambria Math" panose="02040503050406030204" charset="0"/>
+                                      </a:rPr>
+                                      <m:t>𝜃</m:t>
+                                    </m:r>
+                                  </m:e>
+                                  <m:sub>
+                                    <m:r>
+                                      <a:rPr lang="en-US" altLang="zh-CN" i="1">
+                                        <a:latin typeface="Cambria Math" panose="02040503050406030204" charset="0"/>
+                                        <a:cs typeface="Cambria Math" panose="02040503050406030204" charset="0"/>
+                                      </a:rPr>
+                                      <m:t>𝑦</m:t>
+                                    </m:r>
+                                  </m:sub>
+                                </m:sSub>
+                                <m:r>
+                                  <a:rPr lang="en-US" i="1">
+                                    <a:latin typeface="Cambria Math" panose="02040503050406030204" charset="0"/>
+                                  </a:rPr>
+                                  <m:t>)</m:t>
+                                </m:r>
+                                <m:r>
+                                  <a:rPr lang="en-US" i="1">
+                                    <a:latin typeface="Cambria Math" panose="02040503050406030204" charset="0"/>
+                                  </a:rPr>
+                                  <m:t>𝑠𝑖𝑛</m:t>
+                                </m:r>
+                                <m:r>
+                                  <a:rPr lang="en-US" i="1">
+                                    <a:latin typeface="Cambria Math" panose="02040503050406030204" charset="0"/>
+                                  </a:rPr>
+                                  <m:t>(</m:t>
+                                </m:r>
+                                <m:sSub>
+                                  <m:sSubPr>
+                                    <m:ctrlPr>
+                                      <a:rPr lang="en-US" altLang="zh-CN" i="1">
+                                        <a:latin typeface="Cambria Math" panose="02040503050406030204" charset="0"/>
+                                        <a:cs typeface="Cambria Math" panose="02040503050406030204" charset="0"/>
+                                      </a:rPr>
+                                    </m:ctrlPr>
+                                  </m:sSubPr>
+                                  <m:e>
+                                    <m:r>
+                                      <a:rPr lang="en-US" altLang="zh-CN" i="1">
+                                        <a:latin typeface="Cambria Math" panose="02040503050406030204" charset="0"/>
+                                        <a:cs typeface="Cambria Math" panose="02040503050406030204" charset="0"/>
+                                      </a:rPr>
+                                      <m:t>𝜃</m:t>
+                                    </m:r>
+                                  </m:e>
+                                  <m:sub>
+                                    <m:r>
+                                      <a:rPr lang="en-US" altLang="zh-CN" i="1">
+                                        <a:latin typeface="Cambria Math" panose="02040503050406030204" charset="0"/>
+                                        <a:cs typeface="Cambria Math" panose="02040503050406030204" charset="0"/>
+                                      </a:rPr>
+                                      <m:t>𝑥</m:t>
+                                    </m:r>
+                                  </m:sub>
+                                </m:sSub>
+                                <m:r>
+                                  <a:rPr lang="en-US" i="1">
+                                    <a:latin typeface="Cambria Math" panose="02040503050406030204" charset="0"/>
+                                  </a:rPr>
+                                  <m:t>)+</m:t>
+                                </m:r>
+                                <m:r>
+                                  <a:rPr lang="en-US" altLang="zh-CN" i="1">
+                                    <a:latin typeface="Cambria Math" panose="02040503050406030204" charset="0"/>
+                                    <a:cs typeface="Cambria Math" panose="02040503050406030204" charset="0"/>
+                                  </a:rPr>
+                                  <m:t>𝑐𝑜𝑠</m:t>
+                                </m:r>
+                                <m:r>
+                                  <a:rPr lang="en-US" altLang="zh-CN" i="1">
+                                    <a:latin typeface="Cambria Math" panose="02040503050406030204" charset="0"/>
+                                    <a:cs typeface="Cambria Math" panose="02040503050406030204" charset="0"/>
+                                  </a:rPr>
+                                  <m:t>(</m:t>
+                                </m:r>
+                                <m:sSub>
+                                  <m:sSubPr>
+                                    <m:ctrlPr>
+                                      <a:rPr lang="en-US" altLang="zh-CN" i="1">
+                                        <a:latin typeface="Cambria Math" panose="02040503050406030204" charset="0"/>
+                                        <a:cs typeface="Cambria Math" panose="02040503050406030204" charset="0"/>
+                                      </a:rPr>
+                                    </m:ctrlPr>
+                                  </m:sSubPr>
+                                  <m:e>
+                                    <m:r>
+                                      <a:rPr lang="en-US" altLang="zh-CN" i="1">
+                                        <a:latin typeface="Cambria Math" panose="02040503050406030204" charset="0"/>
+                                        <a:cs typeface="Cambria Math" panose="02040503050406030204" charset="0"/>
+                                      </a:rPr>
+                                      <m:t>𝜃</m:t>
+                                    </m:r>
+                                  </m:e>
+                                  <m:sub>
+                                    <m:r>
+                                      <a:rPr lang="en-US" altLang="zh-CN" i="1">
+                                        <a:latin typeface="Cambria Math" panose="02040503050406030204" charset="0"/>
+                                        <a:cs typeface="Cambria Math" panose="02040503050406030204" charset="0"/>
+                                      </a:rPr>
+                                      <m:t>𝑧</m:t>
+                                    </m:r>
+                                  </m:sub>
+                                </m:sSub>
+                                <m:r>
+                                  <a:rPr lang="en-US" altLang="zh-CN" i="1">
+                                    <a:latin typeface="Cambria Math" panose="02040503050406030204" charset="0"/>
+                                    <a:cs typeface="Cambria Math" panose="02040503050406030204" charset="0"/>
+                                  </a:rPr>
+                                  <m:t>)</m:t>
+                                </m:r>
+                                <m:r>
+                                  <a:rPr lang="en-US" i="1">
+                                    <a:latin typeface="Cambria Math" panose="02040503050406030204" charset="0"/>
+                                  </a:rPr>
+                                  <m:t>𝑐𝑜𝑠</m:t>
+                                </m:r>
+                                <m:r>
+                                  <a:rPr lang="en-US" i="1">
+                                    <a:latin typeface="Cambria Math" panose="02040503050406030204" charset="0"/>
+                                  </a:rPr>
+                                  <m:t>(</m:t>
+                                </m:r>
+                                <m:sSub>
+                                  <m:sSubPr>
+                                    <m:ctrlPr>
+                                      <a:rPr lang="en-US" altLang="zh-CN" i="1">
+                                        <a:latin typeface="Cambria Math" panose="02040503050406030204" charset="0"/>
+                                        <a:cs typeface="Cambria Math" panose="02040503050406030204" charset="0"/>
+                                      </a:rPr>
+                                    </m:ctrlPr>
+                                  </m:sSubPr>
+                                  <m:e>
+                                    <m:r>
+                                      <a:rPr lang="en-US" altLang="zh-CN" i="1">
+                                        <a:latin typeface="Cambria Math" panose="02040503050406030204" charset="0"/>
+                                        <a:cs typeface="Cambria Math" panose="02040503050406030204" charset="0"/>
+                                      </a:rPr>
+                                      <m:t>𝜃</m:t>
+                                    </m:r>
+                                  </m:e>
+                                  <m:sub>
+                                    <m:r>
+                                      <a:rPr lang="en-US" altLang="zh-CN" i="1">
+                                        <a:latin typeface="Cambria Math" panose="02040503050406030204" charset="0"/>
+                                        <a:cs typeface="Cambria Math" panose="02040503050406030204" charset="0"/>
+                                      </a:rPr>
+                                      <m:t>𝑥</m:t>
+                                    </m:r>
+                                  </m:sub>
+                                </m:sSub>
+                                <m:r>
+                                  <a:rPr lang="en-US" i="1">
+                                    <a:latin typeface="Cambria Math" panose="02040503050406030204" charset="0"/>
+                                  </a:rPr>
+                                  <m:t>)</m:t>
+                                </m:r>
+                              </m:e>
+                              <m:e>
+                                <m:r>
+                                  <a:rPr lang="en-US" altLang="zh-CN" i="1">
+                                    <a:latin typeface="Cambria Math" panose="02040503050406030204" charset="0"/>
+                                    <a:cs typeface="Cambria Math" panose="02040503050406030204" charset="0"/>
+                                  </a:rPr>
+                                  <m:t>𝑠𝑖𝑛</m:t>
+                                </m:r>
+                                <m:r>
+                                  <a:rPr lang="en-US" altLang="zh-CN" i="1">
+                                    <a:latin typeface="Cambria Math" panose="02040503050406030204" charset="0"/>
+                                    <a:cs typeface="Cambria Math" panose="02040503050406030204" charset="0"/>
+                                  </a:rPr>
+                                  <m:t>(</m:t>
+                                </m:r>
+                                <m:sSub>
+                                  <m:sSubPr>
+                                    <m:ctrlPr>
+                                      <a:rPr lang="en-US" altLang="zh-CN" i="1">
+                                        <a:latin typeface="Cambria Math" panose="02040503050406030204" charset="0"/>
+                                        <a:cs typeface="Cambria Math" panose="02040503050406030204" charset="0"/>
+                                      </a:rPr>
+                                    </m:ctrlPr>
+                                  </m:sSubPr>
+                                  <m:e>
+                                    <m:r>
+                                      <a:rPr lang="en-US" altLang="zh-CN" i="1">
+                                        <a:latin typeface="Cambria Math" panose="02040503050406030204" charset="0"/>
+                                        <a:cs typeface="Cambria Math" panose="02040503050406030204" charset="0"/>
+                                      </a:rPr>
+                                      <m:t>𝜃</m:t>
+                                    </m:r>
+                                  </m:e>
+                                  <m:sub>
+                                    <m:r>
+                                      <a:rPr lang="en-US" altLang="zh-CN" i="1">
+                                        <a:latin typeface="Cambria Math" panose="02040503050406030204" charset="0"/>
+                                        <a:cs typeface="Cambria Math" panose="02040503050406030204" charset="0"/>
+                                      </a:rPr>
+                                      <m:t>𝑧</m:t>
+                                    </m:r>
+                                  </m:sub>
+                                </m:sSub>
+                                <m:r>
+                                  <a:rPr lang="en-US" altLang="zh-CN" i="1">
+                                    <a:latin typeface="Cambria Math" panose="02040503050406030204" charset="0"/>
+                                    <a:cs typeface="Cambria Math" panose="02040503050406030204" charset="0"/>
+                                  </a:rPr>
+                                  <m:t>)</m:t>
+                                </m:r>
+                                <m:r>
+                                  <a:rPr lang="en-US" i="1">
+                                    <a:latin typeface="Cambria Math" panose="02040503050406030204" charset="0"/>
+                                  </a:rPr>
+                                  <m:t>𝑠𝑖𝑛</m:t>
+                                </m:r>
+                                <m:r>
+                                  <a:rPr lang="en-US" i="1">
+                                    <a:latin typeface="Cambria Math" panose="02040503050406030204" charset="0"/>
+                                  </a:rPr>
+                                  <m:t>(</m:t>
+                                </m:r>
+                                <m:sSub>
+                                  <m:sSubPr>
+                                    <m:ctrlPr>
+                                      <a:rPr lang="en-US" altLang="zh-CN" i="1">
+                                        <a:latin typeface="Cambria Math" panose="02040503050406030204" charset="0"/>
+                                        <a:cs typeface="Cambria Math" panose="02040503050406030204" charset="0"/>
+                                      </a:rPr>
+                                    </m:ctrlPr>
+                                  </m:sSubPr>
+                                  <m:e>
+                                    <m:r>
+                                      <a:rPr lang="en-US" altLang="zh-CN" i="1">
+                                        <a:latin typeface="Cambria Math" panose="02040503050406030204" charset="0"/>
+                                        <a:cs typeface="Cambria Math" panose="02040503050406030204" charset="0"/>
+                                      </a:rPr>
+                                      <m:t>𝜃</m:t>
+                                    </m:r>
+                                  </m:e>
+                                  <m:sub>
+                                    <m:r>
+                                      <a:rPr lang="en-US" altLang="zh-CN" i="1">
+                                        <a:latin typeface="Cambria Math" panose="02040503050406030204" charset="0"/>
+                                        <a:cs typeface="Cambria Math" panose="02040503050406030204" charset="0"/>
+                                      </a:rPr>
+                                      <m:t>𝑦</m:t>
+                                    </m:r>
+                                  </m:sub>
+                                </m:sSub>
+                                <m:r>
+                                  <a:rPr lang="en-US" i="1">
+                                    <a:latin typeface="Cambria Math" panose="02040503050406030204" charset="0"/>
+                                  </a:rPr>
+                                  <m:t>)</m:t>
+                                </m:r>
+                                <m:r>
+                                  <a:rPr lang="en-US" i="1">
+                                    <a:latin typeface="Cambria Math" panose="02040503050406030204" charset="0"/>
+                                  </a:rPr>
+                                  <m:t>𝑐𝑜𝑠</m:t>
+                                </m:r>
+                                <m:r>
+                                  <a:rPr lang="en-US" i="1">
+                                    <a:latin typeface="Cambria Math" panose="02040503050406030204" charset="0"/>
+                                  </a:rPr>
+                                  <m:t>(</m:t>
+                                </m:r>
+                                <m:sSub>
+                                  <m:sSubPr>
+                                    <m:ctrlPr>
+                                      <a:rPr lang="en-US" altLang="zh-CN" i="1">
+                                        <a:latin typeface="Cambria Math" panose="02040503050406030204" charset="0"/>
+                                        <a:cs typeface="Cambria Math" panose="02040503050406030204" charset="0"/>
+                                      </a:rPr>
+                                    </m:ctrlPr>
+                                  </m:sSubPr>
+                                  <m:e>
+                                    <m:r>
+                                      <a:rPr lang="en-US" altLang="zh-CN" i="1">
+                                        <a:latin typeface="Cambria Math" panose="02040503050406030204" charset="0"/>
+                                        <a:cs typeface="Cambria Math" panose="02040503050406030204" charset="0"/>
+                                      </a:rPr>
+                                      <m:t>𝜃</m:t>
+                                    </m:r>
+                                  </m:e>
+                                  <m:sub>
+                                    <m:r>
+                                      <a:rPr lang="en-US" altLang="zh-CN" i="1">
+                                        <a:latin typeface="Cambria Math" panose="02040503050406030204" charset="0"/>
+                                        <a:cs typeface="Cambria Math" panose="02040503050406030204" charset="0"/>
+                                      </a:rPr>
+                                      <m:t>𝑥</m:t>
+                                    </m:r>
+                                  </m:sub>
+                                </m:sSub>
+                                <m:r>
+                                  <a:rPr lang="en-US" i="1">
+                                    <a:latin typeface="Cambria Math" panose="02040503050406030204" charset="0"/>
+                                  </a:rPr>
+                                  <m:t>)</m:t>
+                                </m:r>
+                                <m:r>
+                                  <a:rPr lang="en-US" i="1">
+                                    <a:latin typeface="Cambria Math" panose="02040503050406030204" charset="0"/>
+                                  </a:rPr>
+                                  <m:t>−</m:t>
+                                </m:r>
+                                <m:r>
+                                  <a:rPr lang="en-US" altLang="zh-CN" i="1">
+                                    <a:latin typeface="Cambria Math" panose="02040503050406030204" charset="0"/>
+                                    <a:cs typeface="Cambria Math" panose="02040503050406030204" charset="0"/>
+                                  </a:rPr>
+                                  <m:t>𝑐𝑜𝑠</m:t>
+                                </m:r>
+                                <m:r>
+                                  <a:rPr lang="en-US" altLang="zh-CN" i="1">
+                                    <a:latin typeface="Cambria Math" panose="02040503050406030204" charset="0"/>
+                                    <a:cs typeface="Cambria Math" panose="02040503050406030204" charset="0"/>
+                                  </a:rPr>
+                                  <m:t>(</m:t>
+                                </m:r>
+                                <m:sSub>
+                                  <m:sSubPr>
+                                    <m:ctrlPr>
+                                      <a:rPr lang="en-US" altLang="zh-CN" i="1">
+                                        <a:latin typeface="Cambria Math" panose="02040503050406030204" charset="0"/>
+                                        <a:cs typeface="Cambria Math" panose="02040503050406030204" charset="0"/>
+                                      </a:rPr>
+                                    </m:ctrlPr>
+                                  </m:sSubPr>
+                                  <m:e>
+                                    <m:r>
+                                      <a:rPr lang="en-US" altLang="zh-CN" i="1">
+                                        <a:latin typeface="Cambria Math" panose="02040503050406030204" charset="0"/>
+                                        <a:cs typeface="Cambria Math" panose="02040503050406030204" charset="0"/>
+                                      </a:rPr>
+                                      <m:t>𝜃</m:t>
+                                    </m:r>
+                                  </m:e>
+                                  <m:sub>
+                                    <m:r>
+                                      <a:rPr lang="en-US" altLang="zh-CN" i="1">
+                                        <a:latin typeface="Cambria Math" panose="02040503050406030204" charset="0"/>
+                                        <a:cs typeface="Cambria Math" panose="02040503050406030204" charset="0"/>
+                                      </a:rPr>
+                                      <m:t>𝑧</m:t>
+                                    </m:r>
+                                  </m:sub>
+                                </m:sSub>
+                                <m:r>
+                                  <a:rPr lang="en-US" altLang="zh-CN" i="1">
+                                    <a:latin typeface="Cambria Math" panose="02040503050406030204" charset="0"/>
+                                    <a:cs typeface="Cambria Math" panose="02040503050406030204" charset="0"/>
+                                  </a:rPr>
+                                  <m:t>)</m:t>
+                                </m:r>
+                                <m:r>
+                                  <a:rPr lang="en-US" i="1">
+                                    <a:latin typeface="Cambria Math" panose="02040503050406030204" charset="0"/>
+                                  </a:rPr>
+                                  <m:t>𝑠𝑖𝑛</m:t>
+                                </m:r>
+                                <m:r>
+                                  <a:rPr lang="en-US" i="1">
+                                    <a:latin typeface="Cambria Math" panose="02040503050406030204" charset="0"/>
+                                  </a:rPr>
+                                  <m:t>(</m:t>
+                                </m:r>
+                                <m:sSub>
+                                  <m:sSubPr>
+                                    <m:ctrlPr>
+                                      <a:rPr lang="en-US" altLang="zh-CN" i="1">
+                                        <a:latin typeface="Cambria Math" panose="02040503050406030204" charset="0"/>
+                                        <a:cs typeface="Cambria Math" panose="02040503050406030204" charset="0"/>
+                                      </a:rPr>
+                                    </m:ctrlPr>
+                                  </m:sSubPr>
+                                  <m:e>
+                                    <m:r>
+                                      <a:rPr lang="en-US" altLang="zh-CN" i="1">
+                                        <a:latin typeface="Cambria Math" panose="02040503050406030204" charset="0"/>
+                                        <a:cs typeface="Cambria Math" panose="02040503050406030204" charset="0"/>
+                                      </a:rPr>
+                                      <m:t>𝜃</m:t>
+                                    </m:r>
+                                  </m:e>
+                                  <m:sub>
+                                    <m:r>
+                                      <a:rPr lang="en-US" altLang="zh-CN" i="1">
+                                        <a:latin typeface="Cambria Math" panose="02040503050406030204" charset="0"/>
+                                        <a:cs typeface="Cambria Math" panose="02040503050406030204" charset="0"/>
+                                      </a:rPr>
+                                      <m:t>𝑥</m:t>
+                                    </m:r>
+                                  </m:sub>
+                                </m:sSub>
+                                <m:r>
+                                  <a:rPr lang="en-US" i="1">
+                                    <a:latin typeface="Cambria Math" panose="02040503050406030204" charset="0"/>
+                                  </a:rPr>
+                                  <m:t>)</m:t>
+                                </m:r>
+                              </m:e>
+                            </m:mr>
+                            <m:mr>
+                              <m:e>
+                                <m:r>
+                                  <a:rPr lang="en-US" altLang="zh-CN" i="1">
+                                    <a:latin typeface="Cambria Math" panose="02040503050406030204" charset="0"/>
+                                    <a:cs typeface="Cambria Math" panose="02040503050406030204" charset="0"/>
+                                  </a:rPr>
+                                  <m:t>−</m:t>
+                                </m:r>
+                                <m:r>
+                                  <a:rPr lang="en-US" i="1">
+                                    <a:latin typeface="Cambria Math" panose="02040503050406030204" charset="0"/>
+                                  </a:rPr>
+                                  <m:t>𝑠𝑖𝑛</m:t>
+                                </m:r>
+                                <m:r>
+                                  <a:rPr lang="en-US" i="1">
+                                    <a:latin typeface="Cambria Math" panose="02040503050406030204" charset="0"/>
+                                  </a:rPr>
+                                  <m:t>(</m:t>
+                                </m:r>
+                                <m:sSub>
+                                  <m:sSubPr>
+                                    <m:ctrlPr>
+                                      <a:rPr lang="en-US" altLang="zh-CN" i="1">
+                                        <a:latin typeface="Cambria Math" panose="02040503050406030204" charset="0"/>
+                                        <a:cs typeface="Cambria Math" panose="02040503050406030204" charset="0"/>
+                                      </a:rPr>
+                                    </m:ctrlPr>
+                                  </m:sSubPr>
+                                  <m:e>
+                                    <m:r>
+                                      <a:rPr lang="en-US" altLang="zh-CN" i="1">
+                                        <a:latin typeface="Cambria Math" panose="02040503050406030204" charset="0"/>
+                                        <a:cs typeface="Cambria Math" panose="02040503050406030204" charset="0"/>
+                                      </a:rPr>
+                                      <m:t>𝜃</m:t>
+                                    </m:r>
+                                  </m:e>
+                                  <m:sub>
+                                    <m:r>
+                                      <a:rPr lang="en-US" altLang="zh-CN" i="1">
+                                        <a:latin typeface="Cambria Math" panose="02040503050406030204" charset="0"/>
+                                        <a:cs typeface="Cambria Math" panose="02040503050406030204" charset="0"/>
+                                      </a:rPr>
+                                      <m:t>𝑦</m:t>
+                                    </m:r>
+                                  </m:sub>
+                                </m:sSub>
+                                <m:r>
+                                  <a:rPr lang="en-US" i="1">
+                                    <a:latin typeface="Cambria Math" panose="02040503050406030204" charset="0"/>
+                                  </a:rPr>
+                                  <m:t>)</m:t>
+                                </m:r>
+                              </m:e>
+                              <m:e>
+                                <m:r>
+                                  <a:rPr lang="en-US" altLang="zh-CN" i="1">
+                                    <a:latin typeface="Cambria Math" panose="02040503050406030204" charset="0"/>
+                                    <a:cs typeface="Cambria Math" panose="02040503050406030204" charset="0"/>
+                                  </a:rPr>
+                                  <m:t>𝑐𝑜𝑠</m:t>
+                                </m:r>
+                                <m:r>
+                                  <a:rPr lang="en-US" altLang="zh-CN" i="1">
+                                    <a:latin typeface="Cambria Math" panose="02040503050406030204" charset="0"/>
+                                    <a:cs typeface="Cambria Math" panose="02040503050406030204" charset="0"/>
+                                  </a:rPr>
+                                  <m:t>(</m:t>
+                                </m:r>
+                                <m:sSub>
+                                  <m:sSubPr>
+                                    <m:ctrlPr>
+                                      <a:rPr lang="en-US" altLang="zh-CN" i="1">
+                                        <a:latin typeface="Cambria Math" panose="02040503050406030204" charset="0"/>
+                                        <a:cs typeface="Cambria Math" panose="02040503050406030204" charset="0"/>
+                                      </a:rPr>
+                                    </m:ctrlPr>
+                                  </m:sSubPr>
+                                  <m:e>
+                                    <m:r>
+                                      <a:rPr lang="en-US" altLang="zh-CN" i="1">
+                                        <a:latin typeface="Cambria Math" panose="02040503050406030204" charset="0"/>
+                                        <a:cs typeface="Cambria Math" panose="02040503050406030204" charset="0"/>
+                                      </a:rPr>
+                                      <m:t>𝜃</m:t>
+                                    </m:r>
+                                  </m:e>
+                                  <m:sub>
+                                    <m:r>
+                                      <a:rPr lang="en-US" altLang="zh-CN" i="1">
+                                        <a:latin typeface="Cambria Math" panose="02040503050406030204" charset="0"/>
+                                        <a:cs typeface="Cambria Math" panose="02040503050406030204" charset="0"/>
+                                      </a:rPr>
+                                      <m:t>𝑦</m:t>
+                                    </m:r>
+                                  </m:sub>
+                                </m:sSub>
+                                <m:r>
+                                  <a:rPr lang="en-US" altLang="zh-CN" i="1">
+                                    <a:latin typeface="Cambria Math" panose="02040503050406030204" charset="0"/>
+                                    <a:cs typeface="Cambria Math" panose="02040503050406030204" charset="0"/>
+                                  </a:rPr>
+                                  <m:t>)</m:t>
+                                </m:r>
+                                <m:r>
+                                  <a:rPr lang="en-US" i="1">
+                                    <a:latin typeface="Cambria Math" panose="02040503050406030204" charset="0"/>
+                                  </a:rPr>
+                                  <m:t>𝑠𝑖𝑛</m:t>
+                                </m:r>
+                                <m:r>
+                                  <a:rPr lang="en-US" i="1">
+                                    <a:latin typeface="Cambria Math" panose="02040503050406030204" charset="0"/>
+                                  </a:rPr>
+                                  <m:t>(</m:t>
+                                </m:r>
+                                <m:sSub>
+                                  <m:sSubPr>
+                                    <m:ctrlPr>
+                                      <a:rPr lang="en-US" altLang="zh-CN" i="1">
+                                        <a:latin typeface="Cambria Math" panose="02040503050406030204" charset="0"/>
+                                        <a:cs typeface="Cambria Math" panose="02040503050406030204" charset="0"/>
+                                      </a:rPr>
+                                    </m:ctrlPr>
+                                  </m:sSubPr>
+                                  <m:e>
+                                    <m:r>
+                                      <a:rPr lang="en-US" altLang="zh-CN" i="1">
+                                        <a:latin typeface="Cambria Math" panose="02040503050406030204" charset="0"/>
+                                        <a:cs typeface="Cambria Math" panose="02040503050406030204" charset="0"/>
+                                      </a:rPr>
+                                      <m:t>𝜃</m:t>
+                                    </m:r>
+                                  </m:e>
+                                  <m:sub>
+                                    <m:r>
+                                      <a:rPr lang="en-US" altLang="zh-CN" i="1">
+                                        <a:latin typeface="Cambria Math" panose="02040503050406030204" charset="0"/>
+                                        <a:cs typeface="Cambria Math" panose="02040503050406030204" charset="0"/>
+                                      </a:rPr>
+                                      <m:t>𝑥</m:t>
+                                    </m:r>
+                                  </m:sub>
+                                </m:sSub>
+                                <m:r>
+                                  <a:rPr lang="en-US" i="1">
+                                    <a:latin typeface="Cambria Math" panose="02040503050406030204" charset="0"/>
+                                  </a:rPr>
+                                  <m:t>)</m:t>
+                                </m:r>
+                              </m:e>
+                              <m:e>
+                                <m:r>
+                                  <a:rPr lang="en-US" altLang="zh-CN" i="1">
+                                    <a:latin typeface="Cambria Math" panose="02040503050406030204" charset="0"/>
+                                    <a:cs typeface="Cambria Math" panose="02040503050406030204" charset="0"/>
+                                  </a:rPr>
+                                  <m:t>𝑐𝑜𝑠</m:t>
+                                </m:r>
+                                <m:r>
+                                  <a:rPr lang="en-US" altLang="zh-CN" i="1">
+                                    <a:latin typeface="Cambria Math" panose="02040503050406030204" charset="0"/>
+                                    <a:cs typeface="Cambria Math" panose="02040503050406030204" charset="0"/>
+                                  </a:rPr>
+                                  <m:t>(</m:t>
+                                </m:r>
+                                <m:sSub>
+                                  <m:sSubPr>
+                                    <m:ctrlPr>
+                                      <a:rPr lang="en-US" altLang="zh-CN" i="1">
+                                        <a:latin typeface="Cambria Math" panose="02040503050406030204" charset="0"/>
+                                        <a:cs typeface="Cambria Math" panose="02040503050406030204" charset="0"/>
+                                      </a:rPr>
+                                    </m:ctrlPr>
+                                  </m:sSubPr>
+                                  <m:e>
+                                    <m:r>
+                                      <a:rPr lang="en-US" altLang="zh-CN" i="1">
+                                        <a:latin typeface="Cambria Math" panose="02040503050406030204" charset="0"/>
+                                        <a:cs typeface="Cambria Math" panose="02040503050406030204" charset="0"/>
+                                      </a:rPr>
+                                      <m:t>𝜃</m:t>
+                                    </m:r>
+                                  </m:e>
+                                  <m:sub>
+                                    <m:r>
+                                      <a:rPr lang="en-US" altLang="zh-CN" i="1">
+                                        <a:latin typeface="Cambria Math" panose="02040503050406030204" charset="0"/>
+                                        <a:cs typeface="Cambria Math" panose="02040503050406030204" charset="0"/>
+                                      </a:rPr>
+                                      <m:t>𝑦</m:t>
+                                    </m:r>
+                                  </m:sub>
+                                </m:sSub>
+                                <m:r>
+                                  <a:rPr lang="en-US" altLang="zh-CN" i="1">
+                                    <a:latin typeface="Cambria Math" panose="02040503050406030204" charset="0"/>
+                                    <a:cs typeface="Cambria Math" panose="02040503050406030204" charset="0"/>
+                                  </a:rPr>
+                                  <m:t>)</m:t>
+                                </m:r>
+                                <m:r>
+                                  <a:rPr lang="en-US" i="1">
+                                    <a:latin typeface="Cambria Math" panose="02040503050406030204" charset="0"/>
+                                  </a:rPr>
+                                  <m:t>𝑐𝑜𝑠</m:t>
+                                </m:r>
+                                <m:r>
+                                  <a:rPr lang="en-US" i="1">
+                                    <a:latin typeface="Cambria Math" panose="02040503050406030204" charset="0"/>
+                                  </a:rPr>
+                                  <m:t>(</m:t>
+                                </m:r>
+                                <m:sSub>
+                                  <m:sSubPr>
+                                    <m:ctrlPr>
+                                      <a:rPr lang="en-US" altLang="zh-CN" i="1">
+                                        <a:latin typeface="Cambria Math" panose="02040503050406030204" charset="0"/>
+                                        <a:cs typeface="Cambria Math" panose="02040503050406030204" charset="0"/>
+                                      </a:rPr>
+                                    </m:ctrlPr>
+                                  </m:sSubPr>
+                                  <m:e>
+                                    <m:r>
+                                      <a:rPr lang="en-US" altLang="zh-CN" i="1">
+                                        <a:latin typeface="Cambria Math" panose="02040503050406030204" charset="0"/>
+                                        <a:cs typeface="Cambria Math" panose="02040503050406030204" charset="0"/>
+                                      </a:rPr>
+                                      <m:t>𝜃</m:t>
+                                    </m:r>
+                                  </m:e>
+                                  <m:sub>
+                                    <m:r>
+                                      <a:rPr lang="en-US" altLang="zh-CN" i="1">
+                                        <a:latin typeface="Cambria Math" panose="02040503050406030204" charset="0"/>
+                                        <a:cs typeface="Cambria Math" panose="02040503050406030204" charset="0"/>
+                                      </a:rPr>
+                                      <m:t>𝑥</m:t>
+                                    </m:r>
+                                  </m:sub>
+                                </m:sSub>
+                                <m:r>
+                                  <a:rPr lang="en-US" i="1">
+                                    <a:latin typeface="Cambria Math" panose="02040503050406030204" charset="0"/>
+                                  </a:rPr>
+                                  <m:t>)</m:t>
+                                </m:r>
+                              </m:e>
+                            </m:mr>
+                          </m:m>
+                        </m:e>
+                      </m:d>
+                      <m:sSub>
+                        <m:sSubPr>
+                          <m:ctrlPr>
+                            <a:rPr lang="zh-CN" altLang="en-US" i="1">
+                              <a:latin typeface="Cambria Math" panose="02040503050406030204" charset="0"/>
+                              <a:cs typeface="Cambria Math" panose="02040503050406030204" charset="0"/>
+                            </a:rPr>
+                          </m:ctrlPr>
+                        </m:sSubPr>
+                        <m:e>
+                          <m:r>
+                            <a:rPr lang="en-US" altLang="zh-CN" i="1">
+                              <a:latin typeface="Cambria Math" panose="02040503050406030204" charset="0"/>
+                              <a:cs typeface="Cambria Math" panose="02040503050406030204" charset="0"/>
+                            </a:rPr>
+                            <m:t>𝑎</m:t>
+                          </m:r>
+                        </m:e>
+                        <m:sub>
+                          <m:r>
+                            <a:rPr lang="en-US" altLang="zh-CN" i="1">
+                              <a:latin typeface="Cambria Math" panose="02040503050406030204" charset="0"/>
+                              <a:cs typeface="Cambria Math" panose="02040503050406030204" charset="0"/>
+                            </a:rPr>
+                            <m:t>𝑖</m:t>
+                          </m:r>
+                        </m:sub>
+                      </m:sSub>
+                    </m:oMath>
+                    <m:oMath xmlns:m="http://schemas.openxmlformats.org/officeDocument/2006/math">
+                      <m:r>
+                        <a:rPr lang="en-US" altLang="zh-CN" i="1">
+                          <a:latin typeface="Cambria Math" panose="02040503050406030204" charset="0"/>
+                          <a:cs typeface="Cambria Math" panose="02040503050406030204" charset="0"/>
+                        </a:rPr>
+                        <m:t>=</m:t>
+                      </m:r>
+                      <m:r>
+                        <a:rPr lang="en-US" altLang="zh-CN" i="1">
+                          <a:latin typeface="Cambria Math" panose="02040503050406030204" charset="0"/>
+                          <a:cs typeface="Cambria Math" panose="02040503050406030204" charset="0"/>
+                        </a:rPr>
+                        <m:t>𝐶</m:t>
+                      </m:r>
+                      <m:sSub>
+                        <m:sSubPr>
+                          <m:ctrlPr>
+                            <a:rPr lang="zh-CN" altLang="en-US" i="1">
+                              <a:latin typeface="Cambria Math" panose="02040503050406030204" charset="0"/>
+                              <a:cs typeface="Cambria Math" panose="02040503050406030204" charset="0"/>
+                            </a:rPr>
+                          </m:ctrlPr>
+                        </m:sSubPr>
+                        <m:e>
+                          <m:r>
+                            <a:rPr lang="en-US" altLang="zh-CN" i="1">
+                              <a:latin typeface="Cambria Math" panose="02040503050406030204" charset="0"/>
+                              <a:cs typeface="Cambria Math" panose="02040503050406030204" charset="0"/>
+                            </a:rPr>
+                            <m:t>𝑎</m:t>
+                          </m:r>
+                        </m:e>
+                        <m:sub>
+                          <m:r>
+                            <a:rPr lang="en-US" altLang="zh-CN" i="1">
+                              <a:latin typeface="Cambria Math" panose="02040503050406030204" charset="0"/>
+                              <a:cs typeface="Cambria Math" panose="02040503050406030204" charset="0"/>
+                            </a:rPr>
+                            <m:t>𝑖</m:t>
+                          </m:r>
+                        </m:sub>
+                      </m:sSub>
+                    </m:oMath>
+                  </m:oMathPara>
+                </a14:m>
+                <a:endParaRPr lang="zh-CN" altLang="en-US"/>
+              </a:p>
+            </p:txBody>
+          </p:sp>
+        </mc:Choice>
+        <mc:Fallback>
+          <p:sp>
+            <p:nvSpPr>
+              <p:cNvPr id="6" name="文本框 5"/>
+              <p:cNvSpPr txBox="1">
+                <a:spLocks noRot="1" noChangeAspect="1" noMove="1" noResize="1" noEditPoints="1" noAdjustHandles="1" noChangeArrowheads="1" noChangeShapeType="1" noTextEdit="1"/>
+              </p:cNvSpPr>
+              <p:nvPr/>
+            </p:nvSpPr>
+            <p:spPr>
+              <a:xfrm>
+                <a:off x="580390" y="2141855"/>
+                <a:ext cx="10758170" cy="2458720"/>
+              </a:xfrm>
+              <a:prstGeom prst="rect">
+                <a:avLst/>
+              </a:prstGeom>
+              <a:blipFill rotWithShape="1">
+                <a:blip r:embed="rId2"/>
+                <a:stretch>
+                  <a:fillRect/>
+                </a:stretch>
+              </a:blipFill>
+            </p:spPr>
+            <p:txBody>
+              <a:bodyPr/>
+              <a:lstStyle/>
+              <a:p>
+                <a:r>
+                  <a:rPr lang="zh-CN" altLang="en-US">
+                    <a:noFill/>
+                  </a:rPr>
+                  <a:t> </a:t>
+                </a:r>
+              </a:p>
+            </p:txBody>
+          </p:sp>
+        </mc:Fallback>
+      </mc:AlternateContent>
+      <p:sp>
+        <p:nvSpPr>
+          <p:cNvPr id="8" name="文本框 7"/>
+          <p:cNvSpPr txBox="1"/>
+          <p:nvPr/>
+        </p:nvSpPr>
+        <p:spPr>
+          <a:xfrm>
+            <a:off x="543560" y="5567045"/>
+            <a:ext cx="2920365" cy="368300"/>
+          </a:xfrm>
+          <a:prstGeom prst="rect">
+            <a:avLst/>
+          </a:prstGeom>
+          <a:noFill/>
+        </p:spPr>
+        <p:txBody>
+          <a:bodyPr wrap="square" rtlCol="0">
+            <a:spAutoFit/>
+          </a:bodyPr>
+          <a:p>
+            <a:r>
+              <a:rPr lang="en-US" altLang="zh-CN"/>
+              <a:t>C</a:t>
+            </a:r>
+            <a:r>
+              <a:rPr lang="zh-CN" altLang="en-US"/>
+              <a:t>是转换矩阵（正交</a:t>
+            </a:r>
+            <a:r>
+              <a:rPr lang="zh-CN" altLang="en-US"/>
+              <a:t>矩阵）</a:t>
+            </a:r>
+            <a:endParaRPr lang="zh-CN" altLang="en-US"/>
+          </a:p>
+        </p:txBody>
+      </p:sp>
+      <mc:AlternateContent xmlns:mc="http://schemas.openxmlformats.org/markup-compatibility/2006">
+        <mc:Choice xmlns:a14="http://schemas.microsoft.com/office/drawing/2010/main" Requires="a14">
+          <p:sp>
+            <p:nvSpPr>
+              <p:cNvPr id="9" name="文本框 8"/>
+              <p:cNvSpPr txBox="1"/>
+              <p:nvPr/>
+            </p:nvSpPr>
+            <p:spPr>
+              <a:xfrm>
+                <a:off x="580390" y="4759960"/>
+                <a:ext cx="1620520" cy="358140"/>
+              </a:xfrm>
+              <a:prstGeom prst="rect">
+                <a:avLst/>
+              </a:prstGeom>
+              <a:noFill/>
+            </p:spPr>
+            <p:txBody>
+              <a:bodyPr wrap="square" rtlCol="0" anchor="t">
+                <a:spAutoFit/>
+              </a:bodyPr>
+              <a:p>
+                <a14:m>
+                  <m:oMathPara xmlns:m="http://schemas.openxmlformats.org/officeDocument/2006/math">
+                    <m:oMathParaPr>
+                      <m:jc m:val="left"/>
+                    </m:oMathParaPr>
+                    <m:oMath xmlns:m="http://schemas.openxmlformats.org/officeDocument/2006/math">
+                      <m:sSub>
+                        <m:sSubPr>
+                          <m:ctrlPr>
+                            <a:rPr lang="en-US" altLang="zh-CN" i="1">
+                              <a:latin typeface="Cambria Math" panose="02040503050406030204" charset="0"/>
+                              <a:cs typeface="Cambria Math" panose="02040503050406030204" charset="0"/>
+                            </a:rPr>
+                          </m:ctrlPr>
+                        </m:sSubPr>
+                        <m:e>
+                          <m:r>
+                            <a:rPr lang="en-US" altLang="zh-CN" i="1">
+                              <a:latin typeface="Cambria Math" panose="02040503050406030204" charset="0"/>
+                              <a:cs typeface="Cambria Math" panose="02040503050406030204" charset="0"/>
+                            </a:rPr>
+                            <m:t>𝑎</m:t>
+                          </m:r>
+                        </m:e>
+                        <m:sub>
+                          <m:r>
+                            <a:rPr lang="en-US" altLang="zh-CN" i="1">
+                              <a:latin typeface="Cambria Math" panose="02040503050406030204" charset="0"/>
+                              <a:cs typeface="Cambria Math" panose="02040503050406030204" charset="0"/>
+                            </a:rPr>
+                            <m:t>𝑖</m:t>
+                          </m:r>
+                        </m:sub>
+                      </m:sSub>
+                      <m:r>
+                        <a:rPr lang="en-US" altLang="zh-CN" i="1">
+                          <a:latin typeface="Cambria Math" panose="02040503050406030204" charset="0"/>
+                          <a:cs typeface="Cambria Math" panose="02040503050406030204" charset="0"/>
+                        </a:rPr>
+                        <m:t>=</m:t>
+                      </m:r>
+                      <m:sSup>
+                        <m:sSupPr>
+                          <m:ctrlPr>
+                            <a:rPr lang="en-US" altLang="zh-CN" i="1">
+                              <a:latin typeface="Cambria Math" panose="02040503050406030204" charset="0"/>
+                              <a:cs typeface="Cambria Math" panose="02040503050406030204" charset="0"/>
+                            </a:rPr>
+                          </m:ctrlPr>
+                        </m:sSupPr>
+                        <m:e>
+                          <m:r>
+                            <a:rPr lang="en-US" altLang="zh-CN" i="1">
+                              <a:latin typeface="Cambria Math" panose="02040503050406030204" charset="0"/>
+                              <a:cs typeface="Cambria Math" panose="02040503050406030204" charset="0"/>
+                            </a:rPr>
+                            <m:t>𝐶</m:t>
+                          </m:r>
+                        </m:e>
+                        <m:sup>
+                          <m:r>
+                            <a:rPr lang="en-US" altLang="zh-CN" i="1">
+                              <a:latin typeface="Cambria Math" panose="02040503050406030204" charset="0"/>
+                              <a:cs typeface="Cambria Math" panose="02040503050406030204" charset="0"/>
+                            </a:rPr>
+                            <m:t>𝑇</m:t>
+                          </m:r>
+                        </m:sup>
+                      </m:sSup>
+                      <m:sSub>
+                        <m:sSubPr>
+                          <m:ctrlPr>
+                            <a:rPr lang="zh-CN" altLang="en-US" i="1">
+                              <a:latin typeface="Cambria Math" panose="02040503050406030204" charset="0"/>
+                              <a:cs typeface="Cambria Math" panose="02040503050406030204" charset="0"/>
+                            </a:rPr>
+                          </m:ctrlPr>
+                        </m:sSubPr>
+                        <m:e>
+                          <m:r>
+                            <a:rPr lang="en-US" altLang="zh-CN" i="1">
+                              <a:latin typeface="Cambria Math" panose="02040503050406030204" charset="0"/>
+                              <a:cs typeface="Cambria Math" panose="02040503050406030204" charset="0"/>
+                            </a:rPr>
+                            <m:t>𝑎</m:t>
+                          </m:r>
+                        </m:e>
+                        <m:sub>
+                          <m:r>
+                            <a:rPr lang="en-US" altLang="zh-CN" i="1">
+                              <a:latin typeface="Cambria Math" panose="02040503050406030204" charset="0"/>
+                              <a:cs typeface="Cambria Math" panose="02040503050406030204" charset="0"/>
+                            </a:rPr>
+                            <m:t>𝑏</m:t>
+                          </m:r>
+                        </m:sub>
+                      </m:sSub>
+                    </m:oMath>
+                  </m:oMathPara>
+                </a14:m>
+                <a:endParaRPr lang="en-US" altLang="zh-CN" i="1">
+                  <a:latin typeface="Cambria Math" panose="02040503050406030204" charset="0"/>
+                  <a:cs typeface="Cambria Math" panose="02040503050406030204" charset="0"/>
+                </a:endParaRPr>
+              </a:p>
+            </p:txBody>
+          </p:sp>
+        </mc:Choice>
+        <mc:Fallback>
+          <p:sp>
+            <p:nvSpPr>
+              <p:cNvPr id="9" name="文本框 8"/>
+              <p:cNvSpPr txBox="1">
+                <a:spLocks noRot="1" noChangeAspect="1" noMove="1" noResize="1" noEditPoints="1" noAdjustHandles="1" noChangeArrowheads="1" noChangeShapeType="1" noTextEdit="1"/>
+              </p:cNvSpPr>
+              <p:nvPr/>
+            </p:nvSpPr>
+            <p:spPr>
+              <a:xfrm>
+                <a:off x="580390" y="4759960"/>
+                <a:ext cx="1620520" cy="358140"/>
+              </a:xfrm>
+              <a:prstGeom prst="rect">
+                <a:avLst/>
+              </a:prstGeom>
+              <a:blipFill rotWithShape="1">
+                <a:blip r:embed="rId3"/>
+                <a:stretch>
+                  <a:fillRect/>
+                </a:stretch>
+              </a:blipFill>
+            </p:spPr>
+            <p:txBody>
+              <a:bodyPr/>
+              <a:lstStyle/>
+              <a:p>
+                <a:r>
+                  <a:rPr lang="zh-CN" altLang="en-US">
+                    <a:noFill/>
+                  </a:rPr>
+                  <a:t> </a:t>
+                </a:r>
+              </a:p>
+            </p:txBody>
+          </p:sp>
+        </mc:Fallback>
+      </mc:AlternateContent>
+    </p:spTree>
+  </p:cSld>
+  <p:clrMapOvr>
+    <a:masterClrMapping/>
+  </p:clrMapOvr>
+</p:sld>
+</file>
+
+<file path=ppt/slides/slide13.xml><?xml version="1.0" encoding="utf-8"?>
+<p:sld xmlns:a="http://schemas.openxmlformats.org/drawingml/2006/main" xmlns:r="http://schemas.openxmlformats.org/officeDocument/2006/relationships" xmlns:p="http://schemas.openxmlformats.org/presentationml/2006/main">
+  <p:cSld>
+    <p:spTree>
+      <p:nvGrpSpPr>
+        <p:cNvPr id="1" name=""/>
+        <p:cNvGrpSpPr/>
+        <p:nvPr/>
+      </p:nvGrpSpPr>
+      <p:grpSpPr/>
+      <p:sp>
+        <p:nvSpPr>
+          <p:cNvPr id="6" name="文本框 5"/>
+          <p:cNvSpPr txBox="1"/>
+          <p:nvPr/>
+        </p:nvSpPr>
+        <p:spPr>
+          <a:xfrm>
+            <a:off x="462915" y="441960"/>
+            <a:ext cx="8236585" cy="368300"/>
+          </a:xfrm>
+          <a:prstGeom prst="rect">
+            <a:avLst/>
+          </a:prstGeom>
+          <a:noFill/>
+        </p:spPr>
+        <p:txBody>
+          <a:bodyPr wrap="square" rtlCol="0">
+            <a:spAutoFit/>
+          </a:bodyPr>
+          <a:p>
+            <a:r>
+              <a:rPr lang="zh-CN" altLang="en-US"/>
+              <a:t>欧拉角角运动方程：将体坐标系下的角速度转换为姿态角变化</a:t>
+            </a:r>
+            <a:r>
+              <a:rPr lang="zh-CN" altLang="en-US"/>
+              <a:t>率</a:t>
+            </a:r>
+            <a:endParaRPr lang="zh-CN" altLang="en-US"/>
+          </a:p>
+        </p:txBody>
+      </p:sp>
+      <mc:AlternateContent xmlns:mc="http://schemas.openxmlformats.org/markup-compatibility/2006">
+        <mc:Choice xmlns:a14="http://schemas.microsoft.com/office/drawing/2010/main" Requires="a14">
+          <p:sp>
+            <p:nvSpPr>
+              <p:cNvPr id="7" name="文本框 6"/>
+              <p:cNvSpPr txBox="1"/>
+              <p:nvPr/>
+            </p:nvSpPr>
+            <p:spPr>
+              <a:xfrm>
+                <a:off x="462915" y="862330"/>
+                <a:ext cx="8489950" cy="455295"/>
+              </a:xfrm>
+              <a:prstGeom prst="rect">
+                <a:avLst/>
+              </a:prstGeom>
+              <a:noFill/>
+            </p:spPr>
+            <p:txBody>
+              <a:bodyPr wrap="square" rtlCol="0">
+                <a:spAutoFit/>
+              </a:bodyPr>
+              <a:p>
+                <a:r>
+                  <a:rPr lang="zh-CN" altLang="en-US"/>
+                  <a:t>欧拉角变化率：</a:t>
+                </a:r>
+                <a14:m>
+                  <m:oMath xmlns:m="http://schemas.openxmlformats.org/officeDocument/2006/math">
+                    <m:sSub>
+                      <m:sSubPr>
+                        <m:ctrlPr>
+                          <a:rPr lang="en-US" altLang="zh-CN" i="1">
+                            <a:latin typeface="Cambria Math" panose="02040503050406030204" charset="0"/>
+                            <a:cs typeface="Cambria Math" panose="02040503050406030204" charset="0"/>
+                          </a:rPr>
+                        </m:ctrlPr>
+                      </m:sSubPr>
+                      <m:e>
+                        <m:r>
+                          <a:rPr lang="en-US" altLang="zh-CN" i="1">
+                            <a:latin typeface="Cambria Math" panose="02040503050406030204" charset="0"/>
+                            <a:cs typeface="Cambria Math" panose="02040503050406030204" charset="0"/>
+                          </a:rPr>
+                          <m:t>𝑤</m:t>
+                        </m:r>
+                      </m:e>
+                      <m:sub>
+                        <m:r>
+                          <a:rPr lang="en-US" altLang="zh-CN" i="1">
+                            <a:latin typeface="Cambria Math" panose="02040503050406030204" charset="0"/>
+                            <a:cs typeface="Cambria Math" panose="02040503050406030204" charset="0"/>
+                          </a:rPr>
+                          <m:t>𝑏</m:t>
+                        </m:r>
+                      </m:sub>
+                    </m:sSub>
+                    <m:r>
+                      <a:rPr lang="en-US" altLang="zh-CN" i="1">
+                        <a:latin typeface="Cambria Math" panose="02040503050406030204" charset="0"/>
+                        <a:cs typeface="Cambria Math" panose="02040503050406030204" charset="0"/>
+                      </a:rPr>
+                      <m:t>=</m:t>
+                    </m:r>
+                    <m:sSup>
+                      <m:sSupPr>
+                        <m:ctrlPr>
+                          <a:rPr lang="en-US" altLang="zh-CN" i="1">
+                            <a:latin typeface="Cambria Math" panose="02040503050406030204" charset="0"/>
+                            <a:cs typeface="Cambria Math" panose="02040503050406030204" charset="0"/>
+                          </a:rPr>
+                        </m:ctrlPr>
+                      </m:sSupPr>
+                      <m:e>
+                        <m:d>
+                          <m:dPr>
+                            <m:begChr m:val="["/>
+                            <m:endChr m:val="]"/>
+                            <m:ctrlPr>
+                              <a:rPr lang="en-US" altLang="zh-CN" i="1">
+                                <a:latin typeface="Cambria Math" panose="02040503050406030204" charset="0"/>
+                                <a:cs typeface="Cambria Math" panose="02040503050406030204" charset="0"/>
+                              </a:rPr>
+                            </m:ctrlPr>
+                          </m:dPr>
+                          <m:e>
+                            <m:m>
+                              <m:mPr>
+                                <m:mcs>
+                                  <m:mc>
+                                    <m:mcPr>
+                                      <m:count m:val="3"/>
+                                      <m:mcJc m:val="center"/>
+                                    </m:mcPr>
+                                  </m:mc>
+                                </m:mcs>
+                                <m:ctrlPr>
+                                  <a:rPr lang="en-US" altLang="zh-CN" i="1">
+                                    <a:latin typeface="Cambria Math" panose="02040503050406030204" charset="0"/>
+                                    <a:cs typeface="Cambria Math" panose="02040503050406030204" charset="0"/>
+                                  </a:rPr>
+                                </m:ctrlPr>
+                              </m:mPr>
+                              <m:mr>
+                                <m:e>
+                                  <m:sSub>
+                                    <m:sSubPr>
+                                      <m:ctrlPr>
+                                        <a:rPr lang="en-US" altLang="zh-CN" i="1">
+                                          <a:latin typeface="Cambria Math" panose="02040503050406030204" charset="0"/>
+                                          <a:cs typeface="Cambria Math" panose="02040503050406030204" charset="0"/>
+                                        </a:rPr>
+                                      </m:ctrlPr>
+                                    </m:sSubPr>
+                                    <m:e>
+                                      <m:acc>
+                                        <m:accPr>
+                                          <m:chr m:val="̇"/>
+                                          <m:ctrlPr>
+                                            <a:rPr lang="en-US" altLang="zh-CN" i="1">
+                                              <a:latin typeface="Cambria Math" panose="02040503050406030204" charset="0"/>
+                                              <a:cs typeface="Cambria Math" panose="02040503050406030204" charset="0"/>
+                                            </a:rPr>
+                                          </m:ctrlPr>
+                                        </m:accPr>
+                                        <m:e>
+                                          <m:r>
+                                            <a:rPr lang="en-US" altLang="zh-CN" i="1">
+                                              <a:latin typeface="Cambria Math" panose="02040503050406030204" charset="0"/>
+                                              <a:cs typeface="Cambria Math" panose="02040503050406030204" charset="0"/>
+                                            </a:rPr>
+                                            <m:t>𝜃</m:t>
+                                          </m:r>
+                                        </m:e>
+                                      </m:acc>
+                                    </m:e>
+                                    <m:sub>
+                                      <m:r>
+                                        <a:rPr lang="en-US" altLang="zh-CN" i="1">
+                                          <a:latin typeface="Cambria Math" panose="02040503050406030204" charset="0"/>
+                                          <a:cs typeface="Cambria Math" panose="02040503050406030204" charset="0"/>
+                                        </a:rPr>
+                                        <m:t>𝑥</m:t>
+                                      </m:r>
+                                    </m:sub>
+                                  </m:sSub>
+                                </m:e>
+                                <m:e>
+                                  <m:sSub>
+                                    <m:sSubPr>
+                                      <m:ctrlPr>
+                                        <a:rPr lang="en-US" altLang="zh-CN" i="1">
+                                          <a:latin typeface="Cambria Math" panose="02040503050406030204" charset="0"/>
+                                          <a:cs typeface="Cambria Math" panose="02040503050406030204" charset="0"/>
+                                        </a:rPr>
+                                      </m:ctrlPr>
+                                    </m:sSubPr>
+                                    <m:e>
+                                      <m:acc>
+                                        <m:accPr>
+                                          <m:chr m:val="̇"/>
+                                          <m:ctrlPr>
+                                            <a:rPr lang="en-US" altLang="zh-CN" i="1">
+                                              <a:latin typeface="Cambria Math" panose="02040503050406030204" charset="0"/>
+                                              <a:cs typeface="Cambria Math" panose="02040503050406030204" charset="0"/>
+                                            </a:rPr>
+                                          </m:ctrlPr>
+                                        </m:accPr>
+                                        <m:e>
+                                          <m:r>
+                                            <a:rPr lang="en-US" altLang="zh-CN" i="1">
+                                              <a:latin typeface="Cambria Math" panose="02040503050406030204" charset="0"/>
+                                              <a:cs typeface="Cambria Math" panose="02040503050406030204" charset="0"/>
+                                            </a:rPr>
+                                            <m:t>𝜃</m:t>
+                                          </m:r>
+                                        </m:e>
+                                      </m:acc>
+                                    </m:e>
+                                    <m:sub>
+                                      <m:r>
+                                        <a:rPr lang="en-US" altLang="zh-CN" i="1">
+                                          <a:latin typeface="Cambria Math" panose="02040503050406030204" charset="0"/>
+                                          <a:cs typeface="Cambria Math" panose="02040503050406030204" charset="0"/>
+                                        </a:rPr>
+                                        <m:t>𝑦</m:t>
+                                      </m:r>
+                                    </m:sub>
+                                  </m:sSub>
+                                </m:e>
+                                <m:e>
+                                  <m:sSub>
+                                    <m:sSubPr>
+                                      <m:ctrlPr>
+                                        <a:rPr lang="en-US" altLang="zh-CN" i="1">
+                                          <a:latin typeface="Cambria Math" panose="02040503050406030204" charset="0"/>
+                                          <a:cs typeface="Cambria Math" panose="02040503050406030204" charset="0"/>
+                                        </a:rPr>
+                                      </m:ctrlPr>
+                                    </m:sSubPr>
+                                    <m:e>
+                                      <m:acc>
+                                        <m:accPr>
+                                          <m:chr m:val="̇"/>
+                                          <m:ctrlPr>
+                                            <a:rPr lang="en-US" altLang="zh-CN" i="1">
+                                              <a:latin typeface="Cambria Math" panose="02040503050406030204" charset="0"/>
+                                              <a:cs typeface="Cambria Math" panose="02040503050406030204" charset="0"/>
+                                            </a:rPr>
+                                          </m:ctrlPr>
+                                        </m:accPr>
+                                        <m:e>
+                                          <m:r>
+                                            <a:rPr lang="en-US" altLang="zh-CN" i="1">
+                                              <a:latin typeface="Cambria Math" panose="02040503050406030204" charset="0"/>
+                                              <a:cs typeface="Cambria Math" panose="02040503050406030204" charset="0"/>
+                                            </a:rPr>
+                                            <m:t>𝜃</m:t>
+                                          </m:r>
+                                        </m:e>
+                                      </m:acc>
+                                    </m:e>
+                                    <m:sub>
+                                      <m:r>
+                                        <a:rPr lang="en-US" altLang="zh-CN" i="1">
+                                          <a:latin typeface="Cambria Math" panose="02040503050406030204" charset="0"/>
+                                          <a:cs typeface="Cambria Math" panose="02040503050406030204" charset="0"/>
+                                        </a:rPr>
+                                        <m:t>𝑧</m:t>
+                                      </m:r>
+                                    </m:sub>
+                                  </m:sSub>
+                                </m:e>
+                              </m:mr>
+                            </m:m>
+                          </m:e>
+                        </m:d>
+                      </m:e>
+                      <m:sup>
+                        <m:r>
+                          <a:rPr lang="en-US" altLang="zh-CN" i="1">
+                            <a:latin typeface="Cambria Math" panose="02040503050406030204" charset="0"/>
+                            <a:cs typeface="Cambria Math" panose="02040503050406030204" charset="0"/>
+                          </a:rPr>
+                          <m:t>𝑇</m:t>
+                        </m:r>
+                      </m:sup>
+                    </m:sSup>
+                  </m:oMath>
+                </a14:m>
+                <a:r>
+                  <a:rPr lang="zh-CN" altLang="en-US">
+                    <a:latin typeface="Cambria Math" panose="02040503050406030204" charset="0"/>
+                    <a:cs typeface="Cambria Math" panose="02040503050406030204" charset="0"/>
+                  </a:rPr>
+                  <a:t>，描述的是按照</a:t>
+                </a:r>
+                <a:r>
+                  <a:rPr lang="en-US" altLang="zh-CN">
+                    <a:latin typeface="Cambria Math" panose="02040503050406030204" charset="0"/>
+                    <a:cs typeface="Cambria Math" panose="02040503050406030204" charset="0"/>
+                  </a:rPr>
+                  <a:t>zyx</a:t>
+                </a:r>
+                <a:r>
+                  <a:rPr lang="zh-CN" altLang="en-US">
+                    <a:latin typeface="Cambria Math" panose="02040503050406030204" charset="0"/>
+                    <a:cs typeface="Cambria Math" panose="02040503050406030204" charset="0"/>
+                  </a:rPr>
+                  <a:t>轴顺序产生的三个角速度，</a:t>
+                </a:r>
+                <a:endParaRPr lang="zh-CN" altLang="en-US">
+                  <a:latin typeface="Cambria Math" panose="02040503050406030204" charset="0"/>
+                  <a:cs typeface="Cambria Math" panose="02040503050406030204" charset="0"/>
+                </a:endParaRPr>
+              </a:p>
+            </p:txBody>
+          </p:sp>
+        </mc:Choice>
+        <mc:Fallback>
+          <p:sp>
+            <p:nvSpPr>
+              <p:cNvPr id="7" name="文本框 6"/>
+              <p:cNvSpPr txBox="1">
+                <a:spLocks noRot="1" noChangeAspect="1" noMove="1" noResize="1" noEditPoints="1" noAdjustHandles="1" noChangeArrowheads="1" noChangeShapeType="1" noTextEdit="1"/>
+              </p:cNvSpPr>
+              <p:nvPr/>
+            </p:nvSpPr>
+            <p:spPr>
+              <a:xfrm>
+                <a:off x="462915" y="862330"/>
+                <a:ext cx="8489950" cy="455295"/>
+              </a:xfrm>
+              <a:prstGeom prst="rect">
+                <a:avLst/>
+              </a:prstGeom>
+              <a:blipFill rotWithShape="1">
+                <a:blip r:embed="rId1"/>
+                <a:stretch>
+                  <a:fillRect/>
+                </a:stretch>
+              </a:blipFill>
+            </p:spPr>
+            <p:txBody>
+              <a:bodyPr/>
+              <a:lstStyle/>
+              <a:p>
+                <a:r>
+                  <a:rPr lang="zh-CN" altLang="en-US">
+                    <a:noFill/>
+                  </a:rPr>
+                  <a:t> </a:t>
+                </a:r>
+              </a:p>
+            </p:txBody>
+          </p:sp>
+        </mc:Fallback>
+      </mc:AlternateContent>
+      <p:sp>
+        <p:nvSpPr>
+          <p:cNvPr id="11" name="文本框 10"/>
+          <p:cNvSpPr txBox="1"/>
+          <p:nvPr/>
+        </p:nvSpPr>
+        <p:spPr>
+          <a:xfrm>
+            <a:off x="574675" y="1483995"/>
+            <a:ext cx="5770245" cy="368300"/>
+          </a:xfrm>
+          <a:prstGeom prst="rect">
+            <a:avLst/>
+          </a:prstGeom>
+          <a:noFill/>
+        </p:spPr>
+        <p:txBody>
+          <a:bodyPr wrap="square" rtlCol="0">
+            <a:spAutoFit/>
+          </a:bodyPr>
+          <a:p>
+            <a:r>
+              <a:rPr lang="zh-CN" altLang="en-US"/>
+              <a:t>第一次绕</a:t>
+            </a:r>
+            <a:r>
+              <a:rPr lang="en-US" altLang="zh-CN"/>
+              <a:t>Z</a:t>
+            </a:r>
+            <a:r>
+              <a:rPr lang="zh-CN" altLang="en-US"/>
+              <a:t>轴旋转，体坐标系下的角速度矢量：</a:t>
+            </a:r>
+            <a:endParaRPr lang="zh-CN" altLang="en-US"/>
+          </a:p>
+        </p:txBody>
+      </p:sp>
+      <mc:AlternateContent xmlns:mc="http://schemas.openxmlformats.org/markup-compatibility/2006">
+        <mc:Choice xmlns:a14="http://schemas.microsoft.com/office/drawing/2010/main" Requires="a14">
+          <p:sp>
+            <p:nvSpPr>
+              <p:cNvPr id="13" name="文本框 12"/>
+              <p:cNvSpPr txBox="1"/>
+              <p:nvPr/>
+            </p:nvSpPr>
+            <p:spPr>
+              <a:xfrm>
+                <a:off x="2148840" y="2045970"/>
+                <a:ext cx="4064000" cy="370205"/>
+              </a:xfrm>
+              <a:prstGeom prst="rect">
+                <a:avLst/>
+              </a:prstGeom>
+              <a:noFill/>
+            </p:spPr>
+            <p:txBody>
+              <a:bodyPr wrap="square" rtlCol="0">
+                <a:spAutoFit/>
+              </a:bodyPr>
+              <a:p>
+                <a14:m>
+                  <m:oMathPara xmlns:m="http://schemas.openxmlformats.org/officeDocument/2006/math">
+                    <m:oMathParaPr>
+                      <m:jc m:val="centerGroup"/>
+                    </m:oMathParaPr>
+                    <m:oMath xmlns:m="http://schemas.openxmlformats.org/officeDocument/2006/math">
+                      <m:sSub>
+                        <m:sSubPr>
+                          <m:ctrlPr>
+                            <a:rPr lang="en-US" altLang="zh-CN" i="1">
+                              <a:latin typeface="Cambria Math" panose="02040503050406030204" charset="0"/>
+                              <a:cs typeface="Cambria Math" panose="02040503050406030204" charset="0"/>
+                            </a:rPr>
+                          </m:ctrlPr>
+                        </m:sSubPr>
+                        <m:e>
+                          <m:r>
+                            <a:rPr lang="en-US" altLang="zh-CN" i="1">
+                              <a:latin typeface="Cambria Math" panose="02040503050406030204" charset="0"/>
+                              <a:cs typeface="Cambria Math" panose="02040503050406030204" charset="0"/>
+                            </a:rPr>
+                            <m:t>𝜔</m:t>
+                          </m:r>
+                        </m:e>
+                        <m:sub>
+                          <m:r>
+                            <a:rPr lang="en-US" altLang="zh-CN" i="1">
+                              <a:latin typeface="Cambria Math" panose="02040503050406030204" charset="0"/>
+                              <a:cs typeface="Cambria Math" panose="02040503050406030204" charset="0"/>
+                            </a:rPr>
+                            <m:t>1</m:t>
+                          </m:r>
+                        </m:sub>
+                      </m:sSub>
+                      <m:r>
+                        <a:rPr lang="en-US" altLang="zh-CN" i="1">
+                          <a:latin typeface="Cambria Math" panose="02040503050406030204" charset="0"/>
+                          <a:cs typeface="Cambria Math" panose="02040503050406030204" charset="0"/>
+                        </a:rPr>
+                        <m:t>=</m:t>
+                      </m:r>
+                      <m:sSup>
+                        <m:sSupPr>
+                          <m:ctrlPr>
+                            <a:rPr lang="en-US" altLang="zh-CN" i="1">
+                              <a:latin typeface="Cambria Math" panose="02040503050406030204" charset="0"/>
+                              <a:cs typeface="Cambria Math" panose="02040503050406030204" charset="0"/>
+                            </a:rPr>
+                          </m:ctrlPr>
+                        </m:sSupPr>
+                        <m:e>
+                          <m:d>
+                            <m:dPr>
+                              <m:begChr m:val="["/>
+                              <m:endChr m:val="]"/>
+                              <m:ctrlPr>
+                                <a:rPr lang="en-US" altLang="zh-CN" i="1">
+                                  <a:latin typeface="Cambria Math" panose="02040503050406030204" charset="0"/>
+                                  <a:cs typeface="Cambria Math" panose="02040503050406030204" charset="0"/>
+                                </a:rPr>
+                              </m:ctrlPr>
+                            </m:dPr>
+                            <m:e>
+                              <m:m>
+                                <m:mPr>
+                                  <m:mcs>
+                                    <m:mc>
+                                      <m:mcPr>
+                                        <m:count m:val="3"/>
+                                        <m:mcJc m:val="center"/>
+                                      </m:mcPr>
+                                    </m:mc>
+                                  </m:mcs>
+                                  <m:ctrlPr>
+                                    <a:rPr lang="en-US" altLang="zh-CN" i="1">
+                                      <a:latin typeface="Cambria Math" panose="02040503050406030204" charset="0"/>
+                                      <a:cs typeface="Cambria Math" panose="02040503050406030204" charset="0"/>
+                                    </a:rPr>
+                                  </m:ctrlPr>
+                                </m:mPr>
+                                <m:mr>
+                                  <m:e>
+                                    <m:r>
+                                      <a:rPr lang="en-US" altLang="zh-CN" i="1">
+                                        <a:latin typeface="Cambria Math" panose="02040503050406030204" charset="0"/>
+                                        <a:cs typeface="Cambria Math" panose="02040503050406030204" charset="0"/>
+                                      </a:rPr>
+                                      <m:t>0</m:t>
+                                    </m:r>
+                                  </m:e>
+                                  <m:e>
+                                    <m:r>
+                                      <a:rPr lang="en-US" altLang="zh-CN" i="1">
+                                        <a:latin typeface="Cambria Math" panose="02040503050406030204" charset="0"/>
+                                        <a:cs typeface="Cambria Math" panose="02040503050406030204" charset="0"/>
+                                      </a:rPr>
+                                      <m:t>0</m:t>
+                                    </m:r>
+                                  </m:e>
+                                  <m:e>
+                                    <m:sSub>
+                                      <m:sSubPr>
+                                        <m:ctrlPr>
+                                          <a:rPr lang="en-US" altLang="zh-CN" i="1">
+                                            <a:latin typeface="Cambria Math" panose="02040503050406030204" charset="0"/>
+                                            <a:cs typeface="Cambria Math" panose="02040503050406030204" charset="0"/>
+                                          </a:rPr>
+                                        </m:ctrlPr>
+                                      </m:sSubPr>
+                                      <m:e>
+                                        <m:acc>
+                                          <m:accPr>
+                                            <m:chr m:val="̇"/>
+                                            <m:ctrlPr>
+                                              <a:rPr lang="en-US" altLang="zh-CN" i="1">
+                                                <a:latin typeface="Cambria Math" panose="02040503050406030204" charset="0"/>
+                                                <a:cs typeface="Cambria Math" panose="02040503050406030204" charset="0"/>
+                                              </a:rPr>
+                                            </m:ctrlPr>
+                                          </m:accPr>
+                                          <m:e>
+                                            <m:r>
+                                              <a:rPr lang="en-US" altLang="zh-CN" i="1">
+                                                <a:latin typeface="Cambria Math" panose="02040503050406030204" charset="0"/>
+                                                <a:cs typeface="Cambria Math" panose="02040503050406030204" charset="0"/>
+                                              </a:rPr>
+                                              <m:t>𝜃</m:t>
+                                            </m:r>
+                                          </m:e>
+                                        </m:acc>
+                                      </m:e>
+                                      <m:sub>
+                                        <m:r>
+                                          <a:rPr lang="en-US" altLang="zh-CN" i="1">
+                                            <a:latin typeface="Cambria Math" panose="02040503050406030204" charset="0"/>
+                                            <a:cs typeface="Cambria Math" panose="02040503050406030204" charset="0"/>
+                                          </a:rPr>
+                                          <m:t>𝑧</m:t>
+                                        </m:r>
+                                      </m:sub>
+                                    </m:sSub>
+                                  </m:e>
+                                </m:mr>
+                              </m:m>
+                            </m:e>
+                          </m:d>
+                        </m:e>
+                        <m:sup>
+                          <m:r>
+                            <a:rPr lang="en-US" altLang="zh-CN" i="1">
+                              <a:latin typeface="Cambria Math" panose="02040503050406030204" charset="0"/>
+                              <a:cs typeface="Cambria Math" panose="02040503050406030204" charset="0"/>
+                            </a:rPr>
+                            <m:t>𝑇</m:t>
+                          </m:r>
+                        </m:sup>
+                      </m:sSup>
+                    </m:oMath>
+                  </m:oMathPara>
+                </a14:m>
+                <a:endParaRPr lang="zh-CN" altLang="en-US"/>
+              </a:p>
+            </p:txBody>
+          </p:sp>
+        </mc:Choice>
+        <mc:Fallback>
+          <p:sp>
+            <p:nvSpPr>
+              <p:cNvPr id="13" name="文本框 12"/>
+              <p:cNvSpPr txBox="1">
+                <a:spLocks noRot="1" noChangeAspect="1" noMove="1" noResize="1" noEditPoints="1" noAdjustHandles="1" noChangeArrowheads="1" noChangeShapeType="1" noTextEdit="1"/>
+              </p:cNvSpPr>
+              <p:nvPr/>
+            </p:nvSpPr>
+            <p:spPr>
+              <a:xfrm>
+                <a:off x="2148840" y="2045970"/>
+                <a:ext cx="4064000" cy="370205"/>
+              </a:xfrm>
+              <a:prstGeom prst="rect">
+                <a:avLst/>
+              </a:prstGeom>
+              <a:blipFill rotWithShape="1">
+                <a:blip r:embed="rId2"/>
+                <a:stretch>
+                  <a:fillRect/>
+                </a:stretch>
+              </a:blipFill>
+            </p:spPr>
+            <p:txBody>
+              <a:bodyPr/>
+              <a:lstStyle/>
+              <a:p>
+                <a:r>
+                  <a:rPr lang="zh-CN" altLang="en-US">
+                    <a:noFill/>
+                  </a:rPr>
+                  <a:t> </a:t>
+                </a:r>
+              </a:p>
+            </p:txBody>
+          </p:sp>
+        </mc:Fallback>
+      </mc:AlternateContent>
+      <p:sp>
+        <p:nvSpPr>
+          <p:cNvPr id="14" name="文本框 13"/>
+          <p:cNvSpPr txBox="1"/>
+          <p:nvPr/>
+        </p:nvSpPr>
+        <p:spPr>
+          <a:xfrm>
+            <a:off x="574675" y="2609850"/>
+            <a:ext cx="5770245" cy="368300"/>
+          </a:xfrm>
+          <a:prstGeom prst="rect">
+            <a:avLst/>
+          </a:prstGeom>
+          <a:noFill/>
+        </p:spPr>
+        <p:txBody>
+          <a:bodyPr wrap="square" rtlCol="0">
+            <a:spAutoFit/>
+          </a:bodyPr>
+          <a:p>
+            <a:r>
+              <a:rPr lang="zh-CN" altLang="en-US"/>
+              <a:t>第二次绕</a:t>
+            </a:r>
+            <a:r>
+              <a:rPr lang="en-US" altLang="zh-CN"/>
+              <a:t>Y</a:t>
+            </a:r>
+            <a:r>
+              <a:rPr lang="zh-CN" altLang="en-US"/>
+              <a:t>轴旋转，体坐标系下的角速度矢量：</a:t>
+            </a:r>
+            <a:endParaRPr lang="zh-CN" altLang="en-US"/>
+          </a:p>
+        </p:txBody>
+      </p:sp>
+      <mc:AlternateContent xmlns:mc="http://schemas.openxmlformats.org/markup-compatibility/2006">
+        <mc:Choice xmlns:a14="http://schemas.microsoft.com/office/drawing/2010/main" Requires="a14">
+          <p:sp>
+            <p:nvSpPr>
+              <p:cNvPr id="15" name="文本框 14"/>
+              <p:cNvSpPr txBox="1"/>
+              <p:nvPr/>
+            </p:nvSpPr>
+            <p:spPr>
+              <a:xfrm>
+                <a:off x="2351405" y="3171825"/>
+                <a:ext cx="4712970" cy="1420495"/>
+              </a:xfrm>
+              <a:prstGeom prst="rect">
+                <a:avLst/>
+              </a:prstGeom>
+              <a:noFill/>
+            </p:spPr>
+            <p:txBody>
+              <a:bodyPr wrap="square" rtlCol="0">
+                <a:spAutoFit/>
+              </a:bodyPr>
+              <a:p>
+                <a14:m>
+                  <m:oMathPara xmlns:m="http://schemas.openxmlformats.org/officeDocument/2006/math">
+                    <m:oMathParaPr>
+                      <m:jc m:val="centerGroup"/>
+                    </m:oMathParaPr>
+                    <m:oMath xmlns:m="http://schemas.openxmlformats.org/officeDocument/2006/math">
+                      <m:sSub>
+                        <m:sSubPr>
+                          <m:ctrlPr>
+                            <a:rPr lang="en-US" altLang="zh-CN" i="1">
+                              <a:latin typeface="Cambria Math" panose="02040503050406030204" charset="0"/>
+                              <a:cs typeface="Cambria Math" panose="02040503050406030204" charset="0"/>
+                            </a:rPr>
+                          </m:ctrlPr>
+                        </m:sSubPr>
+                        <m:e>
+                          <m:r>
+                            <a:rPr lang="en-US" altLang="zh-CN" i="1">
+                              <a:latin typeface="Cambria Math" panose="02040503050406030204" charset="0"/>
+                              <a:cs typeface="Cambria Math" panose="02040503050406030204" charset="0"/>
+                            </a:rPr>
+                            <m:t>𝜔</m:t>
+                          </m:r>
+                        </m:e>
+                        <m:sub>
+                          <m:r>
+                            <a:rPr lang="en-US" altLang="zh-CN" i="1">
+                              <a:latin typeface="Cambria Math" panose="02040503050406030204" charset="0"/>
+                              <a:cs typeface="Cambria Math" panose="02040503050406030204" charset="0"/>
+                            </a:rPr>
+                            <m:t>2</m:t>
+                          </m:r>
+                        </m:sub>
+                      </m:sSub>
+                      <m:r>
+                        <a:rPr lang="en-US" altLang="zh-CN" i="1">
+                          <a:latin typeface="Cambria Math" panose="02040503050406030204" charset="0"/>
+                          <a:cs typeface="Cambria Math" panose="02040503050406030204" charset="0"/>
+                        </a:rPr>
+                        <m:t>=</m:t>
+                      </m:r>
+                      <m:sSup>
+                        <m:sSupPr>
+                          <m:ctrlPr>
+                            <a:rPr lang="en-US" altLang="zh-CN" i="1">
+                              <a:latin typeface="Cambria Math" panose="02040503050406030204" charset="0"/>
+                              <a:cs typeface="Cambria Math" panose="02040503050406030204" charset="0"/>
+                            </a:rPr>
+                          </m:ctrlPr>
+                        </m:sSupPr>
+                        <m:e>
+                          <m:d>
+                            <m:dPr>
+                              <m:begChr m:val="["/>
+                              <m:endChr m:val="]"/>
+                              <m:ctrlPr>
+                                <a:rPr lang="en-US" altLang="zh-CN" i="1">
+                                  <a:latin typeface="Cambria Math" panose="02040503050406030204" charset="0"/>
+                                  <a:cs typeface="Cambria Math" panose="02040503050406030204" charset="0"/>
+                                </a:rPr>
+                              </m:ctrlPr>
+                            </m:dPr>
+                            <m:e>
+                              <m:m>
+                                <m:mPr>
+                                  <m:mcs>
+                                    <m:mc>
+                                      <m:mcPr>
+                                        <m:count m:val="3"/>
+                                        <m:mcJc m:val="center"/>
+                                      </m:mcPr>
+                                    </m:mc>
+                                  </m:mcs>
+                                  <m:ctrlPr>
+                                    <a:rPr lang="en-US" altLang="zh-CN" i="1">
+                                      <a:latin typeface="Cambria Math" panose="02040503050406030204" charset="0"/>
+                                      <a:cs typeface="Cambria Math" panose="02040503050406030204" charset="0"/>
+                                    </a:rPr>
+                                  </m:ctrlPr>
+                                </m:mPr>
+                                <m:mr>
+                                  <m:e>
+                                    <m:r>
+                                      <a:rPr lang="en-US" altLang="zh-CN" i="1">
+                                        <a:latin typeface="Cambria Math" panose="02040503050406030204" charset="0"/>
+                                        <a:cs typeface="Cambria Math" panose="02040503050406030204" charset="0"/>
+                                      </a:rPr>
+                                      <m:t>0</m:t>
+                                    </m:r>
+                                  </m:e>
+                                  <m:e>
+                                    <m:sSub>
+                                      <m:sSubPr>
+                                        <m:ctrlPr>
+                                          <a:rPr lang="en-US" altLang="zh-CN" i="1">
+                                            <a:latin typeface="Cambria Math" panose="02040503050406030204" charset="0"/>
+                                            <a:cs typeface="Cambria Math" panose="02040503050406030204" charset="0"/>
+                                          </a:rPr>
+                                        </m:ctrlPr>
+                                      </m:sSubPr>
+                                      <m:e>
+                                        <m:acc>
+                                          <m:accPr>
+                                            <m:chr m:val="̇"/>
+                                            <m:ctrlPr>
+                                              <a:rPr lang="en-US" altLang="zh-CN" i="1">
+                                                <a:latin typeface="Cambria Math" panose="02040503050406030204" charset="0"/>
+                                                <a:cs typeface="Cambria Math" panose="02040503050406030204" charset="0"/>
+                                              </a:rPr>
+                                            </m:ctrlPr>
+                                          </m:accPr>
+                                          <m:e>
+                                            <m:r>
+                                              <a:rPr lang="en-US" altLang="zh-CN" i="1">
+                                                <a:latin typeface="Cambria Math" panose="02040503050406030204" charset="0"/>
+                                                <a:cs typeface="Cambria Math" panose="02040503050406030204" charset="0"/>
+                                              </a:rPr>
+                                              <m:t>𝜃</m:t>
+                                            </m:r>
+                                          </m:e>
+                                        </m:acc>
+                                      </m:e>
+                                      <m:sub>
+                                        <m:r>
+                                          <a:rPr lang="en-US" altLang="zh-CN" i="1">
+                                            <a:latin typeface="Cambria Math" panose="02040503050406030204" charset="0"/>
+                                            <a:cs typeface="Cambria Math" panose="02040503050406030204" charset="0"/>
+                                          </a:rPr>
+                                          <m:t>𝑌</m:t>
+                                        </m:r>
+                                      </m:sub>
+                                    </m:sSub>
+                                  </m:e>
+                                  <m:e>
+                                    <m:r>
+                                      <a:rPr lang="en-US" altLang="zh-CN" i="1">
+                                        <a:latin typeface="Cambria Math" panose="02040503050406030204" charset="0"/>
+                                        <a:cs typeface="Cambria Math" panose="02040503050406030204" charset="0"/>
+                                      </a:rPr>
+                                      <m:t>0</m:t>
+                                    </m:r>
+                                  </m:e>
+                                </m:mr>
+                              </m:m>
+                            </m:e>
+                          </m:d>
+                        </m:e>
+                        <m:sup>
+                          <m:r>
+                            <a:rPr lang="en-US" altLang="zh-CN" i="1">
+                              <a:latin typeface="Cambria Math" panose="02040503050406030204" charset="0"/>
+                              <a:cs typeface="Cambria Math" panose="02040503050406030204" charset="0"/>
+                            </a:rPr>
+                            <m:t>𝑇</m:t>
+                          </m:r>
+                        </m:sup>
+                      </m:sSup>
+                      <m:r>
+                        <a:rPr lang="en-US" altLang="zh-CN" i="1">
+                          <a:latin typeface="Cambria Math" panose="02040503050406030204" charset="0"/>
+                          <a:cs typeface="Cambria Math" panose="02040503050406030204" charset="0"/>
+                        </a:rPr>
+                        <m:t>+</m:t>
+                      </m:r>
+                      <m:sSub>
+                        <m:sSubPr>
+                          <m:ctrlPr>
+                            <a:rPr lang="en-US" altLang="zh-CN" i="1">
+                              <a:latin typeface="Cambria Math" panose="02040503050406030204" charset="0"/>
+                              <a:cs typeface="Cambria Math" panose="02040503050406030204" charset="0"/>
+                            </a:rPr>
+                          </m:ctrlPr>
+                        </m:sSubPr>
+                        <m:e>
+                          <m:r>
+                            <a:rPr lang="en-US" altLang="zh-CN" i="1">
+                              <a:latin typeface="Cambria Math" panose="02040503050406030204" charset="0"/>
+                              <a:cs typeface="Cambria Math" panose="02040503050406030204" charset="0"/>
+                            </a:rPr>
+                            <m:t>𝑅</m:t>
+                          </m:r>
+                        </m:e>
+                        <m:sub>
+                          <m:r>
+                            <a:rPr lang="en-US" altLang="zh-CN" i="1">
+                              <a:latin typeface="Cambria Math" panose="02040503050406030204" charset="0"/>
+                              <a:cs typeface="Cambria Math" panose="02040503050406030204" charset="0"/>
+                            </a:rPr>
+                            <m:t>𝑌</m:t>
+                          </m:r>
+                        </m:sub>
+                      </m:sSub>
+                      <m:d>
+                        <m:dPr>
+                          <m:ctrlPr>
+                            <a:rPr lang="en-US" altLang="zh-CN" i="1">
+                              <a:latin typeface="Cambria Math" panose="02040503050406030204" charset="0"/>
+                              <a:cs typeface="Cambria Math" panose="02040503050406030204" charset="0"/>
+                            </a:rPr>
+                          </m:ctrlPr>
+                        </m:dPr>
+                        <m:e>
+                          <m:sSub>
+                            <m:sSubPr>
+                              <m:ctrlPr>
+                                <a:rPr lang="en-US" altLang="zh-CN" i="1">
+                                  <a:latin typeface="Cambria Math" panose="02040503050406030204" charset="0"/>
+                                  <a:cs typeface="Cambria Math" panose="02040503050406030204" charset="0"/>
+                                </a:rPr>
+                              </m:ctrlPr>
+                            </m:sSubPr>
+                            <m:e>
+                              <m:r>
+                                <a:rPr lang="en-US" altLang="zh-CN" i="1">
+                                  <a:latin typeface="Cambria Math" panose="02040503050406030204" charset="0"/>
+                                  <a:cs typeface="Cambria Math" panose="02040503050406030204" charset="0"/>
+                                </a:rPr>
+                                <m:t>𝜃</m:t>
+                              </m:r>
+                            </m:e>
+                            <m:sub>
+                              <m:r>
+                                <a:rPr lang="en-US" altLang="zh-CN" i="1">
+                                  <a:latin typeface="Cambria Math" panose="02040503050406030204" charset="0"/>
+                                  <a:cs typeface="Cambria Math" panose="02040503050406030204" charset="0"/>
+                                </a:rPr>
+                                <m:t>𝑦</m:t>
+                              </m:r>
+                            </m:sub>
+                          </m:sSub>
+                        </m:e>
+                      </m:d>
+                      <m:sSub>
+                        <m:sSubPr>
+                          <m:ctrlPr>
+                            <a:rPr lang="en-US" altLang="zh-CN" i="1">
+                              <a:latin typeface="Cambria Math" panose="02040503050406030204" charset="0"/>
+                              <a:cs typeface="Cambria Math" panose="02040503050406030204" charset="0"/>
+                            </a:rPr>
+                          </m:ctrlPr>
+                        </m:sSubPr>
+                        <m:e>
+                          <m:r>
+                            <a:rPr lang="en-US" altLang="zh-CN" i="1">
+                              <a:latin typeface="Cambria Math" panose="02040503050406030204" charset="0"/>
+                              <a:cs typeface="Cambria Math" panose="02040503050406030204" charset="0"/>
+                            </a:rPr>
+                            <m:t>𝜔</m:t>
+                          </m:r>
+                        </m:e>
+                        <m:sub>
+                          <m:r>
+                            <a:rPr lang="en-US" altLang="zh-CN" i="1">
+                              <a:latin typeface="Cambria Math" panose="02040503050406030204" charset="0"/>
+                              <a:cs typeface="Cambria Math" panose="02040503050406030204" charset="0"/>
+                            </a:rPr>
+                            <m:t>1</m:t>
+                          </m:r>
+                        </m:sub>
+                      </m:sSub>
+                    </m:oMath>
+                    <m:oMath xmlns:m="http://schemas.openxmlformats.org/officeDocument/2006/math">
+                      <m:r>
+                        <a:rPr lang="en-US" altLang="zh-CN" i="1">
+                          <a:latin typeface="Cambria Math" panose="02040503050406030204" charset="0"/>
+                          <a:cs typeface="Cambria Math" panose="02040503050406030204" charset="0"/>
+                        </a:rPr>
+                        <m:t>=</m:t>
+                      </m:r>
+                      <m:d>
+                        <m:dPr>
+                          <m:begChr m:val="["/>
+                          <m:endChr m:val="]"/>
+                          <m:ctrlPr>
+                            <a:rPr lang="en-US" altLang="zh-CN" i="1">
+                              <a:latin typeface="Cambria Math" panose="02040503050406030204" charset="0"/>
+                              <a:cs typeface="Cambria Math" panose="02040503050406030204" charset="0"/>
+                            </a:rPr>
+                          </m:ctrlPr>
+                        </m:dPr>
+                        <m:e>
+                          <m:m>
+                            <m:mPr>
+                              <m:mcs>
+                                <m:mc>
+                                  <m:mcPr>
+                                    <m:count m:val="1"/>
+                                    <m:mcJc m:val="center"/>
+                                  </m:mcPr>
+                                </m:mc>
+                              </m:mcs>
+                              <m:ctrlPr>
+                                <a:rPr lang="en-US" altLang="zh-CN" i="1">
+                                  <a:latin typeface="Cambria Math" panose="02040503050406030204" charset="0"/>
+                                  <a:cs typeface="Cambria Math" panose="02040503050406030204" charset="0"/>
+                                </a:rPr>
+                              </m:ctrlPr>
+                            </m:mPr>
+                            <m:mr>
+                              <m:e>
+                                <m:r>
+                                  <a:rPr lang="en-US" i="1">
+                                    <a:latin typeface="Cambria Math" panose="02040503050406030204" charset="0"/>
+                                  </a:rPr>
+                                  <m:t>−</m:t>
+                                </m:r>
+                                <m:r>
+                                  <a:rPr lang="en-US" i="1">
+                                    <a:latin typeface="Cambria Math" panose="02040503050406030204" charset="0"/>
+                                  </a:rPr>
+                                  <m:t>𝑠𝑖𝑛</m:t>
+                                </m:r>
+                                <m:r>
+                                  <a:rPr lang="en-US" i="1">
+                                    <a:latin typeface="Cambria Math" panose="02040503050406030204" charset="0"/>
+                                  </a:rPr>
+                                  <m:t>(</m:t>
+                                </m:r>
+                                <m:sSub>
+                                  <m:sSubPr>
+                                    <m:ctrlPr>
+                                      <a:rPr lang="en-US" altLang="zh-CN" i="1">
+                                        <a:latin typeface="Cambria Math" panose="02040503050406030204" charset="0"/>
+                                        <a:cs typeface="Cambria Math" panose="02040503050406030204" charset="0"/>
+                                      </a:rPr>
+                                    </m:ctrlPr>
+                                  </m:sSubPr>
+                                  <m:e>
+                                    <m:r>
+                                      <a:rPr lang="en-US" altLang="zh-CN" i="1">
+                                        <a:latin typeface="Cambria Math" panose="02040503050406030204" charset="0"/>
+                                        <a:cs typeface="Cambria Math" panose="02040503050406030204" charset="0"/>
+                                      </a:rPr>
+                                      <m:t>𝜃</m:t>
+                                    </m:r>
+                                  </m:e>
+                                  <m:sub>
+                                    <m:r>
+                                      <a:rPr lang="en-US" altLang="zh-CN" i="1">
+                                        <a:latin typeface="Cambria Math" panose="02040503050406030204" charset="0"/>
+                                        <a:cs typeface="Cambria Math" panose="02040503050406030204" charset="0"/>
+                                      </a:rPr>
+                                      <m:t>𝑦</m:t>
+                                    </m:r>
+                                  </m:sub>
+                                </m:sSub>
+                                <m:r>
+                                  <a:rPr lang="en-US" i="1">
+                                    <a:latin typeface="Cambria Math" panose="02040503050406030204" charset="0"/>
+                                  </a:rPr>
+                                  <m:t>)</m:t>
+                                </m:r>
+                                <m:sSub>
+                                  <m:sSubPr>
+                                    <m:ctrlPr>
+                                      <a:rPr lang="en-US" altLang="zh-CN" i="1">
+                                        <a:latin typeface="Cambria Math" panose="02040503050406030204" charset="0"/>
+                                        <a:cs typeface="Cambria Math" panose="02040503050406030204" charset="0"/>
+                                      </a:rPr>
+                                    </m:ctrlPr>
+                                  </m:sSubPr>
+                                  <m:e>
+                                    <m:acc>
+                                      <m:accPr>
+                                        <m:chr m:val="̇"/>
+                                        <m:ctrlPr>
+                                          <a:rPr lang="en-US" altLang="zh-CN" i="1">
+                                            <a:latin typeface="Cambria Math" panose="02040503050406030204" charset="0"/>
+                                            <a:cs typeface="Cambria Math" panose="02040503050406030204" charset="0"/>
+                                          </a:rPr>
+                                        </m:ctrlPr>
+                                      </m:accPr>
+                                      <m:e>
+                                        <m:r>
+                                          <a:rPr lang="en-US" altLang="zh-CN" i="1">
+                                            <a:latin typeface="Cambria Math" panose="02040503050406030204" charset="0"/>
+                                            <a:cs typeface="Cambria Math" panose="02040503050406030204" charset="0"/>
+                                          </a:rPr>
+                                          <m:t>𝜃</m:t>
+                                        </m:r>
+                                      </m:e>
+                                    </m:acc>
+                                  </m:e>
+                                  <m:sub>
+                                    <m:r>
+                                      <a:rPr lang="en-US" altLang="zh-CN" i="1">
+                                        <a:latin typeface="Cambria Math" panose="02040503050406030204" charset="0"/>
+                                        <a:cs typeface="Cambria Math" panose="02040503050406030204" charset="0"/>
+                                      </a:rPr>
+                                      <m:t>𝑧</m:t>
+                                    </m:r>
+                                  </m:sub>
+                                </m:sSub>
+                              </m:e>
+                            </m:mr>
+                            <m:mr>
+                              <m:e>
+                                <m:sSub>
+                                  <m:sSubPr>
+                                    <m:ctrlPr>
+                                      <a:rPr lang="en-US" altLang="zh-CN" i="1">
+                                        <a:latin typeface="Cambria Math" panose="02040503050406030204" charset="0"/>
+                                        <a:cs typeface="Cambria Math" panose="02040503050406030204" charset="0"/>
+                                      </a:rPr>
+                                    </m:ctrlPr>
+                                  </m:sSubPr>
+                                  <m:e>
+                                    <m:acc>
+                                      <m:accPr>
+                                        <m:chr m:val="̇"/>
+                                        <m:ctrlPr>
+                                          <a:rPr lang="en-US" altLang="zh-CN" i="1">
+                                            <a:latin typeface="Cambria Math" panose="02040503050406030204" charset="0"/>
+                                            <a:cs typeface="Cambria Math" panose="02040503050406030204" charset="0"/>
+                                          </a:rPr>
+                                        </m:ctrlPr>
+                                      </m:accPr>
+                                      <m:e>
+                                        <m:r>
+                                          <a:rPr lang="en-US" altLang="zh-CN" i="1">
+                                            <a:latin typeface="Cambria Math" panose="02040503050406030204" charset="0"/>
+                                            <a:cs typeface="Cambria Math" panose="02040503050406030204" charset="0"/>
+                                          </a:rPr>
+                                          <m:t>𝜃</m:t>
+                                        </m:r>
+                                      </m:e>
+                                    </m:acc>
+                                  </m:e>
+                                  <m:sub>
+                                    <m:r>
+                                      <a:rPr lang="en-US" altLang="zh-CN" i="1">
+                                        <a:latin typeface="Cambria Math" panose="02040503050406030204" charset="0"/>
+                                        <a:cs typeface="Cambria Math" panose="02040503050406030204" charset="0"/>
+                                      </a:rPr>
+                                      <m:t>𝑌</m:t>
+                                    </m:r>
+                                  </m:sub>
+                                </m:sSub>
+                              </m:e>
+                            </m:mr>
+                            <m:mr>
+                              <m:e>
+                                <m:r>
+                                  <a:rPr lang="en-US" altLang="zh-CN" i="1">
+                                    <a:latin typeface="Cambria Math" panose="02040503050406030204" charset="0"/>
+                                    <a:cs typeface="Cambria Math" panose="02040503050406030204" charset="0"/>
+                                  </a:rPr>
+                                  <m:t>𝑐𝑜𝑠</m:t>
+                                </m:r>
+                                <m:r>
+                                  <a:rPr lang="en-US" altLang="zh-CN" i="1">
+                                    <a:latin typeface="Cambria Math" panose="02040503050406030204" charset="0"/>
+                                    <a:cs typeface="Cambria Math" panose="02040503050406030204" charset="0"/>
+                                  </a:rPr>
+                                  <m:t>(</m:t>
+                                </m:r>
+                                <m:sSub>
+                                  <m:sSubPr>
+                                    <m:ctrlPr>
+                                      <a:rPr lang="en-US" altLang="zh-CN" i="1">
+                                        <a:latin typeface="Cambria Math" panose="02040503050406030204" charset="0"/>
+                                        <a:cs typeface="Cambria Math" panose="02040503050406030204" charset="0"/>
+                                      </a:rPr>
+                                    </m:ctrlPr>
+                                  </m:sSubPr>
+                                  <m:e>
+                                    <m:r>
+                                      <a:rPr lang="en-US" altLang="zh-CN" i="1">
+                                        <a:latin typeface="Cambria Math" panose="02040503050406030204" charset="0"/>
+                                        <a:cs typeface="Cambria Math" panose="02040503050406030204" charset="0"/>
+                                      </a:rPr>
+                                      <m:t>𝜃</m:t>
+                                    </m:r>
+                                  </m:e>
+                                  <m:sub>
+                                    <m:r>
+                                      <a:rPr lang="en-US" altLang="zh-CN" i="1">
+                                        <a:latin typeface="Cambria Math" panose="02040503050406030204" charset="0"/>
+                                        <a:cs typeface="Cambria Math" panose="02040503050406030204" charset="0"/>
+                                      </a:rPr>
+                                      <m:t>𝑦</m:t>
+                                    </m:r>
+                                  </m:sub>
+                                </m:sSub>
+                                <m:r>
+                                  <a:rPr lang="en-US" altLang="zh-CN" i="1">
+                                    <a:latin typeface="Cambria Math" panose="02040503050406030204" charset="0"/>
+                                    <a:cs typeface="Cambria Math" panose="02040503050406030204" charset="0"/>
+                                  </a:rPr>
+                                  <m:t>)</m:t>
+                                </m:r>
+                                <m:sSub>
+                                  <m:sSubPr>
+                                    <m:ctrlPr>
+                                      <a:rPr lang="en-US" altLang="zh-CN" i="1">
+                                        <a:latin typeface="Cambria Math" panose="02040503050406030204" charset="0"/>
+                                        <a:cs typeface="Cambria Math" panose="02040503050406030204" charset="0"/>
+                                      </a:rPr>
+                                    </m:ctrlPr>
+                                  </m:sSubPr>
+                                  <m:e>
+                                    <m:acc>
+                                      <m:accPr>
+                                        <m:chr m:val="̇"/>
+                                        <m:ctrlPr>
+                                          <a:rPr lang="en-US" altLang="zh-CN" i="1">
+                                            <a:latin typeface="Cambria Math" panose="02040503050406030204" charset="0"/>
+                                            <a:cs typeface="Cambria Math" panose="02040503050406030204" charset="0"/>
+                                          </a:rPr>
+                                        </m:ctrlPr>
+                                      </m:accPr>
+                                      <m:e>
+                                        <m:r>
+                                          <a:rPr lang="en-US" altLang="zh-CN" i="1">
+                                            <a:latin typeface="Cambria Math" panose="02040503050406030204" charset="0"/>
+                                            <a:cs typeface="Cambria Math" panose="02040503050406030204" charset="0"/>
+                                          </a:rPr>
+                                          <m:t>𝜃</m:t>
+                                        </m:r>
+                                      </m:e>
+                                    </m:acc>
+                                  </m:e>
+                                  <m:sub>
+                                    <m:r>
+                                      <a:rPr lang="en-US" altLang="zh-CN" i="1">
+                                        <a:latin typeface="Cambria Math" panose="02040503050406030204" charset="0"/>
+                                        <a:cs typeface="Cambria Math" panose="02040503050406030204" charset="0"/>
+                                      </a:rPr>
+                                      <m:t>𝑧</m:t>
+                                    </m:r>
+                                  </m:sub>
+                                </m:sSub>
+                              </m:e>
+                            </m:mr>
+                          </m:m>
+                        </m:e>
+                      </m:d>
+                    </m:oMath>
+                  </m:oMathPara>
+                </a14:m>
+                <a:endParaRPr lang="zh-CN" altLang="en-US"/>
+              </a:p>
+            </p:txBody>
+          </p:sp>
+        </mc:Choice>
+        <mc:Fallback>
+          <p:sp>
+            <p:nvSpPr>
+              <p:cNvPr id="15" name="文本框 14"/>
+              <p:cNvSpPr txBox="1">
+                <a:spLocks noRot="1" noChangeAspect="1" noMove="1" noResize="1" noEditPoints="1" noAdjustHandles="1" noChangeArrowheads="1" noChangeShapeType="1" noTextEdit="1"/>
+              </p:cNvSpPr>
+              <p:nvPr/>
+            </p:nvSpPr>
+            <p:spPr>
+              <a:xfrm>
+                <a:off x="2351405" y="3171825"/>
+                <a:ext cx="4712970" cy="1420495"/>
+              </a:xfrm>
+              <a:prstGeom prst="rect">
+                <a:avLst/>
+              </a:prstGeom>
+              <a:blipFill rotWithShape="1">
+                <a:blip r:embed="rId3"/>
+                <a:stretch>
+                  <a:fillRect/>
+                </a:stretch>
+              </a:blipFill>
+            </p:spPr>
+            <p:txBody>
+              <a:bodyPr/>
+              <a:lstStyle/>
+              <a:p>
+                <a:r>
+                  <a:rPr lang="zh-CN" altLang="en-US">
+                    <a:noFill/>
+                  </a:rPr>
+                  <a:t> </a:t>
+                </a:r>
+              </a:p>
+            </p:txBody>
+          </p:sp>
+        </mc:Fallback>
+      </mc:AlternateContent>
+      <p:sp>
+        <p:nvSpPr>
+          <p:cNvPr id="16" name="文本框 15"/>
+          <p:cNvSpPr txBox="1"/>
+          <p:nvPr/>
+        </p:nvSpPr>
+        <p:spPr>
+          <a:xfrm>
+            <a:off x="574675" y="4785995"/>
+            <a:ext cx="5770245" cy="368300"/>
+          </a:xfrm>
+          <a:prstGeom prst="rect">
+            <a:avLst/>
+          </a:prstGeom>
+          <a:noFill/>
+        </p:spPr>
+        <p:txBody>
+          <a:bodyPr wrap="square" rtlCol="0">
+            <a:spAutoFit/>
+          </a:bodyPr>
+          <a:p>
+            <a:r>
+              <a:rPr lang="zh-CN" altLang="en-US"/>
+              <a:t>第三次绕</a:t>
+            </a:r>
+            <a:r>
+              <a:rPr lang="en-US" altLang="zh-CN"/>
+              <a:t>X</a:t>
+            </a:r>
+            <a:r>
+              <a:rPr lang="zh-CN" altLang="en-US"/>
+              <a:t>轴旋转，体坐标系下的角速度矢量：</a:t>
+            </a:r>
+            <a:endParaRPr lang="zh-CN" altLang="en-US"/>
+          </a:p>
+        </p:txBody>
+      </p:sp>
+      <mc:AlternateContent xmlns:mc="http://schemas.openxmlformats.org/markup-compatibility/2006">
+        <mc:Choice xmlns:a14="http://schemas.microsoft.com/office/drawing/2010/main" Requires="a14">
+          <p:sp>
+            <p:nvSpPr>
+              <p:cNvPr id="17" name="文本框 16"/>
+              <p:cNvSpPr txBox="1"/>
+              <p:nvPr/>
+            </p:nvSpPr>
+            <p:spPr>
+              <a:xfrm>
+                <a:off x="1362710" y="5230495"/>
+                <a:ext cx="6776085" cy="1390015"/>
+              </a:xfrm>
+              <a:prstGeom prst="rect">
+                <a:avLst/>
+              </a:prstGeom>
+              <a:noFill/>
+            </p:spPr>
+            <p:txBody>
+              <a:bodyPr wrap="square" rtlCol="0" anchor="t">
+                <a:spAutoFit/>
+              </a:bodyPr>
+              <a:p>
+                <a14:m>
+                  <m:oMathPara xmlns:m="http://schemas.openxmlformats.org/officeDocument/2006/math">
+                    <m:oMathParaPr>
+                      <m:jc m:val="centerGroup"/>
+                    </m:oMathParaPr>
+                    <m:oMath xmlns:m="http://schemas.openxmlformats.org/officeDocument/2006/math">
+                      <m:sSub>
+                        <m:sSubPr>
+                          <m:ctrlPr>
+                            <a:rPr lang="en-US" altLang="zh-CN" i="1">
+                              <a:latin typeface="Cambria Math" panose="02040503050406030204" charset="0"/>
+                              <a:cs typeface="Cambria Math" panose="02040503050406030204" charset="0"/>
+                            </a:rPr>
+                          </m:ctrlPr>
+                        </m:sSubPr>
+                        <m:e>
+                          <m:r>
+                            <a:rPr lang="en-US" altLang="zh-CN" i="1">
+                              <a:latin typeface="Cambria Math" panose="02040503050406030204" charset="0"/>
+                              <a:cs typeface="Cambria Math" panose="02040503050406030204" charset="0"/>
+                            </a:rPr>
+                            <m:t>𝜔</m:t>
+                          </m:r>
+                        </m:e>
+                        <m:sub>
+                          <m:r>
+                            <a:rPr lang="en-US" altLang="zh-CN" i="1">
+                              <a:latin typeface="Cambria Math" panose="02040503050406030204" charset="0"/>
+                              <a:cs typeface="Cambria Math" panose="02040503050406030204" charset="0"/>
+                            </a:rPr>
+                            <m:t>3</m:t>
+                          </m:r>
+                        </m:sub>
+                      </m:sSub>
+                      <m:r>
+                        <a:rPr lang="en-US" altLang="zh-CN" i="1">
+                          <a:latin typeface="Cambria Math" panose="02040503050406030204" charset="0"/>
+                          <a:cs typeface="Cambria Math" panose="02040503050406030204" charset="0"/>
+                        </a:rPr>
+                        <m:t>=</m:t>
+                      </m:r>
+                      <m:sSup>
+                        <m:sSupPr>
+                          <m:ctrlPr>
+                            <a:rPr lang="en-US" altLang="zh-CN" i="1">
+                              <a:latin typeface="Cambria Math" panose="02040503050406030204" charset="0"/>
+                              <a:cs typeface="Cambria Math" panose="02040503050406030204" charset="0"/>
+                            </a:rPr>
+                          </m:ctrlPr>
+                        </m:sSupPr>
+                        <m:e>
+                          <m:d>
+                            <m:dPr>
+                              <m:begChr m:val="["/>
+                              <m:endChr m:val="]"/>
+                              <m:ctrlPr>
+                                <a:rPr lang="en-US" altLang="zh-CN" i="1">
+                                  <a:latin typeface="Cambria Math" panose="02040503050406030204" charset="0"/>
+                                  <a:cs typeface="Cambria Math" panose="02040503050406030204" charset="0"/>
+                                </a:rPr>
+                              </m:ctrlPr>
+                            </m:dPr>
+                            <m:e>
+                              <m:m>
+                                <m:mPr>
+                                  <m:mcs>
+                                    <m:mc>
+                                      <m:mcPr>
+                                        <m:count m:val="3"/>
+                                        <m:mcJc m:val="center"/>
+                                      </m:mcPr>
+                                    </m:mc>
+                                  </m:mcs>
+                                  <m:ctrlPr>
+                                    <a:rPr lang="en-US" altLang="zh-CN" i="1">
+                                      <a:latin typeface="Cambria Math" panose="02040503050406030204" charset="0"/>
+                                      <a:cs typeface="Cambria Math" panose="02040503050406030204" charset="0"/>
+                                    </a:rPr>
+                                  </m:ctrlPr>
+                                </m:mPr>
+                                <m:mr>
+                                  <m:e>
+                                    <m:sSub>
+                                      <m:sSubPr>
+                                        <m:ctrlPr>
+                                          <a:rPr lang="en-US" altLang="zh-CN" i="1">
+                                            <a:latin typeface="Cambria Math" panose="02040503050406030204" charset="0"/>
+                                            <a:cs typeface="Cambria Math" panose="02040503050406030204" charset="0"/>
+                                          </a:rPr>
+                                        </m:ctrlPr>
+                                      </m:sSubPr>
+                                      <m:e>
+                                        <m:acc>
+                                          <m:accPr>
+                                            <m:chr m:val="̇"/>
+                                            <m:ctrlPr>
+                                              <a:rPr lang="en-US" altLang="zh-CN" i="1">
+                                                <a:latin typeface="Cambria Math" panose="02040503050406030204" charset="0"/>
+                                                <a:cs typeface="Cambria Math" panose="02040503050406030204" charset="0"/>
+                                              </a:rPr>
+                                            </m:ctrlPr>
+                                          </m:accPr>
+                                          <m:e>
+                                            <m:r>
+                                              <a:rPr lang="en-US" altLang="zh-CN" i="1">
+                                                <a:latin typeface="Cambria Math" panose="02040503050406030204" charset="0"/>
+                                                <a:cs typeface="Cambria Math" panose="02040503050406030204" charset="0"/>
+                                              </a:rPr>
+                                              <m:t>𝜃</m:t>
+                                            </m:r>
+                                          </m:e>
+                                        </m:acc>
+                                      </m:e>
+                                      <m:sub>
+                                        <m:r>
+                                          <a:rPr lang="en-US" altLang="zh-CN" i="1">
+                                            <a:latin typeface="Cambria Math" panose="02040503050406030204" charset="0"/>
+                                            <a:cs typeface="Cambria Math" panose="02040503050406030204" charset="0"/>
+                                          </a:rPr>
+                                          <m:t>𝑋</m:t>
+                                        </m:r>
+                                      </m:sub>
+                                    </m:sSub>
+                                  </m:e>
+                                  <m:e>
+                                    <m:r>
+                                      <a:rPr lang="en-US" altLang="zh-CN" i="1">
+                                        <a:latin typeface="Cambria Math" panose="02040503050406030204" charset="0"/>
+                                        <a:cs typeface="Cambria Math" panose="02040503050406030204" charset="0"/>
+                                      </a:rPr>
+                                      <m:t>0</m:t>
+                                    </m:r>
+                                  </m:e>
+                                  <m:e>
+                                    <m:r>
+                                      <a:rPr lang="en-US" altLang="zh-CN" i="1">
+                                        <a:latin typeface="Cambria Math" panose="02040503050406030204" charset="0"/>
+                                        <a:cs typeface="Cambria Math" panose="02040503050406030204" charset="0"/>
+                                      </a:rPr>
+                                      <m:t>0</m:t>
+                                    </m:r>
+                                  </m:e>
+                                </m:mr>
+                              </m:m>
+                            </m:e>
+                          </m:d>
+                        </m:e>
+                        <m:sup>
+                          <m:r>
+                            <a:rPr lang="en-US" altLang="zh-CN" i="1">
+                              <a:latin typeface="Cambria Math" panose="02040503050406030204" charset="0"/>
+                              <a:cs typeface="Cambria Math" panose="02040503050406030204" charset="0"/>
+                            </a:rPr>
+                            <m:t>𝑇</m:t>
+                          </m:r>
+                        </m:sup>
+                      </m:sSup>
+                      <m:r>
+                        <a:rPr lang="en-US" altLang="zh-CN" i="1">
+                          <a:latin typeface="Cambria Math" panose="02040503050406030204" charset="0"/>
+                          <a:cs typeface="Cambria Math" panose="02040503050406030204" charset="0"/>
+                        </a:rPr>
+                        <m:t>+</m:t>
+                      </m:r>
+                      <m:sSub>
+                        <m:sSubPr>
+                          <m:ctrlPr>
+                            <a:rPr lang="en-US" altLang="zh-CN" i="1">
+                              <a:latin typeface="Cambria Math" panose="02040503050406030204" charset="0"/>
+                              <a:cs typeface="Cambria Math" panose="02040503050406030204" charset="0"/>
+                            </a:rPr>
+                          </m:ctrlPr>
+                        </m:sSubPr>
+                        <m:e>
+                          <m:r>
+                            <a:rPr lang="en-US" altLang="zh-CN" i="1">
+                              <a:latin typeface="Cambria Math" panose="02040503050406030204" charset="0"/>
+                              <a:cs typeface="Cambria Math" panose="02040503050406030204" charset="0"/>
+                            </a:rPr>
+                            <m:t>𝑅</m:t>
+                          </m:r>
+                        </m:e>
+                        <m:sub>
+                          <m:r>
+                            <a:rPr lang="en-US" altLang="zh-CN" i="1">
+                              <a:latin typeface="Cambria Math" panose="02040503050406030204" charset="0"/>
+                              <a:cs typeface="Cambria Math" panose="02040503050406030204" charset="0"/>
+                            </a:rPr>
+                            <m:t>𝑋</m:t>
+                          </m:r>
+                        </m:sub>
+                      </m:sSub>
+                      <m:d>
+                        <m:dPr>
+                          <m:ctrlPr>
+                            <a:rPr lang="en-US" altLang="zh-CN" i="1">
+                              <a:latin typeface="Cambria Math" panose="02040503050406030204" charset="0"/>
+                              <a:cs typeface="Cambria Math" panose="02040503050406030204" charset="0"/>
+                            </a:rPr>
+                          </m:ctrlPr>
+                        </m:dPr>
+                        <m:e>
+                          <m:sSub>
+                            <m:sSubPr>
+                              <m:ctrlPr>
+                                <a:rPr lang="en-US" altLang="zh-CN" i="1">
+                                  <a:latin typeface="Cambria Math" panose="02040503050406030204" charset="0"/>
+                                  <a:cs typeface="Cambria Math" panose="02040503050406030204" charset="0"/>
+                                </a:rPr>
+                              </m:ctrlPr>
+                            </m:sSubPr>
+                            <m:e>
+                              <m:r>
+                                <a:rPr lang="en-US" altLang="zh-CN" i="1">
+                                  <a:latin typeface="Cambria Math" panose="02040503050406030204" charset="0"/>
+                                  <a:cs typeface="Cambria Math" panose="02040503050406030204" charset="0"/>
+                                </a:rPr>
+                                <m:t>𝜃</m:t>
+                              </m:r>
+                            </m:e>
+                            <m:sub>
+                              <m:r>
+                                <a:rPr lang="en-US" altLang="zh-CN" i="1">
+                                  <a:latin typeface="Cambria Math" panose="02040503050406030204" charset="0"/>
+                                  <a:cs typeface="Cambria Math" panose="02040503050406030204" charset="0"/>
+                                </a:rPr>
+                                <m:t>𝑥</m:t>
+                              </m:r>
+                            </m:sub>
+                          </m:sSub>
+                        </m:e>
+                      </m:d>
+                      <m:sSub>
+                        <m:sSubPr>
+                          <m:ctrlPr>
+                            <a:rPr lang="en-US" altLang="zh-CN" i="1">
+                              <a:latin typeface="Cambria Math" panose="02040503050406030204" charset="0"/>
+                              <a:cs typeface="Cambria Math" panose="02040503050406030204" charset="0"/>
+                            </a:rPr>
+                          </m:ctrlPr>
+                        </m:sSubPr>
+                        <m:e>
+                          <m:r>
+                            <a:rPr lang="en-US" altLang="zh-CN" i="1">
+                              <a:latin typeface="Cambria Math" panose="02040503050406030204" charset="0"/>
+                              <a:cs typeface="Cambria Math" panose="02040503050406030204" charset="0"/>
+                            </a:rPr>
+                            <m:t>𝜔</m:t>
+                          </m:r>
+                        </m:e>
+                        <m:sub>
+                          <m:r>
+                            <a:rPr lang="en-US" altLang="zh-CN" i="1">
+                              <a:latin typeface="Cambria Math" panose="02040503050406030204" charset="0"/>
+                              <a:cs typeface="Cambria Math" panose="02040503050406030204" charset="0"/>
+                            </a:rPr>
+                            <m:t>2</m:t>
+                          </m:r>
+                        </m:sub>
+                      </m:sSub>
+                    </m:oMath>
+                    <m:oMath xmlns:m="http://schemas.openxmlformats.org/officeDocument/2006/math">
+                      <m:r>
+                        <a:rPr lang="en-US" altLang="zh-CN" i="1">
+                          <a:latin typeface="Cambria Math" panose="02040503050406030204" charset="0"/>
+                          <a:cs typeface="Cambria Math" panose="02040503050406030204" charset="0"/>
+                        </a:rPr>
+                        <m:t>=</m:t>
+                      </m:r>
+                      <m:d>
+                        <m:dPr>
+                          <m:begChr m:val="["/>
+                          <m:endChr m:val="]"/>
+                          <m:ctrlPr>
+                            <a:rPr lang="en-US" altLang="zh-CN" i="1">
+                              <a:latin typeface="Cambria Math" panose="02040503050406030204" charset="0"/>
+                              <a:cs typeface="Cambria Math" panose="02040503050406030204" charset="0"/>
+                            </a:rPr>
+                          </m:ctrlPr>
+                        </m:dPr>
+                        <m:e>
+                          <m:m>
+                            <m:mPr>
+                              <m:mcs>
+                                <m:mc>
+                                  <m:mcPr>
+                                    <m:count m:val="1"/>
+                                    <m:mcJc m:val="center"/>
+                                  </m:mcPr>
+                                </m:mc>
+                              </m:mcs>
+                              <m:ctrlPr>
+                                <a:rPr lang="en-US" altLang="zh-CN" i="1">
+                                  <a:latin typeface="Cambria Math" panose="02040503050406030204" charset="0"/>
+                                  <a:cs typeface="Cambria Math" panose="02040503050406030204" charset="0"/>
+                                </a:rPr>
+                              </m:ctrlPr>
+                            </m:mPr>
+                            <m:mr>
+                              <m:e>
+                                <m:sSub>
+                                  <m:sSubPr>
+                                    <m:ctrlPr>
+                                      <a:rPr lang="en-US" altLang="zh-CN" i="1">
+                                        <a:latin typeface="Cambria Math" panose="02040503050406030204" charset="0"/>
+                                        <a:cs typeface="Cambria Math" panose="02040503050406030204" charset="0"/>
+                                      </a:rPr>
+                                    </m:ctrlPr>
+                                  </m:sSubPr>
+                                  <m:e>
+                                    <m:acc>
+                                      <m:accPr>
+                                        <m:chr m:val="̇"/>
+                                        <m:ctrlPr>
+                                          <a:rPr lang="en-US" altLang="zh-CN" i="1">
+                                            <a:latin typeface="Cambria Math" panose="02040503050406030204" charset="0"/>
+                                            <a:cs typeface="Cambria Math" panose="02040503050406030204" charset="0"/>
+                                          </a:rPr>
+                                        </m:ctrlPr>
+                                      </m:accPr>
+                                      <m:e>
+                                        <m:r>
+                                          <a:rPr lang="en-US" altLang="zh-CN" i="1">
+                                            <a:latin typeface="Cambria Math" panose="02040503050406030204" charset="0"/>
+                                            <a:cs typeface="Cambria Math" panose="02040503050406030204" charset="0"/>
+                                          </a:rPr>
+                                          <m:t>𝜃</m:t>
+                                        </m:r>
+                                      </m:e>
+                                    </m:acc>
+                                  </m:e>
+                                  <m:sub>
+                                    <m:r>
+                                      <a:rPr lang="en-US" altLang="zh-CN" i="1">
+                                        <a:latin typeface="Cambria Math" panose="02040503050406030204" charset="0"/>
+                                        <a:cs typeface="Cambria Math" panose="02040503050406030204" charset="0"/>
+                                      </a:rPr>
+                                      <m:t>𝑋</m:t>
+                                    </m:r>
+                                  </m:sub>
+                                </m:sSub>
+                                <m:r>
+                                  <a:rPr lang="en-US" i="1">
+                                    <a:latin typeface="Cambria Math" panose="02040503050406030204" charset="0"/>
+                                  </a:rPr>
+                                  <m:t>−</m:t>
+                                </m:r>
+                                <m:r>
+                                  <a:rPr lang="en-US" i="1">
+                                    <a:latin typeface="Cambria Math" panose="02040503050406030204" charset="0"/>
+                                  </a:rPr>
+                                  <m:t>𝑠𝑖𝑛</m:t>
+                                </m:r>
+                                <m:r>
+                                  <a:rPr lang="en-US" i="1">
+                                    <a:latin typeface="Cambria Math" panose="02040503050406030204" charset="0"/>
+                                  </a:rPr>
+                                  <m:t>(</m:t>
+                                </m:r>
+                                <m:sSub>
+                                  <m:sSubPr>
+                                    <m:ctrlPr>
+                                      <a:rPr lang="en-US" altLang="zh-CN" i="1">
+                                        <a:latin typeface="Cambria Math" panose="02040503050406030204" charset="0"/>
+                                        <a:cs typeface="Cambria Math" panose="02040503050406030204" charset="0"/>
+                                      </a:rPr>
+                                    </m:ctrlPr>
+                                  </m:sSubPr>
+                                  <m:e>
+                                    <m:r>
+                                      <a:rPr lang="en-US" altLang="zh-CN" i="1">
+                                        <a:latin typeface="Cambria Math" panose="02040503050406030204" charset="0"/>
+                                        <a:cs typeface="Cambria Math" panose="02040503050406030204" charset="0"/>
+                                      </a:rPr>
+                                      <m:t>𝜃</m:t>
+                                    </m:r>
+                                  </m:e>
+                                  <m:sub>
+                                    <m:r>
+                                      <a:rPr lang="en-US" altLang="zh-CN" i="1">
+                                        <a:latin typeface="Cambria Math" panose="02040503050406030204" charset="0"/>
+                                        <a:cs typeface="Cambria Math" panose="02040503050406030204" charset="0"/>
+                                      </a:rPr>
+                                      <m:t>𝑦</m:t>
+                                    </m:r>
+                                  </m:sub>
+                                </m:sSub>
+                                <m:r>
+                                  <a:rPr lang="en-US" i="1">
+                                    <a:latin typeface="Cambria Math" panose="02040503050406030204" charset="0"/>
+                                  </a:rPr>
+                                  <m:t>)</m:t>
+                                </m:r>
+                                <m:sSub>
+                                  <m:sSubPr>
+                                    <m:ctrlPr>
+                                      <a:rPr lang="en-US" altLang="zh-CN" i="1">
+                                        <a:latin typeface="Cambria Math" panose="02040503050406030204" charset="0"/>
+                                        <a:cs typeface="Cambria Math" panose="02040503050406030204" charset="0"/>
+                                      </a:rPr>
+                                    </m:ctrlPr>
+                                  </m:sSubPr>
+                                  <m:e>
+                                    <m:acc>
+                                      <m:accPr>
+                                        <m:chr m:val="̇"/>
+                                        <m:ctrlPr>
+                                          <a:rPr lang="en-US" altLang="zh-CN" i="1">
+                                            <a:latin typeface="Cambria Math" panose="02040503050406030204" charset="0"/>
+                                            <a:cs typeface="Cambria Math" panose="02040503050406030204" charset="0"/>
+                                          </a:rPr>
+                                        </m:ctrlPr>
+                                      </m:accPr>
+                                      <m:e>
+                                        <m:r>
+                                          <a:rPr lang="en-US" altLang="zh-CN" i="1">
+                                            <a:latin typeface="Cambria Math" panose="02040503050406030204" charset="0"/>
+                                            <a:cs typeface="Cambria Math" panose="02040503050406030204" charset="0"/>
+                                          </a:rPr>
+                                          <m:t>𝜃</m:t>
+                                        </m:r>
+                                      </m:e>
+                                    </m:acc>
+                                  </m:e>
+                                  <m:sub>
+                                    <m:r>
+                                      <a:rPr lang="en-US" altLang="zh-CN" i="1">
+                                        <a:latin typeface="Cambria Math" panose="02040503050406030204" charset="0"/>
+                                        <a:cs typeface="Cambria Math" panose="02040503050406030204" charset="0"/>
+                                      </a:rPr>
+                                      <m:t>𝑧</m:t>
+                                    </m:r>
+                                  </m:sub>
+                                </m:sSub>
+                              </m:e>
+                            </m:mr>
+                            <m:mr>
+                              <m:e>
+                                <m:r>
+                                  <a:rPr lang="en-US" i="1">
+                                    <a:latin typeface="Cambria Math" panose="02040503050406030204" charset="0"/>
+                                  </a:rPr>
+                                  <m:t>𝑐𝑜𝑠</m:t>
+                                </m:r>
+                                <m:r>
+                                  <a:rPr lang="en-US" i="1">
+                                    <a:latin typeface="Cambria Math" panose="02040503050406030204" charset="0"/>
+                                  </a:rPr>
+                                  <m:t>(</m:t>
+                                </m:r>
+                                <m:sSub>
+                                  <m:sSubPr>
+                                    <m:ctrlPr>
+                                      <a:rPr lang="en-US" altLang="zh-CN" i="1">
+                                        <a:latin typeface="Cambria Math" panose="02040503050406030204" charset="0"/>
+                                        <a:cs typeface="Cambria Math" panose="02040503050406030204" charset="0"/>
+                                      </a:rPr>
+                                    </m:ctrlPr>
+                                  </m:sSubPr>
+                                  <m:e>
+                                    <m:r>
+                                      <a:rPr lang="en-US" altLang="zh-CN" i="1">
+                                        <a:latin typeface="Cambria Math" panose="02040503050406030204" charset="0"/>
+                                        <a:cs typeface="Cambria Math" panose="02040503050406030204" charset="0"/>
+                                      </a:rPr>
+                                      <m:t>𝜃</m:t>
+                                    </m:r>
+                                  </m:e>
+                                  <m:sub>
+                                    <m:r>
+                                      <a:rPr lang="en-US" altLang="zh-CN" i="1">
+                                        <a:latin typeface="Cambria Math" panose="02040503050406030204" charset="0"/>
+                                        <a:cs typeface="Cambria Math" panose="02040503050406030204" charset="0"/>
+                                      </a:rPr>
+                                      <m:t>𝑥</m:t>
+                                    </m:r>
+                                  </m:sub>
+                                </m:sSub>
+                                <m:r>
+                                  <a:rPr lang="en-US" i="1">
+                                    <a:latin typeface="Cambria Math" panose="02040503050406030204" charset="0"/>
+                                  </a:rPr>
+                                  <m:t>)</m:t>
+                                </m:r>
+                                <m:sSub>
+                                  <m:sSubPr>
+                                    <m:ctrlPr>
+                                      <a:rPr lang="en-US" altLang="zh-CN" i="1">
+                                        <a:latin typeface="Cambria Math" panose="02040503050406030204" charset="0"/>
+                                        <a:cs typeface="Cambria Math" panose="02040503050406030204" charset="0"/>
+                                      </a:rPr>
+                                    </m:ctrlPr>
+                                  </m:sSubPr>
+                                  <m:e>
+                                    <m:acc>
+                                      <m:accPr>
+                                        <m:chr m:val="̇"/>
+                                        <m:ctrlPr>
+                                          <a:rPr lang="en-US" altLang="zh-CN" i="1">
+                                            <a:latin typeface="Cambria Math" panose="02040503050406030204" charset="0"/>
+                                            <a:cs typeface="Cambria Math" panose="02040503050406030204" charset="0"/>
+                                          </a:rPr>
+                                        </m:ctrlPr>
+                                      </m:accPr>
+                                      <m:e>
+                                        <m:r>
+                                          <a:rPr lang="en-US" altLang="zh-CN" i="1">
+                                            <a:latin typeface="Cambria Math" panose="02040503050406030204" charset="0"/>
+                                            <a:cs typeface="Cambria Math" panose="02040503050406030204" charset="0"/>
+                                          </a:rPr>
+                                          <m:t>𝜃</m:t>
+                                        </m:r>
+                                      </m:e>
+                                    </m:acc>
+                                  </m:e>
+                                  <m:sub>
+                                    <m:r>
+                                      <a:rPr lang="en-US" altLang="zh-CN" i="1">
+                                        <a:latin typeface="Cambria Math" panose="02040503050406030204" charset="0"/>
+                                        <a:cs typeface="Cambria Math" panose="02040503050406030204" charset="0"/>
+                                      </a:rPr>
+                                      <m:t>𝑌</m:t>
+                                    </m:r>
+                                  </m:sub>
+                                </m:sSub>
+                                <m:r>
+                                  <a:rPr lang="en-US" i="1">
+                                    <a:latin typeface="Cambria Math" panose="02040503050406030204" charset="0"/>
+                                  </a:rPr>
+                                  <m:t>+</m:t>
+                                </m:r>
+                                <m:r>
+                                  <a:rPr lang="en-US" i="1">
+                                    <a:latin typeface="Cambria Math" panose="02040503050406030204" charset="0"/>
+                                  </a:rPr>
+                                  <m:t>𝑠𝑖𝑛</m:t>
+                                </m:r>
+                                <m:r>
+                                  <a:rPr lang="en-US" i="1">
+                                    <a:latin typeface="Cambria Math" panose="02040503050406030204" charset="0"/>
+                                  </a:rPr>
+                                  <m:t>(</m:t>
+                                </m:r>
+                                <m:sSub>
+                                  <m:sSubPr>
+                                    <m:ctrlPr>
+                                      <a:rPr lang="en-US" altLang="zh-CN" i="1">
+                                        <a:latin typeface="Cambria Math" panose="02040503050406030204" charset="0"/>
+                                        <a:cs typeface="Cambria Math" panose="02040503050406030204" charset="0"/>
+                                      </a:rPr>
+                                    </m:ctrlPr>
+                                  </m:sSubPr>
+                                  <m:e>
+                                    <m:r>
+                                      <a:rPr lang="en-US" altLang="zh-CN" i="1">
+                                        <a:latin typeface="Cambria Math" panose="02040503050406030204" charset="0"/>
+                                        <a:cs typeface="Cambria Math" panose="02040503050406030204" charset="0"/>
+                                      </a:rPr>
+                                      <m:t>𝜃</m:t>
+                                    </m:r>
+                                  </m:e>
+                                  <m:sub>
+                                    <m:r>
+                                      <a:rPr lang="en-US" altLang="zh-CN" i="1">
+                                        <a:latin typeface="Cambria Math" panose="02040503050406030204" charset="0"/>
+                                        <a:cs typeface="Cambria Math" panose="02040503050406030204" charset="0"/>
+                                      </a:rPr>
+                                      <m:t>𝑥</m:t>
+                                    </m:r>
+                                  </m:sub>
+                                </m:sSub>
+                                <m:r>
+                                  <a:rPr lang="en-US" i="1">
+                                    <a:latin typeface="Cambria Math" panose="02040503050406030204" charset="0"/>
+                                  </a:rPr>
+                                  <m:t>)</m:t>
+                                </m:r>
+                                <m:r>
+                                  <a:rPr lang="en-US" altLang="zh-CN" i="1">
+                                    <a:latin typeface="Cambria Math" panose="02040503050406030204" charset="0"/>
+                                    <a:cs typeface="Cambria Math" panose="02040503050406030204" charset="0"/>
+                                  </a:rPr>
+                                  <m:t>𝑐𝑜𝑠</m:t>
+                                </m:r>
+                                <m:r>
+                                  <a:rPr lang="en-US" altLang="zh-CN" i="1">
+                                    <a:latin typeface="Cambria Math" panose="02040503050406030204" charset="0"/>
+                                    <a:cs typeface="Cambria Math" panose="02040503050406030204" charset="0"/>
+                                  </a:rPr>
+                                  <m:t>(</m:t>
+                                </m:r>
+                                <m:sSub>
+                                  <m:sSubPr>
+                                    <m:ctrlPr>
+                                      <a:rPr lang="en-US" altLang="zh-CN" i="1">
+                                        <a:latin typeface="Cambria Math" panose="02040503050406030204" charset="0"/>
+                                        <a:cs typeface="Cambria Math" panose="02040503050406030204" charset="0"/>
+                                      </a:rPr>
+                                    </m:ctrlPr>
+                                  </m:sSubPr>
+                                  <m:e>
+                                    <m:r>
+                                      <a:rPr lang="en-US" altLang="zh-CN" i="1">
+                                        <a:latin typeface="Cambria Math" panose="02040503050406030204" charset="0"/>
+                                        <a:cs typeface="Cambria Math" panose="02040503050406030204" charset="0"/>
+                                      </a:rPr>
+                                      <m:t>𝜃</m:t>
+                                    </m:r>
+                                  </m:e>
+                                  <m:sub>
+                                    <m:r>
+                                      <a:rPr lang="en-US" altLang="zh-CN" i="1">
+                                        <a:latin typeface="Cambria Math" panose="02040503050406030204" charset="0"/>
+                                        <a:cs typeface="Cambria Math" panose="02040503050406030204" charset="0"/>
+                                      </a:rPr>
+                                      <m:t>𝑦</m:t>
+                                    </m:r>
+                                  </m:sub>
+                                </m:sSub>
+                                <m:r>
+                                  <a:rPr lang="en-US" altLang="zh-CN" i="1">
+                                    <a:latin typeface="Cambria Math" panose="02040503050406030204" charset="0"/>
+                                    <a:cs typeface="Cambria Math" panose="02040503050406030204" charset="0"/>
+                                  </a:rPr>
+                                  <m:t>)</m:t>
+                                </m:r>
+                                <m:sSub>
+                                  <m:sSubPr>
+                                    <m:ctrlPr>
+                                      <a:rPr lang="en-US" altLang="zh-CN" i="1">
+                                        <a:latin typeface="Cambria Math" panose="02040503050406030204" charset="0"/>
+                                        <a:cs typeface="Cambria Math" panose="02040503050406030204" charset="0"/>
+                                      </a:rPr>
+                                    </m:ctrlPr>
+                                  </m:sSubPr>
+                                  <m:e>
+                                    <m:acc>
+                                      <m:accPr>
+                                        <m:chr m:val="̇"/>
+                                        <m:ctrlPr>
+                                          <a:rPr lang="en-US" altLang="zh-CN" i="1">
+                                            <a:latin typeface="Cambria Math" panose="02040503050406030204" charset="0"/>
+                                            <a:cs typeface="Cambria Math" panose="02040503050406030204" charset="0"/>
+                                          </a:rPr>
+                                        </m:ctrlPr>
+                                      </m:accPr>
+                                      <m:e>
+                                        <m:r>
+                                          <a:rPr lang="en-US" altLang="zh-CN" i="1">
+                                            <a:latin typeface="Cambria Math" panose="02040503050406030204" charset="0"/>
+                                            <a:cs typeface="Cambria Math" panose="02040503050406030204" charset="0"/>
+                                          </a:rPr>
+                                          <m:t>𝜃</m:t>
+                                        </m:r>
+                                      </m:e>
+                                    </m:acc>
+                                  </m:e>
+                                  <m:sub>
+                                    <m:r>
+                                      <a:rPr lang="en-US" altLang="zh-CN" i="1">
+                                        <a:latin typeface="Cambria Math" panose="02040503050406030204" charset="0"/>
+                                        <a:cs typeface="Cambria Math" panose="02040503050406030204" charset="0"/>
+                                      </a:rPr>
+                                      <m:t>𝑧</m:t>
+                                    </m:r>
+                                  </m:sub>
+                                </m:sSub>
+                              </m:e>
+                            </m:mr>
+                            <m:mr>
+                              <m:e>
+                                <m:r>
+                                  <a:rPr lang="en-US" i="1">
+                                    <a:latin typeface="Cambria Math" panose="02040503050406030204" charset="0"/>
+                                  </a:rPr>
+                                  <m:t>−</m:t>
+                                </m:r>
+                                <m:r>
+                                  <a:rPr lang="en-US" i="1">
+                                    <a:latin typeface="Cambria Math" panose="02040503050406030204" charset="0"/>
+                                  </a:rPr>
+                                  <m:t>𝑠𝑖𝑛</m:t>
+                                </m:r>
+                                <m:r>
+                                  <a:rPr lang="en-US" i="1">
+                                    <a:latin typeface="Cambria Math" panose="02040503050406030204" charset="0"/>
+                                  </a:rPr>
+                                  <m:t>(</m:t>
+                                </m:r>
+                                <m:sSub>
+                                  <m:sSubPr>
+                                    <m:ctrlPr>
+                                      <a:rPr lang="en-US" altLang="zh-CN" i="1">
+                                        <a:latin typeface="Cambria Math" panose="02040503050406030204" charset="0"/>
+                                        <a:cs typeface="Cambria Math" panose="02040503050406030204" charset="0"/>
+                                      </a:rPr>
+                                    </m:ctrlPr>
+                                  </m:sSubPr>
+                                  <m:e>
+                                    <m:r>
+                                      <a:rPr lang="en-US" altLang="zh-CN" i="1">
+                                        <a:latin typeface="Cambria Math" panose="02040503050406030204" charset="0"/>
+                                        <a:cs typeface="Cambria Math" panose="02040503050406030204" charset="0"/>
+                                      </a:rPr>
+                                      <m:t>𝜃</m:t>
+                                    </m:r>
+                                  </m:e>
+                                  <m:sub>
+                                    <m:r>
+                                      <a:rPr lang="en-US" altLang="zh-CN" i="1">
+                                        <a:latin typeface="Cambria Math" panose="02040503050406030204" charset="0"/>
+                                        <a:cs typeface="Cambria Math" panose="02040503050406030204" charset="0"/>
+                                      </a:rPr>
+                                      <m:t>𝑥</m:t>
+                                    </m:r>
+                                  </m:sub>
+                                </m:sSub>
+                                <m:r>
+                                  <a:rPr lang="en-US" i="1">
+                                    <a:latin typeface="Cambria Math" panose="02040503050406030204" charset="0"/>
+                                  </a:rPr>
+                                  <m:t>)</m:t>
+                                </m:r>
+                                <m:sSub>
+                                  <m:sSubPr>
+                                    <m:ctrlPr>
+                                      <a:rPr lang="en-US" altLang="zh-CN" i="1">
+                                        <a:latin typeface="Cambria Math" panose="02040503050406030204" charset="0"/>
+                                        <a:cs typeface="Cambria Math" panose="02040503050406030204" charset="0"/>
+                                      </a:rPr>
+                                    </m:ctrlPr>
+                                  </m:sSubPr>
+                                  <m:e>
+                                    <m:acc>
+                                      <m:accPr>
+                                        <m:chr m:val="̇"/>
+                                        <m:ctrlPr>
+                                          <a:rPr lang="en-US" altLang="zh-CN" i="1">
+                                            <a:latin typeface="Cambria Math" panose="02040503050406030204" charset="0"/>
+                                            <a:cs typeface="Cambria Math" panose="02040503050406030204" charset="0"/>
+                                          </a:rPr>
+                                        </m:ctrlPr>
+                                      </m:accPr>
+                                      <m:e>
+                                        <m:r>
+                                          <a:rPr lang="en-US" altLang="zh-CN" i="1">
+                                            <a:latin typeface="Cambria Math" panose="02040503050406030204" charset="0"/>
+                                            <a:cs typeface="Cambria Math" panose="02040503050406030204" charset="0"/>
+                                          </a:rPr>
+                                          <m:t>𝜃</m:t>
+                                        </m:r>
+                                      </m:e>
+                                    </m:acc>
+                                  </m:e>
+                                  <m:sub>
+                                    <m:r>
+                                      <a:rPr lang="en-US" altLang="zh-CN" i="1">
+                                        <a:latin typeface="Cambria Math" panose="02040503050406030204" charset="0"/>
+                                        <a:cs typeface="Cambria Math" panose="02040503050406030204" charset="0"/>
+                                      </a:rPr>
+                                      <m:t>𝑌</m:t>
+                                    </m:r>
+                                  </m:sub>
+                                </m:sSub>
+                                <m:r>
+                                  <a:rPr lang="en-US" altLang="zh-CN" i="1">
+                                    <a:latin typeface="Cambria Math" panose="02040503050406030204" charset="0"/>
+                                    <a:cs typeface="Cambria Math" panose="02040503050406030204" charset="0"/>
+                                  </a:rPr>
+                                  <m:t>+</m:t>
+                                </m:r>
+                                <m:r>
+                                  <a:rPr lang="en-US" i="1">
+                                    <a:latin typeface="Cambria Math" panose="02040503050406030204" charset="0"/>
+                                  </a:rPr>
+                                  <m:t>𝑐𝑜𝑠</m:t>
+                                </m:r>
+                                <m:r>
+                                  <a:rPr lang="en-US" i="1">
+                                    <a:latin typeface="Cambria Math" panose="02040503050406030204" charset="0"/>
+                                  </a:rPr>
+                                  <m:t>(</m:t>
+                                </m:r>
+                                <m:sSub>
+                                  <m:sSubPr>
+                                    <m:ctrlPr>
+                                      <a:rPr lang="en-US" altLang="zh-CN" i="1">
+                                        <a:latin typeface="Cambria Math" panose="02040503050406030204" charset="0"/>
+                                        <a:cs typeface="Cambria Math" panose="02040503050406030204" charset="0"/>
+                                      </a:rPr>
+                                    </m:ctrlPr>
+                                  </m:sSubPr>
+                                  <m:e>
+                                    <m:r>
+                                      <a:rPr lang="en-US" altLang="zh-CN" i="1">
+                                        <a:latin typeface="Cambria Math" panose="02040503050406030204" charset="0"/>
+                                        <a:cs typeface="Cambria Math" panose="02040503050406030204" charset="0"/>
+                                      </a:rPr>
+                                      <m:t>𝜃</m:t>
+                                    </m:r>
+                                  </m:e>
+                                  <m:sub>
+                                    <m:r>
+                                      <a:rPr lang="en-US" altLang="zh-CN" i="1">
+                                        <a:latin typeface="Cambria Math" panose="02040503050406030204" charset="0"/>
+                                        <a:cs typeface="Cambria Math" panose="02040503050406030204" charset="0"/>
+                                      </a:rPr>
+                                      <m:t>𝑥</m:t>
+                                    </m:r>
+                                  </m:sub>
+                                </m:sSub>
+                                <m:r>
+                                  <a:rPr lang="en-US" i="1">
+                                    <a:latin typeface="Cambria Math" panose="02040503050406030204" charset="0"/>
+                                  </a:rPr>
+                                  <m:t>)</m:t>
+                                </m:r>
+                                <m:r>
+                                  <a:rPr lang="en-US" altLang="zh-CN" i="1">
+                                    <a:latin typeface="Cambria Math" panose="02040503050406030204" charset="0"/>
+                                    <a:cs typeface="Cambria Math" panose="02040503050406030204" charset="0"/>
+                                  </a:rPr>
+                                  <m:t>𝑐𝑜𝑠</m:t>
+                                </m:r>
+                                <m:r>
+                                  <a:rPr lang="en-US" altLang="zh-CN" i="1">
+                                    <a:latin typeface="Cambria Math" panose="02040503050406030204" charset="0"/>
+                                    <a:cs typeface="Cambria Math" panose="02040503050406030204" charset="0"/>
+                                  </a:rPr>
+                                  <m:t>(</m:t>
+                                </m:r>
+                                <m:sSub>
+                                  <m:sSubPr>
+                                    <m:ctrlPr>
+                                      <a:rPr lang="en-US" altLang="zh-CN" i="1">
+                                        <a:latin typeface="Cambria Math" panose="02040503050406030204" charset="0"/>
+                                        <a:cs typeface="Cambria Math" panose="02040503050406030204" charset="0"/>
+                                      </a:rPr>
+                                    </m:ctrlPr>
+                                  </m:sSubPr>
+                                  <m:e>
+                                    <m:r>
+                                      <a:rPr lang="en-US" altLang="zh-CN" i="1">
+                                        <a:latin typeface="Cambria Math" panose="02040503050406030204" charset="0"/>
+                                        <a:cs typeface="Cambria Math" panose="02040503050406030204" charset="0"/>
+                                      </a:rPr>
+                                      <m:t>𝜃</m:t>
+                                    </m:r>
+                                  </m:e>
+                                  <m:sub>
+                                    <m:r>
+                                      <a:rPr lang="en-US" altLang="zh-CN" i="1">
+                                        <a:latin typeface="Cambria Math" panose="02040503050406030204" charset="0"/>
+                                        <a:cs typeface="Cambria Math" panose="02040503050406030204" charset="0"/>
+                                      </a:rPr>
+                                      <m:t>𝑦</m:t>
+                                    </m:r>
+                                  </m:sub>
+                                </m:sSub>
+                                <m:r>
+                                  <a:rPr lang="en-US" altLang="zh-CN" i="1">
+                                    <a:latin typeface="Cambria Math" panose="02040503050406030204" charset="0"/>
+                                    <a:cs typeface="Cambria Math" panose="02040503050406030204" charset="0"/>
+                                  </a:rPr>
+                                  <m:t>)</m:t>
+                                </m:r>
+                                <m:sSub>
+                                  <m:sSubPr>
+                                    <m:ctrlPr>
+                                      <a:rPr lang="en-US" altLang="zh-CN" i="1">
+                                        <a:latin typeface="Cambria Math" panose="02040503050406030204" charset="0"/>
+                                        <a:cs typeface="Cambria Math" panose="02040503050406030204" charset="0"/>
+                                      </a:rPr>
+                                    </m:ctrlPr>
+                                  </m:sSubPr>
+                                  <m:e>
+                                    <m:acc>
+                                      <m:accPr>
+                                        <m:chr m:val="̇"/>
+                                        <m:ctrlPr>
+                                          <a:rPr lang="en-US" altLang="zh-CN" i="1">
+                                            <a:latin typeface="Cambria Math" panose="02040503050406030204" charset="0"/>
+                                            <a:cs typeface="Cambria Math" panose="02040503050406030204" charset="0"/>
+                                          </a:rPr>
+                                        </m:ctrlPr>
+                                      </m:accPr>
+                                      <m:e>
+                                        <m:r>
+                                          <a:rPr lang="en-US" altLang="zh-CN" i="1">
+                                            <a:latin typeface="Cambria Math" panose="02040503050406030204" charset="0"/>
+                                            <a:cs typeface="Cambria Math" panose="02040503050406030204" charset="0"/>
+                                          </a:rPr>
+                                          <m:t>𝜃</m:t>
+                                        </m:r>
+                                      </m:e>
+                                    </m:acc>
+                                  </m:e>
+                                  <m:sub>
+                                    <m:r>
+                                      <a:rPr lang="en-US" altLang="zh-CN" i="1">
+                                        <a:latin typeface="Cambria Math" panose="02040503050406030204" charset="0"/>
+                                        <a:cs typeface="Cambria Math" panose="02040503050406030204" charset="0"/>
+                                      </a:rPr>
+                                      <m:t>𝑧</m:t>
+                                    </m:r>
+                                  </m:sub>
+                                </m:sSub>
+                              </m:e>
+                            </m:mr>
+                          </m:m>
+                        </m:e>
+                      </m:d>
+                    </m:oMath>
+                  </m:oMathPara>
+                </a14:m>
+                <a:endParaRPr lang="en-US" altLang="zh-CN" i="1">
+                  <a:latin typeface="Cambria Math" panose="02040503050406030204" charset="0"/>
+                  <a:cs typeface="Cambria Math" panose="02040503050406030204" charset="0"/>
+                </a:endParaRPr>
+              </a:p>
+            </p:txBody>
+          </p:sp>
+        </mc:Choice>
+        <mc:Fallback>
+          <p:sp>
+            <p:nvSpPr>
+              <p:cNvPr id="17" name="文本框 16"/>
+              <p:cNvSpPr txBox="1">
+                <a:spLocks noRot="1" noChangeAspect="1" noMove="1" noResize="1" noEditPoints="1" noAdjustHandles="1" noChangeArrowheads="1" noChangeShapeType="1" noTextEdit="1"/>
+              </p:cNvSpPr>
+              <p:nvPr/>
+            </p:nvSpPr>
+            <p:spPr>
+              <a:xfrm>
+                <a:off x="1362710" y="5230495"/>
+                <a:ext cx="6776085" cy="1390015"/>
+              </a:xfrm>
+              <a:prstGeom prst="rect">
+                <a:avLst/>
+              </a:prstGeom>
+              <a:blipFill rotWithShape="1">
+                <a:blip r:embed="rId4"/>
+                <a:stretch>
+                  <a:fillRect/>
+                </a:stretch>
+              </a:blipFill>
+            </p:spPr>
+            <p:txBody>
+              <a:bodyPr/>
+              <a:lstStyle/>
+              <a:p>
+                <a:r>
+                  <a:rPr lang="zh-CN" altLang="en-US">
+                    <a:noFill/>
+                  </a:rPr>
+                  <a:t> </a:t>
+                </a:r>
+              </a:p>
+            </p:txBody>
+          </p:sp>
+        </mc:Fallback>
+      </mc:AlternateContent>
+    </p:spTree>
+  </p:cSld>
+  <p:clrMapOvr>
+    <a:masterClrMapping/>
+  </p:clrMapOvr>
+</p:sld>
+</file>
+
+<file path=ppt/slides/slide14.xml><?xml version="1.0" encoding="utf-8"?>
+<p:sld xmlns:a="http://schemas.openxmlformats.org/drawingml/2006/main" xmlns:r="http://schemas.openxmlformats.org/officeDocument/2006/relationships" xmlns:p="http://schemas.openxmlformats.org/presentationml/2006/main">
+  <p:cSld>
+    <p:spTree>
+      <p:nvGrpSpPr>
+        <p:cNvPr id="1" name=""/>
+        <p:cNvGrpSpPr/>
+        <p:nvPr/>
+      </p:nvGrpSpPr>
+      <p:grpSpPr/>
+      <mc:AlternateContent xmlns:mc="http://schemas.openxmlformats.org/markup-compatibility/2006">
+        <mc:Choice xmlns:a14="http://schemas.microsoft.com/office/drawing/2010/main" Requires="a14">
+          <p:sp>
+            <p:nvSpPr>
+              <p:cNvPr id="17" name="文本框 16"/>
+              <p:cNvSpPr txBox="1"/>
+              <p:nvPr/>
+            </p:nvSpPr>
+            <p:spPr>
+              <a:xfrm>
+                <a:off x="1227455" y="741680"/>
+                <a:ext cx="9199245" cy="991870"/>
+              </a:xfrm>
+              <a:prstGeom prst="rect">
+                <a:avLst/>
+              </a:prstGeom>
+              <a:noFill/>
+            </p:spPr>
+            <p:txBody>
+              <a:bodyPr wrap="square" rtlCol="0" anchor="t">
+                <a:spAutoFit/>
+              </a:bodyPr>
+              <a:p>
+                <a14:m>
+                  <m:oMathPara xmlns:m="http://schemas.openxmlformats.org/officeDocument/2006/math">
+                    <m:oMathParaPr>
+                      <m:jc m:val="centerGroup"/>
+                    </m:oMathParaPr>
+                    <m:oMath xmlns:m="http://schemas.openxmlformats.org/officeDocument/2006/math">
+                      <m:sSub>
+                        <m:sSubPr>
+                          <m:ctrlPr>
+                            <a:rPr lang="en-US" altLang="zh-CN" i="1">
+                              <a:latin typeface="Cambria Math" panose="02040503050406030204" charset="0"/>
+                              <a:cs typeface="Cambria Math" panose="02040503050406030204" charset="0"/>
+                            </a:rPr>
+                          </m:ctrlPr>
+                        </m:sSubPr>
+                        <m:e>
+                          <m:r>
+                            <a:rPr lang="en-US" altLang="zh-CN" i="1">
+                              <a:latin typeface="Cambria Math" panose="02040503050406030204" charset="0"/>
+                              <a:cs typeface="Cambria Math" panose="02040503050406030204" charset="0"/>
+                            </a:rPr>
+                            <m:t>𝑤</m:t>
+                          </m:r>
+                        </m:e>
+                        <m:sub>
+                          <m:r>
+                            <a:rPr lang="en-US" altLang="zh-CN" i="1">
+                              <a:latin typeface="Cambria Math" panose="02040503050406030204" charset="0"/>
+                              <a:cs typeface="Cambria Math" panose="02040503050406030204" charset="0"/>
+                            </a:rPr>
+                            <m:t>𝑖</m:t>
+                          </m:r>
+                        </m:sub>
+                      </m:sSub>
+                      <m:r>
+                        <a:rPr lang="en-US" altLang="zh-CN" i="1">
+                          <a:latin typeface="Cambria Math" panose="02040503050406030204" charset="0"/>
+                          <a:cs typeface="Cambria Math" panose="02040503050406030204" charset="0"/>
+                        </a:rPr>
+                        <m:t>=</m:t>
+                      </m:r>
+                      <m:sSub>
+                        <m:sSubPr>
+                          <m:ctrlPr>
+                            <a:rPr lang="en-US" altLang="zh-CN" i="1">
+                              <a:latin typeface="Cambria Math" panose="02040503050406030204" charset="0"/>
+                              <a:cs typeface="Cambria Math" panose="02040503050406030204" charset="0"/>
+                            </a:rPr>
+                          </m:ctrlPr>
+                        </m:sSubPr>
+                        <m:e>
+                          <m:r>
+                            <a:rPr lang="en-US" altLang="zh-CN" i="1">
+                              <a:latin typeface="Cambria Math" panose="02040503050406030204" charset="0"/>
+                              <a:cs typeface="Cambria Math" panose="02040503050406030204" charset="0"/>
+                            </a:rPr>
+                            <m:t>𝜔</m:t>
+                          </m:r>
+                        </m:e>
+                        <m:sub>
+                          <m:r>
+                            <a:rPr lang="en-US" altLang="zh-CN" i="1">
+                              <a:latin typeface="Cambria Math" panose="02040503050406030204" charset="0"/>
+                              <a:cs typeface="Cambria Math" panose="02040503050406030204" charset="0"/>
+                            </a:rPr>
+                            <m:t>3</m:t>
+                          </m:r>
+                        </m:sub>
+                      </m:sSub>
+                      <m:r>
+                        <a:rPr lang="en-US" altLang="zh-CN" i="1">
+                          <a:latin typeface="Cambria Math" panose="02040503050406030204" charset="0"/>
+                          <a:cs typeface="Cambria Math" panose="02040503050406030204" charset="0"/>
+                        </a:rPr>
+                        <m:t>=</m:t>
+                      </m:r>
+                      <m:d>
+                        <m:dPr>
+                          <m:begChr m:val="["/>
+                          <m:endChr m:val="]"/>
+                          <m:ctrlPr>
+                            <a:rPr lang="en-US" altLang="zh-CN" i="1">
+                              <a:latin typeface="Cambria Math" panose="02040503050406030204" charset="0"/>
+                              <a:cs typeface="Cambria Math" panose="02040503050406030204" charset="0"/>
+                            </a:rPr>
+                          </m:ctrlPr>
+                        </m:dPr>
+                        <m:e>
+                          <m:m>
+                            <m:mPr>
+                              <m:mcs>
+                                <m:mc>
+                                  <m:mcPr>
+                                    <m:count m:val="3"/>
+                                    <m:mcJc m:val="center"/>
+                                  </m:mcPr>
+                                </m:mc>
+                              </m:mcs>
+                              <m:ctrlPr>
+                                <a:rPr lang="en-US" altLang="zh-CN" i="1">
+                                  <a:latin typeface="Cambria Math" panose="02040503050406030204" charset="0"/>
+                                  <a:cs typeface="Cambria Math" panose="02040503050406030204" charset="0"/>
+                                </a:rPr>
+                              </m:ctrlPr>
+                            </m:mPr>
+                            <m:mr>
+                              <m:e>
+                                <m:r>
+                                  <a:rPr lang="en-US" altLang="zh-CN" i="1">
+                                    <a:latin typeface="Cambria Math" panose="02040503050406030204" charset="0"/>
+                                    <a:cs typeface="Cambria Math" panose="02040503050406030204" charset="0"/>
+                                  </a:rPr>
+                                  <m:t>1</m:t>
+                                </m:r>
+                              </m:e>
+                              <m:e>
+                                <m:r>
+                                  <a:rPr lang="en-US" altLang="zh-CN" i="1">
+                                    <a:latin typeface="Cambria Math" panose="02040503050406030204" charset="0"/>
+                                    <a:cs typeface="Cambria Math" panose="02040503050406030204" charset="0"/>
+                                  </a:rPr>
+                                  <m:t>0</m:t>
+                                </m:r>
+                              </m:e>
+                              <m:e>
+                                <m:r>
+                                  <a:rPr lang="en-US" i="1">
+                                    <a:latin typeface="Cambria Math" panose="02040503050406030204" charset="0"/>
+                                  </a:rPr>
+                                  <m:t>−</m:t>
+                                </m:r>
+                                <m:r>
+                                  <a:rPr lang="en-US" i="1">
+                                    <a:latin typeface="Cambria Math" panose="02040503050406030204" charset="0"/>
+                                  </a:rPr>
+                                  <m:t>𝑠𝑖𝑛</m:t>
+                                </m:r>
+                                <m:r>
+                                  <a:rPr lang="en-US" i="1">
+                                    <a:latin typeface="Cambria Math" panose="02040503050406030204" charset="0"/>
+                                  </a:rPr>
+                                  <m:t>(</m:t>
+                                </m:r>
+                                <m:sSub>
+                                  <m:sSubPr>
+                                    <m:ctrlPr>
+                                      <a:rPr lang="en-US" altLang="zh-CN" i="1">
+                                        <a:latin typeface="Cambria Math" panose="02040503050406030204" charset="0"/>
+                                        <a:cs typeface="Cambria Math" panose="02040503050406030204" charset="0"/>
+                                      </a:rPr>
+                                    </m:ctrlPr>
+                                  </m:sSubPr>
+                                  <m:e>
+                                    <m:r>
+                                      <a:rPr lang="en-US" altLang="zh-CN" i="1">
+                                        <a:latin typeface="Cambria Math" panose="02040503050406030204" charset="0"/>
+                                        <a:cs typeface="Cambria Math" panose="02040503050406030204" charset="0"/>
+                                      </a:rPr>
+                                      <m:t>𝜃</m:t>
+                                    </m:r>
+                                  </m:e>
+                                  <m:sub>
+                                    <m:r>
+                                      <a:rPr lang="en-US" altLang="zh-CN" i="1">
+                                        <a:latin typeface="Cambria Math" panose="02040503050406030204" charset="0"/>
+                                        <a:cs typeface="Cambria Math" panose="02040503050406030204" charset="0"/>
+                                      </a:rPr>
+                                      <m:t>𝑦</m:t>
+                                    </m:r>
+                                  </m:sub>
+                                </m:sSub>
+                                <m:r>
+                                  <a:rPr lang="en-US" i="1">
+                                    <a:latin typeface="Cambria Math" panose="02040503050406030204" charset="0"/>
+                                  </a:rPr>
+                                  <m:t>)</m:t>
+                                </m:r>
+                              </m:e>
+                            </m:mr>
+                            <m:mr>
+                              <m:e>
+                                <m:r>
+                                  <a:rPr lang="en-US" altLang="zh-CN" i="1">
+                                    <a:latin typeface="Cambria Math" panose="02040503050406030204" charset="0"/>
+                                    <a:cs typeface="Cambria Math" panose="02040503050406030204" charset="0"/>
+                                  </a:rPr>
+                                  <m:t>0</m:t>
+                                </m:r>
+                              </m:e>
+                              <m:e>
+                                <m:r>
+                                  <a:rPr lang="en-US" i="1">
+                                    <a:latin typeface="Cambria Math" panose="02040503050406030204" charset="0"/>
+                                  </a:rPr>
+                                  <m:t>𝑐𝑜𝑠</m:t>
+                                </m:r>
+                                <m:r>
+                                  <a:rPr lang="en-US" i="1">
+                                    <a:latin typeface="Cambria Math" panose="02040503050406030204" charset="0"/>
+                                  </a:rPr>
+                                  <m:t>(</m:t>
+                                </m:r>
+                                <m:sSub>
+                                  <m:sSubPr>
+                                    <m:ctrlPr>
+                                      <a:rPr lang="en-US" altLang="zh-CN" i="1">
+                                        <a:latin typeface="Cambria Math" panose="02040503050406030204" charset="0"/>
+                                        <a:cs typeface="Cambria Math" panose="02040503050406030204" charset="0"/>
+                                      </a:rPr>
+                                    </m:ctrlPr>
+                                  </m:sSubPr>
+                                  <m:e>
+                                    <m:r>
+                                      <a:rPr lang="en-US" altLang="zh-CN" i="1">
+                                        <a:latin typeface="Cambria Math" panose="02040503050406030204" charset="0"/>
+                                        <a:cs typeface="Cambria Math" panose="02040503050406030204" charset="0"/>
+                                      </a:rPr>
+                                      <m:t>𝜃</m:t>
+                                    </m:r>
+                                  </m:e>
+                                  <m:sub>
+                                    <m:r>
+                                      <a:rPr lang="en-US" altLang="zh-CN" i="1">
+                                        <a:latin typeface="Cambria Math" panose="02040503050406030204" charset="0"/>
+                                        <a:cs typeface="Cambria Math" panose="02040503050406030204" charset="0"/>
+                                      </a:rPr>
+                                      <m:t>𝑥</m:t>
+                                    </m:r>
+                                  </m:sub>
+                                </m:sSub>
+                                <m:r>
+                                  <a:rPr lang="en-US" i="1">
+                                    <a:latin typeface="Cambria Math" panose="02040503050406030204" charset="0"/>
+                                  </a:rPr>
+                                  <m:t>)</m:t>
+                                </m:r>
+                              </m:e>
+                              <m:e>
+                                <m:r>
+                                  <a:rPr lang="en-US" i="1">
+                                    <a:latin typeface="Cambria Math" panose="02040503050406030204" charset="0"/>
+                                  </a:rPr>
+                                  <m:t>𝑠𝑖𝑛</m:t>
+                                </m:r>
+                                <m:r>
+                                  <a:rPr lang="en-US" i="1">
+                                    <a:latin typeface="Cambria Math" panose="02040503050406030204" charset="0"/>
+                                  </a:rPr>
+                                  <m:t>(</m:t>
+                                </m:r>
+                                <m:sSub>
+                                  <m:sSubPr>
+                                    <m:ctrlPr>
+                                      <a:rPr lang="en-US" altLang="zh-CN" i="1">
+                                        <a:latin typeface="Cambria Math" panose="02040503050406030204" charset="0"/>
+                                        <a:cs typeface="Cambria Math" panose="02040503050406030204" charset="0"/>
+                                      </a:rPr>
+                                    </m:ctrlPr>
+                                  </m:sSubPr>
+                                  <m:e>
+                                    <m:r>
+                                      <a:rPr lang="en-US" altLang="zh-CN" i="1">
+                                        <a:latin typeface="Cambria Math" panose="02040503050406030204" charset="0"/>
+                                        <a:cs typeface="Cambria Math" panose="02040503050406030204" charset="0"/>
+                                      </a:rPr>
+                                      <m:t>𝜃</m:t>
+                                    </m:r>
+                                  </m:e>
+                                  <m:sub>
+                                    <m:r>
+                                      <a:rPr lang="en-US" altLang="zh-CN" i="1">
+                                        <a:latin typeface="Cambria Math" panose="02040503050406030204" charset="0"/>
+                                        <a:cs typeface="Cambria Math" panose="02040503050406030204" charset="0"/>
+                                      </a:rPr>
+                                      <m:t>𝑥</m:t>
+                                    </m:r>
+                                  </m:sub>
+                                </m:sSub>
+                                <m:r>
+                                  <a:rPr lang="en-US" i="1">
+                                    <a:latin typeface="Cambria Math" panose="02040503050406030204" charset="0"/>
+                                  </a:rPr>
+                                  <m:t>)</m:t>
+                                </m:r>
+                                <m:r>
+                                  <a:rPr lang="en-US" altLang="zh-CN" i="1">
+                                    <a:latin typeface="Cambria Math" panose="02040503050406030204" charset="0"/>
+                                    <a:cs typeface="Cambria Math" panose="02040503050406030204" charset="0"/>
+                                  </a:rPr>
+                                  <m:t>𝑐𝑜𝑠</m:t>
+                                </m:r>
+                                <m:r>
+                                  <a:rPr lang="en-US" altLang="zh-CN" i="1">
+                                    <a:latin typeface="Cambria Math" panose="02040503050406030204" charset="0"/>
+                                    <a:cs typeface="Cambria Math" panose="02040503050406030204" charset="0"/>
+                                  </a:rPr>
+                                  <m:t>(</m:t>
+                                </m:r>
+                                <m:sSub>
+                                  <m:sSubPr>
+                                    <m:ctrlPr>
+                                      <a:rPr lang="en-US" altLang="zh-CN" i="1">
+                                        <a:latin typeface="Cambria Math" panose="02040503050406030204" charset="0"/>
+                                        <a:cs typeface="Cambria Math" panose="02040503050406030204" charset="0"/>
+                                      </a:rPr>
+                                    </m:ctrlPr>
+                                  </m:sSubPr>
+                                  <m:e>
+                                    <m:r>
+                                      <a:rPr lang="en-US" altLang="zh-CN" i="1">
+                                        <a:latin typeface="Cambria Math" panose="02040503050406030204" charset="0"/>
+                                        <a:cs typeface="Cambria Math" panose="02040503050406030204" charset="0"/>
+                                      </a:rPr>
+                                      <m:t>𝜃</m:t>
+                                    </m:r>
+                                  </m:e>
+                                  <m:sub>
+                                    <m:r>
+                                      <a:rPr lang="en-US" altLang="zh-CN" i="1">
+                                        <a:latin typeface="Cambria Math" panose="02040503050406030204" charset="0"/>
+                                        <a:cs typeface="Cambria Math" panose="02040503050406030204" charset="0"/>
+                                      </a:rPr>
+                                      <m:t>𝑦</m:t>
+                                    </m:r>
+                                  </m:sub>
+                                </m:sSub>
+                                <m:r>
+                                  <a:rPr lang="en-US" altLang="zh-CN" i="1">
+                                    <a:latin typeface="Cambria Math" panose="02040503050406030204" charset="0"/>
+                                    <a:cs typeface="Cambria Math" panose="02040503050406030204" charset="0"/>
+                                  </a:rPr>
+                                  <m:t>)</m:t>
+                                </m:r>
+                              </m:e>
+                            </m:mr>
+                            <m:mr>
+                              <m:e>
+                                <m:r>
+                                  <a:rPr lang="en-US" altLang="zh-CN" i="1">
+                                    <a:latin typeface="Cambria Math" panose="02040503050406030204" charset="0"/>
+                                    <a:cs typeface="Cambria Math" panose="02040503050406030204" charset="0"/>
+                                  </a:rPr>
+                                  <m:t>0</m:t>
+                                </m:r>
+                              </m:e>
+                              <m:e>
+                                <m:r>
+                                  <a:rPr lang="en-US" i="1">
+                                    <a:latin typeface="Cambria Math" panose="02040503050406030204" charset="0"/>
+                                  </a:rPr>
+                                  <m:t>−</m:t>
+                                </m:r>
+                                <m:r>
+                                  <a:rPr lang="en-US" i="1">
+                                    <a:latin typeface="Cambria Math" panose="02040503050406030204" charset="0"/>
+                                  </a:rPr>
+                                  <m:t>𝑠𝑖𝑛</m:t>
+                                </m:r>
+                                <m:r>
+                                  <a:rPr lang="en-US" i="1">
+                                    <a:latin typeface="Cambria Math" panose="02040503050406030204" charset="0"/>
+                                  </a:rPr>
+                                  <m:t>(</m:t>
+                                </m:r>
+                                <m:sSub>
+                                  <m:sSubPr>
+                                    <m:ctrlPr>
+                                      <a:rPr lang="en-US" altLang="zh-CN" i="1">
+                                        <a:latin typeface="Cambria Math" panose="02040503050406030204" charset="0"/>
+                                        <a:cs typeface="Cambria Math" panose="02040503050406030204" charset="0"/>
+                                      </a:rPr>
+                                    </m:ctrlPr>
+                                  </m:sSubPr>
+                                  <m:e>
+                                    <m:r>
+                                      <a:rPr lang="en-US" altLang="zh-CN" i="1">
+                                        <a:latin typeface="Cambria Math" panose="02040503050406030204" charset="0"/>
+                                        <a:cs typeface="Cambria Math" panose="02040503050406030204" charset="0"/>
+                                      </a:rPr>
+                                      <m:t>𝜃</m:t>
+                                    </m:r>
+                                  </m:e>
+                                  <m:sub>
+                                    <m:r>
+                                      <a:rPr lang="en-US" altLang="zh-CN" i="1">
+                                        <a:latin typeface="Cambria Math" panose="02040503050406030204" charset="0"/>
+                                        <a:cs typeface="Cambria Math" panose="02040503050406030204" charset="0"/>
+                                      </a:rPr>
+                                      <m:t>𝑥</m:t>
+                                    </m:r>
+                                  </m:sub>
+                                </m:sSub>
+                                <m:r>
+                                  <a:rPr lang="en-US" i="1">
+                                    <a:latin typeface="Cambria Math" panose="02040503050406030204" charset="0"/>
+                                  </a:rPr>
+                                  <m:t>)</m:t>
+                                </m:r>
+                              </m:e>
+                              <m:e>
+                                <m:r>
+                                  <a:rPr lang="en-US" i="1">
+                                    <a:latin typeface="Cambria Math" panose="02040503050406030204" charset="0"/>
+                                  </a:rPr>
+                                  <m:t>𝑐𝑜𝑠</m:t>
+                                </m:r>
+                                <m:r>
+                                  <a:rPr lang="en-US" i="1">
+                                    <a:latin typeface="Cambria Math" panose="02040503050406030204" charset="0"/>
+                                  </a:rPr>
+                                  <m:t>(</m:t>
+                                </m:r>
+                                <m:sSub>
+                                  <m:sSubPr>
+                                    <m:ctrlPr>
+                                      <a:rPr lang="en-US" altLang="zh-CN" i="1">
+                                        <a:latin typeface="Cambria Math" panose="02040503050406030204" charset="0"/>
+                                        <a:cs typeface="Cambria Math" panose="02040503050406030204" charset="0"/>
+                                      </a:rPr>
+                                    </m:ctrlPr>
+                                  </m:sSubPr>
+                                  <m:e>
+                                    <m:r>
+                                      <a:rPr lang="en-US" altLang="zh-CN" i="1">
+                                        <a:latin typeface="Cambria Math" panose="02040503050406030204" charset="0"/>
+                                        <a:cs typeface="Cambria Math" panose="02040503050406030204" charset="0"/>
+                                      </a:rPr>
+                                      <m:t>𝜃</m:t>
+                                    </m:r>
+                                  </m:e>
+                                  <m:sub>
+                                    <m:r>
+                                      <a:rPr lang="en-US" altLang="zh-CN" i="1">
+                                        <a:latin typeface="Cambria Math" panose="02040503050406030204" charset="0"/>
+                                        <a:cs typeface="Cambria Math" panose="02040503050406030204" charset="0"/>
+                                      </a:rPr>
+                                      <m:t>𝑥</m:t>
+                                    </m:r>
+                                  </m:sub>
+                                </m:sSub>
+                                <m:r>
+                                  <a:rPr lang="en-US" i="1">
+                                    <a:latin typeface="Cambria Math" panose="02040503050406030204" charset="0"/>
+                                  </a:rPr>
+                                  <m:t>)</m:t>
+                                </m:r>
+                                <m:r>
+                                  <a:rPr lang="en-US" altLang="zh-CN" i="1">
+                                    <a:latin typeface="Cambria Math" panose="02040503050406030204" charset="0"/>
+                                    <a:cs typeface="Cambria Math" panose="02040503050406030204" charset="0"/>
+                                  </a:rPr>
+                                  <m:t>𝑐𝑜𝑠</m:t>
+                                </m:r>
+                                <m:r>
+                                  <a:rPr lang="en-US" altLang="zh-CN" i="1">
+                                    <a:latin typeface="Cambria Math" panose="02040503050406030204" charset="0"/>
+                                    <a:cs typeface="Cambria Math" panose="02040503050406030204" charset="0"/>
+                                  </a:rPr>
+                                  <m:t>(</m:t>
+                                </m:r>
+                                <m:sSub>
+                                  <m:sSubPr>
+                                    <m:ctrlPr>
+                                      <a:rPr lang="en-US" altLang="zh-CN" i="1">
+                                        <a:latin typeface="Cambria Math" panose="02040503050406030204" charset="0"/>
+                                        <a:cs typeface="Cambria Math" panose="02040503050406030204" charset="0"/>
+                                      </a:rPr>
+                                    </m:ctrlPr>
+                                  </m:sSubPr>
+                                  <m:e>
+                                    <m:r>
+                                      <a:rPr lang="en-US" altLang="zh-CN" i="1">
+                                        <a:latin typeface="Cambria Math" panose="02040503050406030204" charset="0"/>
+                                        <a:cs typeface="Cambria Math" panose="02040503050406030204" charset="0"/>
+                                      </a:rPr>
+                                      <m:t>𝜃</m:t>
+                                    </m:r>
+                                  </m:e>
+                                  <m:sub>
+                                    <m:r>
+                                      <a:rPr lang="en-US" altLang="zh-CN" i="1">
+                                        <a:latin typeface="Cambria Math" panose="02040503050406030204" charset="0"/>
+                                        <a:cs typeface="Cambria Math" panose="02040503050406030204" charset="0"/>
+                                      </a:rPr>
+                                      <m:t>𝑦</m:t>
+                                    </m:r>
+                                  </m:sub>
+                                </m:sSub>
+                                <m:r>
+                                  <a:rPr lang="en-US" altLang="zh-CN" i="1">
+                                    <a:latin typeface="Cambria Math" panose="02040503050406030204" charset="0"/>
+                                    <a:cs typeface="Cambria Math" panose="02040503050406030204" charset="0"/>
+                                  </a:rPr>
+                                  <m:t>)</m:t>
+                                </m:r>
+                              </m:e>
+                            </m:mr>
+                          </m:m>
+                        </m:e>
+                      </m:d>
+                      <m:sSub>
+                        <m:sSubPr>
+                          <m:ctrlPr>
+                            <a:rPr lang="en-US" altLang="zh-CN" i="1">
+                              <a:latin typeface="Cambria Math" panose="02040503050406030204" charset="0"/>
+                              <a:cs typeface="Cambria Math" panose="02040503050406030204" charset="0"/>
+                            </a:rPr>
+                          </m:ctrlPr>
+                        </m:sSubPr>
+                        <m:e>
+                          <m:r>
+                            <a:rPr lang="en-US" altLang="zh-CN" i="1">
+                              <a:latin typeface="Cambria Math" panose="02040503050406030204" charset="0"/>
+                              <a:cs typeface="Cambria Math" panose="02040503050406030204" charset="0"/>
+                            </a:rPr>
+                            <m:t>𝑤</m:t>
+                          </m:r>
+                        </m:e>
+                        <m:sub>
+                          <m:r>
+                            <a:rPr lang="en-US" altLang="zh-CN" i="1">
+                              <a:latin typeface="Cambria Math" panose="02040503050406030204" charset="0"/>
+                              <a:cs typeface="Cambria Math" panose="02040503050406030204" charset="0"/>
+                            </a:rPr>
+                            <m:t>𝑏</m:t>
+                          </m:r>
+                        </m:sub>
+                      </m:sSub>
+                    </m:oMath>
+                  </m:oMathPara>
+                </a14:m>
+                <a:endParaRPr lang="en-US" altLang="zh-CN" i="1">
+                  <a:latin typeface="Cambria Math" panose="02040503050406030204" charset="0"/>
+                  <a:cs typeface="Cambria Math" panose="02040503050406030204" charset="0"/>
+                </a:endParaRPr>
+              </a:p>
+            </p:txBody>
+          </p:sp>
+        </mc:Choice>
+        <mc:Fallback>
+          <p:sp>
+            <p:nvSpPr>
+              <p:cNvPr id="17" name="文本框 16"/>
+              <p:cNvSpPr txBox="1">
+                <a:spLocks noRot="1" noChangeAspect="1" noMove="1" noResize="1" noEditPoints="1" noAdjustHandles="1" noChangeArrowheads="1" noChangeShapeType="1" noTextEdit="1"/>
+              </p:cNvSpPr>
+              <p:nvPr/>
+            </p:nvSpPr>
+            <p:spPr>
+              <a:xfrm>
+                <a:off x="1227455" y="741680"/>
+                <a:ext cx="9199245" cy="991870"/>
+              </a:xfrm>
+              <a:prstGeom prst="rect">
+                <a:avLst/>
+              </a:prstGeom>
+              <a:blipFill rotWithShape="1">
+                <a:blip r:embed="rId1"/>
+                <a:stretch>
+                  <a:fillRect/>
+                </a:stretch>
+              </a:blipFill>
+            </p:spPr>
+            <p:txBody>
+              <a:bodyPr/>
+              <a:lstStyle/>
+              <a:p>
+                <a:r>
+                  <a:rPr lang="zh-CN" altLang="en-US">
+                    <a:noFill/>
+                  </a:rPr>
+                  <a:t> </a:t>
+                </a:r>
+              </a:p>
+            </p:txBody>
+          </p:sp>
+        </mc:Fallback>
+      </mc:AlternateContent>
+      <mc:AlternateContent xmlns:mc="http://schemas.openxmlformats.org/markup-compatibility/2006">
+        <mc:Choice xmlns:a14="http://schemas.microsoft.com/office/drawing/2010/main" Requires="a14">
+          <p:sp>
+            <p:nvSpPr>
+              <p:cNvPr id="5" name="文本框 4"/>
+              <p:cNvSpPr txBox="1"/>
+              <p:nvPr/>
+            </p:nvSpPr>
+            <p:spPr>
+              <a:xfrm>
+                <a:off x="2689860" y="2787015"/>
+                <a:ext cx="6096000" cy="967105"/>
+              </a:xfrm>
+              <a:prstGeom prst="rect">
+                <a:avLst/>
+              </a:prstGeom>
+              <a:noFill/>
+            </p:spPr>
+            <p:txBody>
+              <a:bodyPr wrap="square" rtlCol="0" anchor="t">
+                <a:spAutoFit/>
+              </a:bodyPr>
+              <a:p>
+                <a14:m>
+                  <m:oMathPara xmlns:m="http://schemas.openxmlformats.org/officeDocument/2006/math">
+                    <m:oMathParaPr>
+                      <m:jc m:val="centerGroup"/>
+                    </m:oMathParaPr>
+                    <m:oMath xmlns:m="http://schemas.openxmlformats.org/officeDocument/2006/math">
+                      <m:sSub>
+                        <m:sSubPr>
+                          <m:ctrlPr>
+                            <a:rPr lang="en-US" altLang="zh-CN" i="1">
+                              <a:latin typeface="Cambria Math" panose="02040503050406030204" charset="0"/>
+                              <a:cs typeface="Cambria Math" panose="02040503050406030204" charset="0"/>
+                            </a:rPr>
+                          </m:ctrlPr>
+                        </m:sSubPr>
+                        <m:e>
+                          <m:r>
+                            <a:rPr lang="en-US" altLang="zh-CN" i="1">
+                              <a:latin typeface="Cambria Math" panose="02040503050406030204" charset="0"/>
+                              <a:cs typeface="Cambria Math" panose="02040503050406030204" charset="0"/>
+                            </a:rPr>
+                            <m:t>𝑤</m:t>
+                          </m:r>
+                        </m:e>
+                        <m:sub>
+                          <m:r>
+                            <a:rPr lang="en-US" altLang="zh-CN" i="1">
+                              <a:latin typeface="Cambria Math" panose="02040503050406030204" charset="0"/>
+                              <a:cs typeface="Cambria Math" panose="02040503050406030204" charset="0"/>
+                            </a:rPr>
+                            <m:t>𝑏</m:t>
+                          </m:r>
+                        </m:sub>
+                      </m:sSub>
+                      <m:r>
+                        <a:rPr lang="en-US" altLang="zh-CN" i="1">
+                          <a:latin typeface="Cambria Math" panose="02040503050406030204" charset="0"/>
+                          <a:cs typeface="Cambria Math" panose="02040503050406030204" charset="0"/>
+                        </a:rPr>
+                        <m:t>=</m:t>
+                      </m:r>
+                      <m:d>
+                        <m:dPr>
+                          <m:begChr m:val="["/>
+                          <m:endChr m:val="]"/>
+                          <m:ctrlPr>
+                            <a:rPr lang="en-US" altLang="zh-CN" i="1">
+                              <a:latin typeface="Cambria Math" panose="02040503050406030204" charset="0"/>
+                              <a:cs typeface="Cambria Math" panose="02040503050406030204" charset="0"/>
+                            </a:rPr>
+                          </m:ctrlPr>
+                        </m:dPr>
+                        <m:e>
+                          <m:m>
+                            <m:mPr>
+                              <m:mcs>
+                                <m:mc>
+                                  <m:mcPr>
+                                    <m:count m:val="3"/>
+                                    <m:mcJc m:val="center"/>
+                                  </m:mcPr>
+                                </m:mc>
+                              </m:mcs>
+                              <m:ctrlPr>
+                                <a:rPr lang="en-US" altLang="zh-CN" i="1">
+                                  <a:latin typeface="Cambria Math" panose="02040503050406030204" charset="0"/>
+                                  <a:cs typeface="Cambria Math" panose="02040503050406030204" charset="0"/>
+                                </a:rPr>
+                              </m:ctrlPr>
+                            </m:mPr>
+                            <m:mr>
+                              <m:e>
+                                <m:r>
+                                  <a:rPr lang="en-US" altLang="zh-CN" i="1">
+                                    <a:latin typeface="Cambria Math" panose="02040503050406030204" charset="0"/>
+                                    <a:cs typeface="Cambria Math" panose="02040503050406030204" charset="0"/>
+                                  </a:rPr>
+                                  <m:t>1</m:t>
+                                </m:r>
+                              </m:e>
+                              <m:e>
+                                <m:r>
+                                  <a:rPr lang="en-US" i="1">
+                                    <a:latin typeface="Cambria Math" panose="02040503050406030204" charset="0"/>
+                                  </a:rPr>
+                                  <m:t>𝑠𝑖𝑛</m:t>
+                                </m:r>
+                                <m:r>
+                                  <a:rPr lang="en-US" i="1">
+                                    <a:latin typeface="Cambria Math" panose="02040503050406030204" charset="0"/>
+                                  </a:rPr>
+                                  <m:t>(</m:t>
+                                </m:r>
+                                <m:sSub>
+                                  <m:sSubPr>
+                                    <m:ctrlPr>
+                                      <a:rPr lang="en-US" altLang="zh-CN" i="1">
+                                        <a:latin typeface="Cambria Math" panose="02040503050406030204" charset="0"/>
+                                        <a:cs typeface="Cambria Math" panose="02040503050406030204" charset="0"/>
+                                      </a:rPr>
+                                    </m:ctrlPr>
+                                  </m:sSubPr>
+                                  <m:e>
+                                    <m:r>
+                                      <a:rPr lang="en-US" altLang="zh-CN" i="1">
+                                        <a:latin typeface="Cambria Math" panose="02040503050406030204" charset="0"/>
+                                        <a:cs typeface="Cambria Math" panose="02040503050406030204" charset="0"/>
+                                      </a:rPr>
+                                      <m:t>𝜃</m:t>
+                                    </m:r>
+                                  </m:e>
+                                  <m:sub>
+                                    <m:r>
+                                      <a:rPr lang="en-US" altLang="zh-CN" i="1">
+                                        <a:latin typeface="Cambria Math" panose="02040503050406030204" charset="0"/>
+                                        <a:cs typeface="Cambria Math" panose="02040503050406030204" charset="0"/>
+                                      </a:rPr>
+                                      <m:t>𝑥</m:t>
+                                    </m:r>
+                                  </m:sub>
+                                </m:sSub>
+                                <m:r>
+                                  <a:rPr lang="en-US" i="1">
+                                    <a:latin typeface="Cambria Math" panose="02040503050406030204" charset="0"/>
+                                  </a:rPr>
+                                  <m:t>)</m:t>
+                                </m:r>
+                                <m:r>
+                                  <a:rPr lang="en-US" i="1">
+                                    <a:latin typeface="Cambria Math" panose="02040503050406030204" charset="0"/>
+                                  </a:rPr>
+                                  <m:t>𝑡𝑎𝑛</m:t>
+                                </m:r>
+                                <m:r>
+                                  <a:rPr lang="en-US" i="1">
+                                    <a:latin typeface="Cambria Math" panose="02040503050406030204" charset="0"/>
+                                  </a:rPr>
+                                  <m:t>(</m:t>
+                                </m:r>
+                                <m:sSub>
+                                  <m:sSubPr>
+                                    <m:ctrlPr>
+                                      <a:rPr lang="en-US" altLang="zh-CN" i="1">
+                                        <a:latin typeface="Cambria Math" panose="02040503050406030204" charset="0"/>
+                                        <a:cs typeface="Cambria Math" panose="02040503050406030204" charset="0"/>
+                                      </a:rPr>
+                                    </m:ctrlPr>
+                                  </m:sSubPr>
+                                  <m:e>
+                                    <m:r>
+                                      <a:rPr lang="en-US" altLang="zh-CN" i="1">
+                                        <a:latin typeface="Cambria Math" panose="02040503050406030204" charset="0"/>
+                                        <a:cs typeface="Cambria Math" panose="02040503050406030204" charset="0"/>
+                                      </a:rPr>
+                                      <m:t>𝜃</m:t>
+                                    </m:r>
+                                  </m:e>
+                                  <m:sub>
+                                    <m:r>
+                                      <a:rPr lang="en-US" altLang="zh-CN" i="1">
+                                        <a:latin typeface="Cambria Math" panose="02040503050406030204" charset="0"/>
+                                        <a:cs typeface="Cambria Math" panose="02040503050406030204" charset="0"/>
+                                      </a:rPr>
+                                      <m:t>𝑦</m:t>
+                                    </m:r>
+                                  </m:sub>
+                                </m:sSub>
+                                <m:r>
+                                  <a:rPr lang="en-US" i="1">
+                                    <a:latin typeface="Cambria Math" panose="02040503050406030204" charset="0"/>
+                                  </a:rPr>
+                                  <m:t>)</m:t>
+                                </m:r>
+                              </m:e>
+                              <m:e>
+                                <m:r>
+                                  <a:rPr lang="en-US" i="1">
+                                    <a:latin typeface="Cambria Math" panose="02040503050406030204" charset="0"/>
+                                  </a:rPr>
+                                  <m:t>𝑐𝑜𝑠</m:t>
+                                </m:r>
+                                <m:r>
+                                  <a:rPr lang="en-US" i="1">
+                                    <a:latin typeface="Cambria Math" panose="02040503050406030204" charset="0"/>
+                                  </a:rPr>
+                                  <m:t>(</m:t>
+                                </m:r>
+                                <m:sSub>
+                                  <m:sSubPr>
+                                    <m:ctrlPr>
+                                      <a:rPr lang="en-US" altLang="zh-CN" i="1">
+                                        <a:latin typeface="Cambria Math" panose="02040503050406030204" charset="0"/>
+                                        <a:cs typeface="Cambria Math" panose="02040503050406030204" charset="0"/>
+                                      </a:rPr>
+                                    </m:ctrlPr>
+                                  </m:sSubPr>
+                                  <m:e>
+                                    <m:r>
+                                      <a:rPr lang="en-US" altLang="zh-CN" i="1">
+                                        <a:latin typeface="Cambria Math" panose="02040503050406030204" charset="0"/>
+                                        <a:cs typeface="Cambria Math" panose="02040503050406030204" charset="0"/>
+                                      </a:rPr>
+                                      <m:t>𝜃</m:t>
+                                    </m:r>
+                                  </m:e>
+                                  <m:sub>
+                                    <m:r>
+                                      <a:rPr lang="en-US" altLang="zh-CN" i="1">
+                                        <a:latin typeface="Cambria Math" panose="02040503050406030204" charset="0"/>
+                                        <a:cs typeface="Cambria Math" panose="02040503050406030204" charset="0"/>
+                                      </a:rPr>
+                                      <m:t>𝑥</m:t>
+                                    </m:r>
+                                  </m:sub>
+                                </m:sSub>
+                                <m:r>
+                                  <a:rPr lang="en-US" i="1">
+                                    <a:latin typeface="Cambria Math" panose="02040503050406030204" charset="0"/>
+                                  </a:rPr>
+                                  <m:t>)</m:t>
+                                </m:r>
+                                <m:r>
+                                  <a:rPr lang="en-US" i="1">
+                                    <a:latin typeface="Cambria Math" panose="02040503050406030204" charset="0"/>
+                                  </a:rPr>
+                                  <m:t>𝑡𝑎𝑛</m:t>
+                                </m:r>
+                                <m:r>
+                                  <a:rPr lang="en-US" i="1">
+                                    <a:latin typeface="Cambria Math" panose="02040503050406030204" charset="0"/>
+                                  </a:rPr>
+                                  <m:t>(</m:t>
+                                </m:r>
+                                <m:sSub>
+                                  <m:sSubPr>
+                                    <m:ctrlPr>
+                                      <a:rPr lang="en-US" altLang="zh-CN" i="1">
+                                        <a:latin typeface="Cambria Math" panose="02040503050406030204" charset="0"/>
+                                        <a:cs typeface="Cambria Math" panose="02040503050406030204" charset="0"/>
+                                      </a:rPr>
+                                    </m:ctrlPr>
+                                  </m:sSubPr>
+                                  <m:e>
+                                    <m:r>
+                                      <a:rPr lang="en-US" altLang="zh-CN" i="1">
+                                        <a:latin typeface="Cambria Math" panose="02040503050406030204" charset="0"/>
+                                        <a:cs typeface="Cambria Math" panose="02040503050406030204" charset="0"/>
+                                      </a:rPr>
+                                      <m:t>𝜃</m:t>
+                                    </m:r>
+                                  </m:e>
+                                  <m:sub>
+                                    <m:r>
+                                      <a:rPr lang="en-US" altLang="zh-CN" i="1">
+                                        <a:latin typeface="Cambria Math" panose="02040503050406030204" charset="0"/>
+                                        <a:cs typeface="Cambria Math" panose="02040503050406030204" charset="0"/>
+                                      </a:rPr>
+                                      <m:t>𝑦</m:t>
+                                    </m:r>
+                                  </m:sub>
+                                </m:sSub>
+                                <m:r>
+                                  <a:rPr lang="en-US" i="1">
+                                    <a:latin typeface="Cambria Math" panose="02040503050406030204" charset="0"/>
+                                  </a:rPr>
+                                  <m:t>)</m:t>
+                                </m:r>
+                              </m:e>
+                            </m:mr>
+                            <m:mr>
+                              <m:e>
+                                <m:r>
+                                  <a:rPr lang="en-US" altLang="zh-CN" i="1">
+                                    <a:latin typeface="Cambria Math" panose="02040503050406030204" charset="0"/>
+                                    <a:cs typeface="Cambria Math" panose="02040503050406030204" charset="0"/>
+                                  </a:rPr>
+                                  <m:t>0</m:t>
+                                </m:r>
+                              </m:e>
+                              <m:e>
+                                <m:r>
+                                  <a:rPr lang="en-US" i="1">
+                                    <a:latin typeface="Cambria Math" panose="02040503050406030204" charset="0"/>
+                                  </a:rPr>
+                                  <m:t>𝑐𝑜𝑠</m:t>
+                                </m:r>
+                                <m:r>
+                                  <a:rPr lang="en-US" i="1">
+                                    <a:latin typeface="Cambria Math" panose="02040503050406030204" charset="0"/>
+                                  </a:rPr>
+                                  <m:t>(</m:t>
+                                </m:r>
+                                <m:sSub>
+                                  <m:sSubPr>
+                                    <m:ctrlPr>
+                                      <a:rPr lang="en-US" altLang="zh-CN" i="1">
+                                        <a:latin typeface="Cambria Math" panose="02040503050406030204" charset="0"/>
+                                        <a:cs typeface="Cambria Math" panose="02040503050406030204" charset="0"/>
+                                      </a:rPr>
+                                    </m:ctrlPr>
+                                  </m:sSubPr>
+                                  <m:e>
+                                    <m:r>
+                                      <a:rPr lang="en-US" altLang="zh-CN" i="1">
+                                        <a:latin typeface="Cambria Math" panose="02040503050406030204" charset="0"/>
+                                        <a:cs typeface="Cambria Math" panose="02040503050406030204" charset="0"/>
+                                      </a:rPr>
+                                      <m:t>𝜃</m:t>
+                                    </m:r>
+                                  </m:e>
+                                  <m:sub>
+                                    <m:r>
+                                      <a:rPr lang="en-US" altLang="zh-CN" i="1">
+                                        <a:latin typeface="Cambria Math" panose="02040503050406030204" charset="0"/>
+                                        <a:cs typeface="Cambria Math" panose="02040503050406030204" charset="0"/>
+                                      </a:rPr>
+                                      <m:t>𝑥</m:t>
+                                    </m:r>
+                                  </m:sub>
+                                </m:sSub>
+                                <m:r>
+                                  <a:rPr lang="en-US" i="1">
+                                    <a:latin typeface="Cambria Math" panose="02040503050406030204" charset="0"/>
+                                  </a:rPr>
+                                  <m:t>)</m:t>
+                                </m:r>
+                              </m:e>
+                              <m:e>
+                                <m:r>
+                                  <a:rPr lang="en-US" i="1">
+                                    <a:latin typeface="Cambria Math" panose="02040503050406030204" charset="0"/>
+                                  </a:rPr>
+                                  <m:t>−</m:t>
+                                </m:r>
+                                <m:r>
+                                  <a:rPr lang="en-US" i="1">
+                                    <a:latin typeface="Cambria Math" panose="02040503050406030204" charset="0"/>
+                                  </a:rPr>
+                                  <m:t>𝑠𝑖𝑛</m:t>
+                                </m:r>
+                                <m:r>
+                                  <a:rPr lang="en-US" i="1">
+                                    <a:latin typeface="Cambria Math" panose="02040503050406030204" charset="0"/>
+                                  </a:rPr>
+                                  <m:t>(</m:t>
+                                </m:r>
+                                <m:sSub>
+                                  <m:sSubPr>
+                                    <m:ctrlPr>
+                                      <a:rPr lang="en-US" altLang="zh-CN" i="1">
+                                        <a:latin typeface="Cambria Math" panose="02040503050406030204" charset="0"/>
+                                        <a:cs typeface="Cambria Math" panose="02040503050406030204" charset="0"/>
+                                      </a:rPr>
+                                    </m:ctrlPr>
+                                  </m:sSubPr>
+                                  <m:e>
+                                    <m:r>
+                                      <a:rPr lang="en-US" altLang="zh-CN" i="1">
+                                        <a:latin typeface="Cambria Math" panose="02040503050406030204" charset="0"/>
+                                        <a:cs typeface="Cambria Math" panose="02040503050406030204" charset="0"/>
+                                      </a:rPr>
+                                      <m:t>𝜃</m:t>
+                                    </m:r>
+                                  </m:e>
+                                  <m:sub>
+                                    <m:r>
+                                      <a:rPr lang="en-US" altLang="zh-CN" i="1">
+                                        <a:latin typeface="Cambria Math" panose="02040503050406030204" charset="0"/>
+                                        <a:cs typeface="Cambria Math" panose="02040503050406030204" charset="0"/>
+                                      </a:rPr>
+                                      <m:t>𝑥</m:t>
+                                    </m:r>
+                                  </m:sub>
+                                </m:sSub>
+                                <m:r>
+                                  <a:rPr lang="en-US" i="1">
+                                    <a:latin typeface="Cambria Math" panose="02040503050406030204" charset="0"/>
+                                  </a:rPr>
+                                  <m:t>)</m:t>
+                                </m:r>
+                              </m:e>
+                            </m:mr>
+                            <m:mr>
+                              <m:e>
+                                <m:r>
+                                  <a:rPr lang="en-US" altLang="zh-CN" i="1">
+                                    <a:latin typeface="Cambria Math" panose="02040503050406030204" charset="0"/>
+                                    <a:cs typeface="Cambria Math" panose="02040503050406030204" charset="0"/>
+                                  </a:rPr>
+                                  <m:t>0</m:t>
+                                </m:r>
+                              </m:e>
+                              <m:e>
+                                <m:r>
+                                  <a:rPr lang="en-US" i="1">
+                                    <a:latin typeface="Cambria Math" panose="02040503050406030204" charset="0"/>
+                                  </a:rPr>
+                                  <m:t>𝑠𝑖𝑛</m:t>
+                                </m:r>
+                                <m:r>
+                                  <a:rPr lang="en-US" i="1">
+                                    <a:latin typeface="Cambria Math" panose="02040503050406030204" charset="0"/>
+                                  </a:rPr>
+                                  <m:t>(</m:t>
+                                </m:r>
+                                <m:sSub>
+                                  <m:sSubPr>
+                                    <m:ctrlPr>
+                                      <a:rPr lang="en-US" altLang="zh-CN" i="1">
+                                        <a:latin typeface="Cambria Math" panose="02040503050406030204" charset="0"/>
+                                        <a:cs typeface="Cambria Math" panose="02040503050406030204" charset="0"/>
+                                      </a:rPr>
+                                    </m:ctrlPr>
+                                  </m:sSubPr>
+                                  <m:e>
+                                    <m:r>
+                                      <a:rPr lang="en-US" altLang="zh-CN" i="1">
+                                        <a:latin typeface="Cambria Math" panose="02040503050406030204" charset="0"/>
+                                        <a:cs typeface="Cambria Math" panose="02040503050406030204" charset="0"/>
+                                      </a:rPr>
+                                      <m:t>𝜃</m:t>
+                                    </m:r>
+                                  </m:e>
+                                  <m:sub>
+                                    <m:r>
+                                      <a:rPr lang="en-US" altLang="zh-CN" i="1">
+                                        <a:latin typeface="Cambria Math" panose="02040503050406030204" charset="0"/>
+                                        <a:cs typeface="Cambria Math" panose="02040503050406030204" charset="0"/>
+                                      </a:rPr>
+                                      <m:t>𝑥</m:t>
+                                    </m:r>
+                                  </m:sub>
+                                </m:sSub>
+                                <m:r>
+                                  <a:rPr lang="en-US" i="1">
+                                    <a:latin typeface="Cambria Math" panose="02040503050406030204" charset="0"/>
+                                  </a:rPr>
+                                  <m:t>)/</m:t>
+                                </m:r>
+                                <m:r>
+                                  <a:rPr lang="en-US" altLang="zh-CN" i="1">
+                                    <a:latin typeface="Cambria Math" panose="02040503050406030204" charset="0"/>
+                                    <a:cs typeface="Cambria Math" panose="02040503050406030204" charset="0"/>
+                                  </a:rPr>
+                                  <m:t>𝑐𝑜𝑠</m:t>
+                                </m:r>
+                                <m:r>
+                                  <a:rPr lang="en-US" altLang="zh-CN" i="1">
+                                    <a:latin typeface="Cambria Math" panose="02040503050406030204" charset="0"/>
+                                    <a:cs typeface="Cambria Math" panose="02040503050406030204" charset="0"/>
+                                  </a:rPr>
+                                  <m:t>(</m:t>
+                                </m:r>
+                                <m:sSub>
+                                  <m:sSubPr>
+                                    <m:ctrlPr>
+                                      <a:rPr lang="en-US" altLang="zh-CN" i="1">
+                                        <a:latin typeface="Cambria Math" panose="02040503050406030204" charset="0"/>
+                                        <a:cs typeface="Cambria Math" panose="02040503050406030204" charset="0"/>
+                                      </a:rPr>
+                                    </m:ctrlPr>
+                                  </m:sSubPr>
+                                  <m:e>
+                                    <m:r>
+                                      <a:rPr lang="en-US" altLang="zh-CN" i="1">
+                                        <a:latin typeface="Cambria Math" panose="02040503050406030204" charset="0"/>
+                                        <a:cs typeface="Cambria Math" panose="02040503050406030204" charset="0"/>
+                                      </a:rPr>
+                                      <m:t>𝜃</m:t>
+                                    </m:r>
+                                  </m:e>
+                                  <m:sub>
+                                    <m:r>
+                                      <a:rPr lang="en-US" altLang="zh-CN" i="1">
+                                        <a:latin typeface="Cambria Math" panose="02040503050406030204" charset="0"/>
+                                        <a:cs typeface="Cambria Math" panose="02040503050406030204" charset="0"/>
+                                      </a:rPr>
+                                      <m:t>𝑦</m:t>
+                                    </m:r>
+                                  </m:sub>
+                                </m:sSub>
+                                <m:r>
+                                  <a:rPr lang="en-US" altLang="zh-CN" i="1">
+                                    <a:latin typeface="Cambria Math" panose="02040503050406030204" charset="0"/>
+                                    <a:cs typeface="Cambria Math" panose="02040503050406030204" charset="0"/>
+                                  </a:rPr>
+                                  <m:t>)</m:t>
+                                </m:r>
+                              </m:e>
+                              <m:e>
+                                <m:r>
+                                  <a:rPr lang="en-US" i="1">
+                                    <a:latin typeface="Cambria Math" panose="02040503050406030204" charset="0"/>
+                                  </a:rPr>
+                                  <m:t>𝑐𝑜𝑠</m:t>
+                                </m:r>
+                                <m:r>
+                                  <a:rPr lang="en-US" i="1">
+                                    <a:latin typeface="Cambria Math" panose="02040503050406030204" charset="0"/>
+                                  </a:rPr>
+                                  <m:t>(</m:t>
+                                </m:r>
+                                <m:sSub>
+                                  <m:sSubPr>
+                                    <m:ctrlPr>
+                                      <a:rPr lang="en-US" altLang="zh-CN" i="1">
+                                        <a:latin typeface="Cambria Math" panose="02040503050406030204" charset="0"/>
+                                        <a:cs typeface="Cambria Math" panose="02040503050406030204" charset="0"/>
+                                      </a:rPr>
+                                    </m:ctrlPr>
+                                  </m:sSubPr>
+                                  <m:e>
+                                    <m:r>
+                                      <a:rPr lang="en-US" altLang="zh-CN" i="1">
+                                        <a:latin typeface="Cambria Math" panose="02040503050406030204" charset="0"/>
+                                        <a:cs typeface="Cambria Math" panose="02040503050406030204" charset="0"/>
+                                      </a:rPr>
+                                      <m:t>𝜃</m:t>
+                                    </m:r>
+                                  </m:e>
+                                  <m:sub>
+                                    <m:r>
+                                      <a:rPr lang="en-US" altLang="zh-CN" i="1">
+                                        <a:latin typeface="Cambria Math" panose="02040503050406030204" charset="0"/>
+                                        <a:cs typeface="Cambria Math" panose="02040503050406030204" charset="0"/>
+                                      </a:rPr>
+                                      <m:t>𝑥</m:t>
+                                    </m:r>
+                                  </m:sub>
+                                </m:sSub>
+                                <m:r>
+                                  <a:rPr lang="en-US" i="1">
+                                    <a:latin typeface="Cambria Math" panose="02040503050406030204" charset="0"/>
+                                  </a:rPr>
+                                  <m:t>)/</m:t>
+                                </m:r>
+                                <m:r>
+                                  <a:rPr lang="en-US" altLang="zh-CN" i="1">
+                                    <a:latin typeface="Cambria Math" panose="02040503050406030204" charset="0"/>
+                                    <a:cs typeface="Cambria Math" panose="02040503050406030204" charset="0"/>
+                                  </a:rPr>
+                                  <m:t>𝑐𝑜𝑠</m:t>
+                                </m:r>
+                                <m:r>
+                                  <a:rPr lang="en-US" altLang="zh-CN" i="1">
+                                    <a:latin typeface="Cambria Math" panose="02040503050406030204" charset="0"/>
+                                    <a:cs typeface="Cambria Math" panose="02040503050406030204" charset="0"/>
+                                  </a:rPr>
+                                  <m:t>(</m:t>
+                                </m:r>
+                                <m:sSub>
+                                  <m:sSubPr>
+                                    <m:ctrlPr>
+                                      <a:rPr lang="en-US" altLang="zh-CN" i="1">
+                                        <a:latin typeface="Cambria Math" panose="02040503050406030204" charset="0"/>
+                                        <a:cs typeface="Cambria Math" panose="02040503050406030204" charset="0"/>
+                                      </a:rPr>
+                                    </m:ctrlPr>
+                                  </m:sSubPr>
+                                  <m:e>
+                                    <m:r>
+                                      <a:rPr lang="en-US" altLang="zh-CN" i="1">
+                                        <a:latin typeface="Cambria Math" panose="02040503050406030204" charset="0"/>
+                                        <a:cs typeface="Cambria Math" panose="02040503050406030204" charset="0"/>
+                                      </a:rPr>
+                                      <m:t>𝜃</m:t>
+                                    </m:r>
+                                  </m:e>
+                                  <m:sub>
+                                    <m:r>
+                                      <a:rPr lang="en-US" altLang="zh-CN" i="1">
+                                        <a:latin typeface="Cambria Math" panose="02040503050406030204" charset="0"/>
+                                        <a:cs typeface="Cambria Math" panose="02040503050406030204" charset="0"/>
+                                      </a:rPr>
+                                      <m:t>𝑦</m:t>
+                                    </m:r>
+                                  </m:sub>
+                                </m:sSub>
+                                <m:r>
+                                  <a:rPr lang="en-US" altLang="zh-CN" i="1">
+                                    <a:latin typeface="Cambria Math" panose="02040503050406030204" charset="0"/>
+                                    <a:cs typeface="Cambria Math" panose="02040503050406030204" charset="0"/>
+                                  </a:rPr>
+                                  <m:t>)</m:t>
+                                </m:r>
+                              </m:e>
+                            </m:mr>
+                          </m:m>
+                        </m:e>
+                      </m:d>
+                      <m:sSub>
+                        <m:sSubPr>
+                          <m:ctrlPr>
+                            <a:rPr lang="en-US" altLang="zh-CN" i="1">
+                              <a:latin typeface="Cambria Math" panose="02040503050406030204" charset="0"/>
+                              <a:cs typeface="Cambria Math" panose="02040503050406030204" charset="0"/>
+                            </a:rPr>
+                          </m:ctrlPr>
+                        </m:sSubPr>
+                        <m:e>
+                          <m:r>
+                            <a:rPr lang="en-US" altLang="zh-CN" i="1">
+                              <a:latin typeface="Cambria Math" panose="02040503050406030204" charset="0"/>
+                              <a:cs typeface="Cambria Math" panose="02040503050406030204" charset="0"/>
+                            </a:rPr>
+                            <m:t>𝑤</m:t>
+                          </m:r>
+                        </m:e>
+                        <m:sub>
+                          <m:r>
+                            <a:rPr lang="en-US" altLang="zh-CN" i="1">
+                              <a:latin typeface="Cambria Math" panose="02040503050406030204" charset="0"/>
+                              <a:cs typeface="Cambria Math" panose="02040503050406030204" charset="0"/>
+                            </a:rPr>
+                            <m:t>𝑖</m:t>
+                          </m:r>
+                        </m:sub>
+                      </m:sSub>
+                    </m:oMath>
+                  </m:oMathPara>
+                </a14:m>
+                <a:endParaRPr lang="en-US" altLang="zh-CN" i="1">
+                  <a:latin typeface="Cambria Math" panose="02040503050406030204" charset="0"/>
+                  <a:cs typeface="Cambria Math" panose="02040503050406030204" charset="0"/>
+                </a:endParaRPr>
+              </a:p>
+            </p:txBody>
+          </p:sp>
+        </mc:Choice>
+        <mc:Fallback>
+          <p:sp>
+            <p:nvSpPr>
+              <p:cNvPr id="5" name="文本框 4"/>
+              <p:cNvSpPr txBox="1">
+                <a:spLocks noRot="1" noChangeAspect="1" noMove="1" noResize="1" noEditPoints="1" noAdjustHandles="1" noChangeArrowheads="1" noChangeShapeType="1" noTextEdit="1"/>
+              </p:cNvSpPr>
+              <p:nvPr/>
+            </p:nvSpPr>
+            <p:spPr>
+              <a:xfrm>
+                <a:off x="2689860" y="2787015"/>
+                <a:ext cx="6096000" cy="967105"/>
+              </a:xfrm>
+              <a:prstGeom prst="rect">
+                <a:avLst/>
+              </a:prstGeom>
+              <a:blipFill rotWithShape="1">
+                <a:blip r:embed="rId2"/>
+                <a:stretch>
+                  <a:fillRect/>
+                </a:stretch>
+              </a:blipFill>
+            </p:spPr>
+            <p:txBody>
+              <a:bodyPr/>
+              <a:lstStyle/>
+              <a:p>
+                <a:r>
+                  <a:rPr lang="zh-CN" altLang="en-US">
+                    <a:noFill/>
+                  </a:rPr>
+                  <a:t> </a:t>
+                </a:r>
+              </a:p>
+            </p:txBody>
+          </p:sp>
+        </mc:Fallback>
+      </mc:AlternateContent>
+    </p:spTree>
+  </p:cSld>
+  <p:clrMapOvr>
+    <a:masterClrMapping/>
+  </p:clrMapOvr>
+</p:sld>
+</file>
+
 <file path=ppt/slides/slide2.xml><?xml version="1.0" encoding="utf-8"?>
 <p:sld xmlns:a="http://schemas.openxmlformats.org/drawingml/2006/main" xmlns:r="http://schemas.openxmlformats.org/officeDocument/2006/relationships" xmlns:p="http://schemas.openxmlformats.org/presentationml/2006/main">
   <p:cSld>
@@ -11732,7 +19764,14 @@
                               <a:latin typeface="Cambria Math" panose="02040503050406030204" charset="0"/>
                               <a:cs typeface="Cambria Math" panose="02040503050406030204" charset="0"/>
                             </a:rPr>
-                            <m:t>𝐼−</m:t>
+                            <m:t>𝐼</m:t>
+                          </m:r>
+                          <m:r>
+                            <a:rPr lang="en-US" altLang="zh-CN" i="1">
+                              <a:latin typeface="Cambria Math" panose="02040503050406030204" charset="0"/>
+                              <a:cs typeface="Cambria Math" panose="02040503050406030204" charset="0"/>
+                            </a:rPr>
+                            <m:t>−</m:t>
                           </m:r>
                           <m:sSub>
                             <m:sSubPr>
@@ -19410,6 +27449,54 @@
 </p:sld>
 </file>
 
+<file path=ppt/slides/slide9.xml><?xml version="1.0" encoding="utf-8"?>
+<p:sld xmlns:a="http://schemas.openxmlformats.org/drawingml/2006/main" xmlns:r="http://schemas.openxmlformats.org/officeDocument/2006/relationships" xmlns:p="http://schemas.openxmlformats.org/presentationml/2006/main">
+  <p:cSld>
+    <p:spTree>
+      <p:nvGrpSpPr>
+        <p:cNvPr id="1" name=""/>
+        <p:cNvGrpSpPr/>
+        <p:nvPr/>
+      </p:nvGrpSpPr>
+      <p:grpSpPr/>
+      <p:sp>
+        <p:nvSpPr>
+          <p:cNvPr id="4" name="文本框 3"/>
+          <p:cNvSpPr txBox="1"/>
+          <p:nvPr/>
+        </p:nvSpPr>
+        <p:spPr>
+          <a:xfrm>
+            <a:off x="2985770" y="2383155"/>
+            <a:ext cx="5640070" cy="1445260"/>
+          </a:xfrm>
+          <a:prstGeom prst="rect">
+            <a:avLst/>
+          </a:prstGeom>
+          <a:noFill/>
+        </p:spPr>
+        <p:txBody>
+          <a:bodyPr wrap="square" rtlCol="0">
+            <a:spAutoFit/>
+          </a:bodyPr>
+          <a:p>
+            <a:pPr algn="ctr"/>
+            <a:r>
+              <a:rPr lang="zh-CN" altLang="en-US" sz="8800"/>
+              <a:t>状态估计</a:t>
+            </a:r>
+            <a:endParaRPr lang="zh-CN" altLang="en-US" sz="8800"/>
+          </a:p>
+        </p:txBody>
+      </p:sp>
+    </p:spTree>
+  </p:cSld>
+  <p:clrMapOvr>
+    <a:masterClrMapping/>
+  </p:clrMapOvr>
+</p:sld>
+</file>
+
 <file path=ppt/theme/theme1.xml><?xml version="1.0" encoding="utf-8"?>
 <a:theme xmlns:a="http://schemas.openxmlformats.org/drawingml/2006/main" name="WPS">
   <a:themeElements>

--- a/滤波.pptx
+++ b/滤波.pptx
@@ -4,6 +4,9 @@
   <p:sldMasterIdLst>
     <p:sldMasterId id="2147483648" r:id="rId1"/>
   </p:sldMasterIdLst>
+  <p:notesMasterIdLst>
+    <p:notesMasterId r:id="rId18"/>
+  </p:notesMasterIdLst>
   <p:sldIdLst>
     <p:sldId id="256" r:id="rId3"/>
     <p:sldId id="272" r:id="rId4"/>
@@ -19,6 +22,9 @@
     <p:sldId id="282" r:id="rId14"/>
     <p:sldId id="283" r:id="rId15"/>
     <p:sldId id="284" r:id="rId16"/>
+    <p:sldId id="285" r:id="rId17"/>
+    <p:sldId id="286" r:id="rId19"/>
+    <p:sldId id="287" r:id="rId20"/>
   </p:sldIdLst>
   <p:sldSz cx="12192000" cy="6858000"/>
   <p:notesSz cx="6858000" cy="9144000"/>
@@ -125,7 +131,7 @@
             <a:srgbClr val="A4A3A4"/>
           </p15:clr>
         </p15:guide>
-        <p15:guide id="2" pos="3812" userDrawn="1">
+        <p15:guide id="2" pos="3830" userDrawn="1">
           <p15:clr>
             <a:srgbClr val="A4A3A4"/>
           </p15:clr>
@@ -134,6 +140,401 @@
     </p:ext>
   </p:extLst>
 </p:presentation>
+</file>
+
+<file path=ppt/notesMasters/notesMaster1.xml><?xml version="1.0" encoding="utf-8"?>
+<p:notesMaster xmlns:a="http://schemas.openxmlformats.org/drawingml/2006/main" xmlns:r="http://schemas.openxmlformats.org/officeDocument/2006/relationships" xmlns:p="http://schemas.openxmlformats.org/presentationml/2006/main">
+  <p:cSld>
+    <p:bg>
+      <p:bgRef idx="1001">
+        <a:schemeClr val="bg1"/>
+      </p:bgRef>
+    </p:bg>
+    <p:spTree>
+      <p:nvGrpSpPr>
+        <p:cNvPr id="1" name=""/>
+        <p:cNvGrpSpPr/>
+        <p:nvPr/>
+      </p:nvGrpSpPr>
+      <p:grpSpPr>
+        <a:xfrm>
+          <a:off x="0" y="0"/>
+          <a:ext cx="0" cy="0"/>
+          <a:chOff x="0" y="0"/>
+          <a:chExt cx="0" cy="0"/>
+        </a:xfrm>
+      </p:grpSpPr>
+      <p:sp>
+        <p:nvSpPr>
+          <p:cNvPr id="2" name="页眉占位符 1"/>
+          <p:cNvSpPr>
+            <a:spLocks noGrp="1"/>
+          </p:cNvSpPr>
+          <p:nvPr>
+            <p:ph type="hdr" sz="quarter"/>
+          </p:nvPr>
+        </p:nvSpPr>
+        <p:spPr>
+          <a:xfrm>
+            <a:off x="0" y="0"/>
+            <a:ext cx="2971800" cy="458788"/>
+          </a:xfrm>
+          <a:prstGeom prst="rect">
+            <a:avLst/>
+          </a:prstGeom>
+        </p:spPr>
+        <p:txBody>
+          <a:bodyPr vert="horz" lIns="91440" tIns="45720" rIns="91440" bIns="45720" rtlCol="0"/>
+          <a:lstStyle>
+            <a:lvl1pPr algn="l">
+              <a:defRPr sz="1200"/>
+            </a:lvl1pPr>
+          </a:lstStyle>
+          <a:p>
+            <a:endParaRPr lang="zh-CN" altLang="en-US"/>
+          </a:p>
+        </p:txBody>
+      </p:sp>
+      <p:sp>
+        <p:nvSpPr>
+          <p:cNvPr id="3" name="日期占位符 2"/>
+          <p:cNvSpPr>
+            <a:spLocks noGrp="1"/>
+          </p:cNvSpPr>
+          <p:nvPr>
+            <p:ph type="dt" idx="1"/>
+          </p:nvPr>
+        </p:nvSpPr>
+        <p:spPr>
+          <a:xfrm>
+            <a:off x="3884613" y="0"/>
+            <a:ext cx="2971800" cy="458788"/>
+          </a:xfrm>
+          <a:prstGeom prst="rect">
+            <a:avLst/>
+          </a:prstGeom>
+        </p:spPr>
+        <p:txBody>
+          <a:bodyPr vert="horz" lIns="91440" tIns="45720" rIns="91440" bIns="45720" rtlCol="0"/>
+          <a:lstStyle>
+            <a:lvl1pPr algn="r">
+              <a:defRPr sz="1200"/>
+            </a:lvl1pPr>
+          </a:lstStyle>
+          <a:p>
+            <a:fld id="{D2A48B96-639E-45A3-A0BA-2464DFDB1FAA}" type="datetimeFigureOut">
+              <a:rPr lang="zh-CN" altLang="en-US" smtClean="0"/>
+            </a:fld>
+            <a:endParaRPr lang="zh-CN" altLang="en-US"/>
+          </a:p>
+        </p:txBody>
+      </p:sp>
+      <p:sp>
+        <p:nvSpPr>
+          <p:cNvPr id="4" name="幻灯片图像占位符 3"/>
+          <p:cNvSpPr>
+            <a:spLocks noGrp="1" noRot="1" noChangeAspect="1"/>
+          </p:cNvSpPr>
+          <p:nvPr>
+            <p:ph type="sldImg" idx="2"/>
+          </p:nvPr>
+        </p:nvSpPr>
+        <p:spPr>
+          <a:xfrm>
+            <a:off x="685800" y="1143000"/>
+            <a:ext cx="5486400" cy="3086100"/>
+          </a:xfrm>
+          <a:prstGeom prst="rect">
+            <a:avLst/>
+          </a:prstGeom>
+          <a:noFill/>
+          <a:ln w="12700">
+            <a:solidFill>
+              <a:prstClr val="black"/>
+            </a:solidFill>
+          </a:ln>
+        </p:spPr>
+        <p:txBody>
+          <a:bodyPr vert="horz" lIns="91440" tIns="45720" rIns="91440" bIns="45720" rtlCol="0" anchor="ctr"/>
+          <a:lstStyle/>
+          <a:p>
+            <a:endParaRPr lang="zh-CN" altLang="en-US"/>
+          </a:p>
+        </p:txBody>
+      </p:sp>
+      <p:sp>
+        <p:nvSpPr>
+          <p:cNvPr id="5" name="备注占位符 4"/>
+          <p:cNvSpPr>
+            <a:spLocks noGrp="1"/>
+          </p:cNvSpPr>
+          <p:nvPr>
+            <p:ph type="body" sz="quarter" idx="3"/>
+          </p:nvPr>
+        </p:nvSpPr>
+        <p:spPr>
+          <a:xfrm>
+            <a:off x="685800" y="4400550"/>
+            <a:ext cx="5486400" cy="3600450"/>
+          </a:xfrm>
+          <a:prstGeom prst="rect">
+            <a:avLst/>
+          </a:prstGeom>
+        </p:spPr>
+        <p:txBody>
+          <a:bodyPr vert="horz" lIns="91440" tIns="45720" rIns="91440" bIns="45720" rtlCol="0"/>
+          <a:lstStyle/>
+          <a:p>
+            <a:pPr lvl="0"/>
+            <a:r>
+              <a:rPr lang="zh-CN" altLang="en-US" smtClean="0"/>
+              <a:t>单击此处编辑母版文本样式</a:t>
+            </a:r>
+            <a:endParaRPr lang="zh-CN" altLang="en-US" smtClean="0"/>
+          </a:p>
+          <a:p>
+            <a:pPr lvl="1"/>
+            <a:r>
+              <a:rPr lang="zh-CN" altLang="en-US" smtClean="0"/>
+              <a:t>第二级</a:t>
+            </a:r>
+            <a:endParaRPr lang="zh-CN" altLang="en-US" smtClean="0"/>
+          </a:p>
+          <a:p>
+            <a:pPr lvl="2"/>
+            <a:r>
+              <a:rPr lang="zh-CN" altLang="en-US" smtClean="0"/>
+              <a:t>第三级</a:t>
+            </a:r>
+            <a:endParaRPr lang="zh-CN" altLang="en-US" smtClean="0"/>
+          </a:p>
+          <a:p>
+            <a:pPr lvl="3"/>
+            <a:r>
+              <a:rPr lang="zh-CN" altLang="en-US" smtClean="0"/>
+              <a:t>第四级</a:t>
+            </a:r>
+            <a:endParaRPr lang="zh-CN" altLang="en-US" smtClean="0"/>
+          </a:p>
+          <a:p>
+            <a:pPr lvl="4"/>
+            <a:r>
+              <a:rPr lang="zh-CN" altLang="en-US" smtClean="0"/>
+              <a:t>第五级</a:t>
+            </a:r>
+            <a:endParaRPr lang="zh-CN" altLang="en-US"/>
+          </a:p>
+        </p:txBody>
+      </p:sp>
+      <p:sp>
+        <p:nvSpPr>
+          <p:cNvPr id="6" name="页脚占位符 5"/>
+          <p:cNvSpPr>
+            <a:spLocks noGrp="1"/>
+          </p:cNvSpPr>
+          <p:nvPr>
+            <p:ph type="ftr" sz="quarter" idx="4"/>
+          </p:nvPr>
+        </p:nvSpPr>
+        <p:spPr>
+          <a:xfrm>
+            <a:off x="0" y="8685213"/>
+            <a:ext cx="2971800" cy="458787"/>
+          </a:xfrm>
+          <a:prstGeom prst="rect">
+            <a:avLst/>
+          </a:prstGeom>
+        </p:spPr>
+        <p:txBody>
+          <a:bodyPr vert="horz" lIns="91440" tIns="45720" rIns="91440" bIns="45720" rtlCol="0" anchor="b"/>
+          <a:lstStyle>
+            <a:lvl1pPr algn="l">
+              <a:defRPr sz="1200"/>
+            </a:lvl1pPr>
+          </a:lstStyle>
+          <a:p>
+            <a:endParaRPr lang="zh-CN" altLang="en-US"/>
+          </a:p>
+        </p:txBody>
+      </p:sp>
+      <p:sp>
+        <p:nvSpPr>
+          <p:cNvPr id="7" name="灯片编号占位符 6"/>
+          <p:cNvSpPr>
+            <a:spLocks noGrp="1"/>
+          </p:cNvSpPr>
+          <p:nvPr>
+            <p:ph type="sldNum" sz="quarter" idx="5"/>
+          </p:nvPr>
+        </p:nvSpPr>
+        <p:spPr>
+          <a:xfrm>
+            <a:off x="3884613" y="8685213"/>
+            <a:ext cx="2971800" cy="458787"/>
+          </a:xfrm>
+          <a:prstGeom prst="rect">
+            <a:avLst/>
+          </a:prstGeom>
+        </p:spPr>
+        <p:txBody>
+          <a:bodyPr vert="horz" lIns="91440" tIns="45720" rIns="91440" bIns="45720" rtlCol="0" anchor="b"/>
+          <a:lstStyle>
+            <a:lvl1pPr algn="r">
+              <a:defRPr sz="1200"/>
+            </a:lvl1pPr>
+          </a:lstStyle>
+          <a:p>
+            <a:fld id="{A6837353-30EB-4A48-80EB-173D804AEFBD}" type="slidenum">
+              <a:rPr lang="zh-CN" altLang="en-US" smtClean="0"/>
+            </a:fld>
+            <a:endParaRPr lang="zh-CN" altLang="en-US"/>
+          </a:p>
+        </p:txBody>
+      </p:sp>
+    </p:spTree>
+  </p:cSld>
+  <p:clrMap bg1="lt1" tx1="dk1" bg2="lt2" tx2="dk2" accent1="accent1" accent2="accent2" accent3="accent3" accent4="accent4" accent5="accent5" accent6="accent6" hlink="hlink" folHlink="folHlink"/>
+  <p:notesStyle>
+    <a:lvl1pPr marL="0" algn="l" defTabSz="914400" rtl="0" eaLnBrk="1" latinLnBrk="0" hangingPunct="1">
+      <a:defRPr sz="1200" kern="1200">
+        <a:solidFill>
+          <a:schemeClr val="tx1"/>
+        </a:solidFill>
+        <a:latin typeface="+mn-lt"/>
+        <a:ea typeface="+mn-ea"/>
+        <a:cs typeface="+mn-cs"/>
+      </a:defRPr>
+    </a:lvl1pPr>
+    <a:lvl2pPr marL="457200" algn="l" defTabSz="914400" rtl="0" eaLnBrk="1" latinLnBrk="0" hangingPunct="1">
+      <a:defRPr sz="1200" kern="1200">
+        <a:solidFill>
+          <a:schemeClr val="tx1"/>
+        </a:solidFill>
+        <a:latin typeface="+mn-lt"/>
+        <a:ea typeface="+mn-ea"/>
+        <a:cs typeface="+mn-cs"/>
+      </a:defRPr>
+    </a:lvl2pPr>
+    <a:lvl3pPr marL="914400" algn="l" defTabSz="914400" rtl="0" eaLnBrk="1" latinLnBrk="0" hangingPunct="1">
+      <a:defRPr sz="1200" kern="1200">
+        <a:solidFill>
+          <a:schemeClr val="tx1"/>
+        </a:solidFill>
+        <a:latin typeface="+mn-lt"/>
+        <a:ea typeface="+mn-ea"/>
+        <a:cs typeface="+mn-cs"/>
+      </a:defRPr>
+    </a:lvl3pPr>
+    <a:lvl4pPr marL="1371600" algn="l" defTabSz="914400" rtl="0" eaLnBrk="1" latinLnBrk="0" hangingPunct="1">
+      <a:defRPr sz="1200" kern="1200">
+        <a:solidFill>
+          <a:schemeClr val="tx1"/>
+        </a:solidFill>
+        <a:latin typeface="+mn-lt"/>
+        <a:ea typeface="+mn-ea"/>
+        <a:cs typeface="+mn-cs"/>
+      </a:defRPr>
+    </a:lvl4pPr>
+    <a:lvl5pPr marL="1828800" algn="l" defTabSz="914400" rtl="0" eaLnBrk="1" latinLnBrk="0" hangingPunct="1">
+      <a:defRPr sz="1200" kern="1200">
+        <a:solidFill>
+          <a:schemeClr val="tx1"/>
+        </a:solidFill>
+        <a:latin typeface="+mn-lt"/>
+        <a:ea typeface="+mn-ea"/>
+        <a:cs typeface="+mn-cs"/>
+      </a:defRPr>
+    </a:lvl5pPr>
+    <a:lvl6pPr marL="2286000" algn="l" defTabSz="914400" rtl="0" eaLnBrk="1" latinLnBrk="0" hangingPunct="1">
+      <a:defRPr sz="1200" kern="1200">
+        <a:solidFill>
+          <a:schemeClr val="tx1"/>
+        </a:solidFill>
+        <a:latin typeface="+mn-lt"/>
+        <a:ea typeface="+mn-ea"/>
+        <a:cs typeface="+mn-cs"/>
+      </a:defRPr>
+    </a:lvl6pPr>
+    <a:lvl7pPr marL="2743200" algn="l" defTabSz="914400" rtl="0" eaLnBrk="1" latinLnBrk="0" hangingPunct="1">
+      <a:defRPr sz="1200" kern="1200">
+        <a:solidFill>
+          <a:schemeClr val="tx1"/>
+        </a:solidFill>
+        <a:latin typeface="+mn-lt"/>
+        <a:ea typeface="+mn-ea"/>
+        <a:cs typeface="+mn-cs"/>
+      </a:defRPr>
+    </a:lvl7pPr>
+    <a:lvl8pPr marL="3200400" algn="l" defTabSz="914400" rtl="0" eaLnBrk="1" latinLnBrk="0" hangingPunct="1">
+      <a:defRPr sz="1200" kern="1200">
+        <a:solidFill>
+          <a:schemeClr val="tx1"/>
+        </a:solidFill>
+        <a:latin typeface="+mn-lt"/>
+        <a:ea typeface="+mn-ea"/>
+        <a:cs typeface="+mn-cs"/>
+      </a:defRPr>
+    </a:lvl8pPr>
+    <a:lvl9pPr marL="3657600" algn="l" defTabSz="914400" rtl="0" eaLnBrk="1" latinLnBrk="0" hangingPunct="1">
+      <a:defRPr sz="1200" kern="1200">
+        <a:solidFill>
+          <a:schemeClr val="tx1"/>
+        </a:solidFill>
+        <a:latin typeface="+mn-lt"/>
+        <a:ea typeface="+mn-ea"/>
+        <a:cs typeface="+mn-cs"/>
+      </a:defRPr>
+    </a:lvl9pPr>
+  </p:notesStyle>
+</p:notesMaster>
+</file>
+
+<file path=ppt/notesSlides/notesSlide1.xml><?xml version="1.0" encoding="utf-8"?>
+<p:notes xmlns:a="http://schemas.openxmlformats.org/drawingml/2006/main" xmlns:r="http://schemas.openxmlformats.org/officeDocument/2006/relationships" xmlns:p="http://schemas.openxmlformats.org/presentationml/2006/main">
+  <p:cSld>
+    <p:spTree>
+      <p:nvGrpSpPr>
+        <p:cNvPr id="1" name=""/>
+        <p:cNvGrpSpPr/>
+        <p:nvPr/>
+      </p:nvGrpSpPr>
+      <p:grpSpPr/>
+      <p:sp>
+        <p:nvSpPr>
+          <p:cNvPr id="2" name="幻灯片图像占位符 1"/>
+          <p:cNvSpPr>
+            <a:spLocks noGrp="1"/>
+          </p:cNvSpPr>
+          <p:nvPr>
+            <p:ph type="sldImg" idx="2"/>
+          </p:nvPr>
+        </p:nvSpPr>
+        <p:spPr/>
+      </p:sp>
+      <p:sp>
+        <p:nvSpPr>
+          <p:cNvPr id="3" name="文本占位符 2"/>
+          <p:cNvSpPr>
+            <a:spLocks noGrp="1"/>
+          </p:cNvSpPr>
+          <p:nvPr>
+            <p:ph type="body" idx="3"/>
+          </p:nvPr>
+        </p:nvSpPr>
+        <p:spPr/>
+        <p:txBody>
+          <a:bodyPr/>
+          <a:p>
+            <a:endParaRPr lang="zh-CN" altLang="en-US"/>
+          </a:p>
+        </p:txBody>
+      </p:sp>
+    </p:spTree>
+  </p:cSld>
+  <p:clrMapOvr>
+    <a:masterClrMapping/>
+  </p:clrMapOvr>
+</p:notes>
 </file>
 
 <file path=ppt/slideLayouts/slideLayout1.xml><?xml version="1.0" encoding="utf-8"?>
@@ -5006,7 +5407,14 @@
                                     <a:latin typeface="Cambria Math" panose="02040503050406030204" charset="0"/>
                                     <a:cs typeface="Cambria Math" panose="02040503050406030204" charset="0"/>
                                   </a:rPr>
-                                  <m:t>−𝑠𝑖𝑛</m:t>
+                                  <m:t>−</m:t>
+                                </m:r>
+                                <m:r>
+                                  <a:rPr lang="en-US" altLang="zh-CN" i="1">
+                                    <a:latin typeface="Cambria Math" panose="02040503050406030204" charset="0"/>
+                                    <a:cs typeface="Cambria Math" panose="02040503050406030204" charset="0"/>
+                                  </a:rPr>
+                                  <m:t>𝑠𝑖𝑛</m:t>
                                 </m:r>
                                 <m:r>
                                   <a:rPr lang="en-US" altLang="zh-CN" i="1">
@@ -5376,7 +5784,13 @@
                                   <a:rPr lang="en-US" i="1">
                                     <a:latin typeface="Cambria Math" panose="02040503050406030204" charset="0"/>
                                   </a:rPr>
-                                  <m:t>−𝑠𝑖𝑛</m:t>
+                                  <m:t>−</m:t>
+                                </m:r>
+                                <m:r>
+                                  <a:rPr lang="en-US" i="1">
+                                    <a:latin typeface="Cambria Math" panose="02040503050406030204" charset="0"/>
+                                  </a:rPr>
+                                  <m:t>𝑠𝑖𝑛</m:t>
                                 </m:r>
                                 <m:r>
                                   <a:rPr lang="en-US" i="1">
@@ -5600,7 +6014,13 @@
                                   <a:rPr lang="en-US" i="1">
                                     <a:latin typeface="Cambria Math" panose="02040503050406030204" charset="0"/>
                                   </a:rPr>
-                                  <m:t>−𝑠𝑖𝑛</m:t>
+                                  <m:t>−</m:t>
+                                </m:r>
+                                <m:r>
+                                  <a:rPr lang="en-US" i="1">
+                                    <a:latin typeface="Cambria Math" panose="02040503050406030204" charset="0"/>
+                                  </a:rPr>
+                                  <m:t>𝑠𝑖𝑛</m:t>
                                 </m:r>
                                 <m:r>
                                   <a:rPr lang="en-US" i="1">
@@ -11156,6 +11576,5938 @@
               </a:prstGeom>
               <a:blipFill rotWithShape="1">
                 <a:blip r:embed="rId2"/>
+                <a:stretch>
+                  <a:fillRect/>
+                </a:stretch>
+              </a:blipFill>
+            </p:spPr>
+            <p:txBody>
+              <a:bodyPr/>
+              <a:lstStyle/>
+              <a:p>
+                <a:r>
+                  <a:rPr lang="zh-CN" altLang="en-US">
+                    <a:noFill/>
+                  </a:rPr>
+                  <a:t> </a:t>
+                </a:r>
+              </a:p>
+            </p:txBody>
+          </p:sp>
+        </mc:Fallback>
+      </mc:AlternateContent>
+    </p:spTree>
+  </p:cSld>
+  <p:clrMapOvr>
+    <a:masterClrMapping/>
+  </p:clrMapOvr>
+</p:sld>
+</file>
+
+<file path=ppt/slides/slide15.xml><?xml version="1.0" encoding="utf-8"?>
+<p:sld xmlns:a="http://schemas.openxmlformats.org/drawingml/2006/main" xmlns:r="http://schemas.openxmlformats.org/officeDocument/2006/relationships" xmlns:p="http://schemas.openxmlformats.org/presentationml/2006/main">
+  <p:cSld>
+    <p:spTree>
+      <p:nvGrpSpPr>
+        <p:cNvPr id="1" name=""/>
+        <p:cNvGrpSpPr/>
+        <p:nvPr/>
+      </p:nvGrpSpPr>
+      <p:grpSpPr/>
+      <mc:AlternateContent xmlns:mc="http://schemas.openxmlformats.org/markup-compatibility/2006">
+        <mc:Choice xmlns:a14="http://schemas.microsoft.com/office/drawing/2010/main" Requires="a14">
+          <p:sp>
+            <p:nvSpPr>
+              <p:cNvPr id="4" name="文本框 3"/>
+              <p:cNvSpPr txBox="1"/>
+              <p:nvPr/>
+            </p:nvSpPr>
+            <p:spPr>
+              <a:xfrm>
+                <a:off x="505460" y="930275"/>
+                <a:ext cx="10159365" cy="1184910"/>
+              </a:xfrm>
+              <a:prstGeom prst="rect">
+                <a:avLst/>
+              </a:prstGeom>
+              <a:noFill/>
+            </p:spPr>
+            <p:txBody>
+              <a:bodyPr wrap="square" rtlCol="0">
+                <a:spAutoFit/>
+              </a:bodyPr>
+              <a:p>
+                <a:r>
+                  <a:rPr lang="zh-CN" altLang="en-US"/>
+                  <a:t>状态向量：</a:t>
+                </a:r>
+                <a:endParaRPr lang="zh-CN" altLang="en-US"/>
+              </a:p>
+              <a:p>
+                <a14:m>
+                  <m:oMathPara xmlns:m="http://schemas.openxmlformats.org/officeDocument/2006/math">
+                    <m:oMathParaPr>
+                      <m:jc m:val="left"/>
+                    </m:oMathParaPr>
+                    <m:oMath xmlns:m="http://schemas.openxmlformats.org/officeDocument/2006/math">
+                      <m:r>
+                        <a:rPr lang="en-US" altLang="zh-CN" b="1" i="1">
+                          <a:latin typeface="Cambria Math" panose="02040503050406030204" charset="0"/>
+                          <a:cs typeface="Cambria Math" panose="02040503050406030204" charset="0"/>
+                        </a:rPr>
+                        <m:t>𝑿</m:t>
+                      </m:r>
+                      <m:r>
+                        <a:rPr lang="en-US" altLang="zh-CN" i="1">
+                          <a:latin typeface="Cambria Math" panose="02040503050406030204" charset="0"/>
+                          <a:cs typeface="Cambria Math" panose="02040503050406030204" charset="0"/>
+                        </a:rPr>
+                        <m:t>=</m:t>
+                      </m:r>
+                      <m:sSup>
+                        <m:sSupPr>
+                          <m:ctrlPr>
+                            <a:rPr lang="en-US" altLang="zh-CN" i="1">
+                              <a:latin typeface="Cambria Math" panose="02040503050406030204" charset="0"/>
+                              <a:cs typeface="Cambria Math" panose="02040503050406030204" charset="0"/>
+                            </a:rPr>
+                          </m:ctrlPr>
+                        </m:sSupPr>
+                        <m:e>
+                          <m:d>
+                            <m:dPr>
+                              <m:begChr m:val="["/>
+                              <m:endChr m:val="]"/>
+                              <m:ctrlPr>
+                                <a:rPr lang="en-US" altLang="zh-CN" i="1">
+                                  <a:latin typeface="Cambria Math" panose="02040503050406030204" charset="0"/>
+                                  <a:cs typeface="Cambria Math" panose="02040503050406030204" charset="0"/>
+                                </a:rPr>
+                              </m:ctrlPr>
+                            </m:dPr>
+                            <m:e>
+                              <m:m>
+                                <m:mPr>
+                                  <m:mcs>
+                                    <m:mc>
+                                      <m:mcPr>
+                                        <m:count m:val="21"/>
+                                        <m:mcJc m:val="center"/>
+                                      </m:mcPr>
+                                    </m:mc>
+                                  </m:mcs>
+                                  <m:ctrlPr>
+                                    <a:rPr lang="en-US" altLang="zh-CN" i="1">
+                                      <a:latin typeface="Cambria Math" panose="02040503050406030204" charset="0"/>
+                                      <a:cs typeface="Cambria Math" panose="02040503050406030204" charset="0"/>
+                                    </a:rPr>
+                                  </m:ctrlPr>
+                                </m:mPr>
+                                <m:mr>
+                                  <m:e>
+                                    <m:r>
+                                      <a:rPr lang="en-US" altLang="zh-CN" i="1">
+                                        <a:latin typeface="Cambria Math" panose="02040503050406030204" charset="0"/>
+                                        <a:cs typeface="Cambria Math" panose="02040503050406030204" charset="0"/>
+                                      </a:rPr>
+                                      <m:t>𝑥</m:t>
+                                    </m:r>
+                                  </m:e>
+                                  <m:e>
+                                    <m:r>
+                                      <a:rPr lang="en-US" altLang="zh-CN" i="1">
+                                        <a:latin typeface="Cambria Math" panose="02040503050406030204" charset="0"/>
+                                        <a:cs typeface="Cambria Math" panose="02040503050406030204" charset="0"/>
+                                      </a:rPr>
+                                      <m:t>𝑦</m:t>
+                                    </m:r>
+                                  </m:e>
+                                  <m:e>
+                                    <m:r>
+                                      <a:rPr lang="en-US" altLang="zh-CN" i="1">
+                                        <a:latin typeface="Cambria Math" panose="02040503050406030204" charset="0"/>
+                                        <a:cs typeface="Cambria Math" panose="02040503050406030204" charset="0"/>
+                                      </a:rPr>
+                                      <m:t>𝑧</m:t>
+                                    </m:r>
+                                  </m:e>
+                                  <m:e>
+                                    <m:r>
+                                      <a:rPr lang="en-US" altLang="zh-CN" i="1">
+                                        <a:latin typeface="Cambria Math" panose="02040503050406030204" charset="0"/>
+                                        <a:cs typeface="Cambria Math" panose="02040503050406030204" charset="0"/>
+                                      </a:rPr>
+                                      <m:t>𝜙</m:t>
+                                    </m:r>
+                                  </m:e>
+                                  <m:e>
+                                    <m:r>
+                                      <a:rPr lang="en-US" altLang="zh-CN" i="1">
+                                        <a:latin typeface="Cambria Math" panose="02040503050406030204" charset="0"/>
+                                        <a:cs typeface="Cambria Math" panose="02040503050406030204" charset="0"/>
+                                      </a:rPr>
+                                      <m:t>𝜃</m:t>
+                                    </m:r>
+                                  </m:e>
+                                  <m:e>
+                                    <m:r>
+                                      <a:rPr lang="en-US" altLang="zh-CN" i="1">
+                                        <a:latin typeface="Cambria Math" panose="02040503050406030204" charset="0"/>
+                                        <a:cs typeface="Cambria Math" panose="02040503050406030204" charset="0"/>
+                                      </a:rPr>
+                                      <m:t>𝜓</m:t>
+                                    </m:r>
+                                  </m:e>
+                                  <m:e>
+                                    <m:sSub>
+                                      <m:sSubPr>
+                                        <m:ctrlPr>
+                                          <a:rPr lang="en-US" altLang="zh-CN" i="1">
+                                            <a:latin typeface="Cambria Math" panose="02040503050406030204" charset="0"/>
+                                            <a:cs typeface="Cambria Math" panose="02040503050406030204" charset="0"/>
+                                          </a:rPr>
+                                        </m:ctrlPr>
+                                      </m:sSubPr>
+                                      <m:e>
+                                        <m:r>
+                                          <a:rPr lang="en-US" altLang="zh-CN" i="1">
+                                            <a:latin typeface="Cambria Math" panose="02040503050406030204" charset="0"/>
+                                            <a:cs typeface="Cambria Math" panose="02040503050406030204" charset="0"/>
+                                          </a:rPr>
+                                          <m:t>𝑣</m:t>
+                                        </m:r>
+                                      </m:e>
+                                      <m:sub>
+                                        <m:r>
+                                          <a:rPr lang="en-US" altLang="zh-CN" i="1">
+                                            <a:latin typeface="Cambria Math" panose="02040503050406030204" charset="0"/>
+                                            <a:cs typeface="Cambria Math" panose="02040503050406030204" charset="0"/>
+                                          </a:rPr>
+                                          <m:t>𝑥</m:t>
+                                        </m:r>
+                                      </m:sub>
+                                    </m:sSub>
+                                  </m:e>
+                                  <m:e>
+                                    <m:sSub>
+                                      <m:sSubPr>
+                                        <m:ctrlPr>
+                                          <a:rPr lang="en-US" altLang="zh-CN" i="1">
+                                            <a:latin typeface="Cambria Math" panose="02040503050406030204" charset="0"/>
+                                            <a:cs typeface="Cambria Math" panose="02040503050406030204" charset="0"/>
+                                          </a:rPr>
+                                        </m:ctrlPr>
+                                      </m:sSubPr>
+                                      <m:e>
+                                        <m:r>
+                                          <a:rPr lang="en-US" altLang="zh-CN" i="1">
+                                            <a:latin typeface="Cambria Math" panose="02040503050406030204" charset="0"/>
+                                            <a:cs typeface="Cambria Math" panose="02040503050406030204" charset="0"/>
+                                          </a:rPr>
+                                          <m:t>𝑣</m:t>
+                                        </m:r>
+                                      </m:e>
+                                      <m:sub>
+                                        <m:r>
+                                          <a:rPr lang="en-US" altLang="zh-CN" i="1">
+                                            <a:latin typeface="Cambria Math" panose="02040503050406030204" charset="0"/>
+                                            <a:cs typeface="Cambria Math" panose="02040503050406030204" charset="0"/>
+                                          </a:rPr>
+                                          <m:t>𝑦</m:t>
+                                        </m:r>
+                                      </m:sub>
+                                    </m:sSub>
+                                  </m:e>
+                                  <m:e>
+                                    <m:sSub>
+                                      <m:sSubPr>
+                                        <m:ctrlPr>
+                                          <a:rPr lang="en-US" altLang="zh-CN" i="1">
+                                            <a:latin typeface="Cambria Math" panose="02040503050406030204" charset="0"/>
+                                            <a:cs typeface="Cambria Math" panose="02040503050406030204" charset="0"/>
+                                          </a:rPr>
+                                        </m:ctrlPr>
+                                      </m:sSubPr>
+                                      <m:e>
+                                        <m:r>
+                                          <a:rPr lang="en-US" altLang="zh-CN" i="1">
+                                            <a:latin typeface="Cambria Math" panose="02040503050406030204" charset="0"/>
+                                            <a:cs typeface="Cambria Math" panose="02040503050406030204" charset="0"/>
+                                          </a:rPr>
+                                          <m:t>𝑣</m:t>
+                                        </m:r>
+                                      </m:e>
+                                      <m:sub>
+                                        <m:r>
+                                          <a:rPr lang="en-US" altLang="zh-CN" i="1">
+                                            <a:latin typeface="Cambria Math" panose="02040503050406030204" charset="0"/>
+                                            <a:cs typeface="Cambria Math" panose="02040503050406030204" charset="0"/>
+                                          </a:rPr>
+                                          <m:t>𝑧</m:t>
+                                        </m:r>
+                                      </m:sub>
+                                    </m:sSub>
+                                  </m:e>
+                                  <m:e>
+                                    <m:sSub>
+                                      <m:sSubPr>
+                                        <m:ctrlPr>
+                                          <a:rPr lang="en-US" altLang="zh-CN" i="1">
+                                            <a:latin typeface="Cambria Math" panose="02040503050406030204" charset="0"/>
+                                            <a:cs typeface="Cambria Math" panose="02040503050406030204" charset="0"/>
+                                          </a:rPr>
+                                        </m:ctrlPr>
+                                      </m:sSubPr>
+                                      <m:e>
+                                        <m:r>
+                                          <a:rPr lang="en-US" altLang="zh-CN" i="1">
+                                            <a:latin typeface="Cambria Math" panose="02040503050406030204" charset="0"/>
+                                            <a:cs typeface="Cambria Math" panose="02040503050406030204" charset="0"/>
+                                          </a:rPr>
+                                          <m:t>𝑔</m:t>
+                                        </m:r>
+                                      </m:e>
+                                      <m:sub>
+                                        <m:r>
+                                          <a:rPr lang="en-US" altLang="zh-CN" i="1">
+                                            <a:latin typeface="Cambria Math" panose="02040503050406030204" charset="0"/>
+                                            <a:cs typeface="Cambria Math" panose="02040503050406030204" charset="0"/>
+                                          </a:rPr>
+                                          <m:t>𝑥</m:t>
+                                        </m:r>
+                                      </m:sub>
+                                    </m:sSub>
+                                  </m:e>
+                                  <m:e>
+                                    <m:sSub>
+                                      <m:sSubPr>
+                                        <m:ctrlPr>
+                                          <a:rPr lang="en-US" altLang="zh-CN" i="1">
+                                            <a:latin typeface="Cambria Math" panose="02040503050406030204" charset="0"/>
+                                            <a:cs typeface="Cambria Math" panose="02040503050406030204" charset="0"/>
+                                          </a:rPr>
+                                        </m:ctrlPr>
+                                      </m:sSubPr>
+                                      <m:e>
+                                        <m:r>
+                                          <a:rPr lang="en-US" altLang="zh-CN" i="1">
+                                            <a:latin typeface="Cambria Math" panose="02040503050406030204" charset="0"/>
+                                            <a:cs typeface="Cambria Math" panose="02040503050406030204" charset="0"/>
+                                          </a:rPr>
+                                          <m:t>𝑔</m:t>
+                                        </m:r>
+                                      </m:e>
+                                      <m:sub>
+                                        <m:r>
+                                          <a:rPr lang="en-US" altLang="zh-CN" i="1">
+                                            <a:latin typeface="Cambria Math" panose="02040503050406030204" charset="0"/>
+                                            <a:cs typeface="Cambria Math" panose="02040503050406030204" charset="0"/>
+                                          </a:rPr>
+                                          <m:t>𝑦</m:t>
+                                        </m:r>
+                                      </m:sub>
+                                    </m:sSub>
+                                  </m:e>
+                                  <m:e>
+                                    <m:sSub>
+                                      <m:sSubPr>
+                                        <m:ctrlPr>
+                                          <a:rPr lang="en-US" altLang="zh-CN" i="1">
+                                            <a:latin typeface="Cambria Math" panose="02040503050406030204" charset="0"/>
+                                            <a:cs typeface="Cambria Math" panose="02040503050406030204" charset="0"/>
+                                          </a:rPr>
+                                        </m:ctrlPr>
+                                      </m:sSubPr>
+                                      <m:e>
+                                        <m:r>
+                                          <a:rPr lang="en-US" altLang="zh-CN" i="1">
+                                            <a:latin typeface="Cambria Math" panose="02040503050406030204" charset="0"/>
+                                            <a:cs typeface="Cambria Math" panose="02040503050406030204" charset="0"/>
+                                          </a:rPr>
+                                          <m:t>𝑔</m:t>
+                                        </m:r>
+                                      </m:e>
+                                      <m:sub>
+                                        <m:r>
+                                          <a:rPr lang="en-US" altLang="zh-CN" i="1">
+                                            <a:latin typeface="Cambria Math" panose="02040503050406030204" charset="0"/>
+                                            <a:cs typeface="Cambria Math" panose="02040503050406030204" charset="0"/>
+                                          </a:rPr>
+                                          <m:t>𝑧</m:t>
+                                        </m:r>
+                                      </m:sub>
+                                    </m:sSub>
+                                  </m:e>
+                                  <m:e>
+                                    <m:sSub>
+                                      <m:sSubPr>
+                                        <m:ctrlPr>
+                                          <a:rPr lang="en-US" altLang="zh-CN" i="1">
+                                            <a:latin typeface="Cambria Math" panose="02040503050406030204" charset="0"/>
+                                            <a:cs typeface="Cambria Math" panose="02040503050406030204" charset="0"/>
+                                          </a:rPr>
+                                        </m:ctrlPr>
+                                      </m:sSubPr>
+                                      <m:e>
+                                        <m:r>
+                                          <a:rPr lang="en-US" altLang="zh-CN" i="1">
+                                            <a:latin typeface="Cambria Math" panose="02040503050406030204" charset="0"/>
+                                            <a:cs typeface="Cambria Math" panose="02040503050406030204" charset="0"/>
+                                          </a:rPr>
+                                          <m:t>𝑎</m:t>
+                                        </m:r>
+                                      </m:e>
+                                      <m:sub>
+                                        <m:r>
+                                          <a:rPr lang="en-US" altLang="zh-CN" i="1">
+                                            <a:latin typeface="Cambria Math" panose="02040503050406030204" charset="0"/>
+                                            <a:cs typeface="Cambria Math" panose="02040503050406030204" charset="0"/>
+                                          </a:rPr>
+                                          <m:t>𝑥</m:t>
+                                        </m:r>
+                                      </m:sub>
+                                    </m:sSub>
+                                  </m:e>
+                                  <m:e>
+                                    <m:sSub>
+                                      <m:sSubPr>
+                                        <m:ctrlPr>
+                                          <a:rPr lang="en-US" altLang="zh-CN" i="1">
+                                            <a:latin typeface="Cambria Math" panose="02040503050406030204" charset="0"/>
+                                            <a:cs typeface="Cambria Math" panose="02040503050406030204" charset="0"/>
+                                          </a:rPr>
+                                        </m:ctrlPr>
+                                      </m:sSubPr>
+                                      <m:e>
+                                        <m:r>
+                                          <a:rPr lang="en-US" altLang="zh-CN" i="1">
+                                            <a:latin typeface="Cambria Math" panose="02040503050406030204" charset="0"/>
+                                            <a:cs typeface="Cambria Math" panose="02040503050406030204" charset="0"/>
+                                          </a:rPr>
+                                          <m:t>𝑎</m:t>
+                                        </m:r>
+                                      </m:e>
+                                      <m:sub>
+                                        <m:r>
+                                          <a:rPr lang="en-US" altLang="zh-CN" i="1">
+                                            <a:latin typeface="Cambria Math" panose="02040503050406030204" charset="0"/>
+                                            <a:cs typeface="Cambria Math" panose="02040503050406030204" charset="0"/>
+                                          </a:rPr>
+                                          <m:t>𝑦</m:t>
+                                        </m:r>
+                                      </m:sub>
+                                    </m:sSub>
+                                  </m:e>
+                                  <m:e>
+                                    <m:sSub>
+                                      <m:sSubPr>
+                                        <m:ctrlPr>
+                                          <a:rPr lang="en-US" altLang="zh-CN" i="1">
+                                            <a:latin typeface="Cambria Math" panose="02040503050406030204" charset="0"/>
+                                            <a:cs typeface="Cambria Math" panose="02040503050406030204" charset="0"/>
+                                          </a:rPr>
+                                        </m:ctrlPr>
+                                      </m:sSubPr>
+                                      <m:e>
+                                        <m:r>
+                                          <a:rPr lang="en-US" altLang="zh-CN" i="1">
+                                            <a:latin typeface="Cambria Math" panose="02040503050406030204" charset="0"/>
+                                            <a:cs typeface="Cambria Math" panose="02040503050406030204" charset="0"/>
+                                          </a:rPr>
+                                          <m:t>𝑎</m:t>
+                                        </m:r>
+                                      </m:e>
+                                      <m:sub>
+                                        <m:r>
+                                          <a:rPr lang="en-US" altLang="zh-CN" i="1">
+                                            <a:latin typeface="Cambria Math" panose="02040503050406030204" charset="0"/>
+                                            <a:cs typeface="Cambria Math" panose="02040503050406030204" charset="0"/>
+                                          </a:rPr>
+                                          <m:t>𝑧</m:t>
+                                        </m:r>
+                                      </m:sub>
+                                    </m:sSub>
+                                  </m:e>
+                                  <m:e>
+                                    <m:sSub>
+                                      <m:sSubPr>
+                                        <m:ctrlPr>
+                                          <a:rPr lang="en-US" altLang="zh-CN" i="1">
+                                            <a:latin typeface="Cambria Math" panose="02040503050406030204" charset="0"/>
+                                            <a:cs typeface="Cambria Math" panose="02040503050406030204" charset="0"/>
+                                          </a:rPr>
+                                        </m:ctrlPr>
+                                      </m:sSubPr>
+                                      <m:e>
+                                        <m:r>
+                                          <a:rPr lang="en-US" altLang="zh-CN" i="1">
+                                            <a:latin typeface="Cambria Math" panose="02040503050406030204" charset="0"/>
+                                            <a:cs typeface="Cambria Math" panose="02040503050406030204" charset="0"/>
+                                          </a:rPr>
+                                          <m:t>𝐺</m:t>
+                                        </m:r>
+                                      </m:e>
+                                      <m:sub>
+                                        <m:r>
+                                          <a:rPr lang="en-US" altLang="zh-CN" i="1">
+                                            <a:latin typeface="Cambria Math" panose="02040503050406030204" charset="0"/>
+                                            <a:cs typeface="Cambria Math" panose="02040503050406030204" charset="0"/>
+                                          </a:rPr>
+                                          <m:t>𝑥</m:t>
+                                        </m:r>
+                                      </m:sub>
+                                    </m:sSub>
+                                  </m:e>
+                                  <m:e>
+                                    <m:sSub>
+                                      <m:sSubPr>
+                                        <m:ctrlPr>
+                                          <a:rPr lang="en-US" altLang="zh-CN" i="1">
+                                            <a:latin typeface="Cambria Math" panose="02040503050406030204" charset="0"/>
+                                            <a:cs typeface="Cambria Math" panose="02040503050406030204" charset="0"/>
+                                          </a:rPr>
+                                        </m:ctrlPr>
+                                      </m:sSubPr>
+                                      <m:e>
+                                        <m:r>
+                                          <a:rPr lang="en-US" altLang="zh-CN" i="1">
+                                            <a:latin typeface="Cambria Math" panose="02040503050406030204" charset="0"/>
+                                            <a:cs typeface="Cambria Math" panose="02040503050406030204" charset="0"/>
+                                          </a:rPr>
+                                          <m:t>𝐺</m:t>
+                                        </m:r>
+                                      </m:e>
+                                      <m:sub>
+                                        <m:r>
+                                          <a:rPr lang="en-US" altLang="zh-CN" i="1">
+                                            <a:latin typeface="Cambria Math" panose="02040503050406030204" charset="0"/>
+                                            <a:cs typeface="Cambria Math" panose="02040503050406030204" charset="0"/>
+                                          </a:rPr>
+                                          <m:t>𝑦</m:t>
+                                        </m:r>
+                                      </m:sub>
+                                    </m:sSub>
+                                  </m:e>
+                                  <m:e>
+                                    <m:sSub>
+                                      <m:sSubPr>
+                                        <m:ctrlPr>
+                                          <a:rPr lang="en-US" altLang="zh-CN" i="1">
+                                            <a:latin typeface="Cambria Math" panose="02040503050406030204" charset="0"/>
+                                            <a:cs typeface="Cambria Math" panose="02040503050406030204" charset="0"/>
+                                          </a:rPr>
+                                        </m:ctrlPr>
+                                      </m:sSubPr>
+                                      <m:e>
+                                        <m:r>
+                                          <a:rPr lang="en-US" altLang="zh-CN" i="1">
+                                            <a:latin typeface="Cambria Math" panose="02040503050406030204" charset="0"/>
+                                            <a:cs typeface="Cambria Math" panose="02040503050406030204" charset="0"/>
+                                          </a:rPr>
+                                          <m:t>𝐺</m:t>
+                                        </m:r>
+                                      </m:e>
+                                      <m:sub>
+                                        <m:r>
+                                          <a:rPr lang="en-US" altLang="zh-CN" i="1">
+                                            <a:latin typeface="Cambria Math" panose="02040503050406030204" charset="0"/>
+                                            <a:cs typeface="Cambria Math" panose="02040503050406030204" charset="0"/>
+                                          </a:rPr>
+                                          <m:t>𝑧</m:t>
+                                        </m:r>
+                                      </m:sub>
+                                    </m:sSub>
+                                  </m:e>
+                                  <m:e>
+                                    <m:sSub>
+                                      <m:sSubPr>
+                                        <m:ctrlPr>
+                                          <a:rPr lang="en-US" altLang="zh-CN" i="1">
+                                            <a:latin typeface="Cambria Math" panose="02040503050406030204" charset="0"/>
+                                            <a:cs typeface="Cambria Math" panose="02040503050406030204" charset="0"/>
+                                          </a:rPr>
+                                        </m:ctrlPr>
+                                      </m:sSubPr>
+                                      <m:e>
+                                        <m:r>
+                                          <a:rPr lang="en-US" altLang="zh-CN" i="1">
+                                            <a:latin typeface="Cambria Math" panose="02040503050406030204" charset="0"/>
+                                            <a:cs typeface="Cambria Math" panose="02040503050406030204" charset="0"/>
+                                          </a:rPr>
+                                          <m:t>𝐴</m:t>
+                                        </m:r>
+                                      </m:e>
+                                      <m:sub>
+                                        <m:r>
+                                          <a:rPr lang="en-US" altLang="zh-CN" i="1">
+                                            <a:latin typeface="Cambria Math" panose="02040503050406030204" charset="0"/>
+                                            <a:cs typeface="Cambria Math" panose="02040503050406030204" charset="0"/>
+                                          </a:rPr>
+                                          <m:t>𝑥</m:t>
+                                        </m:r>
+                                      </m:sub>
+                                    </m:sSub>
+                                  </m:e>
+                                  <m:e>
+                                    <m:sSub>
+                                      <m:sSubPr>
+                                        <m:ctrlPr>
+                                          <a:rPr lang="en-US" altLang="zh-CN" i="1">
+                                            <a:latin typeface="Cambria Math" panose="02040503050406030204" charset="0"/>
+                                            <a:cs typeface="Cambria Math" panose="02040503050406030204" charset="0"/>
+                                          </a:rPr>
+                                        </m:ctrlPr>
+                                      </m:sSubPr>
+                                      <m:e>
+                                        <m:r>
+                                          <a:rPr lang="en-US" altLang="zh-CN" i="1">
+                                            <a:latin typeface="Cambria Math" panose="02040503050406030204" charset="0"/>
+                                            <a:cs typeface="Cambria Math" panose="02040503050406030204" charset="0"/>
+                                          </a:rPr>
+                                          <m:t>𝐴</m:t>
+                                        </m:r>
+                                      </m:e>
+                                      <m:sub>
+                                        <m:r>
+                                          <a:rPr lang="en-US" altLang="zh-CN" i="1">
+                                            <a:latin typeface="Cambria Math" panose="02040503050406030204" charset="0"/>
+                                            <a:cs typeface="Cambria Math" panose="02040503050406030204" charset="0"/>
+                                          </a:rPr>
+                                          <m:t>𝑦</m:t>
+                                        </m:r>
+                                      </m:sub>
+                                    </m:sSub>
+                                  </m:e>
+                                  <m:e>
+                                    <m:sSub>
+                                      <m:sSubPr>
+                                        <m:ctrlPr>
+                                          <a:rPr lang="en-US" altLang="zh-CN" i="1">
+                                            <a:latin typeface="Cambria Math" panose="02040503050406030204" charset="0"/>
+                                            <a:cs typeface="Cambria Math" panose="02040503050406030204" charset="0"/>
+                                          </a:rPr>
+                                        </m:ctrlPr>
+                                      </m:sSubPr>
+                                      <m:e>
+                                        <m:r>
+                                          <a:rPr lang="en-US" altLang="zh-CN" i="1">
+                                            <a:latin typeface="Cambria Math" panose="02040503050406030204" charset="0"/>
+                                            <a:cs typeface="Cambria Math" panose="02040503050406030204" charset="0"/>
+                                          </a:rPr>
+                                          <m:t>𝐴</m:t>
+                                        </m:r>
+                                      </m:e>
+                                      <m:sub>
+                                        <m:r>
+                                          <a:rPr lang="en-US" altLang="zh-CN" i="1">
+                                            <a:latin typeface="Cambria Math" panose="02040503050406030204" charset="0"/>
+                                            <a:cs typeface="Cambria Math" panose="02040503050406030204" charset="0"/>
+                                          </a:rPr>
+                                          <m:t>𝑧</m:t>
+                                        </m:r>
+                                      </m:sub>
+                                    </m:sSub>
+                                  </m:e>
+                                </m:mr>
+                              </m:m>
+                            </m:e>
+                          </m:d>
+                        </m:e>
+                        <m:sup>
+                          <m:r>
+                            <a:rPr lang="en-US" altLang="zh-CN" i="1">
+                              <a:latin typeface="Cambria Math" panose="02040503050406030204" charset="0"/>
+                              <a:cs typeface="Cambria Math" panose="02040503050406030204" charset="0"/>
+                            </a:rPr>
+                            <m:t>𝑇</m:t>
+                          </m:r>
+                        </m:sup>
+                      </m:sSup>
+                    </m:oMath>
+                  </m:oMathPara>
+                </a14:m>
+                <a:endParaRPr lang="en-US" altLang="zh-CN" i="1">
+                  <a:latin typeface="Cambria Math" panose="02040503050406030204" charset="0"/>
+                  <a:cs typeface="Cambria Math" panose="02040503050406030204" charset="0"/>
+                </a:endParaRPr>
+              </a:p>
+              <a:p>
+                <a:r>
+                  <a:rPr lang="zh-CN" altLang="en-US"/>
+                  <a:t>控制向量：</a:t>
+                </a:r>
+                <a:endParaRPr lang="zh-CN" altLang="en-US"/>
+              </a:p>
+              <a:p>
+                <a14:m>
+                  <m:oMathPara xmlns:m="http://schemas.openxmlformats.org/officeDocument/2006/math">
+                    <m:oMathParaPr>
+                      <m:jc m:val="left"/>
+                    </m:oMathParaPr>
+                    <m:oMath xmlns:m="http://schemas.openxmlformats.org/officeDocument/2006/math">
+                      <m:r>
+                        <a:rPr lang="en-US" altLang="zh-CN" b="1" i="1">
+                          <a:latin typeface="Cambria Math" panose="02040503050406030204" charset="0"/>
+                          <a:cs typeface="Cambria Math" panose="02040503050406030204" charset="0"/>
+                        </a:rPr>
+                        <m:t>𝒖</m:t>
+                      </m:r>
+                      <m:r>
+                        <a:rPr lang="en-US" altLang="zh-CN" i="1">
+                          <a:latin typeface="Cambria Math" panose="02040503050406030204" charset="0"/>
+                          <a:cs typeface="Cambria Math" panose="02040503050406030204" charset="0"/>
+                        </a:rPr>
+                        <m:t>=</m:t>
+                      </m:r>
+                      <m:sSup>
+                        <m:sSupPr>
+                          <m:ctrlPr>
+                            <a:rPr lang="en-US" altLang="zh-CN" i="1">
+                              <a:latin typeface="Cambria Math" panose="02040503050406030204" charset="0"/>
+                              <a:cs typeface="Cambria Math" panose="02040503050406030204" charset="0"/>
+                            </a:rPr>
+                          </m:ctrlPr>
+                        </m:sSupPr>
+                        <m:e>
+                          <m:d>
+                            <m:dPr>
+                              <m:begChr m:val="["/>
+                              <m:endChr m:val="]"/>
+                              <m:ctrlPr>
+                                <a:rPr lang="en-US" altLang="zh-CN" i="1">
+                                  <a:latin typeface="Cambria Math" panose="02040503050406030204" charset="0"/>
+                                  <a:cs typeface="Cambria Math" panose="02040503050406030204" charset="0"/>
+                                </a:rPr>
+                              </m:ctrlPr>
+                            </m:dPr>
+                            <m:e>
+                              <m:m>
+                                <m:mPr>
+                                  <m:mcs>
+                                    <m:mc>
+                                      <m:mcPr>
+                                        <m:count m:val="6"/>
+                                        <m:mcJc m:val="center"/>
+                                      </m:mcPr>
+                                    </m:mc>
+                                  </m:mcs>
+                                  <m:ctrlPr>
+                                    <a:rPr lang="en-US" altLang="zh-CN" i="1">
+                                      <a:latin typeface="Cambria Math" panose="02040503050406030204" charset="0"/>
+                                      <a:cs typeface="Cambria Math" panose="02040503050406030204" charset="0"/>
+                                    </a:rPr>
+                                  </m:ctrlPr>
+                                </m:mPr>
+                                <m:mr>
+                                  <m:e>
+                                    <m:sSub>
+                                      <m:sSubPr>
+                                        <m:ctrlPr>
+                                          <a:rPr lang="en-US" altLang="zh-CN" i="1">
+                                            <a:latin typeface="Cambria Math" panose="02040503050406030204" charset="0"/>
+                                            <a:cs typeface="Cambria Math" panose="02040503050406030204" charset="0"/>
+                                          </a:rPr>
+                                        </m:ctrlPr>
+                                      </m:sSubPr>
+                                      <m:e>
+                                        <m:r>
+                                          <a:rPr lang="en-US" altLang="zh-CN" i="1">
+                                            <a:latin typeface="Cambria Math" panose="02040503050406030204" charset="0"/>
+                                            <a:cs typeface="Cambria Math" panose="02040503050406030204" charset="0"/>
+                                          </a:rPr>
+                                          <m:t>𝐺</m:t>
+                                        </m:r>
+                                      </m:e>
+                                      <m:sub>
+                                        <m:r>
+                                          <a:rPr lang="en-US" altLang="zh-CN" i="1">
+                                            <a:latin typeface="Cambria Math" panose="02040503050406030204" charset="0"/>
+                                            <a:cs typeface="Cambria Math" panose="02040503050406030204" charset="0"/>
+                                          </a:rPr>
+                                          <m:t>𝑥</m:t>
+                                        </m:r>
+                                      </m:sub>
+                                    </m:sSub>
+                                  </m:e>
+                                  <m:e>
+                                    <m:sSub>
+                                      <m:sSubPr>
+                                        <m:ctrlPr>
+                                          <a:rPr lang="en-US" altLang="zh-CN" i="1">
+                                            <a:latin typeface="Cambria Math" panose="02040503050406030204" charset="0"/>
+                                            <a:cs typeface="Cambria Math" panose="02040503050406030204" charset="0"/>
+                                          </a:rPr>
+                                        </m:ctrlPr>
+                                      </m:sSubPr>
+                                      <m:e>
+                                        <m:r>
+                                          <a:rPr lang="en-US" altLang="zh-CN" i="1">
+                                            <a:latin typeface="Cambria Math" panose="02040503050406030204" charset="0"/>
+                                            <a:cs typeface="Cambria Math" panose="02040503050406030204" charset="0"/>
+                                          </a:rPr>
+                                          <m:t>𝐺</m:t>
+                                        </m:r>
+                                      </m:e>
+                                      <m:sub>
+                                        <m:r>
+                                          <a:rPr lang="en-US" altLang="zh-CN" i="1">
+                                            <a:latin typeface="Cambria Math" panose="02040503050406030204" charset="0"/>
+                                            <a:cs typeface="Cambria Math" panose="02040503050406030204" charset="0"/>
+                                          </a:rPr>
+                                          <m:t>𝑦</m:t>
+                                        </m:r>
+                                      </m:sub>
+                                    </m:sSub>
+                                  </m:e>
+                                  <m:e>
+                                    <m:sSub>
+                                      <m:sSubPr>
+                                        <m:ctrlPr>
+                                          <a:rPr lang="en-US" altLang="zh-CN" i="1">
+                                            <a:latin typeface="Cambria Math" panose="02040503050406030204" charset="0"/>
+                                            <a:cs typeface="Cambria Math" panose="02040503050406030204" charset="0"/>
+                                          </a:rPr>
+                                        </m:ctrlPr>
+                                      </m:sSubPr>
+                                      <m:e>
+                                        <m:r>
+                                          <a:rPr lang="en-US" altLang="zh-CN" i="1">
+                                            <a:latin typeface="Cambria Math" panose="02040503050406030204" charset="0"/>
+                                            <a:cs typeface="Cambria Math" panose="02040503050406030204" charset="0"/>
+                                          </a:rPr>
+                                          <m:t>𝐺</m:t>
+                                        </m:r>
+                                      </m:e>
+                                      <m:sub>
+                                        <m:r>
+                                          <a:rPr lang="en-US" altLang="zh-CN" i="1">
+                                            <a:latin typeface="Cambria Math" panose="02040503050406030204" charset="0"/>
+                                            <a:cs typeface="Cambria Math" panose="02040503050406030204" charset="0"/>
+                                          </a:rPr>
+                                          <m:t>𝑧</m:t>
+                                        </m:r>
+                                      </m:sub>
+                                    </m:sSub>
+                                  </m:e>
+                                  <m:e>
+                                    <m:sSub>
+                                      <m:sSubPr>
+                                        <m:ctrlPr>
+                                          <a:rPr lang="en-US" altLang="zh-CN" i="1">
+                                            <a:latin typeface="Cambria Math" panose="02040503050406030204" charset="0"/>
+                                            <a:cs typeface="Cambria Math" panose="02040503050406030204" charset="0"/>
+                                          </a:rPr>
+                                        </m:ctrlPr>
+                                      </m:sSubPr>
+                                      <m:e>
+                                        <m:r>
+                                          <a:rPr lang="en-US" altLang="zh-CN" i="1">
+                                            <a:latin typeface="Cambria Math" panose="02040503050406030204" charset="0"/>
+                                            <a:cs typeface="Cambria Math" panose="02040503050406030204" charset="0"/>
+                                          </a:rPr>
+                                          <m:t>𝐴</m:t>
+                                        </m:r>
+                                      </m:e>
+                                      <m:sub>
+                                        <m:r>
+                                          <a:rPr lang="en-US" altLang="zh-CN" i="1">
+                                            <a:latin typeface="Cambria Math" panose="02040503050406030204" charset="0"/>
+                                            <a:cs typeface="Cambria Math" panose="02040503050406030204" charset="0"/>
+                                          </a:rPr>
+                                          <m:t>𝑥</m:t>
+                                        </m:r>
+                                      </m:sub>
+                                    </m:sSub>
+                                  </m:e>
+                                  <m:e>
+                                    <m:sSub>
+                                      <m:sSubPr>
+                                        <m:ctrlPr>
+                                          <a:rPr lang="en-US" altLang="zh-CN" i="1">
+                                            <a:latin typeface="Cambria Math" panose="02040503050406030204" charset="0"/>
+                                            <a:cs typeface="Cambria Math" panose="02040503050406030204" charset="0"/>
+                                          </a:rPr>
+                                        </m:ctrlPr>
+                                      </m:sSubPr>
+                                      <m:e>
+                                        <m:r>
+                                          <a:rPr lang="en-US" altLang="zh-CN" i="1">
+                                            <a:latin typeface="Cambria Math" panose="02040503050406030204" charset="0"/>
+                                            <a:cs typeface="Cambria Math" panose="02040503050406030204" charset="0"/>
+                                          </a:rPr>
+                                          <m:t>𝐴</m:t>
+                                        </m:r>
+                                      </m:e>
+                                      <m:sub>
+                                        <m:r>
+                                          <a:rPr lang="en-US" altLang="zh-CN" i="1">
+                                            <a:latin typeface="Cambria Math" panose="02040503050406030204" charset="0"/>
+                                            <a:cs typeface="Cambria Math" panose="02040503050406030204" charset="0"/>
+                                          </a:rPr>
+                                          <m:t>𝑦</m:t>
+                                        </m:r>
+                                      </m:sub>
+                                    </m:sSub>
+                                  </m:e>
+                                  <m:e>
+                                    <m:sSub>
+                                      <m:sSubPr>
+                                        <m:ctrlPr>
+                                          <a:rPr lang="en-US" altLang="zh-CN" i="1">
+                                            <a:latin typeface="Cambria Math" panose="02040503050406030204" charset="0"/>
+                                            <a:cs typeface="Cambria Math" panose="02040503050406030204" charset="0"/>
+                                          </a:rPr>
+                                        </m:ctrlPr>
+                                      </m:sSubPr>
+                                      <m:e>
+                                        <m:r>
+                                          <a:rPr lang="en-US" altLang="zh-CN" i="1">
+                                            <a:latin typeface="Cambria Math" panose="02040503050406030204" charset="0"/>
+                                            <a:cs typeface="Cambria Math" panose="02040503050406030204" charset="0"/>
+                                          </a:rPr>
+                                          <m:t>𝐴</m:t>
+                                        </m:r>
+                                      </m:e>
+                                      <m:sub>
+                                        <m:r>
+                                          <a:rPr lang="en-US" altLang="zh-CN" i="1">
+                                            <a:latin typeface="Cambria Math" panose="02040503050406030204" charset="0"/>
+                                            <a:cs typeface="Cambria Math" panose="02040503050406030204" charset="0"/>
+                                          </a:rPr>
+                                          <m:t>𝑧</m:t>
+                                        </m:r>
+                                      </m:sub>
+                                    </m:sSub>
+                                  </m:e>
+                                </m:mr>
+                              </m:m>
+                            </m:e>
+                          </m:d>
+                        </m:e>
+                        <m:sup>
+                          <m:r>
+                            <a:rPr lang="en-US" altLang="zh-CN" i="1">
+                              <a:latin typeface="Cambria Math" panose="02040503050406030204" charset="0"/>
+                              <a:cs typeface="Cambria Math" panose="02040503050406030204" charset="0"/>
+                            </a:rPr>
+                            <m:t>𝑇</m:t>
+                          </m:r>
+                        </m:sup>
+                      </m:sSup>
+                    </m:oMath>
+                  </m:oMathPara>
+                </a14:m>
+                <a:endParaRPr lang="zh-CN" altLang="en-US"/>
+              </a:p>
+            </p:txBody>
+          </p:sp>
+        </mc:Choice>
+        <mc:Fallback>
+          <p:sp>
+            <p:nvSpPr>
+              <p:cNvPr id="4" name="文本框 3"/>
+              <p:cNvSpPr txBox="1">
+                <a:spLocks noRot="1" noChangeAspect="1" noMove="1" noResize="1" noEditPoints="1" noAdjustHandles="1" noChangeArrowheads="1" noChangeShapeType="1" noTextEdit="1"/>
+              </p:cNvSpPr>
+              <p:nvPr/>
+            </p:nvSpPr>
+            <p:spPr>
+              <a:xfrm>
+                <a:off x="505460" y="930275"/>
+                <a:ext cx="10159365" cy="1184910"/>
+              </a:xfrm>
+              <a:prstGeom prst="rect">
+                <a:avLst/>
+              </a:prstGeom>
+              <a:blipFill rotWithShape="1">
+                <a:blip r:embed="rId1"/>
+                <a:stretch>
+                  <a:fillRect/>
+                </a:stretch>
+              </a:blipFill>
+            </p:spPr>
+            <p:txBody>
+              <a:bodyPr/>
+              <a:lstStyle/>
+              <a:p>
+                <a:r>
+                  <a:rPr lang="zh-CN" altLang="en-US">
+                    <a:noFill/>
+                  </a:rPr>
+                  <a:t> </a:t>
+                </a:r>
+              </a:p>
+            </p:txBody>
+          </p:sp>
+        </mc:Fallback>
+      </mc:AlternateContent>
+      <mc:AlternateContent xmlns:mc="http://schemas.openxmlformats.org/markup-compatibility/2006">
+        <mc:Choice xmlns:a14="http://schemas.microsoft.com/office/drawing/2010/main" Requires="a14">
+          <p:sp>
+            <p:nvSpPr>
+              <p:cNvPr id="9" name="文本框 8"/>
+              <p:cNvSpPr txBox="1"/>
+              <p:nvPr/>
+            </p:nvSpPr>
+            <p:spPr>
+              <a:xfrm>
+                <a:off x="505460" y="3040380"/>
+                <a:ext cx="7155180" cy="929640"/>
+              </a:xfrm>
+              <a:prstGeom prst="rect">
+                <a:avLst/>
+              </a:prstGeom>
+              <a:noFill/>
+            </p:spPr>
+            <p:txBody>
+              <a:bodyPr wrap="square" rtlCol="0">
+                <a:spAutoFit/>
+              </a:bodyPr>
+              <a:p>
+                <a14:m>
+                  <m:oMath xmlns:m="http://schemas.openxmlformats.org/officeDocument/2006/math">
+                    <m:r>
+                      <a:rPr lang="en-US" altLang="zh-CN" i="1">
+                        <a:latin typeface="Cambria Math" panose="02040503050406030204" charset="0"/>
+                        <a:cs typeface="Cambria Math" panose="02040503050406030204" charset="0"/>
+                      </a:rPr>
+                      <m:t>𝜙</m:t>
+                    </m:r>
+                    <m:r>
+                      <a:rPr lang="en-US" altLang="zh-CN" i="1">
+                        <a:latin typeface="Cambria Math" panose="02040503050406030204" charset="0"/>
+                        <a:cs typeface="Cambria Math" panose="02040503050406030204" charset="0"/>
+                      </a:rPr>
+                      <m:t>,</m:t>
+                    </m:r>
+                    <m:sSub>
+                      <m:sSubPr>
+                        <m:ctrlPr>
+                          <a:rPr lang="en-US" altLang="zh-CN" i="1">
+                            <a:latin typeface="Cambria Math" panose="02040503050406030204" charset="0"/>
+                            <a:cs typeface="Cambria Math" panose="02040503050406030204" charset="0"/>
+                          </a:rPr>
+                        </m:ctrlPr>
+                      </m:sSubPr>
+                      <m:e>
+                        <m:r>
+                          <a:rPr lang="en-US" altLang="zh-CN" i="1">
+                            <a:latin typeface="Cambria Math" panose="02040503050406030204" charset="0"/>
+                            <a:cs typeface="Cambria Math" panose="02040503050406030204" charset="0"/>
+                          </a:rPr>
+                          <m:t>𝜃</m:t>
+                        </m:r>
+                      </m:e>
+                      <m:sub>
+                        <m:r>
+                          <a:rPr lang="en-US" altLang="zh-CN" i="1">
+                            <a:latin typeface="Cambria Math" panose="02040503050406030204" charset="0"/>
+                            <a:cs typeface="Cambria Math" panose="02040503050406030204" charset="0"/>
+                          </a:rPr>
+                          <m:t>𝑥</m:t>
+                        </m:r>
+                      </m:sub>
+                    </m:sSub>
+                  </m:oMath>
+                </a14:m>
+                <a:r>
+                  <a:rPr lang="zh-CN" altLang="en-US">
+                    <a:latin typeface="Cambria Math" panose="02040503050406030204" charset="0"/>
+                    <a:cs typeface="Cambria Math" panose="02040503050406030204" charset="0"/>
+                  </a:rPr>
+                  <a:t>：表示</a:t>
+                </a:r>
+                <a:r>
+                  <a:rPr lang="en-US" altLang="zh-CN">
+                    <a:latin typeface="Cambria Math" panose="02040503050406030204" charset="0"/>
+                    <a:cs typeface="Cambria Math" panose="02040503050406030204" charset="0"/>
+                  </a:rPr>
+                  <a:t>Roll</a:t>
+                </a:r>
+                <a:r>
+                  <a:rPr lang="zh-CN" altLang="en-US">
+                    <a:latin typeface="Cambria Math" panose="02040503050406030204" charset="0"/>
+                    <a:cs typeface="Cambria Math" panose="02040503050406030204" charset="0"/>
+                  </a:rPr>
+                  <a:t>；</a:t>
+                </a:r>
+                <a14:m>
+                  <m:oMath xmlns:m="http://schemas.openxmlformats.org/officeDocument/2006/math">
+                    <m:r>
+                      <a:rPr lang="en-US" altLang="zh-CN" i="1">
+                        <a:latin typeface="Cambria Math" panose="02040503050406030204" charset="0"/>
+                        <a:cs typeface="Cambria Math" panose="02040503050406030204" charset="0"/>
+                      </a:rPr>
+                      <m:t>𝜃</m:t>
+                    </m:r>
+                    <m:r>
+                      <a:rPr lang="en-US" altLang="zh-CN" i="1">
+                        <a:latin typeface="Cambria Math" panose="02040503050406030204" charset="0"/>
+                        <a:cs typeface="Cambria Math" panose="02040503050406030204" charset="0"/>
+                      </a:rPr>
+                      <m:t>,</m:t>
+                    </m:r>
+                    <m:sSub>
+                      <m:sSubPr>
+                        <m:ctrlPr>
+                          <a:rPr lang="en-US" altLang="zh-CN" i="1">
+                            <a:latin typeface="Cambria Math" panose="02040503050406030204" charset="0"/>
+                            <a:cs typeface="Cambria Math" panose="02040503050406030204" charset="0"/>
+                          </a:rPr>
+                        </m:ctrlPr>
+                      </m:sSubPr>
+                      <m:e>
+                        <m:r>
+                          <a:rPr lang="en-US" altLang="zh-CN" i="1">
+                            <a:latin typeface="Cambria Math" panose="02040503050406030204" charset="0"/>
+                            <a:cs typeface="Cambria Math" panose="02040503050406030204" charset="0"/>
+                          </a:rPr>
+                          <m:t>𝜃</m:t>
+                        </m:r>
+                      </m:e>
+                      <m:sub>
+                        <m:r>
+                          <a:rPr lang="en-US" altLang="zh-CN" i="1">
+                            <a:latin typeface="Cambria Math" panose="02040503050406030204" charset="0"/>
+                            <a:cs typeface="Cambria Math" panose="02040503050406030204" charset="0"/>
+                          </a:rPr>
+                          <m:t>𝑦</m:t>
+                        </m:r>
+                      </m:sub>
+                    </m:sSub>
+                  </m:oMath>
+                </a14:m>
+                <a:r>
+                  <a:rPr lang="zh-CN" altLang="en-US">
+                    <a:latin typeface="Cambria Math" panose="02040503050406030204" charset="0"/>
+                    <a:cs typeface="Cambria Math" panose="02040503050406030204" charset="0"/>
+                  </a:rPr>
+                  <a:t>：表示</a:t>
+                </a:r>
+                <a:r>
+                  <a:rPr lang="en-US" altLang="zh-CN">
+                    <a:latin typeface="Cambria Math" panose="02040503050406030204" charset="0"/>
+                    <a:cs typeface="Cambria Math" panose="02040503050406030204" charset="0"/>
+                  </a:rPr>
+                  <a:t>Pitch</a:t>
+                </a:r>
+                <a:r>
+                  <a:rPr lang="zh-CN" altLang="en-US">
+                    <a:latin typeface="Cambria Math" panose="02040503050406030204" charset="0"/>
+                    <a:cs typeface="Cambria Math" panose="02040503050406030204" charset="0"/>
+                  </a:rPr>
+                  <a:t>；</a:t>
+                </a:r>
+                <a14:m>
+                  <m:oMath xmlns:m="http://schemas.openxmlformats.org/officeDocument/2006/math">
+                    <m:r>
+                      <a:rPr lang="en-US" altLang="zh-CN" i="1">
+                        <a:latin typeface="Cambria Math" panose="02040503050406030204" charset="0"/>
+                        <a:cs typeface="Cambria Math" panose="02040503050406030204" charset="0"/>
+                      </a:rPr>
+                      <m:t>𝜓</m:t>
+                    </m:r>
+                    <m:r>
+                      <a:rPr lang="en-US" altLang="zh-CN" i="1">
+                        <a:latin typeface="Cambria Math" panose="02040503050406030204" charset="0"/>
+                        <a:cs typeface="Cambria Math" panose="02040503050406030204" charset="0"/>
+                      </a:rPr>
+                      <m:t>,</m:t>
+                    </m:r>
+                    <m:sSub>
+                      <m:sSubPr>
+                        <m:ctrlPr>
+                          <a:rPr lang="en-US" altLang="zh-CN" i="1">
+                            <a:latin typeface="Cambria Math" panose="02040503050406030204" charset="0"/>
+                            <a:cs typeface="Cambria Math" panose="02040503050406030204" charset="0"/>
+                          </a:rPr>
+                        </m:ctrlPr>
+                      </m:sSubPr>
+                      <m:e>
+                        <m:r>
+                          <a:rPr lang="en-US" altLang="zh-CN" i="1">
+                            <a:latin typeface="Cambria Math" panose="02040503050406030204" charset="0"/>
+                            <a:cs typeface="Cambria Math" panose="02040503050406030204" charset="0"/>
+                          </a:rPr>
+                          <m:t>𝜃</m:t>
+                        </m:r>
+                      </m:e>
+                      <m:sub>
+                        <m:r>
+                          <a:rPr lang="en-US" altLang="zh-CN" i="1">
+                            <a:latin typeface="Cambria Math" panose="02040503050406030204" charset="0"/>
+                            <a:cs typeface="Cambria Math" panose="02040503050406030204" charset="0"/>
+                          </a:rPr>
+                          <m:t>𝑧</m:t>
+                        </m:r>
+                      </m:sub>
+                    </m:sSub>
+                  </m:oMath>
+                </a14:m>
+                <a:r>
+                  <a:rPr lang="zh-CN" altLang="en-US">
+                    <a:latin typeface="Cambria Math" panose="02040503050406030204" charset="0"/>
+                    <a:cs typeface="Cambria Math" panose="02040503050406030204" charset="0"/>
+                  </a:rPr>
+                  <a:t>：表示</a:t>
+                </a:r>
+                <a:r>
+                  <a:rPr lang="en-US" altLang="zh-CN">
+                    <a:latin typeface="Cambria Math" panose="02040503050406030204" charset="0"/>
+                    <a:cs typeface="Cambria Math" panose="02040503050406030204" charset="0"/>
+                  </a:rPr>
+                  <a:t>Y</a:t>
+                </a:r>
+                <a:r>
+                  <a:rPr lang="en-US" altLang="zh-CN">
+                    <a:latin typeface="Cambria Math" panose="02040503050406030204" charset="0"/>
+                    <a:cs typeface="Cambria Math" panose="02040503050406030204" charset="0"/>
+                  </a:rPr>
+                  <a:t>aw</a:t>
+                </a:r>
+                <a:endParaRPr lang="en-US" altLang="zh-CN">
+                  <a:latin typeface="Cambria Math" panose="02040503050406030204" charset="0"/>
+                  <a:cs typeface="Cambria Math" panose="02040503050406030204" charset="0"/>
+                </a:endParaRPr>
+              </a:p>
+              <a:p>
+                <a:r>
+                  <a:rPr lang="en-US" altLang="zh-CN">
+                    <a:latin typeface="Cambria Math" panose="02040503050406030204" charset="0"/>
+                    <a:cs typeface="Cambria Math" panose="02040503050406030204" charset="0"/>
+                  </a:rPr>
+                  <a:t>sin</a:t>
+                </a:r>
+                <a:r>
+                  <a:rPr lang="zh-CN" altLang="en-US">
+                    <a:latin typeface="Cambria Math" panose="02040503050406030204" charset="0"/>
+                    <a:cs typeface="Cambria Math" panose="02040503050406030204" charset="0"/>
+                  </a:rPr>
+                  <a:t>：</a:t>
+                </a:r>
+                <a:r>
+                  <a:rPr lang="en-US" altLang="zh-CN">
+                    <a:latin typeface="Cambria Math" panose="02040503050406030204" charset="0"/>
+                    <a:cs typeface="Cambria Math" panose="02040503050406030204" charset="0"/>
+                  </a:rPr>
+                  <a:t>s</a:t>
+                </a:r>
+                <a:r>
+                  <a:rPr lang="zh-CN" altLang="en-US">
+                    <a:latin typeface="Cambria Math" panose="02040503050406030204" charset="0"/>
+                    <a:cs typeface="Cambria Math" panose="02040503050406030204" charset="0"/>
+                  </a:rPr>
+                  <a:t>；</a:t>
+                </a:r>
+                <a:r>
+                  <a:rPr lang="en-US" altLang="zh-CN">
+                    <a:latin typeface="Cambria Math" panose="02040503050406030204" charset="0"/>
+                    <a:cs typeface="Cambria Math" panose="02040503050406030204" charset="0"/>
+                  </a:rPr>
+                  <a:t>cos</a:t>
+                </a:r>
+                <a:r>
+                  <a:rPr lang="zh-CN" altLang="en-US">
+                    <a:latin typeface="Cambria Math" panose="02040503050406030204" charset="0"/>
+                    <a:cs typeface="Cambria Math" panose="02040503050406030204" charset="0"/>
+                  </a:rPr>
+                  <a:t>：</a:t>
+                </a:r>
+                <a:r>
+                  <a:rPr lang="en-US" altLang="zh-CN">
+                    <a:latin typeface="Cambria Math" panose="02040503050406030204" charset="0"/>
+                    <a:cs typeface="Cambria Math" panose="02040503050406030204" charset="0"/>
+                  </a:rPr>
+                  <a:t>c</a:t>
+                </a:r>
+                <a:r>
+                  <a:rPr lang="zh-CN" altLang="en-US">
+                    <a:latin typeface="Cambria Math" panose="02040503050406030204" charset="0"/>
+                    <a:cs typeface="Cambria Math" panose="02040503050406030204" charset="0"/>
+                  </a:rPr>
+                  <a:t>；</a:t>
+                </a:r>
+                <a:r>
+                  <a:rPr lang="en-US" altLang="zh-CN">
+                    <a:latin typeface="Cambria Math" panose="02040503050406030204" charset="0"/>
+                    <a:cs typeface="Cambria Math" panose="02040503050406030204" charset="0"/>
+                  </a:rPr>
+                  <a:t>tan</a:t>
+                </a:r>
+                <a:r>
+                  <a:rPr lang="zh-CN" altLang="en-US">
+                    <a:latin typeface="Cambria Math" panose="02040503050406030204" charset="0"/>
+                    <a:cs typeface="Cambria Math" panose="02040503050406030204" charset="0"/>
+                  </a:rPr>
+                  <a:t>：</a:t>
+                </a:r>
+                <a:r>
+                  <a:rPr lang="en-US" altLang="zh-CN">
+                    <a:latin typeface="Cambria Math" panose="02040503050406030204" charset="0"/>
+                    <a:cs typeface="Cambria Math" panose="02040503050406030204" charset="0"/>
+                  </a:rPr>
+                  <a:t>t</a:t>
+                </a:r>
+                <a:r>
+                  <a:rPr lang="zh-CN" altLang="en-US">
+                    <a:latin typeface="Cambria Math" panose="02040503050406030204" charset="0"/>
+                    <a:cs typeface="Cambria Math" panose="02040503050406030204" charset="0"/>
+                  </a:rPr>
+                  <a:t>；</a:t>
+                </a:r>
+                <a:endParaRPr lang="zh-CN" altLang="en-US">
+                  <a:latin typeface="Cambria Math" panose="02040503050406030204" charset="0"/>
+                  <a:cs typeface="Cambria Math" panose="02040503050406030204" charset="0"/>
+                </a:endParaRPr>
+              </a:p>
+              <a:p>
+                <a:r>
+                  <a:rPr lang="zh-CN" altLang="en-US">
+                    <a:latin typeface="Cambria Math" panose="02040503050406030204" charset="0"/>
+                    <a:cs typeface="Cambria Math" panose="02040503050406030204" charset="0"/>
+                  </a:rPr>
+                  <a:t>位置</a:t>
+                </a:r>
+                <a:r>
+                  <a:rPr lang="en-US" altLang="zh-CN">
+                    <a:latin typeface="Cambria Math" panose="02040503050406030204" charset="0"/>
+                    <a:cs typeface="Cambria Math" panose="02040503050406030204" charset="0"/>
+                  </a:rPr>
+                  <a:t>/</a:t>
+                </a:r>
+                <a:r>
+                  <a:rPr lang="zh-CN" altLang="en-US">
+                    <a:latin typeface="Cambria Math" panose="02040503050406030204" charset="0"/>
+                    <a:cs typeface="Cambria Math" panose="02040503050406030204" charset="0"/>
+                  </a:rPr>
+                  <a:t>姿态：世界坐标系；速度</a:t>
+                </a:r>
+                <a:r>
+                  <a:rPr lang="en-US" altLang="zh-CN">
+                    <a:latin typeface="Cambria Math" panose="02040503050406030204" charset="0"/>
+                    <a:cs typeface="Cambria Math" panose="02040503050406030204" charset="0"/>
+                  </a:rPr>
+                  <a:t>/</a:t>
+                </a:r>
+                <a:r>
+                  <a:rPr lang="zh-CN" altLang="en-US">
+                    <a:latin typeface="Cambria Math" panose="02040503050406030204" charset="0"/>
+                    <a:cs typeface="Cambria Math" panose="02040503050406030204" charset="0"/>
+                  </a:rPr>
+                  <a:t>角速度</a:t>
+                </a:r>
+                <a:r>
+                  <a:rPr lang="en-US" altLang="zh-CN">
+                    <a:latin typeface="Cambria Math" panose="02040503050406030204" charset="0"/>
+                    <a:cs typeface="Cambria Math" panose="02040503050406030204" charset="0"/>
+                  </a:rPr>
+                  <a:t>/</a:t>
+                </a:r>
+                <a:r>
+                  <a:rPr lang="zh-CN" altLang="en-US">
+                    <a:latin typeface="Cambria Math" panose="02040503050406030204" charset="0"/>
+                    <a:cs typeface="Cambria Math" panose="02040503050406030204" charset="0"/>
+                  </a:rPr>
+                  <a:t>加速度：体</a:t>
+                </a:r>
+                <a:r>
+                  <a:rPr lang="zh-CN" altLang="en-US">
+                    <a:latin typeface="Cambria Math" panose="02040503050406030204" charset="0"/>
+                    <a:cs typeface="Cambria Math" panose="02040503050406030204" charset="0"/>
+                  </a:rPr>
+                  <a:t>坐标系</a:t>
+                </a:r>
+                <a:endParaRPr lang="zh-CN" altLang="en-US">
+                  <a:latin typeface="Cambria Math" panose="02040503050406030204" charset="0"/>
+                  <a:cs typeface="Cambria Math" panose="02040503050406030204" charset="0"/>
+                </a:endParaRPr>
+              </a:p>
+            </p:txBody>
+          </p:sp>
+        </mc:Choice>
+        <mc:Fallback>
+          <p:sp>
+            <p:nvSpPr>
+              <p:cNvPr id="9" name="文本框 8"/>
+              <p:cNvSpPr txBox="1">
+                <a:spLocks noRot="1" noChangeAspect="1" noMove="1" noResize="1" noEditPoints="1" noAdjustHandles="1" noChangeArrowheads="1" noChangeShapeType="1" noTextEdit="1"/>
+              </p:cNvSpPr>
+              <p:nvPr/>
+            </p:nvSpPr>
+            <p:spPr>
+              <a:xfrm>
+                <a:off x="505460" y="3040380"/>
+                <a:ext cx="7155180" cy="929640"/>
+              </a:xfrm>
+              <a:prstGeom prst="rect">
+                <a:avLst/>
+              </a:prstGeom>
+              <a:blipFill rotWithShape="1">
+                <a:blip r:embed="rId2"/>
+                <a:stretch>
+                  <a:fillRect/>
+                </a:stretch>
+              </a:blipFill>
+            </p:spPr>
+            <p:txBody>
+              <a:bodyPr/>
+              <a:lstStyle/>
+              <a:p>
+                <a:r>
+                  <a:rPr lang="zh-CN" altLang="en-US">
+                    <a:noFill/>
+                  </a:rPr>
+                  <a:t> </a:t>
+                </a:r>
+              </a:p>
+            </p:txBody>
+          </p:sp>
+        </mc:Fallback>
+      </mc:AlternateContent>
+    </p:spTree>
+  </p:cSld>
+  <p:clrMapOvr>
+    <a:masterClrMapping/>
+  </p:clrMapOvr>
+</p:sld>
+</file>
+
+<file path=ppt/slides/slide16.xml><?xml version="1.0" encoding="utf-8"?>
+<p:sld xmlns:a="http://schemas.openxmlformats.org/drawingml/2006/main" xmlns:r="http://schemas.openxmlformats.org/officeDocument/2006/relationships" xmlns:p="http://schemas.openxmlformats.org/presentationml/2006/main">
+  <p:cSld>
+    <p:spTree>
+      <p:nvGrpSpPr>
+        <p:cNvPr id="1" name=""/>
+        <p:cNvGrpSpPr/>
+        <p:nvPr/>
+      </p:nvGrpSpPr>
+      <p:grpSpPr/>
+      <mc:AlternateContent xmlns:mc="http://schemas.openxmlformats.org/markup-compatibility/2006">
+        <mc:Choice xmlns:a14="http://schemas.microsoft.com/office/drawing/2010/main" Requires="a14">
+          <p:sp>
+            <p:nvSpPr>
+              <p:cNvPr id="6" name="文本框 5"/>
+              <p:cNvSpPr txBox="1"/>
+              <p:nvPr/>
+            </p:nvSpPr>
+            <p:spPr>
+              <a:xfrm>
+                <a:off x="142875" y="1312545"/>
+                <a:ext cx="11647805" cy="3971925"/>
+              </a:xfrm>
+              <a:prstGeom prst="rect">
+                <a:avLst/>
+              </a:prstGeom>
+              <a:noFill/>
+            </p:spPr>
+            <p:txBody>
+              <a:bodyPr wrap="square" rtlCol="0">
+                <a:spAutoFit/>
+              </a:bodyPr>
+              <a:p>
+                <a14:m>
+                  <m:oMathPara xmlns:m="http://schemas.openxmlformats.org/officeDocument/2006/math">
+                    <m:oMathParaPr>
+                      <m:jc m:val="centerGroup"/>
+                    </m:oMathParaPr>
+                    <m:oMath xmlns:m="http://schemas.openxmlformats.org/officeDocument/2006/math">
+                      <m:sSub>
+                        <m:sSubPr>
+                          <m:ctrlPr>
+                            <a:rPr lang="en-US" altLang="zh-CN" sz="1200" b="1" i="1">
+                              <a:latin typeface="Cambria Math" panose="02040503050406030204" charset="0"/>
+                              <a:cs typeface="Cambria Math" panose="02040503050406030204" charset="0"/>
+                            </a:rPr>
+                          </m:ctrlPr>
+                        </m:sSubPr>
+                        <m:e>
+                          <m:r>
+                            <a:rPr lang="en-US" altLang="zh-CN" sz="1200" b="1" i="1">
+                              <a:latin typeface="Cambria Math" panose="02040503050406030204" charset="0"/>
+                              <a:cs typeface="Cambria Math" panose="02040503050406030204" charset="0"/>
+                            </a:rPr>
+                            <m:t>𝑿</m:t>
+                          </m:r>
+                        </m:e>
+                        <m:sub>
+                          <m:r>
+                            <a:rPr lang="en-US" altLang="zh-CN" sz="1200" b="1" i="1">
+                              <a:latin typeface="Cambria Math" panose="02040503050406030204" charset="0"/>
+                              <a:cs typeface="Cambria Math" panose="02040503050406030204" charset="0"/>
+                            </a:rPr>
+                            <m:t>𝒌</m:t>
+                          </m:r>
+                        </m:sub>
+                      </m:sSub>
+                      <m:r>
+                        <a:rPr lang="en-US" altLang="zh-CN" sz="1200" b="1" i="1">
+                          <a:latin typeface="Cambria Math" panose="02040503050406030204" charset="0"/>
+                          <a:cs typeface="Cambria Math" panose="02040503050406030204" charset="0"/>
+                        </a:rPr>
+                        <m:t>=</m:t>
+                      </m:r>
+                      <m:r>
+                        <a:rPr lang="en-US" altLang="zh-CN" sz="1200" b="1" i="1">
+                          <a:latin typeface="Cambria Math" panose="02040503050406030204" charset="0"/>
+                          <a:cs typeface="Cambria Math" panose="02040503050406030204" charset="0"/>
+                        </a:rPr>
+                        <m:t>𝑨</m:t>
+                      </m:r>
+                      <m:sSub>
+                        <m:sSubPr>
+                          <m:ctrlPr>
+                            <a:rPr lang="en-US" altLang="zh-CN" sz="1200" b="1" i="1">
+                              <a:latin typeface="Cambria Math" panose="02040503050406030204" charset="0"/>
+                              <a:cs typeface="Cambria Math" panose="02040503050406030204" charset="0"/>
+                            </a:rPr>
+                          </m:ctrlPr>
+                        </m:sSubPr>
+                        <m:e>
+                          <m:r>
+                            <a:rPr lang="en-US" altLang="zh-CN" sz="1200" b="1" i="1">
+                              <a:latin typeface="Cambria Math" panose="02040503050406030204" charset="0"/>
+                              <a:cs typeface="Cambria Math" panose="02040503050406030204" charset="0"/>
+                            </a:rPr>
+                            <m:t>𝑿</m:t>
+                          </m:r>
+                        </m:e>
+                        <m:sub>
+                          <m:r>
+                            <a:rPr lang="en-US" altLang="zh-CN" sz="1200" b="1" i="1">
+                              <a:latin typeface="Cambria Math" panose="02040503050406030204" charset="0"/>
+                              <a:cs typeface="Cambria Math" panose="02040503050406030204" charset="0"/>
+                            </a:rPr>
+                            <m:t>𝒌</m:t>
+                          </m:r>
+                          <m:r>
+                            <a:rPr lang="en-US" altLang="zh-CN" sz="1200" b="1" i="1">
+                              <a:latin typeface="Cambria Math" panose="02040503050406030204" charset="0"/>
+                              <a:cs typeface="Cambria Math" panose="02040503050406030204" charset="0"/>
+                            </a:rPr>
+                            <m:t>−</m:t>
+                          </m:r>
+                          <m:r>
+                            <a:rPr lang="en-US" altLang="zh-CN" sz="1200" b="1" i="1">
+                              <a:latin typeface="Cambria Math" panose="02040503050406030204" charset="0"/>
+                              <a:cs typeface="Cambria Math" panose="02040503050406030204" charset="0"/>
+                            </a:rPr>
+                            <m:t>𝟏</m:t>
+                          </m:r>
+                        </m:sub>
+                      </m:sSub>
+                      <m:r>
+                        <a:rPr lang="en-US" altLang="zh-CN" sz="1200" b="1" i="1">
+                          <a:latin typeface="Cambria Math" panose="02040503050406030204" charset="0"/>
+                          <a:cs typeface="Cambria Math" panose="02040503050406030204" charset="0"/>
+                        </a:rPr>
+                        <m:t>+</m:t>
+                      </m:r>
+                      <m:r>
+                        <a:rPr lang="en-US" altLang="zh-CN" sz="1200" b="1" i="1">
+                          <a:latin typeface="Cambria Math" panose="02040503050406030204" charset="0"/>
+                          <a:cs typeface="Cambria Math" panose="02040503050406030204" charset="0"/>
+                        </a:rPr>
+                        <m:t>𝑩</m:t>
+                      </m:r>
+                      <m:sSub>
+                        <m:sSubPr>
+                          <m:ctrlPr>
+                            <a:rPr lang="en-US" altLang="zh-CN" sz="1200" b="1" i="1">
+                              <a:latin typeface="Cambria Math" panose="02040503050406030204" charset="0"/>
+                              <a:cs typeface="Cambria Math" panose="02040503050406030204" charset="0"/>
+                            </a:rPr>
+                          </m:ctrlPr>
+                        </m:sSubPr>
+                        <m:e>
+                          <m:r>
+                            <a:rPr lang="en-US" altLang="zh-CN" sz="1200" b="1" i="1">
+                              <a:latin typeface="Cambria Math" panose="02040503050406030204" charset="0"/>
+                              <a:cs typeface="Cambria Math" panose="02040503050406030204" charset="0"/>
+                            </a:rPr>
+                            <m:t>𝒖</m:t>
+                          </m:r>
+                        </m:e>
+                        <m:sub>
+                          <m:r>
+                            <a:rPr lang="en-US" altLang="zh-CN" sz="1200" b="1" i="1">
+                              <a:latin typeface="Cambria Math" panose="02040503050406030204" charset="0"/>
+                              <a:cs typeface="Cambria Math" panose="02040503050406030204" charset="0"/>
+                            </a:rPr>
+                            <m:t>𝒌</m:t>
+                          </m:r>
+                          <m:r>
+                            <a:rPr lang="en-US" altLang="zh-CN" sz="1200" b="1" i="1">
+                              <a:latin typeface="Cambria Math" panose="02040503050406030204" charset="0"/>
+                              <a:cs typeface="Cambria Math" panose="02040503050406030204" charset="0"/>
+                            </a:rPr>
+                            <m:t>−</m:t>
+                          </m:r>
+                          <m:r>
+                            <a:rPr lang="en-US" altLang="zh-CN" sz="1200" b="1" i="1">
+                              <a:latin typeface="Cambria Math" panose="02040503050406030204" charset="0"/>
+                              <a:cs typeface="Cambria Math" panose="02040503050406030204" charset="0"/>
+                            </a:rPr>
+                            <m:t>𝟏</m:t>
+                          </m:r>
+                        </m:sub>
+                      </m:sSub>
+                      <m:r>
+                        <a:rPr lang="en-US" altLang="zh-CN" sz="1200" b="1" i="1">
+                          <a:latin typeface="Cambria Math" panose="02040503050406030204" charset="0"/>
+                          <a:cs typeface="Cambria Math" panose="02040503050406030204" charset="0"/>
+                        </a:rPr>
+                        <m:t>=</m:t>
+                      </m:r>
+                      <m:r>
+                        <a:rPr lang="en-US" altLang="zh-CN" sz="1200" b="1" i="1">
+                          <a:latin typeface="Cambria Math" panose="02040503050406030204" charset="0"/>
+                          <a:cs typeface="Cambria Math" panose="02040503050406030204" charset="0"/>
+                        </a:rPr>
+                        <m:t>𝒇</m:t>
+                      </m:r>
+                      <m:d>
+                        <m:dPr>
+                          <m:ctrlPr>
+                            <a:rPr lang="en-US" altLang="zh-CN" sz="1200" b="1" i="1">
+                              <a:latin typeface="Cambria Math" panose="02040503050406030204" charset="0"/>
+                              <a:cs typeface="Cambria Math" panose="02040503050406030204" charset="0"/>
+                            </a:rPr>
+                          </m:ctrlPr>
+                        </m:dPr>
+                        <m:e>
+                          <m:sSub>
+                            <m:sSubPr>
+                              <m:ctrlPr>
+                                <a:rPr lang="en-US" altLang="zh-CN" sz="1200" b="1" i="1">
+                                  <a:latin typeface="Cambria Math" panose="02040503050406030204" charset="0"/>
+                                  <a:cs typeface="Cambria Math" panose="02040503050406030204" charset="0"/>
+                                </a:rPr>
+                              </m:ctrlPr>
+                            </m:sSubPr>
+                            <m:e>
+                              <m:r>
+                                <a:rPr lang="en-US" altLang="zh-CN" sz="1200" b="1" i="1">
+                                  <a:latin typeface="Cambria Math" panose="02040503050406030204" charset="0"/>
+                                  <a:cs typeface="Cambria Math" panose="02040503050406030204" charset="0"/>
+                                </a:rPr>
+                                <m:t>𝑿</m:t>
+                              </m:r>
+                            </m:e>
+                            <m:sub>
+                              <m:r>
+                                <a:rPr lang="en-US" altLang="zh-CN" sz="1200" b="1" i="1">
+                                  <a:latin typeface="Cambria Math" panose="02040503050406030204" charset="0"/>
+                                  <a:cs typeface="Cambria Math" panose="02040503050406030204" charset="0"/>
+                                </a:rPr>
+                                <m:t>𝒌</m:t>
+                              </m:r>
+                              <m:r>
+                                <a:rPr lang="en-US" altLang="zh-CN" sz="1200" b="1" i="1">
+                                  <a:latin typeface="Cambria Math" panose="02040503050406030204" charset="0"/>
+                                  <a:cs typeface="Cambria Math" panose="02040503050406030204" charset="0"/>
+                                </a:rPr>
+                                <m:t>−</m:t>
+                              </m:r>
+                              <m:r>
+                                <a:rPr lang="en-US" altLang="zh-CN" sz="1200" b="1" i="1">
+                                  <a:latin typeface="Cambria Math" panose="02040503050406030204" charset="0"/>
+                                  <a:cs typeface="Cambria Math" panose="02040503050406030204" charset="0"/>
+                                </a:rPr>
+                                <m:t>𝟏</m:t>
+                              </m:r>
+                            </m:sub>
+                          </m:sSub>
+                          <m:r>
+                            <a:rPr lang="en-US" altLang="zh-CN" sz="1200" b="1" i="1">
+                              <a:latin typeface="Cambria Math" panose="02040503050406030204" charset="0"/>
+                              <a:cs typeface="Cambria Math" panose="02040503050406030204" charset="0"/>
+                            </a:rPr>
+                            <m:t>,</m:t>
+                          </m:r>
+                          <m:sSub>
+                            <m:sSubPr>
+                              <m:ctrlPr>
+                                <a:rPr lang="en-US" altLang="zh-CN" sz="1200" b="1" i="1">
+                                  <a:latin typeface="Cambria Math" panose="02040503050406030204" charset="0"/>
+                                  <a:cs typeface="Cambria Math" panose="02040503050406030204" charset="0"/>
+                                </a:rPr>
+                              </m:ctrlPr>
+                            </m:sSubPr>
+                            <m:e>
+                              <m:r>
+                                <a:rPr lang="en-US" altLang="zh-CN" sz="1200" b="1" i="1">
+                                  <a:latin typeface="Cambria Math" panose="02040503050406030204" charset="0"/>
+                                  <a:cs typeface="Cambria Math" panose="02040503050406030204" charset="0"/>
+                                </a:rPr>
+                                <m:t>𝒖</m:t>
+                              </m:r>
+                            </m:e>
+                            <m:sub>
+                              <m:r>
+                                <a:rPr lang="en-US" altLang="zh-CN" sz="1200" b="1" i="1">
+                                  <a:latin typeface="Cambria Math" panose="02040503050406030204" charset="0"/>
+                                  <a:cs typeface="Cambria Math" panose="02040503050406030204" charset="0"/>
+                                </a:rPr>
+                                <m:t>𝒌</m:t>
+                              </m:r>
+                              <m:r>
+                                <a:rPr lang="en-US" altLang="zh-CN" sz="1200" b="1" i="1">
+                                  <a:latin typeface="Cambria Math" panose="02040503050406030204" charset="0"/>
+                                  <a:cs typeface="Cambria Math" panose="02040503050406030204" charset="0"/>
+                                </a:rPr>
+                                <m:t>−</m:t>
+                              </m:r>
+                              <m:r>
+                                <a:rPr lang="en-US" altLang="zh-CN" sz="1200" b="1" i="1">
+                                  <a:latin typeface="Cambria Math" panose="02040503050406030204" charset="0"/>
+                                  <a:cs typeface="Cambria Math" panose="02040503050406030204" charset="0"/>
+                                </a:rPr>
+                                <m:t>𝟏</m:t>
+                              </m:r>
+                            </m:sub>
+                          </m:sSub>
+                        </m:e>
+                      </m:d>
+                      <m:r>
+                        <a:rPr lang="en-US" altLang="zh-CN" sz="1200" b="1" i="1">
+                          <a:latin typeface="Cambria Math" panose="02040503050406030204" charset="0"/>
+                          <a:cs typeface="Cambria Math" panose="02040503050406030204" charset="0"/>
+                        </a:rPr>
+                        <m:t>=</m:t>
+                      </m:r>
+                    </m:oMath>
+                    <m:oMath xmlns:m="http://schemas.openxmlformats.org/officeDocument/2006/math">
+                      <m:d>
+                        <m:dPr>
+                          <m:begChr m:val="["/>
+                          <m:endChr m:val="]"/>
+                          <m:ctrlPr>
+                            <a:rPr lang="en-US" altLang="zh-CN" sz="1200" b="1" i="1">
+                              <a:latin typeface="Cambria Math" panose="02040503050406030204" charset="0"/>
+                              <a:cs typeface="Cambria Math" panose="02040503050406030204" charset="0"/>
+                            </a:rPr>
+                          </m:ctrlPr>
+                        </m:dPr>
+                        <m:e>
+                          <m:m>
+                            <m:mPr>
+                              <m:mcs>
+                                <m:mc>
+                                  <m:mcPr>
+                                    <m:count m:val="15"/>
+                                    <m:mcJc m:val="center"/>
+                                  </m:mcPr>
+                                </m:mc>
+                              </m:mcs>
+                              <m:ctrlPr>
+                                <a:rPr lang="en-US" altLang="zh-CN" sz="1200" i="1">
+                                  <a:latin typeface="Cambria Math" panose="02040503050406030204" charset="0"/>
+                                  <a:cs typeface="Cambria Math" panose="02040503050406030204" charset="0"/>
+                                </a:rPr>
+                              </m:ctrlPr>
+                            </m:mPr>
+                            <m:mr>
+                              <m:e>
+                                <m:r>
+                                  <a:rPr lang="en-US" altLang="zh-CN" sz="1200" i="1">
+                                    <a:latin typeface="Cambria Math" panose="02040503050406030204" charset="0"/>
+                                    <a:cs typeface="Cambria Math" panose="02040503050406030204" charset="0"/>
+                                  </a:rPr>
+                                  <m:t>1</m:t>
+                                </m:r>
+                              </m:e>
+                              <m:e>
+                                <m:r>
+                                  <a:rPr lang="en-US" altLang="zh-CN" sz="1200" i="1">
+                                    <a:latin typeface="Cambria Math" panose="02040503050406030204" charset="0"/>
+                                    <a:cs typeface="Cambria Math" panose="02040503050406030204" charset="0"/>
+                                  </a:rPr>
+                                  <m:t>0</m:t>
+                                </m:r>
+                              </m:e>
+                              <m:e>
+                                <m:r>
+                                  <a:rPr lang="en-US" altLang="zh-CN" sz="1200" i="1">
+                                    <a:latin typeface="Cambria Math" panose="02040503050406030204" charset="0"/>
+                                    <a:cs typeface="Cambria Math" panose="02040503050406030204" charset="0"/>
+                                  </a:rPr>
+                                  <m:t>0</m:t>
+                                </m:r>
+                              </m:e>
+                              <m:e>
+                                <m:r>
+                                  <a:rPr lang="en-US" altLang="zh-CN" sz="1200" i="1">
+                                    <a:latin typeface="Cambria Math" panose="02040503050406030204" charset="0"/>
+                                    <a:cs typeface="Cambria Math" panose="02040503050406030204" charset="0"/>
+                                  </a:rPr>
+                                  <m:t>0</m:t>
+                                </m:r>
+                              </m:e>
+                              <m:e>
+                                <m:r>
+                                  <a:rPr lang="en-US" altLang="zh-CN" sz="1200" i="1">
+                                    <a:latin typeface="Cambria Math" panose="02040503050406030204" charset="0"/>
+                                    <a:cs typeface="Cambria Math" panose="02040503050406030204" charset="0"/>
+                                  </a:rPr>
+                                  <m:t>0</m:t>
+                                </m:r>
+                              </m:e>
+                              <m:e>
+                                <m:r>
+                                  <a:rPr lang="en-US" altLang="zh-CN" sz="1200" i="1">
+                                    <a:latin typeface="Cambria Math" panose="02040503050406030204" charset="0"/>
+                                    <a:cs typeface="Cambria Math" panose="02040503050406030204" charset="0"/>
+                                  </a:rPr>
+                                  <m:t>0</m:t>
+                                </m:r>
+                              </m:e>
+                              <m:e>
+                                <m:r>
+                                  <a:rPr lang="en-US" altLang="zh-CN" sz="1200" i="1">
+                                    <a:latin typeface="Cambria Math" panose="02040503050406030204" charset="0"/>
+                                    <a:cs typeface="Cambria Math" panose="02040503050406030204" charset="0"/>
+                                  </a:rPr>
+                                  <m:t>𝑐</m:t>
+                                </m:r>
+                                <m:r>
+                                  <a:rPr lang="en-US" altLang="zh-CN" sz="1200" i="1">
+                                    <a:latin typeface="Cambria Math" panose="02040503050406030204" charset="0"/>
+                                    <a:cs typeface="Cambria Math" panose="02040503050406030204" charset="0"/>
+                                  </a:rPr>
+                                  <m:t>(</m:t>
+                                </m:r>
+                                <m:r>
+                                  <a:rPr lang="en-US" altLang="zh-CN" sz="1200" i="1">
+                                    <a:latin typeface="Cambria Math" panose="02040503050406030204" charset="0"/>
+                                    <a:cs typeface="Cambria Math" panose="02040503050406030204" charset="0"/>
+                                  </a:rPr>
+                                  <m:t>𝜓</m:t>
+                                </m:r>
+                                <m:r>
+                                  <a:rPr lang="en-US" altLang="zh-CN" sz="1200" i="1">
+                                    <a:latin typeface="Cambria Math" panose="02040503050406030204" charset="0"/>
+                                    <a:cs typeface="Cambria Math" panose="02040503050406030204" charset="0"/>
+                                  </a:rPr>
+                                  <m:t>)</m:t>
+                                </m:r>
+                                <m:r>
+                                  <a:rPr lang="en-US" altLang="zh-CN" sz="1200" i="1">
+                                    <a:latin typeface="Cambria Math" panose="02040503050406030204" charset="0"/>
+                                    <a:cs typeface="Cambria Math" panose="02040503050406030204" charset="0"/>
+                                  </a:rPr>
+                                  <m:t>𝑐</m:t>
+                                </m:r>
+                                <m:r>
+                                  <a:rPr lang="en-US" altLang="zh-CN" sz="1200" i="1">
+                                    <a:latin typeface="Cambria Math" panose="02040503050406030204" charset="0"/>
+                                    <a:cs typeface="Cambria Math" panose="02040503050406030204" charset="0"/>
+                                  </a:rPr>
+                                  <m:t>(</m:t>
+                                </m:r>
+                                <m:r>
+                                  <a:rPr lang="en-US" altLang="zh-CN" sz="1200" i="1">
+                                    <a:latin typeface="Cambria Math" panose="02040503050406030204" charset="0"/>
+                                    <a:cs typeface="Cambria Math" panose="02040503050406030204" charset="0"/>
+                                  </a:rPr>
+                                  <m:t>𝜃</m:t>
+                                </m:r>
+                                <m:r>
+                                  <a:rPr lang="en-US" altLang="zh-CN" sz="1200" i="1">
+                                    <a:latin typeface="Cambria Math" panose="02040503050406030204" charset="0"/>
+                                    <a:cs typeface="Cambria Math" panose="02040503050406030204" charset="0"/>
+                                  </a:rPr>
+                                  <m:t>)</m:t>
+                                </m:r>
+                                <m:r>
+                                  <a:rPr lang="en-US" altLang="zh-CN" sz="1200" i="1">
+                                    <a:latin typeface="Cambria Math" panose="02040503050406030204" charset="0"/>
+                                    <a:cs typeface="Cambria Math" panose="02040503050406030204" charset="0"/>
+                                  </a:rPr>
+                                  <m:t>𝑇</m:t>
+                                </m:r>
+                              </m:e>
+                              <m:e>
+                                <m:d>
+                                  <m:dPr>
+                                    <m:ctrlPr>
+                                      <a:rPr lang="en-US" altLang="zh-CN" sz="1200" i="1">
+                                        <a:latin typeface="Cambria Math" panose="02040503050406030204" charset="0"/>
+                                        <a:cs typeface="Cambria Math" panose="02040503050406030204" charset="0"/>
+                                      </a:rPr>
+                                    </m:ctrlPr>
+                                  </m:dPr>
+                                  <m:e>
+                                    <m:eqArr>
+                                      <m:eqArrPr>
+                                        <m:ctrlPr>
+                                          <a:rPr lang="en-US" sz="1200" i="1">
+                                            <a:latin typeface="Cambria Math" panose="02040503050406030204" charset="0"/>
+                                          </a:rPr>
+                                        </m:ctrlPr>
+                                      </m:eqArrPr>
+                                      <m:e>
+                                        <m:r>
+                                          <a:rPr lang="en-US" altLang="zh-CN" sz="1200" i="1">
+                                            <a:latin typeface="Cambria Math" panose="02040503050406030204" charset="0"/>
+                                            <a:cs typeface="Cambria Math" panose="02040503050406030204" charset="0"/>
+                                          </a:rPr>
+                                          <m:t>𝑐</m:t>
+                                        </m:r>
+                                        <m:r>
+                                          <a:rPr lang="en-US" altLang="zh-CN" sz="1200" i="1">
+                                            <a:latin typeface="Cambria Math" panose="02040503050406030204" charset="0"/>
+                                            <a:cs typeface="Cambria Math" panose="02040503050406030204" charset="0"/>
+                                          </a:rPr>
+                                          <m:t>(</m:t>
+                                        </m:r>
+                                        <m:r>
+                                          <a:rPr lang="en-US" altLang="zh-CN" sz="1200" i="1">
+                                            <a:latin typeface="Cambria Math" panose="02040503050406030204" charset="0"/>
+                                            <a:cs typeface="Cambria Math" panose="02040503050406030204" charset="0"/>
+                                          </a:rPr>
+                                          <m:t>𝜓</m:t>
+                                        </m:r>
+                                        <m:r>
+                                          <a:rPr lang="en-US" altLang="zh-CN" sz="1200" i="1">
+                                            <a:latin typeface="Cambria Math" panose="02040503050406030204" charset="0"/>
+                                            <a:cs typeface="Cambria Math" panose="02040503050406030204" charset="0"/>
+                                          </a:rPr>
+                                          <m:t>)</m:t>
+                                        </m:r>
+                                        <m:r>
+                                          <a:rPr lang="en-US" sz="1200" i="1">
+                                            <a:latin typeface="Cambria Math" panose="02040503050406030204" charset="0"/>
+                                          </a:rPr>
+                                          <m:t>𝑠</m:t>
+                                        </m:r>
+                                        <m:r>
+                                          <a:rPr lang="en-US" sz="1200" i="1">
+                                            <a:latin typeface="Cambria Math" panose="02040503050406030204" charset="0"/>
+                                          </a:rPr>
+                                          <m:t>(</m:t>
+                                        </m:r>
+                                        <m:r>
+                                          <a:rPr lang="en-US" altLang="zh-CN" sz="1200" i="1">
+                                            <a:latin typeface="Cambria Math" panose="02040503050406030204" charset="0"/>
+                                            <a:cs typeface="Cambria Math" panose="02040503050406030204" charset="0"/>
+                                          </a:rPr>
+                                          <m:t>𝜃</m:t>
+                                        </m:r>
+                                        <m:r>
+                                          <a:rPr lang="en-US" sz="1200" i="1">
+                                            <a:latin typeface="Cambria Math" panose="02040503050406030204" charset="0"/>
+                                          </a:rPr>
+                                          <m:t>)</m:t>
+                                        </m:r>
+                                        <m:r>
+                                          <a:rPr lang="en-US" sz="1200" i="1">
+                                            <a:latin typeface="Cambria Math" panose="02040503050406030204" charset="0"/>
+                                          </a:rPr>
+                                          <m:t>𝑠</m:t>
+                                        </m:r>
+                                        <m:r>
+                                          <a:rPr lang="en-US" sz="1200" i="1">
+                                            <a:latin typeface="Cambria Math" panose="02040503050406030204" charset="0"/>
+                                          </a:rPr>
+                                          <m:t>(</m:t>
+                                        </m:r>
+                                        <m:r>
+                                          <a:rPr lang="en-US" altLang="zh-CN" sz="1200" i="1">
+                                            <a:latin typeface="Cambria Math" panose="02040503050406030204" charset="0"/>
+                                            <a:cs typeface="Cambria Math" panose="02040503050406030204" charset="0"/>
+                                          </a:rPr>
+                                          <m:t>𝜙</m:t>
+                                        </m:r>
+                                        <m:r>
+                                          <a:rPr lang="en-US" sz="1200" i="1">
+                                            <a:latin typeface="Cambria Math" panose="02040503050406030204" charset="0"/>
+                                          </a:rPr>
+                                          <m:t>)−</m:t>
+                                        </m:r>
+                                      </m:e>
+                                      <m:e>
+                                        <m:r>
+                                          <a:rPr lang="en-US" altLang="zh-CN" sz="1200" i="1">
+                                            <a:latin typeface="Cambria Math" panose="02040503050406030204" charset="0"/>
+                                            <a:cs typeface="Cambria Math" panose="02040503050406030204" charset="0"/>
+                                          </a:rPr>
+                                          <m:t>𝑠</m:t>
+                                        </m:r>
+                                        <m:r>
+                                          <a:rPr lang="en-US" altLang="zh-CN" sz="1200" i="1">
+                                            <a:latin typeface="Cambria Math" panose="02040503050406030204" charset="0"/>
+                                            <a:cs typeface="Cambria Math" panose="02040503050406030204" charset="0"/>
+                                          </a:rPr>
+                                          <m:t>(</m:t>
+                                        </m:r>
+                                        <m:r>
+                                          <a:rPr lang="en-US" altLang="zh-CN" sz="1200" i="1">
+                                            <a:latin typeface="Cambria Math" panose="02040503050406030204" charset="0"/>
+                                            <a:cs typeface="Cambria Math" panose="02040503050406030204" charset="0"/>
+                                          </a:rPr>
+                                          <m:t>𝜓</m:t>
+                                        </m:r>
+                                        <m:r>
+                                          <a:rPr lang="en-US" altLang="zh-CN" sz="1200" i="1">
+                                            <a:latin typeface="Cambria Math" panose="02040503050406030204" charset="0"/>
+                                            <a:cs typeface="Cambria Math" panose="02040503050406030204" charset="0"/>
+                                          </a:rPr>
+                                          <m:t>)</m:t>
+                                        </m:r>
+                                        <m:r>
+                                          <a:rPr lang="en-US" sz="1200" i="1">
+                                            <a:latin typeface="Cambria Math" panose="02040503050406030204" charset="0"/>
+                                          </a:rPr>
+                                          <m:t>𝑐</m:t>
+                                        </m:r>
+                                        <m:r>
+                                          <a:rPr lang="en-US" sz="1200" i="1">
+                                            <a:latin typeface="Cambria Math" panose="02040503050406030204" charset="0"/>
+                                          </a:rPr>
+                                          <m:t>(</m:t>
+                                        </m:r>
+                                        <m:r>
+                                          <a:rPr lang="en-US" altLang="zh-CN" sz="1200" i="1">
+                                            <a:latin typeface="Cambria Math" panose="02040503050406030204" charset="0"/>
+                                            <a:cs typeface="Cambria Math" panose="02040503050406030204" charset="0"/>
+                                          </a:rPr>
+                                          <m:t>𝜙</m:t>
+                                        </m:r>
+                                        <m:r>
+                                          <a:rPr lang="en-US" sz="1200" i="1">
+                                            <a:latin typeface="Cambria Math" panose="02040503050406030204" charset="0"/>
+                                          </a:rPr>
+                                          <m:t>)</m:t>
+                                        </m:r>
+                                      </m:e>
+                                    </m:eqArr>
+                                  </m:e>
+                                </m:d>
+                                <m:r>
+                                  <a:rPr lang="en-US" altLang="zh-CN" sz="1200" i="1">
+                                    <a:latin typeface="Cambria Math" panose="02040503050406030204" charset="0"/>
+                                    <a:cs typeface="Cambria Math" panose="02040503050406030204" charset="0"/>
+                                  </a:rPr>
+                                  <m:t>𝑇</m:t>
+                                </m:r>
+                              </m:e>
+                              <m:e>
+                                <m:d>
+                                  <m:dPr>
+                                    <m:ctrlPr>
+                                      <a:rPr lang="en-US" altLang="zh-CN" sz="1200" i="1">
+                                        <a:latin typeface="Cambria Math" panose="02040503050406030204" charset="0"/>
+                                        <a:cs typeface="Cambria Math" panose="02040503050406030204" charset="0"/>
+                                      </a:rPr>
+                                    </m:ctrlPr>
+                                  </m:dPr>
+                                  <m:e>
+                                    <m:eqArr>
+                                      <m:eqArrPr>
+                                        <m:ctrlPr>
+                                          <a:rPr lang="en-US" sz="1200" i="1">
+                                            <a:latin typeface="Cambria Math" panose="02040503050406030204" charset="0"/>
+                                          </a:rPr>
+                                        </m:ctrlPr>
+                                      </m:eqArrPr>
+                                      <m:e>
+                                        <m:r>
+                                          <a:rPr lang="en-US" altLang="zh-CN" sz="1200" i="1">
+                                            <a:latin typeface="Cambria Math" panose="02040503050406030204" charset="0"/>
+                                            <a:cs typeface="Cambria Math" panose="02040503050406030204" charset="0"/>
+                                          </a:rPr>
+                                          <m:t>𝑐</m:t>
+                                        </m:r>
+                                        <m:r>
+                                          <a:rPr lang="en-US" altLang="zh-CN" sz="1200" i="1">
+                                            <a:latin typeface="Cambria Math" panose="02040503050406030204" charset="0"/>
+                                            <a:cs typeface="Cambria Math" panose="02040503050406030204" charset="0"/>
+                                          </a:rPr>
+                                          <m:t>(</m:t>
+                                        </m:r>
+                                        <m:r>
+                                          <a:rPr lang="en-US" altLang="zh-CN" sz="1200" i="1">
+                                            <a:latin typeface="Cambria Math" panose="02040503050406030204" charset="0"/>
+                                            <a:cs typeface="Cambria Math" panose="02040503050406030204" charset="0"/>
+                                          </a:rPr>
+                                          <m:t>𝜓</m:t>
+                                        </m:r>
+                                        <m:r>
+                                          <a:rPr lang="en-US" altLang="zh-CN" sz="1200" i="1">
+                                            <a:latin typeface="Cambria Math" panose="02040503050406030204" charset="0"/>
+                                            <a:cs typeface="Cambria Math" panose="02040503050406030204" charset="0"/>
+                                          </a:rPr>
+                                          <m:t>)</m:t>
+                                        </m:r>
+                                        <m:r>
+                                          <a:rPr lang="en-US" sz="1200" i="1">
+                                            <a:latin typeface="Cambria Math" panose="02040503050406030204" charset="0"/>
+                                          </a:rPr>
+                                          <m:t>𝑠</m:t>
+                                        </m:r>
+                                        <m:r>
+                                          <a:rPr lang="en-US" sz="1200" i="1">
+                                            <a:latin typeface="Cambria Math" panose="02040503050406030204" charset="0"/>
+                                          </a:rPr>
+                                          <m:t>(</m:t>
+                                        </m:r>
+                                        <m:r>
+                                          <a:rPr lang="en-US" altLang="zh-CN" sz="1200" i="1">
+                                            <a:latin typeface="Cambria Math" panose="02040503050406030204" charset="0"/>
+                                            <a:cs typeface="Cambria Math" panose="02040503050406030204" charset="0"/>
+                                          </a:rPr>
+                                          <m:t>𝜃</m:t>
+                                        </m:r>
+                                        <m:r>
+                                          <a:rPr lang="en-US" sz="1200" i="1">
+                                            <a:latin typeface="Cambria Math" panose="02040503050406030204" charset="0"/>
+                                          </a:rPr>
+                                          <m:t>)</m:t>
+                                        </m:r>
+                                        <m:r>
+                                          <a:rPr lang="en-US" sz="1200" i="1">
+                                            <a:latin typeface="Cambria Math" panose="02040503050406030204" charset="0"/>
+                                          </a:rPr>
+                                          <m:t>𝑐</m:t>
+                                        </m:r>
+                                        <m:r>
+                                          <a:rPr lang="en-US" sz="1200" i="1">
+                                            <a:latin typeface="Cambria Math" panose="02040503050406030204" charset="0"/>
+                                          </a:rPr>
+                                          <m:t>(</m:t>
+                                        </m:r>
+                                        <m:r>
+                                          <a:rPr lang="en-US" altLang="zh-CN" sz="1200" i="1">
+                                            <a:latin typeface="Cambria Math" panose="02040503050406030204" charset="0"/>
+                                            <a:cs typeface="Cambria Math" panose="02040503050406030204" charset="0"/>
+                                          </a:rPr>
+                                          <m:t>𝜙</m:t>
+                                        </m:r>
+                                        <m:r>
+                                          <a:rPr lang="en-US" sz="1200" i="1">
+                                            <a:latin typeface="Cambria Math" panose="02040503050406030204" charset="0"/>
+                                          </a:rPr>
+                                          <m:t>)+</m:t>
+                                        </m:r>
+                                      </m:e>
+                                      <m:e>
+                                        <m:r>
+                                          <a:rPr lang="en-US" altLang="zh-CN" sz="1200" i="1">
+                                            <a:latin typeface="Cambria Math" panose="02040503050406030204" charset="0"/>
+                                            <a:cs typeface="Cambria Math" panose="02040503050406030204" charset="0"/>
+                                          </a:rPr>
+                                          <m:t>𝑠</m:t>
+                                        </m:r>
+                                        <m:r>
+                                          <a:rPr lang="en-US" altLang="zh-CN" sz="1200" i="1">
+                                            <a:latin typeface="Cambria Math" panose="02040503050406030204" charset="0"/>
+                                            <a:cs typeface="Cambria Math" panose="02040503050406030204" charset="0"/>
+                                          </a:rPr>
+                                          <m:t>(</m:t>
+                                        </m:r>
+                                        <m:r>
+                                          <a:rPr lang="en-US" altLang="zh-CN" sz="1200" i="1">
+                                            <a:latin typeface="Cambria Math" panose="02040503050406030204" charset="0"/>
+                                            <a:cs typeface="Cambria Math" panose="02040503050406030204" charset="0"/>
+                                          </a:rPr>
+                                          <m:t>𝜓</m:t>
+                                        </m:r>
+                                        <m:r>
+                                          <a:rPr lang="en-US" altLang="zh-CN" sz="1200" i="1">
+                                            <a:latin typeface="Cambria Math" panose="02040503050406030204" charset="0"/>
+                                            <a:cs typeface="Cambria Math" panose="02040503050406030204" charset="0"/>
+                                          </a:rPr>
+                                          <m:t>)</m:t>
+                                        </m:r>
+                                        <m:r>
+                                          <a:rPr lang="en-US" sz="1200" i="1">
+                                            <a:latin typeface="Cambria Math" panose="02040503050406030204" charset="0"/>
+                                          </a:rPr>
+                                          <m:t>𝑠</m:t>
+                                        </m:r>
+                                        <m:r>
+                                          <a:rPr lang="en-US" sz="1200" i="1">
+                                            <a:latin typeface="Cambria Math" panose="02040503050406030204" charset="0"/>
+                                          </a:rPr>
+                                          <m:t>(</m:t>
+                                        </m:r>
+                                        <m:r>
+                                          <a:rPr lang="en-US" altLang="zh-CN" sz="1200" i="1">
+                                            <a:latin typeface="Cambria Math" panose="02040503050406030204" charset="0"/>
+                                            <a:cs typeface="Cambria Math" panose="02040503050406030204" charset="0"/>
+                                          </a:rPr>
+                                          <m:t>𝜙</m:t>
+                                        </m:r>
+                                        <m:r>
+                                          <a:rPr lang="en-US" sz="1200" i="1">
+                                            <a:latin typeface="Cambria Math" panose="02040503050406030204" charset="0"/>
+                                          </a:rPr>
+                                          <m:t>)</m:t>
+                                        </m:r>
+                                      </m:e>
+                                    </m:eqArr>
+                                  </m:e>
+                                </m:d>
+                                <m:r>
+                                  <a:rPr lang="en-US" altLang="zh-CN" sz="1200" i="1">
+                                    <a:latin typeface="Cambria Math" panose="02040503050406030204" charset="0"/>
+                                    <a:cs typeface="Cambria Math" panose="02040503050406030204" charset="0"/>
+                                  </a:rPr>
+                                  <m:t>𝑇</m:t>
+                                </m:r>
+                              </m:e>
+                              <m:e>
+                                <m:r>
+                                  <a:rPr lang="en-US" altLang="zh-CN" sz="1200" i="1">
+                                    <a:latin typeface="Cambria Math" panose="02040503050406030204" charset="0"/>
+                                    <a:cs typeface="Cambria Math" panose="02040503050406030204" charset="0"/>
+                                  </a:rPr>
+                                  <m:t>0</m:t>
+                                </m:r>
+                              </m:e>
+                              <m:e>
+                                <m:r>
+                                  <a:rPr lang="en-US" altLang="zh-CN" sz="1200" i="1">
+                                    <a:latin typeface="Cambria Math" panose="02040503050406030204" charset="0"/>
+                                    <a:cs typeface="Cambria Math" panose="02040503050406030204" charset="0"/>
+                                  </a:rPr>
+                                  <m:t>0</m:t>
+                                </m:r>
+                              </m:e>
+                              <m:e>
+                                <m:r>
+                                  <a:rPr lang="en-US" altLang="zh-CN" sz="1200" i="1">
+                                    <a:latin typeface="Cambria Math" panose="02040503050406030204" charset="0"/>
+                                    <a:cs typeface="Cambria Math" panose="02040503050406030204" charset="0"/>
+                                  </a:rPr>
+                                  <m:t>0</m:t>
+                                </m:r>
+                              </m:e>
+                              <m:e>
+                                <m:f>
+                                  <m:fPr>
+                                    <m:ctrlPr>
+                                      <a:rPr lang="en-US" altLang="zh-CN" sz="1200" i="1">
+                                        <a:latin typeface="Cambria Math" panose="02040503050406030204" charset="0"/>
+                                        <a:cs typeface="Cambria Math" panose="02040503050406030204" charset="0"/>
+                                      </a:rPr>
+                                    </m:ctrlPr>
+                                  </m:fPr>
+                                  <m:num>
+                                    <m:r>
+                                      <a:rPr lang="en-US" altLang="zh-CN" sz="1200" i="1">
+                                        <a:latin typeface="Cambria Math" panose="02040503050406030204" charset="0"/>
+                                        <a:cs typeface="Cambria Math" panose="02040503050406030204" charset="0"/>
+                                      </a:rPr>
+                                      <m:t>𝑐</m:t>
+                                    </m:r>
+                                    <m:r>
+                                      <a:rPr lang="en-US" altLang="zh-CN" sz="1200" i="1">
+                                        <a:latin typeface="Cambria Math" panose="02040503050406030204" charset="0"/>
+                                        <a:cs typeface="Cambria Math" panose="02040503050406030204" charset="0"/>
+                                      </a:rPr>
+                                      <m:t>(</m:t>
+                                    </m:r>
+                                    <m:r>
+                                      <a:rPr lang="en-US" altLang="zh-CN" sz="1200" i="1">
+                                        <a:latin typeface="Cambria Math" panose="02040503050406030204" charset="0"/>
+                                        <a:cs typeface="Cambria Math" panose="02040503050406030204" charset="0"/>
+                                      </a:rPr>
+                                      <m:t>𝜓</m:t>
+                                    </m:r>
+                                    <m:r>
+                                      <a:rPr lang="en-US" altLang="zh-CN" sz="1200" i="1">
+                                        <a:latin typeface="Cambria Math" panose="02040503050406030204" charset="0"/>
+                                        <a:cs typeface="Cambria Math" panose="02040503050406030204" charset="0"/>
+                                      </a:rPr>
+                                      <m:t>)</m:t>
+                                    </m:r>
+                                    <m:r>
+                                      <a:rPr lang="en-US" altLang="zh-CN" sz="1200" i="1">
+                                        <a:latin typeface="Cambria Math" panose="02040503050406030204" charset="0"/>
+                                        <a:cs typeface="Cambria Math" panose="02040503050406030204" charset="0"/>
+                                      </a:rPr>
+                                      <m:t>𝑐</m:t>
+                                    </m:r>
+                                    <m:r>
+                                      <a:rPr lang="en-US" altLang="zh-CN" sz="1200" i="1">
+                                        <a:latin typeface="Cambria Math" panose="02040503050406030204" charset="0"/>
+                                        <a:cs typeface="Cambria Math" panose="02040503050406030204" charset="0"/>
+                                      </a:rPr>
+                                      <m:t>(</m:t>
+                                    </m:r>
+                                    <m:r>
+                                      <a:rPr lang="en-US" altLang="zh-CN" sz="1200" i="1">
+                                        <a:latin typeface="Cambria Math" panose="02040503050406030204" charset="0"/>
+                                        <a:cs typeface="Cambria Math" panose="02040503050406030204" charset="0"/>
+                                      </a:rPr>
+                                      <m:t>𝜃</m:t>
+                                    </m:r>
+                                    <m:r>
+                                      <a:rPr lang="en-US" altLang="zh-CN" sz="1200" i="1">
+                                        <a:latin typeface="Cambria Math" panose="02040503050406030204" charset="0"/>
+                                        <a:cs typeface="Cambria Math" panose="02040503050406030204" charset="0"/>
+                                      </a:rPr>
+                                      <m:t>)</m:t>
+                                    </m:r>
+                                    <m:sSup>
+                                      <m:sSupPr>
+                                        <m:ctrlPr>
+                                          <a:rPr lang="en-US" altLang="zh-CN" sz="1200" i="1">
+                                            <a:latin typeface="Cambria Math" panose="02040503050406030204" charset="0"/>
+                                            <a:cs typeface="Cambria Math" panose="02040503050406030204" charset="0"/>
+                                          </a:rPr>
+                                        </m:ctrlPr>
+                                      </m:sSupPr>
+                                      <m:e>
+                                        <m:r>
+                                          <a:rPr lang="en-US" altLang="zh-CN" sz="1200" i="1">
+                                            <a:latin typeface="Cambria Math" panose="02040503050406030204" charset="0"/>
+                                            <a:cs typeface="Cambria Math" panose="02040503050406030204" charset="0"/>
+                                          </a:rPr>
+                                          <m:t>𝑇</m:t>
+                                        </m:r>
+                                      </m:e>
+                                      <m:sup>
+                                        <m:r>
+                                          <a:rPr lang="en-US" altLang="zh-CN" sz="1200" i="1">
+                                            <a:latin typeface="Cambria Math" panose="02040503050406030204" charset="0"/>
+                                            <a:cs typeface="Cambria Math" panose="02040503050406030204" charset="0"/>
+                                          </a:rPr>
+                                          <m:t>2</m:t>
+                                        </m:r>
+                                      </m:sup>
+                                    </m:sSup>
+                                  </m:num>
+                                  <m:den>
+                                    <m:r>
+                                      <a:rPr lang="en-US" altLang="zh-CN" sz="1200" i="1">
+                                        <a:latin typeface="Cambria Math" panose="02040503050406030204" charset="0"/>
+                                        <a:cs typeface="Cambria Math" panose="02040503050406030204" charset="0"/>
+                                      </a:rPr>
+                                      <m:t>2</m:t>
+                                    </m:r>
+                                  </m:den>
+                                </m:f>
+                              </m:e>
+                              <m:e>
+                                <m:f>
+                                  <m:fPr>
+                                    <m:ctrlPr>
+                                      <a:rPr lang="en-US" altLang="zh-CN" sz="1200" i="1">
+                                        <a:latin typeface="Cambria Math" panose="02040503050406030204" charset="0"/>
+                                        <a:cs typeface="Cambria Math" panose="02040503050406030204" charset="0"/>
+                                      </a:rPr>
+                                    </m:ctrlPr>
+                                  </m:fPr>
+                                  <m:num>
+                                    <m:d>
+                                      <m:dPr>
+                                        <m:ctrlPr>
+                                          <a:rPr lang="en-US" altLang="zh-CN" sz="1200" i="1">
+                                            <a:latin typeface="Cambria Math" panose="02040503050406030204" charset="0"/>
+                                            <a:cs typeface="Cambria Math" panose="02040503050406030204" charset="0"/>
+                                          </a:rPr>
+                                        </m:ctrlPr>
+                                      </m:dPr>
+                                      <m:e>
+                                        <m:eqArr>
+                                          <m:eqArrPr>
+                                            <m:ctrlPr>
+                                              <a:rPr lang="en-US" sz="1200" i="1">
+                                                <a:latin typeface="Cambria Math" panose="02040503050406030204" charset="0"/>
+                                              </a:rPr>
+                                            </m:ctrlPr>
+                                          </m:eqArrPr>
+                                          <m:e>
+                                            <m:r>
+                                              <a:rPr lang="en-US" altLang="zh-CN" sz="1200" i="1">
+                                                <a:latin typeface="Cambria Math" panose="02040503050406030204" charset="0"/>
+                                                <a:cs typeface="Cambria Math" panose="02040503050406030204" charset="0"/>
+                                              </a:rPr>
+                                              <m:t>𝑐</m:t>
+                                            </m:r>
+                                            <m:r>
+                                              <a:rPr lang="en-US" altLang="zh-CN" sz="1200" i="1">
+                                                <a:latin typeface="Cambria Math" panose="02040503050406030204" charset="0"/>
+                                                <a:cs typeface="Cambria Math" panose="02040503050406030204" charset="0"/>
+                                              </a:rPr>
+                                              <m:t>(</m:t>
+                                            </m:r>
+                                            <m:r>
+                                              <a:rPr lang="en-US" altLang="zh-CN" sz="1200" i="1">
+                                                <a:latin typeface="Cambria Math" panose="02040503050406030204" charset="0"/>
+                                                <a:cs typeface="Cambria Math" panose="02040503050406030204" charset="0"/>
+                                              </a:rPr>
+                                              <m:t>𝜓</m:t>
+                                            </m:r>
+                                            <m:r>
+                                              <a:rPr lang="en-US" altLang="zh-CN" sz="1200" i="1">
+                                                <a:latin typeface="Cambria Math" panose="02040503050406030204" charset="0"/>
+                                                <a:cs typeface="Cambria Math" panose="02040503050406030204" charset="0"/>
+                                              </a:rPr>
+                                              <m:t>)</m:t>
+                                            </m:r>
+                                            <m:r>
+                                              <a:rPr lang="en-US" sz="1200" i="1">
+                                                <a:latin typeface="Cambria Math" panose="02040503050406030204" charset="0"/>
+                                              </a:rPr>
+                                              <m:t>𝑠</m:t>
+                                            </m:r>
+                                            <m:r>
+                                              <a:rPr lang="en-US" sz="1200" i="1">
+                                                <a:latin typeface="Cambria Math" panose="02040503050406030204" charset="0"/>
+                                              </a:rPr>
+                                              <m:t>(</m:t>
+                                            </m:r>
+                                            <m:r>
+                                              <a:rPr lang="en-US" altLang="zh-CN" sz="1200" i="1">
+                                                <a:latin typeface="Cambria Math" panose="02040503050406030204" charset="0"/>
+                                                <a:cs typeface="Cambria Math" panose="02040503050406030204" charset="0"/>
+                                              </a:rPr>
+                                              <m:t>𝜃</m:t>
+                                            </m:r>
+                                            <m:r>
+                                              <a:rPr lang="en-US" sz="1200" i="1">
+                                                <a:latin typeface="Cambria Math" panose="02040503050406030204" charset="0"/>
+                                              </a:rPr>
+                                              <m:t>)</m:t>
+                                            </m:r>
+                                            <m:r>
+                                              <a:rPr lang="en-US" sz="1200" i="1">
+                                                <a:latin typeface="Cambria Math" panose="02040503050406030204" charset="0"/>
+                                              </a:rPr>
+                                              <m:t>𝑠</m:t>
+                                            </m:r>
+                                            <m:r>
+                                              <a:rPr lang="en-US" sz="1200" i="1">
+                                                <a:latin typeface="Cambria Math" panose="02040503050406030204" charset="0"/>
+                                              </a:rPr>
+                                              <m:t>(</m:t>
+                                            </m:r>
+                                            <m:r>
+                                              <a:rPr lang="en-US" altLang="zh-CN" sz="1200" i="1">
+                                                <a:latin typeface="Cambria Math" panose="02040503050406030204" charset="0"/>
+                                                <a:cs typeface="Cambria Math" panose="02040503050406030204" charset="0"/>
+                                              </a:rPr>
+                                              <m:t>𝜙</m:t>
+                                            </m:r>
+                                            <m:r>
+                                              <a:rPr lang="en-US" sz="1200" i="1">
+                                                <a:latin typeface="Cambria Math" panose="02040503050406030204" charset="0"/>
+                                              </a:rPr>
+                                              <m:t>)−</m:t>
+                                            </m:r>
+                                          </m:e>
+                                          <m:e>
+                                            <m:r>
+                                              <a:rPr lang="en-US" altLang="zh-CN" sz="1200" i="1">
+                                                <a:latin typeface="Cambria Math" panose="02040503050406030204" charset="0"/>
+                                                <a:cs typeface="Cambria Math" panose="02040503050406030204" charset="0"/>
+                                              </a:rPr>
+                                              <m:t>𝑠</m:t>
+                                            </m:r>
+                                            <m:r>
+                                              <a:rPr lang="en-US" altLang="zh-CN" sz="1200" i="1">
+                                                <a:latin typeface="Cambria Math" panose="02040503050406030204" charset="0"/>
+                                                <a:cs typeface="Cambria Math" panose="02040503050406030204" charset="0"/>
+                                              </a:rPr>
+                                              <m:t>(</m:t>
+                                            </m:r>
+                                            <m:r>
+                                              <a:rPr lang="en-US" altLang="zh-CN" sz="1200" i="1">
+                                                <a:latin typeface="Cambria Math" panose="02040503050406030204" charset="0"/>
+                                                <a:cs typeface="Cambria Math" panose="02040503050406030204" charset="0"/>
+                                              </a:rPr>
+                                              <m:t>𝜓</m:t>
+                                            </m:r>
+                                            <m:r>
+                                              <a:rPr lang="en-US" altLang="zh-CN" sz="1200" i="1">
+                                                <a:latin typeface="Cambria Math" panose="02040503050406030204" charset="0"/>
+                                                <a:cs typeface="Cambria Math" panose="02040503050406030204" charset="0"/>
+                                              </a:rPr>
+                                              <m:t>)</m:t>
+                                            </m:r>
+                                            <m:r>
+                                              <a:rPr lang="en-US" sz="1200" i="1">
+                                                <a:latin typeface="Cambria Math" panose="02040503050406030204" charset="0"/>
+                                              </a:rPr>
+                                              <m:t>𝑐</m:t>
+                                            </m:r>
+                                            <m:r>
+                                              <a:rPr lang="en-US" sz="1200" i="1">
+                                                <a:latin typeface="Cambria Math" panose="02040503050406030204" charset="0"/>
+                                              </a:rPr>
+                                              <m:t>(</m:t>
+                                            </m:r>
+                                            <m:r>
+                                              <a:rPr lang="en-US" altLang="zh-CN" sz="1200" i="1">
+                                                <a:latin typeface="Cambria Math" panose="02040503050406030204" charset="0"/>
+                                                <a:cs typeface="Cambria Math" panose="02040503050406030204" charset="0"/>
+                                              </a:rPr>
+                                              <m:t>𝜙</m:t>
+                                            </m:r>
+                                            <m:r>
+                                              <a:rPr lang="en-US" sz="1200" i="1">
+                                                <a:latin typeface="Cambria Math" panose="02040503050406030204" charset="0"/>
+                                              </a:rPr>
+                                              <m:t>)</m:t>
+                                            </m:r>
+                                          </m:e>
+                                        </m:eqArr>
+                                      </m:e>
+                                    </m:d>
+                                    <m:sSup>
+                                      <m:sSupPr>
+                                        <m:ctrlPr>
+                                          <a:rPr lang="en-US" sz="1200" i="1">
+                                            <a:latin typeface="Cambria Math" panose="02040503050406030204" charset="0"/>
+                                            <a:cs typeface="Cambria Math" panose="02040503050406030204" charset="0"/>
+                                          </a:rPr>
+                                        </m:ctrlPr>
+                                      </m:sSupPr>
+                                      <m:e>
+                                        <m:r>
+                                          <a:rPr lang="en-US" sz="1200" i="1">
+                                            <a:latin typeface="Cambria Math" panose="02040503050406030204" charset="0"/>
+                                            <a:cs typeface="Cambria Math" panose="02040503050406030204" charset="0"/>
+                                          </a:rPr>
+                                          <m:t>𝑇</m:t>
+                                        </m:r>
+                                      </m:e>
+                                      <m:sup>
+                                        <m:r>
+                                          <a:rPr lang="en-US" sz="1200" i="1">
+                                            <a:latin typeface="Cambria Math" panose="02040503050406030204" charset="0"/>
+                                            <a:cs typeface="Cambria Math" panose="02040503050406030204" charset="0"/>
+                                          </a:rPr>
+                                          <m:t>2</m:t>
+                                        </m:r>
+                                      </m:sup>
+                                    </m:sSup>
+                                  </m:num>
+                                  <m:den>
+                                    <m:r>
+                                      <a:rPr lang="en-US" altLang="zh-CN" sz="1200" i="1">
+                                        <a:latin typeface="Cambria Math" panose="02040503050406030204" charset="0"/>
+                                        <a:cs typeface="Cambria Math" panose="02040503050406030204" charset="0"/>
+                                      </a:rPr>
+                                      <m:t>2</m:t>
+                                    </m:r>
+                                  </m:den>
+                                </m:f>
+                              </m:e>
+                              <m:e>
+                                <m:f>
+                                  <m:fPr>
+                                    <m:ctrlPr>
+                                      <a:rPr lang="en-US" altLang="zh-CN" sz="1200" i="1">
+                                        <a:latin typeface="Cambria Math" panose="02040503050406030204" charset="0"/>
+                                        <a:cs typeface="Cambria Math" panose="02040503050406030204" charset="0"/>
+                                      </a:rPr>
+                                    </m:ctrlPr>
+                                  </m:fPr>
+                                  <m:num>
+                                    <m:d>
+                                      <m:dPr>
+                                        <m:ctrlPr>
+                                          <a:rPr lang="en-US" altLang="zh-CN" sz="1200" i="1">
+                                            <a:latin typeface="Cambria Math" panose="02040503050406030204" charset="0"/>
+                                            <a:cs typeface="Cambria Math" panose="02040503050406030204" charset="0"/>
+                                          </a:rPr>
+                                        </m:ctrlPr>
+                                      </m:dPr>
+                                      <m:e>
+                                        <m:eqArr>
+                                          <m:eqArrPr>
+                                            <m:ctrlPr>
+                                              <a:rPr lang="en-US" sz="1200" i="1">
+                                                <a:latin typeface="Cambria Math" panose="02040503050406030204" charset="0"/>
+                                              </a:rPr>
+                                            </m:ctrlPr>
+                                          </m:eqArrPr>
+                                          <m:e>
+                                            <m:r>
+                                              <a:rPr lang="en-US" altLang="zh-CN" sz="1200" i="1">
+                                                <a:latin typeface="Cambria Math" panose="02040503050406030204" charset="0"/>
+                                                <a:cs typeface="Cambria Math" panose="02040503050406030204" charset="0"/>
+                                              </a:rPr>
+                                              <m:t>𝑐</m:t>
+                                            </m:r>
+                                            <m:r>
+                                              <a:rPr lang="en-US" altLang="zh-CN" sz="1200" i="1">
+                                                <a:latin typeface="Cambria Math" panose="02040503050406030204" charset="0"/>
+                                                <a:cs typeface="Cambria Math" panose="02040503050406030204" charset="0"/>
+                                              </a:rPr>
+                                              <m:t>(</m:t>
+                                            </m:r>
+                                            <m:r>
+                                              <a:rPr lang="en-US" altLang="zh-CN" sz="1200" i="1">
+                                                <a:latin typeface="Cambria Math" panose="02040503050406030204" charset="0"/>
+                                                <a:cs typeface="Cambria Math" panose="02040503050406030204" charset="0"/>
+                                              </a:rPr>
+                                              <m:t>𝜓</m:t>
+                                            </m:r>
+                                            <m:r>
+                                              <a:rPr lang="en-US" altLang="zh-CN" sz="1200" i="1">
+                                                <a:latin typeface="Cambria Math" panose="02040503050406030204" charset="0"/>
+                                                <a:cs typeface="Cambria Math" panose="02040503050406030204" charset="0"/>
+                                              </a:rPr>
+                                              <m:t>)</m:t>
+                                            </m:r>
+                                            <m:r>
+                                              <a:rPr lang="en-US" sz="1200" i="1">
+                                                <a:latin typeface="Cambria Math" panose="02040503050406030204" charset="0"/>
+                                              </a:rPr>
+                                              <m:t>𝑠</m:t>
+                                            </m:r>
+                                            <m:r>
+                                              <a:rPr lang="en-US" sz="1200" i="1">
+                                                <a:latin typeface="Cambria Math" panose="02040503050406030204" charset="0"/>
+                                              </a:rPr>
+                                              <m:t>(</m:t>
+                                            </m:r>
+                                            <m:r>
+                                              <a:rPr lang="en-US" altLang="zh-CN" sz="1200" i="1">
+                                                <a:latin typeface="Cambria Math" panose="02040503050406030204" charset="0"/>
+                                                <a:cs typeface="Cambria Math" panose="02040503050406030204" charset="0"/>
+                                              </a:rPr>
+                                              <m:t>𝜃</m:t>
+                                            </m:r>
+                                            <m:r>
+                                              <a:rPr lang="en-US" sz="1200" i="1">
+                                                <a:latin typeface="Cambria Math" panose="02040503050406030204" charset="0"/>
+                                              </a:rPr>
+                                              <m:t>)</m:t>
+                                            </m:r>
+                                            <m:r>
+                                              <a:rPr lang="en-US" sz="1200" i="1">
+                                                <a:latin typeface="Cambria Math" panose="02040503050406030204" charset="0"/>
+                                              </a:rPr>
+                                              <m:t>𝑐</m:t>
+                                            </m:r>
+                                            <m:r>
+                                              <a:rPr lang="en-US" sz="1200" i="1">
+                                                <a:latin typeface="Cambria Math" panose="02040503050406030204" charset="0"/>
+                                              </a:rPr>
+                                              <m:t>(</m:t>
+                                            </m:r>
+                                            <m:r>
+                                              <a:rPr lang="en-US" altLang="zh-CN" sz="1200" i="1">
+                                                <a:latin typeface="Cambria Math" panose="02040503050406030204" charset="0"/>
+                                                <a:cs typeface="Cambria Math" panose="02040503050406030204" charset="0"/>
+                                              </a:rPr>
+                                              <m:t>𝜙</m:t>
+                                            </m:r>
+                                            <m:r>
+                                              <a:rPr lang="en-US" sz="1200" i="1">
+                                                <a:latin typeface="Cambria Math" panose="02040503050406030204" charset="0"/>
+                                              </a:rPr>
+                                              <m:t>)+</m:t>
+                                            </m:r>
+                                          </m:e>
+                                          <m:e>
+                                            <m:r>
+                                              <a:rPr lang="en-US" altLang="zh-CN" sz="1200" i="1">
+                                                <a:latin typeface="Cambria Math" panose="02040503050406030204" charset="0"/>
+                                                <a:cs typeface="Cambria Math" panose="02040503050406030204" charset="0"/>
+                                              </a:rPr>
+                                              <m:t>𝑠</m:t>
+                                            </m:r>
+                                            <m:r>
+                                              <a:rPr lang="en-US" altLang="zh-CN" sz="1200" i="1">
+                                                <a:latin typeface="Cambria Math" panose="02040503050406030204" charset="0"/>
+                                                <a:cs typeface="Cambria Math" panose="02040503050406030204" charset="0"/>
+                                              </a:rPr>
+                                              <m:t>(</m:t>
+                                            </m:r>
+                                            <m:r>
+                                              <a:rPr lang="en-US" altLang="zh-CN" sz="1200" i="1">
+                                                <a:latin typeface="Cambria Math" panose="02040503050406030204" charset="0"/>
+                                                <a:cs typeface="Cambria Math" panose="02040503050406030204" charset="0"/>
+                                              </a:rPr>
+                                              <m:t>𝜓</m:t>
+                                            </m:r>
+                                            <m:r>
+                                              <a:rPr lang="en-US" altLang="zh-CN" sz="1200" i="1">
+                                                <a:latin typeface="Cambria Math" panose="02040503050406030204" charset="0"/>
+                                                <a:cs typeface="Cambria Math" panose="02040503050406030204" charset="0"/>
+                                              </a:rPr>
+                                              <m:t>)</m:t>
+                                            </m:r>
+                                            <m:r>
+                                              <a:rPr lang="en-US" sz="1200" i="1">
+                                                <a:latin typeface="Cambria Math" panose="02040503050406030204" charset="0"/>
+                                              </a:rPr>
+                                              <m:t>𝑠</m:t>
+                                            </m:r>
+                                            <m:r>
+                                              <a:rPr lang="en-US" sz="1200" i="1">
+                                                <a:latin typeface="Cambria Math" panose="02040503050406030204" charset="0"/>
+                                              </a:rPr>
+                                              <m:t>(</m:t>
+                                            </m:r>
+                                            <m:r>
+                                              <a:rPr lang="en-US" altLang="zh-CN" sz="1200" i="1">
+                                                <a:latin typeface="Cambria Math" panose="02040503050406030204" charset="0"/>
+                                                <a:cs typeface="Cambria Math" panose="02040503050406030204" charset="0"/>
+                                              </a:rPr>
+                                              <m:t>𝜙</m:t>
+                                            </m:r>
+                                            <m:r>
+                                              <a:rPr lang="en-US" sz="1200" i="1">
+                                                <a:latin typeface="Cambria Math" panose="02040503050406030204" charset="0"/>
+                                              </a:rPr>
+                                              <m:t>)</m:t>
+                                            </m:r>
+                                          </m:e>
+                                        </m:eqArr>
+                                      </m:e>
+                                    </m:d>
+                                    <m:sSup>
+                                      <m:sSupPr>
+                                        <m:ctrlPr>
+                                          <a:rPr lang="en-US" sz="1200" i="1">
+                                            <a:latin typeface="Cambria Math" panose="02040503050406030204" charset="0"/>
+                                            <a:cs typeface="Cambria Math" panose="02040503050406030204" charset="0"/>
+                                          </a:rPr>
+                                        </m:ctrlPr>
+                                      </m:sSupPr>
+                                      <m:e>
+                                        <m:r>
+                                          <a:rPr lang="en-US" sz="1200" i="1">
+                                            <a:latin typeface="Cambria Math" panose="02040503050406030204" charset="0"/>
+                                            <a:cs typeface="Cambria Math" panose="02040503050406030204" charset="0"/>
+                                          </a:rPr>
+                                          <m:t>𝑇</m:t>
+                                        </m:r>
+                                      </m:e>
+                                      <m:sup>
+                                        <m:r>
+                                          <a:rPr lang="en-US" sz="1200" i="1">
+                                            <a:latin typeface="Cambria Math" panose="02040503050406030204" charset="0"/>
+                                            <a:cs typeface="Cambria Math" panose="02040503050406030204" charset="0"/>
+                                          </a:rPr>
+                                          <m:t>2</m:t>
+                                        </m:r>
+                                      </m:sup>
+                                    </m:sSup>
+                                  </m:num>
+                                  <m:den>
+                                    <m:r>
+                                      <a:rPr lang="en-US" altLang="zh-CN" sz="1200" i="1">
+                                        <a:latin typeface="Cambria Math" panose="02040503050406030204" charset="0"/>
+                                        <a:cs typeface="Cambria Math" panose="02040503050406030204" charset="0"/>
+                                      </a:rPr>
+                                      <m:t>2</m:t>
+                                    </m:r>
+                                  </m:den>
+                                </m:f>
+                              </m:e>
+                            </m:mr>
+                            <m:mr>
+                              <m:e>
+                                <m:r>
+                                  <a:rPr lang="en-US" altLang="zh-CN" sz="1200" i="1">
+                                    <a:latin typeface="Cambria Math" panose="02040503050406030204" charset="0"/>
+                                    <a:cs typeface="Cambria Math" panose="02040503050406030204" charset="0"/>
+                                  </a:rPr>
+                                  <m:t>0</m:t>
+                                </m:r>
+                              </m:e>
+                              <m:e>
+                                <m:r>
+                                  <a:rPr lang="en-US" altLang="zh-CN" sz="1200" i="1">
+                                    <a:latin typeface="Cambria Math" panose="02040503050406030204" charset="0"/>
+                                    <a:cs typeface="Cambria Math" panose="02040503050406030204" charset="0"/>
+                                  </a:rPr>
+                                  <m:t>1</m:t>
+                                </m:r>
+                              </m:e>
+                              <m:e>
+                                <m:r>
+                                  <a:rPr lang="en-US" altLang="zh-CN" sz="1200" i="1">
+                                    <a:latin typeface="Cambria Math" panose="02040503050406030204" charset="0"/>
+                                    <a:cs typeface="Cambria Math" panose="02040503050406030204" charset="0"/>
+                                  </a:rPr>
+                                  <m:t>0</m:t>
+                                </m:r>
+                              </m:e>
+                              <m:e>
+                                <m:r>
+                                  <a:rPr lang="en-US" altLang="zh-CN" sz="1200" i="1">
+                                    <a:latin typeface="Cambria Math" panose="02040503050406030204" charset="0"/>
+                                    <a:cs typeface="Cambria Math" panose="02040503050406030204" charset="0"/>
+                                  </a:rPr>
+                                  <m:t>0</m:t>
+                                </m:r>
+                              </m:e>
+                              <m:e>
+                                <m:r>
+                                  <a:rPr lang="en-US" altLang="zh-CN" sz="1200" i="1">
+                                    <a:latin typeface="Cambria Math" panose="02040503050406030204" charset="0"/>
+                                    <a:cs typeface="Cambria Math" panose="02040503050406030204" charset="0"/>
+                                  </a:rPr>
+                                  <m:t>0</m:t>
+                                </m:r>
+                              </m:e>
+                              <m:e>
+                                <m:r>
+                                  <a:rPr lang="en-US" altLang="zh-CN" sz="1200" i="1">
+                                    <a:latin typeface="Cambria Math" panose="02040503050406030204" charset="0"/>
+                                    <a:cs typeface="Cambria Math" panose="02040503050406030204" charset="0"/>
+                                  </a:rPr>
+                                  <m:t>0</m:t>
+                                </m:r>
+                              </m:e>
+                              <m:e>
+                                <m:r>
+                                  <a:rPr lang="en-US" altLang="zh-CN" sz="1200" i="1">
+                                    <a:latin typeface="Cambria Math" panose="02040503050406030204" charset="0"/>
+                                    <a:cs typeface="Cambria Math" panose="02040503050406030204" charset="0"/>
+                                  </a:rPr>
+                                  <m:t>𝑠</m:t>
+                                </m:r>
+                                <m:r>
+                                  <a:rPr lang="en-US" altLang="zh-CN" sz="1200" i="1">
+                                    <a:latin typeface="Cambria Math" panose="02040503050406030204" charset="0"/>
+                                    <a:cs typeface="Cambria Math" panose="02040503050406030204" charset="0"/>
+                                  </a:rPr>
+                                  <m:t>(</m:t>
+                                </m:r>
+                                <m:r>
+                                  <a:rPr lang="en-US" altLang="zh-CN" sz="1200" i="1">
+                                    <a:latin typeface="Cambria Math" panose="02040503050406030204" charset="0"/>
+                                    <a:cs typeface="Cambria Math" panose="02040503050406030204" charset="0"/>
+                                  </a:rPr>
+                                  <m:t>𝜓</m:t>
+                                </m:r>
+                                <m:r>
+                                  <a:rPr lang="en-US" altLang="zh-CN" sz="1200" i="1">
+                                    <a:latin typeface="Cambria Math" panose="02040503050406030204" charset="0"/>
+                                    <a:cs typeface="Cambria Math" panose="02040503050406030204" charset="0"/>
+                                  </a:rPr>
+                                  <m:t>)</m:t>
+                                </m:r>
+                                <m:r>
+                                  <a:rPr lang="en-US" altLang="zh-CN" sz="1200" i="1">
+                                    <a:latin typeface="Cambria Math" panose="02040503050406030204" charset="0"/>
+                                    <a:cs typeface="Cambria Math" panose="02040503050406030204" charset="0"/>
+                                  </a:rPr>
+                                  <m:t>𝑐</m:t>
+                                </m:r>
+                                <m:r>
+                                  <a:rPr lang="en-US" altLang="zh-CN" sz="1200" i="1">
+                                    <a:latin typeface="Cambria Math" panose="02040503050406030204" charset="0"/>
+                                    <a:cs typeface="Cambria Math" panose="02040503050406030204" charset="0"/>
+                                  </a:rPr>
+                                  <m:t>(</m:t>
+                                </m:r>
+                                <m:r>
+                                  <a:rPr lang="en-US" altLang="zh-CN" sz="1200" i="1">
+                                    <a:latin typeface="Cambria Math" panose="02040503050406030204" charset="0"/>
+                                    <a:cs typeface="Cambria Math" panose="02040503050406030204" charset="0"/>
+                                  </a:rPr>
+                                  <m:t>𝜃</m:t>
+                                </m:r>
+                                <m:r>
+                                  <a:rPr lang="en-US" altLang="zh-CN" sz="1200" i="1">
+                                    <a:latin typeface="Cambria Math" panose="02040503050406030204" charset="0"/>
+                                    <a:cs typeface="Cambria Math" panose="02040503050406030204" charset="0"/>
+                                  </a:rPr>
+                                  <m:t>)</m:t>
+                                </m:r>
+                                <m:r>
+                                  <a:rPr lang="en-US" altLang="zh-CN" sz="1200" i="1">
+                                    <a:latin typeface="Cambria Math" panose="02040503050406030204" charset="0"/>
+                                    <a:cs typeface="Cambria Math" panose="02040503050406030204" charset="0"/>
+                                  </a:rPr>
+                                  <m:t>𝑇</m:t>
+                                </m:r>
+                              </m:e>
+                              <m:e>
+                                <m:d>
+                                  <m:dPr>
+                                    <m:ctrlPr>
+                                      <a:rPr lang="en-US" altLang="zh-CN" sz="1200" i="1">
+                                        <a:latin typeface="Cambria Math" panose="02040503050406030204" charset="0"/>
+                                        <a:cs typeface="Cambria Math" panose="02040503050406030204" charset="0"/>
+                                      </a:rPr>
+                                    </m:ctrlPr>
+                                  </m:dPr>
+                                  <m:e>
+                                    <m:eqArr>
+                                      <m:eqArrPr>
+                                        <m:ctrlPr>
+                                          <a:rPr lang="en-US" sz="1200" i="1">
+                                            <a:latin typeface="Cambria Math" panose="02040503050406030204" charset="0"/>
+                                          </a:rPr>
+                                        </m:ctrlPr>
+                                      </m:eqArrPr>
+                                      <m:e>
+                                        <m:r>
+                                          <a:rPr lang="en-US" altLang="zh-CN" sz="1200" i="1">
+                                            <a:latin typeface="Cambria Math" panose="02040503050406030204" charset="0"/>
+                                            <a:cs typeface="Cambria Math" panose="02040503050406030204" charset="0"/>
+                                          </a:rPr>
+                                          <m:t>𝑠</m:t>
+                                        </m:r>
+                                        <m:r>
+                                          <a:rPr lang="en-US" altLang="zh-CN" sz="1200" i="1">
+                                            <a:latin typeface="Cambria Math" panose="02040503050406030204" charset="0"/>
+                                            <a:cs typeface="Cambria Math" panose="02040503050406030204" charset="0"/>
+                                          </a:rPr>
+                                          <m:t>(</m:t>
+                                        </m:r>
+                                        <m:r>
+                                          <a:rPr lang="en-US" altLang="zh-CN" sz="1200" i="1">
+                                            <a:latin typeface="Cambria Math" panose="02040503050406030204" charset="0"/>
+                                            <a:cs typeface="Cambria Math" panose="02040503050406030204" charset="0"/>
+                                          </a:rPr>
+                                          <m:t>𝜓</m:t>
+                                        </m:r>
+                                        <m:r>
+                                          <a:rPr lang="en-US" altLang="zh-CN" sz="1200" i="1">
+                                            <a:latin typeface="Cambria Math" panose="02040503050406030204" charset="0"/>
+                                            <a:cs typeface="Cambria Math" panose="02040503050406030204" charset="0"/>
+                                          </a:rPr>
+                                          <m:t>)</m:t>
+                                        </m:r>
+                                        <m:r>
+                                          <a:rPr lang="en-US" sz="1200" i="1">
+                                            <a:latin typeface="Cambria Math" panose="02040503050406030204" charset="0"/>
+                                          </a:rPr>
+                                          <m:t>𝑠</m:t>
+                                        </m:r>
+                                        <m:r>
+                                          <a:rPr lang="en-US" sz="1200" i="1">
+                                            <a:latin typeface="Cambria Math" panose="02040503050406030204" charset="0"/>
+                                          </a:rPr>
+                                          <m:t>(</m:t>
+                                        </m:r>
+                                        <m:r>
+                                          <a:rPr lang="en-US" altLang="zh-CN" sz="1200" i="1">
+                                            <a:latin typeface="Cambria Math" panose="02040503050406030204" charset="0"/>
+                                            <a:cs typeface="Cambria Math" panose="02040503050406030204" charset="0"/>
+                                          </a:rPr>
+                                          <m:t>𝜃</m:t>
+                                        </m:r>
+                                        <m:r>
+                                          <a:rPr lang="en-US" sz="1200" i="1">
+                                            <a:latin typeface="Cambria Math" panose="02040503050406030204" charset="0"/>
+                                          </a:rPr>
+                                          <m:t>)</m:t>
+                                        </m:r>
+                                        <m:r>
+                                          <a:rPr lang="en-US" sz="1200" i="1">
+                                            <a:latin typeface="Cambria Math" panose="02040503050406030204" charset="0"/>
+                                          </a:rPr>
+                                          <m:t>𝑠</m:t>
+                                        </m:r>
+                                        <m:r>
+                                          <a:rPr lang="en-US" sz="1200" i="1">
+                                            <a:latin typeface="Cambria Math" panose="02040503050406030204" charset="0"/>
+                                          </a:rPr>
+                                          <m:t>(</m:t>
+                                        </m:r>
+                                        <m:r>
+                                          <a:rPr lang="en-US" altLang="zh-CN" sz="1200" i="1">
+                                            <a:latin typeface="Cambria Math" panose="02040503050406030204" charset="0"/>
+                                            <a:cs typeface="Cambria Math" panose="02040503050406030204" charset="0"/>
+                                          </a:rPr>
+                                          <m:t>𝜙</m:t>
+                                        </m:r>
+                                        <m:r>
+                                          <a:rPr lang="en-US" sz="1200" i="1">
+                                            <a:latin typeface="Cambria Math" panose="02040503050406030204" charset="0"/>
+                                          </a:rPr>
+                                          <m:t>)+</m:t>
+                                        </m:r>
+                                      </m:e>
+                                      <m:e>
+                                        <m:r>
+                                          <a:rPr lang="en-US" altLang="zh-CN" sz="1200" i="1">
+                                            <a:latin typeface="Cambria Math" panose="02040503050406030204" charset="0"/>
+                                            <a:cs typeface="Cambria Math" panose="02040503050406030204" charset="0"/>
+                                          </a:rPr>
+                                          <m:t>𝑐</m:t>
+                                        </m:r>
+                                        <m:r>
+                                          <a:rPr lang="en-US" altLang="zh-CN" sz="1200" i="1">
+                                            <a:latin typeface="Cambria Math" panose="02040503050406030204" charset="0"/>
+                                            <a:cs typeface="Cambria Math" panose="02040503050406030204" charset="0"/>
+                                          </a:rPr>
+                                          <m:t>(</m:t>
+                                        </m:r>
+                                        <m:r>
+                                          <a:rPr lang="en-US" altLang="zh-CN" sz="1200" i="1">
+                                            <a:latin typeface="Cambria Math" panose="02040503050406030204" charset="0"/>
+                                            <a:cs typeface="Cambria Math" panose="02040503050406030204" charset="0"/>
+                                          </a:rPr>
+                                          <m:t>𝜓</m:t>
+                                        </m:r>
+                                        <m:r>
+                                          <a:rPr lang="en-US" altLang="zh-CN" sz="1200" i="1">
+                                            <a:latin typeface="Cambria Math" panose="02040503050406030204" charset="0"/>
+                                            <a:cs typeface="Cambria Math" panose="02040503050406030204" charset="0"/>
+                                          </a:rPr>
+                                          <m:t>)</m:t>
+                                        </m:r>
+                                        <m:r>
+                                          <a:rPr lang="en-US" sz="1200" i="1">
+                                            <a:latin typeface="Cambria Math" panose="02040503050406030204" charset="0"/>
+                                          </a:rPr>
+                                          <m:t>𝑐</m:t>
+                                        </m:r>
+                                        <m:r>
+                                          <a:rPr lang="en-US" sz="1200" i="1">
+                                            <a:latin typeface="Cambria Math" panose="02040503050406030204" charset="0"/>
+                                          </a:rPr>
+                                          <m:t>(</m:t>
+                                        </m:r>
+                                        <m:r>
+                                          <a:rPr lang="en-US" altLang="zh-CN" sz="1200" i="1">
+                                            <a:latin typeface="Cambria Math" panose="02040503050406030204" charset="0"/>
+                                            <a:cs typeface="Cambria Math" panose="02040503050406030204" charset="0"/>
+                                          </a:rPr>
+                                          <m:t>𝜙</m:t>
+                                        </m:r>
+                                        <m:r>
+                                          <a:rPr lang="en-US" sz="1200" i="1">
+                                            <a:latin typeface="Cambria Math" panose="02040503050406030204" charset="0"/>
+                                          </a:rPr>
+                                          <m:t>)</m:t>
+                                        </m:r>
+                                      </m:e>
+                                    </m:eqArr>
+                                  </m:e>
+                                </m:d>
+                                <m:r>
+                                  <a:rPr lang="en-US" altLang="zh-CN" sz="1200" i="1">
+                                    <a:latin typeface="Cambria Math" panose="02040503050406030204" charset="0"/>
+                                    <a:cs typeface="Cambria Math" panose="02040503050406030204" charset="0"/>
+                                  </a:rPr>
+                                  <m:t>𝑇</m:t>
+                                </m:r>
+                              </m:e>
+                              <m:e>
+                                <m:d>
+                                  <m:dPr>
+                                    <m:ctrlPr>
+                                      <a:rPr lang="en-US" altLang="zh-CN" sz="1200" i="1">
+                                        <a:latin typeface="Cambria Math" panose="02040503050406030204" charset="0"/>
+                                        <a:cs typeface="Cambria Math" panose="02040503050406030204" charset="0"/>
+                                      </a:rPr>
+                                    </m:ctrlPr>
+                                  </m:dPr>
+                                  <m:e>
+                                    <m:eqArr>
+                                      <m:eqArrPr>
+                                        <m:ctrlPr>
+                                          <a:rPr lang="en-US" sz="1200" i="1">
+                                            <a:latin typeface="Cambria Math" panose="02040503050406030204" charset="0"/>
+                                          </a:rPr>
+                                        </m:ctrlPr>
+                                      </m:eqArrPr>
+                                      <m:e>
+                                        <m:r>
+                                          <a:rPr lang="en-US" altLang="zh-CN" sz="1200" i="1">
+                                            <a:latin typeface="Cambria Math" panose="02040503050406030204" charset="0"/>
+                                            <a:cs typeface="Cambria Math" panose="02040503050406030204" charset="0"/>
+                                          </a:rPr>
+                                          <m:t>𝑠</m:t>
+                                        </m:r>
+                                        <m:r>
+                                          <a:rPr lang="en-US" altLang="zh-CN" sz="1200" i="1">
+                                            <a:latin typeface="Cambria Math" panose="02040503050406030204" charset="0"/>
+                                            <a:cs typeface="Cambria Math" panose="02040503050406030204" charset="0"/>
+                                          </a:rPr>
+                                          <m:t>(</m:t>
+                                        </m:r>
+                                        <m:r>
+                                          <a:rPr lang="en-US" altLang="zh-CN" sz="1200" i="1">
+                                            <a:latin typeface="Cambria Math" panose="02040503050406030204" charset="0"/>
+                                            <a:cs typeface="Cambria Math" panose="02040503050406030204" charset="0"/>
+                                          </a:rPr>
+                                          <m:t>𝜓</m:t>
+                                        </m:r>
+                                        <m:r>
+                                          <a:rPr lang="en-US" altLang="zh-CN" sz="1200" i="1">
+                                            <a:latin typeface="Cambria Math" panose="02040503050406030204" charset="0"/>
+                                            <a:cs typeface="Cambria Math" panose="02040503050406030204" charset="0"/>
+                                          </a:rPr>
+                                          <m:t>)</m:t>
+                                        </m:r>
+                                        <m:r>
+                                          <a:rPr lang="en-US" sz="1200" i="1">
+                                            <a:latin typeface="Cambria Math" panose="02040503050406030204" charset="0"/>
+                                          </a:rPr>
+                                          <m:t>𝑠</m:t>
+                                        </m:r>
+                                        <m:r>
+                                          <a:rPr lang="en-US" sz="1200" i="1">
+                                            <a:latin typeface="Cambria Math" panose="02040503050406030204" charset="0"/>
+                                          </a:rPr>
+                                          <m:t>(</m:t>
+                                        </m:r>
+                                        <m:r>
+                                          <a:rPr lang="en-US" altLang="zh-CN" sz="1200" i="1">
+                                            <a:latin typeface="Cambria Math" panose="02040503050406030204" charset="0"/>
+                                            <a:cs typeface="Cambria Math" panose="02040503050406030204" charset="0"/>
+                                          </a:rPr>
+                                          <m:t>𝜃</m:t>
+                                        </m:r>
+                                        <m:r>
+                                          <a:rPr lang="en-US" sz="1200" i="1">
+                                            <a:latin typeface="Cambria Math" panose="02040503050406030204" charset="0"/>
+                                          </a:rPr>
+                                          <m:t>)</m:t>
+                                        </m:r>
+                                        <m:r>
+                                          <a:rPr lang="en-US" sz="1200" i="1">
+                                            <a:latin typeface="Cambria Math" panose="02040503050406030204" charset="0"/>
+                                          </a:rPr>
+                                          <m:t>𝑐</m:t>
+                                        </m:r>
+                                        <m:r>
+                                          <a:rPr lang="en-US" sz="1200" i="1">
+                                            <a:latin typeface="Cambria Math" panose="02040503050406030204" charset="0"/>
+                                          </a:rPr>
+                                          <m:t>(</m:t>
+                                        </m:r>
+                                        <m:r>
+                                          <a:rPr lang="en-US" altLang="zh-CN" sz="1200" i="1">
+                                            <a:latin typeface="Cambria Math" panose="02040503050406030204" charset="0"/>
+                                            <a:cs typeface="Cambria Math" panose="02040503050406030204" charset="0"/>
+                                          </a:rPr>
+                                          <m:t>𝜙</m:t>
+                                        </m:r>
+                                        <m:r>
+                                          <a:rPr lang="en-US" sz="1200" i="1">
+                                            <a:latin typeface="Cambria Math" panose="02040503050406030204" charset="0"/>
+                                          </a:rPr>
+                                          <m:t>)−</m:t>
+                                        </m:r>
+                                      </m:e>
+                                      <m:e>
+                                        <m:r>
+                                          <a:rPr lang="en-US" altLang="zh-CN" sz="1200" i="1">
+                                            <a:latin typeface="Cambria Math" panose="02040503050406030204" charset="0"/>
+                                            <a:cs typeface="Cambria Math" panose="02040503050406030204" charset="0"/>
+                                          </a:rPr>
+                                          <m:t>𝑐</m:t>
+                                        </m:r>
+                                        <m:r>
+                                          <a:rPr lang="en-US" altLang="zh-CN" sz="1200" i="1">
+                                            <a:latin typeface="Cambria Math" panose="02040503050406030204" charset="0"/>
+                                            <a:cs typeface="Cambria Math" panose="02040503050406030204" charset="0"/>
+                                          </a:rPr>
+                                          <m:t>(</m:t>
+                                        </m:r>
+                                        <m:r>
+                                          <a:rPr lang="en-US" altLang="zh-CN" sz="1200" i="1">
+                                            <a:latin typeface="Cambria Math" panose="02040503050406030204" charset="0"/>
+                                            <a:cs typeface="Cambria Math" panose="02040503050406030204" charset="0"/>
+                                          </a:rPr>
+                                          <m:t>𝜓</m:t>
+                                        </m:r>
+                                        <m:r>
+                                          <a:rPr lang="en-US" altLang="zh-CN" sz="1200" i="1">
+                                            <a:latin typeface="Cambria Math" panose="02040503050406030204" charset="0"/>
+                                            <a:cs typeface="Cambria Math" panose="02040503050406030204" charset="0"/>
+                                          </a:rPr>
+                                          <m:t>)</m:t>
+                                        </m:r>
+                                        <m:r>
+                                          <a:rPr lang="en-US" sz="1200" i="1">
+                                            <a:latin typeface="Cambria Math" panose="02040503050406030204" charset="0"/>
+                                          </a:rPr>
+                                          <m:t>𝑠</m:t>
+                                        </m:r>
+                                        <m:r>
+                                          <a:rPr lang="en-US" sz="1200" i="1">
+                                            <a:latin typeface="Cambria Math" panose="02040503050406030204" charset="0"/>
+                                          </a:rPr>
+                                          <m:t>(</m:t>
+                                        </m:r>
+                                        <m:r>
+                                          <a:rPr lang="en-US" altLang="zh-CN" sz="1200" i="1">
+                                            <a:latin typeface="Cambria Math" panose="02040503050406030204" charset="0"/>
+                                            <a:cs typeface="Cambria Math" panose="02040503050406030204" charset="0"/>
+                                          </a:rPr>
+                                          <m:t>𝜙</m:t>
+                                        </m:r>
+                                        <m:r>
+                                          <a:rPr lang="en-US" sz="1200" i="1">
+                                            <a:latin typeface="Cambria Math" panose="02040503050406030204" charset="0"/>
+                                          </a:rPr>
+                                          <m:t>)</m:t>
+                                        </m:r>
+                                      </m:e>
+                                    </m:eqArr>
+                                  </m:e>
+                                </m:d>
+                                <m:r>
+                                  <a:rPr lang="en-US" altLang="zh-CN" sz="1200" i="1">
+                                    <a:latin typeface="Cambria Math" panose="02040503050406030204" charset="0"/>
+                                    <a:cs typeface="Cambria Math" panose="02040503050406030204" charset="0"/>
+                                  </a:rPr>
+                                  <m:t>𝑇</m:t>
+                                </m:r>
+                              </m:e>
+                              <m:e>
+                                <m:r>
+                                  <a:rPr lang="en-US" altLang="zh-CN" sz="1200" i="1">
+                                    <a:latin typeface="Cambria Math" panose="02040503050406030204" charset="0"/>
+                                    <a:cs typeface="Cambria Math" panose="02040503050406030204" charset="0"/>
+                                  </a:rPr>
+                                  <m:t>0</m:t>
+                                </m:r>
+                              </m:e>
+                              <m:e>
+                                <m:r>
+                                  <a:rPr lang="en-US" altLang="zh-CN" sz="1200" i="1">
+                                    <a:latin typeface="Cambria Math" panose="02040503050406030204" charset="0"/>
+                                    <a:cs typeface="Cambria Math" panose="02040503050406030204" charset="0"/>
+                                  </a:rPr>
+                                  <m:t>0</m:t>
+                                </m:r>
+                              </m:e>
+                              <m:e>
+                                <m:r>
+                                  <a:rPr lang="en-US" altLang="zh-CN" sz="1200" i="1">
+                                    <a:latin typeface="Cambria Math" panose="02040503050406030204" charset="0"/>
+                                    <a:cs typeface="Cambria Math" panose="02040503050406030204" charset="0"/>
+                                  </a:rPr>
+                                  <m:t>0</m:t>
+                                </m:r>
+                              </m:e>
+                              <m:e>
+                                <m:f>
+                                  <m:fPr>
+                                    <m:ctrlPr>
+                                      <a:rPr lang="en-US" altLang="zh-CN" sz="1200" i="1">
+                                        <a:latin typeface="Cambria Math" panose="02040503050406030204" charset="0"/>
+                                        <a:cs typeface="Cambria Math" panose="02040503050406030204" charset="0"/>
+                                      </a:rPr>
+                                    </m:ctrlPr>
+                                  </m:fPr>
+                                  <m:num>
+                                    <m:r>
+                                      <a:rPr lang="en-US" altLang="zh-CN" sz="1200" i="1">
+                                        <a:latin typeface="Cambria Math" panose="02040503050406030204" charset="0"/>
+                                        <a:cs typeface="Cambria Math" panose="02040503050406030204" charset="0"/>
+                                      </a:rPr>
+                                      <m:t>𝑠</m:t>
+                                    </m:r>
+                                    <m:r>
+                                      <a:rPr lang="en-US" altLang="zh-CN" sz="1200" i="1">
+                                        <a:latin typeface="Cambria Math" panose="02040503050406030204" charset="0"/>
+                                        <a:cs typeface="Cambria Math" panose="02040503050406030204" charset="0"/>
+                                      </a:rPr>
+                                      <m:t>(</m:t>
+                                    </m:r>
+                                    <m:r>
+                                      <a:rPr lang="en-US" altLang="zh-CN" sz="1200" i="1">
+                                        <a:latin typeface="Cambria Math" panose="02040503050406030204" charset="0"/>
+                                        <a:cs typeface="Cambria Math" panose="02040503050406030204" charset="0"/>
+                                      </a:rPr>
+                                      <m:t>𝜓</m:t>
+                                    </m:r>
+                                    <m:r>
+                                      <a:rPr lang="en-US" altLang="zh-CN" sz="1200" i="1">
+                                        <a:latin typeface="Cambria Math" panose="02040503050406030204" charset="0"/>
+                                        <a:cs typeface="Cambria Math" panose="02040503050406030204" charset="0"/>
+                                      </a:rPr>
+                                      <m:t>)</m:t>
+                                    </m:r>
+                                    <m:r>
+                                      <a:rPr lang="en-US" altLang="zh-CN" sz="1200" i="1">
+                                        <a:latin typeface="Cambria Math" panose="02040503050406030204" charset="0"/>
+                                        <a:cs typeface="Cambria Math" panose="02040503050406030204" charset="0"/>
+                                      </a:rPr>
+                                      <m:t>𝑐</m:t>
+                                    </m:r>
+                                    <m:r>
+                                      <a:rPr lang="en-US" altLang="zh-CN" sz="1200" i="1">
+                                        <a:latin typeface="Cambria Math" panose="02040503050406030204" charset="0"/>
+                                        <a:cs typeface="Cambria Math" panose="02040503050406030204" charset="0"/>
+                                      </a:rPr>
+                                      <m:t>(</m:t>
+                                    </m:r>
+                                    <m:r>
+                                      <a:rPr lang="en-US" altLang="zh-CN" sz="1200" i="1">
+                                        <a:latin typeface="Cambria Math" panose="02040503050406030204" charset="0"/>
+                                        <a:cs typeface="Cambria Math" panose="02040503050406030204" charset="0"/>
+                                      </a:rPr>
+                                      <m:t>𝜃</m:t>
+                                    </m:r>
+                                    <m:r>
+                                      <a:rPr lang="en-US" altLang="zh-CN" sz="1200" i="1">
+                                        <a:latin typeface="Cambria Math" panose="02040503050406030204" charset="0"/>
+                                        <a:cs typeface="Cambria Math" panose="02040503050406030204" charset="0"/>
+                                      </a:rPr>
+                                      <m:t>)</m:t>
+                                    </m:r>
+                                    <m:sSup>
+                                      <m:sSupPr>
+                                        <m:ctrlPr>
+                                          <a:rPr lang="en-US" altLang="zh-CN" sz="1200" i="1">
+                                            <a:latin typeface="Cambria Math" panose="02040503050406030204" charset="0"/>
+                                            <a:cs typeface="Cambria Math" panose="02040503050406030204" charset="0"/>
+                                          </a:rPr>
+                                        </m:ctrlPr>
+                                      </m:sSupPr>
+                                      <m:e>
+                                        <m:r>
+                                          <a:rPr lang="en-US" altLang="zh-CN" sz="1200" i="1">
+                                            <a:latin typeface="Cambria Math" panose="02040503050406030204" charset="0"/>
+                                            <a:cs typeface="Cambria Math" panose="02040503050406030204" charset="0"/>
+                                          </a:rPr>
+                                          <m:t>𝑇</m:t>
+                                        </m:r>
+                                      </m:e>
+                                      <m:sup>
+                                        <m:r>
+                                          <a:rPr lang="en-US" altLang="zh-CN" sz="1200" i="1">
+                                            <a:latin typeface="Cambria Math" panose="02040503050406030204" charset="0"/>
+                                            <a:cs typeface="Cambria Math" panose="02040503050406030204" charset="0"/>
+                                          </a:rPr>
+                                          <m:t>2</m:t>
+                                        </m:r>
+                                      </m:sup>
+                                    </m:sSup>
+                                  </m:num>
+                                  <m:den>
+                                    <m:r>
+                                      <a:rPr lang="en-US" altLang="zh-CN" sz="1200" i="1">
+                                        <a:latin typeface="Cambria Math" panose="02040503050406030204" charset="0"/>
+                                        <a:cs typeface="Cambria Math" panose="02040503050406030204" charset="0"/>
+                                      </a:rPr>
+                                      <m:t>2</m:t>
+                                    </m:r>
+                                  </m:den>
+                                </m:f>
+                              </m:e>
+                              <m:e>
+                                <m:f>
+                                  <m:fPr>
+                                    <m:ctrlPr>
+                                      <a:rPr lang="en-US" altLang="zh-CN" sz="1200" i="1">
+                                        <a:latin typeface="Cambria Math" panose="02040503050406030204" charset="0"/>
+                                        <a:cs typeface="Cambria Math" panose="02040503050406030204" charset="0"/>
+                                      </a:rPr>
+                                    </m:ctrlPr>
+                                  </m:fPr>
+                                  <m:num>
+                                    <m:d>
+                                      <m:dPr>
+                                        <m:ctrlPr>
+                                          <a:rPr lang="en-US" sz="1200" i="1">
+                                            <a:latin typeface="Cambria Math" panose="02040503050406030204" charset="0"/>
+                                            <a:cs typeface="Cambria Math" panose="02040503050406030204" charset="0"/>
+                                          </a:rPr>
+                                        </m:ctrlPr>
+                                      </m:dPr>
+                                      <m:e>
+                                        <m:eqArr>
+                                          <m:eqArrPr>
+                                            <m:ctrlPr>
+                                              <a:rPr lang="en-US" sz="1200" i="1">
+                                                <a:latin typeface="Cambria Math" panose="02040503050406030204" charset="0"/>
+                                              </a:rPr>
+                                            </m:ctrlPr>
+                                          </m:eqArrPr>
+                                          <m:e>
+                                            <m:r>
+                                              <a:rPr lang="en-US" altLang="zh-CN" sz="1200" i="1">
+                                                <a:latin typeface="Cambria Math" panose="02040503050406030204" charset="0"/>
+                                                <a:cs typeface="Cambria Math" panose="02040503050406030204" charset="0"/>
+                                              </a:rPr>
+                                              <m:t>𝑠</m:t>
+                                            </m:r>
+                                            <m:r>
+                                              <a:rPr lang="en-US" altLang="zh-CN" sz="1200" i="1">
+                                                <a:latin typeface="Cambria Math" panose="02040503050406030204" charset="0"/>
+                                                <a:cs typeface="Cambria Math" panose="02040503050406030204" charset="0"/>
+                                              </a:rPr>
+                                              <m:t>(</m:t>
+                                            </m:r>
+                                            <m:r>
+                                              <a:rPr lang="en-US" altLang="zh-CN" sz="1200" i="1">
+                                                <a:latin typeface="Cambria Math" panose="02040503050406030204" charset="0"/>
+                                                <a:cs typeface="Cambria Math" panose="02040503050406030204" charset="0"/>
+                                              </a:rPr>
+                                              <m:t>𝜓</m:t>
+                                            </m:r>
+                                            <m:r>
+                                              <a:rPr lang="en-US" altLang="zh-CN" sz="1200" i="1">
+                                                <a:latin typeface="Cambria Math" panose="02040503050406030204" charset="0"/>
+                                                <a:cs typeface="Cambria Math" panose="02040503050406030204" charset="0"/>
+                                              </a:rPr>
+                                              <m:t>)</m:t>
+                                            </m:r>
+                                            <m:r>
+                                              <a:rPr lang="en-US" sz="1200" i="1">
+                                                <a:latin typeface="Cambria Math" panose="02040503050406030204" charset="0"/>
+                                              </a:rPr>
+                                              <m:t>𝑠</m:t>
+                                            </m:r>
+                                            <m:r>
+                                              <a:rPr lang="en-US" sz="1200" i="1">
+                                                <a:latin typeface="Cambria Math" panose="02040503050406030204" charset="0"/>
+                                              </a:rPr>
+                                              <m:t>(</m:t>
+                                            </m:r>
+                                            <m:r>
+                                              <a:rPr lang="en-US" altLang="zh-CN" sz="1200" i="1">
+                                                <a:latin typeface="Cambria Math" panose="02040503050406030204" charset="0"/>
+                                                <a:cs typeface="Cambria Math" panose="02040503050406030204" charset="0"/>
+                                              </a:rPr>
+                                              <m:t>𝜃</m:t>
+                                            </m:r>
+                                            <m:r>
+                                              <a:rPr lang="en-US" sz="1200" i="1">
+                                                <a:latin typeface="Cambria Math" panose="02040503050406030204" charset="0"/>
+                                              </a:rPr>
+                                              <m:t>)</m:t>
+                                            </m:r>
+                                            <m:r>
+                                              <a:rPr lang="en-US" sz="1200" i="1">
+                                                <a:latin typeface="Cambria Math" panose="02040503050406030204" charset="0"/>
+                                              </a:rPr>
+                                              <m:t>𝑠</m:t>
+                                            </m:r>
+                                            <m:r>
+                                              <a:rPr lang="en-US" sz="1200" i="1">
+                                                <a:latin typeface="Cambria Math" panose="02040503050406030204" charset="0"/>
+                                              </a:rPr>
+                                              <m:t>(</m:t>
+                                            </m:r>
+                                            <m:r>
+                                              <a:rPr lang="en-US" altLang="zh-CN" sz="1200" i="1">
+                                                <a:latin typeface="Cambria Math" panose="02040503050406030204" charset="0"/>
+                                                <a:cs typeface="Cambria Math" panose="02040503050406030204" charset="0"/>
+                                              </a:rPr>
+                                              <m:t>𝜙</m:t>
+                                            </m:r>
+                                            <m:r>
+                                              <a:rPr lang="en-US" sz="1200" i="1">
+                                                <a:latin typeface="Cambria Math" panose="02040503050406030204" charset="0"/>
+                                              </a:rPr>
+                                              <m:t>)+</m:t>
+                                            </m:r>
+                                          </m:e>
+                                          <m:e>
+                                            <m:r>
+                                              <a:rPr lang="en-US" altLang="zh-CN" sz="1200" i="1">
+                                                <a:latin typeface="Cambria Math" panose="02040503050406030204" charset="0"/>
+                                                <a:cs typeface="Cambria Math" panose="02040503050406030204" charset="0"/>
+                                              </a:rPr>
+                                              <m:t>𝑐</m:t>
+                                            </m:r>
+                                            <m:r>
+                                              <a:rPr lang="en-US" altLang="zh-CN" sz="1200" i="1">
+                                                <a:latin typeface="Cambria Math" panose="02040503050406030204" charset="0"/>
+                                                <a:cs typeface="Cambria Math" panose="02040503050406030204" charset="0"/>
+                                              </a:rPr>
+                                              <m:t>(</m:t>
+                                            </m:r>
+                                            <m:r>
+                                              <a:rPr lang="en-US" altLang="zh-CN" sz="1200" i="1">
+                                                <a:latin typeface="Cambria Math" panose="02040503050406030204" charset="0"/>
+                                                <a:cs typeface="Cambria Math" panose="02040503050406030204" charset="0"/>
+                                              </a:rPr>
+                                              <m:t>𝜓</m:t>
+                                            </m:r>
+                                            <m:r>
+                                              <a:rPr lang="en-US" altLang="zh-CN" sz="1200" i="1">
+                                                <a:latin typeface="Cambria Math" panose="02040503050406030204" charset="0"/>
+                                                <a:cs typeface="Cambria Math" panose="02040503050406030204" charset="0"/>
+                                              </a:rPr>
+                                              <m:t>)</m:t>
+                                            </m:r>
+                                            <m:r>
+                                              <a:rPr lang="en-US" sz="1200" i="1">
+                                                <a:latin typeface="Cambria Math" panose="02040503050406030204" charset="0"/>
+                                              </a:rPr>
+                                              <m:t>𝑐</m:t>
+                                            </m:r>
+                                            <m:r>
+                                              <a:rPr lang="en-US" sz="1200" i="1">
+                                                <a:latin typeface="Cambria Math" panose="02040503050406030204" charset="0"/>
+                                              </a:rPr>
+                                              <m:t>(</m:t>
+                                            </m:r>
+                                            <m:r>
+                                              <a:rPr lang="en-US" altLang="zh-CN" sz="1200" i="1">
+                                                <a:latin typeface="Cambria Math" panose="02040503050406030204" charset="0"/>
+                                                <a:cs typeface="Cambria Math" panose="02040503050406030204" charset="0"/>
+                                              </a:rPr>
+                                              <m:t>𝜙</m:t>
+                                            </m:r>
+                                            <m:r>
+                                              <a:rPr lang="en-US" sz="1200" i="1">
+                                                <a:latin typeface="Cambria Math" panose="02040503050406030204" charset="0"/>
+                                              </a:rPr>
+                                              <m:t>)</m:t>
+                                            </m:r>
+                                          </m:e>
+                                        </m:eqArr>
+                                      </m:e>
+                                    </m:d>
+                                    <m:sSup>
+                                      <m:sSupPr>
+                                        <m:ctrlPr>
+                                          <a:rPr lang="en-US" altLang="zh-CN" sz="1200" i="1">
+                                            <a:latin typeface="Cambria Math" panose="02040503050406030204" charset="0"/>
+                                            <a:cs typeface="Cambria Math" panose="02040503050406030204" charset="0"/>
+                                          </a:rPr>
+                                        </m:ctrlPr>
+                                      </m:sSupPr>
+                                      <m:e>
+                                        <m:r>
+                                          <a:rPr lang="en-US" altLang="zh-CN" sz="1200" i="1">
+                                            <a:latin typeface="Cambria Math" panose="02040503050406030204" charset="0"/>
+                                            <a:cs typeface="Cambria Math" panose="02040503050406030204" charset="0"/>
+                                          </a:rPr>
+                                          <m:t>𝑇</m:t>
+                                        </m:r>
+                                      </m:e>
+                                      <m:sup>
+                                        <m:r>
+                                          <a:rPr lang="en-US" altLang="zh-CN" sz="1200" i="1">
+                                            <a:latin typeface="Cambria Math" panose="02040503050406030204" charset="0"/>
+                                            <a:cs typeface="Cambria Math" panose="02040503050406030204" charset="0"/>
+                                          </a:rPr>
+                                          <m:t>2</m:t>
+                                        </m:r>
+                                      </m:sup>
+                                    </m:sSup>
+                                  </m:num>
+                                  <m:den>
+                                    <m:r>
+                                      <a:rPr lang="en-US" altLang="zh-CN" sz="1200" i="1">
+                                        <a:latin typeface="Cambria Math" panose="02040503050406030204" charset="0"/>
+                                        <a:cs typeface="Cambria Math" panose="02040503050406030204" charset="0"/>
+                                      </a:rPr>
+                                      <m:t>2</m:t>
+                                    </m:r>
+                                  </m:den>
+                                </m:f>
+                              </m:e>
+                              <m:e>
+                                <m:f>
+                                  <m:fPr>
+                                    <m:ctrlPr>
+                                      <a:rPr lang="en-US" altLang="zh-CN" sz="1200" i="1">
+                                        <a:latin typeface="Cambria Math" panose="02040503050406030204" charset="0"/>
+                                        <a:cs typeface="Cambria Math" panose="02040503050406030204" charset="0"/>
+                                      </a:rPr>
+                                    </m:ctrlPr>
+                                  </m:fPr>
+                                  <m:num>
+                                    <m:d>
+                                      <m:dPr>
+                                        <m:ctrlPr>
+                                          <a:rPr lang="en-US" altLang="zh-CN" sz="1200" i="1">
+                                            <a:latin typeface="Cambria Math" panose="02040503050406030204" charset="0"/>
+                                            <a:cs typeface="Cambria Math" panose="02040503050406030204" charset="0"/>
+                                          </a:rPr>
+                                        </m:ctrlPr>
+                                      </m:dPr>
+                                      <m:e>
+                                        <m:eqArr>
+                                          <m:eqArrPr>
+                                            <m:ctrlPr>
+                                              <a:rPr lang="en-US" sz="1200" i="1">
+                                                <a:latin typeface="Cambria Math" panose="02040503050406030204" charset="0"/>
+                                              </a:rPr>
+                                            </m:ctrlPr>
+                                          </m:eqArrPr>
+                                          <m:e>
+                                            <m:r>
+                                              <a:rPr lang="en-US" altLang="zh-CN" sz="1200" i="1">
+                                                <a:latin typeface="Cambria Math" panose="02040503050406030204" charset="0"/>
+                                                <a:cs typeface="Cambria Math" panose="02040503050406030204" charset="0"/>
+                                              </a:rPr>
+                                              <m:t>𝑠</m:t>
+                                            </m:r>
+                                            <m:r>
+                                              <a:rPr lang="en-US" altLang="zh-CN" sz="1200" i="1">
+                                                <a:latin typeface="Cambria Math" panose="02040503050406030204" charset="0"/>
+                                                <a:cs typeface="Cambria Math" panose="02040503050406030204" charset="0"/>
+                                              </a:rPr>
+                                              <m:t>(</m:t>
+                                            </m:r>
+                                            <m:r>
+                                              <a:rPr lang="en-US" altLang="zh-CN" sz="1200" i="1">
+                                                <a:latin typeface="Cambria Math" panose="02040503050406030204" charset="0"/>
+                                                <a:cs typeface="Cambria Math" panose="02040503050406030204" charset="0"/>
+                                              </a:rPr>
+                                              <m:t>𝜓</m:t>
+                                            </m:r>
+                                            <m:r>
+                                              <a:rPr lang="en-US" altLang="zh-CN" sz="1200" i="1">
+                                                <a:latin typeface="Cambria Math" panose="02040503050406030204" charset="0"/>
+                                                <a:cs typeface="Cambria Math" panose="02040503050406030204" charset="0"/>
+                                              </a:rPr>
+                                              <m:t>)</m:t>
+                                            </m:r>
+                                            <m:r>
+                                              <a:rPr lang="en-US" sz="1200" i="1">
+                                                <a:latin typeface="Cambria Math" panose="02040503050406030204" charset="0"/>
+                                              </a:rPr>
+                                              <m:t>𝑠</m:t>
+                                            </m:r>
+                                            <m:r>
+                                              <a:rPr lang="en-US" sz="1200" i="1">
+                                                <a:latin typeface="Cambria Math" panose="02040503050406030204" charset="0"/>
+                                              </a:rPr>
+                                              <m:t>(</m:t>
+                                            </m:r>
+                                            <m:r>
+                                              <a:rPr lang="en-US" altLang="zh-CN" sz="1200" i="1">
+                                                <a:latin typeface="Cambria Math" panose="02040503050406030204" charset="0"/>
+                                                <a:cs typeface="Cambria Math" panose="02040503050406030204" charset="0"/>
+                                              </a:rPr>
+                                              <m:t>𝜃</m:t>
+                                            </m:r>
+                                            <m:r>
+                                              <a:rPr lang="en-US" sz="1200" i="1">
+                                                <a:latin typeface="Cambria Math" panose="02040503050406030204" charset="0"/>
+                                              </a:rPr>
+                                              <m:t>)</m:t>
+                                            </m:r>
+                                            <m:r>
+                                              <a:rPr lang="en-US" sz="1200" i="1">
+                                                <a:latin typeface="Cambria Math" panose="02040503050406030204" charset="0"/>
+                                              </a:rPr>
+                                              <m:t>𝑐</m:t>
+                                            </m:r>
+                                            <m:r>
+                                              <a:rPr lang="en-US" sz="1200" i="1">
+                                                <a:latin typeface="Cambria Math" panose="02040503050406030204" charset="0"/>
+                                              </a:rPr>
+                                              <m:t>(</m:t>
+                                            </m:r>
+                                            <m:r>
+                                              <a:rPr lang="en-US" altLang="zh-CN" sz="1200" i="1">
+                                                <a:latin typeface="Cambria Math" panose="02040503050406030204" charset="0"/>
+                                                <a:cs typeface="Cambria Math" panose="02040503050406030204" charset="0"/>
+                                              </a:rPr>
+                                              <m:t>𝜙</m:t>
+                                            </m:r>
+                                            <m:r>
+                                              <a:rPr lang="en-US" sz="1200" i="1">
+                                                <a:latin typeface="Cambria Math" panose="02040503050406030204" charset="0"/>
+                                              </a:rPr>
+                                              <m:t>)−</m:t>
+                                            </m:r>
+                                          </m:e>
+                                          <m:e>
+                                            <m:r>
+                                              <a:rPr lang="en-US" altLang="zh-CN" sz="1200" i="1">
+                                                <a:latin typeface="Cambria Math" panose="02040503050406030204" charset="0"/>
+                                                <a:cs typeface="Cambria Math" panose="02040503050406030204" charset="0"/>
+                                              </a:rPr>
+                                              <m:t>𝑐</m:t>
+                                            </m:r>
+                                            <m:r>
+                                              <a:rPr lang="en-US" altLang="zh-CN" sz="1200" i="1">
+                                                <a:latin typeface="Cambria Math" panose="02040503050406030204" charset="0"/>
+                                                <a:cs typeface="Cambria Math" panose="02040503050406030204" charset="0"/>
+                                              </a:rPr>
+                                              <m:t>(</m:t>
+                                            </m:r>
+                                            <m:r>
+                                              <a:rPr lang="en-US" altLang="zh-CN" sz="1200" i="1">
+                                                <a:latin typeface="Cambria Math" panose="02040503050406030204" charset="0"/>
+                                                <a:cs typeface="Cambria Math" panose="02040503050406030204" charset="0"/>
+                                              </a:rPr>
+                                              <m:t>𝜓</m:t>
+                                            </m:r>
+                                            <m:r>
+                                              <a:rPr lang="en-US" altLang="zh-CN" sz="1200" i="1">
+                                                <a:latin typeface="Cambria Math" panose="02040503050406030204" charset="0"/>
+                                                <a:cs typeface="Cambria Math" panose="02040503050406030204" charset="0"/>
+                                              </a:rPr>
+                                              <m:t>)</m:t>
+                                            </m:r>
+                                            <m:r>
+                                              <a:rPr lang="en-US" sz="1200" i="1">
+                                                <a:latin typeface="Cambria Math" panose="02040503050406030204" charset="0"/>
+                                              </a:rPr>
+                                              <m:t>𝑠</m:t>
+                                            </m:r>
+                                            <m:r>
+                                              <a:rPr lang="en-US" sz="1200" i="1">
+                                                <a:latin typeface="Cambria Math" panose="02040503050406030204" charset="0"/>
+                                              </a:rPr>
+                                              <m:t>(</m:t>
+                                            </m:r>
+                                            <m:r>
+                                              <a:rPr lang="en-US" altLang="zh-CN" sz="1200" i="1">
+                                                <a:latin typeface="Cambria Math" panose="02040503050406030204" charset="0"/>
+                                                <a:cs typeface="Cambria Math" panose="02040503050406030204" charset="0"/>
+                                              </a:rPr>
+                                              <m:t>𝜙</m:t>
+                                            </m:r>
+                                            <m:r>
+                                              <a:rPr lang="en-US" sz="1200" i="1">
+                                                <a:latin typeface="Cambria Math" panose="02040503050406030204" charset="0"/>
+                                              </a:rPr>
+                                              <m:t>)</m:t>
+                                            </m:r>
+                                          </m:e>
+                                        </m:eqArr>
+                                      </m:e>
+                                    </m:d>
+                                    <m:sSup>
+                                      <m:sSupPr>
+                                        <m:ctrlPr>
+                                          <a:rPr lang="en-US" altLang="zh-CN" sz="1200" i="1">
+                                            <a:latin typeface="Cambria Math" panose="02040503050406030204" charset="0"/>
+                                            <a:cs typeface="Cambria Math" panose="02040503050406030204" charset="0"/>
+                                          </a:rPr>
+                                        </m:ctrlPr>
+                                      </m:sSupPr>
+                                      <m:e>
+                                        <m:r>
+                                          <a:rPr lang="en-US" altLang="zh-CN" sz="1200" i="1">
+                                            <a:latin typeface="Cambria Math" panose="02040503050406030204" charset="0"/>
+                                            <a:cs typeface="Cambria Math" panose="02040503050406030204" charset="0"/>
+                                          </a:rPr>
+                                          <m:t>𝑇</m:t>
+                                        </m:r>
+                                      </m:e>
+                                      <m:sup>
+                                        <m:r>
+                                          <a:rPr lang="en-US" altLang="zh-CN" sz="1200" i="1">
+                                            <a:latin typeface="Cambria Math" panose="02040503050406030204" charset="0"/>
+                                            <a:cs typeface="Cambria Math" panose="02040503050406030204" charset="0"/>
+                                          </a:rPr>
+                                          <m:t>2</m:t>
+                                        </m:r>
+                                      </m:sup>
+                                    </m:sSup>
+                                  </m:num>
+                                  <m:den>
+                                    <m:r>
+                                      <a:rPr lang="en-US" altLang="zh-CN" sz="1200" i="1">
+                                        <a:latin typeface="Cambria Math" panose="02040503050406030204" charset="0"/>
+                                        <a:cs typeface="Cambria Math" panose="02040503050406030204" charset="0"/>
+                                      </a:rPr>
+                                      <m:t>2</m:t>
+                                    </m:r>
+                                  </m:den>
+                                </m:f>
+                              </m:e>
+                            </m:mr>
+                            <m:mr>
+                              <m:e>
+                                <m:r>
+                                  <a:rPr lang="en-US" altLang="zh-CN" sz="1200" i="1">
+                                    <a:latin typeface="Cambria Math" panose="02040503050406030204" charset="0"/>
+                                    <a:cs typeface="Cambria Math" panose="02040503050406030204" charset="0"/>
+                                  </a:rPr>
+                                  <m:t>0</m:t>
+                                </m:r>
+                              </m:e>
+                              <m:e>
+                                <m:r>
+                                  <a:rPr lang="en-US" altLang="zh-CN" sz="1200" i="1">
+                                    <a:latin typeface="Cambria Math" panose="02040503050406030204" charset="0"/>
+                                    <a:cs typeface="Cambria Math" panose="02040503050406030204" charset="0"/>
+                                  </a:rPr>
+                                  <m:t>0</m:t>
+                                </m:r>
+                              </m:e>
+                              <m:e>
+                                <m:r>
+                                  <a:rPr lang="en-US" altLang="zh-CN" sz="1200" i="1">
+                                    <a:latin typeface="Cambria Math" panose="02040503050406030204" charset="0"/>
+                                    <a:cs typeface="Cambria Math" panose="02040503050406030204" charset="0"/>
+                                  </a:rPr>
+                                  <m:t>1</m:t>
+                                </m:r>
+                              </m:e>
+                              <m:e>
+                                <m:r>
+                                  <a:rPr lang="en-US" altLang="zh-CN" sz="1200" i="1">
+                                    <a:latin typeface="Cambria Math" panose="02040503050406030204" charset="0"/>
+                                    <a:cs typeface="Cambria Math" panose="02040503050406030204" charset="0"/>
+                                  </a:rPr>
+                                  <m:t>0</m:t>
+                                </m:r>
+                              </m:e>
+                              <m:e>
+                                <m:r>
+                                  <a:rPr lang="en-US" altLang="zh-CN" sz="1200" i="1">
+                                    <a:latin typeface="Cambria Math" panose="02040503050406030204" charset="0"/>
+                                    <a:cs typeface="Cambria Math" panose="02040503050406030204" charset="0"/>
+                                  </a:rPr>
+                                  <m:t>0</m:t>
+                                </m:r>
+                              </m:e>
+                              <m:e>
+                                <m:r>
+                                  <a:rPr lang="en-US" altLang="zh-CN" sz="1200" i="1">
+                                    <a:latin typeface="Cambria Math" panose="02040503050406030204" charset="0"/>
+                                    <a:cs typeface="Cambria Math" panose="02040503050406030204" charset="0"/>
+                                  </a:rPr>
+                                  <m:t>0</m:t>
+                                </m:r>
+                              </m:e>
+                              <m:e>
+                                <m:r>
+                                  <a:rPr lang="en-US" altLang="zh-CN" sz="1200" i="1">
+                                    <a:latin typeface="Cambria Math" panose="02040503050406030204" charset="0"/>
+                                    <a:cs typeface="Cambria Math" panose="02040503050406030204" charset="0"/>
+                                  </a:rPr>
+                                  <m:t>−</m:t>
+                                </m:r>
+                                <m:r>
+                                  <a:rPr lang="en-US" sz="1200" i="1">
+                                    <a:latin typeface="Cambria Math" panose="02040503050406030204" charset="0"/>
+                                  </a:rPr>
+                                  <m:t>𝑠</m:t>
+                                </m:r>
+                                <m:r>
+                                  <a:rPr lang="en-US" sz="1200" i="1">
+                                    <a:latin typeface="Cambria Math" panose="02040503050406030204" charset="0"/>
+                                  </a:rPr>
+                                  <m:t>(</m:t>
+                                </m:r>
+                                <m:r>
+                                  <a:rPr lang="en-US" altLang="zh-CN" sz="1200" i="1">
+                                    <a:latin typeface="Cambria Math" panose="02040503050406030204" charset="0"/>
+                                    <a:cs typeface="Cambria Math" panose="02040503050406030204" charset="0"/>
+                                  </a:rPr>
+                                  <m:t>𝜃</m:t>
+                                </m:r>
+                                <m:r>
+                                  <a:rPr lang="en-US" sz="1200" i="1">
+                                    <a:latin typeface="Cambria Math" panose="02040503050406030204" charset="0"/>
+                                  </a:rPr>
+                                  <m:t>)</m:t>
+                                </m:r>
+                              </m:e>
+                              <m:e>
+                                <m:r>
+                                  <a:rPr lang="en-US" altLang="zh-CN" sz="1200" i="1">
+                                    <a:latin typeface="Cambria Math" panose="02040503050406030204" charset="0"/>
+                                    <a:cs typeface="Cambria Math" panose="02040503050406030204" charset="0"/>
+                                  </a:rPr>
+                                  <m:t>𝑐</m:t>
+                                </m:r>
+                                <m:r>
+                                  <a:rPr lang="en-US" altLang="zh-CN" sz="1200" i="1">
+                                    <a:latin typeface="Cambria Math" panose="02040503050406030204" charset="0"/>
+                                    <a:cs typeface="Cambria Math" panose="02040503050406030204" charset="0"/>
+                                  </a:rPr>
+                                  <m:t>(</m:t>
+                                </m:r>
+                                <m:r>
+                                  <a:rPr lang="en-US" altLang="zh-CN" sz="1200" i="1">
+                                    <a:latin typeface="Cambria Math" panose="02040503050406030204" charset="0"/>
+                                    <a:cs typeface="Cambria Math" panose="02040503050406030204" charset="0"/>
+                                  </a:rPr>
+                                  <m:t>𝜃</m:t>
+                                </m:r>
+                                <m:r>
+                                  <a:rPr lang="en-US" altLang="zh-CN" sz="1200" i="1">
+                                    <a:latin typeface="Cambria Math" panose="02040503050406030204" charset="0"/>
+                                    <a:cs typeface="Cambria Math" panose="02040503050406030204" charset="0"/>
+                                  </a:rPr>
+                                  <m:t>)</m:t>
+                                </m:r>
+                                <m:r>
+                                  <a:rPr lang="en-US" sz="1200" i="1">
+                                    <a:latin typeface="Cambria Math" panose="02040503050406030204" charset="0"/>
+                                  </a:rPr>
+                                  <m:t>𝑠</m:t>
+                                </m:r>
+                                <m:r>
+                                  <a:rPr lang="en-US" sz="1200" i="1">
+                                    <a:latin typeface="Cambria Math" panose="02040503050406030204" charset="0"/>
+                                  </a:rPr>
+                                  <m:t>(</m:t>
+                                </m:r>
+                                <m:r>
+                                  <a:rPr lang="en-US" altLang="zh-CN" sz="1200" i="1">
+                                    <a:latin typeface="Cambria Math" panose="02040503050406030204" charset="0"/>
+                                    <a:cs typeface="Cambria Math" panose="02040503050406030204" charset="0"/>
+                                  </a:rPr>
+                                  <m:t>𝜙</m:t>
+                                </m:r>
+                                <m:r>
+                                  <a:rPr lang="en-US" sz="1200" i="1">
+                                    <a:latin typeface="Cambria Math" panose="02040503050406030204" charset="0"/>
+                                  </a:rPr>
+                                  <m:t>)</m:t>
+                                </m:r>
+                              </m:e>
+                              <m:e>
+                                <m:r>
+                                  <a:rPr lang="en-US" altLang="zh-CN" sz="1200" i="1">
+                                    <a:latin typeface="Cambria Math" panose="02040503050406030204" charset="0"/>
+                                    <a:cs typeface="Cambria Math" panose="02040503050406030204" charset="0"/>
+                                  </a:rPr>
+                                  <m:t>𝑐</m:t>
+                                </m:r>
+                                <m:r>
+                                  <a:rPr lang="en-US" altLang="zh-CN" sz="1200" i="1">
+                                    <a:latin typeface="Cambria Math" panose="02040503050406030204" charset="0"/>
+                                    <a:cs typeface="Cambria Math" panose="02040503050406030204" charset="0"/>
+                                  </a:rPr>
+                                  <m:t>(</m:t>
+                                </m:r>
+                                <m:r>
+                                  <a:rPr lang="en-US" altLang="zh-CN" sz="1200" i="1">
+                                    <a:latin typeface="Cambria Math" panose="02040503050406030204" charset="0"/>
+                                    <a:cs typeface="Cambria Math" panose="02040503050406030204" charset="0"/>
+                                  </a:rPr>
+                                  <m:t>𝜃</m:t>
+                                </m:r>
+                                <m:r>
+                                  <a:rPr lang="en-US" altLang="zh-CN" sz="1200" i="1">
+                                    <a:latin typeface="Cambria Math" panose="02040503050406030204" charset="0"/>
+                                    <a:cs typeface="Cambria Math" panose="02040503050406030204" charset="0"/>
+                                  </a:rPr>
+                                  <m:t>)</m:t>
+                                </m:r>
+                                <m:r>
+                                  <a:rPr lang="en-US" sz="1200" i="1">
+                                    <a:latin typeface="Cambria Math" panose="02040503050406030204" charset="0"/>
+                                  </a:rPr>
+                                  <m:t>𝑐</m:t>
+                                </m:r>
+                                <m:r>
+                                  <a:rPr lang="en-US" sz="1200" i="1">
+                                    <a:latin typeface="Cambria Math" panose="02040503050406030204" charset="0"/>
+                                  </a:rPr>
+                                  <m:t>(</m:t>
+                                </m:r>
+                                <m:r>
+                                  <a:rPr lang="en-US" altLang="zh-CN" sz="1200" i="1">
+                                    <a:latin typeface="Cambria Math" panose="02040503050406030204" charset="0"/>
+                                    <a:cs typeface="Cambria Math" panose="02040503050406030204" charset="0"/>
+                                  </a:rPr>
+                                  <m:t>𝜙</m:t>
+                                </m:r>
+                                <m:r>
+                                  <a:rPr lang="en-US" sz="1200" i="1">
+                                    <a:latin typeface="Cambria Math" panose="02040503050406030204" charset="0"/>
+                                  </a:rPr>
+                                  <m:t>)</m:t>
+                                </m:r>
+                              </m:e>
+                              <m:e>
+                                <m:r>
+                                  <a:rPr lang="en-US" altLang="zh-CN" sz="1200" i="1">
+                                    <a:latin typeface="Cambria Math" panose="02040503050406030204" charset="0"/>
+                                    <a:cs typeface="Cambria Math" panose="02040503050406030204" charset="0"/>
+                                  </a:rPr>
+                                  <m:t>0</m:t>
+                                </m:r>
+                              </m:e>
+                              <m:e>
+                                <m:r>
+                                  <a:rPr lang="en-US" altLang="zh-CN" sz="1200" i="1">
+                                    <a:latin typeface="Cambria Math" panose="02040503050406030204" charset="0"/>
+                                    <a:cs typeface="Cambria Math" panose="02040503050406030204" charset="0"/>
+                                  </a:rPr>
+                                  <m:t>0</m:t>
+                                </m:r>
+                              </m:e>
+                              <m:e>
+                                <m:r>
+                                  <a:rPr lang="en-US" altLang="zh-CN" sz="1200" i="1">
+                                    <a:latin typeface="Cambria Math" panose="02040503050406030204" charset="0"/>
+                                    <a:cs typeface="Cambria Math" panose="02040503050406030204" charset="0"/>
+                                  </a:rPr>
+                                  <m:t>0</m:t>
+                                </m:r>
+                              </m:e>
+                              <m:e>
+                                <m:r>
+                                  <a:rPr lang="en-US" altLang="zh-CN" sz="1200" i="1">
+                                    <a:latin typeface="Cambria Math" panose="02040503050406030204" charset="0"/>
+                                    <a:cs typeface="Cambria Math" panose="02040503050406030204" charset="0"/>
+                                  </a:rPr>
+                                  <m:t>−</m:t>
+                                </m:r>
+                                <m:f>
+                                  <m:fPr>
+                                    <m:ctrlPr>
+                                      <a:rPr lang="en-US" altLang="zh-CN" sz="1200" i="1">
+                                        <a:latin typeface="Cambria Math" panose="02040503050406030204" charset="0"/>
+                                        <a:cs typeface="Cambria Math" panose="02040503050406030204" charset="0"/>
+                                      </a:rPr>
+                                    </m:ctrlPr>
+                                  </m:fPr>
+                                  <m:num>
+                                    <m:r>
+                                      <a:rPr lang="en-US" sz="1200" i="1">
+                                        <a:latin typeface="Cambria Math" panose="02040503050406030204" charset="0"/>
+                                      </a:rPr>
+                                      <m:t>𝑠</m:t>
+                                    </m:r>
+                                    <m:r>
+                                      <a:rPr lang="en-US" sz="1200" i="1">
+                                        <a:latin typeface="Cambria Math" panose="02040503050406030204" charset="0"/>
+                                      </a:rPr>
+                                      <m:t>(</m:t>
+                                    </m:r>
+                                    <m:r>
+                                      <a:rPr lang="en-US" altLang="zh-CN" sz="1200" i="1">
+                                        <a:latin typeface="Cambria Math" panose="02040503050406030204" charset="0"/>
+                                        <a:cs typeface="Cambria Math" panose="02040503050406030204" charset="0"/>
+                                      </a:rPr>
+                                      <m:t>𝜃</m:t>
+                                    </m:r>
+                                    <m:r>
+                                      <a:rPr lang="en-US" sz="1200" i="1">
+                                        <a:latin typeface="Cambria Math" panose="02040503050406030204" charset="0"/>
+                                      </a:rPr>
+                                      <m:t>)</m:t>
+                                    </m:r>
+                                    <m:sSup>
+                                      <m:sSupPr>
+                                        <m:ctrlPr>
+                                          <a:rPr lang="en-US" altLang="zh-CN" sz="1200" i="1">
+                                            <a:latin typeface="Cambria Math" panose="02040503050406030204" charset="0"/>
+                                            <a:cs typeface="Cambria Math" panose="02040503050406030204" charset="0"/>
+                                          </a:rPr>
+                                        </m:ctrlPr>
+                                      </m:sSupPr>
+                                      <m:e>
+                                        <m:r>
+                                          <a:rPr lang="en-US" altLang="zh-CN" sz="1200" i="1">
+                                            <a:latin typeface="Cambria Math" panose="02040503050406030204" charset="0"/>
+                                            <a:cs typeface="Cambria Math" panose="02040503050406030204" charset="0"/>
+                                          </a:rPr>
+                                          <m:t>𝑇</m:t>
+                                        </m:r>
+                                      </m:e>
+                                      <m:sup>
+                                        <m:r>
+                                          <a:rPr lang="en-US" altLang="zh-CN" sz="1200" i="1">
+                                            <a:latin typeface="Cambria Math" panose="02040503050406030204" charset="0"/>
+                                            <a:cs typeface="Cambria Math" panose="02040503050406030204" charset="0"/>
+                                          </a:rPr>
+                                          <m:t>2</m:t>
+                                        </m:r>
+                                      </m:sup>
+                                    </m:sSup>
+                                  </m:num>
+                                  <m:den>
+                                    <m:r>
+                                      <a:rPr lang="en-US" altLang="zh-CN" sz="1200" i="1">
+                                        <a:latin typeface="Cambria Math" panose="02040503050406030204" charset="0"/>
+                                        <a:cs typeface="Cambria Math" panose="02040503050406030204" charset="0"/>
+                                      </a:rPr>
+                                      <m:t>2</m:t>
+                                    </m:r>
+                                  </m:den>
+                                </m:f>
+                              </m:e>
+                              <m:e>
+                                <m:f>
+                                  <m:fPr>
+                                    <m:ctrlPr>
+                                      <a:rPr lang="en-US" altLang="zh-CN" sz="1200" i="1">
+                                        <a:latin typeface="Cambria Math" panose="02040503050406030204" charset="0"/>
+                                        <a:cs typeface="Cambria Math" panose="02040503050406030204" charset="0"/>
+                                      </a:rPr>
+                                    </m:ctrlPr>
+                                  </m:fPr>
+                                  <m:num>
+                                    <m:r>
+                                      <a:rPr lang="en-US" altLang="zh-CN" sz="1200" i="1">
+                                        <a:latin typeface="Cambria Math" panose="02040503050406030204" charset="0"/>
+                                        <a:cs typeface="Cambria Math" panose="02040503050406030204" charset="0"/>
+                                      </a:rPr>
+                                      <m:t>𝑐</m:t>
+                                    </m:r>
+                                    <m:r>
+                                      <a:rPr lang="en-US" altLang="zh-CN" sz="1200" i="1">
+                                        <a:latin typeface="Cambria Math" panose="02040503050406030204" charset="0"/>
+                                        <a:cs typeface="Cambria Math" panose="02040503050406030204" charset="0"/>
+                                      </a:rPr>
+                                      <m:t>(</m:t>
+                                    </m:r>
+                                    <m:r>
+                                      <a:rPr lang="en-US" altLang="zh-CN" sz="1200" i="1">
+                                        <a:latin typeface="Cambria Math" panose="02040503050406030204" charset="0"/>
+                                        <a:cs typeface="Cambria Math" panose="02040503050406030204" charset="0"/>
+                                      </a:rPr>
+                                      <m:t>𝜃</m:t>
+                                    </m:r>
+                                    <m:r>
+                                      <a:rPr lang="en-US" altLang="zh-CN" sz="1200" i="1">
+                                        <a:latin typeface="Cambria Math" panose="02040503050406030204" charset="0"/>
+                                        <a:cs typeface="Cambria Math" panose="02040503050406030204" charset="0"/>
+                                      </a:rPr>
+                                      <m:t>)</m:t>
+                                    </m:r>
+                                    <m:r>
+                                      <a:rPr lang="en-US" sz="1200" i="1">
+                                        <a:latin typeface="Cambria Math" panose="02040503050406030204" charset="0"/>
+                                      </a:rPr>
+                                      <m:t>𝑠</m:t>
+                                    </m:r>
+                                    <m:r>
+                                      <a:rPr lang="en-US" sz="1200" i="1">
+                                        <a:latin typeface="Cambria Math" panose="02040503050406030204" charset="0"/>
+                                      </a:rPr>
+                                      <m:t>(</m:t>
+                                    </m:r>
+                                    <m:r>
+                                      <a:rPr lang="en-US" altLang="zh-CN" sz="1200" i="1">
+                                        <a:latin typeface="Cambria Math" panose="02040503050406030204" charset="0"/>
+                                        <a:cs typeface="Cambria Math" panose="02040503050406030204" charset="0"/>
+                                      </a:rPr>
+                                      <m:t>𝜙</m:t>
+                                    </m:r>
+                                    <m:r>
+                                      <a:rPr lang="en-US" sz="1200" i="1">
+                                        <a:latin typeface="Cambria Math" panose="02040503050406030204" charset="0"/>
+                                      </a:rPr>
+                                      <m:t>)</m:t>
+                                    </m:r>
+                                    <m:sSup>
+                                      <m:sSupPr>
+                                        <m:ctrlPr>
+                                          <a:rPr lang="en-US" sz="1200" i="1">
+                                            <a:latin typeface="Cambria Math" panose="02040503050406030204" charset="0"/>
+                                            <a:cs typeface="Cambria Math" panose="02040503050406030204" charset="0"/>
+                                          </a:rPr>
+                                        </m:ctrlPr>
+                                      </m:sSupPr>
+                                      <m:e>
+                                        <m:r>
+                                          <a:rPr lang="en-US" sz="1200" i="1">
+                                            <a:latin typeface="Cambria Math" panose="02040503050406030204" charset="0"/>
+                                            <a:cs typeface="Cambria Math" panose="02040503050406030204" charset="0"/>
+                                          </a:rPr>
+                                          <m:t>𝑇</m:t>
+                                        </m:r>
+                                      </m:e>
+                                      <m:sup>
+                                        <m:r>
+                                          <a:rPr lang="en-US" sz="1200" i="1">
+                                            <a:latin typeface="Cambria Math" panose="02040503050406030204" charset="0"/>
+                                            <a:cs typeface="Cambria Math" panose="02040503050406030204" charset="0"/>
+                                          </a:rPr>
+                                          <m:t>2</m:t>
+                                        </m:r>
+                                      </m:sup>
+                                    </m:sSup>
+                                  </m:num>
+                                  <m:den>
+                                    <m:r>
+                                      <a:rPr lang="en-US" altLang="zh-CN" sz="1200" i="1">
+                                        <a:latin typeface="Cambria Math" panose="02040503050406030204" charset="0"/>
+                                        <a:cs typeface="Cambria Math" panose="02040503050406030204" charset="0"/>
+                                      </a:rPr>
+                                      <m:t>2</m:t>
+                                    </m:r>
+                                  </m:den>
+                                </m:f>
+                              </m:e>
+                              <m:e>
+                                <m:f>
+                                  <m:fPr>
+                                    <m:ctrlPr>
+                                      <a:rPr lang="en-US" altLang="zh-CN" sz="1200" i="1">
+                                        <a:latin typeface="Cambria Math" panose="02040503050406030204" charset="0"/>
+                                        <a:cs typeface="Cambria Math" panose="02040503050406030204" charset="0"/>
+                                      </a:rPr>
+                                    </m:ctrlPr>
+                                  </m:fPr>
+                                  <m:num>
+                                    <m:r>
+                                      <a:rPr lang="en-US" altLang="zh-CN" sz="1200" i="1">
+                                        <a:latin typeface="Cambria Math" panose="02040503050406030204" charset="0"/>
+                                        <a:cs typeface="Cambria Math" panose="02040503050406030204" charset="0"/>
+                                      </a:rPr>
+                                      <m:t>𝑐</m:t>
+                                    </m:r>
+                                    <m:r>
+                                      <a:rPr lang="en-US" altLang="zh-CN" sz="1200" i="1">
+                                        <a:latin typeface="Cambria Math" panose="02040503050406030204" charset="0"/>
+                                        <a:cs typeface="Cambria Math" panose="02040503050406030204" charset="0"/>
+                                      </a:rPr>
+                                      <m:t>(</m:t>
+                                    </m:r>
+                                    <m:r>
+                                      <a:rPr lang="en-US" altLang="zh-CN" sz="1200" i="1">
+                                        <a:latin typeface="Cambria Math" panose="02040503050406030204" charset="0"/>
+                                        <a:cs typeface="Cambria Math" panose="02040503050406030204" charset="0"/>
+                                      </a:rPr>
+                                      <m:t>𝜃</m:t>
+                                    </m:r>
+                                    <m:r>
+                                      <a:rPr lang="en-US" altLang="zh-CN" sz="1200" i="1">
+                                        <a:latin typeface="Cambria Math" panose="02040503050406030204" charset="0"/>
+                                        <a:cs typeface="Cambria Math" panose="02040503050406030204" charset="0"/>
+                                      </a:rPr>
+                                      <m:t>)</m:t>
+                                    </m:r>
+                                    <m:r>
+                                      <a:rPr lang="en-US" sz="1200" i="1">
+                                        <a:latin typeface="Cambria Math" panose="02040503050406030204" charset="0"/>
+                                      </a:rPr>
+                                      <m:t>𝑐</m:t>
+                                    </m:r>
+                                    <m:r>
+                                      <a:rPr lang="en-US" sz="1200" i="1">
+                                        <a:latin typeface="Cambria Math" panose="02040503050406030204" charset="0"/>
+                                      </a:rPr>
+                                      <m:t>(</m:t>
+                                    </m:r>
+                                    <m:r>
+                                      <a:rPr lang="en-US" altLang="zh-CN" sz="1200" i="1">
+                                        <a:latin typeface="Cambria Math" panose="02040503050406030204" charset="0"/>
+                                        <a:cs typeface="Cambria Math" panose="02040503050406030204" charset="0"/>
+                                      </a:rPr>
+                                      <m:t>𝜙</m:t>
+                                    </m:r>
+                                    <m:r>
+                                      <a:rPr lang="en-US" sz="1200" i="1">
+                                        <a:latin typeface="Cambria Math" panose="02040503050406030204" charset="0"/>
+                                      </a:rPr>
+                                      <m:t>)</m:t>
+                                    </m:r>
+                                    <m:sSup>
+                                      <m:sSupPr>
+                                        <m:ctrlPr>
+                                          <a:rPr lang="en-US" sz="1200" i="1">
+                                            <a:latin typeface="Cambria Math" panose="02040503050406030204" charset="0"/>
+                                            <a:cs typeface="Cambria Math" panose="02040503050406030204" charset="0"/>
+                                          </a:rPr>
+                                        </m:ctrlPr>
+                                      </m:sSupPr>
+                                      <m:e>
+                                        <m:r>
+                                          <a:rPr lang="en-US" sz="1200" i="1">
+                                            <a:latin typeface="Cambria Math" panose="02040503050406030204" charset="0"/>
+                                            <a:cs typeface="Cambria Math" panose="02040503050406030204" charset="0"/>
+                                          </a:rPr>
+                                          <m:t>𝑇</m:t>
+                                        </m:r>
+                                      </m:e>
+                                      <m:sup>
+                                        <m:r>
+                                          <a:rPr lang="en-US" sz="1200" i="1">
+                                            <a:latin typeface="Cambria Math" panose="02040503050406030204" charset="0"/>
+                                            <a:cs typeface="Cambria Math" panose="02040503050406030204" charset="0"/>
+                                          </a:rPr>
+                                          <m:t>2</m:t>
+                                        </m:r>
+                                      </m:sup>
+                                    </m:sSup>
+                                  </m:num>
+                                  <m:den>
+                                    <m:r>
+                                      <a:rPr lang="en-US" altLang="zh-CN" sz="1200" i="1">
+                                        <a:latin typeface="Cambria Math" panose="02040503050406030204" charset="0"/>
+                                        <a:cs typeface="Cambria Math" panose="02040503050406030204" charset="0"/>
+                                      </a:rPr>
+                                      <m:t>2</m:t>
+                                    </m:r>
+                                  </m:den>
+                                </m:f>
+                              </m:e>
+                            </m:mr>
+                            <m:mr>
+                              <m:e>
+                                <m:r>
+                                  <a:rPr lang="en-US" altLang="zh-CN" sz="1200" i="1">
+                                    <a:latin typeface="Cambria Math" panose="02040503050406030204" charset="0"/>
+                                    <a:cs typeface="Cambria Math" panose="02040503050406030204" charset="0"/>
+                                  </a:rPr>
+                                  <m:t>0</m:t>
+                                </m:r>
+                              </m:e>
+                              <m:e>
+                                <m:r>
+                                  <a:rPr lang="en-US" altLang="zh-CN" sz="1200" i="1">
+                                    <a:latin typeface="Cambria Math" panose="02040503050406030204" charset="0"/>
+                                    <a:cs typeface="Cambria Math" panose="02040503050406030204" charset="0"/>
+                                  </a:rPr>
+                                  <m:t>0</m:t>
+                                </m:r>
+                              </m:e>
+                              <m:e>
+                                <m:r>
+                                  <a:rPr lang="en-US" altLang="zh-CN" sz="1200" i="1">
+                                    <a:latin typeface="Cambria Math" panose="02040503050406030204" charset="0"/>
+                                    <a:cs typeface="Cambria Math" panose="02040503050406030204" charset="0"/>
+                                  </a:rPr>
+                                  <m:t>0</m:t>
+                                </m:r>
+                              </m:e>
+                              <m:e>
+                                <m:r>
+                                  <a:rPr lang="en-US" altLang="zh-CN" sz="1200" i="1">
+                                    <a:latin typeface="Cambria Math" panose="02040503050406030204" charset="0"/>
+                                    <a:cs typeface="Cambria Math" panose="02040503050406030204" charset="0"/>
+                                  </a:rPr>
+                                  <m:t>1</m:t>
+                                </m:r>
+                              </m:e>
+                              <m:e>
+                                <m:r>
+                                  <a:rPr lang="en-US" altLang="zh-CN" sz="1200" i="1">
+                                    <a:latin typeface="Cambria Math" panose="02040503050406030204" charset="0"/>
+                                    <a:cs typeface="Cambria Math" panose="02040503050406030204" charset="0"/>
+                                  </a:rPr>
+                                  <m:t>0</m:t>
+                                </m:r>
+                              </m:e>
+                              <m:e>
+                                <m:r>
+                                  <a:rPr lang="en-US" altLang="zh-CN" sz="1200" i="1">
+                                    <a:latin typeface="Cambria Math" panose="02040503050406030204" charset="0"/>
+                                    <a:cs typeface="Cambria Math" panose="02040503050406030204" charset="0"/>
+                                  </a:rPr>
+                                  <m:t>0</m:t>
+                                </m:r>
+                              </m:e>
+                              <m:e>
+                                <m:r>
+                                  <a:rPr lang="en-US" altLang="zh-CN" sz="1200" i="1">
+                                    <a:latin typeface="Cambria Math" panose="02040503050406030204" charset="0"/>
+                                    <a:cs typeface="Cambria Math" panose="02040503050406030204" charset="0"/>
+                                  </a:rPr>
+                                  <m:t>0</m:t>
+                                </m:r>
+                              </m:e>
+                              <m:e>
+                                <m:r>
+                                  <a:rPr lang="en-US" altLang="zh-CN" sz="1200" i="1">
+                                    <a:latin typeface="Cambria Math" panose="02040503050406030204" charset="0"/>
+                                    <a:cs typeface="Cambria Math" panose="02040503050406030204" charset="0"/>
+                                  </a:rPr>
+                                  <m:t>0</m:t>
+                                </m:r>
+                              </m:e>
+                              <m:e>
+                                <m:r>
+                                  <a:rPr lang="en-US" altLang="zh-CN" sz="1200" i="1">
+                                    <a:latin typeface="Cambria Math" panose="02040503050406030204" charset="0"/>
+                                    <a:cs typeface="Cambria Math" panose="02040503050406030204" charset="0"/>
+                                  </a:rPr>
+                                  <m:t>0</m:t>
+                                </m:r>
+                              </m:e>
+                              <m:e>
+                                <m:r>
+                                  <a:rPr lang="en-US" altLang="zh-CN" sz="1200" i="1">
+                                    <a:latin typeface="Cambria Math" panose="02040503050406030204" charset="0"/>
+                                    <a:cs typeface="Cambria Math" panose="02040503050406030204" charset="0"/>
+                                  </a:rPr>
+                                  <m:t>𝑇</m:t>
+                                </m:r>
+                              </m:e>
+                              <m:e>
+                                <m:r>
+                                  <a:rPr lang="en-US" sz="1200" i="1">
+                                    <a:latin typeface="Cambria Math" panose="02040503050406030204" charset="0"/>
+                                  </a:rPr>
+                                  <m:t>𝑠</m:t>
+                                </m:r>
+                                <m:r>
+                                  <a:rPr lang="en-US" sz="1200" i="1">
+                                    <a:latin typeface="Cambria Math" panose="02040503050406030204" charset="0"/>
+                                  </a:rPr>
+                                  <m:t>(</m:t>
+                                </m:r>
+                                <m:r>
+                                  <a:rPr lang="en-US" altLang="zh-CN" sz="1200" i="1">
+                                    <a:latin typeface="Cambria Math" panose="02040503050406030204" charset="0"/>
+                                    <a:cs typeface="Cambria Math" panose="02040503050406030204" charset="0"/>
+                                  </a:rPr>
+                                  <m:t>𝜙</m:t>
+                                </m:r>
+                                <m:r>
+                                  <a:rPr lang="en-US" sz="1200" i="1">
+                                    <a:latin typeface="Cambria Math" panose="02040503050406030204" charset="0"/>
+                                  </a:rPr>
+                                  <m:t>)</m:t>
+                                </m:r>
+                                <m:r>
+                                  <a:rPr lang="en-US" sz="1200" i="1">
+                                    <a:latin typeface="Cambria Math" panose="02040503050406030204" charset="0"/>
+                                  </a:rPr>
+                                  <m:t>𝑡</m:t>
+                                </m:r>
+                                <m:r>
+                                  <a:rPr lang="en-US" sz="1200" i="1">
+                                    <a:latin typeface="Cambria Math" panose="02040503050406030204" charset="0"/>
+                                  </a:rPr>
+                                  <m:t>(</m:t>
+                                </m:r>
+                                <m:r>
+                                  <a:rPr lang="en-US" altLang="zh-CN" sz="1200" i="1">
+                                    <a:latin typeface="Cambria Math" panose="02040503050406030204" charset="0"/>
+                                    <a:cs typeface="Cambria Math" panose="02040503050406030204" charset="0"/>
+                                  </a:rPr>
+                                  <m:t>𝜃</m:t>
+                                </m:r>
+                                <m:r>
+                                  <a:rPr lang="en-US" sz="1200" i="1">
+                                    <a:latin typeface="Cambria Math" panose="02040503050406030204" charset="0"/>
+                                  </a:rPr>
+                                  <m:t>)</m:t>
+                                </m:r>
+                                <m:r>
+                                  <a:rPr lang="en-US" altLang="zh-CN" sz="1200" i="1">
+                                    <a:latin typeface="Cambria Math" panose="02040503050406030204" charset="0"/>
+                                    <a:cs typeface="Cambria Math" panose="02040503050406030204" charset="0"/>
+                                  </a:rPr>
+                                  <m:t>𝑇</m:t>
+                                </m:r>
+                              </m:e>
+                              <m:e>
+                                <m:r>
+                                  <a:rPr lang="en-US" sz="1200" i="1">
+                                    <a:latin typeface="Cambria Math" panose="02040503050406030204" charset="0"/>
+                                  </a:rPr>
+                                  <m:t>𝑐</m:t>
+                                </m:r>
+                                <m:r>
+                                  <a:rPr lang="en-US" sz="1200" i="1">
+                                    <a:latin typeface="Cambria Math" panose="02040503050406030204" charset="0"/>
+                                  </a:rPr>
+                                  <m:t>(</m:t>
+                                </m:r>
+                                <m:r>
+                                  <a:rPr lang="en-US" altLang="zh-CN" sz="1200" i="1">
+                                    <a:latin typeface="Cambria Math" panose="02040503050406030204" charset="0"/>
+                                    <a:cs typeface="Cambria Math" panose="02040503050406030204" charset="0"/>
+                                  </a:rPr>
+                                  <m:t>𝜙</m:t>
+                                </m:r>
+                                <m:r>
+                                  <a:rPr lang="en-US" sz="1200" i="1">
+                                    <a:latin typeface="Cambria Math" panose="02040503050406030204" charset="0"/>
+                                  </a:rPr>
+                                  <m:t>)</m:t>
+                                </m:r>
+                                <m:r>
+                                  <a:rPr lang="en-US" sz="1200" i="1">
+                                    <a:latin typeface="Cambria Math" panose="02040503050406030204" charset="0"/>
+                                  </a:rPr>
+                                  <m:t>𝑡</m:t>
+                                </m:r>
+                                <m:r>
+                                  <a:rPr lang="en-US" sz="1200" i="1">
+                                    <a:latin typeface="Cambria Math" panose="02040503050406030204" charset="0"/>
+                                  </a:rPr>
+                                  <m:t>(</m:t>
+                                </m:r>
+                                <m:r>
+                                  <a:rPr lang="en-US" altLang="zh-CN" sz="1200" i="1">
+                                    <a:latin typeface="Cambria Math" panose="02040503050406030204" charset="0"/>
+                                    <a:cs typeface="Cambria Math" panose="02040503050406030204" charset="0"/>
+                                  </a:rPr>
+                                  <m:t>𝜃</m:t>
+                                </m:r>
+                                <m:r>
+                                  <a:rPr lang="en-US" sz="1200" i="1">
+                                    <a:latin typeface="Cambria Math" panose="02040503050406030204" charset="0"/>
+                                  </a:rPr>
+                                  <m:t>)</m:t>
+                                </m:r>
+                                <m:r>
+                                  <a:rPr lang="en-US" altLang="zh-CN" sz="1200" i="1">
+                                    <a:latin typeface="Cambria Math" panose="02040503050406030204" charset="0"/>
+                                    <a:cs typeface="Cambria Math" panose="02040503050406030204" charset="0"/>
+                                  </a:rPr>
+                                  <m:t>𝑇</m:t>
+                                </m:r>
+                              </m:e>
+                              <m:e>
+                                <m:r>
+                                  <a:rPr lang="en-US" altLang="zh-CN" sz="1200" i="1">
+                                    <a:latin typeface="Cambria Math" panose="02040503050406030204" charset="0"/>
+                                    <a:cs typeface="Cambria Math" panose="02040503050406030204" charset="0"/>
+                                  </a:rPr>
+                                  <m:t>0</m:t>
+                                </m:r>
+                              </m:e>
+                              <m:e>
+                                <m:r>
+                                  <a:rPr lang="en-US" altLang="zh-CN" sz="1200" i="1">
+                                    <a:latin typeface="Cambria Math" panose="02040503050406030204" charset="0"/>
+                                    <a:cs typeface="Cambria Math" panose="02040503050406030204" charset="0"/>
+                                  </a:rPr>
+                                  <m:t>0</m:t>
+                                </m:r>
+                              </m:e>
+                              <m:e>
+                                <m:r>
+                                  <a:rPr lang="en-US" altLang="zh-CN" sz="1200" i="1">
+                                    <a:latin typeface="Cambria Math" panose="02040503050406030204" charset="0"/>
+                                    <a:cs typeface="Cambria Math" panose="02040503050406030204" charset="0"/>
+                                  </a:rPr>
+                                  <m:t>0</m:t>
+                                </m:r>
+                              </m:e>
+                            </m:mr>
+                            <m:mr>
+                              <m:e>
+                                <m:r>
+                                  <a:rPr lang="en-US" altLang="zh-CN" sz="1200" i="1">
+                                    <a:latin typeface="Cambria Math" panose="02040503050406030204" charset="0"/>
+                                    <a:cs typeface="Cambria Math" panose="02040503050406030204" charset="0"/>
+                                  </a:rPr>
+                                  <m:t>0</m:t>
+                                </m:r>
+                              </m:e>
+                              <m:e>
+                                <m:r>
+                                  <a:rPr lang="en-US" altLang="zh-CN" sz="1200" i="1">
+                                    <a:latin typeface="Cambria Math" panose="02040503050406030204" charset="0"/>
+                                    <a:cs typeface="Cambria Math" panose="02040503050406030204" charset="0"/>
+                                  </a:rPr>
+                                  <m:t>0</m:t>
+                                </m:r>
+                              </m:e>
+                              <m:e>
+                                <m:r>
+                                  <a:rPr lang="en-US" altLang="zh-CN" sz="1200" i="1">
+                                    <a:latin typeface="Cambria Math" panose="02040503050406030204" charset="0"/>
+                                    <a:cs typeface="Cambria Math" panose="02040503050406030204" charset="0"/>
+                                  </a:rPr>
+                                  <m:t>0</m:t>
+                                </m:r>
+                              </m:e>
+                              <m:e>
+                                <m:r>
+                                  <a:rPr lang="en-US" altLang="zh-CN" sz="1200" i="1">
+                                    <a:latin typeface="Cambria Math" panose="02040503050406030204" charset="0"/>
+                                    <a:cs typeface="Cambria Math" panose="02040503050406030204" charset="0"/>
+                                  </a:rPr>
+                                  <m:t>0</m:t>
+                                </m:r>
+                              </m:e>
+                              <m:e>
+                                <m:r>
+                                  <a:rPr lang="en-US" altLang="zh-CN" sz="1200" i="1">
+                                    <a:latin typeface="Cambria Math" panose="02040503050406030204" charset="0"/>
+                                    <a:cs typeface="Cambria Math" panose="02040503050406030204" charset="0"/>
+                                  </a:rPr>
+                                  <m:t>1</m:t>
+                                </m:r>
+                              </m:e>
+                              <m:e>
+                                <m:r>
+                                  <a:rPr lang="en-US" altLang="zh-CN" sz="1200" i="1">
+                                    <a:latin typeface="Cambria Math" panose="02040503050406030204" charset="0"/>
+                                    <a:cs typeface="Cambria Math" panose="02040503050406030204" charset="0"/>
+                                  </a:rPr>
+                                  <m:t>0</m:t>
+                                </m:r>
+                              </m:e>
+                              <m:e>
+                                <m:r>
+                                  <a:rPr lang="en-US" altLang="zh-CN" sz="1200" i="1">
+                                    <a:latin typeface="Cambria Math" panose="02040503050406030204" charset="0"/>
+                                    <a:cs typeface="Cambria Math" panose="02040503050406030204" charset="0"/>
+                                  </a:rPr>
+                                  <m:t>0</m:t>
+                                </m:r>
+                              </m:e>
+                              <m:e>
+                                <m:r>
+                                  <a:rPr lang="en-US" altLang="zh-CN" sz="1200" i="1">
+                                    <a:latin typeface="Cambria Math" panose="02040503050406030204" charset="0"/>
+                                    <a:cs typeface="Cambria Math" panose="02040503050406030204" charset="0"/>
+                                  </a:rPr>
+                                  <m:t>0</m:t>
+                                </m:r>
+                              </m:e>
+                              <m:e>
+                                <m:r>
+                                  <a:rPr lang="en-US" altLang="zh-CN" sz="1200" i="1">
+                                    <a:latin typeface="Cambria Math" panose="02040503050406030204" charset="0"/>
+                                    <a:cs typeface="Cambria Math" panose="02040503050406030204" charset="0"/>
+                                  </a:rPr>
+                                  <m:t>0</m:t>
+                                </m:r>
+                              </m:e>
+                              <m:e>
+                                <m:r>
+                                  <a:rPr lang="en-US" altLang="zh-CN" sz="1200" i="1">
+                                    <a:latin typeface="Cambria Math" panose="02040503050406030204" charset="0"/>
+                                    <a:cs typeface="Cambria Math" panose="02040503050406030204" charset="0"/>
+                                  </a:rPr>
+                                  <m:t>0</m:t>
+                                </m:r>
+                              </m:e>
+                              <m:e>
+                                <m:r>
+                                  <a:rPr lang="en-US" sz="1200" i="1">
+                                    <a:latin typeface="Cambria Math" panose="02040503050406030204" charset="0"/>
+                                  </a:rPr>
+                                  <m:t>𝑐</m:t>
+                                </m:r>
+                                <m:r>
+                                  <a:rPr lang="en-US" sz="1200" i="1">
+                                    <a:latin typeface="Cambria Math" panose="02040503050406030204" charset="0"/>
+                                  </a:rPr>
+                                  <m:t>(</m:t>
+                                </m:r>
+                                <m:r>
+                                  <a:rPr lang="en-US" altLang="zh-CN" sz="1200" i="1">
+                                    <a:latin typeface="Cambria Math" panose="02040503050406030204" charset="0"/>
+                                    <a:cs typeface="Cambria Math" panose="02040503050406030204" charset="0"/>
+                                  </a:rPr>
+                                  <m:t>𝜙</m:t>
+                                </m:r>
+                                <m:r>
+                                  <a:rPr lang="en-US" sz="1200" i="1">
+                                    <a:latin typeface="Cambria Math" panose="02040503050406030204" charset="0"/>
+                                  </a:rPr>
+                                  <m:t>)</m:t>
+                                </m:r>
+                                <m:r>
+                                  <a:rPr lang="en-US" altLang="zh-CN" sz="1200" i="1">
+                                    <a:latin typeface="Cambria Math" panose="02040503050406030204" charset="0"/>
+                                    <a:cs typeface="Cambria Math" panose="02040503050406030204" charset="0"/>
+                                  </a:rPr>
+                                  <m:t>𝑇</m:t>
+                                </m:r>
+                              </m:e>
+                              <m:e>
+                                <m:r>
+                                  <a:rPr lang="en-US" sz="1200" i="1">
+                                    <a:latin typeface="Cambria Math" panose="02040503050406030204" charset="0"/>
+                                  </a:rPr>
+                                  <m:t>−</m:t>
+                                </m:r>
+                                <m:r>
+                                  <a:rPr lang="en-US" sz="1200" i="1">
+                                    <a:latin typeface="Cambria Math" panose="02040503050406030204" charset="0"/>
+                                  </a:rPr>
+                                  <m:t>𝑠</m:t>
+                                </m:r>
+                                <m:r>
+                                  <a:rPr lang="en-US" sz="1200" i="1">
+                                    <a:latin typeface="Cambria Math" panose="02040503050406030204" charset="0"/>
+                                  </a:rPr>
+                                  <m:t>(</m:t>
+                                </m:r>
+                                <m:r>
+                                  <a:rPr lang="en-US" altLang="zh-CN" sz="1200" i="1">
+                                    <a:latin typeface="Cambria Math" panose="02040503050406030204" charset="0"/>
+                                    <a:cs typeface="Cambria Math" panose="02040503050406030204" charset="0"/>
+                                  </a:rPr>
+                                  <m:t>𝜙</m:t>
+                                </m:r>
+                                <m:r>
+                                  <a:rPr lang="en-US" sz="1200" i="1">
+                                    <a:latin typeface="Cambria Math" panose="02040503050406030204" charset="0"/>
+                                  </a:rPr>
+                                  <m:t>)</m:t>
+                                </m:r>
+                                <m:r>
+                                  <a:rPr lang="en-US" altLang="zh-CN" sz="1200" i="1">
+                                    <a:latin typeface="Cambria Math" panose="02040503050406030204" charset="0"/>
+                                    <a:cs typeface="Cambria Math" panose="02040503050406030204" charset="0"/>
+                                  </a:rPr>
+                                  <m:t>𝑇</m:t>
+                                </m:r>
+                              </m:e>
+                              <m:e>
+                                <m:r>
+                                  <a:rPr lang="en-US" altLang="zh-CN" sz="1200" i="1">
+                                    <a:latin typeface="Cambria Math" panose="02040503050406030204" charset="0"/>
+                                    <a:cs typeface="Cambria Math" panose="02040503050406030204" charset="0"/>
+                                  </a:rPr>
+                                  <m:t>0</m:t>
+                                </m:r>
+                              </m:e>
+                              <m:e>
+                                <m:r>
+                                  <a:rPr lang="en-US" altLang="zh-CN" sz="1200" i="1">
+                                    <a:latin typeface="Cambria Math" panose="02040503050406030204" charset="0"/>
+                                    <a:cs typeface="Cambria Math" panose="02040503050406030204" charset="0"/>
+                                  </a:rPr>
+                                  <m:t>0</m:t>
+                                </m:r>
+                              </m:e>
+                              <m:e>
+                                <m:r>
+                                  <a:rPr lang="en-US" altLang="zh-CN" sz="1200" i="1">
+                                    <a:latin typeface="Cambria Math" panose="02040503050406030204" charset="0"/>
+                                    <a:cs typeface="Cambria Math" panose="02040503050406030204" charset="0"/>
+                                  </a:rPr>
+                                  <m:t>0</m:t>
+                                </m:r>
+                              </m:e>
+                            </m:mr>
+                            <m:mr>
+                              <m:e>
+                                <m:r>
+                                  <a:rPr lang="en-US" altLang="zh-CN" sz="1200" i="1">
+                                    <a:latin typeface="Cambria Math" panose="02040503050406030204" charset="0"/>
+                                    <a:cs typeface="Cambria Math" panose="02040503050406030204" charset="0"/>
+                                  </a:rPr>
+                                  <m:t>0</m:t>
+                                </m:r>
+                              </m:e>
+                              <m:e>
+                                <m:r>
+                                  <a:rPr lang="en-US" altLang="zh-CN" sz="1200" i="1">
+                                    <a:latin typeface="Cambria Math" panose="02040503050406030204" charset="0"/>
+                                    <a:cs typeface="Cambria Math" panose="02040503050406030204" charset="0"/>
+                                  </a:rPr>
+                                  <m:t>0</m:t>
+                                </m:r>
+                              </m:e>
+                              <m:e>
+                                <m:r>
+                                  <a:rPr lang="en-US" altLang="zh-CN" sz="1200" i="1">
+                                    <a:latin typeface="Cambria Math" panose="02040503050406030204" charset="0"/>
+                                    <a:cs typeface="Cambria Math" panose="02040503050406030204" charset="0"/>
+                                  </a:rPr>
+                                  <m:t>0</m:t>
+                                </m:r>
+                              </m:e>
+                              <m:e>
+                                <m:r>
+                                  <a:rPr lang="en-US" altLang="zh-CN" sz="1200" i="1">
+                                    <a:latin typeface="Cambria Math" panose="02040503050406030204" charset="0"/>
+                                    <a:cs typeface="Cambria Math" panose="02040503050406030204" charset="0"/>
+                                  </a:rPr>
+                                  <m:t>0</m:t>
+                                </m:r>
+                              </m:e>
+                              <m:e>
+                                <m:r>
+                                  <a:rPr lang="en-US" altLang="zh-CN" sz="1200" i="1">
+                                    <a:latin typeface="Cambria Math" panose="02040503050406030204" charset="0"/>
+                                    <a:cs typeface="Cambria Math" panose="02040503050406030204" charset="0"/>
+                                  </a:rPr>
+                                  <m:t>0</m:t>
+                                </m:r>
+                              </m:e>
+                              <m:e>
+                                <m:r>
+                                  <a:rPr lang="en-US" altLang="zh-CN" sz="1200" i="1">
+                                    <a:latin typeface="Cambria Math" panose="02040503050406030204" charset="0"/>
+                                    <a:cs typeface="Cambria Math" panose="02040503050406030204" charset="0"/>
+                                  </a:rPr>
+                                  <m:t>1</m:t>
+                                </m:r>
+                              </m:e>
+                              <m:e>
+                                <m:r>
+                                  <a:rPr lang="en-US" altLang="zh-CN" sz="1200" i="1">
+                                    <a:latin typeface="Cambria Math" panose="02040503050406030204" charset="0"/>
+                                    <a:cs typeface="Cambria Math" panose="02040503050406030204" charset="0"/>
+                                  </a:rPr>
+                                  <m:t>0</m:t>
+                                </m:r>
+                              </m:e>
+                              <m:e>
+                                <m:r>
+                                  <a:rPr lang="en-US" altLang="zh-CN" sz="1200" i="1">
+                                    <a:latin typeface="Cambria Math" panose="02040503050406030204" charset="0"/>
+                                    <a:cs typeface="Cambria Math" panose="02040503050406030204" charset="0"/>
+                                  </a:rPr>
+                                  <m:t>0</m:t>
+                                </m:r>
+                              </m:e>
+                              <m:e>
+                                <m:r>
+                                  <a:rPr lang="en-US" altLang="zh-CN" sz="1200" i="1">
+                                    <a:latin typeface="Cambria Math" panose="02040503050406030204" charset="0"/>
+                                    <a:cs typeface="Cambria Math" panose="02040503050406030204" charset="0"/>
+                                  </a:rPr>
+                                  <m:t>0</m:t>
+                                </m:r>
+                              </m:e>
+                              <m:e>
+                                <m:r>
+                                  <a:rPr lang="en-US" altLang="zh-CN" sz="1200" i="1">
+                                    <a:latin typeface="Cambria Math" panose="02040503050406030204" charset="0"/>
+                                    <a:cs typeface="Cambria Math" panose="02040503050406030204" charset="0"/>
+                                  </a:rPr>
+                                  <m:t>0</m:t>
+                                </m:r>
+                              </m:e>
+                              <m:e>
+                                <m:r>
+                                  <a:rPr lang="en-US" sz="1200" i="1">
+                                    <a:latin typeface="Cambria Math" panose="02040503050406030204" charset="0"/>
+                                  </a:rPr>
+                                  <m:t>𝑠</m:t>
+                                </m:r>
+                                <m:r>
+                                  <a:rPr lang="en-US" sz="1200" i="1">
+                                    <a:latin typeface="Cambria Math" panose="02040503050406030204" charset="0"/>
+                                  </a:rPr>
+                                  <m:t>(</m:t>
+                                </m:r>
+                                <m:r>
+                                  <a:rPr lang="en-US" altLang="zh-CN" sz="1200" i="1">
+                                    <a:latin typeface="Cambria Math" panose="02040503050406030204" charset="0"/>
+                                    <a:cs typeface="Cambria Math" panose="02040503050406030204" charset="0"/>
+                                  </a:rPr>
+                                  <m:t>𝜙</m:t>
+                                </m:r>
+                                <m:r>
+                                  <a:rPr lang="en-US" sz="1200" i="1">
+                                    <a:latin typeface="Cambria Math" panose="02040503050406030204" charset="0"/>
+                                  </a:rPr>
+                                  <m:t>)/</m:t>
+                                </m:r>
+                                <m:r>
+                                  <a:rPr lang="en-US" altLang="zh-CN" sz="1200" i="1">
+                                    <a:latin typeface="Cambria Math" panose="02040503050406030204" charset="0"/>
+                                    <a:cs typeface="Cambria Math" panose="02040503050406030204" charset="0"/>
+                                  </a:rPr>
+                                  <m:t>𝑐</m:t>
+                                </m:r>
+                                <m:r>
+                                  <a:rPr lang="en-US" altLang="zh-CN" sz="1200" i="1">
+                                    <a:latin typeface="Cambria Math" panose="02040503050406030204" charset="0"/>
+                                    <a:cs typeface="Cambria Math" panose="02040503050406030204" charset="0"/>
+                                  </a:rPr>
+                                  <m:t>(</m:t>
+                                </m:r>
+                                <m:r>
+                                  <a:rPr lang="en-US" altLang="zh-CN" sz="1200" i="1">
+                                    <a:latin typeface="Cambria Math" panose="02040503050406030204" charset="0"/>
+                                    <a:cs typeface="Cambria Math" panose="02040503050406030204" charset="0"/>
+                                  </a:rPr>
+                                  <m:t>𝜃</m:t>
+                                </m:r>
+                                <m:r>
+                                  <a:rPr lang="en-US" altLang="zh-CN" sz="1200" i="1">
+                                    <a:latin typeface="Cambria Math" panose="02040503050406030204" charset="0"/>
+                                    <a:cs typeface="Cambria Math" panose="02040503050406030204" charset="0"/>
+                                  </a:rPr>
+                                  <m:t>)</m:t>
+                                </m:r>
+                                <m:r>
+                                  <a:rPr lang="en-US" altLang="zh-CN" sz="1200" i="1">
+                                    <a:latin typeface="Cambria Math" panose="02040503050406030204" charset="0"/>
+                                    <a:cs typeface="Cambria Math" panose="02040503050406030204" charset="0"/>
+                                  </a:rPr>
+                                  <m:t>𝑇</m:t>
+                                </m:r>
+                              </m:e>
+                              <m:e>
+                                <m:r>
+                                  <a:rPr lang="en-US" sz="1200" i="1">
+                                    <a:latin typeface="Cambria Math" panose="02040503050406030204" charset="0"/>
+                                  </a:rPr>
+                                  <m:t>𝑐</m:t>
+                                </m:r>
+                                <m:r>
+                                  <a:rPr lang="en-US" sz="1200" i="1">
+                                    <a:latin typeface="Cambria Math" panose="02040503050406030204" charset="0"/>
+                                  </a:rPr>
+                                  <m:t>(</m:t>
+                                </m:r>
+                                <m:r>
+                                  <a:rPr lang="en-US" altLang="zh-CN" sz="1200" i="1">
+                                    <a:latin typeface="Cambria Math" panose="02040503050406030204" charset="0"/>
+                                    <a:cs typeface="Cambria Math" panose="02040503050406030204" charset="0"/>
+                                  </a:rPr>
+                                  <m:t>𝜙</m:t>
+                                </m:r>
+                                <m:r>
+                                  <a:rPr lang="en-US" sz="1200" i="1">
+                                    <a:latin typeface="Cambria Math" panose="02040503050406030204" charset="0"/>
+                                  </a:rPr>
+                                  <m:t>)/</m:t>
+                                </m:r>
+                                <m:r>
+                                  <a:rPr lang="en-US" altLang="zh-CN" sz="1200" i="1">
+                                    <a:latin typeface="Cambria Math" panose="02040503050406030204" charset="0"/>
+                                    <a:cs typeface="Cambria Math" panose="02040503050406030204" charset="0"/>
+                                  </a:rPr>
+                                  <m:t>𝑐</m:t>
+                                </m:r>
+                                <m:r>
+                                  <a:rPr lang="en-US" altLang="zh-CN" sz="1200" i="1">
+                                    <a:latin typeface="Cambria Math" panose="02040503050406030204" charset="0"/>
+                                    <a:cs typeface="Cambria Math" panose="02040503050406030204" charset="0"/>
+                                  </a:rPr>
+                                  <m:t>(</m:t>
+                                </m:r>
+                                <m:r>
+                                  <a:rPr lang="en-US" altLang="zh-CN" sz="1200" i="1">
+                                    <a:latin typeface="Cambria Math" panose="02040503050406030204" charset="0"/>
+                                    <a:cs typeface="Cambria Math" panose="02040503050406030204" charset="0"/>
+                                  </a:rPr>
+                                  <m:t>𝜃</m:t>
+                                </m:r>
+                                <m:r>
+                                  <a:rPr lang="en-US" altLang="zh-CN" sz="1200" i="1">
+                                    <a:latin typeface="Cambria Math" panose="02040503050406030204" charset="0"/>
+                                    <a:cs typeface="Cambria Math" panose="02040503050406030204" charset="0"/>
+                                  </a:rPr>
+                                  <m:t>)</m:t>
+                                </m:r>
+                                <m:r>
+                                  <a:rPr lang="en-US" altLang="zh-CN" sz="1200" i="1">
+                                    <a:latin typeface="Cambria Math" panose="02040503050406030204" charset="0"/>
+                                    <a:cs typeface="Cambria Math" panose="02040503050406030204" charset="0"/>
+                                  </a:rPr>
+                                  <m:t>𝑇</m:t>
+                                </m:r>
+                              </m:e>
+                              <m:e>
+                                <m:r>
+                                  <a:rPr lang="en-US" altLang="zh-CN" sz="1200" i="1">
+                                    <a:latin typeface="Cambria Math" panose="02040503050406030204" charset="0"/>
+                                    <a:cs typeface="Cambria Math" panose="02040503050406030204" charset="0"/>
+                                  </a:rPr>
+                                  <m:t>0</m:t>
+                                </m:r>
+                              </m:e>
+                              <m:e>
+                                <m:r>
+                                  <a:rPr lang="en-US" altLang="zh-CN" sz="1200" i="1">
+                                    <a:latin typeface="Cambria Math" panose="02040503050406030204" charset="0"/>
+                                    <a:cs typeface="Cambria Math" panose="02040503050406030204" charset="0"/>
+                                  </a:rPr>
+                                  <m:t>0</m:t>
+                                </m:r>
+                              </m:e>
+                              <m:e>
+                                <m:r>
+                                  <a:rPr lang="en-US" altLang="zh-CN" sz="1200" i="1">
+                                    <a:latin typeface="Cambria Math" panose="02040503050406030204" charset="0"/>
+                                    <a:cs typeface="Cambria Math" panose="02040503050406030204" charset="0"/>
+                                  </a:rPr>
+                                  <m:t>0</m:t>
+                                </m:r>
+                              </m:e>
+                            </m:mr>
+                            <m:mr>
+                              <m:e/>
+                              <m:e/>
+                              <m:e/>
+                              <m:e/>
+                              <m:e/>
+                              <m:e/>
+                              <m:e>
+                                <m:r>
+                                  <a:rPr lang="en-US" altLang="zh-CN" sz="1200" i="1">
+                                    <a:latin typeface="Cambria Math" panose="02040503050406030204" charset="0"/>
+                                    <a:cs typeface="Cambria Math" panose="02040503050406030204" charset="0"/>
+                                  </a:rPr>
+                                  <m:t>1</m:t>
+                                </m:r>
+                              </m:e>
+                              <m:e/>
+                              <m:e/>
+                              <m:e/>
+                              <m:e/>
+                              <m:e/>
+                              <m:e>
+                                <m:r>
+                                  <a:rPr lang="en-US" altLang="zh-CN" sz="1200" i="1">
+                                    <a:latin typeface="Cambria Math" panose="02040503050406030204" charset="0"/>
+                                    <a:cs typeface="Cambria Math" panose="02040503050406030204" charset="0"/>
+                                  </a:rPr>
+                                  <m:t>𝑇</m:t>
+                                </m:r>
+                              </m:e>
+                              <m:e/>
+                              <m:e/>
+                            </m:mr>
+                            <m:mr>
+                              <m:e/>
+                              <m:e/>
+                              <m:e/>
+                              <m:e/>
+                              <m:e/>
+                              <m:e/>
+                              <m:e/>
+                              <m:e>
+                                <m:r>
+                                  <a:rPr lang="en-US" altLang="zh-CN" sz="1200" i="1">
+                                    <a:latin typeface="Cambria Math" panose="02040503050406030204" charset="0"/>
+                                    <a:cs typeface="Cambria Math" panose="02040503050406030204" charset="0"/>
+                                  </a:rPr>
+                                  <m:t>1</m:t>
+                                </m:r>
+                              </m:e>
+                              <m:e/>
+                              <m:e/>
+                              <m:e/>
+                              <m:e/>
+                              <m:e/>
+                              <m:e>
+                                <m:r>
+                                  <a:rPr lang="en-US" altLang="zh-CN" sz="1200" i="1">
+                                    <a:latin typeface="Cambria Math" panose="02040503050406030204" charset="0"/>
+                                    <a:cs typeface="Cambria Math" panose="02040503050406030204" charset="0"/>
+                                  </a:rPr>
+                                  <m:t>𝑇</m:t>
+                                </m:r>
+                              </m:e>
+                              <m:e/>
+                            </m:mr>
+                            <m:mr>
+                              <m:e/>
+                              <m:e/>
+                              <m:e/>
+                              <m:e/>
+                              <m:e/>
+                              <m:e/>
+                              <m:e/>
+                              <m:e/>
+                              <m:e>
+                                <m:r>
+                                  <a:rPr lang="en-US" altLang="zh-CN" sz="1200" i="1">
+                                    <a:latin typeface="Cambria Math" panose="02040503050406030204" charset="0"/>
+                                    <a:cs typeface="Cambria Math" panose="02040503050406030204" charset="0"/>
+                                  </a:rPr>
+                                  <m:t>1</m:t>
+                                </m:r>
+                              </m:e>
+                              <m:e/>
+                              <m:e/>
+                              <m:e/>
+                              <m:e/>
+                              <m:e/>
+                              <m:e>
+                                <m:r>
+                                  <a:rPr lang="en-US" altLang="zh-CN" sz="1200" i="1">
+                                    <a:latin typeface="Cambria Math" panose="02040503050406030204" charset="0"/>
+                                    <a:cs typeface="Cambria Math" panose="02040503050406030204" charset="0"/>
+                                  </a:rPr>
+                                  <m:t>𝑇</m:t>
+                                </m:r>
+                              </m:e>
+                            </m:mr>
+                            <m:mr>
+                              <m:e/>
+                              <m:e/>
+                              <m:e/>
+                              <m:e/>
+                              <m:e/>
+                              <m:e/>
+                              <m:e/>
+                              <m:e/>
+                              <m:e/>
+                              <m:e>
+                                <m:r>
+                                  <a:rPr lang="en-US" altLang="zh-CN" sz="1200" i="1">
+                                    <a:latin typeface="Cambria Math" panose="02040503050406030204" charset="0"/>
+                                    <a:cs typeface="Cambria Math" panose="02040503050406030204" charset="0"/>
+                                  </a:rPr>
+                                  <m:t>1</m:t>
+                                </m:r>
+                              </m:e>
+                              <m:e/>
+                              <m:e/>
+                              <m:e/>
+                              <m:e/>
+                              <m:e/>
+                            </m:mr>
+                            <m:mr>
+                              <m:e/>
+                              <m:e/>
+                              <m:e/>
+                              <m:e/>
+                              <m:e/>
+                              <m:e/>
+                              <m:e/>
+                              <m:e/>
+                              <m:e/>
+                              <m:e/>
+                              <m:e>
+                                <m:r>
+                                  <a:rPr lang="en-US" altLang="zh-CN" sz="1200" i="1">
+                                    <a:latin typeface="Cambria Math" panose="02040503050406030204" charset="0"/>
+                                    <a:cs typeface="Cambria Math" panose="02040503050406030204" charset="0"/>
+                                  </a:rPr>
+                                  <m:t>1</m:t>
+                                </m:r>
+                              </m:e>
+                              <m:e/>
+                              <m:e/>
+                              <m:e/>
+                              <m:e/>
+                            </m:mr>
+                            <m:mr>
+                              <m:e/>
+                              <m:e/>
+                              <m:e/>
+                              <m:e/>
+                              <m:e/>
+                              <m:e/>
+                              <m:e/>
+                              <m:e/>
+                              <m:e/>
+                              <m:e/>
+                              <m:e/>
+                              <m:e>
+                                <m:r>
+                                  <a:rPr lang="en-US" altLang="zh-CN" sz="1200" i="1">
+                                    <a:latin typeface="Cambria Math" panose="02040503050406030204" charset="0"/>
+                                    <a:cs typeface="Cambria Math" panose="02040503050406030204" charset="0"/>
+                                  </a:rPr>
+                                  <m:t>1</m:t>
+                                </m:r>
+                              </m:e>
+                              <m:e/>
+                              <m:e/>
+                              <m:e/>
+                            </m:mr>
+                            <m:mr>
+                              <m:e/>
+                              <m:e/>
+                              <m:e/>
+                              <m:e/>
+                              <m:e/>
+                              <m:e/>
+                              <m:e/>
+                              <m:e/>
+                              <m:e/>
+                              <m:e/>
+                              <m:e/>
+                              <m:e/>
+                              <m:e>
+                                <m:r>
+                                  <a:rPr lang="en-US" altLang="zh-CN" sz="1200" i="1">
+                                    <a:latin typeface="Cambria Math" panose="02040503050406030204" charset="0"/>
+                                    <a:cs typeface="Cambria Math" panose="02040503050406030204" charset="0"/>
+                                  </a:rPr>
+                                  <m:t>1</m:t>
+                                </m:r>
+                              </m:e>
+                              <m:e/>
+                              <m:e/>
+                            </m:mr>
+                            <m:mr>
+                              <m:e/>
+                              <m:e/>
+                              <m:e/>
+                              <m:e/>
+                              <m:e/>
+                              <m:e/>
+                              <m:e/>
+                              <m:e/>
+                              <m:e/>
+                              <m:e/>
+                              <m:e/>
+                              <m:e/>
+                              <m:e/>
+                              <m:e>
+                                <m:r>
+                                  <a:rPr lang="en-US" altLang="zh-CN" sz="1200" i="1">
+                                    <a:latin typeface="Cambria Math" panose="02040503050406030204" charset="0"/>
+                                    <a:cs typeface="Cambria Math" panose="02040503050406030204" charset="0"/>
+                                  </a:rPr>
+                                  <m:t>1</m:t>
+                                </m:r>
+                              </m:e>
+                              <m:e/>
+                            </m:mr>
+                            <m:mr>
+                              <m:e/>
+                              <m:e/>
+                              <m:e/>
+                              <m:e/>
+                              <m:e/>
+                              <m:e/>
+                              <m:e/>
+                              <m:e/>
+                              <m:e/>
+                              <m:e/>
+                              <m:e/>
+                              <m:e/>
+                              <m:e/>
+                              <m:e/>
+                              <m:e>
+                                <m:r>
+                                  <a:rPr lang="en-US" altLang="zh-CN" sz="1200" i="1">
+                                    <a:latin typeface="Cambria Math" panose="02040503050406030204" charset="0"/>
+                                    <a:cs typeface="Cambria Math" panose="02040503050406030204" charset="0"/>
+                                  </a:rPr>
+                                  <m:t>1</m:t>
+                                </m:r>
+                              </m:e>
+                            </m:mr>
+                          </m:m>
+                        </m:e>
+                      </m:d>
+                      <m:d>
+                        <m:dPr>
+                          <m:begChr m:val="["/>
+                          <m:endChr m:val="]"/>
+                          <m:ctrlPr>
+                            <a:rPr lang="en-US" altLang="zh-CN" sz="1200" b="1" i="1">
+                              <a:latin typeface="Cambria Math" panose="02040503050406030204" charset="0"/>
+                              <a:cs typeface="Cambria Math" panose="02040503050406030204" charset="0"/>
+                            </a:rPr>
+                          </m:ctrlPr>
+                        </m:dPr>
+                        <m:e>
+                          <m:m>
+                            <m:mPr>
+                              <m:mcs>
+                                <m:mc>
+                                  <m:mcPr>
+                                    <m:count m:val="1"/>
+                                    <m:mcJc m:val="center"/>
+                                  </m:mcPr>
+                                </m:mc>
+                              </m:mcs>
+                              <m:ctrlPr>
+                                <a:rPr lang="en-US" altLang="zh-CN" sz="1200" i="1">
+                                  <a:latin typeface="Cambria Math" panose="02040503050406030204" charset="0"/>
+                                  <a:cs typeface="Cambria Math" panose="02040503050406030204" charset="0"/>
+                                </a:rPr>
+                              </m:ctrlPr>
+                            </m:mPr>
+                            <m:mr>
+                              <m:e>
+                                <m:r>
+                                  <a:rPr lang="en-US" altLang="zh-CN" sz="1200" i="1">
+                                    <a:latin typeface="Cambria Math" panose="02040503050406030204" charset="0"/>
+                                    <a:cs typeface="Cambria Math" panose="02040503050406030204" charset="0"/>
+                                  </a:rPr>
+                                  <m:t>𝑥</m:t>
+                                </m:r>
+                              </m:e>
+                            </m:mr>
+                            <m:mr>
+                              <m:e>
+                                <m:r>
+                                  <a:rPr lang="en-US" altLang="zh-CN" sz="1200" i="1">
+                                    <a:latin typeface="Cambria Math" panose="02040503050406030204" charset="0"/>
+                                    <a:cs typeface="Cambria Math" panose="02040503050406030204" charset="0"/>
+                                  </a:rPr>
+                                  <m:t>𝑦</m:t>
+                                </m:r>
+                              </m:e>
+                            </m:mr>
+                            <m:mr>
+                              <m:e>
+                                <m:r>
+                                  <a:rPr lang="en-US" altLang="zh-CN" sz="1200" i="1">
+                                    <a:latin typeface="Cambria Math" panose="02040503050406030204" charset="0"/>
+                                    <a:cs typeface="Cambria Math" panose="02040503050406030204" charset="0"/>
+                                  </a:rPr>
+                                  <m:t>𝑧</m:t>
+                                </m:r>
+                              </m:e>
+                            </m:mr>
+                            <m:mr>
+                              <m:e>
+                                <m:r>
+                                  <a:rPr lang="en-US" altLang="zh-CN" sz="1200" i="1">
+                                    <a:latin typeface="Cambria Math" panose="02040503050406030204" charset="0"/>
+                                    <a:cs typeface="Cambria Math" panose="02040503050406030204" charset="0"/>
+                                  </a:rPr>
+                                  <m:t>𝜙</m:t>
+                                </m:r>
+                              </m:e>
+                            </m:mr>
+                            <m:mr>
+                              <m:e>
+                                <m:r>
+                                  <a:rPr lang="en-US" altLang="zh-CN" sz="1200" i="1">
+                                    <a:latin typeface="Cambria Math" panose="02040503050406030204" charset="0"/>
+                                    <a:cs typeface="Cambria Math" panose="02040503050406030204" charset="0"/>
+                                  </a:rPr>
+                                  <m:t>𝜃</m:t>
+                                </m:r>
+                              </m:e>
+                            </m:mr>
+                            <m:mr>
+                              <m:e>
+                                <m:r>
+                                  <a:rPr lang="en-US" altLang="zh-CN" sz="1200" i="1">
+                                    <a:latin typeface="Cambria Math" panose="02040503050406030204" charset="0"/>
+                                    <a:cs typeface="Cambria Math" panose="02040503050406030204" charset="0"/>
+                                  </a:rPr>
+                                  <m:t>𝜓</m:t>
+                                </m:r>
+                              </m:e>
+                            </m:mr>
+                            <m:mr>
+                              <m:e>
+                                <m:sSub>
+                                  <m:sSubPr>
+                                    <m:ctrlPr>
+                                      <a:rPr lang="en-US" altLang="zh-CN" sz="1200" i="1">
+                                        <a:latin typeface="Cambria Math" panose="02040503050406030204" charset="0"/>
+                                        <a:cs typeface="Cambria Math" panose="02040503050406030204" charset="0"/>
+                                      </a:rPr>
+                                    </m:ctrlPr>
+                                  </m:sSubPr>
+                                  <m:e>
+                                    <m:r>
+                                      <a:rPr lang="en-US" altLang="zh-CN" sz="1200" i="1">
+                                        <a:latin typeface="Cambria Math" panose="02040503050406030204" charset="0"/>
+                                        <a:cs typeface="Cambria Math" panose="02040503050406030204" charset="0"/>
+                                      </a:rPr>
+                                      <m:t>𝑣</m:t>
+                                    </m:r>
+                                  </m:e>
+                                  <m:sub>
+                                    <m:r>
+                                      <a:rPr lang="en-US" altLang="zh-CN" sz="1200" i="1">
+                                        <a:latin typeface="Cambria Math" panose="02040503050406030204" charset="0"/>
+                                        <a:cs typeface="Cambria Math" panose="02040503050406030204" charset="0"/>
+                                      </a:rPr>
+                                      <m:t>𝑥</m:t>
+                                    </m:r>
+                                  </m:sub>
+                                </m:sSub>
+                              </m:e>
+                            </m:mr>
+                            <m:mr>
+                              <m:e>
+                                <m:sSub>
+                                  <m:sSubPr>
+                                    <m:ctrlPr>
+                                      <a:rPr lang="en-US" altLang="zh-CN" sz="1200" i="1">
+                                        <a:latin typeface="Cambria Math" panose="02040503050406030204" charset="0"/>
+                                        <a:cs typeface="Cambria Math" panose="02040503050406030204" charset="0"/>
+                                      </a:rPr>
+                                    </m:ctrlPr>
+                                  </m:sSubPr>
+                                  <m:e>
+                                    <m:r>
+                                      <a:rPr lang="en-US" altLang="zh-CN" sz="1200" i="1">
+                                        <a:latin typeface="Cambria Math" panose="02040503050406030204" charset="0"/>
+                                        <a:cs typeface="Cambria Math" panose="02040503050406030204" charset="0"/>
+                                      </a:rPr>
+                                      <m:t>𝑣</m:t>
+                                    </m:r>
+                                  </m:e>
+                                  <m:sub>
+                                    <m:r>
+                                      <a:rPr lang="en-US" altLang="zh-CN" sz="1200" i="1">
+                                        <a:latin typeface="Cambria Math" panose="02040503050406030204" charset="0"/>
+                                        <a:cs typeface="Cambria Math" panose="02040503050406030204" charset="0"/>
+                                      </a:rPr>
+                                      <m:t>𝑦</m:t>
+                                    </m:r>
+                                  </m:sub>
+                                </m:sSub>
+                              </m:e>
+                            </m:mr>
+                            <m:mr>
+                              <m:e>
+                                <m:sSub>
+                                  <m:sSubPr>
+                                    <m:ctrlPr>
+                                      <a:rPr lang="en-US" altLang="zh-CN" sz="1200" i="1">
+                                        <a:latin typeface="Cambria Math" panose="02040503050406030204" charset="0"/>
+                                        <a:cs typeface="Cambria Math" panose="02040503050406030204" charset="0"/>
+                                      </a:rPr>
+                                    </m:ctrlPr>
+                                  </m:sSubPr>
+                                  <m:e>
+                                    <m:r>
+                                      <a:rPr lang="en-US" altLang="zh-CN" sz="1200" i="1">
+                                        <a:latin typeface="Cambria Math" panose="02040503050406030204" charset="0"/>
+                                        <a:cs typeface="Cambria Math" panose="02040503050406030204" charset="0"/>
+                                      </a:rPr>
+                                      <m:t>𝑣</m:t>
+                                    </m:r>
+                                  </m:e>
+                                  <m:sub>
+                                    <m:r>
+                                      <a:rPr lang="en-US" altLang="zh-CN" sz="1200" i="1">
+                                        <a:latin typeface="Cambria Math" panose="02040503050406030204" charset="0"/>
+                                        <a:cs typeface="Cambria Math" panose="02040503050406030204" charset="0"/>
+                                      </a:rPr>
+                                      <m:t>𝑧</m:t>
+                                    </m:r>
+                                  </m:sub>
+                                </m:sSub>
+                              </m:e>
+                            </m:mr>
+                            <m:mr>
+                              <m:e>
+                                <m:sSub>
+                                  <m:sSubPr>
+                                    <m:ctrlPr>
+                                      <a:rPr lang="en-US" altLang="zh-CN" sz="1200" i="1">
+                                        <a:latin typeface="Cambria Math" panose="02040503050406030204" charset="0"/>
+                                        <a:cs typeface="Cambria Math" panose="02040503050406030204" charset="0"/>
+                                      </a:rPr>
+                                    </m:ctrlPr>
+                                  </m:sSubPr>
+                                  <m:e>
+                                    <m:r>
+                                      <a:rPr lang="en-US" altLang="zh-CN" sz="1200" i="1">
+                                        <a:latin typeface="Cambria Math" panose="02040503050406030204" charset="0"/>
+                                        <a:cs typeface="Cambria Math" panose="02040503050406030204" charset="0"/>
+                                      </a:rPr>
+                                      <m:t>𝑔</m:t>
+                                    </m:r>
+                                  </m:e>
+                                  <m:sub>
+                                    <m:r>
+                                      <a:rPr lang="en-US" altLang="zh-CN" sz="1200" i="1">
+                                        <a:latin typeface="Cambria Math" panose="02040503050406030204" charset="0"/>
+                                        <a:cs typeface="Cambria Math" panose="02040503050406030204" charset="0"/>
+                                      </a:rPr>
+                                      <m:t>𝑥</m:t>
+                                    </m:r>
+                                  </m:sub>
+                                </m:sSub>
+                              </m:e>
+                            </m:mr>
+                            <m:mr>
+                              <m:e>
+                                <m:sSub>
+                                  <m:sSubPr>
+                                    <m:ctrlPr>
+                                      <a:rPr lang="en-US" altLang="zh-CN" sz="1200" i="1">
+                                        <a:latin typeface="Cambria Math" panose="02040503050406030204" charset="0"/>
+                                        <a:cs typeface="Cambria Math" panose="02040503050406030204" charset="0"/>
+                                      </a:rPr>
+                                    </m:ctrlPr>
+                                  </m:sSubPr>
+                                  <m:e>
+                                    <m:r>
+                                      <a:rPr lang="en-US" altLang="zh-CN" sz="1200" i="1">
+                                        <a:latin typeface="Cambria Math" panose="02040503050406030204" charset="0"/>
+                                        <a:cs typeface="Cambria Math" panose="02040503050406030204" charset="0"/>
+                                      </a:rPr>
+                                      <m:t>𝑔</m:t>
+                                    </m:r>
+                                  </m:e>
+                                  <m:sub>
+                                    <m:r>
+                                      <a:rPr lang="en-US" altLang="zh-CN" sz="1200" i="1">
+                                        <a:latin typeface="Cambria Math" panose="02040503050406030204" charset="0"/>
+                                        <a:cs typeface="Cambria Math" panose="02040503050406030204" charset="0"/>
+                                      </a:rPr>
+                                      <m:t>𝑦</m:t>
+                                    </m:r>
+                                  </m:sub>
+                                </m:sSub>
+                              </m:e>
+                            </m:mr>
+                            <m:mr>
+                              <m:e>
+                                <m:sSub>
+                                  <m:sSubPr>
+                                    <m:ctrlPr>
+                                      <a:rPr lang="en-US" altLang="zh-CN" sz="1200" i="1">
+                                        <a:latin typeface="Cambria Math" panose="02040503050406030204" charset="0"/>
+                                        <a:cs typeface="Cambria Math" panose="02040503050406030204" charset="0"/>
+                                      </a:rPr>
+                                    </m:ctrlPr>
+                                  </m:sSubPr>
+                                  <m:e>
+                                    <m:r>
+                                      <a:rPr lang="en-US" altLang="zh-CN" sz="1200" i="1">
+                                        <a:latin typeface="Cambria Math" panose="02040503050406030204" charset="0"/>
+                                        <a:cs typeface="Cambria Math" panose="02040503050406030204" charset="0"/>
+                                      </a:rPr>
+                                      <m:t>𝑔</m:t>
+                                    </m:r>
+                                  </m:e>
+                                  <m:sub>
+                                    <m:r>
+                                      <a:rPr lang="en-US" altLang="zh-CN" sz="1200" i="1">
+                                        <a:latin typeface="Cambria Math" panose="02040503050406030204" charset="0"/>
+                                        <a:cs typeface="Cambria Math" panose="02040503050406030204" charset="0"/>
+                                      </a:rPr>
+                                      <m:t>𝑧</m:t>
+                                    </m:r>
+                                  </m:sub>
+                                </m:sSub>
+                              </m:e>
+                            </m:mr>
+                            <m:mr>
+                              <m:e>
+                                <m:sSub>
+                                  <m:sSubPr>
+                                    <m:ctrlPr>
+                                      <a:rPr lang="en-US" altLang="zh-CN" sz="1200" i="1">
+                                        <a:latin typeface="Cambria Math" panose="02040503050406030204" charset="0"/>
+                                        <a:cs typeface="Cambria Math" panose="02040503050406030204" charset="0"/>
+                                      </a:rPr>
+                                    </m:ctrlPr>
+                                  </m:sSubPr>
+                                  <m:e>
+                                    <m:r>
+                                      <a:rPr lang="en-US" altLang="zh-CN" sz="1200" i="1">
+                                        <a:latin typeface="Cambria Math" panose="02040503050406030204" charset="0"/>
+                                        <a:cs typeface="Cambria Math" panose="02040503050406030204" charset="0"/>
+                                      </a:rPr>
+                                      <m:t>𝑎</m:t>
+                                    </m:r>
+                                  </m:e>
+                                  <m:sub>
+                                    <m:r>
+                                      <a:rPr lang="en-US" altLang="zh-CN" sz="1200" i="1">
+                                        <a:latin typeface="Cambria Math" panose="02040503050406030204" charset="0"/>
+                                        <a:cs typeface="Cambria Math" panose="02040503050406030204" charset="0"/>
+                                      </a:rPr>
+                                      <m:t>𝑥</m:t>
+                                    </m:r>
+                                  </m:sub>
+                                </m:sSub>
+                              </m:e>
+                            </m:mr>
+                            <m:mr>
+                              <m:e>
+                                <m:sSub>
+                                  <m:sSubPr>
+                                    <m:ctrlPr>
+                                      <a:rPr lang="en-US" altLang="zh-CN" sz="1200" i="1">
+                                        <a:latin typeface="Cambria Math" panose="02040503050406030204" charset="0"/>
+                                        <a:cs typeface="Cambria Math" panose="02040503050406030204" charset="0"/>
+                                      </a:rPr>
+                                    </m:ctrlPr>
+                                  </m:sSubPr>
+                                  <m:e>
+                                    <m:r>
+                                      <a:rPr lang="en-US" altLang="zh-CN" sz="1200" i="1">
+                                        <a:latin typeface="Cambria Math" panose="02040503050406030204" charset="0"/>
+                                        <a:cs typeface="Cambria Math" panose="02040503050406030204" charset="0"/>
+                                      </a:rPr>
+                                      <m:t>𝑎</m:t>
+                                    </m:r>
+                                  </m:e>
+                                  <m:sub>
+                                    <m:r>
+                                      <a:rPr lang="en-US" altLang="zh-CN" sz="1200" i="1">
+                                        <a:latin typeface="Cambria Math" panose="02040503050406030204" charset="0"/>
+                                        <a:cs typeface="Cambria Math" panose="02040503050406030204" charset="0"/>
+                                      </a:rPr>
+                                      <m:t>𝑦</m:t>
+                                    </m:r>
+                                  </m:sub>
+                                </m:sSub>
+                              </m:e>
+                            </m:mr>
+                            <m:mr>
+                              <m:e>
+                                <m:sSub>
+                                  <m:sSubPr>
+                                    <m:ctrlPr>
+                                      <a:rPr lang="en-US" altLang="zh-CN" sz="1200" i="1">
+                                        <a:latin typeface="Cambria Math" panose="02040503050406030204" charset="0"/>
+                                        <a:cs typeface="Cambria Math" panose="02040503050406030204" charset="0"/>
+                                      </a:rPr>
+                                    </m:ctrlPr>
+                                  </m:sSubPr>
+                                  <m:e>
+                                    <m:r>
+                                      <a:rPr lang="en-US" altLang="zh-CN" sz="1200" i="1">
+                                        <a:latin typeface="Cambria Math" panose="02040503050406030204" charset="0"/>
+                                        <a:cs typeface="Cambria Math" panose="02040503050406030204" charset="0"/>
+                                      </a:rPr>
+                                      <m:t>𝑎</m:t>
+                                    </m:r>
+                                  </m:e>
+                                  <m:sub>
+                                    <m:r>
+                                      <a:rPr lang="en-US" altLang="zh-CN" sz="1200" i="1">
+                                        <a:latin typeface="Cambria Math" panose="02040503050406030204" charset="0"/>
+                                        <a:cs typeface="Cambria Math" panose="02040503050406030204" charset="0"/>
+                                      </a:rPr>
+                                      <m:t>𝑧</m:t>
+                                    </m:r>
+                                  </m:sub>
+                                </m:sSub>
+                              </m:e>
+                            </m:mr>
+                          </m:m>
+                        </m:e>
+                      </m:d>
+                    </m:oMath>
+                  </m:oMathPara>
+                </a14:m>
+                <a:endParaRPr lang="en-US" altLang="zh-CN" sz="1200" b="1" i="1">
+                  <a:latin typeface="Cambria Math" panose="02040503050406030204" charset="0"/>
+                  <a:cs typeface="Cambria Math" panose="02040503050406030204" charset="0"/>
+                </a:endParaRPr>
+              </a:p>
+            </p:txBody>
+          </p:sp>
+        </mc:Choice>
+        <mc:Fallback>
+          <p:sp>
+            <p:nvSpPr>
+              <p:cNvPr id="6" name="文本框 5"/>
+              <p:cNvSpPr txBox="1">
+                <a:spLocks noRot="1" noChangeAspect="1" noMove="1" noResize="1" noEditPoints="1" noAdjustHandles="1" noChangeArrowheads="1" noChangeShapeType="1" noTextEdit="1"/>
+              </p:cNvSpPr>
+              <p:nvPr/>
+            </p:nvSpPr>
+            <p:spPr>
+              <a:xfrm>
+                <a:off x="142875" y="1312545"/>
+                <a:ext cx="11647805" cy="3971925"/>
+              </a:xfrm>
+              <a:prstGeom prst="rect">
+                <a:avLst/>
+              </a:prstGeom>
+              <a:blipFill rotWithShape="1">
+                <a:blip r:embed="rId1"/>
+                <a:stretch>
+                  <a:fillRect r="-1995"/>
+                </a:stretch>
+              </a:blipFill>
+            </p:spPr>
+            <p:txBody>
+              <a:bodyPr/>
+              <a:lstStyle/>
+              <a:p>
+                <a:r>
+                  <a:rPr lang="zh-CN" altLang="en-US">
+                    <a:noFill/>
+                  </a:rPr>
+                  <a:t> </a:t>
+                </a:r>
+              </a:p>
+            </p:txBody>
+          </p:sp>
+        </mc:Fallback>
+      </mc:AlternateContent>
+      <p:sp>
+        <p:nvSpPr>
+          <p:cNvPr id="4" name="文本框 3"/>
+          <p:cNvSpPr txBox="1"/>
+          <p:nvPr/>
+        </p:nvSpPr>
+        <p:spPr>
+          <a:xfrm>
+            <a:off x="374015" y="241300"/>
+            <a:ext cx="6330950" cy="368300"/>
+          </a:xfrm>
+          <a:prstGeom prst="rect">
+            <a:avLst/>
+          </a:prstGeom>
+          <a:noFill/>
+        </p:spPr>
+        <p:txBody>
+          <a:bodyPr wrap="square" rtlCol="0">
+            <a:spAutoFit/>
+          </a:bodyPr>
+          <a:p>
+            <a:r>
+              <a:rPr lang="zh-CN" altLang="en-US"/>
+              <a:t>假设刚体在</a:t>
+            </a:r>
+            <a:r>
+              <a:rPr lang="en-US" altLang="zh-CN"/>
+              <a:t>dt</a:t>
+            </a:r>
+            <a:r>
+              <a:rPr lang="zh-CN" altLang="en-US"/>
+              <a:t>时间内角速度</a:t>
+            </a:r>
+            <a:r>
+              <a:rPr lang="en-US" altLang="zh-CN"/>
+              <a:t>/</a:t>
+            </a:r>
+            <a:r>
+              <a:rPr lang="zh-CN" altLang="en-US"/>
+              <a:t>加速度不变，控制量</a:t>
+            </a:r>
+            <a:r>
+              <a:rPr lang="zh-CN" altLang="en-US"/>
+              <a:t>不变</a:t>
+            </a:r>
+            <a:endParaRPr lang="zh-CN" altLang="en-US"/>
+          </a:p>
+        </p:txBody>
+      </p:sp>
+    </p:spTree>
+  </p:cSld>
+  <p:clrMapOvr>
+    <a:masterClrMapping/>
+  </p:clrMapOvr>
+</p:sld>
+</file>
+
+<file path=ppt/slides/slide17.xml><?xml version="1.0" encoding="utf-8"?>
+<p:sld xmlns:a="http://schemas.openxmlformats.org/drawingml/2006/main" xmlns:r="http://schemas.openxmlformats.org/officeDocument/2006/relationships" xmlns:p="http://schemas.openxmlformats.org/presentationml/2006/main">
+  <p:cSld>
+    <p:spTree>
+      <p:nvGrpSpPr>
+        <p:cNvPr id="1" name=""/>
+        <p:cNvGrpSpPr/>
+        <p:nvPr/>
+      </p:nvGrpSpPr>
+      <p:grpSpPr/>
+      <p:sp>
+        <p:nvSpPr>
+          <p:cNvPr id="4" name="文本框 3"/>
+          <p:cNvSpPr txBox="1"/>
+          <p:nvPr/>
+        </p:nvSpPr>
+        <p:spPr>
+          <a:xfrm>
+            <a:off x="387350" y="215900"/>
+            <a:ext cx="4064000" cy="368300"/>
+          </a:xfrm>
+          <a:prstGeom prst="rect">
+            <a:avLst/>
+          </a:prstGeom>
+          <a:noFill/>
+        </p:spPr>
+        <p:txBody>
+          <a:bodyPr wrap="square" rtlCol="0">
+            <a:spAutoFit/>
+          </a:bodyPr>
+          <a:p>
+            <a:r>
+              <a:rPr lang="zh-CN" altLang="en-US"/>
+              <a:t>状态转移矩阵</a:t>
+            </a:r>
+            <a:r>
+              <a:rPr lang="zh-CN" altLang="en-US"/>
+              <a:t>线性化</a:t>
+            </a:r>
+            <a:endParaRPr lang="zh-CN" altLang="en-US"/>
+          </a:p>
+        </p:txBody>
+      </p:sp>
+      <mc:AlternateContent xmlns:mc="http://schemas.openxmlformats.org/markup-compatibility/2006">
+        <mc:Choice xmlns:a14="http://schemas.microsoft.com/office/drawing/2010/main" Requires="a14">
+          <p:sp>
+            <p:nvSpPr>
+              <p:cNvPr id="6" name="文本框 5"/>
+              <p:cNvSpPr txBox="1"/>
+              <p:nvPr/>
+            </p:nvSpPr>
+            <p:spPr>
+              <a:xfrm>
+                <a:off x="4835525" y="2081530"/>
+                <a:ext cx="2053590" cy="648970"/>
+              </a:xfrm>
+              <a:prstGeom prst="rect">
+                <a:avLst/>
+              </a:prstGeom>
+              <a:noFill/>
+            </p:spPr>
+            <p:txBody>
+              <a:bodyPr wrap="square" rtlCol="0">
+                <a:noAutofit/>
+              </a:bodyPr>
+              <a:p>
+                <a14:m>
+                  <m:oMathPara xmlns:m="http://schemas.openxmlformats.org/officeDocument/2006/math">
+                    <m:oMathParaPr>
+                      <m:jc m:val="centerGroup"/>
+                    </m:oMathParaPr>
+                    <m:oMath xmlns:m="http://schemas.openxmlformats.org/officeDocument/2006/math">
+                      <m:sSub>
+                        <m:sSubPr>
+                          <m:ctrlPr>
+                            <a:rPr lang="en-US" altLang="zh-CN" sz="1600" b="1" i="1">
+                              <a:latin typeface="Cambria Math" panose="02040503050406030204" charset="0"/>
+                              <a:cs typeface="Cambria Math" panose="02040503050406030204" charset="0"/>
+                            </a:rPr>
+                          </m:ctrlPr>
+                        </m:sSubPr>
+                        <m:e>
+                          <m:r>
+                            <a:rPr lang="en-US" altLang="zh-CN" sz="1600" b="1" i="1">
+                              <a:latin typeface="Cambria Math" panose="02040503050406030204" charset="0"/>
+                              <a:cs typeface="Cambria Math" panose="02040503050406030204" charset="0"/>
+                            </a:rPr>
+                            <m:t>𝑿</m:t>
+                          </m:r>
+                        </m:e>
+                        <m:sub>
+                          <m:r>
+                            <a:rPr lang="en-US" altLang="zh-CN" sz="1600" b="1" i="1">
+                              <a:latin typeface="Cambria Math" panose="02040503050406030204" charset="0"/>
+                              <a:cs typeface="Cambria Math" panose="02040503050406030204" charset="0"/>
+                            </a:rPr>
+                            <m:t>𝒌</m:t>
+                          </m:r>
+                        </m:sub>
+                      </m:sSub>
+                      <m:r>
+                        <a:rPr lang="en-US" altLang="zh-CN" sz="1600" b="1" i="1">
+                          <a:latin typeface="Cambria Math" panose="02040503050406030204" charset="0"/>
+                          <a:cs typeface="Cambria Math" panose="02040503050406030204" charset="0"/>
+                        </a:rPr>
+                        <m:t>≈</m:t>
+                      </m:r>
+                      <m:r>
+                        <a:rPr lang="en-US" altLang="zh-CN" sz="1600" b="1" i="1">
+                          <a:latin typeface="Cambria Math" panose="02040503050406030204" charset="0"/>
+                          <a:cs typeface="Cambria Math" panose="02040503050406030204" charset="0"/>
+                        </a:rPr>
+                        <m:t>𝑱</m:t>
+                      </m:r>
+                      <m:d>
+                        <m:dPr>
+                          <m:begChr m:val="["/>
+                          <m:endChr m:val="]"/>
+                          <m:ctrlPr>
+                            <a:rPr lang="en-US" altLang="zh-CN" sz="1600" b="1" i="1">
+                              <a:latin typeface="Cambria Math" panose="02040503050406030204" charset="0"/>
+                              <a:cs typeface="Cambria Math" panose="02040503050406030204" charset="0"/>
+                            </a:rPr>
+                          </m:ctrlPr>
+                        </m:dPr>
+                        <m:e>
+                          <m:m>
+                            <m:mPr>
+                              <m:mcs>
+                                <m:mc>
+                                  <m:mcPr>
+                                    <m:count m:val="1"/>
+                                    <m:mcJc m:val="center"/>
+                                  </m:mcPr>
+                                </m:mc>
+                              </m:mcs>
+                              <m:ctrlPr>
+                                <a:rPr lang="en-US" altLang="zh-CN" sz="1600" b="1" i="1">
+                                  <a:latin typeface="Cambria Math" panose="02040503050406030204" charset="0"/>
+                                  <a:cs typeface="Cambria Math" panose="02040503050406030204" charset="0"/>
+                                </a:rPr>
+                              </m:ctrlPr>
+                            </m:mPr>
+                            <m:mr>
+                              <m:e>
+                                <m:sSub>
+                                  <m:sSubPr>
+                                    <m:ctrlPr>
+                                      <a:rPr lang="en-US" altLang="zh-CN" sz="1600" b="1" i="1">
+                                        <a:latin typeface="Cambria Math" panose="02040503050406030204" charset="0"/>
+                                        <a:cs typeface="Cambria Math" panose="02040503050406030204" charset="0"/>
+                                      </a:rPr>
+                                    </m:ctrlPr>
+                                  </m:sSubPr>
+                                  <m:e>
+                                    <m:r>
+                                      <a:rPr lang="en-US" altLang="zh-CN" sz="1600" b="1" i="1">
+                                        <a:latin typeface="Cambria Math" panose="02040503050406030204" charset="0"/>
+                                        <a:cs typeface="Cambria Math" panose="02040503050406030204" charset="0"/>
+                                      </a:rPr>
+                                      <m:t>𝑿</m:t>
+                                    </m:r>
+                                  </m:e>
+                                  <m:sub>
+                                    <m:r>
+                                      <a:rPr lang="en-US" altLang="zh-CN" sz="1600" b="1" i="1">
+                                        <a:latin typeface="Cambria Math" panose="02040503050406030204" charset="0"/>
+                                        <a:cs typeface="Cambria Math" panose="02040503050406030204" charset="0"/>
+                                      </a:rPr>
+                                      <m:t>𝒌</m:t>
+                                    </m:r>
+                                    <m:r>
+                                      <a:rPr lang="en-US" altLang="zh-CN" sz="1600" b="1" i="1">
+                                        <a:latin typeface="Cambria Math" panose="02040503050406030204" charset="0"/>
+                                        <a:cs typeface="Cambria Math" panose="02040503050406030204" charset="0"/>
+                                      </a:rPr>
+                                      <m:t>−</m:t>
+                                    </m:r>
+                                    <m:r>
+                                      <a:rPr lang="en-US" altLang="zh-CN" sz="1600" b="1" i="1">
+                                        <a:latin typeface="Cambria Math" panose="02040503050406030204" charset="0"/>
+                                        <a:cs typeface="Cambria Math" panose="02040503050406030204" charset="0"/>
+                                      </a:rPr>
+                                      <m:t>𝟏</m:t>
+                                    </m:r>
+                                  </m:sub>
+                                </m:sSub>
+                              </m:e>
+                            </m:mr>
+                            <m:mr>
+                              <m:e>
+                                <m:sSub>
+                                  <m:sSubPr>
+                                    <m:ctrlPr>
+                                      <a:rPr lang="en-US" altLang="zh-CN" sz="1600" b="1" i="1">
+                                        <a:latin typeface="Cambria Math" panose="02040503050406030204" charset="0"/>
+                                        <a:cs typeface="Cambria Math" panose="02040503050406030204" charset="0"/>
+                                      </a:rPr>
+                                    </m:ctrlPr>
+                                  </m:sSubPr>
+                                  <m:e>
+                                    <m:r>
+                                      <a:rPr lang="en-US" altLang="zh-CN" sz="1600" b="1" i="1">
+                                        <a:latin typeface="Cambria Math" panose="02040503050406030204" charset="0"/>
+                                        <a:cs typeface="Cambria Math" panose="02040503050406030204" charset="0"/>
+                                      </a:rPr>
+                                      <m:t>𝒖</m:t>
+                                    </m:r>
+                                  </m:e>
+                                  <m:sub>
+                                    <m:r>
+                                      <a:rPr lang="en-US" altLang="zh-CN" sz="1600" b="1" i="1">
+                                        <a:latin typeface="Cambria Math" panose="02040503050406030204" charset="0"/>
+                                        <a:cs typeface="Cambria Math" panose="02040503050406030204" charset="0"/>
+                                      </a:rPr>
+                                      <m:t>𝒌</m:t>
+                                    </m:r>
+                                    <m:r>
+                                      <a:rPr lang="en-US" altLang="zh-CN" sz="1600" b="1" i="1">
+                                        <a:latin typeface="Cambria Math" panose="02040503050406030204" charset="0"/>
+                                        <a:cs typeface="Cambria Math" panose="02040503050406030204" charset="0"/>
+                                      </a:rPr>
+                                      <m:t>−</m:t>
+                                    </m:r>
+                                    <m:r>
+                                      <a:rPr lang="en-US" altLang="zh-CN" sz="1600" b="1" i="1">
+                                        <a:latin typeface="Cambria Math" panose="02040503050406030204" charset="0"/>
+                                        <a:cs typeface="Cambria Math" panose="02040503050406030204" charset="0"/>
+                                      </a:rPr>
+                                      <m:t>𝟏</m:t>
+                                    </m:r>
+                                  </m:sub>
+                                </m:sSub>
+                              </m:e>
+                            </m:mr>
+                          </m:m>
+                        </m:e>
+                      </m:d>
+                    </m:oMath>
+                  </m:oMathPara>
+                </a14:m>
+                <a:endParaRPr lang="en-US" altLang="zh-CN" sz="1600" b="1" i="1">
+                  <a:latin typeface="Cambria Math" panose="02040503050406030204" charset="0"/>
+                  <a:cs typeface="Cambria Math" panose="02040503050406030204" charset="0"/>
+                </a:endParaRPr>
+              </a:p>
+            </p:txBody>
+          </p:sp>
+        </mc:Choice>
+        <mc:Fallback>
+          <p:sp>
+            <p:nvSpPr>
+              <p:cNvPr id="6" name="文本框 5"/>
+              <p:cNvSpPr txBox="1">
+                <a:spLocks noRot="1" noChangeAspect="1" noMove="1" noResize="1" noEditPoints="1" noAdjustHandles="1" noChangeArrowheads="1" noChangeShapeType="1" noTextEdit="1"/>
+              </p:cNvSpPr>
+              <p:nvPr/>
+            </p:nvSpPr>
+            <p:spPr>
+              <a:xfrm>
+                <a:off x="4835525" y="2081530"/>
+                <a:ext cx="2053590" cy="648970"/>
+              </a:xfrm>
+              <a:prstGeom prst="rect">
+                <a:avLst/>
+              </a:prstGeom>
+              <a:blipFill rotWithShape="1">
+                <a:blip r:embed="rId1"/>
                 <a:stretch>
                   <a:fillRect/>
                 </a:stretch>
@@ -27746,4 +34098,263 @@
     </a:ext>
   </a:extLst>
 </a:theme>
+</file>
+
+<file path=ppt/theme/theme2.xml><?xml version="1.0" encoding="utf-8"?>
+<a:theme xmlns:a="http://schemas.openxmlformats.org/drawingml/2006/main" name="Office 主题">
+  <a:themeElements>
+    <a:clrScheme name="Office">
+      <a:dk1>
+        <a:sysClr val="windowText" lastClr="000000"/>
+      </a:dk1>
+      <a:lt1>
+        <a:sysClr val="window" lastClr="FFFFFF"/>
+      </a:lt1>
+      <a:dk2>
+        <a:srgbClr val="44546A"/>
+      </a:dk2>
+      <a:lt2>
+        <a:srgbClr val="E7E6E6"/>
+      </a:lt2>
+      <a:accent1>
+        <a:srgbClr val="5B9BD5"/>
+      </a:accent1>
+      <a:accent2>
+        <a:srgbClr val="ED7D31"/>
+      </a:accent2>
+      <a:accent3>
+        <a:srgbClr val="A5A5A5"/>
+      </a:accent3>
+      <a:accent4>
+        <a:srgbClr val="FFC000"/>
+      </a:accent4>
+      <a:accent5>
+        <a:srgbClr val="4472C4"/>
+      </a:accent5>
+      <a:accent6>
+        <a:srgbClr val="70AD47"/>
+      </a:accent6>
+      <a:hlink>
+        <a:srgbClr val="0563C1"/>
+      </a:hlink>
+      <a:folHlink>
+        <a:srgbClr val="954F72"/>
+      </a:folHlink>
+    </a:clrScheme>
+    <a:fontScheme name="Office">
+      <a:majorFont>
+        <a:latin typeface="Calibri Light"/>
+        <a:ea typeface=""/>
+        <a:cs typeface=""/>
+        <a:font script="Jpan" typeface="ＭＳ Ｐゴシック"/>
+        <a:font script="Hang" typeface="맑은 고딕"/>
+        <a:font script="Hans" typeface="宋体"/>
+        <a:font script="Hant" typeface="新細明體"/>
+        <a:font script="Arab" typeface="Times New Roman"/>
+        <a:font script="Hebr" typeface="Times New Roman"/>
+        <a:font script="Thai" typeface="Angsana New"/>
+        <a:font script="Ethi" typeface="Nyala"/>
+        <a:font script="Beng" typeface="Vrinda"/>
+        <a:font script="Gujr" typeface="Shruti"/>
+        <a:font script="Khmr" typeface="MoolBoran"/>
+        <a:font script="Knda" typeface="Tunga"/>
+        <a:font script="Guru" typeface="Raavi"/>
+        <a:font script="Cans" typeface="Euphemia"/>
+        <a:font script="Cher" typeface="Plantagenet Cherokee"/>
+        <a:font script="Yiii" typeface="Microsoft Yi Baiti"/>
+        <a:font script="Tibt" typeface="Microsoft Himalaya"/>
+        <a:font script="Thaa" typeface="MV Boli"/>
+        <a:font script="Deva" typeface="Mangal"/>
+        <a:font script="Telu" typeface="Gautami"/>
+        <a:font script="Taml" typeface="Latha"/>
+        <a:font script="Syrc" typeface="Estrangelo Edessa"/>
+        <a:font script="Orya" typeface="Kalinga"/>
+        <a:font script="Mlym" typeface="Kartika"/>
+        <a:font script="Laoo" typeface="DokChampa"/>
+        <a:font script="Sinh" typeface="Iskoola Pota"/>
+        <a:font script="Mong" typeface="Mongolian Baiti"/>
+        <a:font script="Viet" typeface="Times New Roman"/>
+        <a:font script="Uigh" typeface="Microsoft Uighur"/>
+        <a:font script="Geor" typeface="Sylfaen"/>
+      </a:majorFont>
+      <a:minorFont>
+        <a:latin typeface="Calibri"/>
+        <a:ea typeface=""/>
+        <a:cs typeface=""/>
+        <a:font script="Jpan" typeface="ＭＳ Ｐゴシック"/>
+        <a:font script="Hang" typeface="맑은 고딕"/>
+        <a:font script="Hans" typeface="宋体"/>
+        <a:font script="Hant" typeface="新細明體"/>
+        <a:font script="Arab" typeface="Arial"/>
+        <a:font script="Hebr" typeface="Arial"/>
+        <a:font script="Thai" typeface="Cordia New"/>
+        <a:font script="Ethi" typeface="Nyala"/>
+        <a:font script="Beng" typeface="Vrinda"/>
+        <a:font script="Gujr" typeface="Shruti"/>
+        <a:font script="Khmr" typeface="DaunPenh"/>
+        <a:font script="Knda" typeface="Tunga"/>
+        <a:font script="Guru" typeface="Raavi"/>
+        <a:font script="Cans" typeface="Euphemia"/>
+        <a:font script="Cher" typeface="Plantagenet Cherokee"/>
+        <a:font script="Yiii" typeface="Microsoft Yi Baiti"/>
+        <a:font script="Tibt" typeface="Microsoft Himalaya"/>
+        <a:font script="Thaa" typeface="MV Boli"/>
+        <a:font script="Deva" typeface="Mangal"/>
+        <a:font script="Telu" typeface="Gautami"/>
+        <a:font script="Taml" typeface="Latha"/>
+        <a:font script="Syrc" typeface="Estrangelo Edessa"/>
+        <a:font script="Orya" typeface="Kalinga"/>
+        <a:font script="Mlym" typeface="Kartika"/>
+        <a:font script="Laoo" typeface="DokChampa"/>
+        <a:font script="Sinh" typeface="Iskoola Pota"/>
+        <a:font script="Mong" typeface="Mongolian Baiti"/>
+        <a:font script="Viet" typeface="Arial"/>
+        <a:font script="Uigh" typeface="Microsoft Uighur"/>
+        <a:font script="Geor" typeface="Sylfaen"/>
+      </a:minorFont>
+    </a:fontScheme>
+    <a:fmtScheme name="Office">
+      <a:fillStyleLst>
+        <a:solidFill>
+          <a:schemeClr val="phClr"/>
+        </a:solidFill>
+        <a:gradFill rotWithShape="1">
+          <a:gsLst>
+            <a:gs pos="0">
+              <a:schemeClr val="phClr">
+                <a:lumMod val="110000"/>
+                <a:satMod val="105000"/>
+                <a:tint val="67000"/>
+              </a:schemeClr>
+            </a:gs>
+            <a:gs pos="50000">
+              <a:schemeClr val="phClr">
+                <a:lumMod val="105000"/>
+                <a:satMod val="103000"/>
+                <a:tint val="73000"/>
+              </a:schemeClr>
+            </a:gs>
+            <a:gs pos="100000">
+              <a:schemeClr val="phClr">
+                <a:lumMod val="105000"/>
+                <a:satMod val="109000"/>
+                <a:tint val="81000"/>
+              </a:schemeClr>
+            </a:gs>
+          </a:gsLst>
+          <a:lin ang="5400000" scaled="0"/>
+        </a:gradFill>
+        <a:gradFill rotWithShape="1">
+          <a:gsLst>
+            <a:gs pos="0">
+              <a:schemeClr val="phClr">
+                <a:satMod val="103000"/>
+                <a:lumMod val="102000"/>
+                <a:tint val="94000"/>
+              </a:schemeClr>
+            </a:gs>
+            <a:gs pos="50000">
+              <a:schemeClr val="phClr">
+                <a:satMod val="110000"/>
+                <a:lumMod val="100000"/>
+                <a:shade val="100000"/>
+              </a:schemeClr>
+            </a:gs>
+            <a:gs pos="100000">
+              <a:schemeClr val="phClr">
+                <a:lumMod val="99000"/>
+                <a:satMod val="120000"/>
+                <a:shade val="78000"/>
+              </a:schemeClr>
+            </a:gs>
+          </a:gsLst>
+          <a:lin ang="5400000" scaled="0"/>
+        </a:gradFill>
+      </a:fillStyleLst>
+      <a:lnStyleLst>
+        <a:ln w="6350" cap="flat" cmpd="sng" algn="ctr">
+          <a:solidFill>
+            <a:schemeClr val="phClr"/>
+          </a:solidFill>
+          <a:prstDash val="solid"/>
+          <a:miter lim="800000"/>
+        </a:ln>
+        <a:ln w="12700" cap="flat" cmpd="sng" algn="ctr">
+          <a:solidFill>
+            <a:schemeClr val="phClr"/>
+          </a:solidFill>
+          <a:prstDash val="solid"/>
+          <a:miter lim="800000"/>
+        </a:ln>
+        <a:ln w="19050" cap="flat" cmpd="sng" algn="ctr">
+          <a:solidFill>
+            <a:schemeClr val="phClr"/>
+          </a:solidFill>
+          <a:prstDash val="solid"/>
+          <a:miter lim="800000"/>
+        </a:ln>
+      </a:lnStyleLst>
+      <a:effectStyleLst>
+        <a:effectStyle>
+          <a:effectLst/>
+        </a:effectStyle>
+        <a:effectStyle>
+          <a:effectLst/>
+        </a:effectStyle>
+        <a:effectStyle>
+          <a:effectLst>
+            <a:outerShdw blurRad="57150" dist="19050" dir="5400000" algn="ctr" rotWithShape="0">
+              <a:srgbClr val="000000">
+                <a:alpha val="63000"/>
+              </a:srgbClr>
+            </a:outerShdw>
+          </a:effectLst>
+        </a:effectStyle>
+      </a:effectStyleLst>
+      <a:bgFillStyleLst>
+        <a:solidFill>
+          <a:schemeClr val="phClr"/>
+        </a:solidFill>
+        <a:solidFill>
+          <a:schemeClr val="phClr">
+            <a:tint val="95000"/>
+            <a:satMod val="170000"/>
+          </a:schemeClr>
+        </a:solidFill>
+        <a:gradFill rotWithShape="1">
+          <a:gsLst>
+            <a:gs pos="0">
+              <a:schemeClr val="phClr">
+                <a:tint val="93000"/>
+                <a:satMod val="150000"/>
+                <a:shade val="98000"/>
+                <a:lumMod val="102000"/>
+              </a:schemeClr>
+            </a:gs>
+            <a:gs pos="50000">
+              <a:schemeClr val="phClr">
+                <a:tint val="98000"/>
+                <a:satMod val="130000"/>
+                <a:shade val="90000"/>
+                <a:lumMod val="103000"/>
+              </a:schemeClr>
+            </a:gs>
+            <a:gs pos="100000">
+              <a:schemeClr val="phClr">
+                <a:shade val="63000"/>
+                <a:satMod val="120000"/>
+              </a:schemeClr>
+            </a:gs>
+          </a:gsLst>
+          <a:lin ang="5400000" scaled="0"/>
+        </a:gradFill>
+      </a:bgFillStyleLst>
+    </a:fmtScheme>
+  </a:themeElements>
+  <a:extLst>
+    <a:ext uri="{05A4C25C-085E-4340-85A3-A5531E510DB2}">
+      <thm15:themeFamily xmlns:thm15="http://schemas.microsoft.com/office/thememl/2012/main" name="Office Theme" id="{62F939B6-93AF-4DB8-9C6B-D6C7DFDC589F}" vid="{4A3C46E8-61CC-4603-A589-7422A47A8E4A}"/>
+    </a:ext>
+  </a:extLst>
+</a:theme>
 </file>
--- a/滤波.pptx
+++ b/滤波.pptx
@@ -126,12 +126,12 @@
   <p:extLst>
     <p:ext uri="{EFAFB233-063F-42B5-8137-9DF3F51BA10A}">
       <p15:sldGuideLst xmlns:p15="http://schemas.microsoft.com/office/powerpoint/2012/main">
-        <p15:guide id="1" orient="horz" pos="2213" userDrawn="1">
+        <p15:guide id="1" orient="horz" pos="2243" userDrawn="1">
           <p15:clr>
             <a:srgbClr val="A4A3A4"/>
           </p15:clr>
         </p15:guide>
-        <p15:guide id="2" pos="3830" userDrawn="1">
+        <p15:guide id="2" pos="3812" userDrawn="1">
           <p15:clr>
             <a:srgbClr val="A4A3A4"/>
           </p15:clr>
@@ -18489,6 +18489,31 @@
                 </a:endParaRPr>
               </a:p>
               <a:p>
+                <a14:m>
+                  <m:oMath xmlns:m="http://schemas.openxmlformats.org/officeDocument/2006/math">
+                    <m:r>
+                      <a:rPr lang="en-US" altLang="zh-CN" i="1">
+                        <a:latin typeface="Cambria Math" panose="02040503050406030204" charset="0"/>
+                        <a:cs typeface="Cambria Math" panose="02040503050406030204" charset="0"/>
+                      </a:rPr>
+                      <m:t>𝐻</m:t>
+                    </m:r>
+                  </m:oMath>
+                </a14:m>
+                <a:r>
+                  <a:rPr lang="zh-CN" altLang="en-US">
+                    <a:latin typeface="Cambria Math" panose="02040503050406030204" charset="0"/>
+                    <a:cs typeface="Cambria Math" panose="02040503050406030204" charset="0"/>
+                  </a:rPr>
+                  <a:t>：选择矩阵，必须是</a:t>
+                </a:r>
+                <a:r>
+                  <a:rPr lang="zh-CN" altLang="en-US">
+                    <a:latin typeface="Cambria Math" panose="02040503050406030204" charset="0"/>
+                    <a:cs typeface="Cambria Math" panose="02040503050406030204" charset="0"/>
+                  </a:rPr>
+                  <a:t>方阵</a:t>
+                </a:r>
                 <a:endParaRPr lang="zh-CN" altLang="en-US">
                   <a:latin typeface="Cambria Math" panose="02040503050406030204" charset="0"/>
                   <a:cs typeface="Cambria Math" panose="02040503050406030204" charset="0"/>
@@ -33586,7 +33611,7 @@
             <p:spPr>
               <a:xfrm>
                 <a:off x="7473950" y="1078230"/>
-                <a:ext cx="4064000" cy="1198880"/>
+                <a:ext cx="4064000" cy="1476375"/>
               </a:xfrm>
               <a:prstGeom prst="rect">
                 <a:avLst/>
@@ -33736,7 +33761,7 @@
               <a:p>
                 <a:r>
                   <a:rPr lang="zh-CN" altLang="en-US"/>
-                  <a:t>测量误差协方差矩阵：</a:t>
+                  <a:t>先验误差协方差矩阵：</a:t>
                 </a:r>
                 <a14:m>
                   <m:oMath xmlns:m="http://schemas.openxmlformats.org/officeDocument/2006/math">
@@ -33746,6 +33771,30 @@
                         <a:cs typeface="Cambria Math" panose="02040503050406030204" charset="0"/>
                       </a:rPr>
                       <m:t>𝑄</m:t>
+                    </m:r>
+                  </m:oMath>
+                </a14:m>
+                <a:endParaRPr lang="en-US" altLang="zh-CN" i="1">
+                  <a:latin typeface="Cambria Math" panose="02040503050406030204" charset="0"/>
+                  <a:cs typeface="Cambria Math" panose="02040503050406030204" charset="0"/>
+                </a:endParaRPr>
+              </a:p>
+              <a:p>
+                <a:r>
+                  <a:rPr lang="zh-CN" altLang="en-US"/>
+                  <a:t>测量误差协方差矩阵：</a:t>
+                </a:r>
+                <a14:m>
+                  <m:oMath xmlns:m="http://schemas.openxmlformats.org/officeDocument/2006/math">
+                    <m:r>
+                      <a:rPr lang="en-US" altLang="zh-CN" i="1">
+                        <a:solidFill>
+                          <a:schemeClr val="tx1"/>
+                        </a:solidFill>
+                        <a:latin typeface="Cambria Math" panose="02040503050406030204" charset="0"/>
+                        <a:cs typeface="Cambria Math" panose="02040503050406030204" charset="0"/>
+                      </a:rPr>
+                      <m:t>𝑅</m:t>
                     </m:r>
                   </m:oMath>
                 </a14:m>
@@ -33766,7 +33815,7 @@
             <p:spPr>
               <a:xfrm>
                 <a:off x="7473950" y="1078230"/>
-                <a:ext cx="4064000" cy="1198880"/>
+                <a:ext cx="4064000" cy="1476375"/>
               </a:xfrm>
               <a:prstGeom prst="rect">
                 <a:avLst/>

--- a/滤波.pptx
+++ b/滤波.pptx
@@ -5,7 +5,7 @@
     <p:sldMasterId id="2147483648" r:id="rId1"/>
   </p:sldMasterIdLst>
   <p:notesMasterIdLst>
-    <p:notesMasterId r:id="rId18"/>
+    <p:notesMasterId r:id="rId11"/>
   </p:notesMasterIdLst>
   <p:sldIdLst>
     <p:sldId id="256" r:id="rId3"/>
@@ -16,13 +16,13 @@
     <p:sldId id="275" r:id="rId8"/>
     <p:sldId id="278" r:id="rId9"/>
     <p:sldId id="276" r:id="rId10"/>
-    <p:sldId id="279" r:id="rId11"/>
-    <p:sldId id="280" r:id="rId12"/>
-    <p:sldId id="281" r:id="rId13"/>
-    <p:sldId id="282" r:id="rId14"/>
-    <p:sldId id="283" r:id="rId15"/>
-    <p:sldId id="284" r:id="rId16"/>
-    <p:sldId id="285" r:id="rId17"/>
+    <p:sldId id="279" r:id="rId12"/>
+    <p:sldId id="280" r:id="rId13"/>
+    <p:sldId id="281" r:id="rId14"/>
+    <p:sldId id="282" r:id="rId15"/>
+    <p:sldId id="283" r:id="rId16"/>
+    <p:sldId id="284" r:id="rId17"/>
+    <p:sldId id="285" r:id="rId18"/>
     <p:sldId id="286" r:id="rId19"/>
     <p:sldId id="287" r:id="rId20"/>
   </p:sldIdLst>
@@ -490,6 +490,54 @@
 </file>
 
 <file path=ppt/notesSlides/notesSlide1.xml><?xml version="1.0" encoding="utf-8"?>
+<p:notes xmlns:a="http://schemas.openxmlformats.org/drawingml/2006/main" xmlns:r="http://schemas.openxmlformats.org/officeDocument/2006/relationships" xmlns:p="http://schemas.openxmlformats.org/presentationml/2006/main">
+  <p:cSld>
+    <p:spTree>
+      <p:nvGrpSpPr>
+        <p:cNvPr id="1" name=""/>
+        <p:cNvGrpSpPr/>
+        <p:nvPr/>
+      </p:nvGrpSpPr>
+      <p:grpSpPr/>
+      <p:sp>
+        <p:nvSpPr>
+          <p:cNvPr id="2" name="幻灯片图像占位符 1"/>
+          <p:cNvSpPr>
+            <a:spLocks noGrp="1"/>
+          </p:cNvSpPr>
+          <p:nvPr>
+            <p:ph type="sldImg" idx="2"/>
+          </p:nvPr>
+        </p:nvSpPr>
+        <p:spPr/>
+      </p:sp>
+      <p:sp>
+        <p:nvSpPr>
+          <p:cNvPr id="3" name="文本占位符 2"/>
+          <p:cNvSpPr>
+            <a:spLocks noGrp="1"/>
+          </p:cNvSpPr>
+          <p:nvPr>
+            <p:ph type="body" idx="3"/>
+          </p:nvPr>
+        </p:nvSpPr>
+        <p:spPr/>
+        <p:txBody>
+          <a:bodyPr/>
+          <a:p>
+            <a:endParaRPr lang="zh-CN" altLang="en-US"/>
+          </a:p>
+        </p:txBody>
+      </p:sp>
+    </p:spTree>
+  </p:cSld>
+  <p:clrMapOvr>
+    <a:masterClrMapping/>
+  </p:clrMapOvr>
+</p:notes>
+</file>
+
+<file path=ppt/notesSlides/notesSlide2.xml><?xml version="1.0" encoding="utf-8"?>
 <p:notes xmlns:a="http://schemas.openxmlformats.org/drawingml/2006/main" xmlns:r="http://schemas.openxmlformats.org/officeDocument/2006/relationships" xmlns:p="http://schemas.openxmlformats.org/presentationml/2006/main">
   <p:cSld>
     <p:spTree>
@@ -3411,13 +3459,7 @@
             </a:r>
             <a:r>
               <a:rPr lang="zh-CN" altLang="en-US"/>
-              <a:t>、系统的状态转移模型和观测模型是线性的，</a:t>
-            </a:r>
-            <a:r>
-              <a:rPr lang="zh-CN" altLang="en-US">
-                <a:sym typeface="+mn-ea"/>
-              </a:rPr>
-              <a:t>系统状态转移模型准确</a:t>
+              <a:t>、系统的状态转移模型和观测模型是线性的</a:t>
             </a:r>
             <a:endParaRPr lang="zh-CN" altLang="en-US"/>
           </a:p>
@@ -3452,14 +3494,6 @@
             <a:endParaRPr lang="zh-CN" altLang="en-US"/>
           </a:p>
           <a:p>
-            <a:r>
-              <a:rPr lang="en-US" altLang="zh-CN"/>
-              <a:t>4</a:t>
-            </a:r>
-            <a:r>
-              <a:rPr lang="zh-CN" altLang="en-US"/>
-              <a:t>、</a:t>
-            </a:r>
             <a:endParaRPr lang="zh-CN" altLang="en-US"/>
           </a:p>
         </p:txBody>
@@ -11625,7 +11659,7 @@
             <p:spPr>
               <a:xfrm>
                 <a:off x="505460" y="930275"/>
-                <a:ext cx="10159365" cy="1184910"/>
+                <a:ext cx="10159365" cy="1275715"/>
               </a:xfrm>
               <a:prstGeom prst="rect">
                 <a:avLst/>
@@ -11691,7 +11725,7 @@
                                   <m:mcs>
                                     <m:mc>
                                       <m:mcPr>
-                                        <m:count m:val="21"/>
+                                        <m:count m:val="15"/>
                                         <m:mcJc m:val="center"/>
                                       </m:mcPr>
                                     </m:mc>
@@ -12028,186 +12062,6 @@
                                       </m:sub>
                                     </m:sSub>
                                   </m:e>
-                                  <m:e>
-                                    <m:sSub>
-                                      <m:sSubPr>
-                                        <m:ctrlPr>
-                                          <a:rPr lang="en-US" altLang="zh-CN" i="1">
-                                            <a:latin typeface="Cambria Math" panose="02040503050406030204" charset="0"/>
-                                            <a:cs typeface="Cambria Math" panose="02040503050406030204" charset="0"/>
-                                          </a:rPr>
-                                        </m:ctrlPr>
-                                      </m:sSubPr>
-                                      <m:e>
-                                        <m:r>
-                                          <a:rPr lang="en-US" altLang="zh-CN" i="1">
-                                            <a:latin typeface="Cambria Math" panose="02040503050406030204" charset="0"/>
-                                            <a:cs typeface="Cambria Math" panose="02040503050406030204" charset="0"/>
-                                          </a:rPr>
-                                          <m:t>𝐺</m:t>
-                                        </m:r>
-                                      </m:e>
-                                      <m:sub>
-                                        <m:r>
-                                          <a:rPr lang="en-US" altLang="zh-CN" i="1">
-                                            <a:latin typeface="Cambria Math" panose="02040503050406030204" charset="0"/>
-                                            <a:cs typeface="Cambria Math" panose="02040503050406030204" charset="0"/>
-                                          </a:rPr>
-                                          <m:t>𝑥</m:t>
-                                        </m:r>
-                                      </m:sub>
-                                    </m:sSub>
-                                  </m:e>
-                                  <m:e>
-                                    <m:sSub>
-                                      <m:sSubPr>
-                                        <m:ctrlPr>
-                                          <a:rPr lang="en-US" altLang="zh-CN" i="1">
-                                            <a:latin typeface="Cambria Math" panose="02040503050406030204" charset="0"/>
-                                            <a:cs typeface="Cambria Math" panose="02040503050406030204" charset="0"/>
-                                          </a:rPr>
-                                        </m:ctrlPr>
-                                      </m:sSubPr>
-                                      <m:e>
-                                        <m:r>
-                                          <a:rPr lang="en-US" altLang="zh-CN" i="1">
-                                            <a:latin typeface="Cambria Math" panose="02040503050406030204" charset="0"/>
-                                            <a:cs typeface="Cambria Math" panose="02040503050406030204" charset="0"/>
-                                          </a:rPr>
-                                          <m:t>𝐺</m:t>
-                                        </m:r>
-                                      </m:e>
-                                      <m:sub>
-                                        <m:r>
-                                          <a:rPr lang="en-US" altLang="zh-CN" i="1">
-                                            <a:latin typeface="Cambria Math" panose="02040503050406030204" charset="0"/>
-                                            <a:cs typeface="Cambria Math" panose="02040503050406030204" charset="0"/>
-                                          </a:rPr>
-                                          <m:t>𝑦</m:t>
-                                        </m:r>
-                                      </m:sub>
-                                    </m:sSub>
-                                  </m:e>
-                                  <m:e>
-                                    <m:sSub>
-                                      <m:sSubPr>
-                                        <m:ctrlPr>
-                                          <a:rPr lang="en-US" altLang="zh-CN" i="1">
-                                            <a:latin typeface="Cambria Math" panose="02040503050406030204" charset="0"/>
-                                            <a:cs typeface="Cambria Math" panose="02040503050406030204" charset="0"/>
-                                          </a:rPr>
-                                        </m:ctrlPr>
-                                      </m:sSubPr>
-                                      <m:e>
-                                        <m:r>
-                                          <a:rPr lang="en-US" altLang="zh-CN" i="1">
-                                            <a:latin typeface="Cambria Math" panose="02040503050406030204" charset="0"/>
-                                            <a:cs typeface="Cambria Math" panose="02040503050406030204" charset="0"/>
-                                          </a:rPr>
-                                          <m:t>𝐺</m:t>
-                                        </m:r>
-                                      </m:e>
-                                      <m:sub>
-                                        <m:r>
-                                          <a:rPr lang="en-US" altLang="zh-CN" i="1">
-                                            <a:latin typeface="Cambria Math" panose="02040503050406030204" charset="0"/>
-                                            <a:cs typeface="Cambria Math" panose="02040503050406030204" charset="0"/>
-                                          </a:rPr>
-                                          <m:t>𝑧</m:t>
-                                        </m:r>
-                                      </m:sub>
-                                    </m:sSub>
-                                  </m:e>
-                                  <m:e>
-                                    <m:sSub>
-                                      <m:sSubPr>
-                                        <m:ctrlPr>
-                                          <a:rPr lang="en-US" altLang="zh-CN" i="1">
-                                            <a:latin typeface="Cambria Math" panose="02040503050406030204" charset="0"/>
-                                            <a:cs typeface="Cambria Math" panose="02040503050406030204" charset="0"/>
-                                          </a:rPr>
-                                        </m:ctrlPr>
-                                      </m:sSubPr>
-                                      <m:e>
-                                        <m:r>
-                                          <a:rPr lang="en-US" altLang="zh-CN" i="1">
-                                            <a:latin typeface="Cambria Math" panose="02040503050406030204" charset="0"/>
-                                            <a:cs typeface="Cambria Math" panose="02040503050406030204" charset="0"/>
-                                          </a:rPr>
-                                          <m:t>𝐴</m:t>
-                                        </m:r>
-                                      </m:e>
-                                      <m:sub>
-                                        <m:r>
-                                          <a:rPr lang="en-US" altLang="zh-CN" i="1">
-                                            <a:latin typeface="Cambria Math" panose="02040503050406030204" charset="0"/>
-                                            <a:cs typeface="Cambria Math" panose="02040503050406030204" charset="0"/>
-                                          </a:rPr>
-                                          <m:t>𝑥</m:t>
-                                        </m:r>
-                                      </m:sub>
-                                    </m:sSub>
-                                  </m:e>
-                                  <m:e>
-                                    <m:sSub>
-                                      <m:sSubPr>
-                                        <m:ctrlPr>
-                                          <a:rPr lang="en-US" altLang="zh-CN" i="1">
-                                            <a:latin typeface="Cambria Math" panose="02040503050406030204" charset="0"/>
-                                            <a:cs typeface="Cambria Math" panose="02040503050406030204" charset="0"/>
-                                          </a:rPr>
-                                        </m:ctrlPr>
-                                      </m:sSubPr>
-                                      <m:e>
-                                        <m:r>
-                                          <a:rPr lang="en-US" altLang="zh-CN" i="1">
-                                            <a:latin typeface="Cambria Math" panose="02040503050406030204" charset="0"/>
-                                            <a:cs typeface="Cambria Math" panose="02040503050406030204" charset="0"/>
-                                          </a:rPr>
-                                          <m:t>𝐴</m:t>
-                                        </m:r>
-                                      </m:e>
-                                      <m:sub>
-                                        <m:r>
-                                          <a:rPr lang="en-US" altLang="zh-CN" i="1">
-                                            <a:latin typeface="Cambria Math" panose="02040503050406030204" charset="0"/>
-                                            <a:cs typeface="Cambria Math" panose="02040503050406030204" charset="0"/>
-                                          </a:rPr>
-                                          <m:t>𝑦</m:t>
-                                        </m:r>
-                                      </m:sub>
-                                    </m:sSub>
-                                  </m:e>
-                                  <m:e>
-                                    <m:sSub>
-                                      <m:sSubPr>
-                                        <m:ctrlPr>
-                                          <a:rPr lang="en-US" altLang="zh-CN" i="1">
-                                            <a:latin typeface="Cambria Math" panose="02040503050406030204" charset="0"/>
-                                            <a:cs typeface="Cambria Math" panose="02040503050406030204" charset="0"/>
-                                          </a:rPr>
-                                        </m:ctrlPr>
-                                      </m:sSubPr>
-                                      <m:e>
-                                        <m:r>
-                                          <a:rPr lang="en-US" altLang="zh-CN" i="1">
-                                            <a:latin typeface="Cambria Math" panose="02040503050406030204" charset="0"/>
-                                            <a:cs typeface="Cambria Math" panose="02040503050406030204" charset="0"/>
-                                          </a:rPr>
-                                          <m:t>𝐴</m:t>
-                                        </m:r>
-                                      </m:e>
-                                      <m:sub>
-                                        <m:r>
-                                          <a:rPr lang="en-US" altLang="zh-CN" i="1">
-                                            <a:latin typeface="Cambria Math" panose="02040503050406030204" charset="0"/>
-                                            <a:cs typeface="Cambria Math" panose="02040503050406030204" charset="0"/>
-                                          </a:rPr>
-                                          <m:t>𝑧</m:t>
-                                        </m:r>
-                                      </m:sub>
-                                    </m:sSub>
-                                  </m:e>
                                 </m:mr>
                               </m:m>
                             </m:e>
@@ -12514,7 +12368,7 @@
             <p:spPr>
               <a:xfrm>
                 <a:off x="505460" y="930275"/>
-                <a:ext cx="10159365" cy="1184910"/>
+                <a:ext cx="10159365" cy="1275715"/>
               </a:xfrm>
               <a:prstGeom prst="rect">
                 <a:avLst/>
@@ -30804,6 +30658,540 @@
           </p:sp>
         </mc:Fallback>
       </mc:AlternateContent>
+      <mc:AlternateContent xmlns:mc="http://schemas.openxmlformats.org/markup-compatibility/2006">
+        <mc:Choice xmlns:a14="http://schemas.microsoft.com/office/drawing/2010/main" Requires="a14">
+          <p:sp>
+            <p:nvSpPr>
+              <p:cNvPr id="4" name="文本框 3"/>
+              <p:cNvSpPr txBox="1"/>
+              <p:nvPr/>
+            </p:nvSpPr>
+            <p:spPr>
+              <a:xfrm>
+                <a:off x="1772285" y="5672455"/>
+                <a:ext cx="8648065" cy="654050"/>
+              </a:xfrm>
+              <a:prstGeom prst="rect">
+                <a:avLst/>
+              </a:prstGeom>
+              <a:noFill/>
+            </p:spPr>
+            <p:txBody>
+              <a:bodyPr wrap="square" rtlCol="0">
+                <a:spAutoFit/>
+              </a:bodyPr>
+              <a:p>
+                <a14:m>
+                  <m:oMath xmlns:m="http://schemas.openxmlformats.org/officeDocument/2006/math">
+                    <m:d>
+                      <m:dPr>
+                        <m:ctrlPr>
+                          <a:rPr lang="en-US" altLang="zh-CN" i="1">
+                            <a:latin typeface="Cambria Math" panose="02040503050406030204" charset="0"/>
+                            <a:cs typeface="Cambria Math" panose="02040503050406030204" charset="0"/>
+                          </a:rPr>
+                        </m:ctrlPr>
+                      </m:dPr>
+                      <m:e>
+                        <m:r>
+                          <a:rPr lang="en-US" altLang="zh-CN" i="1">
+                            <a:latin typeface="Cambria Math" panose="02040503050406030204" charset="0"/>
+                            <a:cs typeface="Cambria Math" panose="02040503050406030204" charset="0"/>
+                          </a:rPr>
+                          <m:t>𝐼</m:t>
+                        </m:r>
+                        <m:r>
+                          <a:rPr lang="en-US" altLang="zh-CN" i="1">
+                            <a:latin typeface="Cambria Math" panose="02040503050406030204" charset="0"/>
+                            <a:cs typeface="Cambria Math" panose="02040503050406030204" charset="0"/>
+                          </a:rPr>
+                          <m:t>−</m:t>
+                        </m:r>
+                        <m:sSub>
+                          <m:sSubPr>
+                            <m:ctrlPr>
+                              <a:rPr lang="en-US" altLang="zh-CN" i="1">
+                                <a:latin typeface="Cambria Math" panose="02040503050406030204" charset="0"/>
+                                <a:cs typeface="Cambria Math" panose="02040503050406030204" charset="0"/>
+                              </a:rPr>
+                            </m:ctrlPr>
+                          </m:sSubPr>
+                          <m:e>
+                            <m:r>
+                              <a:rPr lang="en-US" altLang="zh-CN" i="1">
+                                <a:latin typeface="Cambria Math" panose="02040503050406030204" charset="0"/>
+                                <a:cs typeface="Cambria Math" panose="02040503050406030204" charset="0"/>
+                              </a:rPr>
+                              <m:t>𝐾</m:t>
+                            </m:r>
+                          </m:e>
+                          <m:sub>
+                            <m:r>
+                              <a:rPr lang="en-US" altLang="zh-CN" i="1">
+                                <a:latin typeface="Cambria Math" panose="02040503050406030204" charset="0"/>
+                                <a:cs typeface="Cambria Math" panose="02040503050406030204" charset="0"/>
+                              </a:rPr>
+                              <m:t>𝑘</m:t>
+                            </m:r>
+                          </m:sub>
+                        </m:sSub>
+                        <m:r>
+                          <a:rPr lang="en-US" altLang="zh-CN" i="1">
+                            <a:latin typeface="Cambria Math" panose="02040503050406030204" charset="0"/>
+                            <a:cs typeface="Cambria Math" panose="02040503050406030204" charset="0"/>
+                          </a:rPr>
+                          <m:t>𝐻</m:t>
+                        </m:r>
+                      </m:e>
+                    </m:d>
+                    <m:sSubSup>
+                      <m:sSubSupPr>
+                        <m:ctrlPr>
+                          <a:rPr lang="en-US" altLang="zh-CN" i="1">
+                            <a:latin typeface="Cambria Math" panose="02040503050406030204" charset="0"/>
+                            <a:cs typeface="Cambria Math" panose="02040503050406030204" charset="0"/>
+                          </a:rPr>
+                        </m:ctrlPr>
+                      </m:sSubSupPr>
+                      <m:e>
+                        <m:r>
+                          <a:rPr lang="en-US" altLang="zh-CN" i="1">
+                            <a:latin typeface="Cambria Math" panose="02040503050406030204" charset="0"/>
+                            <a:cs typeface="Cambria Math" panose="02040503050406030204" charset="0"/>
+                          </a:rPr>
+                          <m:t>𝑃</m:t>
+                        </m:r>
+                      </m:e>
+                      <m:sub>
+                        <m:r>
+                          <a:rPr lang="en-US" altLang="zh-CN" i="1">
+                            <a:latin typeface="Cambria Math" panose="02040503050406030204" charset="0"/>
+                            <a:cs typeface="Cambria Math" panose="02040503050406030204" charset="0"/>
+                          </a:rPr>
+                          <m:t>𝑘</m:t>
+                        </m:r>
+                      </m:sub>
+                      <m:sup>
+                        <m:r>
+                          <a:rPr lang="en-US" altLang="zh-CN" i="1">
+                            <a:latin typeface="Cambria Math" panose="02040503050406030204" charset="0"/>
+                            <a:cs typeface="Cambria Math" panose="02040503050406030204" charset="0"/>
+                          </a:rPr>
+                          <m:t>−</m:t>
+                        </m:r>
+                      </m:sup>
+                    </m:sSubSup>
+                  </m:oMath>
+                </a14:m>
+                <a:r>
+                  <a:rPr lang="zh-CN" altLang="en-US">
+                    <a:latin typeface="Cambria Math" panose="02040503050406030204" charset="0"/>
+                    <a:cs typeface="Cambria Math" panose="02040503050406030204" charset="0"/>
+                  </a:rPr>
+                  <a:t>多次迭代后会破坏</a:t>
+                </a:r>
+                <a14:m>
+                  <m:oMath xmlns:m="http://schemas.openxmlformats.org/officeDocument/2006/math">
+                    <m:sSub>
+                      <m:sSubPr>
+                        <m:ctrlPr>
+                          <a:rPr lang="en-US" altLang="zh-CN" i="1">
+                            <a:latin typeface="Cambria Math" panose="02040503050406030204" charset="0"/>
+                            <a:cs typeface="Cambria Math" panose="02040503050406030204" charset="0"/>
+                          </a:rPr>
+                        </m:ctrlPr>
+                      </m:sSubPr>
+                      <m:e>
+                        <m:r>
+                          <a:rPr lang="en-US" altLang="zh-CN" i="1">
+                            <a:latin typeface="Cambria Math" panose="02040503050406030204" charset="0"/>
+                            <a:cs typeface="Cambria Math" panose="02040503050406030204" charset="0"/>
+                          </a:rPr>
+                          <m:t>𝑃</m:t>
+                        </m:r>
+                      </m:e>
+                      <m:sub>
+                        <m:r>
+                          <a:rPr lang="en-US" altLang="zh-CN" i="1">
+                            <a:latin typeface="Cambria Math" panose="02040503050406030204" charset="0"/>
+                            <a:cs typeface="Cambria Math" panose="02040503050406030204" charset="0"/>
+                          </a:rPr>
+                          <m:t>𝑘</m:t>
+                        </m:r>
+                      </m:sub>
+                    </m:sSub>
+                  </m:oMath>
+                </a14:m>
+                <a:r>
+                  <a:rPr lang="zh-CN" altLang="en-US">
+                    <a:latin typeface="Cambria Math" panose="02040503050406030204" charset="0"/>
+                    <a:cs typeface="Cambria Math" panose="02040503050406030204" charset="0"/>
+                  </a:rPr>
+                  <a:t>的对称性和正定性，实际</a:t>
+                </a:r>
+                <a:r>
+                  <a:rPr lang="zh-CN" altLang="en-US">
+                    <a:latin typeface="Cambria Math" panose="02040503050406030204" charset="0"/>
+                    <a:cs typeface="Cambria Math" panose="02040503050406030204" charset="0"/>
+                  </a:rPr>
+                  <a:t>采用的公式：</a:t>
+                </a:r>
+                <a:endParaRPr lang="zh-CN" altLang="en-US">
+                  <a:latin typeface="Cambria Math" panose="02040503050406030204" charset="0"/>
+                  <a:cs typeface="Cambria Math" panose="02040503050406030204" charset="0"/>
+                </a:endParaRPr>
+              </a:p>
+              <a:p>
+                <a14:m>
+                  <m:oMathPara xmlns:m="http://schemas.openxmlformats.org/officeDocument/2006/math">
+                    <m:oMathParaPr>
+                      <m:jc m:val="centerGroup"/>
+                    </m:oMathParaPr>
+                    <m:oMath xmlns:m="http://schemas.openxmlformats.org/officeDocument/2006/math">
+                      <m:sSub>
+                        <m:sSubPr>
+                          <m:ctrlPr>
+                            <a:rPr lang="en-US" altLang="zh-CN" i="1">
+                              <a:latin typeface="Cambria Math" panose="02040503050406030204" charset="0"/>
+                              <a:cs typeface="Cambria Math" panose="02040503050406030204" charset="0"/>
+                            </a:rPr>
+                          </m:ctrlPr>
+                        </m:sSubPr>
+                        <m:e>
+                          <m:r>
+                            <a:rPr lang="en-US" altLang="zh-CN" i="1">
+                              <a:latin typeface="Cambria Math" panose="02040503050406030204" charset="0"/>
+                              <a:cs typeface="Cambria Math" panose="02040503050406030204" charset="0"/>
+                            </a:rPr>
+                            <m:t>𝑃</m:t>
+                          </m:r>
+                        </m:e>
+                        <m:sub>
+                          <m:r>
+                            <a:rPr lang="en-US" altLang="zh-CN" i="1">
+                              <a:latin typeface="Cambria Math" panose="02040503050406030204" charset="0"/>
+                              <a:cs typeface="Cambria Math" panose="02040503050406030204" charset="0"/>
+                            </a:rPr>
+                            <m:t>𝑘</m:t>
+                          </m:r>
+                        </m:sub>
+                      </m:sSub>
+                      <m:r>
+                        <a:rPr lang="en-US" altLang="zh-CN" i="1">
+                          <a:latin typeface="Cambria Math" panose="02040503050406030204" charset="0"/>
+                          <a:cs typeface="Cambria Math" panose="02040503050406030204" charset="0"/>
+                        </a:rPr>
+                        <m:t>=</m:t>
+                      </m:r>
+                      <m:d>
+                        <m:dPr>
+                          <m:ctrlPr>
+                            <a:rPr lang="en-US" altLang="zh-CN" i="1">
+                              <a:latin typeface="Cambria Math" panose="02040503050406030204" charset="0"/>
+                              <a:cs typeface="Cambria Math" panose="02040503050406030204" charset="0"/>
+                            </a:rPr>
+                          </m:ctrlPr>
+                        </m:dPr>
+                        <m:e>
+                          <m:r>
+                            <a:rPr lang="en-US" altLang="zh-CN" i="1">
+                              <a:latin typeface="Cambria Math" panose="02040503050406030204" charset="0"/>
+                              <a:cs typeface="Cambria Math" panose="02040503050406030204" charset="0"/>
+                            </a:rPr>
+                            <m:t>𝐼</m:t>
+                          </m:r>
+                          <m:r>
+                            <a:rPr lang="en-US" altLang="zh-CN" i="1">
+                              <a:latin typeface="Cambria Math" panose="02040503050406030204" charset="0"/>
+                              <a:cs typeface="Cambria Math" panose="02040503050406030204" charset="0"/>
+                            </a:rPr>
+                            <m:t>−</m:t>
+                          </m:r>
+                          <m:sSub>
+                            <m:sSubPr>
+                              <m:ctrlPr>
+                                <a:rPr lang="en-US" altLang="zh-CN" i="1">
+                                  <a:latin typeface="Cambria Math" panose="02040503050406030204" charset="0"/>
+                                  <a:cs typeface="Cambria Math" panose="02040503050406030204" charset="0"/>
+                                </a:rPr>
+                              </m:ctrlPr>
+                            </m:sSubPr>
+                            <m:e>
+                              <m:r>
+                                <a:rPr lang="en-US" altLang="zh-CN" i="1">
+                                  <a:latin typeface="Cambria Math" panose="02040503050406030204" charset="0"/>
+                                  <a:cs typeface="Cambria Math" panose="02040503050406030204" charset="0"/>
+                                </a:rPr>
+                                <m:t>𝐾</m:t>
+                              </m:r>
+                            </m:e>
+                            <m:sub>
+                              <m:r>
+                                <a:rPr lang="en-US" altLang="zh-CN" i="1">
+                                  <a:latin typeface="Cambria Math" panose="02040503050406030204" charset="0"/>
+                                  <a:cs typeface="Cambria Math" panose="02040503050406030204" charset="0"/>
+                                </a:rPr>
+                                <m:t>𝑘</m:t>
+                              </m:r>
+                            </m:sub>
+                          </m:sSub>
+                          <m:r>
+                            <a:rPr lang="en-US" altLang="zh-CN" i="1">
+                              <a:latin typeface="Cambria Math" panose="02040503050406030204" charset="0"/>
+                              <a:cs typeface="Cambria Math" panose="02040503050406030204" charset="0"/>
+                            </a:rPr>
+                            <m:t>𝐻</m:t>
+                          </m:r>
+                        </m:e>
+                      </m:d>
+                      <m:sSubSup>
+                        <m:sSubSupPr>
+                          <m:ctrlPr>
+                            <a:rPr lang="en-US" altLang="zh-CN" i="1">
+                              <a:latin typeface="Cambria Math" panose="02040503050406030204" charset="0"/>
+                              <a:cs typeface="Cambria Math" panose="02040503050406030204" charset="0"/>
+                            </a:rPr>
+                          </m:ctrlPr>
+                        </m:sSubSupPr>
+                        <m:e>
+                          <m:r>
+                            <a:rPr lang="en-US" altLang="zh-CN" i="1">
+                              <a:latin typeface="Cambria Math" panose="02040503050406030204" charset="0"/>
+                              <a:cs typeface="Cambria Math" panose="02040503050406030204" charset="0"/>
+                            </a:rPr>
+                            <m:t>𝑃</m:t>
+                          </m:r>
+                        </m:e>
+                        <m:sub>
+                          <m:r>
+                            <a:rPr lang="en-US" altLang="zh-CN" i="1">
+                              <a:latin typeface="Cambria Math" panose="02040503050406030204" charset="0"/>
+                              <a:cs typeface="Cambria Math" panose="02040503050406030204" charset="0"/>
+                            </a:rPr>
+                            <m:t>𝑘</m:t>
+                          </m:r>
+                        </m:sub>
+                        <m:sup>
+                          <m:r>
+                            <a:rPr lang="en-US" altLang="zh-CN" i="1">
+                              <a:latin typeface="Cambria Math" panose="02040503050406030204" charset="0"/>
+                              <a:cs typeface="Cambria Math" panose="02040503050406030204" charset="0"/>
+                            </a:rPr>
+                            <m:t>−</m:t>
+                          </m:r>
+                        </m:sup>
+                      </m:sSubSup>
+                      <m:sSup>
+                        <m:sSupPr>
+                          <m:ctrlPr>
+                            <a:rPr lang="en-US" altLang="zh-CN" i="1">
+                              <a:latin typeface="Cambria Math" panose="02040503050406030204" charset="0"/>
+                              <a:cs typeface="Cambria Math" panose="02040503050406030204" charset="0"/>
+                            </a:rPr>
+                          </m:ctrlPr>
+                        </m:sSupPr>
+                        <m:e>
+                          <m:d>
+                            <m:dPr>
+                              <m:ctrlPr>
+                                <a:rPr lang="en-US" altLang="zh-CN" i="1">
+                                  <a:latin typeface="Cambria Math" panose="02040503050406030204" charset="0"/>
+                                  <a:cs typeface="Cambria Math" panose="02040503050406030204" charset="0"/>
+                                </a:rPr>
+                              </m:ctrlPr>
+                            </m:dPr>
+                            <m:e>
+                              <m:r>
+                                <a:rPr lang="en-US" altLang="zh-CN" i="1">
+                                  <a:latin typeface="Cambria Math" panose="02040503050406030204" charset="0"/>
+                                  <a:cs typeface="Cambria Math" panose="02040503050406030204" charset="0"/>
+                                </a:rPr>
+                                <m:t>𝐼</m:t>
+                              </m:r>
+                              <m:r>
+                                <a:rPr lang="en-US" altLang="zh-CN" i="1">
+                                  <a:latin typeface="Cambria Math" panose="02040503050406030204" charset="0"/>
+                                  <a:cs typeface="Cambria Math" panose="02040503050406030204" charset="0"/>
+                                </a:rPr>
+                                <m:t>−</m:t>
+                              </m:r>
+                              <m:sSub>
+                                <m:sSubPr>
+                                  <m:ctrlPr>
+                                    <a:rPr lang="en-US" altLang="zh-CN" i="1">
+                                      <a:latin typeface="Cambria Math" panose="02040503050406030204" charset="0"/>
+                                      <a:cs typeface="Cambria Math" panose="02040503050406030204" charset="0"/>
+                                    </a:rPr>
+                                  </m:ctrlPr>
+                                </m:sSubPr>
+                                <m:e>
+                                  <m:r>
+                                    <a:rPr lang="en-US" altLang="zh-CN" i="1">
+                                      <a:latin typeface="Cambria Math" panose="02040503050406030204" charset="0"/>
+                                      <a:cs typeface="Cambria Math" panose="02040503050406030204" charset="0"/>
+                                    </a:rPr>
+                                    <m:t>𝐾</m:t>
+                                  </m:r>
+                                </m:e>
+                                <m:sub>
+                                  <m:r>
+                                    <a:rPr lang="en-US" altLang="zh-CN" i="1">
+                                      <a:latin typeface="Cambria Math" panose="02040503050406030204" charset="0"/>
+                                      <a:cs typeface="Cambria Math" panose="02040503050406030204" charset="0"/>
+                                    </a:rPr>
+                                    <m:t>𝑘</m:t>
+                                  </m:r>
+                                </m:sub>
+                              </m:sSub>
+                              <m:r>
+                                <a:rPr lang="en-US" altLang="zh-CN" i="1">
+                                  <a:latin typeface="Cambria Math" panose="02040503050406030204" charset="0"/>
+                                  <a:cs typeface="Cambria Math" panose="02040503050406030204" charset="0"/>
+                                </a:rPr>
+                                <m:t>𝐻</m:t>
+                              </m:r>
+                            </m:e>
+                          </m:d>
+                        </m:e>
+                        <m:sup>
+                          <m:r>
+                            <a:rPr lang="en-US" altLang="zh-CN" i="1">
+                              <a:latin typeface="Cambria Math" panose="02040503050406030204" charset="0"/>
+                              <a:cs typeface="Cambria Math" panose="02040503050406030204" charset="0"/>
+                            </a:rPr>
+                            <m:t>𝑇</m:t>
+                          </m:r>
+                        </m:sup>
+                      </m:sSup>
+                      <m:r>
+                        <a:rPr lang="en-US" altLang="zh-CN" i="1">
+                          <a:latin typeface="Cambria Math" panose="02040503050406030204" charset="0"/>
+                          <a:cs typeface="Cambria Math" panose="02040503050406030204" charset="0"/>
+                        </a:rPr>
+                        <m:t>+</m:t>
+                      </m:r>
+                      <m:sSub>
+                        <m:sSubPr>
+                          <m:ctrlPr>
+                            <a:rPr lang="en-US" altLang="zh-CN" i="1">
+                              <a:latin typeface="Cambria Math" panose="02040503050406030204" charset="0"/>
+                              <a:cs typeface="Cambria Math" panose="02040503050406030204" charset="0"/>
+                            </a:rPr>
+                          </m:ctrlPr>
+                        </m:sSubPr>
+                        <m:e>
+                          <m:r>
+                            <a:rPr lang="en-US" altLang="zh-CN" i="1">
+                              <a:latin typeface="Cambria Math" panose="02040503050406030204" charset="0"/>
+                              <a:cs typeface="Cambria Math" panose="02040503050406030204" charset="0"/>
+                            </a:rPr>
+                            <m:t>𝐾</m:t>
+                          </m:r>
+                        </m:e>
+                        <m:sub>
+                          <m:r>
+                            <a:rPr lang="en-US" altLang="zh-CN" i="1">
+                              <a:latin typeface="Cambria Math" panose="02040503050406030204" charset="0"/>
+                              <a:cs typeface="Cambria Math" panose="02040503050406030204" charset="0"/>
+                            </a:rPr>
+                            <m:t>𝑘</m:t>
+                          </m:r>
+                        </m:sub>
+                      </m:sSub>
+                      <m:r>
+                        <a:rPr lang="en-US" altLang="zh-CN" i="1">
+                          <a:latin typeface="Cambria Math" panose="02040503050406030204" charset="0"/>
+                          <a:cs typeface="Cambria Math" panose="02040503050406030204" charset="0"/>
+                        </a:rPr>
+                        <m:t>𝑅</m:t>
+                      </m:r>
+                      <m:sSubSup>
+                        <m:sSubSupPr>
+                          <m:ctrlPr>
+                            <a:rPr lang="en-US" altLang="zh-CN" i="1">
+                              <a:latin typeface="Cambria Math" panose="02040503050406030204" charset="0"/>
+                              <a:cs typeface="Cambria Math" panose="02040503050406030204" charset="0"/>
+                            </a:rPr>
+                          </m:ctrlPr>
+                        </m:sSubSupPr>
+                        <m:e>
+                          <m:r>
+                            <a:rPr lang="en-US" altLang="zh-CN" i="1">
+                              <a:latin typeface="Cambria Math" panose="02040503050406030204" charset="0"/>
+                              <a:cs typeface="Cambria Math" panose="02040503050406030204" charset="0"/>
+                            </a:rPr>
+                            <m:t>𝐾</m:t>
+                          </m:r>
+                        </m:e>
+                        <m:sub>
+                          <m:r>
+                            <a:rPr lang="en-US" altLang="zh-CN" i="1">
+                              <a:latin typeface="Cambria Math" panose="02040503050406030204" charset="0"/>
+                              <a:cs typeface="Cambria Math" panose="02040503050406030204" charset="0"/>
+                            </a:rPr>
+                            <m:t>𝑘</m:t>
+                          </m:r>
+                        </m:sub>
+                        <m:sup>
+                          <m:r>
+                            <a:rPr lang="en-US" altLang="zh-CN" i="1">
+                              <a:latin typeface="Cambria Math" panose="02040503050406030204" charset="0"/>
+                              <a:cs typeface="Cambria Math" panose="02040503050406030204" charset="0"/>
+                            </a:rPr>
+                            <m:t>𝑇</m:t>
+                          </m:r>
+                        </m:sup>
+                      </m:sSubSup>
+                    </m:oMath>
+                  </m:oMathPara>
+                </a14:m>
+                <a:endParaRPr lang="zh-CN" altLang="en-US">
+                  <a:latin typeface="Cambria Math" panose="02040503050406030204" charset="0"/>
+                  <a:cs typeface="Cambria Math" panose="02040503050406030204" charset="0"/>
+                </a:endParaRPr>
+              </a:p>
+            </p:txBody>
+          </p:sp>
+        </mc:Choice>
+        <mc:Fallback>
+          <p:sp>
+            <p:nvSpPr>
+              <p:cNvPr id="4" name="文本框 3"/>
+              <p:cNvSpPr txBox="1">
+                <a:spLocks noRot="1" noChangeAspect="1" noMove="1" noResize="1" noEditPoints="1" noAdjustHandles="1" noChangeArrowheads="1" noChangeShapeType="1" noTextEdit="1"/>
+              </p:cNvSpPr>
+              <p:nvPr/>
+            </p:nvSpPr>
+            <p:spPr>
+              <a:xfrm>
+                <a:off x="1772285" y="5672455"/>
+                <a:ext cx="8648065" cy="654050"/>
+              </a:xfrm>
+              <a:prstGeom prst="rect">
+                <a:avLst/>
+              </a:prstGeom>
+              <a:blipFill rotWithShape="1">
+                <a:blip r:embed="rId5"/>
+                <a:stretch>
+                  <a:fillRect/>
+                </a:stretch>
+              </a:blipFill>
+            </p:spPr>
+            <p:txBody>
+              <a:bodyPr/>
+              <a:lstStyle/>
+              <a:p>
+                <a:r>
+                  <a:rPr lang="zh-CN" altLang="en-US">
+                    <a:noFill/>
+                  </a:rPr>
+                  <a:t> </a:t>
+                </a:r>
+              </a:p>
+            </p:txBody>
+          </p:sp>
+        </mc:Fallback>
+      </mc:AlternateContent>
     </p:spTree>
   </p:cSld>
   <p:clrMapOvr>
@@ -33399,7 +33787,7 @@
             <p:spPr>
               <a:xfrm>
                 <a:off x="1878965" y="4416425"/>
-                <a:ext cx="3498850" cy="372745"/>
+                <a:ext cx="4690745" cy="372745"/>
               </a:xfrm>
               <a:prstGeom prst="rect">
                 <a:avLst/>
@@ -33547,6 +33935,167 @@
                               <a:cs typeface="Cambria Math" panose="02040503050406030204" charset="0"/>
                             </a:rPr>
                             <m:t>−</m:t>
+                          </m:r>
+                        </m:sup>
+                      </m:sSubSup>
+                      <m:sSup>
+                        <m:sSupPr>
+                          <m:ctrlPr>
+                            <a:rPr lang="en-US" altLang="zh-CN" i="1">
+                              <a:latin typeface="Cambria Math" panose="02040503050406030204" charset="0"/>
+                              <a:cs typeface="Cambria Math" panose="02040503050406030204" charset="0"/>
+                            </a:rPr>
+                          </m:ctrlPr>
+                        </m:sSupPr>
+                        <m:e>
+                          <m:d>
+                            <m:dPr>
+                              <m:ctrlPr>
+                                <a:rPr lang="en-US" altLang="zh-CN" i="1">
+                                  <a:latin typeface="Cambria Math" panose="02040503050406030204" charset="0"/>
+                                  <a:cs typeface="Cambria Math" panose="02040503050406030204" charset="0"/>
+                                </a:rPr>
+                              </m:ctrlPr>
+                            </m:dPr>
+                            <m:e>
+                              <m:r>
+                                <a:rPr lang="en-US" altLang="zh-CN" i="1">
+                                  <a:latin typeface="Cambria Math" panose="02040503050406030204" charset="0"/>
+                                  <a:cs typeface="Cambria Math" panose="02040503050406030204" charset="0"/>
+                                </a:rPr>
+                                <m:t>𝐼</m:t>
+                              </m:r>
+                              <m:r>
+                                <a:rPr lang="en-US" altLang="zh-CN" i="1">
+                                  <a:latin typeface="Cambria Math" panose="02040503050406030204" charset="0"/>
+                                  <a:cs typeface="Cambria Math" panose="02040503050406030204" charset="0"/>
+                                </a:rPr>
+                                <m:t>−</m:t>
+                              </m:r>
+                              <m:sSub>
+                                <m:sSubPr>
+                                  <m:ctrlPr>
+                                    <a:rPr lang="en-US" altLang="zh-CN" i="1">
+                                      <a:latin typeface="Cambria Math" panose="02040503050406030204" charset="0"/>
+                                      <a:cs typeface="Cambria Math" panose="02040503050406030204" charset="0"/>
+                                    </a:rPr>
+                                  </m:ctrlPr>
+                                </m:sSubPr>
+                                <m:e>
+                                  <m:r>
+                                    <a:rPr lang="en-US" altLang="zh-CN" i="1">
+                                      <a:latin typeface="Cambria Math" panose="02040503050406030204" charset="0"/>
+                                      <a:cs typeface="Cambria Math" panose="02040503050406030204" charset="0"/>
+                                    </a:rPr>
+                                    <m:t>𝐾</m:t>
+                                  </m:r>
+                                </m:e>
+                                <m:sub>
+                                  <m:r>
+                                    <a:rPr lang="en-US" altLang="zh-CN" i="1">
+                                      <a:latin typeface="Cambria Math" panose="02040503050406030204" charset="0"/>
+                                      <a:cs typeface="Cambria Math" panose="02040503050406030204" charset="0"/>
+                                    </a:rPr>
+                                    <m:t>𝑘</m:t>
+                                  </m:r>
+                                </m:sub>
+                              </m:sSub>
+                              <m:r>
+                                <a:rPr lang="en-US" altLang="zh-CN" i="1">
+                                  <a:latin typeface="Cambria Math" panose="02040503050406030204" charset="0"/>
+                                  <a:cs typeface="Cambria Math" panose="02040503050406030204" charset="0"/>
+                                </a:rPr>
+                                <m:t>𝐻</m:t>
+                              </m:r>
+                            </m:e>
+                          </m:d>
+                        </m:e>
+                        <m:sup>
+                          <m:r>
+                            <a:rPr lang="en-US" altLang="zh-CN" i="1">
+                              <a:latin typeface="Cambria Math" panose="02040503050406030204" charset="0"/>
+                              <a:cs typeface="Cambria Math" panose="02040503050406030204" charset="0"/>
+                            </a:rPr>
+                            <m:t>𝑇</m:t>
+                          </m:r>
+                        </m:sup>
+                      </m:sSup>
+                      <m:r>
+                        <a:rPr lang="en-US" altLang="zh-CN" i="1">
+                          <a:latin typeface="Cambria Math" panose="02040503050406030204" charset="0"/>
+                          <a:cs typeface="Cambria Math" panose="02040503050406030204" charset="0"/>
+                        </a:rPr>
+                        <m:t>+</m:t>
+                      </m:r>
+                      <m:sSub>
+                        <m:sSubPr>
+                          <m:ctrlPr>
+                            <a:rPr lang="en-US" altLang="zh-CN" i="1">
+                              <a:latin typeface="Cambria Math" panose="02040503050406030204" charset="0"/>
+                              <a:cs typeface="Cambria Math" panose="02040503050406030204" charset="0"/>
+                            </a:rPr>
+                          </m:ctrlPr>
+                        </m:sSubPr>
+                        <m:e>
+                          <m:r>
+                            <a:rPr lang="en-US" altLang="zh-CN" i="1">
+                              <a:latin typeface="Cambria Math" panose="02040503050406030204" charset="0"/>
+                              <a:cs typeface="Cambria Math" panose="02040503050406030204" charset="0"/>
+                            </a:rPr>
+                            <m:t>𝐾</m:t>
+                          </m:r>
+                        </m:e>
+                        <m:sub>
+                          <m:r>
+                            <a:rPr lang="en-US" altLang="zh-CN" i="1">
+                              <a:latin typeface="Cambria Math" panose="02040503050406030204" charset="0"/>
+                              <a:cs typeface="Cambria Math" panose="02040503050406030204" charset="0"/>
+                            </a:rPr>
+                            <m:t>𝑘</m:t>
+                          </m:r>
+                        </m:sub>
+                      </m:sSub>
+                      <m:r>
+                        <a:rPr lang="en-US" altLang="zh-CN" i="1">
+                          <a:latin typeface="Cambria Math" panose="02040503050406030204" charset="0"/>
+                          <a:cs typeface="Cambria Math" panose="02040503050406030204" charset="0"/>
+                        </a:rPr>
+                        <m:t>𝑅</m:t>
+                      </m:r>
+                      <m:sSubSup>
+                        <m:sSubSupPr>
+                          <m:ctrlPr>
+                            <a:rPr lang="en-US" altLang="zh-CN" i="1">
+                              <a:latin typeface="Cambria Math" panose="02040503050406030204" charset="0"/>
+                              <a:cs typeface="Cambria Math" panose="02040503050406030204" charset="0"/>
+                            </a:rPr>
+                          </m:ctrlPr>
+                        </m:sSubSupPr>
+                        <m:e>
+                          <m:r>
+                            <a:rPr lang="en-US" altLang="zh-CN" i="1">
+                              <a:latin typeface="Cambria Math" panose="02040503050406030204" charset="0"/>
+                              <a:cs typeface="Cambria Math" panose="02040503050406030204" charset="0"/>
+                            </a:rPr>
+                            <m:t>𝐾</m:t>
+                          </m:r>
+                        </m:e>
+                        <m:sub>
+                          <m:r>
+                            <a:rPr lang="en-US" altLang="zh-CN" i="1">
+                              <a:latin typeface="Cambria Math" panose="02040503050406030204" charset="0"/>
+                              <a:cs typeface="Cambria Math" panose="02040503050406030204" charset="0"/>
+                            </a:rPr>
+                            <m:t>𝑘</m:t>
+                          </m:r>
+                        </m:sub>
+                        <m:sup>
+                          <m:r>
+                            <a:rPr lang="en-US" altLang="zh-CN" i="1">
+                              <a:latin typeface="Cambria Math" panose="02040503050406030204" charset="0"/>
+                              <a:cs typeface="Cambria Math" panose="02040503050406030204" charset="0"/>
+                            </a:rPr>
+                            <m:t>𝑇</m:t>
                           </m:r>
                         </m:sup>
                       </m:sSubSup>
@@ -33573,7 +34122,7 @@
             <p:spPr>
               <a:xfrm>
                 <a:off x="1878965" y="4416425"/>
-                <a:ext cx="3498850" cy="372745"/>
+                <a:ext cx="4690745" cy="372745"/>
               </a:xfrm>
               <a:prstGeom prst="rect">
                 <a:avLst/>
@@ -33610,7 +34159,7 @@
             </p:nvSpPr>
             <p:spPr>
               <a:xfrm>
-                <a:off x="7473950" y="1078230"/>
+                <a:off x="7374890" y="473075"/>
                 <a:ext cx="4064000" cy="1476375"/>
               </a:xfrm>
               <a:prstGeom prst="rect">
@@ -33814,7 +34363,7 @@
             </p:nvSpPr>
             <p:spPr>
               <a:xfrm>
-                <a:off x="7473950" y="1078230"/>
+                <a:off x="7374890" y="473075"/>
                 <a:ext cx="4064000" cy="1476375"/>
               </a:xfrm>
               <a:prstGeom prst="rect">

--- a/滤波.pptx
+++ b/滤波.pptx
@@ -5,26 +5,30 @@
     <p:sldMasterId id="2147483648" r:id="rId1"/>
   </p:sldMasterIdLst>
   <p:notesMasterIdLst>
-    <p:notesMasterId r:id="rId11"/>
+    <p:notesMasterId r:id="rId12"/>
   </p:notesMasterIdLst>
   <p:sldIdLst>
-    <p:sldId id="256" r:id="rId3"/>
-    <p:sldId id="272" r:id="rId4"/>
-    <p:sldId id="273" r:id="rId5"/>
-    <p:sldId id="277" r:id="rId6"/>
-    <p:sldId id="274" r:id="rId7"/>
-    <p:sldId id="275" r:id="rId8"/>
-    <p:sldId id="278" r:id="rId9"/>
-    <p:sldId id="276" r:id="rId10"/>
-    <p:sldId id="279" r:id="rId12"/>
-    <p:sldId id="280" r:id="rId13"/>
-    <p:sldId id="281" r:id="rId14"/>
-    <p:sldId id="282" r:id="rId15"/>
-    <p:sldId id="283" r:id="rId16"/>
-    <p:sldId id="284" r:id="rId17"/>
-    <p:sldId id="285" r:id="rId18"/>
-    <p:sldId id="286" r:id="rId19"/>
-    <p:sldId id="287" r:id="rId20"/>
+    <p:sldId id="290" r:id="rId3"/>
+    <p:sldId id="256" r:id="rId4"/>
+    <p:sldId id="272" r:id="rId5"/>
+    <p:sldId id="273" r:id="rId6"/>
+    <p:sldId id="277" r:id="rId7"/>
+    <p:sldId id="274" r:id="rId8"/>
+    <p:sldId id="275" r:id="rId9"/>
+    <p:sldId id="278" r:id="rId10"/>
+    <p:sldId id="276" r:id="rId11"/>
+    <p:sldId id="279" r:id="rId13"/>
+    <p:sldId id="280" r:id="rId14"/>
+    <p:sldId id="281" r:id="rId15"/>
+    <p:sldId id="282" r:id="rId16"/>
+    <p:sldId id="283" r:id="rId17"/>
+    <p:sldId id="284" r:id="rId18"/>
+    <p:sldId id="285" r:id="rId19"/>
+    <p:sldId id="286" r:id="rId20"/>
+    <p:sldId id="287" r:id="rId21"/>
+    <p:sldId id="288" r:id="rId22"/>
+    <p:sldId id="289" r:id="rId23"/>
+    <p:sldId id="291" r:id="rId24"/>
   </p:sldIdLst>
   <p:sldSz cx="12192000" cy="6858000"/>
   <p:notesSz cx="6858000" cy="9144000"/>
@@ -131,7 +135,7 @@
             <a:srgbClr val="A4A3A4"/>
           </p15:clr>
         </p15:guide>
-        <p15:guide id="2" pos="3812" userDrawn="1">
+        <p15:guide id="2" pos="3774" userDrawn="1">
           <p15:clr>
             <a:srgbClr val="A4A3A4"/>
           </p15:clr>
@@ -538,6 +542,54 @@
 </file>
 
 <file path=ppt/notesSlides/notesSlide2.xml><?xml version="1.0" encoding="utf-8"?>
+<p:notes xmlns:a="http://schemas.openxmlformats.org/drawingml/2006/main" xmlns:r="http://schemas.openxmlformats.org/officeDocument/2006/relationships" xmlns:p="http://schemas.openxmlformats.org/presentationml/2006/main">
+  <p:cSld>
+    <p:spTree>
+      <p:nvGrpSpPr>
+        <p:cNvPr id="1" name=""/>
+        <p:cNvGrpSpPr/>
+        <p:nvPr/>
+      </p:nvGrpSpPr>
+      <p:grpSpPr/>
+      <p:sp>
+        <p:nvSpPr>
+          <p:cNvPr id="2" name="幻灯片图像占位符 1"/>
+          <p:cNvSpPr>
+            <a:spLocks noGrp="1"/>
+          </p:cNvSpPr>
+          <p:nvPr>
+            <p:ph type="sldImg" idx="2"/>
+          </p:nvPr>
+        </p:nvSpPr>
+        <p:spPr/>
+      </p:sp>
+      <p:sp>
+        <p:nvSpPr>
+          <p:cNvPr id="3" name="文本占位符 2"/>
+          <p:cNvSpPr>
+            <a:spLocks noGrp="1"/>
+          </p:cNvSpPr>
+          <p:nvPr>
+            <p:ph type="body" idx="3"/>
+          </p:nvPr>
+        </p:nvSpPr>
+        <p:spPr/>
+        <p:txBody>
+          <a:bodyPr/>
+          <a:p>
+            <a:endParaRPr lang="zh-CN" altLang="en-US"/>
+          </a:p>
+        </p:txBody>
+      </p:sp>
+    </p:spTree>
+  </p:cSld>
+  <p:clrMapOvr>
+    <a:masterClrMapping/>
+  </p:clrMapOvr>
+</p:notes>
+</file>
+
+<file path=ppt/notesSlides/notesSlide3.xml><?xml version="1.0" encoding="utf-8"?>
 <p:notes xmlns:a="http://schemas.openxmlformats.org/drawingml/2006/main" xmlns:r="http://schemas.openxmlformats.org/officeDocument/2006/relationships" xmlns:p="http://schemas.openxmlformats.org/presentationml/2006/main">
   <p:cSld>
     <p:spTree>
@@ -3400,8 +3452,8 @@
         </p:nvSpPr>
         <p:spPr>
           <a:xfrm>
-            <a:off x="710565" y="415925"/>
-            <a:ext cx="1945640" cy="368300"/>
+            <a:off x="4064000" y="2767965"/>
+            <a:ext cx="4064000" cy="1322070"/>
           </a:xfrm>
           <a:prstGeom prst="rect">
             <a:avLst/>
@@ -3413,175 +3465,12 @@
             <a:spAutoFit/>
           </a:bodyPr>
           <a:p>
+            <a:pPr algn="ctr"/>
             <a:r>
-              <a:rPr lang="zh-CN" altLang="en-US"/>
-              <a:t>卡尔曼</a:t>
+              <a:rPr lang="en-US" altLang="zh-CN" sz="8000"/>
+              <a:t>EKF</a:t>
             </a:r>
-            <a:r>
-              <a:rPr lang="zh-CN" altLang="en-US"/>
-              <a:t>滤波</a:t>
-            </a:r>
-            <a:endParaRPr lang="zh-CN" altLang="en-US"/>
-          </a:p>
-        </p:txBody>
-      </p:sp>
-      <p:sp>
-        <p:nvSpPr>
-          <p:cNvPr id="12" name="文本框 11"/>
-          <p:cNvSpPr txBox="1"/>
-          <p:nvPr/>
-        </p:nvSpPr>
-        <p:spPr>
-          <a:xfrm>
-            <a:off x="710565" y="1031240"/>
-            <a:ext cx="7934960" cy="1476375"/>
-          </a:xfrm>
-          <a:prstGeom prst="rect">
-            <a:avLst/>
-          </a:prstGeom>
-          <a:noFill/>
-        </p:spPr>
-        <p:txBody>
-          <a:bodyPr wrap="square" rtlCol="0">
-            <a:spAutoFit/>
-          </a:bodyPr>
-          <a:p>
-            <a:r>
-              <a:rPr lang="zh-CN" altLang="en-US"/>
-              <a:t>前提：</a:t>
-            </a:r>
-            <a:endParaRPr lang="zh-CN" altLang="en-US"/>
-          </a:p>
-          <a:p>
-            <a:r>
-              <a:rPr lang="en-US" altLang="zh-CN"/>
-              <a:t>1</a:t>
-            </a:r>
-            <a:r>
-              <a:rPr lang="zh-CN" altLang="en-US"/>
-              <a:t>、系统的状态转移模型和观测模型是线性的</a:t>
-            </a:r>
-            <a:endParaRPr lang="zh-CN" altLang="en-US"/>
-          </a:p>
-          <a:p>
-            <a:r>
-              <a:rPr lang="en-US" altLang="zh-CN"/>
-              <a:t>2</a:t>
-            </a:r>
-            <a:r>
-              <a:rPr lang="zh-CN" altLang="en-US"/>
-              <a:t>、过程噪声和测量噪声满足零均值正态分布且相互</a:t>
-            </a:r>
-            <a:r>
-              <a:rPr lang="zh-CN" altLang="en-US"/>
-              <a:t>独立</a:t>
-            </a:r>
-            <a:endParaRPr lang="zh-CN" altLang="en-US"/>
-          </a:p>
-          <a:p>
-            <a:r>
-              <a:rPr lang="en-US" altLang="zh-CN"/>
-              <a:t>3</a:t>
-            </a:r>
-            <a:r>
-              <a:rPr lang="zh-CN" altLang="en-US"/>
-              <a:t>、初始状态估计是无偏的，初始协方差</a:t>
-            </a:r>
-            <a:r>
-              <a:rPr lang="zh-CN" altLang="en-US"/>
-              <a:t>准确</a:t>
-            </a:r>
-            <a:endParaRPr lang="zh-CN" altLang="en-US"/>
-          </a:p>
-          <a:p>
-            <a:endParaRPr lang="zh-CN" altLang="en-US"/>
-          </a:p>
-        </p:txBody>
-      </p:sp>
-      <p:sp>
-        <p:nvSpPr>
-          <p:cNvPr id="2" name="文本框 1"/>
-          <p:cNvSpPr txBox="1"/>
-          <p:nvPr/>
-        </p:nvSpPr>
-        <p:spPr>
-          <a:xfrm>
-            <a:off x="788035" y="3098165"/>
-            <a:ext cx="8652510" cy="1476375"/>
-          </a:xfrm>
-          <a:prstGeom prst="rect">
-            <a:avLst/>
-          </a:prstGeom>
-          <a:noFill/>
-        </p:spPr>
-        <p:txBody>
-          <a:bodyPr wrap="square" rtlCol="0">
-            <a:spAutoFit/>
-          </a:bodyPr>
-          <a:p>
-            <a:r>
-              <a:rPr lang="zh-CN" altLang="en-US"/>
-              <a:t>原理：</a:t>
-            </a:r>
-            <a:endParaRPr lang="zh-CN" altLang="en-US"/>
-          </a:p>
-          <a:p>
-            <a:r>
-              <a:rPr lang="zh-CN" altLang="en-US"/>
-              <a:t>预测值和测量值都满足正态分布，</a:t>
-            </a:r>
-            <a:r>
-              <a:rPr lang="zh-CN" altLang="en-US">
-                <a:sym typeface="+mn-ea"/>
-              </a:rPr>
-              <a:t>预测值</a:t>
-            </a:r>
-            <a:r>
-              <a:rPr lang="en-US" altLang="zh-CN">
-                <a:sym typeface="+mn-ea"/>
-              </a:rPr>
-              <a:t>=</a:t>
-            </a:r>
-            <a:r>
-              <a:rPr lang="zh-CN" altLang="en-US">
-                <a:sym typeface="+mn-ea"/>
-              </a:rPr>
-              <a:t>前一预测值和测量值的加权。</a:t>
-            </a:r>
-            <a:endParaRPr lang="zh-CN" altLang="en-US">
-              <a:sym typeface="+mn-ea"/>
-            </a:endParaRPr>
-          </a:p>
-          <a:p>
-            <a:r>
-              <a:rPr lang="zh-CN" altLang="en-US"/>
-              <a:t>构造代价函数：预测值的方差，只要预测值的方差越小则预测准确度越高（因为预测是无偏的所以当预测值的方差越小预测值的误差波动最小，预测方差不可能为</a:t>
-            </a:r>
-            <a:r>
-              <a:rPr lang="en-US" altLang="zh-CN"/>
-              <a:t>0</a:t>
-            </a:r>
-            <a:r>
-              <a:rPr lang="zh-CN" altLang="en-US"/>
-              <a:t>只会通过求解最优的</a:t>
-            </a:r>
-            <a:r>
-              <a:rPr lang="en-US" altLang="zh-CN"/>
-              <a:t>K</a:t>
-            </a:r>
-            <a:r>
-              <a:rPr lang="zh-CN" altLang="en-US"/>
-              <a:t>使其接近</a:t>
-            </a:r>
-            <a:r>
-              <a:rPr lang="en-US" altLang="zh-CN"/>
-              <a:t>0</a:t>
-            </a:r>
-            <a:r>
-              <a:rPr lang="zh-CN" altLang="en-US"/>
-              <a:t>）</a:t>
-            </a:r>
-            <a:endParaRPr lang="zh-CN" altLang="en-US"/>
+            <a:endParaRPr lang="en-US" altLang="zh-CN" sz="8000"/>
           </a:p>
         </p:txBody>
       </p:sp>
@@ -3594,6 +3483,54 @@
 </file>
 
 <file path=ppt/slides/slide10.xml><?xml version="1.0" encoding="utf-8"?>
+<p:sld xmlns:a="http://schemas.openxmlformats.org/drawingml/2006/main" xmlns:r="http://schemas.openxmlformats.org/officeDocument/2006/relationships" xmlns:p="http://schemas.openxmlformats.org/presentationml/2006/main">
+  <p:cSld>
+    <p:spTree>
+      <p:nvGrpSpPr>
+        <p:cNvPr id="1" name=""/>
+        <p:cNvGrpSpPr/>
+        <p:nvPr/>
+      </p:nvGrpSpPr>
+      <p:grpSpPr/>
+      <p:sp>
+        <p:nvSpPr>
+          <p:cNvPr id="4" name="文本框 3"/>
+          <p:cNvSpPr txBox="1"/>
+          <p:nvPr/>
+        </p:nvSpPr>
+        <p:spPr>
+          <a:xfrm>
+            <a:off x="3275965" y="2706370"/>
+            <a:ext cx="5640070" cy="1445260"/>
+          </a:xfrm>
+          <a:prstGeom prst="rect">
+            <a:avLst/>
+          </a:prstGeom>
+          <a:noFill/>
+        </p:spPr>
+        <p:txBody>
+          <a:bodyPr wrap="square" rtlCol="0">
+            <a:spAutoFit/>
+          </a:bodyPr>
+          <a:p>
+            <a:pPr algn="ctr"/>
+            <a:r>
+              <a:rPr lang="zh-CN" altLang="en-US" sz="8800"/>
+              <a:t>状态估计</a:t>
+            </a:r>
+            <a:endParaRPr lang="zh-CN" altLang="en-US" sz="8800"/>
+          </a:p>
+        </p:txBody>
+      </p:sp>
+    </p:spTree>
+  </p:cSld>
+  <p:clrMapOvr>
+    <a:masterClrMapping/>
+  </p:clrMapOvr>
+</p:sld>
+</file>
+
+<file path=ppt/slides/slide11.xml><?xml version="1.0" encoding="utf-8"?>
 <p:sld xmlns:a="http://schemas.openxmlformats.org/drawingml/2006/main" xmlns:r="http://schemas.openxmlformats.org/officeDocument/2006/relationships" xmlns:p="http://schemas.openxmlformats.org/presentationml/2006/main">
   <p:cSld>
     <p:spTree>
@@ -4408,7 +4345,7 @@
 </p:sld>
 </file>
 
-<file path=ppt/slides/slide11.xml><?xml version="1.0" encoding="utf-8"?>
+<file path=ppt/slides/slide12.xml><?xml version="1.0" encoding="utf-8"?>
 <p:sld xmlns:a="http://schemas.openxmlformats.org/drawingml/2006/main" xmlns:r="http://schemas.openxmlformats.org/officeDocument/2006/relationships" xmlns:p="http://schemas.openxmlformats.org/presentationml/2006/main">
   <p:cSld>
     <p:spTree>
@@ -4593,7 +4530,7 @@
 </p:sld>
 </file>
 
-<file path=ppt/slides/slide12.xml><?xml version="1.0" encoding="utf-8"?>
+<file path=ppt/slides/slide13.xml><?xml version="1.0" encoding="utf-8"?>
 <p:sld xmlns:a="http://schemas.openxmlformats.org/drawingml/2006/main" xmlns:r="http://schemas.openxmlformats.org/officeDocument/2006/relationships" xmlns:p="http://schemas.openxmlformats.org/presentationml/2006/main">
   <p:cSld>
     <p:spTree>
@@ -8029,7 +7966,7 @@
 </p:sld>
 </file>
 
-<file path=ppt/slides/slide13.xml><?xml version="1.0" encoding="utf-8"?>
+<file path=ppt/slides/slide14.xml><?xml version="1.0" encoding="utf-8"?>
 <p:sld xmlns:a="http://schemas.openxmlformats.org/drawingml/2006/main" xmlns:r="http://schemas.openxmlformats.org/officeDocument/2006/relationships" xmlns:p="http://schemas.openxmlformats.org/presentationml/2006/main">
   <p:cSld>
     <p:spTree>
@@ -10328,7 +10265,7 @@
 </p:sld>
 </file>
 
-<file path=ppt/slides/slide14.xml><?xml version="1.0" encoding="utf-8"?>
+<file path=ppt/slides/slide15.xml><?xml version="1.0" encoding="utf-8"?>
 <p:sld xmlns:a="http://schemas.openxmlformats.org/drawingml/2006/main" xmlns:r="http://schemas.openxmlformats.org/officeDocument/2006/relationships" xmlns:p="http://schemas.openxmlformats.org/presentationml/2006/main">
   <p:cSld>
     <p:spTree>
@@ -11638,7 +11575,7 @@
 </p:sld>
 </file>
 
-<file path=ppt/slides/slide15.xml><?xml version="1.0" encoding="utf-8"?>
+<file path=ppt/slides/slide16.xml><?xml version="1.0" encoding="utf-8"?>
 <p:sld xmlns:a="http://schemas.openxmlformats.org/drawingml/2006/main" xmlns:r="http://schemas.openxmlformats.org/officeDocument/2006/relationships" xmlns:p="http://schemas.openxmlformats.org/presentationml/2006/main">
   <p:cSld>
     <p:spTree>
@@ -12826,7 +12763,7 @@
 </p:sld>
 </file>
 
-<file path=ppt/slides/slide16.xml><?xml version="1.0" encoding="utf-8"?>
+<file path=ppt/slides/slide17.xml><?xml version="1.0" encoding="utf-8"?>
 <p:sld xmlns:a="http://schemas.openxmlformats.org/drawingml/2006/main" xmlns:r="http://schemas.openxmlformats.org/officeDocument/2006/relationships" xmlns:p="http://schemas.openxmlformats.org/presentationml/2006/main">
   <p:cSld>
     <p:spTree>
@@ -17094,7 +17031,7 @@
 </p:sld>
 </file>
 
-<file path=ppt/slides/slide17.xml><?xml version="1.0" encoding="utf-8"?>
+<file path=ppt/slides/slide18.xml><?xml version="1.0" encoding="utf-8"?>
 <p:sld xmlns:a="http://schemas.openxmlformats.org/drawingml/2006/main" xmlns:r="http://schemas.openxmlformats.org/officeDocument/2006/relationships" xmlns:p="http://schemas.openxmlformats.org/presentationml/2006/main">
   <p:cSld>
     <p:spTree>
@@ -17390,7 +17327,1229 @@
 </p:sld>
 </file>
 
+<file path=ppt/slides/slide19.xml><?xml version="1.0" encoding="utf-8"?>
+<p:sld xmlns:a="http://schemas.openxmlformats.org/drawingml/2006/main" xmlns:r="http://schemas.openxmlformats.org/officeDocument/2006/relationships" xmlns:p="http://schemas.openxmlformats.org/presentationml/2006/main">
+  <p:cSld>
+    <p:spTree>
+      <p:nvGrpSpPr>
+        <p:cNvPr id="1" name=""/>
+        <p:cNvGrpSpPr/>
+        <p:nvPr/>
+      </p:nvGrpSpPr>
+      <p:grpSpPr/>
+      <p:sp>
+        <p:nvSpPr>
+          <p:cNvPr id="4" name="文本框 3"/>
+          <p:cNvSpPr txBox="1"/>
+          <p:nvPr/>
+        </p:nvSpPr>
+        <p:spPr>
+          <a:xfrm>
+            <a:off x="3062605" y="2706370"/>
+            <a:ext cx="6066790" cy="1445260"/>
+          </a:xfrm>
+          <a:prstGeom prst="rect">
+            <a:avLst/>
+          </a:prstGeom>
+          <a:noFill/>
+        </p:spPr>
+        <p:txBody>
+          <a:bodyPr wrap="square" rtlCol="0">
+            <a:spAutoFit/>
+          </a:bodyPr>
+          <a:p>
+            <a:pPr algn="ctr"/>
+            <a:r>
+              <a:rPr lang="zh-CN" altLang="en-US" sz="8800"/>
+              <a:t>坐标系变换</a:t>
+            </a:r>
+            <a:endParaRPr lang="zh-CN" altLang="en-US" sz="8800"/>
+          </a:p>
+        </p:txBody>
+      </p:sp>
+    </p:spTree>
+  </p:cSld>
+  <p:clrMapOvr>
+    <a:masterClrMapping/>
+  </p:clrMapOvr>
+</p:sld>
+</file>
+
 <file path=ppt/slides/slide2.xml><?xml version="1.0" encoding="utf-8"?>
+<p:sld xmlns:a="http://schemas.openxmlformats.org/drawingml/2006/main" xmlns:r="http://schemas.openxmlformats.org/officeDocument/2006/relationships" xmlns:p="http://schemas.openxmlformats.org/presentationml/2006/main">
+  <p:cSld>
+    <p:spTree>
+      <p:nvGrpSpPr>
+        <p:cNvPr id="1" name=""/>
+        <p:cNvGrpSpPr/>
+        <p:nvPr/>
+      </p:nvGrpSpPr>
+      <p:grpSpPr/>
+      <p:sp>
+        <p:nvSpPr>
+          <p:cNvPr id="4" name="文本框 3"/>
+          <p:cNvSpPr txBox="1"/>
+          <p:nvPr/>
+        </p:nvSpPr>
+        <p:spPr>
+          <a:xfrm>
+            <a:off x="710565" y="415925"/>
+            <a:ext cx="1945640" cy="368300"/>
+          </a:xfrm>
+          <a:prstGeom prst="rect">
+            <a:avLst/>
+          </a:prstGeom>
+          <a:noFill/>
+        </p:spPr>
+        <p:txBody>
+          <a:bodyPr wrap="square" rtlCol="0">
+            <a:spAutoFit/>
+          </a:bodyPr>
+          <a:p>
+            <a:r>
+              <a:rPr lang="zh-CN" altLang="en-US"/>
+              <a:t>卡尔曼</a:t>
+            </a:r>
+            <a:r>
+              <a:rPr lang="zh-CN" altLang="en-US"/>
+              <a:t>滤波</a:t>
+            </a:r>
+            <a:endParaRPr lang="zh-CN" altLang="en-US"/>
+          </a:p>
+        </p:txBody>
+      </p:sp>
+      <p:sp>
+        <p:nvSpPr>
+          <p:cNvPr id="12" name="文本框 11"/>
+          <p:cNvSpPr txBox="1"/>
+          <p:nvPr/>
+        </p:nvSpPr>
+        <p:spPr>
+          <a:xfrm>
+            <a:off x="710565" y="1031240"/>
+            <a:ext cx="7934960" cy="1476375"/>
+          </a:xfrm>
+          <a:prstGeom prst="rect">
+            <a:avLst/>
+          </a:prstGeom>
+          <a:noFill/>
+        </p:spPr>
+        <p:txBody>
+          <a:bodyPr wrap="square" rtlCol="0">
+            <a:spAutoFit/>
+          </a:bodyPr>
+          <a:p>
+            <a:r>
+              <a:rPr lang="zh-CN" altLang="en-US"/>
+              <a:t>前提：</a:t>
+            </a:r>
+            <a:endParaRPr lang="zh-CN" altLang="en-US"/>
+          </a:p>
+          <a:p>
+            <a:r>
+              <a:rPr lang="en-US" altLang="zh-CN"/>
+              <a:t>1</a:t>
+            </a:r>
+            <a:r>
+              <a:rPr lang="zh-CN" altLang="en-US"/>
+              <a:t>、系统的状态转移模型和观测模型是线性的</a:t>
+            </a:r>
+            <a:endParaRPr lang="zh-CN" altLang="en-US"/>
+          </a:p>
+          <a:p>
+            <a:r>
+              <a:rPr lang="en-US" altLang="zh-CN"/>
+              <a:t>2</a:t>
+            </a:r>
+            <a:r>
+              <a:rPr lang="zh-CN" altLang="en-US"/>
+              <a:t>、过程噪声和测量噪声满足零均值正态分布且相互</a:t>
+            </a:r>
+            <a:r>
+              <a:rPr lang="zh-CN" altLang="en-US"/>
+              <a:t>独立</a:t>
+            </a:r>
+            <a:endParaRPr lang="zh-CN" altLang="en-US"/>
+          </a:p>
+          <a:p>
+            <a:r>
+              <a:rPr lang="en-US" altLang="zh-CN"/>
+              <a:t>3</a:t>
+            </a:r>
+            <a:r>
+              <a:rPr lang="zh-CN" altLang="en-US"/>
+              <a:t>、初始状态估计是无偏的，初始协方差</a:t>
+            </a:r>
+            <a:r>
+              <a:rPr lang="zh-CN" altLang="en-US"/>
+              <a:t>准确</a:t>
+            </a:r>
+            <a:endParaRPr lang="zh-CN" altLang="en-US"/>
+          </a:p>
+          <a:p>
+            <a:endParaRPr lang="zh-CN" altLang="en-US"/>
+          </a:p>
+        </p:txBody>
+      </p:sp>
+      <p:sp>
+        <p:nvSpPr>
+          <p:cNvPr id="2" name="文本框 1"/>
+          <p:cNvSpPr txBox="1"/>
+          <p:nvPr/>
+        </p:nvSpPr>
+        <p:spPr>
+          <a:xfrm>
+            <a:off x="788035" y="3098165"/>
+            <a:ext cx="8652510" cy="1476375"/>
+          </a:xfrm>
+          <a:prstGeom prst="rect">
+            <a:avLst/>
+          </a:prstGeom>
+          <a:noFill/>
+        </p:spPr>
+        <p:txBody>
+          <a:bodyPr wrap="square" rtlCol="0">
+            <a:spAutoFit/>
+          </a:bodyPr>
+          <a:p>
+            <a:r>
+              <a:rPr lang="zh-CN" altLang="en-US"/>
+              <a:t>原理：</a:t>
+            </a:r>
+            <a:endParaRPr lang="zh-CN" altLang="en-US"/>
+          </a:p>
+          <a:p>
+            <a:r>
+              <a:rPr lang="zh-CN" altLang="en-US"/>
+              <a:t>预测值和测量值都满足正态分布，</a:t>
+            </a:r>
+            <a:r>
+              <a:rPr lang="zh-CN" altLang="en-US">
+                <a:sym typeface="+mn-ea"/>
+              </a:rPr>
+              <a:t>预测值</a:t>
+            </a:r>
+            <a:r>
+              <a:rPr lang="en-US" altLang="zh-CN">
+                <a:sym typeface="+mn-ea"/>
+              </a:rPr>
+              <a:t>=</a:t>
+            </a:r>
+            <a:r>
+              <a:rPr lang="zh-CN" altLang="en-US">
+                <a:sym typeface="+mn-ea"/>
+              </a:rPr>
+              <a:t>前一预测值和测量值的加权。</a:t>
+            </a:r>
+            <a:endParaRPr lang="zh-CN" altLang="en-US">
+              <a:sym typeface="+mn-ea"/>
+            </a:endParaRPr>
+          </a:p>
+          <a:p>
+            <a:r>
+              <a:rPr lang="zh-CN" altLang="en-US"/>
+              <a:t>构造代价函数：预测值的方差，只要预测值的方差越小则预测准确度越高（因为预测是无偏的所以当预测值的方差越小预测值的误差波动最小，预测方差不可能为</a:t>
+            </a:r>
+            <a:r>
+              <a:rPr lang="en-US" altLang="zh-CN"/>
+              <a:t>0</a:t>
+            </a:r>
+            <a:r>
+              <a:rPr lang="zh-CN" altLang="en-US"/>
+              <a:t>只会通过求解最优的</a:t>
+            </a:r>
+            <a:r>
+              <a:rPr lang="en-US" altLang="zh-CN"/>
+              <a:t>K</a:t>
+            </a:r>
+            <a:r>
+              <a:rPr lang="zh-CN" altLang="en-US"/>
+              <a:t>使其接近</a:t>
+            </a:r>
+            <a:r>
+              <a:rPr lang="en-US" altLang="zh-CN"/>
+              <a:t>0</a:t>
+            </a:r>
+            <a:r>
+              <a:rPr lang="zh-CN" altLang="en-US"/>
+              <a:t>）</a:t>
+            </a:r>
+            <a:endParaRPr lang="zh-CN" altLang="en-US"/>
+          </a:p>
+        </p:txBody>
+      </p:sp>
+    </p:spTree>
+  </p:cSld>
+  <p:clrMapOvr>
+    <a:masterClrMapping/>
+  </p:clrMapOvr>
+</p:sld>
+</file>
+
+<file path=ppt/slides/slide20.xml><?xml version="1.0" encoding="utf-8"?>
+<p:sld xmlns:a="http://schemas.openxmlformats.org/drawingml/2006/main" xmlns:r="http://schemas.openxmlformats.org/officeDocument/2006/relationships" xmlns:p="http://schemas.openxmlformats.org/presentationml/2006/main">
+  <p:cSld>
+    <p:spTree>
+      <p:nvGrpSpPr>
+        <p:cNvPr id="1" name=""/>
+        <p:cNvGrpSpPr/>
+        <p:nvPr/>
+      </p:nvGrpSpPr>
+      <p:grpSpPr/>
+      <p:sp>
+        <p:nvSpPr>
+          <p:cNvPr id="4" name="文本框 3"/>
+          <p:cNvSpPr txBox="1"/>
+          <p:nvPr/>
+        </p:nvSpPr>
+        <p:spPr>
+          <a:xfrm>
+            <a:off x="623570" y="537210"/>
+            <a:ext cx="772160" cy="368300"/>
+          </a:xfrm>
+          <a:prstGeom prst="rect">
+            <a:avLst/>
+          </a:prstGeom>
+          <a:noFill/>
+        </p:spPr>
+        <p:txBody>
+          <a:bodyPr wrap="square" rtlCol="0">
+            <a:spAutoFit/>
+          </a:bodyPr>
+          <a:p>
+            <a:r>
+              <a:rPr lang="en-US" altLang="zh-CN"/>
+              <a:t>IMU</a:t>
+            </a:r>
+            <a:endParaRPr lang="zh-CN" altLang="en-US"/>
+          </a:p>
+        </p:txBody>
+      </p:sp>
+      <p:sp>
+        <p:nvSpPr>
+          <p:cNvPr id="5" name="文本框 4"/>
+          <p:cNvSpPr txBox="1"/>
+          <p:nvPr/>
+        </p:nvSpPr>
+        <p:spPr>
+          <a:xfrm>
+            <a:off x="586740" y="1116330"/>
+            <a:ext cx="9112250" cy="922020"/>
+          </a:xfrm>
+          <a:prstGeom prst="rect">
+            <a:avLst/>
+          </a:prstGeom>
+          <a:noFill/>
+        </p:spPr>
+        <p:txBody>
+          <a:bodyPr wrap="square" rtlCol="0">
+            <a:spAutoFit/>
+          </a:bodyPr>
+          <a:p>
+            <a:r>
+              <a:rPr lang="en-US" altLang="zh-CN"/>
+              <a:t>IMU</a:t>
+            </a:r>
+            <a:r>
+              <a:rPr lang="zh-CN" altLang="en-US"/>
+              <a:t>坐标系：芯片内部固有坐标系，</a:t>
+            </a:r>
+            <a:r>
+              <a:rPr lang="en-US" altLang="zh-CN"/>
+              <a:t>imu</a:t>
+            </a:r>
+            <a:r>
+              <a:rPr lang="zh-CN" altLang="en-US"/>
+              <a:t>的测量值是固有坐标系相对世界坐标系的</a:t>
+            </a:r>
+            <a:r>
+              <a:rPr lang="zh-CN" altLang="en-US"/>
+              <a:t>姿态</a:t>
+            </a:r>
+            <a:endParaRPr lang="zh-CN" altLang="en-US"/>
+          </a:p>
+          <a:p>
+            <a:r>
+              <a:rPr lang="en-US" altLang="zh-CN"/>
+              <a:t>imu_link</a:t>
+            </a:r>
+            <a:r>
+              <a:rPr lang="zh-CN" altLang="en-US"/>
+              <a:t>：根据安装槽姿态建立的坐标系</a:t>
+            </a:r>
+            <a:r>
+              <a:rPr lang="en-US" altLang="zh-CN"/>
+              <a:t>(</a:t>
+            </a:r>
+            <a:r>
+              <a:rPr lang="zh-CN" altLang="en-US"/>
+              <a:t>相对</a:t>
+            </a:r>
+            <a:r>
+              <a:rPr lang="en-US" altLang="zh-CN"/>
+              <a:t>base_link</a:t>
+            </a:r>
+            <a:r>
+              <a:rPr lang="zh-CN" altLang="en-US"/>
+              <a:t>的</a:t>
+            </a:r>
+            <a:r>
+              <a:rPr lang="zh-CN" altLang="en-US">
+                <a:sym typeface="+mn-ea"/>
+              </a:rPr>
+              <a:t>安装角度偏移</a:t>
+            </a:r>
+            <a:r>
+              <a:rPr lang="en-US" altLang="zh-CN"/>
+              <a:t>)</a:t>
+            </a:r>
+            <a:endParaRPr lang="zh-CN" altLang="en-US"/>
+          </a:p>
+          <a:p>
+            <a:r>
+              <a:rPr lang="en-US" altLang="zh-CN"/>
+              <a:t>base_link</a:t>
+            </a:r>
+            <a:r>
+              <a:rPr lang="zh-CN" altLang="en-US"/>
+              <a:t>：体坐标系</a:t>
+            </a:r>
+            <a:r>
+              <a:rPr lang="en-US" altLang="zh-CN"/>
+              <a:t>(</a:t>
+            </a:r>
+            <a:r>
+              <a:rPr lang="zh-CN" altLang="en-US"/>
+              <a:t>机器人旋转中心</a:t>
+            </a:r>
+            <a:r>
+              <a:rPr lang="en-US" altLang="zh-CN"/>
+              <a:t>/</a:t>
+            </a:r>
+            <a:r>
+              <a:rPr lang="zh-CN" altLang="en-US"/>
+              <a:t>几何中心</a:t>
+            </a:r>
+            <a:r>
+              <a:rPr lang="en-US" altLang="zh-CN"/>
+              <a:t>/</a:t>
+            </a:r>
+            <a:r>
+              <a:rPr lang="zh-CN" altLang="en-US"/>
+              <a:t>质心</a:t>
+            </a:r>
+            <a:r>
+              <a:rPr lang="en-US" altLang="zh-CN"/>
+              <a:t>)</a:t>
+            </a:r>
+            <a:endParaRPr lang="en-US" altLang="zh-CN"/>
+          </a:p>
+        </p:txBody>
+      </p:sp>
+      <p:sp>
+        <p:nvSpPr>
+          <p:cNvPr id="6" name="文本框 5"/>
+          <p:cNvSpPr txBox="1"/>
+          <p:nvPr/>
+        </p:nvSpPr>
+        <p:spPr>
+          <a:xfrm>
+            <a:off x="623570" y="3551555"/>
+            <a:ext cx="7219950" cy="645160"/>
+          </a:xfrm>
+          <a:prstGeom prst="rect">
+            <a:avLst/>
+          </a:prstGeom>
+          <a:noFill/>
+        </p:spPr>
+        <p:txBody>
+          <a:bodyPr wrap="square" rtlCol="0">
+            <a:spAutoFit/>
+          </a:bodyPr>
+          <a:p>
+            <a:r>
+              <a:rPr lang="zh-CN" altLang="en-US"/>
+              <a:t>机器人当前姿态：</a:t>
+            </a:r>
+            <a:r>
+              <a:rPr lang="en-US" altLang="zh-CN"/>
+              <a:t>base_link</a:t>
+            </a:r>
+            <a:r>
+              <a:rPr lang="zh-CN" altLang="en-US"/>
+              <a:t>相对</a:t>
+            </a:r>
+            <a:r>
+              <a:rPr lang="en-US" altLang="zh-CN"/>
+              <a:t>world_frame</a:t>
+            </a:r>
+            <a:r>
+              <a:rPr lang="zh-CN" altLang="en-US"/>
+              <a:t>的</a:t>
+            </a:r>
+            <a:r>
+              <a:rPr lang="zh-CN" altLang="en-US"/>
+              <a:t>欧拉角</a:t>
+            </a:r>
+            <a:endParaRPr lang="zh-CN" altLang="en-US"/>
+          </a:p>
+          <a:p>
+            <a:r>
+              <a:rPr lang="en-US" altLang="zh-CN"/>
+              <a:t>imu</a:t>
+            </a:r>
+            <a:r>
+              <a:rPr lang="zh-CN" altLang="en-US"/>
+              <a:t>测量姿态减去安装</a:t>
+            </a:r>
+            <a:r>
+              <a:rPr lang="zh-CN" altLang="en-US"/>
+              <a:t>角度偏移</a:t>
+            </a:r>
+            <a:endParaRPr lang="zh-CN" altLang="en-US"/>
+          </a:p>
+        </p:txBody>
+      </p:sp>
+    </p:spTree>
+  </p:cSld>
+  <p:clrMapOvr>
+    <a:masterClrMapping/>
+  </p:clrMapOvr>
+</p:sld>
+</file>
+
+<file path=ppt/slides/slide21.xml><?xml version="1.0" encoding="utf-8"?>
+<p:sld xmlns:a="http://schemas.openxmlformats.org/drawingml/2006/main" xmlns:r="http://schemas.openxmlformats.org/officeDocument/2006/relationships" xmlns:p="http://schemas.openxmlformats.org/presentationml/2006/main">
+  <p:cSld>
+    <p:spTree>
+      <p:nvGrpSpPr>
+        <p:cNvPr id="1" name=""/>
+        <p:cNvGrpSpPr/>
+        <p:nvPr/>
+      </p:nvGrpSpPr>
+      <p:grpSpPr/>
+      <p:sp>
+        <p:nvSpPr>
+          <p:cNvPr id="4" name="文本框 3"/>
+          <p:cNvSpPr txBox="1"/>
+          <p:nvPr/>
+        </p:nvSpPr>
+        <p:spPr>
+          <a:xfrm>
+            <a:off x="725805" y="494030"/>
+            <a:ext cx="4064000" cy="368300"/>
+          </a:xfrm>
+          <a:prstGeom prst="rect">
+            <a:avLst/>
+          </a:prstGeom>
+          <a:noFill/>
+        </p:spPr>
+        <p:txBody>
+          <a:bodyPr wrap="square" rtlCol="0">
+            <a:spAutoFit/>
+          </a:bodyPr>
+          <a:p>
+            <a:r>
+              <a:rPr lang="en-US" altLang="zh-CN"/>
+              <a:t>ROS2</a:t>
+            </a:r>
+            <a:r>
+              <a:rPr lang="zh-CN" altLang="en-US"/>
+              <a:t>中坐标系</a:t>
+            </a:r>
+            <a:r>
+              <a:rPr lang="zh-CN" altLang="en-US"/>
+              <a:t>转换</a:t>
+            </a:r>
+            <a:endParaRPr lang="zh-CN" altLang="en-US"/>
+          </a:p>
+        </p:txBody>
+      </p:sp>
+      <mc:AlternateContent xmlns:mc="http://schemas.openxmlformats.org/markup-compatibility/2006">
+        <mc:Choice xmlns:a14="http://schemas.microsoft.com/office/drawing/2010/main" Requires="a14">
+          <p:sp>
+            <p:nvSpPr>
+              <p:cNvPr id="6" name="文本框 5"/>
+              <p:cNvSpPr txBox="1"/>
+              <p:nvPr/>
+            </p:nvSpPr>
+            <p:spPr>
+              <a:xfrm>
+                <a:off x="3959225" y="1270635"/>
+                <a:ext cx="4064000" cy="368300"/>
+              </a:xfrm>
+              <a:prstGeom prst="rect">
+                <a:avLst/>
+              </a:prstGeom>
+              <a:noFill/>
+            </p:spPr>
+            <p:txBody>
+              <a:bodyPr wrap="square" rtlCol="0">
+                <a:spAutoFit/>
+              </a:bodyPr>
+              <a:p>
+                <a14:m>
+                  <m:oMathPara xmlns:m="http://schemas.openxmlformats.org/officeDocument/2006/math">
+                    <m:oMathParaPr>
+                      <m:jc m:val="centerGroup"/>
+                    </m:oMathParaPr>
+                    <m:oMath xmlns:m="http://schemas.openxmlformats.org/officeDocument/2006/math">
+                      <m:sSub>
+                        <m:sSubPr>
+                          <m:ctrlPr>
+                            <a:rPr lang="en-US" altLang="zh-CN" i="1">
+                              <a:latin typeface="Cambria Math" panose="02040503050406030204" charset="0"/>
+                              <a:cs typeface="Cambria Math" panose="02040503050406030204" charset="0"/>
+                            </a:rPr>
+                          </m:ctrlPr>
+                        </m:sSubPr>
+                        <m:e>
+                          <m:r>
+                            <a:rPr lang="en-US" altLang="zh-CN" i="1">
+                              <a:latin typeface="Cambria Math" panose="02040503050406030204" charset="0"/>
+                              <a:cs typeface="Cambria Math" panose="02040503050406030204" charset="0"/>
+                            </a:rPr>
+                            <m:t>𝑃</m:t>
+                          </m:r>
+                        </m:e>
+                        <m:sub>
+                          <m:r>
+                            <a:rPr lang="en-US" altLang="zh-CN" i="1">
+                              <a:latin typeface="Cambria Math" panose="02040503050406030204" charset="0"/>
+                              <a:cs typeface="Cambria Math" panose="02040503050406030204" charset="0"/>
+                            </a:rPr>
+                            <m:t>𝑏𝑎𝑠𝑒</m:t>
+                          </m:r>
+                        </m:sub>
+                      </m:sSub>
+                      <m:r>
+                        <a:rPr lang="en-US" altLang="zh-CN" i="1">
+                          <a:latin typeface="Cambria Math" panose="02040503050406030204" charset="0"/>
+                          <a:cs typeface="Cambria Math" panose="02040503050406030204" charset="0"/>
+                        </a:rPr>
+                        <m:t>=</m:t>
+                      </m:r>
+                      <m:r>
+                        <a:rPr lang="en-US" altLang="zh-CN" i="1">
+                          <a:latin typeface="Cambria Math" panose="02040503050406030204" charset="0"/>
+                          <a:cs typeface="Cambria Math" panose="02040503050406030204" charset="0"/>
+                        </a:rPr>
+                        <m:t>𝑇</m:t>
+                      </m:r>
+                      <m:sSub>
+                        <m:sSubPr>
+                          <m:ctrlPr>
+                            <a:rPr lang="en-US" altLang="zh-CN" i="1">
+                              <a:latin typeface="Cambria Math" panose="02040503050406030204" charset="0"/>
+                              <a:cs typeface="Cambria Math" panose="02040503050406030204" charset="0"/>
+                            </a:rPr>
+                          </m:ctrlPr>
+                        </m:sSubPr>
+                        <m:e>
+                          <m:r>
+                            <a:rPr lang="en-US" altLang="zh-CN" i="1">
+                              <a:latin typeface="Cambria Math" panose="02040503050406030204" charset="0"/>
+                              <a:cs typeface="Cambria Math" panose="02040503050406030204" charset="0"/>
+                            </a:rPr>
+                            <m:t>𝑃</m:t>
+                          </m:r>
+                        </m:e>
+                        <m:sub>
+                          <m:r>
+                            <a:rPr lang="en-US" altLang="zh-CN" i="1">
+                              <a:latin typeface="Cambria Math" panose="02040503050406030204" charset="0"/>
+                              <a:cs typeface="Cambria Math" panose="02040503050406030204" charset="0"/>
+                            </a:rPr>
+                            <m:t>𝑖𝑚𝑢</m:t>
+                          </m:r>
+                        </m:sub>
+                      </m:sSub>
+                    </m:oMath>
+                  </m:oMathPara>
+                </a14:m>
+                <a:endParaRPr lang="zh-CN" altLang="en-US"/>
+              </a:p>
+            </p:txBody>
+          </p:sp>
+        </mc:Choice>
+        <mc:Fallback>
+          <p:sp>
+            <p:nvSpPr>
+              <p:cNvPr id="6" name="文本框 5"/>
+              <p:cNvSpPr txBox="1">
+                <a:spLocks noRot="1" noChangeAspect="1" noMove="1" noResize="1" noEditPoints="1" noAdjustHandles="1" noChangeArrowheads="1" noChangeShapeType="1" noTextEdit="1"/>
+              </p:cNvSpPr>
+              <p:nvPr/>
+            </p:nvSpPr>
+            <p:spPr>
+              <a:xfrm>
+                <a:off x="3959225" y="1270635"/>
+                <a:ext cx="4064000" cy="368300"/>
+              </a:xfrm>
+              <a:prstGeom prst="rect">
+                <a:avLst/>
+              </a:prstGeom>
+              <a:blipFill rotWithShape="1">
+                <a:blip r:embed="rId1"/>
+                <a:stretch>
+                  <a:fillRect/>
+                </a:stretch>
+              </a:blipFill>
+            </p:spPr>
+            <p:txBody>
+              <a:bodyPr/>
+              <a:lstStyle/>
+              <a:p>
+                <a:r>
+                  <a:rPr lang="zh-CN" altLang="en-US">
+                    <a:noFill/>
+                  </a:rPr>
+                  <a:t> </a:t>
+                </a:r>
+              </a:p>
+            </p:txBody>
+          </p:sp>
+        </mc:Fallback>
+      </mc:AlternateContent>
+      <mc:AlternateContent xmlns:mc="http://schemas.openxmlformats.org/markup-compatibility/2006">
+        <mc:Choice xmlns:a14="http://schemas.microsoft.com/office/drawing/2010/main" Requires="a14">
+          <p:sp>
+            <p:nvSpPr>
+              <p:cNvPr id="7" name="文本框 6"/>
+              <p:cNvSpPr txBox="1"/>
+              <p:nvPr/>
+            </p:nvSpPr>
+            <p:spPr>
+              <a:xfrm>
+                <a:off x="1209675" y="2737485"/>
+                <a:ext cx="4064000" cy="922020"/>
+              </a:xfrm>
+              <a:prstGeom prst="rect">
+                <a:avLst/>
+              </a:prstGeom>
+              <a:noFill/>
+            </p:spPr>
+            <p:txBody>
+              <a:bodyPr wrap="square" rtlCol="0">
+                <a:spAutoFit/>
+              </a:bodyPr>
+              <a:p>
+                <a:r>
+                  <a:rPr lang="zh-CN" altLang="en-US"/>
+                  <a:t>向心加速度：</a:t>
+                </a:r>
+                <a14:m>
+                  <m:oMath xmlns:m="http://schemas.openxmlformats.org/officeDocument/2006/math">
+                    <m:sSub>
+                      <m:sSubPr>
+                        <m:ctrlPr>
+                          <a:rPr lang="en-US" altLang="zh-CN" b="1" i="1">
+                            <a:latin typeface="Cambria Math" panose="02040503050406030204" charset="0"/>
+                            <a:cs typeface="Cambria Math" panose="02040503050406030204" charset="0"/>
+                          </a:rPr>
+                        </m:ctrlPr>
+                      </m:sSubPr>
+                      <m:e>
+                        <m:r>
+                          <a:rPr lang="en-US" altLang="zh-CN" b="1" i="1">
+                            <a:latin typeface="Cambria Math" panose="02040503050406030204" charset="0"/>
+                            <a:cs typeface="Cambria Math" panose="02040503050406030204" charset="0"/>
+                          </a:rPr>
+                          <m:t>𝒂</m:t>
+                        </m:r>
+                      </m:e>
+                      <m:sub>
+                        <m:r>
+                          <a:rPr lang="en-US" altLang="zh-CN" b="1" i="1">
+                            <a:latin typeface="Cambria Math" panose="02040503050406030204" charset="0"/>
+                            <a:cs typeface="Cambria Math" panose="02040503050406030204" charset="0"/>
+                          </a:rPr>
+                          <m:t>𝒏</m:t>
+                        </m:r>
+                      </m:sub>
+                    </m:sSub>
+                    <m:r>
+                      <a:rPr lang="en-US" altLang="zh-CN" i="1">
+                        <a:latin typeface="Cambria Math" panose="02040503050406030204" charset="0"/>
+                        <a:cs typeface="Cambria Math" panose="02040503050406030204" charset="0"/>
+                      </a:rPr>
+                      <m:t>=</m:t>
+                    </m:r>
+                    <m:r>
+                      <a:rPr lang="en-US" altLang="zh-CN" b="1" i="1">
+                        <a:latin typeface="Cambria Math" panose="02040503050406030204" charset="0"/>
+                        <a:cs typeface="Cambria Math" panose="02040503050406030204" charset="0"/>
+                      </a:rPr>
+                      <m:t>𝝎</m:t>
+                    </m:r>
+                    <m:r>
+                      <a:rPr lang="en-US" altLang="zh-CN" i="1">
+                        <a:latin typeface="Cambria Math" panose="02040503050406030204" charset="0"/>
+                        <a:cs typeface="Cambria Math" panose="02040503050406030204" charset="0"/>
+                      </a:rPr>
+                      <m:t>×</m:t>
+                    </m:r>
+                    <m:d>
+                      <m:dPr>
+                        <m:ctrlPr>
+                          <a:rPr lang="en-US" altLang="zh-CN" i="1">
+                            <a:latin typeface="Cambria Math" panose="02040503050406030204" charset="0"/>
+                            <a:cs typeface="Cambria Math" panose="02040503050406030204" charset="0"/>
+                          </a:rPr>
+                        </m:ctrlPr>
+                      </m:dPr>
+                      <m:e>
+                        <m:r>
+                          <a:rPr lang="en-US" altLang="zh-CN" b="1" i="1">
+                            <a:latin typeface="Cambria Math" panose="02040503050406030204" charset="0"/>
+                            <a:cs typeface="Cambria Math" panose="02040503050406030204" charset="0"/>
+                          </a:rPr>
+                          <m:t>𝝎</m:t>
+                        </m:r>
+                        <m:r>
+                          <a:rPr lang="en-US" altLang="zh-CN" i="1">
+                            <a:latin typeface="Cambria Math" panose="02040503050406030204" charset="0"/>
+                            <a:cs typeface="Cambria Math" panose="02040503050406030204" charset="0"/>
+                          </a:rPr>
+                          <m:t>×</m:t>
+                        </m:r>
+                        <m:r>
+                          <a:rPr lang="en-US" altLang="zh-CN" b="1" i="1">
+                            <a:latin typeface="Cambria Math" panose="02040503050406030204" charset="0"/>
+                            <a:cs typeface="Cambria Math" panose="02040503050406030204" charset="0"/>
+                          </a:rPr>
+                          <m:t>𝒓</m:t>
+                        </m:r>
+                      </m:e>
+                    </m:d>
+                  </m:oMath>
+                </a14:m>
+                <a:endParaRPr lang="en-US" altLang="zh-CN" i="1">
+                  <a:latin typeface="Cambria Math" panose="02040503050406030204" charset="0"/>
+                  <a:cs typeface="Cambria Math" panose="02040503050406030204" charset="0"/>
+                </a:endParaRPr>
+              </a:p>
+              <a:p>
+                <a:r>
+                  <a:rPr lang="zh-CN" altLang="en-US"/>
+                  <a:t>切向加速度：</a:t>
+                </a:r>
+                <a14:m>
+                  <m:oMath xmlns:m="http://schemas.openxmlformats.org/officeDocument/2006/math">
+                    <m:sSub>
+                      <m:sSubPr>
+                        <m:ctrlPr>
+                          <a:rPr lang="en-US" altLang="zh-CN" b="1" i="1">
+                            <a:latin typeface="Cambria Math" panose="02040503050406030204" charset="0"/>
+                            <a:cs typeface="Cambria Math" panose="02040503050406030204" charset="0"/>
+                          </a:rPr>
+                        </m:ctrlPr>
+                      </m:sSubPr>
+                      <m:e>
+                        <m:r>
+                          <a:rPr lang="en-US" altLang="zh-CN" b="1" i="1">
+                            <a:latin typeface="Cambria Math" panose="02040503050406030204" charset="0"/>
+                            <a:cs typeface="Cambria Math" panose="02040503050406030204" charset="0"/>
+                          </a:rPr>
+                          <m:t>𝒂</m:t>
+                        </m:r>
+                      </m:e>
+                      <m:sub>
+                        <m:r>
+                          <a:rPr lang="en-US" altLang="zh-CN" b="1" i="1">
+                            <a:latin typeface="Cambria Math" panose="02040503050406030204" charset="0"/>
+                            <a:cs typeface="Cambria Math" panose="02040503050406030204" charset="0"/>
+                          </a:rPr>
+                          <m:t>𝒕</m:t>
+                        </m:r>
+                      </m:sub>
+                    </m:sSub>
+                    <m:r>
+                      <a:rPr lang="en-US" altLang="zh-CN" i="1">
+                        <a:latin typeface="Cambria Math" panose="02040503050406030204" charset="0"/>
+                        <a:cs typeface="Cambria Math" panose="02040503050406030204" charset="0"/>
+                      </a:rPr>
+                      <m:t>=</m:t>
+                    </m:r>
+                    <m:r>
+                      <a:rPr lang="en-US" altLang="zh-CN" b="1" i="1">
+                        <a:latin typeface="Cambria Math" panose="02040503050406030204" charset="0"/>
+                        <a:cs typeface="Cambria Math" panose="02040503050406030204" charset="0"/>
+                      </a:rPr>
+                      <m:t>𝜶</m:t>
+                    </m:r>
+                    <m:r>
+                      <a:rPr lang="en-US" altLang="zh-CN" i="1">
+                        <a:latin typeface="Cambria Math" panose="02040503050406030204" charset="0"/>
+                        <a:cs typeface="Cambria Math" panose="02040503050406030204" charset="0"/>
+                      </a:rPr>
+                      <m:t>×</m:t>
+                    </m:r>
+                    <m:r>
+                      <a:rPr lang="en-US" altLang="zh-CN" b="1" i="1">
+                        <a:latin typeface="Cambria Math" panose="02040503050406030204" charset="0"/>
+                        <a:cs typeface="Cambria Math" panose="02040503050406030204" charset="0"/>
+                      </a:rPr>
+                      <m:t>𝒓</m:t>
+                    </m:r>
+                  </m:oMath>
+                </a14:m>
+                <a:endParaRPr lang="en-US" altLang="zh-CN" b="1" i="1">
+                  <a:latin typeface="Cambria Math" panose="02040503050406030204" charset="0"/>
+                  <a:cs typeface="Cambria Math" panose="02040503050406030204" charset="0"/>
+                </a:endParaRPr>
+              </a:p>
+              <a:p>
+                <a:r>
+                  <a:rPr lang="zh-CN" altLang="en-US">
+                    <a:latin typeface="Cambria Math" panose="02040503050406030204" charset="0"/>
+                    <a:cs typeface="Cambria Math" panose="02040503050406030204" charset="0"/>
+                  </a:rPr>
+                  <a:t>质点加速度：</a:t>
+                </a:r>
+                <a14:m>
+                  <m:oMath xmlns:m="http://schemas.openxmlformats.org/officeDocument/2006/math">
+                    <m:r>
+                      <a:rPr lang="en-US" altLang="zh-CN" b="1" i="1">
+                        <a:latin typeface="Cambria Math" panose="02040503050406030204" charset="0"/>
+                        <a:cs typeface="Cambria Math" panose="02040503050406030204" charset="0"/>
+                      </a:rPr>
+                      <m:t>𝒂</m:t>
+                    </m:r>
+                    <m:r>
+                      <a:rPr lang="en-US" altLang="zh-CN" i="1">
+                        <a:latin typeface="Cambria Math" panose="02040503050406030204" charset="0"/>
+                        <a:cs typeface="Cambria Math" panose="02040503050406030204" charset="0"/>
+                      </a:rPr>
+                      <m:t>=</m:t>
+                    </m:r>
+                    <m:sSub>
+                      <m:sSubPr>
+                        <m:ctrlPr>
+                          <a:rPr lang="en-US" altLang="zh-CN" b="1" i="1">
+                            <a:latin typeface="Cambria Math" panose="02040503050406030204" charset="0"/>
+                            <a:cs typeface="Cambria Math" panose="02040503050406030204" charset="0"/>
+                          </a:rPr>
+                        </m:ctrlPr>
+                      </m:sSubPr>
+                      <m:e>
+                        <m:r>
+                          <a:rPr lang="en-US" altLang="zh-CN" b="1" i="1">
+                            <a:latin typeface="Cambria Math" panose="02040503050406030204" charset="0"/>
+                            <a:cs typeface="Cambria Math" panose="02040503050406030204" charset="0"/>
+                          </a:rPr>
+                          <m:t>𝒂</m:t>
+                        </m:r>
+                      </m:e>
+                      <m:sub>
+                        <m:r>
+                          <a:rPr lang="en-US" altLang="zh-CN" b="1" i="1">
+                            <a:latin typeface="Cambria Math" panose="02040503050406030204" charset="0"/>
+                            <a:cs typeface="Cambria Math" panose="02040503050406030204" charset="0"/>
+                          </a:rPr>
+                          <m:t>𝟎</m:t>
+                        </m:r>
+                      </m:sub>
+                    </m:sSub>
+                    <m:r>
+                      <a:rPr lang="en-US" altLang="zh-CN" i="1">
+                        <a:latin typeface="Cambria Math" panose="02040503050406030204" charset="0"/>
+                        <a:cs typeface="Cambria Math" panose="02040503050406030204" charset="0"/>
+                      </a:rPr>
+                      <m:t>+</m:t>
+                    </m:r>
+                    <m:sSub>
+                      <m:sSubPr>
+                        <m:ctrlPr>
+                          <a:rPr lang="en-US" altLang="zh-CN" b="1" i="1">
+                            <a:latin typeface="Cambria Math" panose="02040503050406030204" charset="0"/>
+                            <a:cs typeface="Cambria Math" panose="02040503050406030204" charset="0"/>
+                          </a:rPr>
+                        </m:ctrlPr>
+                      </m:sSubPr>
+                      <m:e>
+                        <m:r>
+                          <a:rPr lang="en-US" altLang="zh-CN" b="1" i="1">
+                            <a:latin typeface="Cambria Math" panose="02040503050406030204" charset="0"/>
+                            <a:cs typeface="Cambria Math" panose="02040503050406030204" charset="0"/>
+                          </a:rPr>
+                          <m:t>𝒂</m:t>
+                        </m:r>
+                      </m:e>
+                      <m:sub>
+                        <m:r>
+                          <a:rPr lang="en-US" altLang="zh-CN" b="1" i="1">
+                            <a:latin typeface="Cambria Math" panose="02040503050406030204" charset="0"/>
+                            <a:cs typeface="Cambria Math" panose="02040503050406030204" charset="0"/>
+                          </a:rPr>
+                          <m:t>𝒏</m:t>
+                        </m:r>
+                      </m:sub>
+                    </m:sSub>
+                    <m:r>
+                      <a:rPr lang="en-US" altLang="zh-CN" b="1" i="1">
+                        <a:latin typeface="Cambria Math" panose="02040503050406030204" charset="0"/>
+                        <a:cs typeface="Cambria Math" panose="02040503050406030204" charset="0"/>
+                      </a:rPr>
+                      <m:t>+</m:t>
+                    </m:r>
+                    <m:sSub>
+                      <m:sSubPr>
+                        <m:ctrlPr>
+                          <a:rPr lang="en-US" altLang="zh-CN" b="1" i="1">
+                            <a:latin typeface="Cambria Math" panose="02040503050406030204" charset="0"/>
+                            <a:cs typeface="Cambria Math" panose="02040503050406030204" charset="0"/>
+                          </a:rPr>
+                        </m:ctrlPr>
+                      </m:sSubPr>
+                      <m:e>
+                        <m:r>
+                          <a:rPr lang="en-US" altLang="zh-CN" b="1" i="1">
+                            <a:latin typeface="Cambria Math" panose="02040503050406030204" charset="0"/>
+                            <a:cs typeface="Cambria Math" panose="02040503050406030204" charset="0"/>
+                          </a:rPr>
+                          <m:t>𝒂</m:t>
+                        </m:r>
+                      </m:e>
+                      <m:sub>
+                        <m:r>
+                          <a:rPr lang="en-US" altLang="zh-CN" b="1" i="1">
+                            <a:latin typeface="Cambria Math" panose="02040503050406030204" charset="0"/>
+                            <a:cs typeface="Cambria Math" panose="02040503050406030204" charset="0"/>
+                          </a:rPr>
+                          <m:t>𝒕</m:t>
+                        </m:r>
+                      </m:sub>
+                    </m:sSub>
+                  </m:oMath>
+                </a14:m>
+                <a:endParaRPr lang="zh-CN" altLang="en-US">
+                  <a:latin typeface="Cambria Math" panose="02040503050406030204" charset="0"/>
+                  <a:cs typeface="Cambria Math" panose="02040503050406030204" charset="0"/>
+                </a:endParaRPr>
+              </a:p>
+            </p:txBody>
+          </p:sp>
+        </mc:Choice>
+        <mc:Fallback>
+          <p:sp>
+            <p:nvSpPr>
+              <p:cNvPr id="7" name="文本框 6"/>
+              <p:cNvSpPr txBox="1">
+                <a:spLocks noRot="1" noChangeAspect="1" noMove="1" noResize="1" noEditPoints="1" noAdjustHandles="1" noChangeArrowheads="1" noChangeShapeType="1" noTextEdit="1"/>
+              </p:cNvSpPr>
+              <p:nvPr/>
+            </p:nvSpPr>
+            <p:spPr>
+              <a:xfrm>
+                <a:off x="1209675" y="2737485"/>
+                <a:ext cx="4064000" cy="922020"/>
+              </a:xfrm>
+              <a:prstGeom prst="rect">
+                <a:avLst/>
+              </a:prstGeom>
+              <a:blipFill rotWithShape="1">
+                <a:blip r:embed="rId2"/>
+                <a:stretch>
+                  <a:fillRect/>
+                </a:stretch>
+              </a:blipFill>
+            </p:spPr>
+            <p:txBody>
+              <a:bodyPr/>
+              <a:lstStyle/>
+              <a:p>
+                <a:r>
+                  <a:rPr lang="zh-CN" altLang="en-US">
+                    <a:noFill/>
+                  </a:rPr>
+                  <a:t> </a:t>
+                </a:r>
+              </a:p>
+            </p:txBody>
+          </p:sp>
+        </mc:Fallback>
+      </mc:AlternateContent>
+      <mc:AlternateContent xmlns:mc="http://schemas.openxmlformats.org/markup-compatibility/2006">
+        <mc:Choice xmlns:a14="http://schemas.microsoft.com/office/drawing/2010/main" Requires="a14">
+          <p:sp>
+            <p:nvSpPr>
+              <p:cNvPr id="8" name="文本框 7"/>
+              <p:cNvSpPr txBox="1"/>
+              <p:nvPr/>
+            </p:nvSpPr>
+            <p:spPr>
+              <a:xfrm>
+                <a:off x="1296035" y="4192270"/>
+                <a:ext cx="4064000" cy="922020"/>
+              </a:xfrm>
+              <a:prstGeom prst="rect">
+                <a:avLst/>
+              </a:prstGeom>
+              <a:noFill/>
+            </p:spPr>
+            <p:txBody>
+              <a:bodyPr wrap="square" rtlCol="0">
+                <a:spAutoFit/>
+              </a:bodyPr>
+              <a:p>
+                <a14:m>
+                  <m:oMath xmlns:m="http://schemas.openxmlformats.org/officeDocument/2006/math">
+                    <m:r>
+                      <a:rPr lang="en-US" altLang="zh-CN" b="1" i="1">
+                        <a:latin typeface="Cambria Math" panose="02040503050406030204" charset="0"/>
+                        <a:cs typeface="Cambria Math" panose="02040503050406030204" charset="0"/>
+                      </a:rPr>
+                      <m:t>𝝎</m:t>
+                    </m:r>
+                  </m:oMath>
+                </a14:m>
+                <a:r>
+                  <a:rPr lang="zh-CN" altLang="en-US">
+                    <a:latin typeface="Cambria Math" panose="02040503050406030204" charset="0"/>
+                    <a:cs typeface="Cambria Math" panose="02040503050406030204" charset="0"/>
+                  </a:rPr>
+                  <a:t>：瞬时角速度向量</a:t>
+                </a:r>
+                <a:endParaRPr lang="en-US" altLang="zh-CN" i="1">
+                  <a:latin typeface="Cambria Math" panose="02040503050406030204" charset="0"/>
+                  <a:cs typeface="Cambria Math" panose="02040503050406030204" charset="0"/>
+                </a:endParaRPr>
+              </a:p>
+              <a:p>
+                <a14:m>
+                  <m:oMath xmlns:m="http://schemas.openxmlformats.org/officeDocument/2006/math">
+                    <m:r>
+                      <a:rPr lang="en-US" altLang="zh-CN" b="1" i="1">
+                        <a:latin typeface="Cambria Math" panose="02040503050406030204" charset="0"/>
+                        <a:cs typeface="Cambria Math" panose="02040503050406030204" charset="0"/>
+                      </a:rPr>
+                      <m:t>𝜶</m:t>
+                    </m:r>
+                  </m:oMath>
+                </a14:m>
+                <a:r>
+                  <a:rPr lang="zh-CN" altLang="en-US">
+                    <a:latin typeface="Cambria Math" panose="02040503050406030204" charset="0"/>
+                    <a:cs typeface="Cambria Math" panose="02040503050406030204" charset="0"/>
+                  </a:rPr>
+                  <a:t>：切向加速度</a:t>
+                </a:r>
+                <a:r>
+                  <a:rPr lang="zh-CN" altLang="en-US">
+                    <a:latin typeface="Cambria Math" panose="02040503050406030204" charset="0"/>
+                    <a:cs typeface="Cambria Math" panose="02040503050406030204" charset="0"/>
+                  </a:rPr>
+                  <a:t>向量</a:t>
+                </a:r>
+                <a:endParaRPr lang="zh-CN" altLang="en-US">
+                  <a:latin typeface="Cambria Math" panose="02040503050406030204" charset="0"/>
+                  <a:cs typeface="Cambria Math" panose="02040503050406030204" charset="0"/>
+                </a:endParaRPr>
+              </a:p>
+              <a:p>
+                <a14:m>
+                  <m:oMath xmlns:m="http://schemas.openxmlformats.org/officeDocument/2006/math">
+                    <m:sSub>
+                      <m:sSubPr>
+                        <m:ctrlPr>
+                          <a:rPr lang="en-US" altLang="zh-CN" b="1" i="1">
+                            <a:latin typeface="Cambria Math" panose="02040503050406030204" charset="0"/>
+                            <a:cs typeface="Cambria Math" panose="02040503050406030204" charset="0"/>
+                          </a:rPr>
+                        </m:ctrlPr>
+                      </m:sSubPr>
+                      <m:e>
+                        <m:r>
+                          <a:rPr lang="en-US" altLang="zh-CN" b="1" i="1">
+                            <a:latin typeface="Cambria Math" panose="02040503050406030204" charset="0"/>
+                            <a:cs typeface="Cambria Math" panose="02040503050406030204" charset="0"/>
+                          </a:rPr>
+                          <m:t>𝒂</m:t>
+                        </m:r>
+                      </m:e>
+                      <m:sub>
+                        <m:r>
+                          <a:rPr lang="en-US" altLang="zh-CN" b="1" i="1">
+                            <a:latin typeface="Cambria Math" panose="02040503050406030204" charset="0"/>
+                            <a:cs typeface="Cambria Math" panose="02040503050406030204" charset="0"/>
+                          </a:rPr>
+                          <m:t>𝟎</m:t>
+                        </m:r>
+                      </m:sub>
+                    </m:sSub>
+                  </m:oMath>
+                </a14:m>
+                <a:r>
+                  <a:rPr lang="zh-CN" altLang="en-US">
+                    <a:latin typeface="Cambria Math" panose="02040503050406030204" charset="0"/>
+                    <a:cs typeface="Cambria Math" panose="02040503050406030204" charset="0"/>
+                  </a:rPr>
+                  <a:t>：原点加速度</a:t>
+                </a:r>
+                <a:r>
+                  <a:rPr lang="zh-CN" altLang="en-US">
+                    <a:latin typeface="Cambria Math" panose="02040503050406030204" charset="0"/>
+                    <a:cs typeface="Cambria Math" panose="02040503050406030204" charset="0"/>
+                  </a:rPr>
+                  <a:t>向量</a:t>
+                </a:r>
+                <a:endParaRPr lang="zh-CN" altLang="en-US">
+                  <a:latin typeface="Cambria Math" panose="02040503050406030204" charset="0"/>
+                  <a:cs typeface="Cambria Math" panose="02040503050406030204" charset="0"/>
+                </a:endParaRPr>
+              </a:p>
+            </p:txBody>
+          </p:sp>
+        </mc:Choice>
+        <mc:Fallback>
+          <p:sp>
+            <p:nvSpPr>
+              <p:cNvPr id="8" name="文本框 7"/>
+              <p:cNvSpPr txBox="1">
+                <a:spLocks noRot="1" noChangeAspect="1" noMove="1" noResize="1" noEditPoints="1" noAdjustHandles="1" noChangeArrowheads="1" noChangeShapeType="1" noTextEdit="1"/>
+              </p:cNvSpPr>
+              <p:nvPr/>
+            </p:nvSpPr>
+            <p:spPr>
+              <a:xfrm>
+                <a:off x="1296035" y="4192270"/>
+                <a:ext cx="4064000" cy="922020"/>
+              </a:xfrm>
+              <a:prstGeom prst="rect">
+                <a:avLst/>
+              </a:prstGeom>
+              <a:blipFill rotWithShape="1">
+                <a:blip r:embed="rId3"/>
+                <a:stretch>
+                  <a:fillRect/>
+                </a:stretch>
+              </a:blipFill>
+            </p:spPr>
+            <p:txBody>
+              <a:bodyPr/>
+              <a:lstStyle/>
+              <a:p>
+                <a:r>
+                  <a:rPr lang="zh-CN" altLang="en-US">
+                    <a:noFill/>
+                  </a:rPr>
+                  <a:t> </a:t>
+                </a:r>
+              </a:p>
+            </p:txBody>
+          </p:sp>
+        </mc:Fallback>
+      </mc:AlternateContent>
+    </p:spTree>
+  </p:cSld>
+  <p:clrMapOvr>
+    <a:masterClrMapping/>
+  </p:clrMapOvr>
+</p:sld>
+</file>
+
+<file path=ppt/slides/slide3.xml><?xml version="1.0" encoding="utf-8"?>
 <p:sld xmlns:a="http://schemas.openxmlformats.org/drawingml/2006/main" xmlns:r="http://schemas.openxmlformats.org/officeDocument/2006/relationships" xmlns:p="http://schemas.openxmlformats.org/presentationml/2006/main">
   <p:cSld>
     <p:spTree>
@@ -20138,7 +21297,7 @@
 </p:sld>
 </file>
 
-<file path=ppt/slides/slide3.xml><?xml version="1.0" encoding="utf-8"?>
+<file path=ppt/slides/slide4.xml><?xml version="1.0" encoding="utf-8"?>
 <p:sld xmlns:a="http://schemas.openxmlformats.org/drawingml/2006/main" xmlns:r="http://schemas.openxmlformats.org/officeDocument/2006/relationships" xmlns:p="http://schemas.openxmlformats.org/presentationml/2006/main">
   <p:cSld>
     <p:spTree>
@@ -21802,7 +22961,7 @@
 </p:sld>
 </file>
 
-<file path=ppt/slides/slide4.xml><?xml version="1.0" encoding="utf-8"?>
+<file path=ppt/slides/slide5.xml><?xml version="1.0" encoding="utf-8"?>
 <p:sld xmlns:a="http://schemas.openxmlformats.org/drawingml/2006/main" xmlns:r="http://schemas.openxmlformats.org/officeDocument/2006/relationships" xmlns:p="http://schemas.openxmlformats.org/presentationml/2006/main">
   <p:cSld>
     <p:spTree>
@@ -22619,7 +23778,7 @@
 </p:sld>
 </file>
 
-<file path=ppt/slides/slide5.xml><?xml version="1.0" encoding="utf-8"?>
+<file path=ppt/slides/slide6.xml><?xml version="1.0" encoding="utf-8"?>
 <p:sld xmlns:a="http://schemas.openxmlformats.org/drawingml/2006/main" xmlns:r="http://schemas.openxmlformats.org/officeDocument/2006/relationships" xmlns:p="http://schemas.openxmlformats.org/presentationml/2006/main">
   <p:cSld>
     <p:spTree>
@@ -26580,7 +27739,7 @@
 </p:sld>
 </file>
 
-<file path=ppt/slides/slide6.xml><?xml version="1.0" encoding="utf-8"?>
+<file path=ppt/slides/slide7.xml><?xml version="1.0" encoding="utf-8"?>
 <p:sld xmlns:a="http://schemas.openxmlformats.org/drawingml/2006/main" xmlns:r="http://schemas.openxmlformats.org/officeDocument/2006/relationships" xmlns:p="http://schemas.openxmlformats.org/presentationml/2006/main">
   <p:cSld>
     <p:spTree>
@@ -31200,7 +32359,7 @@
 </p:sld>
 </file>
 
-<file path=ppt/slides/slide7.xml><?xml version="1.0" encoding="utf-8"?>
+<file path=ppt/slides/slide8.xml><?xml version="1.0" encoding="utf-8"?>
 <p:sld xmlns:a="http://schemas.openxmlformats.org/drawingml/2006/main" xmlns:r="http://schemas.openxmlformats.org/officeDocument/2006/relationships" xmlns:p="http://schemas.openxmlformats.org/presentationml/2006/main">
   <p:cSld>
     <p:spTree>
@@ -32643,7 +33802,7 @@
 </p:sld>
 </file>
 
-<file path=ppt/slides/slide8.xml><?xml version="1.0" encoding="utf-8"?>
+<file path=ppt/slides/slide9.xml><?xml version="1.0" encoding="utf-8"?>
 <p:sld xmlns:a="http://schemas.openxmlformats.org/drawingml/2006/main" xmlns:r="http://schemas.openxmlformats.org/officeDocument/2006/relationships" xmlns:p="http://schemas.openxmlformats.org/presentationml/2006/main">
   <p:cSld>
     <p:spTree>
@@ -34399,54 +35558,6 @@
 </p:sld>
 </file>
 
-<file path=ppt/slides/slide9.xml><?xml version="1.0" encoding="utf-8"?>
-<p:sld xmlns:a="http://schemas.openxmlformats.org/drawingml/2006/main" xmlns:r="http://schemas.openxmlformats.org/officeDocument/2006/relationships" xmlns:p="http://schemas.openxmlformats.org/presentationml/2006/main">
-  <p:cSld>
-    <p:spTree>
-      <p:nvGrpSpPr>
-        <p:cNvPr id="1" name=""/>
-        <p:cNvGrpSpPr/>
-        <p:nvPr/>
-      </p:nvGrpSpPr>
-      <p:grpSpPr/>
-      <p:sp>
-        <p:nvSpPr>
-          <p:cNvPr id="4" name="文本框 3"/>
-          <p:cNvSpPr txBox="1"/>
-          <p:nvPr/>
-        </p:nvSpPr>
-        <p:spPr>
-          <a:xfrm>
-            <a:off x="2985770" y="2383155"/>
-            <a:ext cx="5640070" cy="1445260"/>
-          </a:xfrm>
-          <a:prstGeom prst="rect">
-            <a:avLst/>
-          </a:prstGeom>
-          <a:noFill/>
-        </p:spPr>
-        <p:txBody>
-          <a:bodyPr wrap="square" rtlCol="0">
-            <a:spAutoFit/>
-          </a:bodyPr>
-          <a:p>
-            <a:pPr algn="ctr"/>
-            <a:r>
-              <a:rPr lang="zh-CN" altLang="en-US" sz="8800"/>
-              <a:t>状态估计</a:t>
-            </a:r>
-            <a:endParaRPr lang="zh-CN" altLang="en-US" sz="8800"/>
-          </a:p>
-        </p:txBody>
-      </p:sp>
-    </p:spTree>
-  </p:cSld>
-  <p:clrMapOvr>
-    <a:masterClrMapping/>
-  </p:clrMapOvr>
-</p:sld>
-</file>
-
 <file path=ppt/theme/theme1.xml><?xml version="1.0" encoding="utf-8"?>
 <a:theme xmlns:a="http://schemas.openxmlformats.org/drawingml/2006/main" name="WPS">
   <a:themeElements>
